--- a/Prezentare/TiberiuBoros.pptx
+++ b/Prezentare/TiberiuBoros.pptx
@@ -14,16 +14,16 @@
     <p:sldId id="256" r:id="rId2"/>
     <p:sldId id="323" r:id="rId3"/>
     <p:sldId id="324" r:id="rId4"/>
-    <p:sldId id="325" r:id="rId5"/>
-    <p:sldId id="326" r:id="rId6"/>
-    <p:sldId id="327" r:id="rId7"/>
-    <p:sldId id="328" r:id="rId8"/>
-    <p:sldId id="329" r:id="rId9"/>
-    <p:sldId id="347" r:id="rId10"/>
-    <p:sldId id="331" r:id="rId11"/>
-    <p:sldId id="332" r:id="rId12"/>
-    <p:sldId id="333" r:id="rId13"/>
-    <p:sldId id="337" r:id="rId14"/>
+    <p:sldId id="348" r:id="rId5"/>
+    <p:sldId id="325" r:id="rId6"/>
+    <p:sldId id="326" r:id="rId7"/>
+    <p:sldId id="327" r:id="rId8"/>
+    <p:sldId id="353" r:id="rId9"/>
+    <p:sldId id="354" r:id="rId10"/>
+    <p:sldId id="350" r:id="rId11"/>
+    <p:sldId id="329" r:id="rId12"/>
+    <p:sldId id="347" r:id="rId13"/>
+    <p:sldId id="355" r:id="rId14"/>
     <p:sldId id="343" r:id="rId15"/>
     <p:sldId id="334" r:id="rId16"/>
     <p:sldId id="335" r:id="rId17"/>
@@ -944,29 +944,19 @@
       </p:grpSpPr>
       <p:sp>
         <p:nvSpPr>
-          <p:cNvPr id="34818" name="Slide Image Placeholder 1"/>
+          <p:cNvPr id="2" name="Slide Image Placeholder 1"/>
           <p:cNvSpPr>
-            <a:spLocks noGrp="1" noRot="1" noChangeAspect="1" noTextEdit="1"/>
+            <a:spLocks noGrp="1" noRot="1" noChangeAspect="1"/>
           </p:cNvSpPr>
           <p:nvPr>
             <p:ph type="sldImg"/>
           </p:nvPr>
         </p:nvSpPr>
-        <p:spPr bwMode="auto">
-          <a:noFill/>
-          <a:ln>
-            <a:solidFill>
-              <a:srgbClr val="000000"/>
-            </a:solidFill>
-            <a:miter lim="800000"/>
-            <a:headEnd/>
-            <a:tailEnd/>
-          </a:ln>
-        </p:spPr>
+        <p:spPr/>
       </p:sp>
       <p:sp>
         <p:nvSpPr>
-          <p:cNvPr id="34819" name="Notes Placeholder 2"/>
+          <p:cNvPr id="3" name="Notes Placeholder 2"/>
           <p:cNvSpPr>
             <a:spLocks noGrp="1"/>
           </p:cNvSpPr>
@@ -974,18 +964,14 @@
             <p:ph type="body" idx="1"/>
           </p:nvPr>
         </p:nvSpPr>
-        <p:spPr bwMode="auto">
-          <a:noFill/>
-        </p:spPr>
+        <p:spPr/>
         <p:txBody>
-          <a:bodyPr wrap="square" numCol="1" anchor="t" anchorCtr="0" compatLnSpc="1">
-            <a:prstTxWarp prst="textNoShape">
-              <a:avLst/>
-            </a:prstTxWarp>
+          <a:bodyPr>
+            <a:normAutofit/>
           </a:bodyPr>
           <a:lstStyle/>
           <a:p>
-            <a:endParaRPr lang="en-US" smtClean="0"/>
+            <a:endParaRPr lang="ro-RO"/>
           </a:p>
         </p:txBody>
       </p:sp>
@@ -996,7 +982,7 @@
             <a:spLocks noGrp="1"/>
           </p:cNvSpPr>
           <p:nvPr>
-            <p:ph type="sldNum" sz="quarter" idx="5"/>
+            <p:ph type="sldNum" sz="quarter" idx="10"/>
           </p:nvPr>
         </p:nvSpPr>
         <p:spPr/>
@@ -1007,12 +993,12 @@
             <a:pPr>
               <a:defRPr/>
             </a:pPr>
-            <a:fld id="{4AD9E745-FF88-4D29-8F87-C4AD97C8FD18}" type="slidenum">
+            <a:fld id="{29339585-4026-4C29-950A-92B40D4E8CB0}" type="slidenum">
               <a:rPr lang="en-US" smtClean="0"/>
               <a:pPr>
                 <a:defRPr/>
               </a:pPr>
-              <a:t>11</a:t>
+              <a:t>12</a:t>
             </a:fld>
             <a:endParaRPr lang="en-US"/>
           </a:p>
@@ -1021,7 +1007,7 @@
     </p:spTree>
     <p:extLst>
       <p:ext uri="{BB962C8B-B14F-4D97-AF65-F5344CB8AC3E}">
-        <p14:creationId xmlns:p14="http://schemas.microsoft.com/office/powerpoint/2010/main" val="2652653956"/>
+        <p14:creationId xmlns:p14="http://schemas.microsoft.com/office/powerpoint/2010/main" val="1453933399"/>
       </p:ext>
     </p:extLst>
   </p:cSld>
@@ -1050,29 +1036,19 @@
       </p:grpSpPr>
       <p:sp>
         <p:nvSpPr>
-          <p:cNvPr id="34818" name="Slide Image Placeholder 1"/>
+          <p:cNvPr id="2" name="Slide Image Placeholder 1"/>
           <p:cNvSpPr>
-            <a:spLocks noGrp="1" noRot="1" noChangeAspect="1" noTextEdit="1"/>
+            <a:spLocks noGrp="1" noRot="1" noChangeAspect="1"/>
           </p:cNvSpPr>
           <p:nvPr>
             <p:ph type="sldImg"/>
           </p:nvPr>
         </p:nvSpPr>
-        <p:spPr bwMode="auto">
-          <a:noFill/>
-          <a:ln>
-            <a:solidFill>
-              <a:srgbClr val="000000"/>
-            </a:solidFill>
-            <a:miter lim="800000"/>
-            <a:headEnd/>
-            <a:tailEnd/>
-          </a:ln>
-        </p:spPr>
+        <p:spPr/>
       </p:sp>
       <p:sp>
         <p:nvSpPr>
-          <p:cNvPr id="34819" name="Notes Placeholder 2"/>
+          <p:cNvPr id="3" name="Notes Placeholder 2"/>
           <p:cNvSpPr>
             <a:spLocks noGrp="1"/>
           </p:cNvSpPr>
@@ -1080,18 +1056,14 @@
             <p:ph type="body" idx="1"/>
           </p:nvPr>
         </p:nvSpPr>
-        <p:spPr bwMode="auto">
-          <a:noFill/>
-        </p:spPr>
+        <p:spPr/>
         <p:txBody>
-          <a:bodyPr wrap="square" numCol="1" anchor="t" anchorCtr="0" compatLnSpc="1">
-            <a:prstTxWarp prst="textNoShape">
-              <a:avLst/>
-            </a:prstTxWarp>
+          <a:bodyPr>
+            <a:normAutofit/>
           </a:bodyPr>
           <a:lstStyle/>
           <a:p>
-            <a:endParaRPr lang="en-US" smtClean="0"/>
+            <a:endParaRPr lang="ro-RO"/>
           </a:p>
         </p:txBody>
       </p:sp>
@@ -1102,7 +1074,7 @@
             <a:spLocks noGrp="1"/>
           </p:cNvSpPr>
           <p:nvPr>
-            <p:ph type="sldNum" sz="quarter" idx="5"/>
+            <p:ph type="sldNum" sz="quarter" idx="10"/>
           </p:nvPr>
         </p:nvSpPr>
         <p:spPr/>
@@ -1113,12 +1085,12 @@
             <a:pPr>
               <a:defRPr/>
             </a:pPr>
-            <a:fld id="{4AD9E745-FF88-4D29-8F87-C4AD97C8FD18}" type="slidenum">
+            <a:fld id="{29339585-4026-4C29-950A-92B40D4E8CB0}" type="slidenum">
               <a:rPr lang="en-US" smtClean="0"/>
               <a:pPr>
                 <a:defRPr/>
               </a:pPr>
-              <a:t>12</a:t>
+              <a:t>13</a:t>
             </a:fld>
             <a:endParaRPr lang="en-US"/>
           </a:p>
@@ -1127,7 +1099,7 @@
     </p:spTree>
     <p:extLst>
       <p:ext uri="{BB962C8B-B14F-4D97-AF65-F5344CB8AC3E}">
-        <p14:creationId xmlns:p14="http://schemas.microsoft.com/office/powerpoint/2010/main" val="4019439545"/>
+        <p14:creationId xmlns:p14="http://schemas.microsoft.com/office/powerpoint/2010/main" val="1644952467"/>
       </p:ext>
     </p:extLst>
   </p:cSld>
@@ -1224,7 +1196,7 @@
               <a:pPr>
                 <a:defRPr/>
               </a:pPr>
-              <a:t>13</a:t>
+              <a:t>14</a:t>
             </a:fld>
             <a:endParaRPr lang="en-US"/>
           </a:p>
@@ -1233,7 +1205,7 @@
     </p:spTree>
     <p:extLst>
       <p:ext uri="{BB962C8B-B14F-4D97-AF65-F5344CB8AC3E}">
-        <p14:creationId xmlns:p14="http://schemas.microsoft.com/office/powerpoint/2010/main" val="2574007545"/>
+        <p14:creationId xmlns:p14="http://schemas.microsoft.com/office/powerpoint/2010/main" val="1052078133"/>
       </p:ext>
     </p:extLst>
   </p:cSld>
@@ -1330,7 +1302,7 @@
               <a:pPr>
                 <a:defRPr/>
               </a:pPr>
-              <a:t>14</a:t>
+              <a:t>15</a:t>
             </a:fld>
             <a:endParaRPr lang="en-US"/>
           </a:p>
@@ -1339,7 +1311,7 @@
     </p:spTree>
     <p:extLst>
       <p:ext uri="{BB962C8B-B14F-4D97-AF65-F5344CB8AC3E}">
-        <p14:creationId xmlns:p14="http://schemas.microsoft.com/office/powerpoint/2010/main" val="1052078133"/>
+        <p14:creationId xmlns:p14="http://schemas.microsoft.com/office/powerpoint/2010/main" val="87965259"/>
       </p:ext>
     </p:extLst>
   </p:cSld>
@@ -1436,7 +1408,7 @@
               <a:pPr>
                 <a:defRPr/>
               </a:pPr>
-              <a:t>15</a:t>
+              <a:t>16</a:t>
             </a:fld>
             <a:endParaRPr lang="en-US"/>
           </a:p>
@@ -1445,7 +1417,7 @@
     </p:spTree>
     <p:extLst>
       <p:ext uri="{BB962C8B-B14F-4D97-AF65-F5344CB8AC3E}">
-        <p14:creationId xmlns:p14="http://schemas.microsoft.com/office/powerpoint/2010/main" val="87965259"/>
+        <p14:creationId xmlns:p14="http://schemas.microsoft.com/office/powerpoint/2010/main" val="1624420631"/>
       </p:ext>
     </p:extLst>
   </p:cSld>
@@ -1542,7 +1514,7 @@
               <a:pPr>
                 <a:defRPr/>
               </a:pPr>
-              <a:t>16</a:t>
+              <a:t>17</a:t>
             </a:fld>
             <a:endParaRPr lang="en-US"/>
           </a:p>
@@ -1551,7 +1523,7 @@
     </p:spTree>
     <p:extLst>
       <p:ext uri="{BB962C8B-B14F-4D97-AF65-F5344CB8AC3E}">
-        <p14:creationId xmlns:p14="http://schemas.microsoft.com/office/powerpoint/2010/main" val="1624420631"/>
+        <p14:creationId xmlns:p14="http://schemas.microsoft.com/office/powerpoint/2010/main" val="2816425537"/>
       </p:ext>
     </p:extLst>
   </p:cSld>
@@ -1648,7 +1620,7 @@
               <a:pPr>
                 <a:defRPr/>
               </a:pPr>
-              <a:t>17</a:t>
+              <a:t>18</a:t>
             </a:fld>
             <a:endParaRPr lang="en-US"/>
           </a:p>
@@ -1657,7 +1629,7 @@
     </p:spTree>
     <p:extLst>
       <p:ext uri="{BB962C8B-B14F-4D97-AF65-F5344CB8AC3E}">
-        <p14:creationId xmlns:p14="http://schemas.microsoft.com/office/powerpoint/2010/main" val="2816425537"/>
+        <p14:creationId xmlns:p14="http://schemas.microsoft.com/office/powerpoint/2010/main" val="2311998191"/>
       </p:ext>
     </p:extLst>
   </p:cSld>
@@ -1754,7 +1726,7 @@
               <a:pPr>
                 <a:defRPr/>
               </a:pPr>
-              <a:t>18</a:t>
+              <a:t>19</a:t>
             </a:fld>
             <a:endParaRPr lang="en-US"/>
           </a:p>
@@ -1763,7 +1735,7 @@
     </p:spTree>
     <p:extLst>
       <p:ext uri="{BB962C8B-B14F-4D97-AF65-F5344CB8AC3E}">
-        <p14:creationId xmlns:p14="http://schemas.microsoft.com/office/powerpoint/2010/main" val="2311998191"/>
+        <p14:creationId xmlns:p14="http://schemas.microsoft.com/office/powerpoint/2010/main" val="1679992950"/>
       </p:ext>
     </p:extLst>
   </p:cSld>
@@ -1860,7 +1832,7 @@
               <a:pPr>
                 <a:defRPr/>
               </a:pPr>
-              <a:t>19</a:t>
+              <a:t>20</a:t>
             </a:fld>
             <a:endParaRPr lang="en-US"/>
           </a:p>
@@ -1869,7 +1841,7 @@
     </p:spTree>
     <p:extLst>
       <p:ext uri="{BB962C8B-B14F-4D97-AF65-F5344CB8AC3E}">
-        <p14:creationId xmlns:p14="http://schemas.microsoft.com/office/powerpoint/2010/main" val="1679992950"/>
+        <p14:creationId xmlns:p14="http://schemas.microsoft.com/office/powerpoint/2010/main" val="749721224"/>
       </p:ext>
     </p:extLst>
   </p:cSld>
@@ -1939,7 +1911,7 @@
           </a:bodyPr>
           <a:lstStyle/>
           <a:p>
-            <a:endParaRPr lang="en-US" smtClean="0"/>
+            <a:endParaRPr lang="en-US" dirty="0" smtClean="0"/>
           </a:p>
         </p:txBody>
       </p:sp>
@@ -1966,7 +1938,7 @@
               <a:pPr>
                 <a:defRPr/>
               </a:pPr>
-              <a:t>20</a:t>
+              <a:t>21</a:t>
             </a:fld>
             <a:endParaRPr lang="en-US"/>
           </a:p>
@@ -1975,7 +1947,7 @@
     </p:spTree>
     <p:extLst>
       <p:ext uri="{BB962C8B-B14F-4D97-AF65-F5344CB8AC3E}">
-        <p14:creationId xmlns:p14="http://schemas.microsoft.com/office/powerpoint/2010/main" val="749721224"/>
+        <p14:creationId xmlns:p14="http://schemas.microsoft.com/office/powerpoint/2010/main" val="685814862"/>
       </p:ext>
     </p:extLst>
   </p:cSld>
@@ -2151,7 +2123,7 @@
           </a:bodyPr>
           <a:lstStyle/>
           <a:p>
-            <a:endParaRPr lang="en-US" dirty="0" smtClean="0"/>
+            <a:endParaRPr lang="en-US" smtClean="0"/>
           </a:p>
         </p:txBody>
       </p:sp>
@@ -2178,112 +2150,6 @@
               <a:pPr>
                 <a:defRPr/>
               </a:pPr>
-              <a:t>21</a:t>
-            </a:fld>
-            <a:endParaRPr lang="en-US"/>
-          </a:p>
-        </p:txBody>
-      </p:sp>
-    </p:spTree>
-    <p:extLst>
-      <p:ext uri="{BB962C8B-B14F-4D97-AF65-F5344CB8AC3E}">
-        <p14:creationId xmlns:p14="http://schemas.microsoft.com/office/powerpoint/2010/main" val="685814862"/>
-      </p:ext>
-    </p:extLst>
-  </p:cSld>
-  <p:clrMapOvr>
-    <a:masterClrMapping/>
-  </p:clrMapOvr>
-</p:notes>
-</file>
-
-<file path=ppt/notesSlides/notesSlide21.xml><?xml version="1.0" encoding="utf-8"?>
-<p:notes xmlns:a="http://schemas.openxmlformats.org/drawingml/2006/main" xmlns:r="http://schemas.openxmlformats.org/officeDocument/2006/relationships" xmlns:p="http://schemas.openxmlformats.org/presentationml/2006/main">
-  <p:cSld>
-    <p:spTree>
-      <p:nvGrpSpPr>
-        <p:cNvPr id="1" name=""/>
-        <p:cNvGrpSpPr/>
-        <p:nvPr/>
-      </p:nvGrpSpPr>
-      <p:grpSpPr>
-        <a:xfrm>
-          <a:off x="0" y="0"/>
-          <a:ext cx="0" cy="0"/>
-          <a:chOff x="0" y="0"/>
-          <a:chExt cx="0" cy="0"/>
-        </a:xfrm>
-      </p:grpSpPr>
-      <p:sp>
-        <p:nvSpPr>
-          <p:cNvPr id="34818" name="Slide Image Placeholder 1"/>
-          <p:cNvSpPr>
-            <a:spLocks noGrp="1" noRot="1" noChangeAspect="1" noTextEdit="1"/>
-          </p:cNvSpPr>
-          <p:nvPr>
-            <p:ph type="sldImg"/>
-          </p:nvPr>
-        </p:nvSpPr>
-        <p:spPr bwMode="auto">
-          <a:noFill/>
-          <a:ln>
-            <a:solidFill>
-              <a:srgbClr val="000000"/>
-            </a:solidFill>
-            <a:miter lim="800000"/>
-            <a:headEnd/>
-            <a:tailEnd/>
-          </a:ln>
-        </p:spPr>
-      </p:sp>
-      <p:sp>
-        <p:nvSpPr>
-          <p:cNvPr id="34819" name="Notes Placeholder 2"/>
-          <p:cNvSpPr>
-            <a:spLocks noGrp="1"/>
-          </p:cNvSpPr>
-          <p:nvPr>
-            <p:ph type="body" idx="1"/>
-          </p:nvPr>
-        </p:nvSpPr>
-        <p:spPr bwMode="auto">
-          <a:noFill/>
-        </p:spPr>
-        <p:txBody>
-          <a:bodyPr wrap="square" numCol="1" anchor="t" anchorCtr="0" compatLnSpc="1">
-            <a:prstTxWarp prst="textNoShape">
-              <a:avLst/>
-            </a:prstTxWarp>
-          </a:bodyPr>
-          <a:lstStyle/>
-          <a:p>
-            <a:endParaRPr lang="en-US" smtClean="0"/>
-          </a:p>
-        </p:txBody>
-      </p:sp>
-      <p:sp>
-        <p:nvSpPr>
-          <p:cNvPr id="4" name="Slide Number Placeholder 3"/>
-          <p:cNvSpPr>
-            <a:spLocks noGrp="1"/>
-          </p:cNvSpPr>
-          <p:nvPr>
-            <p:ph type="sldNum" sz="quarter" idx="5"/>
-          </p:nvPr>
-        </p:nvSpPr>
-        <p:spPr/>
-        <p:txBody>
-          <a:bodyPr/>
-          <a:lstStyle/>
-          <a:p>
-            <a:pPr>
-              <a:defRPr/>
-            </a:pPr>
-            <a:fld id="{4AD9E745-FF88-4D29-8F87-C4AD97C8FD18}" type="slidenum">
-              <a:rPr lang="en-US" smtClean="0"/>
-              <a:pPr>
-                <a:defRPr/>
-              </a:pPr>
               <a:t>22</a:t>
             </a:fld>
             <a:endParaRPr lang="en-US"/>
@@ -2303,7 +2169,7 @@
 </p:notes>
 </file>
 
-<file path=ppt/notesSlides/notesSlide22.xml><?xml version="1.0" encoding="utf-8"?>
+<file path=ppt/notesSlides/notesSlide21.xml><?xml version="1.0" encoding="utf-8"?>
 <p:notes xmlns:a="http://schemas.openxmlformats.org/drawingml/2006/main" xmlns:r="http://schemas.openxmlformats.org/officeDocument/2006/relationships" xmlns:p="http://schemas.openxmlformats.org/presentationml/2006/main">
   <p:cSld>
     <p:spTree>
@@ -2496,7 +2362,7 @@
               <a:pPr>
                 <a:defRPr/>
               </a:pPr>
-              <a:t>4</a:t>
+              <a:t>5</a:t>
             </a:fld>
             <a:endParaRPr lang="en-US"/>
           </a:p>
@@ -2602,7 +2468,7 @@
               <a:pPr>
                 <a:defRPr/>
               </a:pPr>
-              <a:t>5</a:t>
+              <a:t>6</a:t>
             </a:fld>
             <a:endParaRPr lang="en-US"/>
           </a:p>
@@ -2708,7 +2574,7 @@
               <a:pPr>
                 <a:defRPr/>
               </a:pPr>
-              <a:t>6</a:t>
+              <a:t>7</a:t>
             </a:fld>
             <a:endParaRPr lang="en-US"/>
           </a:p>
@@ -2814,7 +2680,7 @@
               <a:pPr>
                 <a:defRPr/>
               </a:pPr>
-              <a:t>7</a:t>
+              <a:t>8</a:t>
             </a:fld>
             <a:endParaRPr lang="en-US"/>
           </a:p>
@@ -2823,7 +2689,7 @@
     </p:spTree>
     <p:extLst>
       <p:ext uri="{BB962C8B-B14F-4D97-AF65-F5344CB8AC3E}">
-        <p14:creationId xmlns:p14="http://schemas.microsoft.com/office/powerpoint/2010/main" val="2305875330"/>
+        <p14:creationId xmlns:p14="http://schemas.microsoft.com/office/powerpoint/2010/main" val="1302712071"/>
       </p:ext>
     </p:extLst>
   </p:cSld>
@@ -2920,7 +2786,7 @@
               <a:pPr>
                 <a:defRPr/>
               </a:pPr>
-              <a:t>8</a:t>
+              <a:t>9</a:t>
             </a:fld>
             <a:endParaRPr lang="en-US"/>
           </a:p>
@@ -2929,7 +2795,7 @@
     </p:spTree>
     <p:extLst>
       <p:ext uri="{BB962C8B-B14F-4D97-AF65-F5344CB8AC3E}">
-        <p14:creationId xmlns:p14="http://schemas.microsoft.com/office/powerpoint/2010/main" val="2687083519"/>
+        <p14:creationId xmlns:p14="http://schemas.microsoft.com/office/powerpoint/2010/main" val="3443440555"/>
       </p:ext>
     </p:extLst>
   </p:cSld>
@@ -2958,19 +2824,29 @@
       </p:grpSpPr>
       <p:sp>
         <p:nvSpPr>
-          <p:cNvPr id="2" name="Slide Image Placeholder 1"/>
+          <p:cNvPr id="34818" name="Slide Image Placeholder 1"/>
           <p:cNvSpPr>
-            <a:spLocks noGrp="1" noRot="1" noChangeAspect="1"/>
+            <a:spLocks noGrp="1" noRot="1" noChangeAspect="1" noTextEdit="1"/>
           </p:cNvSpPr>
           <p:nvPr>
             <p:ph type="sldImg"/>
           </p:nvPr>
         </p:nvSpPr>
-        <p:spPr/>
+        <p:spPr bwMode="auto">
+          <a:noFill/>
+          <a:ln>
+            <a:solidFill>
+              <a:srgbClr val="000000"/>
+            </a:solidFill>
+            <a:miter lim="800000"/>
+            <a:headEnd/>
+            <a:tailEnd/>
+          </a:ln>
+        </p:spPr>
       </p:sp>
       <p:sp>
         <p:nvSpPr>
-          <p:cNvPr id="3" name="Notes Placeholder 2"/>
+          <p:cNvPr id="34819" name="Notes Placeholder 2"/>
           <p:cNvSpPr>
             <a:spLocks noGrp="1"/>
           </p:cNvSpPr>
@@ -2978,14 +2854,18 @@
             <p:ph type="body" idx="1"/>
           </p:nvPr>
         </p:nvSpPr>
-        <p:spPr/>
+        <p:spPr bwMode="auto">
+          <a:noFill/>
+        </p:spPr>
         <p:txBody>
-          <a:bodyPr>
-            <a:normAutofit/>
+          <a:bodyPr wrap="square" numCol="1" anchor="t" anchorCtr="0" compatLnSpc="1">
+            <a:prstTxWarp prst="textNoShape">
+              <a:avLst/>
+            </a:prstTxWarp>
           </a:bodyPr>
           <a:lstStyle/>
           <a:p>
-            <a:endParaRPr lang="ro-RO"/>
+            <a:endParaRPr lang="en-US" smtClean="0"/>
           </a:p>
         </p:txBody>
       </p:sp>
@@ -2996,7 +2876,7 @@
             <a:spLocks noGrp="1"/>
           </p:cNvSpPr>
           <p:nvPr>
-            <p:ph type="sldNum" sz="quarter" idx="10"/>
+            <p:ph type="sldNum" sz="quarter" idx="5"/>
           </p:nvPr>
         </p:nvSpPr>
         <p:spPr/>
@@ -3007,12 +2887,12 @@
             <a:pPr>
               <a:defRPr/>
             </a:pPr>
-            <a:fld id="{29339585-4026-4C29-950A-92B40D4E8CB0}" type="slidenum">
+            <a:fld id="{4AD9E745-FF88-4D29-8F87-C4AD97C8FD18}" type="slidenum">
               <a:rPr lang="en-US" smtClean="0"/>
               <a:pPr>
                 <a:defRPr/>
               </a:pPr>
-              <a:t>9</a:t>
+              <a:t>10</a:t>
             </a:fld>
             <a:endParaRPr lang="en-US"/>
           </a:p>
@@ -3021,7 +2901,7 @@
     </p:spTree>
     <p:extLst>
       <p:ext uri="{BB962C8B-B14F-4D97-AF65-F5344CB8AC3E}">
-        <p14:creationId xmlns:p14="http://schemas.microsoft.com/office/powerpoint/2010/main" val="1453933399"/>
+        <p14:creationId xmlns:p14="http://schemas.microsoft.com/office/powerpoint/2010/main" val="1526680613"/>
       </p:ext>
     </p:extLst>
   </p:cSld>
@@ -3118,7 +2998,7 @@
               <a:pPr>
                 <a:defRPr/>
               </a:pPr>
-              <a:t>10</a:t>
+              <a:t>11</a:t>
             </a:fld>
             <a:endParaRPr lang="en-US"/>
           </a:p>
@@ -3127,7 +3007,7 @@
     </p:spTree>
     <p:extLst>
       <p:ext uri="{BB962C8B-B14F-4D97-AF65-F5344CB8AC3E}">
-        <p14:creationId xmlns:p14="http://schemas.microsoft.com/office/powerpoint/2010/main" val="4243925414"/>
+        <p14:creationId xmlns:p14="http://schemas.microsoft.com/office/powerpoint/2010/main" val="2687083519"/>
       </p:ext>
     </p:extLst>
   </p:cSld>
@@ -5496,14 +5376,14 @@
           <a:p>
             <a:pPr marL="0" indent="0" eaLnBrk="1" hangingPunct="1"/>
             <a:r>
-              <a:rPr lang="en-US" b="1" i="1" smtClean="0">
+              <a:rPr lang="en-US" b="1" i="1" dirty="0" smtClean="0">
                 <a:solidFill>
                   <a:schemeClr val="bg2">
                     <a:lumMod val="25000"/>
                   </a:schemeClr>
                 </a:solidFill>
               </a:rPr>
-              <a:t>July</a:t>
+              <a:t>July 2015</a:t>
             </a:r>
             <a:endParaRPr lang="en-US" b="1" i="1" dirty="0" smtClean="0">
               <a:solidFill>
@@ -5671,7 +5551,7 @@
               </a:rPr>
             </a:br>
             <a:r>
-              <a:rPr kumimoji="0" lang="ro-RO" sz="2100" b="1" i="0" u="none" strike="noStrike" kern="1200" cap="none" spc="0" normalizeH="0" baseline="0" noProof="0" dirty="0" smtClean="0">
+              <a:rPr kumimoji="0" lang="en-US" sz="2100" b="1" i="0" u="none" strike="noStrike" kern="1200" cap="none" spc="0" normalizeH="0" baseline="0" noProof="0" dirty="0" smtClean="0">
                 <a:ln>
                   <a:noFill/>
                 </a:ln>
@@ -5681,10 +5561,11 @@
                 <a:effectLst/>
                 <a:uLnTx/>
                 <a:uFillTx/>
+                <a:latin typeface="Helvetica"/>
                 <a:ea typeface="+mj-ea"/>
-                <a:cs typeface="Arial" pitchFamily="34" charset="0"/>
+                <a:cs typeface="Arial" charset="0"/>
               </a:rPr>
-              <a:t>Coordonatori</a:t>
+              <a:t>Supervisor</a:t>
             </a:r>
             <a:r>
               <a:rPr kumimoji="0" lang="ro-RO" sz="2100" b="1" i="0" u="none" strike="noStrike" kern="1200" cap="none" spc="0" normalizeH="0" noProof="0" dirty="0" smtClean="0">
@@ -5700,7 +5581,55 @@
                 <a:ea typeface="+mj-ea"/>
                 <a:cs typeface="Arial" pitchFamily="34" charset="0"/>
               </a:rPr>
-              <a:t> stiintifici: Prof. Dr. Ing. Ioan SALOMIE</a:t>
+              <a:t>:</a:t>
+            </a:r>
+            <a:r>
+              <a:rPr kumimoji="0" lang="en-US" sz="2100" b="1" i="0" u="none" strike="noStrike" kern="1200" cap="none" spc="0" normalizeH="0" noProof="0" dirty="0" smtClean="0">
+                <a:ln>
+                  <a:noFill/>
+                </a:ln>
+                <a:solidFill>
+                  <a:schemeClr val="tx2"/>
+                </a:solidFill>
+                <a:effectLst/>
+                <a:uLnTx/>
+                <a:uFillTx/>
+                <a:ea typeface="+mj-ea"/>
+                <a:cs typeface="Arial" pitchFamily="34" charset="0"/>
+              </a:rPr>
+              <a:t>		   </a:t>
+            </a:r>
+            <a:r>
+              <a:rPr kumimoji="0" lang="ro-RO" sz="2100" b="1" i="0" u="none" strike="noStrike" kern="1200" cap="none" spc="0" normalizeH="0" noProof="0" dirty="0" smtClean="0">
+                <a:ln>
+                  <a:noFill/>
+                </a:ln>
+                <a:solidFill>
+                  <a:schemeClr val="tx2"/>
+                </a:solidFill>
+                <a:effectLst/>
+                <a:uLnTx/>
+                <a:uFillTx/>
+                <a:ea typeface="+mj-ea"/>
+                <a:cs typeface="Arial" pitchFamily="34" charset="0"/>
+              </a:rPr>
+              <a:t> </a:t>
+            </a:r>
+            <a:r>
+              <a:rPr kumimoji="0" lang="ro-RO" sz="2100" b="1" i="0" u="none" strike="noStrike" kern="1200" cap="none" spc="0" normalizeH="0" noProof="0" dirty="0" smtClean="0">
+                <a:ln>
+                  <a:noFill/>
+                </a:ln>
+                <a:solidFill>
+                  <a:schemeClr val="tx2"/>
+                </a:solidFill>
+                <a:effectLst/>
+                <a:uLnTx/>
+                <a:uFillTx/>
+                <a:ea typeface="+mj-ea"/>
+                <a:cs typeface="Arial" pitchFamily="34" charset="0"/>
+              </a:rPr>
+              <a:t>Prof. Dr. Ing. Ioan SALOMIE</a:t>
             </a:r>
           </a:p>
           <a:p>
@@ -5764,7 +5693,39 @@
                 <a:ea typeface="+mj-ea"/>
                 <a:cs typeface="Arial" pitchFamily="34" charset="0"/>
               </a:rPr>
-              <a:t>			    Prep. Dr. Ing. Cristina POP</a:t>
+              <a:t>			    </a:t>
+            </a:r>
+            <a:r>
+              <a:rPr kumimoji="0" lang="ro-RO" sz="2100" b="1" i="0" u="none" strike="noStrike" kern="1200" cap="none" spc="0" normalizeH="0" noProof="0" dirty="0" smtClean="0">
+                <a:ln>
+                  <a:noFill/>
+                </a:ln>
+                <a:solidFill>
+                  <a:schemeClr val="tx2"/>
+                </a:solidFill>
+                <a:effectLst/>
+                <a:uLnTx/>
+                <a:uFillTx/>
+                <a:ea typeface="+mj-ea"/>
+                <a:cs typeface="Arial" pitchFamily="34" charset="0"/>
+              </a:rPr>
+              <a:t>Dr</a:t>
+            </a:r>
+            <a:r>
+              <a:rPr kumimoji="0" lang="ro-RO" sz="2100" b="1" i="0" u="none" strike="noStrike" kern="1200" cap="none" spc="0" normalizeH="0" noProof="0" dirty="0" smtClean="0">
+                <a:ln>
+                  <a:noFill/>
+                </a:ln>
+                <a:solidFill>
+                  <a:schemeClr val="tx2"/>
+                </a:solidFill>
+                <a:effectLst/>
+                <a:uLnTx/>
+                <a:uFillTx/>
+                <a:ea typeface="+mj-ea"/>
+                <a:cs typeface="Arial" pitchFamily="34" charset="0"/>
+              </a:rPr>
+              <a:t>. Ing. Cristina POP</a:t>
             </a:r>
             <a:r>
               <a:rPr kumimoji="0" lang="en-US" sz="2100" b="1" i="0" u="none" strike="noStrike" kern="1200" cap="none" spc="0" normalizeH="0" baseline="0" noProof="0" dirty="0" smtClean="0">
@@ -5940,171 +5901,6 @@
       </p:grpSpPr>
       <p:sp>
         <p:nvSpPr>
-          <p:cNvPr id="7170" name="Title 1"/>
-          <p:cNvSpPr>
-            <a:spLocks noGrp="1"/>
-          </p:cNvSpPr>
-          <p:nvPr>
-            <p:ph type="title"/>
-          </p:nvPr>
-        </p:nvSpPr>
-        <p:spPr>
-          <a:xfrm>
-            <a:off x="0" y="0"/>
-            <a:ext cx="9144000" cy="1295400"/>
-          </a:xfrm>
-        </p:spPr>
-        <p:txBody>
-          <a:bodyPr/>
-          <a:lstStyle/>
-          <a:p>
-            <a:pPr algn="ctr" eaLnBrk="1" hangingPunct="1"/>
-            <a:r>
-              <a:rPr lang="ro-RO" sz="3100" dirty="0" smtClean="0">
-                <a:latin typeface="Arial" pitchFamily="34" charset="0"/>
-                <a:cs typeface="Arial" pitchFamily="34" charset="0"/>
-              </a:rPr>
-              <a:t/>
-            </a:r>
-            <a:br>
-              <a:rPr lang="ro-RO" sz="3100" dirty="0" smtClean="0">
-                <a:latin typeface="Arial" pitchFamily="34" charset="0"/>
-                <a:cs typeface="Arial" pitchFamily="34" charset="0"/>
-              </a:rPr>
-            </a:br>
-            <a:r>
-              <a:rPr lang="ro-RO" sz="3100" dirty="0" smtClean="0">
-                <a:latin typeface="Arial" pitchFamily="34" charset="0"/>
-                <a:cs typeface="Arial" pitchFamily="34" charset="0"/>
-              </a:rPr>
-              <a:t>Modelul Hibrid Inspirat din Comportamentul Cucilor </a:t>
-            </a:r>
-            <a:r>
-              <a:rPr lang="en-US" sz="3100" dirty="0" smtClean="0">
-                <a:latin typeface="Arial" pitchFamily="34" charset="0"/>
-                <a:cs typeface="Arial" pitchFamily="34" charset="0"/>
-              </a:rPr>
-              <a:t/>
-            </a:r>
-            <a:br>
-              <a:rPr lang="en-US" sz="3100" dirty="0" smtClean="0">
-                <a:latin typeface="Arial" pitchFamily="34" charset="0"/>
-                <a:cs typeface="Arial" pitchFamily="34" charset="0"/>
-              </a:rPr>
-            </a:br>
-            <a:r>
-              <a:rPr lang="en-US" sz="2600" dirty="0" err="1" smtClean="0">
-                <a:latin typeface="Arial" pitchFamily="34" charset="0"/>
-                <a:cs typeface="Arial" pitchFamily="34" charset="0"/>
-              </a:rPr>
-              <a:t>Componenta</a:t>
-            </a:r>
-            <a:r>
-              <a:rPr lang="en-US" sz="2600" dirty="0" smtClean="0">
-                <a:latin typeface="Arial" pitchFamily="34" charset="0"/>
-                <a:cs typeface="Arial" pitchFamily="34" charset="0"/>
-              </a:rPr>
-              <a:t> </a:t>
-            </a:r>
-            <a:r>
-              <a:rPr lang="en-US" sz="2600" dirty="0" err="1" smtClean="0">
-                <a:latin typeface="Arial" pitchFamily="34" charset="0"/>
-                <a:cs typeface="Arial" pitchFamily="34" charset="0"/>
-              </a:rPr>
-              <a:t>hibrida</a:t>
-            </a:r>
-            <a:r>
-              <a:rPr lang="en-US" sz="2600" dirty="0" smtClean="0">
-                <a:latin typeface="Arial" pitchFamily="34" charset="0"/>
-                <a:cs typeface="Arial" pitchFamily="34" charset="0"/>
-              </a:rPr>
-              <a:t> </a:t>
-            </a:r>
-            <a:r>
-              <a:rPr lang="en-US" sz="2600" dirty="0" err="1" smtClean="0">
-                <a:latin typeface="Arial" pitchFamily="34" charset="0"/>
-                <a:cs typeface="Arial" pitchFamily="34" charset="0"/>
-              </a:rPr>
-              <a:t>bazata</a:t>
-            </a:r>
-            <a:r>
-              <a:rPr lang="en-US" sz="2600" dirty="0" smtClean="0">
-                <a:latin typeface="Arial" pitchFamily="34" charset="0"/>
-                <a:cs typeface="Arial" pitchFamily="34" charset="0"/>
-              </a:rPr>
-              <a:t> </a:t>
-            </a:r>
-            <a:r>
-              <a:rPr lang="en-US" sz="2600" dirty="0" err="1" smtClean="0">
-                <a:latin typeface="Arial" pitchFamily="34" charset="0"/>
-                <a:cs typeface="Arial" pitchFamily="34" charset="0"/>
-              </a:rPr>
-              <a:t>pe</a:t>
-            </a:r>
-            <a:r>
-              <a:rPr lang="en-US" sz="2600" dirty="0" smtClean="0">
-                <a:latin typeface="Arial" pitchFamily="34" charset="0"/>
-                <a:cs typeface="Arial" pitchFamily="34" charset="0"/>
-              </a:rPr>
-              <a:t> </a:t>
-            </a:r>
-            <a:r>
-              <a:rPr lang="en-US" sz="2600" dirty="0" err="1" smtClean="0">
-                <a:latin typeface="Arial" pitchFamily="34" charset="0"/>
-                <a:cs typeface="Arial" pitchFamily="34" charset="0"/>
-              </a:rPr>
-              <a:t>algoritmi</a:t>
-            </a:r>
-            <a:r>
-              <a:rPr lang="en-US" sz="2600" dirty="0" smtClean="0">
-                <a:latin typeface="Arial" pitchFamily="34" charset="0"/>
-                <a:cs typeface="Arial" pitchFamily="34" charset="0"/>
-              </a:rPr>
-              <a:t> </a:t>
-            </a:r>
-            <a:r>
-              <a:rPr lang="ro-RO" sz="2600" dirty="0" smtClean="0">
-                <a:latin typeface="Arial" pitchFamily="34" charset="0"/>
-                <a:cs typeface="Arial" pitchFamily="34" charset="0"/>
-              </a:rPr>
-              <a:t>genetic</a:t>
-            </a:r>
-            <a:r>
-              <a:rPr lang="en-US" sz="2600" dirty="0" err="1" smtClean="0">
-                <a:latin typeface="Arial" pitchFamily="34" charset="0"/>
-                <a:cs typeface="Arial" pitchFamily="34" charset="0"/>
-              </a:rPr>
-              <a:t>i</a:t>
-            </a:r>
-            <a:r>
-              <a:rPr lang="ro-RO" sz="2600" dirty="0" smtClean="0">
-                <a:latin typeface="Arial" pitchFamily="34" charset="0"/>
-                <a:cs typeface="Arial" pitchFamily="34" charset="0"/>
-              </a:rPr>
-              <a:t> </a:t>
-            </a:r>
-            <a:r>
-              <a:rPr lang="ro-RO" sz="3100" dirty="0" smtClean="0">
-                <a:latin typeface="Arial" pitchFamily="34" charset="0"/>
-                <a:cs typeface="Arial" pitchFamily="34" charset="0"/>
-              </a:rPr>
-              <a:t/>
-            </a:r>
-            <a:br>
-              <a:rPr lang="ro-RO" sz="3100" dirty="0" smtClean="0">
-                <a:latin typeface="Arial" pitchFamily="34" charset="0"/>
-                <a:cs typeface="Arial" pitchFamily="34" charset="0"/>
-              </a:rPr>
-            </a:br>
-            <a:endParaRPr lang="en-US" sz="3100" dirty="0" smtClean="0">
-              <a:latin typeface="Arial" pitchFamily="34" charset="0"/>
-              <a:cs typeface="Arial" pitchFamily="34" charset="0"/>
-            </a:endParaRPr>
-          </a:p>
-        </p:txBody>
-      </p:sp>
-      <p:sp>
-        <p:nvSpPr>
           <p:cNvPr id="7171" name="Content Placeholder 3"/>
           <p:cNvSpPr>
             <a:spLocks noGrp="1"/>
@@ -6115,61 +5911,40 @@
         </p:nvSpPr>
         <p:spPr>
           <a:xfrm>
-            <a:off x="152400" y="1600200"/>
-            <a:ext cx="8613775" cy="4495800"/>
+            <a:off x="612775" y="1600200"/>
+            <a:ext cx="8153400" cy="4495800"/>
           </a:xfrm>
         </p:spPr>
         <p:txBody>
           <a:bodyPr/>
           <a:lstStyle/>
           <a:p>
-            <a:r>
-              <a:rPr lang="en-US" sz="2300" dirty="0" err="1" smtClean="0"/>
-              <a:t>Operatorul</a:t>
-            </a:r>
-            <a:r>
-              <a:rPr lang="en-US" sz="2300" dirty="0" smtClean="0"/>
-              <a:t> genetic </a:t>
-            </a:r>
-            <a:r>
-              <a:rPr lang="en-US" sz="2300" dirty="0" err="1" smtClean="0"/>
-              <a:t>aleator</a:t>
-            </a:r>
-            <a:endParaRPr lang="ro-RO" sz="2300" dirty="0" smtClean="0"/>
+            <a:endParaRPr lang="ro-RO" sz="2100" dirty="0" smtClean="0"/>
+          </a:p>
+          <a:p>
+            <a:endParaRPr lang="ro-RO" sz="2100" dirty="0" smtClean="0"/>
+          </a:p>
+          <a:p>
+            <a:endParaRPr lang="ro-RO" sz="2100" dirty="0" smtClean="0"/>
+          </a:p>
+          <a:p>
+            <a:pPr>
+              <a:buNone/>
+            </a:pPr>
+            <a:endParaRPr lang="ro-RO" sz="1800" dirty="0" smtClean="0"/>
           </a:p>
           <a:p>
             <a:pPr lvl="1">
-              <a:buFont typeface="Wingdings" pitchFamily="2" charset="2"/>
-              <a:buChar char="§"/>
+              <a:buNone/>
             </a:pPr>
-            <a:r>
-              <a:rPr lang="ro-RO" sz="1900" dirty="0" smtClean="0"/>
-              <a:t>Motivatie: </a:t>
-            </a:r>
-            <a:r>
-              <a:rPr lang="en-US" sz="1900" dirty="0" err="1" smtClean="0"/>
-              <a:t>exploatarea</a:t>
-            </a:r>
-            <a:r>
-              <a:rPr lang="en-US" sz="1900" dirty="0" smtClean="0"/>
-              <a:t> </a:t>
-            </a:r>
-            <a:r>
-              <a:rPr lang="en-US" sz="1900" dirty="0" err="1" smtClean="0"/>
-              <a:t>spatiului</a:t>
-            </a:r>
-            <a:r>
-              <a:rPr lang="en-US" sz="1900" dirty="0" smtClean="0"/>
-              <a:t> de </a:t>
-            </a:r>
-            <a:r>
-              <a:rPr lang="en-US" sz="1900" dirty="0" err="1" smtClean="0"/>
-              <a:t>cautare</a:t>
-            </a:r>
-            <a:endParaRPr lang="ro-RO" sz="1900" dirty="0" smtClean="0"/>
-          </a:p>
-          <a:p>
-            <a:endParaRPr lang="ro-RO" sz="2400" dirty="0" smtClean="0"/>
+            <a:endParaRPr lang="vi-VN" sz="2100" dirty="0" smtClean="0"/>
+          </a:p>
+          <a:p>
+            <a:pPr lvl="1" eaLnBrk="1" hangingPunct="1"/>
+            <a:endParaRPr lang="en-US" sz="2100" b="1" dirty="0" smtClean="0">
+              <a:latin typeface="Arial" pitchFamily="34" charset="0"/>
+              <a:cs typeface="Arial" pitchFamily="34" charset="0"/>
+            </a:endParaRPr>
           </a:p>
         </p:txBody>
       </p:sp>
@@ -6223,116 +5998,657 @@
           </a:p>
         </p:txBody>
       </p:sp>
+      <p:graphicFrame>
+        <p:nvGraphicFramePr>
+          <p:cNvPr id="5" name="Table 4"/>
+          <p:cNvGraphicFramePr>
+            <a:graphicFrameLocks noGrp="1"/>
+          </p:cNvGraphicFramePr>
+          <p:nvPr>
+            <p:extLst>
+              <p:ext uri="{D42A27DB-BD31-4B8C-83A1-F6EECF244321}">
+                <p14:modId xmlns:p14="http://schemas.microsoft.com/office/powerpoint/2010/main" val="2940380399"/>
+              </p:ext>
+            </p:extLst>
+          </p:nvPr>
+        </p:nvGraphicFramePr>
+        <p:xfrm>
+          <a:off x="179512" y="3501008"/>
+          <a:ext cx="8586663" cy="2821749"/>
+        </p:xfrm>
+        <a:graphic>
+          <a:graphicData uri="http://schemas.openxmlformats.org/drawingml/2006/table">
+            <a:tbl>
+              <a:tblPr>
+                <a:tableStyleId>{793D81CF-94F2-401A-BA57-92F5A7B2D0C5}</a:tableStyleId>
+              </a:tblPr>
+              <a:tblGrid>
+                <a:gridCol w="3659889"/>
+                <a:gridCol w="4926774"/>
+              </a:tblGrid>
+              <a:tr h="28863">
+                <a:tc>
+                  <a:txBody>
+                    <a:bodyPr/>
+                    <a:lstStyle/>
+                    <a:p>
+                      <a:pPr marL="0" marR="0" indent="0" algn="l">
+                        <a:spcBef>
+                          <a:spcPts val="0"/>
+                        </a:spcBef>
+                        <a:spcAft>
+                          <a:spcPts val="0"/>
+                        </a:spcAft>
+                      </a:pPr>
+                      <a:r>
+                        <a:rPr lang="en-US" sz="1800" b="1" dirty="0" smtClean="0">
+                          <a:latin typeface="Arial" pitchFamily="34" charset="0"/>
+                          <a:cs typeface="Arial" pitchFamily="34" charset="0"/>
+                        </a:rPr>
+                        <a:t>Biological Concepts</a:t>
+                      </a:r>
+                      <a:endParaRPr lang="en-US" sz="1800" b="1" dirty="0">
+                        <a:latin typeface="Arial" pitchFamily="34" charset="0"/>
+                        <a:ea typeface="Calibri"/>
+                        <a:cs typeface="Arial" pitchFamily="34" charset="0"/>
+                      </a:endParaRPr>
+                    </a:p>
+                  </a:txBody>
+                  <a:tcPr marL="68580" marR="68580" marT="0" marB="0" anchor="ctr">
+                    <a:lnL w="28575" cap="flat" cmpd="sng" algn="ctr">
+                      <a:noFill/>
+                      <a:prstDash val="solid"/>
+                      <a:round/>
+                      <a:headEnd type="none" w="med" len="med"/>
+                      <a:tailEnd type="none" w="med" len="med"/>
+                    </a:lnL>
+                    <a:lnT w="28575" cap="flat" cmpd="sng" algn="ctr">
+                      <a:solidFill>
+                        <a:schemeClr val="tx1"/>
+                      </a:solidFill>
+                      <a:prstDash val="solid"/>
+                      <a:round/>
+                      <a:headEnd type="none" w="med" len="med"/>
+                      <a:tailEnd type="none" w="med" len="med"/>
+                    </a:lnT>
+                    <a:lnB w="28575" cap="flat" cmpd="sng" algn="ctr">
+                      <a:solidFill>
+                        <a:schemeClr val="tx1"/>
+                      </a:solidFill>
+                      <a:prstDash val="solid"/>
+                      <a:round/>
+                      <a:headEnd type="none" w="med" len="med"/>
+                      <a:tailEnd type="none" w="med" len="med"/>
+                    </a:lnB>
+                  </a:tcPr>
+                </a:tc>
+                <a:tc>
+                  <a:txBody>
+                    <a:bodyPr/>
+                    <a:lstStyle/>
+                    <a:p>
+                      <a:pPr marL="0" marR="0" indent="0" algn="l">
+                        <a:spcBef>
+                          <a:spcPts val="0"/>
+                        </a:spcBef>
+                        <a:spcAft>
+                          <a:spcPts val="0"/>
+                        </a:spcAft>
+                      </a:pPr>
+                      <a:r>
+                        <a:rPr lang="en-US" sz="1800" b="1" dirty="0" smtClean="0">
+                          <a:latin typeface="Arial" pitchFamily="34" charset="0"/>
+                          <a:cs typeface="Arial" pitchFamily="34" charset="0"/>
+                        </a:rPr>
+                        <a:t>Concepts from our Optimization Problem</a:t>
+                      </a:r>
+                      <a:endParaRPr lang="en-US" sz="1800" b="1" dirty="0">
+                        <a:latin typeface="Arial" pitchFamily="34" charset="0"/>
+                        <a:ea typeface="Calibri"/>
+                        <a:cs typeface="Arial" pitchFamily="34" charset="0"/>
+                      </a:endParaRPr>
+                    </a:p>
+                  </a:txBody>
+                  <a:tcPr marL="68580" marR="68580" marT="0" marB="0" anchor="ctr">
+                    <a:lnR w="28575" cap="flat" cmpd="sng" algn="ctr">
+                      <a:noFill/>
+                      <a:prstDash val="solid"/>
+                      <a:round/>
+                      <a:headEnd type="none" w="med" len="med"/>
+                      <a:tailEnd type="none" w="med" len="med"/>
+                    </a:lnR>
+                    <a:lnT w="28575" cap="flat" cmpd="sng" algn="ctr">
+                      <a:solidFill>
+                        <a:schemeClr val="tx1"/>
+                      </a:solidFill>
+                      <a:prstDash val="solid"/>
+                      <a:round/>
+                      <a:headEnd type="none" w="med" len="med"/>
+                      <a:tailEnd type="none" w="med" len="med"/>
+                    </a:lnT>
+                    <a:lnB w="28575" cap="flat" cmpd="sng" algn="ctr">
+                      <a:solidFill>
+                        <a:schemeClr val="tx1"/>
+                      </a:solidFill>
+                      <a:prstDash val="solid"/>
+                      <a:round/>
+                      <a:headEnd type="none" w="med" len="med"/>
+                      <a:tailEnd type="none" w="med" len="med"/>
+                    </a:lnB>
+                  </a:tcPr>
+                </a:tc>
+              </a:tr>
+              <a:tr h="439059">
+                <a:tc>
+                  <a:txBody>
+                    <a:bodyPr/>
+                    <a:lstStyle/>
+                    <a:p>
+                      <a:pPr marL="0" marR="0" indent="0" algn="l">
+                        <a:spcBef>
+                          <a:spcPts val="0"/>
+                        </a:spcBef>
+                        <a:spcAft>
+                          <a:spcPts val="0"/>
+                        </a:spcAft>
+                      </a:pPr>
+                      <a:r>
+                        <a:rPr kumimoji="0" lang="en-US" sz="1800" kern="1200" dirty="0" smtClean="0">
+                          <a:solidFill>
+                            <a:schemeClr val="dk1"/>
+                          </a:solidFill>
+                          <a:effectLst/>
+                          <a:latin typeface="+mn-lt"/>
+                          <a:ea typeface="+mn-ea"/>
+                          <a:cs typeface="+mn-cs"/>
+                        </a:rPr>
+                        <a:t>Egg from a nest</a:t>
+                      </a:r>
+                      <a:endParaRPr lang="en-US" sz="1800" dirty="0">
+                        <a:latin typeface="Arial" pitchFamily="34" charset="0"/>
+                        <a:ea typeface="Calibri"/>
+                        <a:cs typeface="Arial" pitchFamily="34" charset="0"/>
+                      </a:endParaRPr>
+                    </a:p>
+                  </a:txBody>
+                  <a:tcPr marL="68580" marR="68580" marT="0" marB="0" anchor="ctr">
+                    <a:lnL w="28575" cap="flat" cmpd="sng" algn="ctr">
+                      <a:noFill/>
+                      <a:prstDash val="solid"/>
+                      <a:round/>
+                      <a:headEnd type="none" w="med" len="med"/>
+                      <a:tailEnd type="none" w="med" len="med"/>
+                    </a:lnL>
+                    <a:lnT w="28575" cap="flat" cmpd="sng" algn="ctr">
+                      <a:solidFill>
+                        <a:schemeClr val="tx1"/>
+                      </a:solidFill>
+                      <a:prstDash val="solid"/>
+                      <a:round/>
+                      <a:headEnd type="none" w="med" len="med"/>
+                      <a:tailEnd type="none" w="med" len="med"/>
+                    </a:lnT>
+                  </a:tcPr>
+                </a:tc>
+                <a:tc>
+                  <a:txBody>
+                    <a:bodyPr/>
+                    <a:lstStyle/>
+                    <a:p>
+                      <a:pPr marL="0" marR="0" indent="0" algn="l">
+                        <a:spcBef>
+                          <a:spcPts val="0"/>
+                        </a:spcBef>
+                        <a:spcAft>
+                          <a:spcPts val="0"/>
+                        </a:spcAft>
+                      </a:pPr>
+                      <a:r>
+                        <a:rPr kumimoji="0" lang="en-US" sz="1800" kern="1200" dirty="0" smtClean="0">
+                          <a:solidFill>
+                            <a:schemeClr val="dk1"/>
+                          </a:solidFill>
+                          <a:effectLst/>
+                          <a:latin typeface="+mn-lt"/>
+                          <a:ea typeface="+mn-ea"/>
+                          <a:cs typeface="+mn-cs"/>
+                        </a:rPr>
+                        <a:t>Food package</a:t>
+                      </a:r>
+                      <a:r>
+                        <a:rPr kumimoji="0" lang="en-US" sz="1800" kern="1200" baseline="0" dirty="0" smtClean="0">
+                          <a:solidFill>
+                            <a:schemeClr val="dk1"/>
+                          </a:solidFill>
+                          <a:effectLst/>
+                          <a:latin typeface="+mn-lt"/>
+                          <a:ea typeface="+mn-ea"/>
+                          <a:cs typeface="+mn-cs"/>
+                        </a:rPr>
+                        <a:t> (a day’s meal – breakfast, lunch </a:t>
+                      </a:r>
+                      <a:r>
+                        <a:rPr kumimoji="0" lang="en-US" sz="1800" kern="1200" baseline="0" dirty="0" err="1" smtClean="0">
+                          <a:solidFill>
+                            <a:schemeClr val="dk1"/>
+                          </a:solidFill>
+                          <a:effectLst/>
+                          <a:latin typeface="+mn-lt"/>
+                          <a:ea typeface="+mn-ea"/>
+                          <a:cs typeface="+mn-cs"/>
+                        </a:rPr>
+                        <a:t>etc</a:t>
+                      </a:r>
+                      <a:r>
+                        <a:rPr kumimoji="0" lang="en-US" sz="1800" kern="1200" baseline="0" dirty="0" smtClean="0">
+                          <a:solidFill>
+                            <a:schemeClr val="dk1"/>
+                          </a:solidFill>
+                          <a:effectLst/>
+                          <a:latin typeface="+mn-lt"/>
+                          <a:ea typeface="+mn-ea"/>
+                          <a:cs typeface="+mn-cs"/>
+                        </a:rPr>
+                        <a:t>)</a:t>
+                      </a:r>
+                    </a:p>
+                  </a:txBody>
+                  <a:tcPr marL="68580" marR="68580" marT="0" marB="0">
+                    <a:lnR w="28575" cap="flat" cmpd="sng" algn="ctr">
+                      <a:noFill/>
+                      <a:prstDash val="solid"/>
+                      <a:round/>
+                      <a:headEnd type="none" w="med" len="med"/>
+                      <a:tailEnd type="none" w="med" len="med"/>
+                    </a:lnR>
+                    <a:lnT w="28575" cap="flat" cmpd="sng" algn="ctr">
+                      <a:solidFill>
+                        <a:schemeClr val="tx1"/>
+                      </a:solidFill>
+                      <a:prstDash val="solid"/>
+                      <a:round/>
+                      <a:headEnd type="none" w="med" len="med"/>
+                      <a:tailEnd type="none" w="med" len="med"/>
+                    </a:lnT>
+                  </a:tcPr>
+                </a:tc>
+              </a:tr>
+              <a:tr h="439059">
+                <a:tc>
+                  <a:txBody>
+                    <a:bodyPr/>
+                    <a:lstStyle/>
+                    <a:p>
+                      <a:pPr marL="0" marR="0" indent="0" algn="l">
+                        <a:spcBef>
+                          <a:spcPts val="0"/>
+                        </a:spcBef>
+                        <a:spcAft>
+                          <a:spcPts val="0"/>
+                        </a:spcAft>
+                      </a:pPr>
+                      <a:r>
+                        <a:rPr kumimoji="0" lang="en-US" sz="1800" kern="1200" dirty="0" smtClean="0">
+                          <a:solidFill>
+                            <a:schemeClr val="dk1"/>
+                          </a:solidFill>
+                          <a:effectLst/>
+                          <a:latin typeface="+mn-lt"/>
+                          <a:ea typeface="+mn-ea"/>
+                          <a:cs typeface="+mn-cs"/>
+                        </a:rPr>
+                        <a:t>Egg from a cuckoo</a:t>
+                      </a:r>
+                      <a:endParaRPr lang="en-US" sz="1800" dirty="0">
+                        <a:latin typeface="Arial" pitchFamily="34" charset="0"/>
+                        <a:ea typeface="Calibri"/>
+                        <a:cs typeface="Arial" pitchFamily="34" charset="0"/>
+                      </a:endParaRPr>
+                    </a:p>
+                  </a:txBody>
+                  <a:tcPr marL="68580" marR="68580" marT="0" marB="0" anchor="ctr">
+                    <a:lnL w="28575" cap="flat" cmpd="sng" algn="ctr">
+                      <a:noFill/>
+                      <a:prstDash val="solid"/>
+                      <a:round/>
+                      <a:headEnd type="none" w="med" len="med"/>
+                      <a:tailEnd type="none" w="med" len="med"/>
+                    </a:lnL>
+                  </a:tcPr>
+                </a:tc>
+                <a:tc>
+                  <a:txBody>
+                    <a:bodyPr/>
+                    <a:lstStyle/>
+                    <a:p>
+                      <a:pPr marL="0" marR="0" indent="0" algn="l">
+                        <a:spcBef>
+                          <a:spcPts val="0"/>
+                        </a:spcBef>
+                        <a:spcAft>
+                          <a:spcPts val="0"/>
+                        </a:spcAft>
+                      </a:pPr>
+                      <a:r>
+                        <a:rPr lang="en-US" sz="1800" dirty="0" smtClean="0">
+                          <a:latin typeface="Arial" pitchFamily="34" charset="0"/>
+                          <a:ea typeface="Calibri"/>
+                          <a:cs typeface="Arial" pitchFamily="34" charset="0"/>
+                        </a:rPr>
+                        <a:t>Same</a:t>
+                      </a:r>
+                      <a:endParaRPr lang="en-US" sz="1800" dirty="0">
+                        <a:latin typeface="Arial" pitchFamily="34" charset="0"/>
+                        <a:ea typeface="Calibri"/>
+                        <a:cs typeface="Arial" pitchFamily="34" charset="0"/>
+                      </a:endParaRPr>
+                    </a:p>
+                  </a:txBody>
+                  <a:tcPr marL="68580" marR="68580" marT="0" marB="0" anchor="ctr">
+                    <a:lnR w="28575" cap="flat" cmpd="sng" algn="ctr">
+                      <a:noFill/>
+                      <a:prstDash val="solid"/>
+                      <a:round/>
+                      <a:headEnd type="none" w="med" len="med"/>
+                      <a:tailEnd type="none" w="med" len="med"/>
+                    </a:lnR>
+                  </a:tcPr>
+                </a:tc>
+              </a:tr>
+              <a:tr h="439059">
+                <a:tc>
+                  <a:txBody>
+                    <a:bodyPr/>
+                    <a:lstStyle/>
+                    <a:p>
+                      <a:pPr marL="0" marR="0" indent="0" algn="l">
+                        <a:spcBef>
+                          <a:spcPts val="0"/>
+                        </a:spcBef>
+                        <a:spcAft>
+                          <a:spcPts val="0"/>
+                        </a:spcAft>
+                      </a:pPr>
+                      <a:r>
+                        <a:rPr kumimoji="0" lang="en-US" sz="1800" kern="1200" dirty="0" smtClean="0">
+                          <a:solidFill>
+                            <a:schemeClr val="dk1"/>
+                          </a:solidFill>
+                          <a:effectLst/>
+                          <a:latin typeface="+mn-lt"/>
+                          <a:ea typeface="+mn-ea"/>
+                          <a:cs typeface="+mn-cs"/>
+                        </a:rPr>
+                        <a:t>Nest</a:t>
+                      </a:r>
+                      <a:endParaRPr lang="en-US" sz="1800" dirty="0">
+                        <a:latin typeface="Arial" pitchFamily="34" charset="0"/>
+                        <a:ea typeface="Calibri"/>
+                        <a:cs typeface="Arial" pitchFamily="34" charset="0"/>
+                      </a:endParaRPr>
+                    </a:p>
+                  </a:txBody>
+                  <a:tcPr marL="68580" marR="68580" marT="0" marB="0" anchor="ctr">
+                    <a:lnL w="28575" cap="flat" cmpd="sng" algn="ctr">
+                      <a:noFill/>
+                      <a:prstDash val="solid"/>
+                      <a:round/>
+                      <a:headEnd type="none" w="med" len="med"/>
+                      <a:tailEnd type="none" w="med" len="med"/>
+                    </a:lnL>
+                  </a:tcPr>
+                </a:tc>
+                <a:tc>
+                  <a:txBody>
+                    <a:bodyPr/>
+                    <a:lstStyle/>
+                    <a:p>
+                      <a:pPr marL="0" marR="0" indent="0" algn="l">
+                        <a:spcBef>
+                          <a:spcPts val="0"/>
+                        </a:spcBef>
+                        <a:spcAft>
+                          <a:spcPts val="0"/>
+                        </a:spcAft>
+                      </a:pPr>
+                      <a:r>
+                        <a:rPr lang="en-US" sz="1800" dirty="0" smtClean="0">
+                          <a:latin typeface="Arial" pitchFamily="34" charset="0"/>
+                          <a:ea typeface="Calibri"/>
+                          <a:cs typeface="Arial" pitchFamily="34" charset="0"/>
+                        </a:rPr>
+                        <a:t>Solution</a:t>
+                      </a:r>
+                      <a:r>
+                        <a:rPr lang="en-US" sz="1800" baseline="0" dirty="0" smtClean="0">
+                          <a:latin typeface="Arial" pitchFamily="34" charset="0"/>
+                          <a:ea typeface="Calibri"/>
+                          <a:cs typeface="Arial" pitchFamily="34" charset="0"/>
+                        </a:rPr>
+                        <a:t> containing all the 5 meals of a day. Each nest contains exactly 5 eggs which correspond to the meals of a day: breakfast, lunch, dinner, snack1 and snack2</a:t>
+                      </a:r>
+                      <a:endParaRPr lang="en-US" sz="1800" dirty="0">
+                        <a:latin typeface="Arial" pitchFamily="34" charset="0"/>
+                        <a:ea typeface="Calibri"/>
+                        <a:cs typeface="Arial" pitchFamily="34" charset="0"/>
+                      </a:endParaRPr>
+                    </a:p>
+                  </a:txBody>
+                  <a:tcPr marL="68580" marR="68580" marT="0" marB="0" anchor="ctr">
+                    <a:lnR w="28575" cap="flat" cmpd="sng" algn="ctr">
+                      <a:noFill/>
+                      <a:prstDash val="solid"/>
+                      <a:round/>
+                      <a:headEnd type="none" w="med" len="med"/>
+                      <a:tailEnd type="none" w="med" len="med"/>
+                    </a:lnR>
+                  </a:tcPr>
+                </a:tc>
+              </a:tr>
+              <a:tr h="572031">
+                <a:tc>
+                  <a:txBody>
+                    <a:bodyPr/>
+                    <a:lstStyle/>
+                    <a:p>
+                      <a:pPr marL="0" marR="0" indent="0" algn="l">
+                        <a:spcBef>
+                          <a:spcPts val="0"/>
+                        </a:spcBef>
+                        <a:spcAft>
+                          <a:spcPts val="0"/>
+                        </a:spcAft>
+                      </a:pPr>
+                      <a:r>
+                        <a:rPr kumimoji="0" lang="en-US" sz="1800" kern="1200" dirty="0" smtClean="0">
+                          <a:solidFill>
+                            <a:schemeClr val="dk1"/>
+                          </a:solidFill>
+                          <a:effectLst/>
+                          <a:latin typeface="+mn-lt"/>
+                          <a:ea typeface="+mn-ea"/>
+                          <a:cs typeface="+mn-cs"/>
+                        </a:rPr>
+                        <a:t>Best Nest</a:t>
+                      </a:r>
+                      <a:endParaRPr lang="en-US" sz="1800" dirty="0">
+                        <a:latin typeface="Arial" pitchFamily="34" charset="0"/>
+                        <a:ea typeface="Calibri"/>
+                        <a:cs typeface="Arial" pitchFamily="34" charset="0"/>
+                      </a:endParaRPr>
+                    </a:p>
+                  </a:txBody>
+                  <a:tcPr marL="68580" marR="68580" marT="0" marB="0" anchor="ctr">
+                    <a:lnL w="28575" cap="flat" cmpd="sng" algn="ctr">
+                      <a:noFill/>
+                      <a:prstDash val="solid"/>
+                      <a:round/>
+                      <a:headEnd type="none" w="med" len="med"/>
+                      <a:tailEnd type="none" w="med" len="med"/>
+                    </a:lnL>
+                  </a:tcPr>
+                </a:tc>
+                <a:tc>
+                  <a:txBody>
+                    <a:bodyPr/>
+                    <a:lstStyle/>
+                    <a:p>
+                      <a:pPr marL="0" marR="0" indent="0" algn="l">
+                        <a:spcBef>
+                          <a:spcPts val="0"/>
+                        </a:spcBef>
+                        <a:spcAft>
+                          <a:spcPts val="0"/>
+                        </a:spcAft>
+                      </a:pPr>
+                      <a:r>
+                        <a:rPr lang="en-US" sz="1800" dirty="0" smtClean="0">
+                          <a:latin typeface="Arial" pitchFamily="34" charset="0"/>
+                          <a:cs typeface="Arial" pitchFamily="34" charset="0"/>
+                        </a:rPr>
+                        <a:t>The solution with the highest fitness value</a:t>
+                      </a:r>
+                      <a:endParaRPr lang="en-US" sz="1800" dirty="0">
+                        <a:latin typeface="Arial" pitchFamily="34" charset="0"/>
+                        <a:ea typeface="Calibri"/>
+                        <a:cs typeface="Arial" pitchFamily="34" charset="0"/>
+                      </a:endParaRPr>
+                    </a:p>
+                  </a:txBody>
+                  <a:tcPr marL="68580" marR="68580" marT="0" marB="0" anchor="ctr">
+                    <a:lnR w="28575" cap="flat" cmpd="sng" algn="ctr">
+                      <a:noFill/>
+                      <a:prstDash val="solid"/>
+                      <a:round/>
+                      <a:headEnd type="none" w="med" len="med"/>
+                      <a:tailEnd type="none" w="med" len="med"/>
+                    </a:lnR>
+                  </a:tcPr>
+                </a:tc>
+              </a:tr>
+            </a:tbl>
+          </a:graphicData>
+        </a:graphic>
+      </p:graphicFrame>
       <p:sp>
         <p:nvSpPr>
-          <p:cNvPr id="104450" name="Rectangle 2"/>
+          <p:cNvPr id="11" name="Title 1"/>
           <p:cNvSpPr>
-            <a:spLocks noChangeArrowheads="1"/>
+            <a:spLocks noGrp="1"/>
           </p:cNvSpPr>
+          <p:nvPr>
+            <p:ph type="title"/>
+          </p:nvPr>
+        </p:nvSpPr>
+        <p:spPr>
+          <a:xfrm>
+            <a:off x="0" y="0"/>
+            <a:ext cx="9144000" cy="1295400"/>
+          </a:xfrm>
+        </p:spPr>
+        <p:txBody>
+          <a:bodyPr/>
+          <a:lstStyle/>
+          <a:p>
+            <a:pPr lvl="1" algn="ctr" eaLnBrk="1" hangingPunct="1"/>
+            <a:r>
+              <a:rPr lang="ro-RO" dirty="0" smtClean="0">
+                <a:latin typeface="Arial" pitchFamily="34" charset="0"/>
+                <a:cs typeface="Arial" pitchFamily="34" charset="0"/>
+              </a:rPr>
+              <a:t/>
+            </a:r>
+            <a:br>
+              <a:rPr lang="ro-RO" dirty="0" smtClean="0">
+                <a:latin typeface="Arial" pitchFamily="34" charset="0"/>
+                <a:cs typeface="Arial" pitchFamily="34" charset="0"/>
+              </a:rPr>
+            </a:br>
+            <a:r>
+              <a:rPr lang="en-US" sz="3000" dirty="0" smtClean="0">
+                <a:latin typeface="Arial" pitchFamily="34" charset="0"/>
+                <a:cs typeface="Arial" pitchFamily="34" charset="0"/>
+              </a:rPr>
+              <a:t>Proposed Solution</a:t>
+            </a:r>
+            <a:br>
+              <a:rPr lang="en-US" sz="3000" dirty="0" smtClean="0">
+                <a:latin typeface="Arial" pitchFamily="34" charset="0"/>
+                <a:cs typeface="Arial" pitchFamily="34" charset="0"/>
+              </a:rPr>
+            </a:br>
+            <a:r>
+              <a:rPr lang="en-US" sz="2000" dirty="0" smtClean="0">
+                <a:latin typeface="Arial" pitchFamily="34" charset="0"/>
+                <a:cs typeface="Arial" pitchFamily="34" charset="0"/>
+              </a:rPr>
+              <a:t>Core Component</a:t>
+            </a:r>
+            <a:r>
+              <a:rPr lang="ro-RO" sz="1900" dirty="0">
+                <a:latin typeface="Arial" pitchFamily="34" charset="0"/>
+                <a:cs typeface="Arial" pitchFamily="34" charset="0"/>
+              </a:rPr>
+              <a:t/>
+            </a:r>
+            <a:br>
+              <a:rPr lang="ro-RO" sz="1900" dirty="0">
+                <a:latin typeface="Arial" pitchFamily="34" charset="0"/>
+                <a:cs typeface="Arial" pitchFamily="34" charset="0"/>
+              </a:rPr>
+            </a:br>
+            <a:endParaRPr lang="en-US" dirty="0" smtClean="0">
+              <a:latin typeface="Arial" pitchFamily="34" charset="0"/>
+              <a:cs typeface="Arial" pitchFamily="34" charset="0"/>
+            </a:endParaRPr>
+          </a:p>
+        </p:txBody>
+      </p:sp>
+      <p:sp>
+        <p:nvSpPr>
+          <p:cNvPr id="14" name="Rectangle 13"/>
+          <p:cNvSpPr/>
           <p:nvPr/>
         </p:nvSpPr>
-        <p:spPr bwMode="auto">
+        <p:spPr>
           <a:xfrm>
-            <a:off x="0" y="0"/>
-            <a:ext cx="9144000" cy="0"/>
+            <a:off x="-11563" y="1700808"/>
+            <a:ext cx="8777737" cy="1554272"/>
           </a:xfrm>
           <a:prstGeom prst="rect">
             <a:avLst/>
           </a:prstGeom>
-          <a:noFill/>
-          <a:ln w="9525">
-            <a:noFill/>
-            <a:miter lim="800000"/>
-            <a:headEnd/>
-            <a:tailEnd/>
-          </a:ln>
-          <a:effectLst/>
         </p:spPr>
         <p:txBody>
-          <a:bodyPr vert="horz" wrap="none" lIns="91440" tIns="45720" rIns="91440" bIns="45720" numCol="1" anchor="ctr" anchorCtr="0" compatLnSpc="1">
-            <a:prstTxWarp prst="textNoShape">
-              <a:avLst/>
-            </a:prstTxWarp>
+          <a:bodyPr wrap="square">
             <a:spAutoFit/>
           </a:bodyPr>
           <a:lstStyle/>
           <a:p>
-            <a:endParaRPr lang="en-US"/>
+            <a:pPr marL="366713" lvl="1" indent="0">
+              <a:buNone/>
+            </a:pPr>
+            <a:r>
+              <a:rPr lang="en-US" sz="1900" dirty="0"/>
+              <a:t>The </a:t>
+            </a:r>
+            <a:r>
+              <a:rPr lang="en-US" sz="1900" b="1" dirty="0"/>
+              <a:t>core component </a:t>
+            </a:r>
+            <a:r>
+              <a:rPr lang="en-US" sz="1900" dirty="0"/>
+              <a:t>of the model is the Cuckoo Search Optimization-based component which is defined by mapping the concepts from the state of the art Cuckoo Search Optimization algorithm to the concepts associated to the problem of generating the optimal combination of food packages for the meals of the day as follows.</a:t>
+            </a:r>
           </a:p>
         </p:txBody>
       </p:sp>
-      <p:sp>
-        <p:nvSpPr>
-          <p:cNvPr id="104452" name="Rectangle 4"/>
-          <p:cNvSpPr>
-            <a:spLocks noChangeArrowheads="1"/>
-          </p:cNvSpPr>
-          <p:nvPr/>
-        </p:nvSpPr>
-        <p:spPr bwMode="auto">
-          <a:xfrm>
-            <a:off x="0" y="0"/>
-            <a:ext cx="9144000" cy="0"/>
-          </a:xfrm>
-          <a:prstGeom prst="rect">
-            <a:avLst/>
-          </a:prstGeom>
-          <a:noFill/>
-          <a:ln w="9525">
-            <a:noFill/>
-            <a:miter lim="800000"/>
-            <a:headEnd/>
-            <a:tailEnd/>
-          </a:ln>
-          <a:effectLst/>
-        </p:spPr>
-        <p:txBody>
-          <a:bodyPr vert="horz" wrap="none" lIns="91440" tIns="45720" rIns="91440" bIns="45720" numCol="1" anchor="ctr" anchorCtr="0" compatLnSpc="1">
-            <a:prstTxWarp prst="textNoShape">
-              <a:avLst/>
-            </a:prstTxWarp>
-            <a:spAutoFit/>
-          </a:bodyPr>
-          <a:lstStyle/>
-          <a:p>
-            <a:endParaRPr lang="en-US"/>
-          </a:p>
-        </p:txBody>
-      </p:sp>
-      <p:pic>
-        <p:nvPicPr>
-          <p:cNvPr id="152577" name="Picture 1"/>
-          <p:cNvPicPr>
-            <a:picLocks noChangeAspect="1" noChangeArrowheads="1"/>
-          </p:cNvPicPr>
-          <p:nvPr/>
-        </p:nvPicPr>
-        <p:blipFill>
-          <a:blip r:embed="rId3"/>
-          <a:srcRect/>
-          <a:stretch>
-            <a:fillRect/>
-          </a:stretch>
-        </p:blipFill>
-        <p:spPr bwMode="auto">
-          <a:xfrm>
-            <a:off x="1071538" y="2928934"/>
-            <a:ext cx="6789959" cy="2357454"/>
-          </a:xfrm>
-          <a:prstGeom prst="rect">
-            <a:avLst/>
-          </a:prstGeom>
-          <a:noFill/>
-          <a:ln w="9525">
-            <a:noFill/>
-            <a:miter lim="800000"/>
-            <a:headEnd/>
-            <a:tailEnd/>
-          </a:ln>
-          <a:effectLst/>
-        </p:spPr>
-      </p:pic>
     </p:spTree>
+    <p:extLst>
+      <p:ext uri="{BB962C8B-B14F-4D97-AF65-F5344CB8AC3E}">
+        <p14:creationId xmlns:p14="http://schemas.microsoft.com/office/powerpoint/2010/main" val="2913087420"/>
+      </p:ext>
+    </p:extLst>
   </p:cSld>
   <p:clrMapOvr>
     <a:masterClrMapping/>
@@ -6366,151 +6682,6 @@
       </p:grpSpPr>
       <p:sp>
         <p:nvSpPr>
-          <p:cNvPr id="7170" name="Title 1"/>
-          <p:cNvSpPr>
-            <a:spLocks noGrp="1"/>
-          </p:cNvSpPr>
-          <p:nvPr>
-            <p:ph type="title"/>
-          </p:nvPr>
-        </p:nvSpPr>
-        <p:spPr>
-          <a:xfrm>
-            <a:off x="0" y="0"/>
-            <a:ext cx="9144000" cy="1295400"/>
-          </a:xfrm>
-        </p:spPr>
-        <p:txBody>
-          <a:bodyPr/>
-          <a:lstStyle/>
-          <a:p>
-            <a:pPr algn="ctr" eaLnBrk="1" hangingPunct="1"/>
-            <a:r>
-              <a:rPr lang="ro-RO" dirty="0" smtClean="0">
-                <a:latin typeface="Arial" pitchFamily="34" charset="0"/>
-                <a:cs typeface="Arial" pitchFamily="34" charset="0"/>
-              </a:rPr>
-              <a:t/>
-            </a:r>
-            <a:br>
-              <a:rPr lang="ro-RO" dirty="0" smtClean="0">
-                <a:latin typeface="Arial" pitchFamily="34" charset="0"/>
-                <a:cs typeface="Arial" pitchFamily="34" charset="0"/>
-              </a:rPr>
-            </a:br>
-            <a:r>
-              <a:rPr lang="ro-RO" sz="3100" dirty="0" smtClean="0">
-                <a:latin typeface="Arial" pitchFamily="34" charset="0"/>
-                <a:cs typeface="Arial" pitchFamily="34" charset="0"/>
-              </a:rPr>
-              <a:t>Modelul Hibrid Inspirat din Comportamentul Cucilor </a:t>
-            </a:r>
-            <a:r>
-              <a:rPr lang="en-US" sz="2600" dirty="0" err="1" smtClean="0">
-                <a:latin typeface="Arial" pitchFamily="34" charset="0"/>
-                <a:cs typeface="Arial" pitchFamily="34" charset="0"/>
-              </a:rPr>
-              <a:t>Componenta</a:t>
-            </a:r>
-            <a:r>
-              <a:rPr lang="en-US" sz="2600" dirty="0" smtClean="0">
-                <a:latin typeface="Arial" pitchFamily="34" charset="0"/>
-                <a:cs typeface="Arial" pitchFamily="34" charset="0"/>
-              </a:rPr>
-              <a:t> </a:t>
-            </a:r>
-            <a:r>
-              <a:rPr lang="en-US" sz="2600" dirty="0" err="1" smtClean="0">
-                <a:latin typeface="Arial" pitchFamily="34" charset="0"/>
-                <a:cs typeface="Arial" pitchFamily="34" charset="0"/>
-              </a:rPr>
-              <a:t>hibrida</a:t>
-            </a:r>
-            <a:r>
-              <a:rPr lang="en-US" sz="2600" dirty="0" smtClean="0">
-                <a:latin typeface="Arial" pitchFamily="34" charset="0"/>
-                <a:cs typeface="Arial" pitchFamily="34" charset="0"/>
-              </a:rPr>
-              <a:t> </a:t>
-            </a:r>
-            <a:r>
-              <a:rPr lang="en-US" sz="2600" dirty="0" err="1" smtClean="0">
-                <a:latin typeface="Arial" pitchFamily="34" charset="0"/>
-                <a:cs typeface="Arial" pitchFamily="34" charset="0"/>
-              </a:rPr>
-              <a:t>bazata</a:t>
-            </a:r>
-            <a:r>
-              <a:rPr lang="en-US" sz="2600" dirty="0" smtClean="0">
-                <a:latin typeface="Arial" pitchFamily="34" charset="0"/>
-                <a:cs typeface="Arial" pitchFamily="34" charset="0"/>
-              </a:rPr>
-              <a:t> </a:t>
-            </a:r>
-            <a:r>
-              <a:rPr lang="en-US" sz="2600" dirty="0" err="1" smtClean="0">
-                <a:latin typeface="Arial" pitchFamily="34" charset="0"/>
-                <a:cs typeface="Arial" pitchFamily="34" charset="0"/>
-              </a:rPr>
-              <a:t>pe</a:t>
-            </a:r>
-            <a:r>
-              <a:rPr lang="en-US" sz="2600" dirty="0" smtClean="0">
-                <a:latin typeface="Arial" pitchFamily="34" charset="0"/>
-                <a:cs typeface="Arial" pitchFamily="34" charset="0"/>
-              </a:rPr>
-              <a:t> </a:t>
-            </a:r>
-            <a:r>
-              <a:rPr lang="en-US" sz="2600" dirty="0" err="1" smtClean="0">
-                <a:latin typeface="Arial" pitchFamily="34" charset="0"/>
-                <a:cs typeface="Arial" pitchFamily="34" charset="0"/>
-              </a:rPr>
-              <a:t>Tabu</a:t>
-            </a:r>
-            <a:r>
-              <a:rPr lang="en-US" sz="2600" dirty="0" smtClean="0">
-                <a:latin typeface="Arial" pitchFamily="34" charset="0"/>
-                <a:cs typeface="Arial" pitchFamily="34" charset="0"/>
-              </a:rPr>
-              <a:t> Search </a:t>
-            </a:r>
-            <a:r>
-              <a:rPr lang="en-US" sz="2600" dirty="0" err="1" smtClean="0">
-                <a:latin typeface="Arial" pitchFamily="34" charset="0"/>
-                <a:cs typeface="Arial" pitchFamily="34" charset="0"/>
-              </a:rPr>
-              <a:t>si</a:t>
-            </a:r>
-            <a:r>
-              <a:rPr lang="en-US" sz="2600" dirty="0" smtClean="0">
-                <a:latin typeface="Arial" pitchFamily="34" charset="0"/>
-                <a:cs typeface="Arial" pitchFamily="34" charset="0"/>
-              </a:rPr>
-              <a:t> Reinforcement Learning (I)</a:t>
-            </a:r>
-            <a:r>
-              <a:rPr lang="ro-RO" dirty="0" smtClean="0">
-                <a:latin typeface="Arial" pitchFamily="34" charset="0"/>
-                <a:cs typeface="Arial" pitchFamily="34" charset="0"/>
-              </a:rPr>
-              <a:t/>
-            </a:r>
-            <a:br>
-              <a:rPr lang="ro-RO" dirty="0" smtClean="0">
-                <a:latin typeface="Arial" pitchFamily="34" charset="0"/>
-                <a:cs typeface="Arial" pitchFamily="34" charset="0"/>
-              </a:rPr>
-            </a:br>
-            <a:endParaRPr lang="en-US" dirty="0" smtClean="0">
-              <a:latin typeface="Arial" pitchFamily="34" charset="0"/>
-              <a:cs typeface="Arial" pitchFamily="34" charset="0"/>
-            </a:endParaRPr>
-          </a:p>
-        </p:txBody>
-      </p:sp>
-      <p:sp>
-        <p:nvSpPr>
           <p:cNvPr id="7171" name="Content Placeholder 3"/>
           <p:cNvSpPr>
             <a:spLocks noGrp="1"/>
@@ -6521,240 +6692,40 @@
         </p:nvSpPr>
         <p:spPr>
           <a:xfrm>
-            <a:off x="0" y="1500174"/>
-            <a:ext cx="9144000" cy="5000660"/>
+            <a:off x="612775" y="1600200"/>
+            <a:ext cx="8153400" cy="4495800"/>
           </a:xfrm>
         </p:spPr>
         <p:txBody>
           <a:bodyPr/>
           <a:lstStyle/>
           <a:p>
-            <a:r>
-              <a:rPr lang="en-US" sz="2300" dirty="0" err="1" smtClean="0"/>
-              <a:t>Structuri</a:t>
-            </a:r>
-            <a:r>
-              <a:rPr lang="en-US" sz="2300" dirty="0" smtClean="0"/>
-              <a:t> de </a:t>
-            </a:r>
-            <a:r>
-              <a:rPr lang="en-US" sz="2300" dirty="0" err="1" smtClean="0"/>
-              <a:t>memorie</a:t>
-            </a:r>
-            <a:r>
-              <a:rPr lang="en-US" sz="2300" dirty="0" smtClean="0"/>
-              <a:t>:</a:t>
-            </a:r>
-          </a:p>
-          <a:p>
-            <a:pPr lvl="1"/>
-            <a:r>
-              <a:rPr lang="en-US" sz="1900" dirty="0" err="1" smtClean="0"/>
-              <a:t>Motivatie</a:t>
-            </a:r>
-            <a:r>
-              <a:rPr lang="en-US" sz="1900" dirty="0" smtClean="0"/>
-              <a:t>:</a:t>
-            </a:r>
-            <a:r>
-              <a:rPr lang="ro-RO" sz="1900" dirty="0" smtClean="0">
-                <a:solidFill>
-                  <a:srgbClr val="FF0000"/>
-                </a:solidFill>
-              </a:rPr>
-              <a:t> </a:t>
-            </a:r>
-            <a:r>
-              <a:rPr lang="ro-RO" sz="1900" dirty="0" smtClean="0"/>
-              <a:t>mentinerea diversitatii in cadrul populatiei, ghidarea cautarii</a:t>
-            </a:r>
-            <a:endParaRPr lang="en-US" sz="1900" dirty="0" smtClean="0"/>
-          </a:p>
-          <a:p>
-            <a:pPr marL="366713" lvl="1" indent="0">
+            <a:endParaRPr lang="ro-RO" sz="2100" dirty="0" smtClean="0"/>
+          </a:p>
+          <a:p>
+            <a:endParaRPr lang="ro-RO" sz="2100" dirty="0" smtClean="0"/>
+          </a:p>
+          <a:p>
+            <a:endParaRPr lang="ro-RO" sz="2100" dirty="0" smtClean="0"/>
+          </a:p>
+          <a:p>
+            <a:pPr>
               <a:buNone/>
             </a:pPr>
-            <a:endParaRPr lang="en-US" sz="1900" dirty="0" smtClean="0"/>
-          </a:p>
-          <a:p>
-            <a:endParaRPr lang="en-US" sz="1900" dirty="0" smtClean="0"/>
-          </a:p>
-          <a:p>
-            <a:r>
-              <a:rPr lang="ro-RO" sz="2300" dirty="0" smtClean="0"/>
-              <a:t>Mem</a:t>
-            </a:r>
-            <a:r>
-              <a:rPr lang="en-US" sz="2300" dirty="0" err="1" smtClean="0"/>
-              <a:t>orie</a:t>
-            </a:r>
-            <a:r>
-              <a:rPr lang="ro-RO" sz="2300" dirty="0" smtClean="0"/>
-              <a:t> de sc</a:t>
-            </a:r>
-            <a:r>
-              <a:rPr lang="en-US" sz="2300" dirty="0" err="1" smtClean="0"/>
-              <a:t>urta</a:t>
-            </a:r>
-            <a:r>
-              <a:rPr lang="ro-RO" sz="2300" dirty="0" smtClean="0"/>
-              <a:t> durata(Tabu)</a:t>
-            </a:r>
+            <a:endParaRPr lang="ro-RO" sz="1800" dirty="0" smtClean="0"/>
           </a:p>
           <a:p>
             <a:pPr lvl="1">
-              <a:spcBef>
-                <a:spcPts val="1200"/>
-              </a:spcBef>
+              <a:buNone/>
             </a:pPr>
-            <a:r>
-              <a:rPr lang="ro-RO" sz="1900" dirty="0" smtClean="0"/>
-              <a:t>M</a:t>
-            </a:r>
-            <a:r>
-              <a:rPr lang="ro-RO" sz="1900" baseline="-25000" dirty="0" smtClean="0"/>
-              <a:t>s</a:t>
-            </a:r>
-            <a:r>
-              <a:rPr lang="ro-RO" sz="1900" dirty="0" smtClean="0"/>
-              <a:t> = { m</a:t>
-            </a:r>
-            <a:r>
-              <a:rPr lang="ro-RO" sz="1900" baseline="-25000" dirty="0" smtClean="0"/>
-              <a:t>s</a:t>
-            </a:r>
-            <a:r>
-              <a:rPr lang="ro-RO" sz="1900" dirty="0" smtClean="0"/>
-              <a:t> | m</a:t>
-            </a:r>
-            <a:r>
-              <a:rPr lang="ro-RO" sz="1900" baseline="-25000" dirty="0" smtClean="0"/>
-              <a:t>s</a:t>
-            </a:r>
-            <a:r>
-              <a:rPr lang="ro-RO" sz="1900" dirty="0" smtClean="0"/>
-              <a:t> = (food</a:t>
-            </a:r>
-            <a:r>
-              <a:rPr lang="en-US" sz="1900" dirty="0" smtClean="0"/>
-              <a:t>Sol,</a:t>
-            </a:r>
-            <a:r>
-              <a:rPr lang="ro-RO" sz="1900" dirty="0" smtClean="0"/>
-              <a:t> </a:t>
-            </a:r>
-            <a:r>
-              <a:rPr lang="en-US" sz="1900" dirty="0" err="1" smtClean="0"/>
-              <a:t>i</a:t>
-            </a:r>
-            <a:r>
-              <a:rPr lang="ro-RO" sz="1900" dirty="0" smtClean="0"/>
-              <a:t>t</a:t>
-            </a:r>
-            <a:r>
-              <a:rPr lang="ro-RO" sz="1900" baseline="-25000" dirty="0" smtClean="0"/>
-              <a:t>tab</a:t>
-            </a:r>
-            <a:r>
-              <a:rPr lang="en-US" sz="1900" baseline="-25000" dirty="0" smtClean="0"/>
-              <a:t>u</a:t>
-            </a:r>
-            <a:r>
-              <a:rPr lang="ro-RO" sz="1900" dirty="0" smtClean="0"/>
-              <a:t>) } </a:t>
-            </a:r>
-          </a:p>
-          <a:p>
-            <a:endParaRPr lang="ro-RO" sz="2300" dirty="0" smtClean="0"/>
-          </a:p>
-          <a:p>
-            <a:r>
-              <a:rPr lang="en-US" sz="2300" dirty="0" err="1" smtClean="0"/>
-              <a:t>Memorie</a:t>
-            </a:r>
-            <a:r>
-              <a:rPr lang="en-US" sz="2300" dirty="0" smtClean="0"/>
-              <a:t> de </a:t>
-            </a:r>
-            <a:r>
-              <a:rPr lang="en-US" sz="2300" dirty="0" err="1" smtClean="0"/>
-              <a:t>lunga</a:t>
-            </a:r>
-            <a:r>
-              <a:rPr lang="en-US" sz="2300" dirty="0" smtClean="0"/>
-              <a:t> </a:t>
-            </a:r>
-            <a:r>
-              <a:rPr lang="en-US" sz="2300" dirty="0" err="1" smtClean="0"/>
-              <a:t>durata</a:t>
-            </a:r>
-            <a:r>
-              <a:rPr lang="en-US" sz="2300" dirty="0" smtClean="0"/>
-              <a:t>(Reinforcement Learning)</a:t>
-            </a:r>
-            <a:endParaRPr lang="ro-RO" sz="2300" dirty="0" smtClean="0"/>
-          </a:p>
-          <a:p>
-            <a:pPr lvl="1">
-              <a:spcBef>
-                <a:spcPts val="1200"/>
-              </a:spcBef>
-            </a:pPr>
-            <a:r>
-              <a:rPr lang="ro-RO" sz="2000" dirty="0" smtClean="0"/>
-              <a:t>M</a:t>
-            </a:r>
-            <a:r>
-              <a:rPr lang="ro-RO" sz="2000" baseline="-25000" dirty="0" smtClean="0"/>
-              <a:t>l </a:t>
-            </a:r>
-            <a:r>
-              <a:rPr lang="ro-RO" sz="2000" dirty="0" smtClean="0"/>
-              <a:t>= { m</a:t>
-            </a:r>
-            <a:r>
-              <a:rPr lang="ro-RO" sz="2000" baseline="-25000" dirty="0" smtClean="0"/>
-              <a:t>l</a:t>
-            </a:r>
-            <a:r>
-              <a:rPr lang="ro-RO" sz="2000" dirty="0" smtClean="0"/>
-              <a:t> | m</a:t>
-            </a:r>
-            <a:r>
-              <a:rPr lang="ro-RO" sz="2000" baseline="-25000" dirty="0" smtClean="0"/>
-              <a:t>l</a:t>
-            </a:r>
-            <a:r>
-              <a:rPr lang="ro-RO" sz="2000" dirty="0" smtClean="0"/>
-              <a:t> = (foodItem</a:t>
-            </a:r>
-            <a:r>
-              <a:rPr lang="ro-RO" sz="2000" baseline="-25000" dirty="0" smtClean="0"/>
-              <a:t>i</a:t>
-            </a:r>
-            <a:r>
-              <a:rPr lang="ro-RO" sz="2000" dirty="0" smtClean="0"/>
-              <a:t>, foodItem</a:t>
-            </a:r>
-            <a:r>
-              <a:rPr lang="ro-RO" sz="2000" baseline="-25000" dirty="0" smtClean="0"/>
-              <a:t>j</a:t>
-            </a:r>
-            <a:r>
-              <a:rPr lang="ro-RO" sz="2000" dirty="0" smtClean="0"/>
-              <a:t>, </a:t>
-            </a:r>
-            <a:r>
-              <a:rPr lang="en-US" sz="2000" dirty="0" smtClean="0"/>
-              <a:t>s</a:t>
-            </a:r>
-            <a:r>
-              <a:rPr lang="ro-RO" sz="2000" dirty="0" smtClean="0"/>
-              <a:t>core) } </a:t>
-            </a:r>
-          </a:p>
-          <a:p>
-            <a:endParaRPr lang="ro-RO" sz="1900" dirty="0" smtClean="0"/>
+            <a:endParaRPr lang="vi-VN" sz="2100" dirty="0" smtClean="0"/>
+          </a:p>
+          <a:p>
+            <a:pPr lvl="1" eaLnBrk="1" hangingPunct="1"/>
+            <a:endParaRPr lang="en-US" sz="2100" b="1" dirty="0" smtClean="0">
+              <a:latin typeface="Arial" pitchFamily="34" charset="0"/>
+              <a:cs typeface="Arial" pitchFamily="34" charset="0"/>
+            </a:endParaRPr>
           </a:p>
         </p:txBody>
       </p:sp>
@@ -6808,79 +6779,590 @@
           </a:p>
         </p:txBody>
       </p:sp>
+      <p:graphicFrame>
+        <p:nvGraphicFramePr>
+          <p:cNvPr id="5" name="Table 4"/>
+          <p:cNvGraphicFramePr>
+            <a:graphicFrameLocks noGrp="1"/>
+          </p:cNvGraphicFramePr>
+          <p:nvPr>
+            <p:extLst>
+              <p:ext uri="{D42A27DB-BD31-4B8C-83A1-F6EECF244321}">
+                <p14:modId xmlns:p14="http://schemas.microsoft.com/office/powerpoint/2010/main" val="1649377428"/>
+              </p:ext>
+            </p:extLst>
+          </p:nvPr>
+        </p:nvGraphicFramePr>
+        <p:xfrm>
+          <a:off x="179512" y="2060848"/>
+          <a:ext cx="8586663" cy="2492271"/>
+        </p:xfrm>
+        <a:graphic>
+          <a:graphicData uri="http://schemas.openxmlformats.org/drawingml/2006/table">
+            <a:tbl>
+              <a:tblPr>
+                <a:tableStyleId>{793D81CF-94F2-401A-BA57-92F5A7B2D0C5}</a:tableStyleId>
+              </a:tblPr>
+              <a:tblGrid>
+                <a:gridCol w="3659889"/>
+                <a:gridCol w="4926774"/>
+              </a:tblGrid>
+              <a:tr h="572031">
+                <a:tc>
+                  <a:txBody>
+                    <a:bodyPr/>
+                    <a:lstStyle/>
+                    <a:p>
+                      <a:pPr marL="0" marR="0" indent="0" algn="l">
+                        <a:spcBef>
+                          <a:spcPts val="0"/>
+                        </a:spcBef>
+                        <a:spcAft>
+                          <a:spcPts val="0"/>
+                        </a:spcAft>
+                      </a:pPr>
+                      <a:r>
+                        <a:rPr lang="en-US" sz="1800" b="1" dirty="0" smtClean="0">
+                          <a:latin typeface="Arial" pitchFamily="34" charset="0"/>
+                          <a:cs typeface="Arial" pitchFamily="34" charset="0"/>
+                        </a:rPr>
+                        <a:t>Biological Concepts</a:t>
+                      </a:r>
+                      <a:endParaRPr lang="en-US" sz="1800" b="1" dirty="0">
+                        <a:latin typeface="Arial" pitchFamily="34" charset="0"/>
+                        <a:ea typeface="Calibri"/>
+                        <a:cs typeface="Arial" pitchFamily="34" charset="0"/>
+                      </a:endParaRPr>
+                    </a:p>
+                  </a:txBody>
+                  <a:tcPr marL="68580" marR="68580" marT="0" marB="0" anchor="ctr">
+                    <a:lnL w="28575" cap="flat" cmpd="sng" algn="ctr">
+                      <a:noFill/>
+                      <a:prstDash val="solid"/>
+                      <a:round/>
+                      <a:headEnd type="none" w="med" len="med"/>
+                      <a:tailEnd type="none" w="med" len="med"/>
+                    </a:lnL>
+                    <a:lnT w="28575" cap="flat" cmpd="sng" algn="ctr">
+                      <a:solidFill>
+                        <a:schemeClr val="tx1"/>
+                      </a:solidFill>
+                      <a:prstDash val="solid"/>
+                      <a:round/>
+                      <a:headEnd type="none" w="med" len="med"/>
+                      <a:tailEnd type="none" w="med" len="med"/>
+                    </a:lnT>
+                    <a:lnB w="28575" cap="flat" cmpd="sng" algn="ctr">
+                      <a:solidFill>
+                        <a:schemeClr val="tx1"/>
+                      </a:solidFill>
+                      <a:prstDash val="solid"/>
+                      <a:round/>
+                      <a:headEnd type="none" w="med" len="med"/>
+                      <a:tailEnd type="none" w="med" len="med"/>
+                    </a:lnB>
+                  </a:tcPr>
+                </a:tc>
+                <a:tc>
+                  <a:txBody>
+                    <a:bodyPr/>
+                    <a:lstStyle/>
+                    <a:p>
+                      <a:pPr marL="0" marR="0" indent="0" algn="l">
+                        <a:spcBef>
+                          <a:spcPts val="0"/>
+                        </a:spcBef>
+                        <a:spcAft>
+                          <a:spcPts val="0"/>
+                        </a:spcAft>
+                      </a:pPr>
+                      <a:r>
+                        <a:rPr lang="en-US" sz="1800" b="1" dirty="0" smtClean="0">
+                          <a:latin typeface="Arial" pitchFamily="34" charset="0"/>
+                          <a:cs typeface="Arial" pitchFamily="34" charset="0"/>
+                        </a:rPr>
+                        <a:t>Concepts from our Optimization Problem</a:t>
+                      </a:r>
+                      <a:endParaRPr lang="en-US" sz="1800" b="1" dirty="0">
+                        <a:latin typeface="Arial" pitchFamily="34" charset="0"/>
+                        <a:ea typeface="Calibri"/>
+                        <a:cs typeface="Arial" pitchFamily="34" charset="0"/>
+                      </a:endParaRPr>
+                    </a:p>
+                  </a:txBody>
+                  <a:tcPr marL="68580" marR="68580" marT="0" marB="0" anchor="ctr">
+                    <a:lnR w="28575" cap="flat" cmpd="sng" algn="ctr">
+                      <a:noFill/>
+                      <a:prstDash val="solid"/>
+                      <a:round/>
+                      <a:headEnd type="none" w="med" len="med"/>
+                      <a:tailEnd type="none" w="med" len="med"/>
+                    </a:lnR>
+                    <a:lnT w="28575" cap="flat" cmpd="sng" algn="ctr">
+                      <a:solidFill>
+                        <a:schemeClr val="tx1"/>
+                      </a:solidFill>
+                      <a:prstDash val="solid"/>
+                      <a:round/>
+                      <a:headEnd type="none" w="med" len="med"/>
+                      <a:tailEnd type="none" w="med" len="med"/>
+                    </a:lnT>
+                    <a:lnB w="28575" cap="flat" cmpd="sng" algn="ctr">
+                      <a:solidFill>
+                        <a:schemeClr val="tx1"/>
+                      </a:solidFill>
+                      <a:prstDash val="solid"/>
+                      <a:round/>
+                      <a:headEnd type="none" w="med" len="med"/>
+                      <a:tailEnd type="none" w="med" len="med"/>
+                    </a:lnB>
+                  </a:tcPr>
+                </a:tc>
+              </a:tr>
+              <a:tr h="439059">
+                <a:tc>
+                  <a:txBody>
+                    <a:bodyPr/>
+                    <a:lstStyle/>
+                    <a:p>
+                      <a:pPr marL="0" marR="0" indent="0" algn="l" defTabSz="914400" rtl="0" eaLnBrk="1" fontAlgn="auto" latinLnBrk="0" hangingPunct="1">
+                        <a:lnSpc>
+                          <a:spcPct val="100000"/>
+                        </a:lnSpc>
+                        <a:spcBef>
+                          <a:spcPts val="0"/>
+                        </a:spcBef>
+                        <a:spcAft>
+                          <a:spcPts val="0"/>
+                        </a:spcAft>
+                        <a:buClrTx/>
+                        <a:buSzTx/>
+                        <a:buFontTx/>
+                        <a:buNone/>
+                        <a:tabLst/>
+                        <a:defRPr/>
+                      </a:pPr>
+                      <a:r>
+                        <a:rPr kumimoji="0" lang="en-US" sz="1800" kern="1200" dirty="0" smtClean="0">
+                          <a:solidFill>
+                            <a:schemeClr val="dk1"/>
+                          </a:solidFill>
+                          <a:effectLst/>
+                          <a:latin typeface="+mn-lt"/>
+                          <a:ea typeface="+mn-ea"/>
+                          <a:cs typeface="+mn-cs"/>
+                        </a:rPr>
+                        <a:t>Cuckoo</a:t>
+                      </a:r>
+                      <a:endParaRPr lang="en-US" sz="1800" dirty="0" smtClean="0">
+                        <a:latin typeface="Arial" pitchFamily="34" charset="0"/>
+                        <a:ea typeface="Calibri"/>
+                        <a:cs typeface="Arial" pitchFamily="34" charset="0"/>
+                      </a:endParaRPr>
+                    </a:p>
+                    <a:p>
+                      <a:pPr marL="0" marR="0" indent="0" algn="l">
+                        <a:spcBef>
+                          <a:spcPts val="0"/>
+                        </a:spcBef>
+                        <a:spcAft>
+                          <a:spcPts val="0"/>
+                        </a:spcAft>
+                      </a:pPr>
+                      <a:endParaRPr lang="en-US" sz="1800" dirty="0">
+                        <a:latin typeface="Arial" pitchFamily="34" charset="0"/>
+                        <a:ea typeface="Calibri"/>
+                        <a:cs typeface="Arial" pitchFamily="34" charset="0"/>
+                      </a:endParaRPr>
+                    </a:p>
+                  </a:txBody>
+                  <a:tcPr marL="68580" marR="68580" marT="0" marB="0" anchor="ctr">
+                    <a:lnL w="28575" cap="flat" cmpd="sng" algn="ctr">
+                      <a:noFill/>
+                      <a:prstDash val="solid"/>
+                      <a:round/>
+                      <a:headEnd type="none" w="med" len="med"/>
+                      <a:tailEnd type="none" w="med" len="med"/>
+                    </a:lnL>
+                    <a:lnT w="28575" cap="flat" cmpd="sng" algn="ctr">
+                      <a:solidFill>
+                        <a:schemeClr val="tx1"/>
+                      </a:solidFill>
+                      <a:prstDash val="solid"/>
+                      <a:round/>
+                      <a:headEnd type="none" w="med" len="med"/>
+                      <a:tailEnd type="none" w="med" len="med"/>
+                    </a:lnT>
+                    <a:lnB w="28575" cap="flat" cmpd="sng" algn="ctr">
+                      <a:solidFill>
+                        <a:schemeClr val="tx1"/>
+                      </a:solidFill>
+                      <a:prstDash val="solid"/>
+                      <a:round/>
+                      <a:headEnd type="none" w="med" len="med"/>
+                      <a:tailEnd type="none" w="med" len="med"/>
+                    </a:lnB>
+                  </a:tcPr>
+                </a:tc>
+                <a:tc>
+                  <a:txBody>
+                    <a:bodyPr/>
+                    <a:lstStyle/>
+                    <a:p>
+                      <a:pPr marL="0" marR="0" indent="0" algn="l" defTabSz="914400" rtl="0" eaLnBrk="1" fontAlgn="auto" latinLnBrk="0" hangingPunct="1">
+                        <a:lnSpc>
+                          <a:spcPct val="100000"/>
+                        </a:lnSpc>
+                        <a:spcBef>
+                          <a:spcPts val="0"/>
+                        </a:spcBef>
+                        <a:spcAft>
+                          <a:spcPts val="0"/>
+                        </a:spcAft>
+                        <a:buClrTx/>
+                        <a:buSzTx/>
+                        <a:buFontTx/>
+                        <a:buNone/>
+                        <a:tabLst/>
+                        <a:defRPr/>
+                      </a:pPr>
+                      <a:r>
+                        <a:rPr lang="en-US" sz="1800" dirty="0" smtClean="0">
+                          <a:latin typeface="Arial" pitchFamily="34" charset="0"/>
+                          <a:ea typeface="Calibri"/>
+                          <a:cs typeface="Arial" pitchFamily="34" charset="0"/>
+                        </a:rPr>
+                        <a:t>Cuckoo</a:t>
+                      </a:r>
+                      <a:r>
+                        <a:rPr lang="en-US" sz="1800" baseline="0" dirty="0" smtClean="0">
+                          <a:latin typeface="Arial" pitchFamily="34" charset="0"/>
+                          <a:ea typeface="Calibri"/>
+                          <a:cs typeface="Arial" pitchFamily="34" charset="0"/>
+                        </a:rPr>
+                        <a:t> generates new eggs that will replace the eggs from a nest</a:t>
+                      </a:r>
+                      <a:endParaRPr lang="en-US" sz="1800" dirty="0" smtClean="0">
+                        <a:latin typeface="Arial" pitchFamily="34" charset="0"/>
+                        <a:ea typeface="Calibri"/>
+                        <a:cs typeface="Arial" pitchFamily="34" charset="0"/>
+                      </a:endParaRPr>
+                    </a:p>
+                  </a:txBody>
+                  <a:tcPr marL="68580" marR="68580" marT="0" marB="0">
+                    <a:lnR w="28575" cap="flat" cmpd="sng" algn="ctr">
+                      <a:noFill/>
+                      <a:prstDash val="solid"/>
+                      <a:round/>
+                      <a:headEnd type="none" w="med" len="med"/>
+                      <a:tailEnd type="none" w="med" len="med"/>
+                    </a:lnR>
+                    <a:lnT w="28575" cap="flat" cmpd="sng" algn="ctr">
+                      <a:solidFill>
+                        <a:schemeClr val="tx1"/>
+                      </a:solidFill>
+                      <a:prstDash val="solid"/>
+                      <a:round/>
+                      <a:headEnd type="none" w="med" len="med"/>
+                      <a:tailEnd type="none" w="med" len="med"/>
+                    </a:lnT>
+                    <a:lnB w="28575" cap="flat" cmpd="sng" algn="ctr">
+                      <a:solidFill>
+                        <a:schemeClr val="tx1"/>
+                      </a:solidFill>
+                      <a:prstDash val="solid"/>
+                      <a:round/>
+                      <a:headEnd type="none" w="med" len="med"/>
+                      <a:tailEnd type="none" w="med" len="med"/>
+                    </a:lnB>
+                  </a:tcPr>
+                </a:tc>
+              </a:tr>
+              <a:tr h="439059">
+                <a:tc>
+                  <a:txBody>
+                    <a:bodyPr/>
+                    <a:lstStyle/>
+                    <a:p>
+                      <a:pPr marL="0" marR="0" indent="0" algn="l">
+                        <a:spcBef>
+                          <a:spcPts val="0"/>
+                        </a:spcBef>
+                        <a:spcAft>
+                          <a:spcPts val="0"/>
+                        </a:spcAft>
+                      </a:pPr>
+                      <a:r>
+                        <a:rPr kumimoji="0" lang="en-US" sz="1800" kern="1200" dirty="0" smtClean="0">
+                          <a:solidFill>
+                            <a:schemeClr val="dk1"/>
+                          </a:solidFill>
+                          <a:effectLst/>
+                          <a:latin typeface="+mn-lt"/>
+                          <a:ea typeface="+mn-ea"/>
+                          <a:cs typeface="+mn-cs"/>
+                        </a:rPr>
+                        <a:t>Breeding</a:t>
+                      </a:r>
+                      <a:endParaRPr lang="en-US" sz="1800" dirty="0">
+                        <a:latin typeface="Arial" pitchFamily="34" charset="0"/>
+                        <a:ea typeface="Calibri"/>
+                        <a:cs typeface="Arial" pitchFamily="34" charset="0"/>
+                      </a:endParaRPr>
+                    </a:p>
+                  </a:txBody>
+                  <a:tcPr marL="68580" marR="68580" marT="0" marB="0" anchor="ctr">
+                    <a:lnL w="28575" cap="flat" cmpd="sng" algn="ctr">
+                      <a:noFill/>
+                      <a:prstDash val="solid"/>
+                      <a:round/>
+                      <a:headEnd type="none" w="med" len="med"/>
+                      <a:tailEnd type="none" w="med" len="med"/>
+                    </a:lnL>
+                    <a:lnT w="28575" cap="flat" cmpd="sng" algn="ctr">
+                      <a:solidFill>
+                        <a:schemeClr val="tx1"/>
+                      </a:solidFill>
+                      <a:prstDash val="solid"/>
+                      <a:round/>
+                      <a:headEnd type="none" w="med" len="med"/>
+                      <a:tailEnd type="none" w="med" len="med"/>
+                    </a:lnT>
+                  </a:tcPr>
+                </a:tc>
+                <a:tc>
+                  <a:txBody>
+                    <a:bodyPr/>
+                    <a:lstStyle/>
+                    <a:p>
+                      <a:pPr marL="0" marR="0" indent="0" algn="l">
+                        <a:spcBef>
+                          <a:spcPts val="0"/>
+                        </a:spcBef>
+                        <a:spcAft>
+                          <a:spcPts val="0"/>
+                        </a:spcAft>
+                      </a:pPr>
+                      <a:r>
+                        <a:rPr lang="en-US" sz="1800" dirty="0">
+                          <a:effectLst/>
+                          <a:latin typeface="Times New Roman" panose="02020603050405020304" pitchFamily="18" charset="0"/>
+                          <a:ea typeface="Batang" panose="02030600000101010101" pitchFamily="18" charset="-127"/>
+                        </a:rPr>
+                        <a:t>Crossover strategies applied between a combination of food packages and the current optimal combination of food packages</a:t>
+                      </a:r>
+                      <a:endParaRPr lang="en-US" sz="3200" dirty="0">
+                        <a:effectLst/>
+                        <a:latin typeface="Times New Roman" panose="02020603050405020304" pitchFamily="18" charset="0"/>
+                        <a:ea typeface="Batang" panose="02030600000101010101" pitchFamily="18" charset="-127"/>
+                      </a:endParaRPr>
+                    </a:p>
+                  </a:txBody>
+                  <a:tcPr marL="68580" marR="68580" marT="0" marB="0">
+                    <a:lnR w="28575" cap="flat" cmpd="sng" algn="ctr">
+                      <a:noFill/>
+                      <a:prstDash val="solid"/>
+                      <a:round/>
+                      <a:headEnd type="none" w="med" len="med"/>
+                      <a:tailEnd type="none" w="med" len="med"/>
+                    </a:lnR>
+                    <a:lnT w="28575" cap="flat" cmpd="sng" algn="ctr">
+                      <a:solidFill>
+                        <a:schemeClr val="tx1"/>
+                      </a:solidFill>
+                      <a:prstDash val="solid"/>
+                      <a:round/>
+                      <a:headEnd type="none" w="med" len="med"/>
+                      <a:tailEnd type="none" w="med" len="med"/>
+                    </a:lnT>
+                  </a:tcPr>
+                </a:tc>
+              </a:tr>
+              <a:tr h="439059">
+                <a:tc>
+                  <a:txBody>
+                    <a:bodyPr/>
+                    <a:lstStyle/>
+                    <a:p>
+                      <a:pPr marL="0" marR="0" indent="0" algn="l">
+                        <a:spcBef>
+                          <a:spcPts val="0"/>
+                        </a:spcBef>
+                        <a:spcAft>
+                          <a:spcPts val="0"/>
+                        </a:spcAft>
+                      </a:pPr>
+                      <a:r>
+                        <a:rPr kumimoji="0" lang="en-US" sz="1800" kern="1200" dirty="0" smtClean="0">
+                          <a:solidFill>
+                            <a:schemeClr val="dk1"/>
+                          </a:solidFill>
+                          <a:effectLst/>
+                          <a:latin typeface="+mn-lt"/>
+                          <a:ea typeface="+mn-ea"/>
+                          <a:cs typeface="+mn-cs"/>
+                        </a:rPr>
+                        <a:t>Building a new nest</a:t>
+                      </a:r>
+                      <a:endParaRPr lang="en-US" sz="1800" dirty="0">
+                        <a:latin typeface="Arial" pitchFamily="34" charset="0"/>
+                        <a:ea typeface="Calibri"/>
+                        <a:cs typeface="Arial" pitchFamily="34" charset="0"/>
+                      </a:endParaRPr>
+                    </a:p>
+                  </a:txBody>
+                  <a:tcPr marL="68580" marR="68580" marT="0" marB="0" anchor="ctr">
+                    <a:lnL w="28575" cap="flat" cmpd="sng" algn="ctr">
+                      <a:noFill/>
+                      <a:prstDash val="solid"/>
+                      <a:round/>
+                      <a:headEnd type="none" w="med" len="med"/>
+                      <a:tailEnd type="none" w="med" len="med"/>
+                    </a:lnL>
+                  </a:tcPr>
+                </a:tc>
+                <a:tc>
+                  <a:txBody>
+                    <a:bodyPr/>
+                    <a:lstStyle/>
+                    <a:p>
+                      <a:pPr marL="0" marR="0" indent="0" algn="l">
+                        <a:spcBef>
+                          <a:spcPts val="0"/>
+                        </a:spcBef>
+                        <a:spcAft>
+                          <a:spcPts val="0"/>
+                        </a:spcAft>
+                      </a:pPr>
+                      <a:r>
+                        <a:rPr kumimoji="0" lang="en-US" sz="1800" kern="1200" dirty="0" smtClean="0">
+                          <a:solidFill>
+                            <a:schemeClr val="dk1"/>
+                          </a:solidFill>
+                          <a:effectLst/>
+                          <a:latin typeface="+mn-lt"/>
+                          <a:ea typeface="+mn-ea"/>
+                          <a:cs typeface="+mn-cs"/>
+                        </a:rPr>
+                        <a:t>Hill Climbing, </a:t>
+                      </a:r>
+                      <a:r>
+                        <a:rPr kumimoji="0" lang="en-US" sz="1800" kern="1200" dirty="0" err="1" smtClean="0">
+                          <a:solidFill>
+                            <a:schemeClr val="dk1"/>
+                          </a:solidFill>
+                          <a:effectLst/>
+                          <a:latin typeface="+mn-lt"/>
+                          <a:ea typeface="+mn-ea"/>
+                          <a:cs typeface="+mn-cs"/>
+                        </a:rPr>
+                        <a:t>Tabu</a:t>
+                      </a:r>
+                      <a:r>
+                        <a:rPr kumimoji="0" lang="en-US" sz="1800" kern="1200" dirty="0" smtClean="0">
+                          <a:solidFill>
+                            <a:schemeClr val="dk1"/>
+                          </a:solidFill>
+                          <a:effectLst/>
+                          <a:latin typeface="+mn-lt"/>
+                          <a:ea typeface="+mn-ea"/>
+                          <a:cs typeface="+mn-cs"/>
+                        </a:rPr>
+                        <a:t> Search-based strategies for improving a combination of food packages</a:t>
+                      </a:r>
+                      <a:endParaRPr lang="en-US" sz="1800" dirty="0">
+                        <a:latin typeface="Arial" pitchFamily="34" charset="0"/>
+                        <a:ea typeface="Calibri"/>
+                        <a:cs typeface="Arial" pitchFamily="34" charset="0"/>
+                      </a:endParaRPr>
+                    </a:p>
+                  </a:txBody>
+                  <a:tcPr marL="68580" marR="68580" marT="0" marB="0" anchor="ctr">
+                    <a:lnR w="28575" cap="flat" cmpd="sng" algn="ctr">
+                      <a:noFill/>
+                      <a:prstDash val="solid"/>
+                      <a:round/>
+                      <a:headEnd type="none" w="med" len="med"/>
+                      <a:tailEnd type="none" w="med" len="med"/>
+                    </a:lnR>
+                  </a:tcPr>
+                </a:tc>
+              </a:tr>
+            </a:tbl>
+          </a:graphicData>
+        </a:graphic>
+      </p:graphicFrame>
       <p:sp>
         <p:nvSpPr>
-          <p:cNvPr id="104450" name="Rectangle 2"/>
+          <p:cNvPr id="10" name="Title 1"/>
           <p:cNvSpPr>
-            <a:spLocks noChangeArrowheads="1"/>
+            <a:spLocks noGrp="1"/>
           </p:cNvSpPr>
-          <p:nvPr/>
+          <p:nvPr>
+            <p:ph type="title"/>
+          </p:nvPr>
         </p:nvSpPr>
-        <p:spPr bwMode="auto">
+        <p:spPr>
           <a:xfrm>
             <a:off x="0" y="0"/>
-            <a:ext cx="9144000" cy="0"/>
+            <a:ext cx="9144000" cy="1295400"/>
           </a:xfrm>
-          <a:prstGeom prst="rect">
-            <a:avLst/>
-          </a:prstGeom>
-          <a:noFill/>
-          <a:ln w="9525">
-            <a:noFill/>
-            <a:miter lim="800000"/>
-            <a:headEnd/>
-            <a:tailEnd/>
-          </a:ln>
-          <a:effectLst/>
         </p:spPr>
         <p:txBody>
-          <a:bodyPr vert="horz" wrap="none" lIns="91440" tIns="45720" rIns="91440" bIns="45720" numCol="1" anchor="ctr" anchorCtr="0" compatLnSpc="1">
-            <a:prstTxWarp prst="textNoShape">
-              <a:avLst/>
-            </a:prstTxWarp>
-            <a:spAutoFit/>
-          </a:bodyPr>
+          <a:bodyPr/>
           <a:lstStyle/>
           <a:p>
-            <a:endParaRPr lang="en-US"/>
-          </a:p>
-        </p:txBody>
-      </p:sp>
-      <p:sp>
-        <p:nvSpPr>
-          <p:cNvPr id="104452" name="Rectangle 4"/>
-          <p:cNvSpPr>
-            <a:spLocks noChangeArrowheads="1"/>
-          </p:cNvSpPr>
-          <p:nvPr/>
-        </p:nvSpPr>
-        <p:spPr bwMode="auto">
-          <a:xfrm>
-            <a:off x="0" y="0"/>
-            <a:ext cx="9144000" cy="0"/>
-          </a:xfrm>
-          <a:prstGeom prst="rect">
-            <a:avLst/>
-          </a:prstGeom>
-          <a:noFill/>
-          <a:ln w="9525">
-            <a:noFill/>
-            <a:miter lim="800000"/>
-            <a:headEnd/>
-            <a:tailEnd/>
-          </a:ln>
-          <a:effectLst/>
-        </p:spPr>
-        <p:txBody>
-          <a:bodyPr vert="horz" wrap="none" lIns="91440" tIns="45720" rIns="91440" bIns="45720" numCol="1" anchor="ctr" anchorCtr="0" compatLnSpc="1">
-            <a:prstTxWarp prst="textNoShape">
-              <a:avLst/>
-            </a:prstTxWarp>
-            <a:spAutoFit/>
-          </a:bodyPr>
-          <a:lstStyle/>
-          <a:p>
-            <a:endParaRPr lang="en-US"/>
+            <a:pPr lvl="1" algn="ctr" eaLnBrk="1" hangingPunct="1"/>
+            <a:r>
+              <a:rPr lang="ro-RO" dirty="0" smtClean="0">
+                <a:latin typeface="Arial" pitchFamily="34" charset="0"/>
+                <a:cs typeface="Arial" pitchFamily="34" charset="0"/>
+              </a:rPr>
+              <a:t/>
+            </a:r>
+            <a:br>
+              <a:rPr lang="ro-RO" dirty="0" smtClean="0">
+                <a:latin typeface="Arial" pitchFamily="34" charset="0"/>
+                <a:cs typeface="Arial" pitchFamily="34" charset="0"/>
+              </a:rPr>
+            </a:br>
+            <a:r>
+              <a:rPr lang="en-US" sz="3000" dirty="0" smtClean="0">
+                <a:latin typeface="Arial" pitchFamily="34" charset="0"/>
+                <a:cs typeface="Arial" pitchFamily="34" charset="0"/>
+              </a:rPr>
+              <a:t>Proposed Solution</a:t>
+            </a:r>
+            <a:br>
+              <a:rPr lang="en-US" sz="3000" dirty="0" smtClean="0">
+                <a:latin typeface="Arial" pitchFamily="34" charset="0"/>
+                <a:cs typeface="Arial" pitchFamily="34" charset="0"/>
+              </a:rPr>
+            </a:br>
+            <a:r>
+              <a:rPr lang="en-US" sz="2000" dirty="0" smtClean="0">
+                <a:latin typeface="Arial" pitchFamily="34" charset="0"/>
+                <a:cs typeface="Arial" pitchFamily="34" charset="0"/>
+              </a:rPr>
+              <a:t>Core Component</a:t>
+            </a:r>
+            <a:r>
+              <a:rPr lang="ro-RO" sz="1900" dirty="0">
+                <a:latin typeface="Arial" pitchFamily="34" charset="0"/>
+                <a:cs typeface="Arial" pitchFamily="34" charset="0"/>
+              </a:rPr>
+              <a:t/>
+            </a:r>
+            <a:br>
+              <a:rPr lang="ro-RO" sz="1900" dirty="0">
+                <a:latin typeface="Arial" pitchFamily="34" charset="0"/>
+                <a:cs typeface="Arial" pitchFamily="34" charset="0"/>
+              </a:rPr>
+            </a:br>
+            <a:endParaRPr lang="en-US" dirty="0" smtClean="0">
+              <a:latin typeface="Arial" pitchFamily="34" charset="0"/>
+              <a:cs typeface="Arial" pitchFamily="34" charset="0"/>
+            </a:endParaRPr>
           </a:p>
         </p:txBody>
       </p:sp>
@@ -6918,7 +7400,7 @@
       </p:grpSpPr>
       <p:sp>
         <p:nvSpPr>
-          <p:cNvPr id="7170" name="Title 1"/>
+          <p:cNvPr id="11266" name="Title 1"/>
           <p:cNvSpPr>
             <a:spLocks noGrp="1"/>
           </p:cNvSpPr>
@@ -6928,155 +7410,96 @@
         </p:nvSpPr>
         <p:spPr>
           <a:xfrm>
-            <a:off x="0" y="0"/>
-            <a:ext cx="9144000" cy="1295400"/>
+            <a:off x="0" y="66660"/>
+            <a:ext cx="9144000" cy="1219200"/>
           </a:xfrm>
         </p:spPr>
         <p:txBody>
           <a:bodyPr/>
           <a:lstStyle/>
           <a:p>
-            <a:pPr algn="ctr" eaLnBrk="1" hangingPunct="1"/>
-            <a:r>
-              <a:rPr lang="ro-RO" dirty="0" smtClean="0">
+            <a:pPr algn="ctr"/>
+            <a:r>
+              <a:rPr lang="en-US" sz="3000" dirty="0" smtClean="0">
+                <a:latin typeface="Arial" pitchFamily="34" charset="0"/>
+                <a:cs typeface="Arial" pitchFamily="34" charset="0"/>
+              </a:rPr>
+              <a:t>Proposed Solution</a:t>
+            </a:r>
+            <a:r>
+              <a:rPr lang="en-US" sz="3000" dirty="0">
                 <a:latin typeface="Arial" pitchFamily="34" charset="0"/>
                 <a:cs typeface="Arial" pitchFamily="34" charset="0"/>
               </a:rPr>
               <a:t/>
             </a:r>
             <a:br>
-              <a:rPr lang="ro-RO" dirty="0" smtClean="0">
+              <a:rPr lang="en-US" sz="3000" dirty="0">
                 <a:latin typeface="Arial" pitchFamily="34" charset="0"/>
                 <a:cs typeface="Arial" pitchFamily="34" charset="0"/>
               </a:rPr>
             </a:br>
             <a:r>
-              <a:rPr lang="ro-RO" sz="3100" dirty="0" smtClean="0">
-                <a:latin typeface="Arial" pitchFamily="34" charset="0"/>
-                <a:cs typeface="Arial" pitchFamily="34" charset="0"/>
-              </a:rPr>
-              <a:t>Modelul Hibrid Inspirat din Comportamentul Cucilor </a:t>
-            </a:r>
-            <a:r>
-              <a:rPr lang="en-US" sz="3100" dirty="0" smtClean="0">
-                <a:latin typeface="Arial" pitchFamily="34" charset="0"/>
-                <a:cs typeface="Arial" pitchFamily="34" charset="0"/>
-              </a:rPr>
-              <a:t/>
-            </a:r>
-            <a:br>
-              <a:rPr lang="en-US" sz="3100" dirty="0" smtClean="0">
-                <a:latin typeface="Arial" pitchFamily="34" charset="0"/>
-                <a:cs typeface="Arial" pitchFamily="34" charset="0"/>
-              </a:rPr>
-            </a:br>
-            <a:r>
-              <a:rPr lang="en-US" sz="2600" dirty="0" err="1" smtClean="0">
-                <a:latin typeface="Arial" pitchFamily="34" charset="0"/>
-                <a:cs typeface="Arial" pitchFamily="34" charset="0"/>
-              </a:rPr>
-              <a:t>Componenta</a:t>
-            </a:r>
-            <a:r>
-              <a:rPr lang="en-US" sz="2600" dirty="0" smtClean="0">
-                <a:latin typeface="Arial" pitchFamily="34" charset="0"/>
-                <a:cs typeface="Arial" pitchFamily="34" charset="0"/>
-              </a:rPr>
-              <a:t> </a:t>
-            </a:r>
-            <a:r>
-              <a:rPr lang="en-US" sz="2600" dirty="0" err="1" smtClean="0">
-                <a:latin typeface="Arial" pitchFamily="34" charset="0"/>
-                <a:cs typeface="Arial" pitchFamily="34" charset="0"/>
-              </a:rPr>
-              <a:t>hibrida</a:t>
-            </a:r>
-            <a:r>
-              <a:rPr lang="en-US" sz="2600" dirty="0" smtClean="0">
-                <a:latin typeface="Arial" pitchFamily="34" charset="0"/>
-                <a:cs typeface="Arial" pitchFamily="34" charset="0"/>
-              </a:rPr>
-              <a:t> </a:t>
-            </a:r>
-            <a:r>
-              <a:rPr lang="en-US" sz="2600" dirty="0" err="1" smtClean="0">
-                <a:latin typeface="Arial" pitchFamily="34" charset="0"/>
-                <a:cs typeface="Arial" pitchFamily="34" charset="0"/>
-              </a:rPr>
-              <a:t>bazata</a:t>
-            </a:r>
-            <a:r>
-              <a:rPr lang="en-US" sz="2600" dirty="0" smtClean="0">
-                <a:latin typeface="Arial" pitchFamily="34" charset="0"/>
-                <a:cs typeface="Arial" pitchFamily="34" charset="0"/>
-              </a:rPr>
-              <a:t> </a:t>
-            </a:r>
-            <a:r>
-              <a:rPr lang="en-US" sz="2600" dirty="0" err="1" smtClean="0">
-                <a:latin typeface="Arial" pitchFamily="34" charset="0"/>
-                <a:cs typeface="Arial" pitchFamily="34" charset="0"/>
-              </a:rPr>
-              <a:t>pe</a:t>
-            </a:r>
-            <a:r>
-              <a:rPr lang="en-US" sz="2600" dirty="0" smtClean="0">
-                <a:latin typeface="Arial" pitchFamily="34" charset="0"/>
-                <a:cs typeface="Arial" pitchFamily="34" charset="0"/>
-              </a:rPr>
-              <a:t> </a:t>
-            </a:r>
-            <a:r>
-              <a:rPr lang="en-US" sz="2600" dirty="0" err="1" smtClean="0">
-                <a:latin typeface="Arial" pitchFamily="34" charset="0"/>
-                <a:cs typeface="Arial" pitchFamily="34" charset="0"/>
-              </a:rPr>
-              <a:t>Tabu</a:t>
-            </a:r>
-            <a:r>
-              <a:rPr lang="en-US" sz="2600" dirty="0" smtClean="0">
-                <a:latin typeface="Arial" pitchFamily="34" charset="0"/>
-                <a:cs typeface="Arial" pitchFamily="34" charset="0"/>
-              </a:rPr>
-              <a:t> Search </a:t>
-            </a:r>
-            <a:r>
-              <a:rPr lang="en-US" sz="2600" dirty="0" err="1" smtClean="0">
-                <a:latin typeface="Arial" pitchFamily="34" charset="0"/>
-                <a:cs typeface="Arial" pitchFamily="34" charset="0"/>
-              </a:rPr>
-              <a:t>si</a:t>
-            </a:r>
-            <a:r>
-              <a:rPr lang="en-US" sz="2600" dirty="0" smtClean="0">
-                <a:latin typeface="Arial" pitchFamily="34" charset="0"/>
-                <a:cs typeface="Arial" pitchFamily="34" charset="0"/>
-              </a:rPr>
-              <a:t> Reinforcement Learning (II) </a:t>
-            </a:r>
-            <a:r>
-              <a:rPr lang="ro-RO" dirty="0" smtClean="0">
-                <a:latin typeface="Arial" pitchFamily="34" charset="0"/>
-                <a:cs typeface="Arial" pitchFamily="34" charset="0"/>
-              </a:rPr>
-              <a:t/>
-            </a:r>
-            <a:br>
-              <a:rPr lang="ro-RO" dirty="0" smtClean="0">
-                <a:latin typeface="Arial" pitchFamily="34" charset="0"/>
-                <a:cs typeface="Arial" pitchFamily="34" charset="0"/>
-              </a:rPr>
-            </a:br>
-            <a:endParaRPr lang="en-US" dirty="0" smtClean="0">
-              <a:latin typeface="Arial" pitchFamily="34" charset="0"/>
-              <a:cs typeface="Arial" pitchFamily="34" charset="0"/>
-            </a:endParaRPr>
+              <a:rPr lang="en-US" sz="1900" dirty="0" smtClean="0"/>
+              <a:t>Hybridization Component</a:t>
+            </a:r>
+            <a:endParaRPr lang="ro-RO" sz="1900" dirty="0" smtClean="0"/>
           </a:p>
         </p:txBody>
       </p:sp>
       <p:sp>
         <p:nvSpPr>
-          <p:cNvPr id="7171" name="Content Placeholder 3"/>
+          <p:cNvPr id="11267" name="Slide Number Placeholder 3"/>
+          <p:cNvSpPr>
+            <a:spLocks noGrp="1"/>
+          </p:cNvSpPr>
+          <p:nvPr>
+            <p:ph type="sldNum" sz="quarter" idx="10"/>
+          </p:nvPr>
+        </p:nvSpPr>
+        <p:spPr bwMode="auto">
+          <a:noFill/>
+          <a:ln>
+            <a:miter lim="800000"/>
+            <a:headEnd/>
+            <a:tailEnd/>
+          </a:ln>
+        </p:spPr>
+        <p:txBody>
+          <a:bodyPr vert="horz" wrap="square" lIns="91440" tIns="45720" rIns="91440" bIns="45720" numCol="1" anchor="t" anchorCtr="0" compatLnSpc="1">
+            <a:prstTxWarp prst="textNoShape">
+              <a:avLst/>
+            </a:prstTxWarp>
+          </a:bodyPr>
+          <a:lstStyle/>
+          <a:p>
+            <a:pPr fontAlgn="base">
+              <a:spcBef>
+                <a:spcPct val="0"/>
+              </a:spcBef>
+              <a:spcAft>
+                <a:spcPct val="0"/>
+              </a:spcAft>
+            </a:pPr>
+            <a:fld id="{6245D18A-00F3-448E-B279-505B59EC394C}" type="slidenum">
+              <a:rPr lang="en-US" smtClean="0"/>
+              <a:pPr fontAlgn="base">
+                <a:spcBef>
+                  <a:spcPct val="0"/>
+                </a:spcBef>
+                <a:spcAft>
+                  <a:spcPct val="0"/>
+                </a:spcAft>
+              </a:pPr>
+              <a:t>12</a:t>
+            </a:fld>
+            <a:endParaRPr lang="en-US" smtClean="0"/>
+          </a:p>
+        </p:txBody>
+      </p:sp>
+      <p:sp>
+        <p:nvSpPr>
+          <p:cNvPr id="2" name="Content Placeholder 1"/>
           <p:cNvSpPr>
             <a:spLocks noGrp="1"/>
           </p:cNvSpPr>
@@ -7086,22 +7509,420 @@
         </p:nvSpPr>
         <p:spPr>
           <a:xfrm>
-            <a:off x="0" y="1428736"/>
-            <a:ext cx="9144000" cy="5000660"/>
+            <a:off x="0" y="1524000"/>
+            <a:ext cx="9067800" cy="4857328"/>
           </a:xfrm>
         </p:spPr>
         <p:txBody>
           <a:bodyPr/>
           <a:lstStyle/>
           <a:p>
-            <a:r>
-              <a:rPr lang="en-US" sz="2300" dirty="0" smtClean="0"/>
-              <a:t>Long Term Memory</a:t>
-            </a:r>
-            <a:endParaRPr lang="ro-RO" sz="2300" dirty="0" smtClean="0"/>
+            <a:pPr marL="319088" lvl="1" indent="-319088">
+              <a:spcBef>
+                <a:spcPts val="700"/>
+              </a:spcBef>
+              <a:buClr>
+                <a:schemeClr val="accent2"/>
+              </a:buClr>
+              <a:buSzPct val="60000"/>
+              <a:buFont typeface="Courier New" pitchFamily="49" charset="0"/>
+              <a:buChar char="o"/>
+            </a:pPr>
+            <a:r>
+              <a:rPr lang="en-US" sz="1900" dirty="0"/>
+              <a:t>The hybridization components that will be injected in the model’s core component are classified in two categories according to the point in which they can be injected. </a:t>
+            </a:r>
+          </a:p>
+          <a:p>
+            <a:pPr lvl="1"/>
+            <a:r>
+              <a:rPr lang="en-US" sz="1900" dirty="0" smtClean="0"/>
+              <a:t>Cuckoo Generation Strategy</a:t>
+            </a:r>
+          </a:p>
+          <a:p>
+            <a:pPr lvl="2"/>
+            <a:r>
+              <a:rPr lang="en-US" sz="1900" dirty="0" smtClean="0"/>
+              <a:t>Random </a:t>
+            </a:r>
+            <a:r>
+              <a:rPr lang="en-US" sz="1900" b="1" dirty="0" smtClean="0"/>
+              <a:t>Levy Flights</a:t>
+            </a:r>
+            <a:r>
+              <a:rPr lang="en-US" sz="1900" dirty="0" smtClean="0"/>
+              <a:t> Solution Generation</a:t>
+            </a:r>
+          </a:p>
+          <a:p>
+            <a:pPr lvl="2"/>
+            <a:r>
+              <a:rPr lang="en-US" sz="1900" b="1" dirty="0" smtClean="0"/>
+              <a:t>Crossover</a:t>
+            </a:r>
+            <a:r>
+              <a:rPr lang="en-US" sz="1900" dirty="0" smtClean="0"/>
+              <a:t> between selected nest and best nest</a:t>
+            </a:r>
+          </a:p>
+          <a:p>
+            <a:pPr lvl="2"/>
+            <a:r>
+              <a:rPr lang="en-US" sz="1900" b="1" dirty="0" err="1" smtClean="0"/>
+              <a:t>Tabu</a:t>
+            </a:r>
+            <a:r>
+              <a:rPr lang="en-US" sz="1900" b="1" dirty="0" smtClean="0"/>
+              <a:t> Search</a:t>
+            </a:r>
+            <a:r>
+              <a:rPr lang="en-US" sz="1900" dirty="0" smtClean="0"/>
+              <a:t> heuristic applied on current nest</a:t>
+            </a:r>
+          </a:p>
+          <a:p>
+            <a:pPr lvl="1"/>
+            <a:r>
+              <a:rPr lang="en-US" sz="1900" dirty="0" smtClean="0"/>
+              <a:t>New Nest Generation Strategy</a:t>
+            </a:r>
+          </a:p>
+          <a:p>
+            <a:pPr lvl="2"/>
+            <a:r>
+              <a:rPr lang="en-US" sz="1900" dirty="0"/>
+              <a:t>Random </a:t>
+            </a:r>
+            <a:r>
+              <a:rPr lang="en-US" sz="1900" b="1" dirty="0"/>
+              <a:t>Levy Flights</a:t>
+            </a:r>
+            <a:r>
+              <a:rPr lang="en-US" sz="1900" dirty="0"/>
+              <a:t> Solution Generation</a:t>
+            </a:r>
+          </a:p>
+          <a:p>
+            <a:pPr lvl="2"/>
+            <a:r>
+              <a:rPr lang="en-US" sz="1900" b="1" dirty="0"/>
+              <a:t>Crossover</a:t>
+            </a:r>
+            <a:r>
+              <a:rPr lang="en-US" sz="1900" dirty="0"/>
+              <a:t> between selected nest and best nest</a:t>
+            </a:r>
+          </a:p>
+          <a:p>
+            <a:pPr lvl="2"/>
+            <a:r>
+              <a:rPr lang="en-US" sz="1900" b="1" dirty="0" smtClean="0"/>
+              <a:t>Hill Climbing </a:t>
+            </a:r>
+            <a:r>
+              <a:rPr lang="en-US" sz="1900" dirty="0" smtClean="0"/>
+              <a:t>heuristic </a:t>
+            </a:r>
+            <a:r>
+              <a:rPr lang="en-US" sz="1900" dirty="0"/>
+              <a:t>applied on current nest</a:t>
+            </a:r>
+          </a:p>
+          <a:p>
+            <a:pPr lvl="2"/>
+            <a:endParaRPr lang="en-US" dirty="0"/>
           </a:p>
         </p:txBody>
       </p:sp>
+    </p:spTree>
+  </p:cSld>
+  <p:clrMapOvr>
+    <a:masterClrMapping/>
+  </p:clrMapOvr>
+  <p:timing>
+    <p:tnLst>
+      <p:par>
+        <p:cTn id="1" dur="indefinite" restart="never" nodeType="tmRoot"/>
+      </p:par>
+    </p:tnLst>
+  </p:timing>
+</p:sld>
+</file>
+
+<file path=ppt/slides/slide13.xml><?xml version="1.0" encoding="utf-8"?>
+<p:sld xmlns:a="http://schemas.openxmlformats.org/drawingml/2006/main" xmlns:r="http://schemas.openxmlformats.org/officeDocument/2006/relationships" xmlns:p="http://schemas.openxmlformats.org/presentationml/2006/main">
+  <p:cSld>
+    <p:spTree>
+      <p:nvGrpSpPr>
+        <p:cNvPr id="1" name=""/>
+        <p:cNvGrpSpPr/>
+        <p:nvPr/>
+      </p:nvGrpSpPr>
+      <p:grpSpPr>
+        <a:xfrm>
+          <a:off x="0" y="0"/>
+          <a:ext cx="0" cy="0"/>
+          <a:chOff x="0" y="0"/>
+          <a:chExt cx="0" cy="0"/>
+        </a:xfrm>
+      </p:grpSpPr>
+      <p:sp>
+        <p:nvSpPr>
+          <p:cNvPr id="11266" name="Title 1"/>
+          <p:cNvSpPr>
+            <a:spLocks noGrp="1"/>
+          </p:cNvSpPr>
+          <p:nvPr>
+            <p:ph type="title"/>
+          </p:nvPr>
+        </p:nvSpPr>
+        <p:spPr>
+          <a:xfrm>
+            <a:off x="0" y="66660"/>
+            <a:ext cx="9144000" cy="1219200"/>
+          </a:xfrm>
+        </p:spPr>
+        <p:txBody>
+          <a:bodyPr/>
+          <a:lstStyle/>
+          <a:p>
+            <a:pPr algn="ctr"/>
+            <a:r>
+              <a:rPr lang="en-US" sz="3000" dirty="0" smtClean="0">
+                <a:latin typeface="Arial" pitchFamily="34" charset="0"/>
+                <a:cs typeface="Arial" pitchFamily="34" charset="0"/>
+              </a:rPr>
+              <a:t>Proposed Solution</a:t>
+            </a:r>
+            <a:r>
+              <a:rPr lang="en-US" sz="3000" dirty="0">
+                <a:latin typeface="Arial" pitchFamily="34" charset="0"/>
+                <a:cs typeface="Arial" pitchFamily="34" charset="0"/>
+              </a:rPr>
+              <a:t/>
+            </a:r>
+            <a:br>
+              <a:rPr lang="en-US" sz="3000" dirty="0">
+                <a:latin typeface="Arial" pitchFamily="34" charset="0"/>
+                <a:cs typeface="Arial" pitchFamily="34" charset="0"/>
+              </a:rPr>
+            </a:br>
+            <a:r>
+              <a:rPr lang="en-US" sz="1900" dirty="0" err="1" smtClean="0"/>
+              <a:t>Input/Output</a:t>
+            </a:r>
+            <a:endParaRPr lang="ro-RO" sz="1900" dirty="0" smtClean="0"/>
+          </a:p>
+        </p:txBody>
+      </p:sp>
+      <p:sp>
+        <p:nvSpPr>
+          <p:cNvPr id="11267" name="Slide Number Placeholder 3"/>
+          <p:cNvSpPr>
+            <a:spLocks noGrp="1"/>
+          </p:cNvSpPr>
+          <p:nvPr>
+            <p:ph type="sldNum" sz="quarter" idx="10"/>
+          </p:nvPr>
+        </p:nvSpPr>
+        <p:spPr bwMode="auto">
+          <a:noFill/>
+          <a:ln>
+            <a:miter lim="800000"/>
+            <a:headEnd/>
+            <a:tailEnd/>
+          </a:ln>
+        </p:spPr>
+        <p:txBody>
+          <a:bodyPr vert="horz" wrap="square" lIns="91440" tIns="45720" rIns="91440" bIns="45720" numCol="1" anchor="t" anchorCtr="0" compatLnSpc="1">
+            <a:prstTxWarp prst="textNoShape">
+              <a:avLst/>
+            </a:prstTxWarp>
+          </a:bodyPr>
+          <a:lstStyle/>
+          <a:p>
+            <a:pPr fontAlgn="base">
+              <a:spcBef>
+                <a:spcPct val="0"/>
+              </a:spcBef>
+              <a:spcAft>
+                <a:spcPct val="0"/>
+              </a:spcAft>
+            </a:pPr>
+            <a:fld id="{6245D18A-00F3-448E-B279-505B59EC394C}" type="slidenum">
+              <a:rPr lang="en-US" smtClean="0"/>
+              <a:pPr fontAlgn="base">
+                <a:spcBef>
+                  <a:spcPct val="0"/>
+                </a:spcBef>
+                <a:spcAft>
+                  <a:spcPct val="0"/>
+                </a:spcAft>
+              </a:pPr>
+              <a:t>13</a:t>
+            </a:fld>
+            <a:endParaRPr lang="en-US" smtClean="0"/>
+          </a:p>
+        </p:txBody>
+      </p:sp>
+      <p:sp>
+        <p:nvSpPr>
+          <p:cNvPr id="2" name="Content Placeholder 1"/>
+          <p:cNvSpPr>
+            <a:spLocks noGrp="1"/>
+          </p:cNvSpPr>
+          <p:nvPr>
+            <p:ph sz="quarter" idx="1"/>
+          </p:nvPr>
+        </p:nvSpPr>
+        <p:spPr>
+          <a:xfrm>
+            <a:off x="0" y="1524000"/>
+            <a:ext cx="9067800" cy="4857328"/>
+          </a:xfrm>
+        </p:spPr>
+        <p:txBody>
+          <a:bodyPr/>
+          <a:lstStyle/>
+          <a:p>
+            <a:pPr marL="319088" lvl="1" indent="-319088">
+              <a:spcBef>
+                <a:spcPts val="700"/>
+              </a:spcBef>
+              <a:buClr>
+                <a:schemeClr val="accent2"/>
+              </a:buClr>
+              <a:buSzPct val="60000"/>
+              <a:buFont typeface="Courier New" pitchFamily="49" charset="0"/>
+              <a:buChar char="o"/>
+            </a:pPr>
+            <a:r>
+              <a:rPr lang="en-US" sz="1900" dirty="0" smtClean="0"/>
+              <a:t>Input:</a:t>
+            </a:r>
+          </a:p>
+          <a:p>
+            <a:pPr marL="593725" lvl="2" indent="-319088">
+              <a:spcBef>
+                <a:spcPts val="700"/>
+              </a:spcBef>
+              <a:buSzPct val="60000"/>
+            </a:pPr>
+            <a:r>
+              <a:rPr lang="en-US" sz="1800" dirty="0" err="1" smtClean="0"/>
+              <a:t>nestNumber</a:t>
+            </a:r>
+            <a:r>
+              <a:rPr lang="en-US" sz="1800" dirty="0" smtClean="0"/>
+              <a:t> – represents the number of nests</a:t>
+            </a:r>
+          </a:p>
+          <a:p>
+            <a:pPr marL="593725" lvl="2" indent="-319088">
+              <a:spcBef>
+                <a:spcPts val="700"/>
+              </a:spcBef>
+              <a:buSzPct val="60000"/>
+            </a:pPr>
+            <a:r>
+              <a:rPr lang="en-US" sz="1800" dirty="0" err="1" smtClean="0"/>
+              <a:t>maxIterations</a:t>
+            </a:r>
+            <a:r>
+              <a:rPr lang="en-US" sz="1800" dirty="0" smtClean="0"/>
+              <a:t> – represents the maximum number of iterations</a:t>
+            </a:r>
+          </a:p>
+          <a:p>
+            <a:pPr marL="593725" lvl="2" indent="-319088">
+              <a:spcBef>
+                <a:spcPts val="700"/>
+              </a:spcBef>
+              <a:buSzPct val="60000"/>
+            </a:pPr>
+            <a:r>
+              <a:rPr lang="en-US" sz="1800" dirty="0" smtClean="0"/>
+              <a:t>PA – is the coefficient by which a host bird discovers the intrusion</a:t>
+            </a:r>
+          </a:p>
+          <a:p>
+            <a:pPr marL="593725" lvl="2" indent="-319088">
+              <a:spcBef>
+                <a:spcPts val="700"/>
+              </a:spcBef>
+              <a:buSzPct val="60000"/>
+            </a:pPr>
+            <a:endParaRPr lang="en-US" sz="1800" dirty="0"/>
+          </a:p>
+          <a:p>
+            <a:pPr marL="319088" lvl="1" indent="-319088">
+              <a:spcBef>
+                <a:spcPts val="700"/>
+              </a:spcBef>
+              <a:buSzPct val="60000"/>
+            </a:pPr>
+            <a:r>
+              <a:rPr lang="en-US" sz="1900" dirty="0" smtClean="0"/>
+              <a:t>Output</a:t>
+            </a:r>
+          </a:p>
+          <a:p>
+            <a:pPr marL="593725" lvl="2" indent="-319088">
+              <a:spcBef>
+                <a:spcPts val="700"/>
+              </a:spcBef>
+              <a:buSzPct val="60000"/>
+            </a:pPr>
+            <a:r>
+              <a:rPr lang="en-US" sz="1800" dirty="0" smtClean="0"/>
+              <a:t>Solution – the output will be the best solution that has been reached </a:t>
+            </a:r>
+            <a:endParaRPr lang="en-US" sz="1800" dirty="0"/>
+          </a:p>
+          <a:p>
+            <a:pPr lvl="2"/>
+            <a:endParaRPr lang="en-US" dirty="0"/>
+          </a:p>
+        </p:txBody>
+      </p:sp>
+    </p:spTree>
+    <p:extLst>
+      <p:ext uri="{BB962C8B-B14F-4D97-AF65-F5344CB8AC3E}">
+        <p14:creationId xmlns:p14="http://schemas.microsoft.com/office/powerpoint/2010/main" val="3863618216"/>
+      </p:ext>
+    </p:extLst>
+  </p:cSld>
+  <p:clrMapOvr>
+    <a:masterClrMapping/>
+  </p:clrMapOvr>
+  <p:timing>
+    <p:tnLst>
+      <p:par>
+        <p:cTn id="1" dur="indefinite" restart="never" nodeType="tmRoot"/>
+      </p:par>
+    </p:tnLst>
+  </p:timing>
+</p:sld>
+</file>
+
+<file path=ppt/slides/slide14.xml><?xml version="1.0" encoding="utf-8"?>
+<p:sld xmlns:a="http://schemas.openxmlformats.org/drawingml/2006/main" xmlns:r="http://schemas.openxmlformats.org/officeDocument/2006/relationships" xmlns:p="http://schemas.openxmlformats.org/presentationml/2006/main">
+  <p:cSld>
+    <p:spTree>
+      <p:nvGrpSpPr>
+        <p:cNvPr id="1" name=""/>
+        <p:cNvGrpSpPr/>
+        <p:nvPr/>
+      </p:nvGrpSpPr>
+      <p:grpSpPr>
+        <a:xfrm>
+          <a:off x="0" y="0"/>
+          <a:ext cx="0" cy="0"/>
+          <a:chOff x="0" y="0"/>
+          <a:chExt cx="0" cy="0"/>
+        </a:xfrm>
+      </p:grpSpPr>
       <p:sp>
         <p:nvSpPr>
           <p:cNvPr id="7172" name="Slide Number Placeholder 2"/>
@@ -7146,7 +7967,7 @@
                   <a:spcPct val="0"/>
                 </a:spcAft>
               </a:pPr>
-              <a:t>12</a:t>
+              <a:t>14</a:t>
             </a:fld>
             <a:endParaRPr lang="en-US" smtClean="0"/>
           </a:p>
@@ -7228,74 +8049,9 @@
           </a:p>
         </p:txBody>
       </p:sp>
-      <p:pic>
-        <p:nvPicPr>
-          <p:cNvPr id="126978" name="Picture 2"/>
-          <p:cNvPicPr>
-            <a:picLocks noChangeAspect="1" noChangeArrowheads="1"/>
-          </p:cNvPicPr>
-          <p:nvPr/>
-        </p:nvPicPr>
-        <p:blipFill>
-          <a:blip r:embed="rId3"/>
-          <a:srcRect/>
-          <a:stretch>
-            <a:fillRect/>
-          </a:stretch>
-        </p:blipFill>
-        <p:spPr bwMode="auto">
-          <a:xfrm>
-            <a:off x="1166813" y="1843109"/>
-            <a:ext cx="6808787" cy="4657725"/>
-          </a:xfrm>
-          <a:prstGeom prst="rect">
-            <a:avLst/>
-          </a:prstGeom>
-          <a:noFill/>
-          <a:ln w="9525">
-            <a:noFill/>
-            <a:miter lim="800000"/>
-            <a:headEnd/>
-            <a:tailEnd/>
-          </a:ln>
-          <a:effectLst/>
-        </p:spPr>
-      </p:pic>
-    </p:spTree>
-  </p:cSld>
-  <p:clrMapOvr>
-    <a:masterClrMapping/>
-  </p:clrMapOvr>
-  <p:timing>
-    <p:tnLst>
-      <p:par>
-        <p:cTn id="1" dur="indefinite" restart="never" nodeType="tmRoot"/>
-      </p:par>
-    </p:tnLst>
-  </p:timing>
-</p:sld>
-</file>
-
-<file path=ppt/slides/slide13.xml><?xml version="1.0" encoding="utf-8"?>
-<p:sld xmlns:a="http://schemas.openxmlformats.org/drawingml/2006/main" xmlns:r="http://schemas.openxmlformats.org/officeDocument/2006/relationships" xmlns:p="http://schemas.openxmlformats.org/presentationml/2006/main">
-  <p:cSld>
-    <p:spTree>
-      <p:nvGrpSpPr>
-        <p:cNvPr id="1" name=""/>
-        <p:cNvGrpSpPr/>
-        <p:nvPr/>
-      </p:nvGrpSpPr>
-      <p:grpSpPr>
-        <a:xfrm>
-          <a:off x="0" y="0"/>
-          <a:ext cx="0" cy="0"/>
-          <a:chOff x="0" y="0"/>
-          <a:chExt cx="0" cy="0"/>
-        </a:xfrm>
-      </p:grpSpPr>
       <p:sp>
         <p:nvSpPr>
-          <p:cNvPr id="7170" name="Title 1"/>
+          <p:cNvPr id="10" name="Title 1"/>
           <p:cNvSpPr>
             <a:spLocks noGrp="1"/>
           </p:cNvSpPr>
@@ -7305,771 +8061,70 @@
         </p:nvSpPr>
         <p:spPr>
           <a:xfrm>
-            <a:off x="0" y="0"/>
-            <a:ext cx="9144000" cy="1295400"/>
+            <a:off x="0" y="66660"/>
+            <a:ext cx="9144000" cy="1219200"/>
           </a:xfrm>
         </p:spPr>
         <p:txBody>
           <a:bodyPr/>
           <a:lstStyle/>
           <a:p>
-            <a:pPr algn="ctr" eaLnBrk="1" hangingPunct="1"/>
-            <a:r>
-              <a:rPr lang="ro-RO" dirty="0" smtClean="0">
+            <a:pPr algn="ctr"/>
+            <a:r>
+              <a:rPr lang="en-US" sz="3000" dirty="0" smtClean="0">
+                <a:latin typeface="Arial" pitchFamily="34" charset="0"/>
+                <a:cs typeface="Arial" pitchFamily="34" charset="0"/>
+              </a:rPr>
+              <a:t>Proposed Solution</a:t>
+            </a:r>
+            <a:r>
+              <a:rPr lang="en-US" sz="3000" dirty="0">
                 <a:latin typeface="Arial" pitchFamily="34" charset="0"/>
                 <a:cs typeface="Arial" pitchFamily="34" charset="0"/>
               </a:rPr>
               <a:t/>
             </a:r>
             <a:br>
-              <a:rPr lang="ro-RO" dirty="0" smtClean="0">
+              <a:rPr lang="en-US" sz="3000" dirty="0">
                 <a:latin typeface="Arial" pitchFamily="34" charset="0"/>
                 <a:cs typeface="Arial" pitchFamily="34" charset="0"/>
               </a:rPr>
             </a:br>
             <a:r>
-              <a:rPr lang="ro-RO" sz="3100" dirty="0" smtClean="0">
-                <a:latin typeface="Arial" pitchFamily="34" charset="0"/>
-                <a:cs typeface="Arial" pitchFamily="34" charset="0"/>
-              </a:rPr>
-              <a:t>Algoritmul Hibrid Inspirat din Comportamentul Cucilor (I)</a:t>
-            </a:r>
-            <a:r>
-              <a:rPr lang="ro-RO" dirty="0" smtClean="0">
-                <a:latin typeface="Arial" pitchFamily="34" charset="0"/>
-                <a:cs typeface="Arial" pitchFamily="34" charset="0"/>
-              </a:rPr>
-              <a:t/>
-            </a:r>
-            <a:br>
-              <a:rPr lang="ro-RO" dirty="0" smtClean="0">
-                <a:latin typeface="Arial" pitchFamily="34" charset="0"/>
-                <a:cs typeface="Arial" pitchFamily="34" charset="0"/>
-              </a:rPr>
-            </a:br>
-            <a:endParaRPr lang="en-US" dirty="0" smtClean="0">
-              <a:latin typeface="Arial" pitchFamily="34" charset="0"/>
-              <a:cs typeface="Arial" pitchFamily="34" charset="0"/>
-            </a:endParaRPr>
-          </a:p>
-        </p:txBody>
-      </p:sp>
-      <p:sp>
-        <p:nvSpPr>
-          <p:cNvPr id="7171" name="Content Placeholder 3"/>
-          <p:cNvSpPr>
-            <a:spLocks noGrp="1"/>
-          </p:cNvSpPr>
-          <p:nvPr>
-            <p:ph sz="quarter" idx="1"/>
-          </p:nvPr>
-        </p:nvSpPr>
-        <p:spPr>
-          <a:xfrm>
-            <a:off x="0" y="1600200"/>
-            <a:ext cx="8766175" cy="4495800"/>
-          </a:xfrm>
-        </p:spPr>
-        <p:txBody>
-          <a:bodyPr/>
-          <a:lstStyle/>
-          <a:p>
-            <a:r>
-              <a:rPr lang="ro-RO" sz="2300" dirty="0" smtClean="0">
-                <a:latin typeface="Arial" pitchFamily="34" charset="0"/>
-                <a:cs typeface="Arial" pitchFamily="34" charset="0"/>
-              </a:rPr>
-              <a:t>Intrari:</a:t>
-            </a:r>
-          </a:p>
-          <a:p>
-            <a:pPr lvl="1">
-              <a:buFont typeface="Wingdings" pitchFamily="2" charset="2"/>
-              <a:buChar char="§"/>
-            </a:pPr>
-            <a:r>
-              <a:rPr lang="ro-RO" sz="1900" i="1" dirty="0" smtClean="0">
-                <a:latin typeface="Arial" pitchFamily="34" charset="0"/>
-                <a:cs typeface="Arial" pitchFamily="34" charset="0"/>
-              </a:rPr>
-              <a:t>foodOffers</a:t>
-            </a:r>
-            <a:r>
-              <a:rPr lang="ro-RO" sz="1900" dirty="0" smtClean="0">
-                <a:latin typeface="Arial" pitchFamily="34" charset="0"/>
-                <a:cs typeface="Arial" pitchFamily="34" charset="0"/>
-              </a:rPr>
-              <a:t>: totalitatea ofertelor alimentare;</a:t>
-            </a:r>
-            <a:endParaRPr lang="en-US" sz="1900" dirty="0" smtClean="0">
-              <a:latin typeface="Arial" pitchFamily="34" charset="0"/>
-              <a:cs typeface="Arial" pitchFamily="34" charset="0"/>
-            </a:endParaRPr>
-          </a:p>
-          <a:p>
-            <a:pPr lvl="1">
-              <a:buFont typeface="Wingdings" pitchFamily="2" charset="2"/>
-              <a:buChar char="§"/>
-            </a:pPr>
-            <a:r>
-              <a:rPr lang="ro-RO" sz="1900" i="1" dirty="0" smtClean="0">
-                <a:latin typeface="Arial" pitchFamily="34" charset="0"/>
-                <a:cs typeface="Arial" pitchFamily="34" charset="0"/>
-              </a:rPr>
-              <a:t>userRequest</a:t>
-            </a:r>
-            <a:r>
-              <a:rPr lang="ro-RO" sz="1900" dirty="0" smtClean="0">
-                <a:latin typeface="Arial" pitchFamily="34" charset="0"/>
-                <a:cs typeface="Arial" pitchFamily="34" charset="0"/>
-              </a:rPr>
-              <a:t>: preferințele alimentare ale utilizatorului;</a:t>
-            </a:r>
-            <a:endParaRPr lang="en-US" sz="1900" dirty="0" smtClean="0">
-              <a:latin typeface="Arial" pitchFamily="34" charset="0"/>
-              <a:cs typeface="Arial" pitchFamily="34" charset="0"/>
-            </a:endParaRPr>
-          </a:p>
-          <a:p>
-            <a:pPr lvl="1">
-              <a:buFont typeface="Wingdings" pitchFamily="2" charset="2"/>
-              <a:buChar char="§"/>
-            </a:pPr>
-            <a:r>
-              <a:rPr lang="ro-RO" sz="1900" i="1" dirty="0" smtClean="0">
-                <a:latin typeface="Arial" pitchFamily="34" charset="0"/>
-                <a:cs typeface="Arial" pitchFamily="34" charset="0"/>
-              </a:rPr>
-              <a:t>dietRecommendations</a:t>
-            </a:r>
-            <a:r>
-              <a:rPr lang="ro-RO" sz="1900" dirty="0" smtClean="0">
-                <a:latin typeface="Arial" pitchFamily="34" charset="0"/>
-                <a:cs typeface="Arial" pitchFamily="34" charset="0"/>
-              </a:rPr>
-              <a:t>: recomandările nutriționale;</a:t>
-            </a:r>
-            <a:endParaRPr lang="en-US" sz="1900" dirty="0" smtClean="0">
-              <a:latin typeface="Arial" pitchFamily="34" charset="0"/>
-              <a:cs typeface="Arial" pitchFamily="34" charset="0"/>
-            </a:endParaRPr>
-          </a:p>
-          <a:p>
-            <a:pPr lvl="1">
-              <a:buFont typeface="Wingdings" pitchFamily="2" charset="2"/>
-              <a:buChar char="§"/>
-            </a:pPr>
-            <a:r>
-              <a:rPr lang="ro-RO" sz="1900" i="1" dirty="0" smtClean="0">
-                <a:latin typeface="Arial" pitchFamily="34" charset="0"/>
-                <a:cs typeface="Arial" pitchFamily="34" charset="0"/>
-              </a:rPr>
-              <a:t>noNest</a:t>
-            </a:r>
-            <a:r>
-              <a:rPr lang="en-US" sz="1900" i="1" dirty="0" smtClean="0">
-                <a:latin typeface="Arial" pitchFamily="34" charset="0"/>
-                <a:cs typeface="Arial" pitchFamily="34" charset="0"/>
-              </a:rPr>
-              <a:t>s</a:t>
-            </a:r>
-            <a:r>
-              <a:rPr lang="ro-RO" sz="1900" dirty="0" smtClean="0">
-                <a:latin typeface="Arial" pitchFamily="34" charset="0"/>
-                <a:cs typeface="Arial" pitchFamily="34" charset="0"/>
-              </a:rPr>
-              <a:t>: numărul de cuiburi disponibile;</a:t>
-            </a:r>
-            <a:endParaRPr lang="en-US" sz="1900" dirty="0" smtClean="0">
-              <a:latin typeface="Arial" pitchFamily="34" charset="0"/>
-              <a:cs typeface="Arial" pitchFamily="34" charset="0"/>
-            </a:endParaRPr>
-          </a:p>
-          <a:p>
-            <a:pPr lvl="1">
-              <a:buFont typeface="Wingdings" pitchFamily="2" charset="2"/>
-              <a:buChar char="§"/>
-            </a:pPr>
-            <a:r>
-              <a:rPr lang="ro-RO" sz="1900" i="1" dirty="0" smtClean="0">
-                <a:latin typeface="Arial" pitchFamily="34" charset="0"/>
-                <a:cs typeface="Arial" pitchFamily="34" charset="0"/>
-              </a:rPr>
-              <a:t>noCuck</a:t>
-            </a:r>
-            <a:r>
-              <a:rPr lang="ro-RO" sz="1900" dirty="0" smtClean="0">
-                <a:latin typeface="Arial" pitchFamily="34" charset="0"/>
-                <a:cs typeface="Arial" pitchFamily="34" charset="0"/>
-              </a:rPr>
-              <a:t>: numărul de cuci utilizați;</a:t>
-            </a:r>
-            <a:endParaRPr lang="en-US" sz="1900" dirty="0" smtClean="0">
-              <a:latin typeface="Arial" pitchFamily="34" charset="0"/>
-              <a:cs typeface="Arial" pitchFamily="34" charset="0"/>
-            </a:endParaRPr>
-          </a:p>
-          <a:p>
-            <a:pPr lvl="1">
-              <a:buFont typeface="Wingdings" pitchFamily="2" charset="2"/>
-              <a:buChar char="§"/>
-            </a:pPr>
-            <a:r>
-              <a:rPr lang="ro-RO" sz="1900" i="1" dirty="0" smtClean="0">
-                <a:latin typeface="Arial" pitchFamily="34" charset="0"/>
-                <a:cs typeface="Arial" pitchFamily="34" charset="0"/>
-              </a:rPr>
-              <a:t>repNest</a:t>
-            </a:r>
-            <a:r>
-              <a:rPr lang="ro-RO" sz="1900" dirty="0" smtClean="0">
-                <a:latin typeface="Arial" pitchFamily="34" charset="0"/>
-                <a:cs typeface="Arial" pitchFamily="34" charset="0"/>
-              </a:rPr>
-              <a:t>: procentul de cuiburi înlocuite cu unele aleatoare;</a:t>
-            </a:r>
-            <a:endParaRPr lang="en-US" sz="1900" dirty="0" smtClean="0">
-              <a:latin typeface="Arial" pitchFamily="34" charset="0"/>
-              <a:cs typeface="Arial" pitchFamily="34" charset="0"/>
-            </a:endParaRPr>
-          </a:p>
-          <a:p>
-            <a:pPr lvl="1">
-              <a:buFont typeface="Wingdings" pitchFamily="2" charset="2"/>
-              <a:buChar char="§"/>
-            </a:pPr>
-            <a:r>
-              <a:rPr lang="en-US" sz="1900" i="1" smtClean="0"/>
-              <a:t>trMut</a:t>
-            </a:r>
-            <a:r>
-              <a:rPr lang="ro-RO" sz="1900" smtClean="0">
-                <a:latin typeface="Arial" pitchFamily="34" charset="0"/>
-                <a:cs typeface="Arial" pitchFamily="34" charset="0"/>
-              </a:rPr>
-              <a:t>: </a:t>
-            </a:r>
-            <a:r>
-              <a:rPr lang="ro-RO" sz="1900" dirty="0" smtClean="0">
-                <a:latin typeface="Arial" pitchFamily="34" charset="0"/>
-                <a:cs typeface="Arial" pitchFamily="34" charset="0"/>
-              </a:rPr>
-              <a:t>pragul de mutație prestabilit;</a:t>
-            </a:r>
-            <a:endParaRPr lang="en-US" sz="1900" dirty="0" smtClean="0">
-              <a:latin typeface="Arial" pitchFamily="34" charset="0"/>
-              <a:cs typeface="Arial" pitchFamily="34" charset="0"/>
-            </a:endParaRPr>
-          </a:p>
-          <a:p>
-            <a:pPr lvl="1">
-              <a:buFont typeface="Wingdings" pitchFamily="2" charset="2"/>
-              <a:buChar char="§"/>
-            </a:pPr>
-            <a:r>
-              <a:rPr lang="ro-RO" sz="1900" i="1" dirty="0" smtClean="0">
-                <a:latin typeface="Arial" pitchFamily="34" charset="0"/>
-                <a:cs typeface="Arial" pitchFamily="34" charset="0"/>
-              </a:rPr>
-              <a:t>noIt</a:t>
-            </a:r>
-            <a:r>
-              <a:rPr lang="ro-RO" sz="1900" dirty="0" smtClean="0">
-                <a:latin typeface="Arial" pitchFamily="34" charset="0"/>
-                <a:cs typeface="Arial" pitchFamily="34" charset="0"/>
-              </a:rPr>
-              <a:t>: numărul maxim de iterații;</a:t>
-            </a:r>
-            <a:endParaRPr lang="en-US" sz="1900" dirty="0" smtClean="0">
-              <a:latin typeface="Arial" pitchFamily="34" charset="0"/>
-              <a:cs typeface="Arial" pitchFamily="34" charset="0"/>
-            </a:endParaRPr>
-          </a:p>
-          <a:p>
-            <a:pPr lvl="1">
-              <a:buFont typeface="Wingdings" pitchFamily="2" charset="2"/>
-              <a:buChar char="§"/>
-            </a:pPr>
-            <a:r>
-              <a:rPr lang="ro-RO" sz="1900" i="1" dirty="0" smtClean="0">
-                <a:latin typeface="Arial" pitchFamily="34" charset="0"/>
-                <a:cs typeface="Arial" pitchFamily="34" charset="0"/>
-              </a:rPr>
-              <a:t>diffIt</a:t>
-            </a:r>
-            <a:r>
-              <a:rPr lang="ro-RO" sz="1900" dirty="0" smtClean="0">
-                <a:latin typeface="Arial" pitchFamily="34" charset="0"/>
-                <a:cs typeface="Arial" pitchFamily="34" charset="0"/>
-              </a:rPr>
-              <a:t>: diferența de fitness ce reprezinta stangarea;</a:t>
-            </a:r>
-            <a:endParaRPr lang="en-US" sz="1900" dirty="0" smtClean="0">
-              <a:latin typeface="Arial" pitchFamily="34" charset="0"/>
-              <a:cs typeface="Arial" pitchFamily="34" charset="0"/>
-            </a:endParaRPr>
-          </a:p>
-          <a:p>
-            <a:pPr lvl="1">
-              <a:buFont typeface="Wingdings" pitchFamily="2" charset="2"/>
-              <a:buChar char="§"/>
-            </a:pPr>
-            <a:r>
-              <a:rPr lang="ro-RO" sz="1900" i="1" dirty="0" smtClean="0">
-                <a:latin typeface="Arial" pitchFamily="34" charset="0"/>
-                <a:cs typeface="Arial" pitchFamily="34" charset="0"/>
-              </a:rPr>
-              <a:t>noConstIt</a:t>
-            </a:r>
-            <a:r>
-              <a:rPr lang="ro-RO" sz="1900" dirty="0" smtClean="0">
-                <a:latin typeface="Arial" pitchFamily="34" charset="0"/>
-                <a:cs typeface="Arial" pitchFamily="34" charset="0"/>
-              </a:rPr>
-              <a:t>: numărul maxim de stragnări succesive;</a:t>
-            </a:r>
-          </a:p>
-          <a:p>
-            <a:r>
-              <a:rPr lang="ro-RO" sz="2300" dirty="0" smtClean="0">
-                <a:latin typeface="Arial" pitchFamily="34" charset="0"/>
-                <a:cs typeface="Arial" pitchFamily="34" charset="0"/>
-              </a:rPr>
-              <a:t>Iesiri:</a:t>
-            </a:r>
-          </a:p>
-          <a:p>
-            <a:pPr lvl="1">
-              <a:buFont typeface="Wingdings" pitchFamily="2" charset="2"/>
-              <a:buChar char="§"/>
-            </a:pPr>
-            <a:r>
-              <a:rPr lang="ro-RO" sz="1900" i="1" dirty="0" smtClean="0">
-                <a:latin typeface="Arial" pitchFamily="34" charset="0"/>
-                <a:cs typeface="Arial" pitchFamily="34" charset="0"/>
-              </a:rPr>
-              <a:t>Menus</a:t>
-            </a:r>
-            <a:r>
-              <a:rPr lang="ro-RO" sz="1900" dirty="0" smtClean="0">
-                <a:latin typeface="Arial" pitchFamily="34" charset="0"/>
-                <a:cs typeface="Arial" pitchFamily="34" charset="0"/>
-              </a:rPr>
-              <a:t>: meniurile recomandate</a:t>
-            </a:r>
-            <a:endParaRPr lang="en-US" sz="1900" dirty="0" smtClean="0">
-              <a:latin typeface="Arial" pitchFamily="34" charset="0"/>
-              <a:cs typeface="Arial" pitchFamily="34" charset="0"/>
-            </a:endParaRPr>
-          </a:p>
-          <a:p>
-            <a:endParaRPr lang="ro-RO" sz="2400" dirty="0" smtClean="0"/>
-          </a:p>
-        </p:txBody>
-      </p:sp>
-      <p:sp>
-        <p:nvSpPr>
-          <p:cNvPr id="7172" name="Slide Number Placeholder 2"/>
-          <p:cNvSpPr>
-            <a:spLocks noGrp="1"/>
-          </p:cNvSpPr>
-          <p:nvPr>
-            <p:ph type="sldNum" sz="quarter" idx="10"/>
-          </p:nvPr>
-        </p:nvSpPr>
-        <p:spPr bwMode="auto">
-          <a:noFill/>
-          <a:ln>
-            <a:miter lim="800000"/>
-            <a:headEnd/>
-            <a:tailEnd/>
-          </a:ln>
-        </p:spPr>
-        <p:txBody>
-          <a:bodyPr vert="horz" wrap="square" lIns="91440" tIns="45720" rIns="91440" bIns="45720" numCol="1" anchor="t" anchorCtr="0" compatLnSpc="1">
-            <a:prstTxWarp prst="textNoShape">
-              <a:avLst/>
-            </a:prstTxWarp>
-          </a:bodyPr>
-          <a:lstStyle/>
-          <a:p>
-            <a:pPr fontAlgn="base">
-              <a:spcBef>
-                <a:spcPct val="0"/>
-              </a:spcBef>
-              <a:spcAft>
-                <a:spcPct val="0"/>
-              </a:spcAft>
-            </a:pPr>
-            <a:fld id="{FEB3FF15-7694-4C79-A17C-C5F32E1F8115}" type="slidenum">
-              <a:rPr lang="en-US" smtClean="0"/>
-              <a:pPr fontAlgn="base">
-                <a:spcBef>
-                  <a:spcPct val="0"/>
-                </a:spcBef>
-                <a:spcAft>
-                  <a:spcPct val="0"/>
-                </a:spcAft>
-              </a:pPr>
-              <a:t>13</a:t>
-            </a:fld>
-            <a:endParaRPr lang="en-US" smtClean="0"/>
-          </a:p>
-        </p:txBody>
-      </p:sp>
-      <p:sp>
-        <p:nvSpPr>
-          <p:cNvPr id="104450" name="Rectangle 2"/>
-          <p:cNvSpPr>
-            <a:spLocks noChangeArrowheads="1"/>
-          </p:cNvSpPr>
-          <p:nvPr/>
-        </p:nvSpPr>
-        <p:spPr bwMode="auto">
-          <a:xfrm>
-            <a:off x="0" y="0"/>
-            <a:ext cx="9144000" cy="0"/>
-          </a:xfrm>
-          <a:prstGeom prst="rect">
-            <a:avLst/>
-          </a:prstGeom>
-          <a:noFill/>
-          <a:ln w="9525">
-            <a:noFill/>
-            <a:miter lim="800000"/>
-            <a:headEnd/>
-            <a:tailEnd/>
-          </a:ln>
-          <a:effectLst/>
-        </p:spPr>
-        <p:txBody>
-          <a:bodyPr vert="horz" wrap="none" lIns="91440" tIns="45720" rIns="91440" bIns="45720" numCol="1" anchor="ctr" anchorCtr="0" compatLnSpc="1">
-            <a:prstTxWarp prst="textNoShape">
-              <a:avLst/>
-            </a:prstTxWarp>
-            <a:spAutoFit/>
-          </a:bodyPr>
-          <a:lstStyle/>
-          <a:p>
-            <a:endParaRPr lang="en-US"/>
-          </a:p>
-        </p:txBody>
-      </p:sp>
-      <p:sp>
-        <p:nvSpPr>
-          <p:cNvPr id="104452" name="Rectangle 4"/>
-          <p:cNvSpPr>
-            <a:spLocks noChangeArrowheads="1"/>
-          </p:cNvSpPr>
-          <p:nvPr/>
-        </p:nvSpPr>
-        <p:spPr bwMode="auto">
-          <a:xfrm>
-            <a:off x="0" y="0"/>
-            <a:ext cx="9144000" cy="0"/>
-          </a:xfrm>
-          <a:prstGeom prst="rect">
-            <a:avLst/>
-          </a:prstGeom>
-          <a:noFill/>
-          <a:ln w="9525">
-            <a:noFill/>
-            <a:miter lim="800000"/>
-            <a:headEnd/>
-            <a:tailEnd/>
-          </a:ln>
-          <a:effectLst/>
-        </p:spPr>
-        <p:txBody>
-          <a:bodyPr vert="horz" wrap="none" lIns="91440" tIns="45720" rIns="91440" bIns="45720" numCol="1" anchor="ctr" anchorCtr="0" compatLnSpc="1">
-            <a:prstTxWarp prst="textNoShape">
-              <a:avLst/>
-            </a:prstTxWarp>
-            <a:spAutoFit/>
-          </a:bodyPr>
-          <a:lstStyle/>
-          <a:p>
-            <a:endParaRPr lang="en-US"/>
-          </a:p>
-        </p:txBody>
-      </p:sp>
-    </p:spTree>
-  </p:cSld>
-  <p:clrMapOvr>
-    <a:masterClrMapping/>
-  </p:clrMapOvr>
-  <p:timing>
-    <p:tnLst>
-      <p:par>
-        <p:cTn id="1" dur="indefinite" restart="never" nodeType="tmRoot"/>
-      </p:par>
-    </p:tnLst>
-  </p:timing>
-</p:sld>
-</file>
-
-<file path=ppt/slides/slide14.xml><?xml version="1.0" encoding="utf-8"?>
-<p:sld xmlns:a="http://schemas.openxmlformats.org/drawingml/2006/main" xmlns:r="http://schemas.openxmlformats.org/officeDocument/2006/relationships" xmlns:p="http://schemas.openxmlformats.org/presentationml/2006/main">
-  <p:cSld>
-    <p:spTree>
-      <p:nvGrpSpPr>
-        <p:cNvPr id="1" name=""/>
-        <p:cNvGrpSpPr/>
-        <p:nvPr/>
-      </p:nvGrpSpPr>
-      <p:grpSpPr>
-        <a:xfrm>
-          <a:off x="0" y="0"/>
-          <a:ext cx="0" cy="0"/>
-          <a:chOff x="0" y="0"/>
-          <a:chExt cx="0" cy="0"/>
-        </a:xfrm>
-      </p:grpSpPr>
-      <p:sp>
-        <p:nvSpPr>
-          <p:cNvPr id="7170" name="Title 1"/>
-          <p:cNvSpPr>
-            <a:spLocks noGrp="1"/>
-          </p:cNvSpPr>
-          <p:nvPr>
-            <p:ph type="title"/>
-          </p:nvPr>
-        </p:nvSpPr>
-        <p:spPr>
-          <a:xfrm>
-            <a:off x="0" y="0"/>
-            <a:ext cx="9144000" cy="1295400"/>
-          </a:xfrm>
-        </p:spPr>
-        <p:txBody>
-          <a:bodyPr/>
-          <a:lstStyle/>
-          <a:p>
-            <a:pPr algn="ctr" eaLnBrk="1" hangingPunct="1"/>
-            <a:r>
-              <a:rPr lang="ro-RO" dirty="0" smtClean="0">
-                <a:latin typeface="Arial" pitchFamily="34" charset="0"/>
-                <a:cs typeface="Arial" pitchFamily="34" charset="0"/>
-              </a:rPr>
-              <a:t/>
-            </a:r>
-            <a:br>
-              <a:rPr lang="ro-RO" dirty="0" smtClean="0">
-                <a:latin typeface="Arial" pitchFamily="34" charset="0"/>
-                <a:cs typeface="Arial" pitchFamily="34" charset="0"/>
-              </a:rPr>
-            </a:br>
-            <a:r>
-              <a:rPr lang="ro-RO" sz="3100" dirty="0" smtClean="0">
-                <a:latin typeface="Arial" pitchFamily="34" charset="0"/>
-                <a:cs typeface="Arial" pitchFamily="34" charset="0"/>
-              </a:rPr>
-              <a:t>Algoritmul Hibrid Inspirat din Comportamentul Cucilor (II)</a:t>
-            </a:r>
-            <a:r>
-              <a:rPr lang="ro-RO" dirty="0" smtClean="0">
-                <a:latin typeface="Arial" pitchFamily="34" charset="0"/>
-                <a:cs typeface="Arial" pitchFamily="34" charset="0"/>
-              </a:rPr>
-              <a:t/>
-            </a:r>
-            <a:br>
-              <a:rPr lang="ro-RO" dirty="0" smtClean="0">
-                <a:latin typeface="Arial" pitchFamily="34" charset="0"/>
-                <a:cs typeface="Arial" pitchFamily="34" charset="0"/>
-              </a:rPr>
-            </a:br>
-            <a:endParaRPr lang="en-US" dirty="0" smtClean="0">
-              <a:latin typeface="Arial" pitchFamily="34" charset="0"/>
-              <a:cs typeface="Arial" pitchFamily="34" charset="0"/>
-            </a:endParaRPr>
-          </a:p>
-        </p:txBody>
-      </p:sp>
-      <p:sp>
-        <p:nvSpPr>
-          <p:cNvPr id="7171" name="Content Placeholder 3"/>
-          <p:cNvSpPr>
-            <a:spLocks noGrp="1"/>
-          </p:cNvSpPr>
-          <p:nvPr>
-            <p:ph sz="quarter" idx="1"/>
-          </p:nvPr>
-        </p:nvSpPr>
-        <p:spPr>
-          <a:xfrm>
-            <a:off x="612775" y="1600200"/>
-            <a:ext cx="8153400" cy="4495800"/>
-          </a:xfrm>
-        </p:spPr>
-        <p:txBody>
-          <a:bodyPr/>
-          <a:lstStyle/>
-          <a:p>
-            <a:pPr>
-              <a:buNone/>
-            </a:pPr>
-            <a:endParaRPr lang="ro-RO" sz="2400" dirty="0" smtClean="0"/>
-          </a:p>
-        </p:txBody>
-      </p:sp>
-      <p:sp>
-        <p:nvSpPr>
-          <p:cNvPr id="7172" name="Slide Number Placeholder 2"/>
-          <p:cNvSpPr>
-            <a:spLocks noGrp="1"/>
-          </p:cNvSpPr>
-          <p:nvPr>
-            <p:ph type="sldNum" sz="quarter" idx="10"/>
-          </p:nvPr>
-        </p:nvSpPr>
-        <p:spPr bwMode="auto">
-          <a:noFill/>
-          <a:ln>
-            <a:miter lim="800000"/>
-            <a:headEnd/>
-            <a:tailEnd/>
-          </a:ln>
-        </p:spPr>
-        <p:txBody>
-          <a:bodyPr vert="horz" wrap="square" lIns="91440" tIns="45720" rIns="91440" bIns="45720" numCol="1" anchor="t" anchorCtr="0" compatLnSpc="1">
-            <a:prstTxWarp prst="textNoShape">
-              <a:avLst/>
-            </a:prstTxWarp>
-          </a:bodyPr>
-          <a:lstStyle/>
-          <a:p>
-            <a:pPr fontAlgn="base">
-              <a:spcBef>
-                <a:spcPct val="0"/>
-              </a:spcBef>
-              <a:spcAft>
-                <a:spcPct val="0"/>
-              </a:spcAft>
-            </a:pPr>
-            <a:fld id="{FEB3FF15-7694-4C79-A17C-C5F32E1F8115}" type="slidenum">
-              <a:rPr lang="en-US" smtClean="0"/>
-              <a:pPr fontAlgn="base">
-                <a:spcBef>
-                  <a:spcPct val="0"/>
-                </a:spcBef>
-                <a:spcAft>
-                  <a:spcPct val="0"/>
-                </a:spcAft>
-              </a:pPr>
-              <a:t>14</a:t>
-            </a:fld>
-            <a:endParaRPr lang="en-US" smtClean="0"/>
-          </a:p>
-        </p:txBody>
-      </p:sp>
-      <p:sp>
-        <p:nvSpPr>
-          <p:cNvPr id="104450" name="Rectangle 2"/>
-          <p:cNvSpPr>
-            <a:spLocks noChangeArrowheads="1"/>
-          </p:cNvSpPr>
-          <p:nvPr/>
-        </p:nvSpPr>
-        <p:spPr bwMode="auto">
-          <a:xfrm>
-            <a:off x="0" y="0"/>
-            <a:ext cx="9144000" cy="0"/>
-          </a:xfrm>
-          <a:prstGeom prst="rect">
-            <a:avLst/>
-          </a:prstGeom>
-          <a:noFill/>
-          <a:ln w="9525">
-            <a:noFill/>
-            <a:miter lim="800000"/>
-            <a:headEnd/>
-            <a:tailEnd/>
-          </a:ln>
-          <a:effectLst/>
-        </p:spPr>
-        <p:txBody>
-          <a:bodyPr vert="horz" wrap="none" lIns="91440" tIns="45720" rIns="91440" bIns="45720" numCol="1" anchor="ctr" anchorCtr="0" compatLnSpc="1">
-            <a:prstTxWarp prst="textNoShape">
-              <a:avLst/>
-            </a:prstTxWarp>
-            <a:spAutoFit/>
-          </a:bodyPr>
-          <a:lstStyle/>
-          <a:p>
-            <a:endParaRPr lang="en-US"/>
-          </a:p>
-        </p:txBody>
-      </p:sp>
-      <p:sp>
-        <p:nvSpPr>
-          <p:cNvPr id="104452" name="Rectangle 4"/>
-          <p:cNvSpPr>
-            <a:spLocks noChangeArrowheads="1"/>
-          </p:cNvSpPr>
-          <p:nvPr/>
-        </p:nvSpPr>
-        <p:spPr bwMode="auto">
-          <a:xfrm>
-            <a:off x="0" y="0"/>
-            <a:ext cx="9144000" cy="0"/>
-          </a:xfrm>
-          <a:prstGeom prst="rect">
-            <a:avLst/>
-          </a:prstGeom>
-          <a:noFill/>
-          <a:ln w="9525">
-            <a:noFill/>
-            <a:miter lim="800000"/>
-            <a:headEnd/>
-            <a:tailEnd/>
-          </a:ln>
-          <a:effectLst/>
-        </p:spPr>
-        <p:txBody>
-          <a:bodyPr vert="horz" wrap="none" lIns="91440" tIns="45720" rIns="91440" bIns="45720" numCol="1" anchor="ctr" anchorCtr="0" compatLnSpc="1">
-            <a:prstTxWarp prst="textNoShape">
-              <a:avLst/>
-            </a:prstTxWarp>
-            <a:spAutoFit/>
-          </a:bodyPr>
-          <a:lstStyle/>
-          <a:p>
-            <a:endParaRPr lang="en-US"/>
+              <a:rPr lang="en-US" sz="1900" dirty="0" smtClean="0"/>
+              <a:t>Cuckoo Search Flow Diagram</a:t>
+            </a:r>
+            <a:endParaRPr lang="ro-RO" sz="1900" dirty="0" smtClean="0"/>
           </a:p>
         </p:txBody>
       </p:sp>
       <p:pic>
         <p:nvPicPr>
-          <p:cNvPr id="144390" name="Picture 6"/>
+          <p:cNvPr id="6" name="Content Placeholder 5"/>
           <p:cNvPicPr>
-            <a:picLocks noChangeAspect="1" noChangeArrowheads="1"/>
+            <a:picLocks noGrp="1" noChangeAspect="1"/>
           </p:cNvPicPr>
-          <p:nvPr/>
+          <p:nvPr>
+            <p:ph sz="quarter" idx="1"/>
+          </p:nvPr>
         </p:nvPicPr>
         <p:blipFill>
-          <a:blip r:embed="rId3"/>
-          <a:srcRect/>
+          <a:blip r:embed="rId3">
+            <a:extLst>
+              <a:ext uri="{28A0092B-C50C-407E-A947-70E740481C1C}">
+                <a14:useLocalDpi xmlns:a14="http://schemas.microsoft.com/office/drawing/2010/main" val="0"/>
+              </a:ext>
+            </a:extLst>
+          </a:blip>
           <a:stretch>
             <a:fillRect/>
           </a:stretch>
         </p:blipFill>
-        <p:spPr bwMode="auto">
+        <p:spPr>
           <a:xfrm>
-            <a:off x="607794" y="1497500"/>
-            <a:ext cx="8179048" cy="5003334"/>
+            <a:off x="1806197" y="1524000"/>
+            <a:ext cx="5531605" cy="4976813"/>
           </a:xfrm>
-          <a:prstGeom prst="rect">
-            <a:avLst/>
-          </a:prstGeom>
-          <a:noFill/>
-          <a:ln w="9525">
-            <a:noFill/>
-            <a:miter lim="800000"/>
-            <a:headEnd/>
-            <a:tailEnd/>
-          </a:ln>
-          <a:effectLst/>
         </p:spPr>
       </p:pic>
     </p:spTree>
@@ -9826,7 +9881,7 @@
           <a:p>
             <a:pPr algn="ctr" eaLnBrk="1" hangingPunct="1"/>
             <a:r>
-              <a:rPr lang="en-US" sz="3100" dirty="0" smtClean="0">
+              <a:rPr lang="en-US" sz="3000" dirty="0" smtClean="0">
                 <a:latin typeface="Arial" pitchFamily="34" charset="0"/>
                 <a:cs typeface="Arial" pitchFamily="34" charset="0"/>
               </a:rPr>
@@ -9861,17 +9916,25 @@
                 <a:latin typeface="Arial" pitchFamily="34" charset="0"/>
                 <a:cs typeface="Arial" pitchFamily="34" charset="0"/>
               </a:rPr>
-              <a:t>Introducere</a:t>
-            </a:r>
-          </a:p>
-          <a:p>
-            <a:pPr eaLnBrk="1" hangingPunct="1"/>
-            <a:r>
-              <a:rPr lang="ro-RO" sz="2300" dirty="0" smtClean="0">
+              <a:t>Introduc</a:t>
+            </a:r>
+            <a:r>
+              <a:rPr lang="en-US" sz="2300" dirty="0" err="1" smtClean="0">
                 <a:latin typeface="Arial" pitchFamily="34" charset="0"/>
                 <a:cs typeface="Arial" pitchFamily="34" charset="0"/>
               </a:rPr>
-              <a:t>Obiective si contributie</a:t>
+              <a:t>tion</a:t>
+            </a:r>
+            <a:endParaRPr lang="ro-RO" sz="2300" dirty="0" smtClean="0">
+              <a:latin typeface="Arial" pitchFamily="34" charset="0"/>
+              <a:cs typeface="Arial" pitchFamily="34" charset="0"/>
+            </a:endParaRPr>
+          </a:p>
+          <a:p>
+            <a:pPr eaLnBrk="1" hangingPunct="1"/>
+            <a:r>
+              <a:rPr lang="en-US" sz="2300" dirty="0" smtClean="0"/>
+              <a:t>Objectives and Contributions</a:t>
             </a:r>
             <a:endParaRPr lang="en-US" sz="2300" dirty="0" smtClean="0">
               <a:latin typeface="Arial" pitchFamily="34" charset="0"/>
@@ -9881,61 +9944,67 @@
           <a:p>
             <a:pPr eaLnBrk="1" hangingPunct="1"/>
             <a:r>
-              <a:rPr lang="ro-RO" sz="2300" dirty="0" smtClean="0">
+              <a:rPr lang="en-US" sz="2300" dirty="0" smtClean="0">
                 <a:latin typeface="Arial" pitchFamily="34" charset="0"/>
                 <a:cs typeface="Arial" pitchFamily="34" charset="0"/>
               </a:rPr>
-              <a:t>Stadiul actual al cercetarii</a:t>
-            </a:r>
+              <a:t>Related Work</a:t>
+            </a:r>
+            <a:endParaRPr lang="ro-RO" sz="2300" dirty="0" smtClean="0">
+              <a:latin typeface="Arial" pitchFamily="34" charset="0"/>
+              <a:cs typeface="Arial" pitchFamily="34" charset="0"/>
+            </a:endParaRPr>
           </a:p>
           <a:p>
             <a:pPr eaLnBrk="1" hangingPunct="1"/>
             <a:r>
-              <a:rPr lang="ro-RO" sz="2300" dirty="0" smtClean="0">
+              <a:rPr lang="en-US" sz="2300" dirty="0" smtClean="0">
                 <a:latin typeface="Arial" pitchFamily="34" charset="0"/>
                 <a:cs typeface="Arial" pitchFamily="34" charset="0"/>
               </a:rPr>
-              <a:t>Modelul Hibrid Inspirat din Comportamentul Cucilor</a:t>
-            </a:r>
+              <a:t>Proposed Solution</a:t>
+            </a:r>
+            <a:endParaRPr lang="ro-RO" sz="2300" dirty="0" smtClean="0">
+              <a:latin typeface="Arial" pitchFamily="34" charset="0"/>
+              <a:cs typeface="Arial" pitchFamily="34" charset="0"/>
+            </a:endParaRPr>
           </a:p>
           <a:p>
             <a:pPr eaLnBrk="1" hangingPunct="1"/>
             <a:r>
-              <a:rPr lang="ro-RO" sz="2300" dirty="0" smtClean="0">
+              <a:rPr lang="en-US" sz="2300" dirty="0" smtClean="0">
                 <a:latin typeface="Arial" pitchFamily="34" charset="0"/>
                 <a:cs typeface="Arial" pitchFamily="34" charset="0"/>
               </a:rPr>
-              <a:t>Algoritmul Hibrid Inspirat din Comportamentul Cucilor</a:t>
-            </a:r>
+              <a:t>Experimental Prototype</a:t>
+            </a:r>
+            <a:endParaRPr lang="ro-RO" sz="2300" dirty="0" smtClean="0">
+              <a:latin typeface="Arial" pitchFamily="34" charset="0"/>
+              <a:cs typeface="Arial" pitchFamily="34" charset="0"/>
+            </a:endParaRPr>
           </a:p>
           <a:p>
             <a:pPr eaLnBrk="1" hangingPunct="1"/>
             <a:r>
-              <a:rPr lang="ro-RO" sz="2300" dirty="0" smtClean="0">
+              <a:rPr lang="en-US" sz="2300" dirty="0" smtClean="0">
                 <a:latin typeface="Arial" pitchFamily="34" charset="0"/>
                 <a:cs typeface="Arial" pitchFamily="34" charset="0"/>
               </a:rPr>
-              <a:t>Prototip Experimental</a:t>
-            </a:r>
+              <a:t>Experimental Results</a:t>
+            </a:r>
+            <a:endParaRPr lang="ro-RO" sz="2300" dirty="0" smtClean="0">
+              <a:latin typeface="Arial" pitchFamily="34" charset="0"/>
+              <a:cs typeface="Arial" pitchFamily="34" charset="0"/>
+            </a:endParaRPr>
           </a:p>
           <a:p>
             <a:pPr eaLnBrk="1" hangingPunct="1"/>
             <a:r>
-              <a:rPr lang="ro-RO" sz="2300" dirty="0" smtClean="0">
+              <a:rPr lang="en-US" sz="2300" dirty="0" smtClean="0">
                 <a:latin typeface="Arial" pitchFamily="34" charset="0"/>
                 <a:cs typeface="Arial" pitchFamily="34" charset="0"/>
               </a:rPr>
-              <a:t>Rezultate Experimentale</a:t>
-            </a:r>
-          </a:p>
-          <a:p>
-            <a:pPr eaLnBrk="1" hangingPunct="1"/>
-            <a:r>
-              <a:rPr lang="ro-RO" sz="2300" dirty="0" smtClean="0">
-                <a:latin typeface="Arial" pitchFamily="34" charset="0"/>
-                <a:cs typeface="Arial" pitchFamily="34" charset="0"/>
-              </a:rPr>
-              <a:t>Concluzii</a:t>
+              <a:t>Conclusions</a:t>
             </a:r>
             <a:endParaRPr lang="en-US" sz="2300" dirty="0" smtClean="0">
               <a:latin typeface="Arial" pitchFamily="34" charset="0"/>
@@ -13789,7 +13858,7 @@
         </p:nvGraphicFramePr>
         <p:xfrm>
           <a:off x="71405" y="1857364"/>
-          <a:ext cx="9001155" cy="1615476"/>
+          <a:ext cx="9001155" cy="1635796"/>
         </p:xfrm>
         <a:graphic>
           <a:graphicData uri="http://schemas.openxmlformats.org/drawingml/2006/table">
@@ -22426,13 +22495,13 @@
           <a:p>
             <a:pPr algn="ctr" eaLnBrk="1" hangingPunct="1"/>
             <a:r>
-              <a:rPr lang="ro-RO" sz="3100" dirty="0" smtClean="0">
+              <a:rPr lang="en-US" sz="3000" dirty="0" smtClean="0">
                 <a:latin typeface="Arial" pitchFamily="34" charset="0"/>
                 <a:cs typeface="Arial" pitchFamily="34" charset="0"/>
               </a:rPr>
-              <a:t>Introducere – context si motivatie</a:t>
-            </a:r>
-            <a:endParaRPr lang="en-US" sz="3100" dirty="0" smtClean="0">
+              <a:t>Introduction</a:t>
+            </a:r>
+            <a:endParaRPr lang="en-US" sz="3000" dirty="0" smtClean="0">
               <a:solidFill>
                 <a:schemeClr val="tx1"/>
               </a:solidFill>
@@ -22464,319 +22533,79 @@
           <a:p>
             <a:pPr eaLnBrk="1" hangingPunct="1"/>
             <a:r>
-              <a:rPr lang="en-US" sz="2300" dirty="0" smtClean="0">
+              <a:rPr lang="en-US" sz="2400" dirty="0" smtClean="0">
                 <a:latin typeface="Arial" pitchFamily="34" charset="0"/>
                 <a:cs typeface="Arial" pitchFamily="34" charset="0"/>
               </a:rPr>
               <a:t>Context</a:t>
             </a:r>
-          </a:p>
-          <a:p>
-            <a:pPr lvl="1" eaLnBrk="1" hangingPunct="1"/>
-            <a:r>
-              <a:rPr lang="en-US" sz="1900" dirty="0" smtClean="0">
-                <a:latin typeface="Arial" pitchFamily="34" charset="0"/>
-                <a:cs typeface="Arial" pitchFamily="34" charset="0"/>
-              </a:rPr>
-              <a:t>In Romania, </a:t>
-            </a:r>
-            <a:r>
-              <a:rPr lang="en-US" sz="1900" dirty="0" err="1" smtClean="0">
-                <a:latin typeface="Arial" pitchFamily="34" charset="0"/>
-                <a:cs typeface="Arial" pitchFamily="34" charset="0"/>
-              </a:rPr>
-              <a:t>afectiunile</a:t>
-            </a:r>
-            <a:r>
-              <a:rPr lang="en-US" sz="1900" dirty="0" smtClean="0">
-                <a:latin typeface="Arial" pitchFamily="34" charset="0"/>
-                <a:cs typeface="Arial" pitchFamily="34" charset="0"/>
-              </a:rPr>
-              <a:t> </a:t>
-            </a:r>
-            <a:r>
-              <a:rPr lang="en-US" sz="1900" dirty="0" err="1" smtClean="0">
-                <a:latin typeface="Arial" pitchFamily="34" charset="0"/>
-                <a:cs typeface="Arial" pitchFamily="34" charset="0"/>
-              </a:rPr>
-              <a:t>cardiovasculare</a:t>
-            </a:r>
-            <a:r>
-              <a:rPr lang="en-US" sz="1900" dirty="0" smtClean="0">
-                <a:latin typeface="Arial" pitchFamily="34" charset="0"/>
-                <a:cs typeface="Arial" pitchFamily="34" charset="0"/>
-              </a:rPr>
-              <a:t> </a:t>
-            </a:r>
-            <a:r>
-              <a:rPr lang="en-US" sz="1900" dirty="0" err="1" smtClean="0">
-                <a:latin typeface="Arial" pitchFamily="34" charset="0"/>
-                <a:cs typeface="Arial" pitchFamily="34" charset="0"/>
-              </a:rPr>
-              <a:t>reprezinta</a:t>
-            </a:r>
-            <a:r>
-              <a:rPr lang="en-US" sz="1900" dirty="0" smtClean="0">
-                <a:latin typeface="Arial" pitchFamily="34" charset="0"/>
-                <a:cs typeface="Arial" pitchFamily="34" charset="0"/>
-              </a:rPr>
-              <a:t> </a:t>
-            </a:r>
-            <a:r>
-              <a:rPr lang="en-US" sz="1900" dirty="0" err="1" smtClean="0">
-                <a:latin typeface="Arial" pitchFamily="34" charset="0"/>
-                <a:cs typeface="Arial" pitchFamily="34" charset="0"/>
-              </a:rPr>
-              <a:t>principala</a:t>
-            </a:r>
-            <a:r>
-              <a:rPr lang="en-US" sz="1900" dirty="0" smtClean="0">
-                <a:latin typeface="Arial" pitchFamily="34" charset="0"/>
-                <a:cs typeface="Arial" pitchFamily="34" charset="0"/>
-              </a:rPr>
-              <a:t> </a:t>
-            </a:r>
-            <a:r>
-              <a:rPr lang="en-US" sz="1900" dirty="0" err="1" smtClean="0">
-                <a:latin typeface="Arial" pitchFamily="34" charset="0"/>
-                <a:cs typeface="Arial" pitchFamily="34" charset="0"/>
-              </a:rPr>
-              <a:t>cauza</a:t>
-            </a:r>
-            <a:r>
-              <a:rPr lang="en-US" sz="1900" dirty="0" smtClean="0">
-                <a:latin typeface="Arial" pitchFamily="34" charset="0"/>
-                <a:cs typeface="Arial" pitchFamily="34" charset="0"/>
-              </a:rPr>
-              <a:t> de </a:t>
-            </a:r>
-            <a:r>
-              <a:rPr lang="en-US" sz="1900" dirty="0" err="1" smtClean="0">
-                <a:latin typeface="Arial" pitchFamily="34" charset="0"/>
-                <a:cs typeface="Arial" pitchFamily="34" charset="0"/>
-              </a:rPr>
-              <a:t>deces</a:t>
-            </a:r>
-            <a:r>
-              <a:rPr lang="en-US" sz="1900" dirty="0" smtClean="0">
-                <a:latin typeface="Arial" pitchFamily="34" charset="0"/>
-                <a:cs typeface="Arial" pitchFamily="34" charset="0"/>
-              </a:rPr>
-              <a:t>, </a:t>
-            </a:r>
-            <a:r>
-              <a:rPr lang="en-US" sz="1900" dirty="0" err="1" smtClean="0">
-                <a:latin typeface="Arial" pitchFamily="34" charset="0"/>
-                <a:cs typeface="Arial" pitchFamily="34" charset="0"/>
-              </a:rPr>
-              <a:t>ceea</a:t>
-            </a:r>
-            <a:r>
-              <a:rPr lang="en-US" sz="1900" dirty="0" smtClean="0">
-                <a:latin typeface="Arial" pitchFamily="34" charset="0"/>
-                <a:cs typeface="Arial" pitchFamily="34" charset="0"/>
-              </a:rPr>
-              <a:t> </a:t>
-            </a:r>
-            <a:r>
-              <a:rPr lang="en-US" sz="1900" dirty="0" err="1" smtClean="0">
-                <a:latin typeface="Arial" pitchFamily="34" charset="0"/>
-                <a:cs typeface="Arial" pitchFamily="34" charset="0"/>
-              </a:rPr>
-              <a:t>ce</a:t>
-            </a:r>
-            <a:r>
-              <a:rPr lang="en-US" sz="1900" dirty="0" smtClean="0">
-                <a:latin typeface="Arial" pitchFamily="34" charset="0"/>
-                <a:cs typeface="Arial" pitchFamily="34" charset="0"/>
-              </a:rPr>
-              <a:t> duce la o rata a </a:t>
-            </a:r>
-            <a:r>
-              <a:rPr lang="en-US" sz="1900" dirty="0" err="1" smtClean="0">
-                <a:latin typeface="Arial" pitchFamily="34" charset="0"/>
-                <a:cs typeface="Arial" pitchFamily="34" charset="0"/>
-              </a:rPr>
-              <a:t>mortalitatii</a:t>
-            </a:r>
-            <a:r>
-              <a:rPr lang="en-US" sz="1900" dirty="0" smtClean="0">
-                <a:latin typeface="Arial" pitchFamily="34" charset="0"/>
-                <a:cs typeface="Arial" pitchFamily="34" charset="0"/>
-              </a:rPr>
-              <a:t> de 26,5% [WHO 2013]</a:t>
-            </a:r>
+            <a:endParaRPr lang="en-US" sz="2800" dirty="0" smtClean="0">
+              <a:latin typeface="Arial" pitchFamily="34" charset="0"/>
+              <a:cs typeface="Arial" pitchFamily="34" charset="0"/>
+            </a:endParaRPr>
+          </a:p>
+          <a:p>
+            <a:pPr lvl="1"/>
+            <a:r>
+              <a:rPr lang="en-US" sz="2000" dirty="0"/>
+              <a:t>In Europe </a:t>
+            </a:r>
+            <a:r>
+              <a:rPr lang="en-US" sz="2000" u="sng" dirty="0"/>
+              <a:t>over 15%</a:t>
+            </a:r>
+            <a:r>
+              <a:rPr lang="en-US" sz="2000" dirty="0"/>
+              <a:t> of the elderly population is affected by </a:t>
+            </a:r>
+            <a:r>
+              <a:rPr lang="en-US" sz="2000" dirty="0" smtClean="0"/>
+              <a:t>malnutrition</a:t>
+            </a:r>
+          </a:p>
+          <a:p>
+            <a:pPr lvl="1"/>
+            <a:endParaRPr lang="en-US" sz="2000" dirty="0"/>
+          </a:p>
+          <a:p>
+            <a:pPr lvl="1"/>
+            <a:r>
+              <a:rPr lang="en-US" sz="2000" dirty="0"/>
+              <a:t>Recent studies have shown that the ratio of retirees to workers in Europe will double to </a:t>
+            </a:r>
+            <a:r>
+              <a:rPr lang="en-US" sz="2000" u="sng" dirty="0"/>
+              <a:t>0.54 by </a:t>
+            </a:r>
+            <a:r>
+              <a:rPr lang="en-US" sz="2000" u="sng" dirty="0" smtClean="0"/>
+              <a:t>2050</a:t>
+            </a:r>
+          </a:p>
+          <a:p>
+            <a:pPr lvl="1"/>
+            <a:endParaRPr lang="en-US" sz="2000" u="sng" dirty="0"/>
+          </a:p>
+          <a:p>
+            <a:pPr lvl="1"/>
+            <a:r>
+              <a:rPr lang="en-US" sz="2000" dirty="0"/>
+              <a:t>The growth of senior population will result a need of medical care services that the </a:t>
+            </a:r>
+            <a:r>
+              <a:rPr lang="en-US" sz="2000" u="sng" dirty="0"/>
+              <a:t>current medical care systems cannot withstand</a:t>
+            </a:r>
+          </a:p>
+          <a:p>
+            <a:pPr lvl="1"/>
+            <a:endParaRPr lang="en-US" sz="2000" dirty="0"/>
           </a:p>
           <a:p>
             <a:pPr lvl="1" eaLnBrk="1" hangingPunct="1">
               <a:buNone/>
             </a:pPr>
             <a:endParaRPr lang="en-US" sz="1900" dirty="0" smtClean="0">
-              <a:latin typeface="Arial" pitchFamily="34" charset="0"/>
-              <a:cs typeface="Arial" pitchFamily="34" charset="0"/>
-            </a:endParaRPr>
-          </a:p>
-          <a:p>
-            <a:pPr eaLnBrk="1" hangingPunct="1"/>
-            <a:r>
-              <a:rPr lang="en-US" sz="2300" dirty="0" err="1" smtClean="0"/>
-              <a:t>Motivatie</a:t>
-            </a:r>
-            <a:r>
-              <a:rPr lang="en-US" sz="2300" dirty="0" smtClean="0"/>
-              <a:t>:</a:t>
-            </a:r>
-          </a:p>
-          <a:p>
-            <a:pPr lvl="1" eaLnBrk="1" hangingPunct="1"/>
-            <a:r>
-              <a:rPr lang="ro-RO" sz="1900" dirty="0" smtClean="0"/>
-              <a:t>Evitarea agravarii</a:t>
-            </a:r>
-            <a:r>
-              <a:rPr lang="en-US" sz="1900" dirty="0" smtClean="0">
-                <a:latin typeface="Arial" pitchFamily="34" charset="0"/>
-                <a:cs typeface="Arial" pitchFamily="34" charset="0"/>
-              </a:rPr>
-              <a:t> </a:t>
-            </a:r>
-            <a:r>
-              <a:rPr lang="en-US" sz="1900" dirty="0" err="1" smtClean="0">
-                <a:latin typeface="Arial" pitchFamily="34" charset="0"/>
-                <a:cs typeface="Arial" pitchFamily="34" charset="0"/>
-              </a:rPr>
-              <a:t>afectiunilor</a:t>
-            </a:r>
-            <a:r>
-              <a:rPr lang="en-US" sz="1900" dirty="0" smtClean="0">
-                <a:latin typeface="Arial" pitchFamily="34" charset="0"/>
-                <a:cs typeface="Arial" pitchFamily="34" charset="0"/>
-              </a:rPr>
-              <a:t> </a:t>
-            </a:r>
-            <a:r>
-              <a:rPr lang="en-US" sz="1900" dirty="0" err="1" smtClean="0">
-                <a:latin typeface="Arial" pitchFamily="34" charset="0"/>
-                <a:cs typeface="Arial" pitchFamily="34" charset="0"/>
-              </a:rPr>
-              <a:t>medicale</a:t>
-            </a:r>
-            <a:r>
-              <a:rPr lang="en-US" sz="1900" dirty="0" smtClean="0">
-                <a:latin typeface="Arial" pitchFamily="34" charset="0"/>
-                <a:cs typeface="Arial" pitchFamily="34" charset="0"/>
-              </a:rPr>
-              <a:t> </a:t>
-            </a:r>
-            <a:r>
-              <a:rPr lang="en-US" sz="1900" dirty="0" err="1" smtClean="0">
-                <a:latin typeface="Arial" pitchFamily="34" charset="0"/>
-                <a:cs typeface="Arial" pitchFamily="34" charset="0"/>
-              </a:rPr>
-              <a:t>prin</a:t>
-            </a:r>
-            <a:r>
-              <a:rPr lang="en-US" sz="1900" dirty="0" smtClean="0">
-                <a:latin typeface="Arial" pitchFamily="34" charset="0"/>
-                <a:cs typeface="Arial" pitchFamily="34" charset="0"/>
-              </a:rPr>
-              <a:t> </a:t>
-            </a:r>
-            <a:r>
-              <a:rPr lang="en-US" sz="1900" dirty="0" err="1" smtClean="0">
-                <a:latin typeface="Arial" pitchFamily="34" charset="0"/>
-                <a:cs typeface="Arial" pitchFamily="34" charset="0"/>
-              </a:rPr>
-              <a:t>intermediul</a:t>
-            </a:r>
-            <a:r>
-              <a:rPr lang="en-US" sz="1900" dirty="0" smtClean="0">
-                <a:latin typeface="Arial" pitchFamily="34" charset="0"/>
-                <a:cs typeface="Arial" pitchFamily="34" charset="0"/>
-              </a:rPr>
-              <a:t> </a:t>
-            </a:r>
-            <a:r>
-              <a:rPr lang="en-US" sz="1900" dirty="0" err="1" smtClean="0">
-                <a:latin typeface="Arial" pitchFamily="34" charset="0"/>
-                <a:cs typeface="Arial" pitchFamily="34" charset="0"/>
-              </a:rPr>
-              <a:t>unei</a:t>
-            </a:r>
-            <a:r>
-              <a:rPr lang="en-US" sz="1900" dirty="0" smtClean="0">
-                <a:latin typeface="Arial" pitchFamily="34" charset="0"/>
-                <a:cs typeface="Arial" pitchFamily="34" charset="0"/>
-              </a:rPr>
-              <a:t> </a:t>
-            </a:r>
-            <a:r>
-              <a:rPr lang="en-US" sz="1900" dirty="0" err="1" smtClean="0">
-                <a:latin typeface="Arial" pitchFamily="34" charset="0"/>
-                <a:cs typeface="Arial" pitchFamily="34" charset="0"/>
-              </a:rPr>
-              <a:t>alimentatii</a:t>
-            </a:r>
-            <a:r>
-              <a:rPr lang="en-US" sz="1900" dirty="0" smtClean="0">
-                <a:latin typeface="Arial" pitchFamily="34" charset="0"/>
-                <a:cs typeface="Arial" pitchFamily="34" charset="0"/>
-              </a:rPr>
-              <a:t> </a:t>
-            </a:r>
-            <a:r>
-              <a:rPr lang="en-US" sz="1900" dirty="0" err="1" smtClean="0">
-                <a:latin typeface="Arial" pitchFamily="34" charset="0"/>
-                <a:cs typeface="Arial" pitchFamily="34" charset="0"/>
-              </a:rPr>
-              <a:t>sanatoase</a:t>
-            </a:r>
-            <a:r>
-              <a:rPr lang="en-US" sz="1900" dirty="0" smtClean="0">
-                <a:latin typeface="Arial" pitchFamily="34" charset="0"/>
-                <a:cs typeface="Arial" pitchFamily="34" charset="0"/>
-              </a:rPr>
-              <a:t>;</a:t>
-            </a:r>
-            <a:endParaRPr lang="ro-RO" sz="1900" dirty="0" smtClean="0">
-              <a:latin typeface="Arial" pitchFamily="34" charset="0"/>
-              <a:cs typeface="Arial" pitchFamily="34" charset="0"/>
-            </a:endParaRPr>
-          </a:p>
-          <a:p>
-            <a:pPr lvl="1" eaLnBrk="1" hangingPunct="1"/>
-            <a:r>
-              <a:rPr lang="ro-RO" sz="1900" dirty="0" smtClean="0">
-                <a:latin typeface="Arial" pitchFamily="34" charset="0"/>
-                <a:cs typeface="Arial" pitchFamily="34" charset="0"/>
-              </a:rPr>
-              <a:t>Selectarea dinamica a unui meniu alimentar adecvat bazat </a:t>
-            </a:r>
-            <a:r>
-              <a:rPr lang="en-US" sz="1900" dirty="0" err="1" smtClean="0"/>
-              <a:t>pe</a:t>
-            </a:r>
-            <a:r>
-              <a:rPr lang="en-US" sz="1900" dirty="0" smtClean="0"/>
-              <a:t> </a:t>
-            </a:r>
-            <a:r>
-              <a:rPr lang="en-US" sz="1900" dirty="0" err="1" smtClean="0"/>
-              <a:t>profilul</a:t>
-            </a:r>
-            <a:r>
-              <a:rPr lang="en-US" sz="1900" dirty="0" smtClean="0"/>
-              <a:t> personal al </a:t>
-            </a:r>
-            <a:r>
-              <a:rPr lang="en-US" sz="1900" dirty="0" err="1" smtClean="0"/>
-              <a:t>utilizatorului</a:t>
-            </a:r>
-            <a:r>
-              <a:rPr lang="en-US" sz="1900" dirty="0" smtClean="0"/>
-              <a:t>.</a:t>
-            </a:r>
-            <a:endParaRPr lang="ro-RO" sz="1900" dirty="0" smtClean="0">
               <a:latin typeface="Arial" pitchFamily="34" charset="0"/>
               <a:cs typeface="Arial" pitchFamily="34" charset="0"/>
             </a:endParaRPr>
@@ -22874,7 +22703,7 @@
       </p:grpSpPr>
       <p:sp>
         <p:nvSpPr>
-          <p:cNvPr id="7170" name="Title 1"/>
+          <p:cNvPr id="2" name="Title 1"/>
           <p:cNvSpPr>
             <a:spLocks noGrp="1"/>
           </p:cNvSpPr>
@@ -22882,34 +22711,26 @@
             <p:ph type="title"/>
           </p:nvPr>
         </p:nvSpPr>
-        <p:spPr>
-          <a:xfrm>
-            <a:off x="0" y="0"/>
-            <a:ext cx="9144000" cy="1295400"/>
-          </a:xfrm>
-        </p:spPr>
+        <p:spPr/>
         <p:txBody>
           <a:bodyPr/>
           <a:lstStyle/>
           <a:p>
-            <a:pPr algn="ctr" eaLnBrk="1" hangingPunct="1"/>
-            <a:r>
-              <a:rPr lang="ro-RO" sz="3100" dirty="0" smtClean="0">
+            <a:pPr algn="ctr"/>
+            <a:r>
+              <a:rPr lang="en-US" sz="3000" dirty="0">
                 <a:latin typeface="Arial" pitchFamily="34" charset="0"/>
                 <a:cs typeface="Arial" pitchFamily="34" charset="0"/>
               </a:rPr>
-              <a:t>Obiective si contributie</a:t>
-            </a:r>
-            <a:endParaRPr lang="en-US" sz="3100" dirty="0" smtClean="0">
-              <a:latin typeface="Arial" pitchFamily="34" charset="0"/>
-              <a:cs typeface="Arial" pitchFamily="34" charset="0"/>
-            </a:endParaRPr>
+              <a:t>Introduction</a:t>
+            </a:r>
+            <a:endParaRPr lang="en-US" sz="3000" dirty="0"/>
           </a:p>
         </p:txBody>
       </p:sp>
       <p:sp>
         <p:nvSpPr>
-          <p:cNvPr id="7171" name="Content Placeholder 3"/>
+          <p:cNvPr id="3" name="Content Placeholder 2"/>
           <p:cNvSpPr>
             <a:spLocks noGrp="1"/>
           </p:cNvSpPr>
@@ -22917,389 +22738,88 @@
             <p:ph sz="quarter" idx="1"/>
           </p:nvPr>
         </p:nvSpPr>
-        <p:spPr>
-          <a:xfrm>
-            <a:off x="0" y="1500174"/>
-            <a:ext cx="9144000" cy="5000660"/>
-          </a:xfrm>
-        </p:spPr>
+        <p:spPr/>
         <p:txBody>
           <a:bodyPr/>
           <a:lstStyle/>
           <a:p>
             <a:r>
-              <a:rPr lang="ro-RO" sz="2300" dirty="0" smtClean="0">
-                <a:latin typeface="Arial" pitchFamily="34" charset="0"/>
-                <a:cs typeface="Arial" pitchFamily="34" charset="0"/>
-              </a:rPr>
-              <a:t>D</a:t>
-            </a:r>
-            <a:r>
-              <a:rPr lang="vi-VN" sz="2300" dirty="0" smtClean="0">
-                <a:latin typeface="Arial" pitchFamily="34" charset="0"/>
-                <a:cs typeface="Arial" pitchFamily="34" charset="0"/>
-              </a:rPr>
-              <a:t>ezvolta</a:t>
-            </a:r>
-            <a:r>
-              <a:rPr lang="ro-RO" sz="2300" dirty="0" smtClean="0">
-                <a:latin typeface="Arial" pitchFamily="34" charset="0"/>
-                <a:cs typeface="Arial" pitchFamily="34" charset="0"/>
-              </a:rPr>
-              <a:t>rea</a:t>
-            </a:r>
-            <a:r>
-              <a:rPr lang="vi-VN" sz="2300" dirty="0" smtClean="0">
-                <a:latin typeface="Arial" pitchFamily="34" charset="0"/>
-                <a:cs typeface="Arial" pitchFamily="34" charset="0"/>
-              </a:rPr>
+              <a:rPr lang="en-US" sz="2400" dirty="0" smtClean="0"/>
+              <a:t>Motivation</a:t>
+            </a:r>
+            <a:endParaRPr lang="en-US" dirty="0" smtClean="0"/>
+          </a:p>
+          <a:p>
+            <a:pPr lvl="1"/>
+            <a:r>
+              <a:rPr lang="en-US" sz="2000" u="sng" dirty="0" smtClean="0"/>
+              <a:t>Prevent malnutrition</a:t>
+            </a:r>
+            <a:r>
+              <a:rPr lang="en-US" sz="2000" dirty="0" smtClean="0"/>
+              <a:t> amongst the senior population</a:t>
+            </a:r>
+            <a:endParaRPr lang="en-US" sz="2000" dirty="0"/>
+          </a:p>
+          <a:p>
+            <a:pPr lvl="1"/>
+            <a:endParaRPr lang="en-US" dirty="0" smtClean="0"/>
+          </a:p>
+          <a:p>
+            <a:pPr lvl="1"/>
+            <a:r>
+              <a:rPr lang="en-US" sz="2000" u="sng" dirty="0" smtClean="0"/>
+              <a:t>Reduce heath care costs</a:t>
+            </a:r>
+            <a:r>
+              <a:rPr lang="en-US" sz="2000" dirty="0" smtClean="0"/>
               <a:t> </a:t>
             </a:r>
             <a:r>
-              <a:rPr lang="ro-RO" sz="2300" dirty="0" smtClean="0">
-                <a:latin typeface="Arial" pitchFamily="34" charset="0"/>
-                <a:cs typeface="Arial" pitchFamily="34" charset="0"/>
-              </a:rPr>
-              <a:t>unei</a:t>
-            </a:r>
-            <a:r>
-              <a:rPr lang="vi-VN" sz="2300" dirty="0" smtClean="0">
-                <a:latin typeface="Arial" pitchFamily="34" charset="0"/>
-                <a:cs typeface="Arial" pitchFamily="34" charset="0"/>
-              </a:rPr>
-              <a:t> tehnic</a:t>
-            </a:r>
-            <a:r>
-              <a:rPr lang="ro-RO" sz="2300" dirty="0" smtClean="0">
-                <a:latin typeface="Arial" pitchFamily="34" charset="0"/>
-                <a:cs typeface="Arial" pitchFamily="34" charset="0"/>
-              </a:rPr>
-              <a:t>i</a:t>
-            </a:r>
-            <a:r>
-              <a:rPr lang="vi-VN" sz="2300" dirty="0" smtClean="0">
-                <a:latin typeface="Arial" pitchFamily="34" charset="0"/>
-                <a:cs typeface="Arial" pitchFamily="34" charset="0"/>
-              </a:rPr>
-              <a:t> </a:t>
-            </a:r>
-            <a:r>
-              <a:rPr lang="ro-RO" sz="2300" dirty="0" smtClean="0">
-                <a:latin typeface="Arial" pitchFamily="34" charset="0"/>
-                <a:cs typeface="Arial" pitchFamily="34" charset="0"/>
-              </a:rPr>
-              <a:t>hibride </a:t>
-            </a:r>
-            <a:r>
-              <a:rPr lang="vi-VN" sz="2300" dirty="0" smtClean="0">
-                <a:latin typeface="Arial" pitchFamily="34" charset="0"/>
-                <a:cs typeface="Arial" pitchFamily="34" charset="0"/>
-              </a:rPr>
-              <a:t>inspirat</a:t>
-            </a:r>
-            <a:r>
-              <a:rPr lang="ro-RO" sz="2300" dirty="0" smtClean="0">
-                <a:latin typeface="Arial" pitchFamily="34" charset="0"/>
-                <a:cs typeface="Arial" pitchFamily="34" charset="0"/>
-              </a:rPr>
-              <a:t>e</a:t>
-            </a:r>
-            <a:r>
-              <a:rPr lang="vi-VN" sz="2300" dirty="0" smtClean="0">
-                <a:latin typeface="Arial" pitchFamily="34" charset="0"/>
-                <a:cs typeface="Arial" pitchFamily="34" charset="0"/>
-              </a:rPr>
-              <a:t> din </a:t>
-            </a:r>
-            <a:r>
-              <a:rPr lang="ro-RO" sz="2300" dirty="0" smtClean="0">
-                <a:latin typeface="Arial" pitchFamily="34" charset="0"/>
-                <a:cs typeface="Arial" pitchFamily="34" charset="0"/>
-              </a:rPr>
-              <a:t>comportamentul de reproducere al cucilor </a:t>
-            </a:r>
-            <a:r>
-              <a:rPr lang="vi-VN" sz="2300" dirty="0" smtClean="0">
-                <a:latin typeface="Arial" pitchFamily="34" charset="0"/>
-                <a:cs typeface="Arial" pitchFamily="34" charset="0"/>
-              </a:rPr>
-              <a:t>pentru generarea de recomand</a:t>
-            </a:r>
-            <a:r>
-              <a:rPr lang="ro-RO" sz="2300" dirty="0" smtClean="0">
-                <a:latin typeface="Arial" pitchFamily="34" charset="0"/>
-                <a:cs typeface="Arial" pitchFamily="34" charset="0"/>
-              </a:rPr>
-              <a:t>a</a:t>
-            </a:r>
-            <a:r>
-              <a:rPr lang="vi-VN" sz="2300" dirty="0" smtClean="0">
-                <a:latin typeface="Arial" pitchFamily="34" charset="0"/>
-                <a:cs typeface="Arial" pitchFamily="34" charset="0"/>
-              </a:rPr>
-              <a:t>ri</a:t>
-            </a:r>
-            <a:r>
-              <a:rPr lang="ro-RO" sz="2300" dirty="0" smtClean="0">
-                <a:latin typeface="Arial" pitchFamily="34" charset="0"/>
-                <a:cs typeface="Arial" pitchFamily="34" charset="0"/>
-              </a:rPr>
-              <a:t> de meniuri</a:t>
-            </a:r>
-            <a:r>
-              <a:rPr lang="vi-VN" sz="2300" dirty="0" smtClean="0">
-                <a:latin typeface="Arial" pitchFamily="34" charset="0"/>
-                <a:cs typeface="Arial" pitchFamily="34" charset="0"/>
-              </a:rPr>
-              <a:t> alimentare personalizate</a:t>
-            </a:r>
-            <a:r>
-              <a:rPr lang="ro-RO" sz="2300" dirty="0" smtClean="0">
-                <a:latin typeface="Arial" pitchFamily="34" charset="0"/>
-                <a:cs typeface="Arial" pitchFamily="34" charset="0"/>
-              </a:rPr>
-              <a:t>.</a:t>
-            </a:r>
-            <a:r>
-              <a:rPr lang="vi-VN" sz="2300" dirty="0" smtClean="0">
-                <a:latin typeface="Arial" pitchFamily="34" charset="0"/>
-                <a:cs typeface="Arial" pitchFamily="34" charset="0"/>
-              </a:rPr>
-              <a:t> </a:t>
-            </a:r>
-            <a:endParaRPr lang="en-US" sz="2300" dirty="0" smtClean="0">
-              <a:latin typeface="Arial" pitchFamily="34" charset="0"/>
-              <a:cs typeface="Arial" pitchFamily="34" charset="0"/>
-            </a:endParaRPr>
+              <a:rPr lang="en-US" sz="2000" dirty="0"/>
+              <a:t>by using the proposed automated </a:t>
+            </a:r>
+            <a:r>
+              <a:rPr lang="en-US" sz="2000" dirty="0" err="1"/>
+              <a:t>carer</a:t>
+            </a:r>
+            <a:r>
+              <a:rPr lang="en-US" sz="2000" dirty="0"/>
+              <a:t> for nutrition </a:t>
+            </a:r>
+            <a:endParaRPr lang="en-US" sz="2000" dirty="0" smtClean="0"/>
           </a:p>
           <a:p>
             <a:pPr lvl="1"/>
-            <a:r>
-              <a:rPr lang="ro-RO" sz="1900" dirty="0" smtClean="0"/>
-              <a:t>Dezvoltarea </a:t>
-            </a:r>
-            <a:r>
-              <a:rPr lang="en-US" sz="1900" dirty="0" smtClean="0"/>
-              <a:t>un</a:t>
-            </a:r>
-            <a:r>
-              <a:rPr lang="ro-RO" sz="1900" dirty="0" smtClean="0"/>
-              <a:t>ei ontologii</a:t>
-            </a:r>
-            <a:r>
-              <a:rPr lang="en-US" sz="1900" dirty="0" smtClean="0"/>
-              <a:t> de </a:t>
-            </a:r>
-            <a:r>
-              <a:rPr lang="ro-RO" sz="2000" noProof="1" smtClean="0"/>
-              <a:t>domeniu care</a:t>
-            </a:r>
-            <a:r>
-              <a:rPr lang="en-US" sz="2000" noProof="1" smtClean="0"/>
-              <a:t> sa </a:t>
-            </a:r>
-            <a:r>
-              <a:rPr lang="ro-RO" sz="2000" noProof="1" smtClean="0"/>
-              <a:t> con</a:t>
-            </a:r>
-            <a:r>
-              <a:rPr lang="en-US" sz="2000" noProof="1" smtClean="0"/>
-              <a:t>t</a:t>
-            </a:r>
-            <a:r>
-              <a:rPr lang="ro-RO" sz="2000" noProof="1" smtClean="0"/>
-              <a:t>in</a:t>
-            </a:r>
-            <a:r>
-              <a:rPr lang="en-US" sz="2000" noProof="1" smtClean="0"/>
-              <a:t>a</a:t>
-            </a:r>
-            <a:r>
-              <a:rPr lang="ro-RO" sz="2000" noProof="1" smtClean="0"/>
-              <a:t> informa</a:t>
-            </a:r>
-            <a:r>
-              <a:rPr lang="en-US" sz="2000" noProof="1" smtClean="0"/>
-              <a:t>t</a:t>
-            </a:r>
-            <a:r>
-              <a:rPr lang="ro-RO" sz="2000" noProof="1" smtClean="0"/>
-              <a:t>ii despre feluri de m</a:t>
-            </a:r>
-            <a:r>
-              <a:rPr lang="en-US" sz="2000" noProof="1" smtClean="0"/>
-              <a:t>a</a:t>
-            </a:r>
-            <a:r>
-              <a:rPr lang="ro-RO" sz="2000" noProof="1" smtClean="0"/>
-              <a:t>ncare, ingrediente, valori nutri</a:t>
-            </a:r>
-            <a:r>
-              <a:rPr lang="en-US" sz="2000" noProof="1" smtClean="0"/>
-              <a:t>t</a:t>
-            </a:r>
-            <a:r>
-              <a:rPr lang="ro-RO" sz="2000" noProof="1" smtClean="0"/>
-              <a:t>ionale </a:t>
-            </a:r>
-            <a:r>
-              <a:rPr lang="en-US" sz="2000" noProof="1" smtClean="0"/>
-              <a:t>s</a:t>
-            </a:r>
-            <a:r>
-              <a:rPr lang="ro-RO" sz="2000" noProof="1" smtClean="0"/>
-              <a:t>i restric</a:t>
-            </a:r>
-            <a:r>
-              <a:rPr lang="en-US" sz="2000" noProof="1" smtClean="0"/>
-              <a:t>t</a:t>
-            </a:r>
-            <a:r>
-              <a:rPr lang="ro-RO" sz="2000" noProof="1" smtClean="0"/>
-              <a:t>ii medicale specifice diferitelor boli</a:t>
-            </a:r>
-            <a:r>
-              <a:rPr lang="en-US" sz="2000" noProof="1" smtClean="0"/>
-              <a:t>;</a:t>
-            </a:r>
-            <a:endParaRPr lang="en-US" sz="1900" dirty="0" smtClean="0"/>
+            <a:endParaRPr lang="en-US" sz="2000" dirty="0"/>
           </a:p>
           <a:p>
             <a:pPr lvl="1"/>
             <a:r>
-              <a:rPr lang="ro-RO" sz="1900" dirty="0" smtClean="0"/>
-              <a:t>Dezvoltarea unui model hibrid inspirat din comportamentul cucilor</a:t>
-            </a:r>
-            <a:r>
-              <a:rPr lang="en-US" sz="1900" dirty="0" smtClean="0"/>
-              <a:t>;</a:t>
-            </a:r>
-          </a:p>
-          <a:p>
-            <a:pPr lvl="1"/>
-            <a:r>
-              <a:rPr lang="ro-RO" sz="1900" dirty="0" smtClean="0"/>
-              <a:t>Dezvoltarea unui algoritm hibrid inpirat din comportamentul cucilor</a:t>
-            </a:r>
-            <a:r>
-              <a:rPr lang="en-US" sz="1900" dirty="0" smtClean="0"/>
-              <a:t>;</a:t>
-            </a:r>
-          </a:p>
-          <a:p>
-            <a:pPr lvl="1"/>
-            <a:r>
-              <a:rPr lang="ro-RO" sz="1900" dirty="0" smtClean="0"/>
-              <a:t>Realizarea unui prototip experimental</a:t>
-            </a:r>
-            <a:r>
-              <a:rPr lang="en-US" sz="1900" dirty="0" smtClean="0"/>
-              <a:t>;</a:t>
-            </a:r>
-          </a:p>
-          <a:p>
-            <a:pPr lvl="1"/>
-            <a:r>
-              <a:rPr lang="ro-RO" sz="1900" dirty="0" smtClean="0"/>
-              <a:t>Testarea </a:t>
-            </a:r>
-            <a:r>
-              <a:rPr lang="en-US" sz="1900" dirty="0" smtClean="0"/>
-              <a:t>s</a:t>
-            </a:r>
-            <a:r>
-              <a:rPr lang="ro-RO" sz="1900" dirty="0" smtClean="0"/>
-              <a:t>i evaluarea algoritmului clasic precum </a:t>
-            </a:r>
-            <a:r>
-              <a:rPr lang="en-US" sz="1900" dirty="0" smtClean="0"/>
-              <a:t>s</a:t>
-            </a:r>
-            <a:r>
-              <a:rPr lang="ro-RO" sz="1900" dirty="0" smtClean="0"/>
-              <a:t>i a versiunilor hibride</a:t>
-            </a:r>
-            <a:r>
-              <a:rPr lang="en-US" sz="1900" dirty="0" smtClean="0"/>
-              <a:t>;</a:t>
-            </a:r>
-            <a:endParaRPr lang="ro-RO" sz="1900" dirty="0" smtClean="0"/>
-          </a:p>
-          <a:p>
-            <a:pPr lvl="1"/>
-            <a:r>
-              <a:rPr lang="ro-RO" sz="1900" dirty="0"/>
-              <a:t>A</a:t>
-            </a:r>
-            <a:r>
-              <a:rPr lang="ro-RO" sz="1900" dirty="0" smtClean="0"/>
-              <a:t>nalizarea rezultatelor exper</a:t>
-            </a:r>
-            <a:r>
-              <a:rPr lang="en-US" sz="1900" dirty="0" err="1" smtClean="0"/>
-              <a:t>i</a:t>
-            </a:r>
-            <a:r>
-              <a:rPr lang="ro-RO" sz="1900" dirty="0" smtClean="0"/>
-              <a:t>m</a:t>
-            </a:r>
-            <a:r>
-              <a:rPr lang="en-US" sz="1900" dirty="0" smtClean="0"/>
-              <a:t>e</a:t>
-            </a:r>
-            <a:r>
-              <a:rPr lang="ro-RO" sz="1900" dirty="0" smtClean="0"/>
-              <a:t>ntale ob</a:t>
-            </a:r>
-            <a:r>
-              <a:rPr lang="en-US" sz="1900" dirty="0" smtClean="0"/>
-              <a:t>t</a:t>
-            </a:r>
-            <a:r>
-              <a:rPr lang="ro-RO" sz="1900" dirty="0" smtClean="0"/>
-              <a:t>inute</a:t>
-            </a:r>
-            <a:r>
-              <a:rPr lang="en-US" sz="1900" dirty="0" smtClean="0"/>
-              <a:t>.</a:t>
-            </a:r>
-            <a:r>
-              <a:rPr lang="ro-RO" sz="1900" dirty="0" smtClean="0"/>
-              <a:t> </a:t>
-            </a:r>
-            <a:endParaRPr lang="en-US" sz="1900" dirty="0" smtClean="0"/>
-          </a:p>
-          <a:p>
-            <a:pPr lvl="1"/>
-            <a:endParaRPr lang="ro-RO" sz="1900" dirty="0" smtClean="0">
-              <a:latin typeface="Arial" pitchFamily="34" charset="0"/>
-              <a:cs typeface="Arial" pitchFamily="34" charset="0"/>
-            </a:endParaRPr>
-          </a:p>
-          <a:p>
-            <a:pPr>
-              <a:buNone/>
-            </a:pPr>
-            <a:endParaRPr lang="ro-RO" sz="2100" dirty="0" smtClean="0"/>
-          </a:p>
-          <a:p>
-            <a:pPr lvl="1">
-              <a:buNone/>
-            </a:pPr>
-            <a:endParaRPr lang="vi-VN" sz="2100" dirty="0" smtClean="0"/>
-          </a:p>
-          <a:p>
-            <a:pPr lvl="1" eaLnBrk="1" hangingPunct="1"/>
-            <a:endParaRPr lang="en-US" sz="2100" b="1" dirty="0" smtClean="0">
-              <a:latin typeface="Arial" pitchFamily="34" charset="0"/>
-              <a:cs typeface="Arial" pitchFamily="34" charset="0"/>
-            </a:endParaRPr>
+              <a:rPr lang="en-US" sz="2000" u="sng" dirty="0"/>
+              <a:t>Improve</a:t>
+            </a:r>
+            <a:r>
+              <a:rPr lang="en-US" sz="2000" dirty="0"/>
+              <a:t> the overall medical </a:t>
+            </a:r>
+            <a:r>
+              <a:rPr lang="en-US" sz="2000" dirty="0" smtClean="0"/>
+              <a:t>care </a:t>
+            </a:r>
+            <a:r>
+              <a:rPr lang="en-US" sz="2000" dirty="0"/>
+              <a:t>experience</a:t>
+            </a:r>
+          </a:p>
+          <a:p>
+            <a:endParaRPr lang="en-US" dirty="0"/>
           </a:p>
         </p:txBody>
       </p:sp>
       <p:sp>
         <p:nvSpPr>
-          <p:cNvPr id="7172" name="Slide Number Placeholder 2"/>
+          <p:cNvPr id="4" name="Slide Number Placeholder 3"/>
           <p:cNvSpPr>
             <a:spLocks noGrp="1"/>
           </p:cNvSpPr>
@@ -23307,47 +22827,31 @@
             <p:ph type="sldNum" sz="quarter" idx="10"/>
           </p:nvPr>
         </p:nvSpPr>
-        <p:spPr bwMode="auto">
-          <a:noFill/>
-          <a:ln>
-            <a:miter lim="800000"/>
-            <a:headEnd/>
-            <a:tailEnd/>
-          </a:ln>
-        </p:spPr>
+        <p:spPr/>
         <p:txBody>
-          <a:bodyPr vert="horz" wrap="square" lIns="91440" tIns="45720" rIns="91440" bIns="45720" numCol="1" anchor="t" anchorCtr="0" compatLnSpc="1">
-            <a:prstTxWarp prst="textNoShape">
-              <a:avLst/>
-            </a:prstTxWarp>
-          </a:bodyPr>
+          <a:bodyPr/>
           <a:lstStyle/>
           <a:p>
-            <a:pPr fontAlgn="base">
-              <a:spcBef>
-                <a:spcPct val="0"/>
-              </a:spcBef>
-              <a:spcAft>
-                <a:spcPct val="0"/>
-              </a:spcAft>
+            <a:pPr>
+              <a:defRPr/>
             </a:pPr>
-            <a:fld id="{FEB3FF15-7694-4C79-A17C-C5F32E1F8115}" type="slidenum">
+            <a:fld id="{3DFB7225-44B9-4496-9E91-E6B2A3B07946}" type="slidenum">
               <a:rPr lang="en-US" smtClean="0"/>
-              <a:pPr fontAlgn="base">
-                <a:spcBef>
-                  <a:spcPct val="0"/>
-                </a:spcBef>
-                <a:spcAft>
-                  <a:spcPct val="0"/>
-                </a:spcAft>
+              <a:pPr>
+                <a:defRPr/>
               </a:pPr>
               <a:t>4</a:t>
             </a:fld>
-            <a:endParaRPr lang="en-US" smtClean="0"/>
+            <a:endParaRPr lang="en-US" dirty="0"/>
           </a:p>
         </p:txBody>
       </p:sp>
     </p:spTree>
+    <p:extLst>
+      <p:ext uri="{BB962C8B-B14F-4D97-AF65-F5344CB8AC3E}">
+        <p14:creationId xmlns:p14="http://schemas.microsoft.com/office/powerpoint/2010/main" val="584627190"/>
+      </p:ext>
+    </p:extLst>
   </p:cSld>
   <p:clrMapOvr>
     <a:masterClrMapping/>
@@ -23401,11 +22905,11 @@
           <a:p>
             <a:pPr algn="ctr" eaLnBrk="1" hangingPunct="1"/>
             <a:r>
-              <a:rPr lang="ro-RO" sz="3100" dirty="0" smtClean="0">
+              <a:rPr lang="en-US" sz="3100" dirty="0" smtClean="0">
                 <a:latin typeface="Arial" pitchFamily="34" charset="0"/>
                 <a:cs typeface="Arial" pitchFamily="34" charset="0"/>
               </a:rPr>
-              <a:t>Stadiul actual al cercetarii</a:t>
+              <a:t>Objectives and Contributions</a:t>
             </a:r>
             <a:endParaRPr lang="en-US" sz="3100" dirty="0" smtClean="0">
               <a:latin typeface="Arial" pitchFamily="34" charset="0"/>
@@ -23426,14 +22930,130 @@
         </p:nvSpPr>
         <p:spPr>
           <a:xfrm>
-            <a:off x="612775" y="1600200"/>
-            <a:ext cx="8153400" cy="4495800"/>
+            <a:off x="0" y="1500174"/>
+            <a:ext cx="9144000" cy="5000660"/>
           </a:xfrm>
         </p:spPr>
         <p:txBody>
           <a:bodyPr/>
           <a:lstStyle/>
           <a:p>
+            <a:r>
+              <a:rPr lang="en-US" sz="2300" dirty="0" smtClean="0"/>
+              <a:t>Development of a hybrid technique inspired from the breeding behavior of the cuckoo birds for generating personalized food menu recommendations</a:t>
+            </a:r>
+            <a:r>
+              <a:rPr lang="ro-RO" sz="2300" dirty="0" smtClean="0">
+                <a:latin typeface="Arial" pitchFamily="34" charset="0"/>
+                <a:cs typeface="Arial" pitchFamily="34" charset="0"/>
+              </a:rPr>
+              <a:t>.</a:t>
+            </a:r>
+            <a:r>
+              <a:rPr lang="vi-VN" sz="2300" dirty="0" smtClean="0">
+                <a:latin typeface="Arial" pitchFamily="34" charset="0"/>
+                <a:cs typeface="Arial" pitchFamily="34" charset="0"/>
+              </a:rPr>
+              <a:t> </a:t>
+            </a:r>
+            <a:endParaRPr lang="en-US" sz="2300" dirty="0" smtClean="0">
+              <a:latin typeface="Arial" pitchFamily="34" charset="0"/>
+              <a:cs typeface="Arial" pitchFamily="34" charset="0"/>
+            </a:endParaRPr>
+          </a:p>
+          <a:p>
+            <a:pPr lvl="1"/>
+            <a:r>
+              <a:rPr lang="en-US" sz="1900" dirty="0" smtClean="0"/>
+              <a:t>Development of an ontology model to fit the medical and nutritional domain</a:t>
+            </a:r>
+          </a:p>
+          <a:p>
+            <a:pPr lvl="1"/>
+            <a:r>
+              <a:rPr lang="en-US" sz="1900" dirty="0" smtClean="0"/>
+              <a:t>Design of a database fit to the nutritional domain and population with authentic food ingredients together with their nutritional information</a:t>
+            </a:r>
+            <a:endParaRPr lang="en-US" sz="1900" dirty="0" smtClean="0"/>
+          </a:p>
+          <a:p>
+            <a:pPr lvl="1"/>
+            <a:r>
+              <a:rPr lang="en-US" sz="1900" dirty="0" smtClean="0"/>
+              <a:t>Development of the hybrid cuckoo search model</a:t>
+            </a:r>
+            <a:endParaRPr lang="en-US" sz="1900" dirty="0" smtClean="0"/>
+          </a:p>
+          <a:p>
+            <a:pPr lvl="1"/>
+            <a:r>
+              <a:rPr lang="en-US" sz="1900" dirty="0" smtClean="0"/>
+              <a:t>Development of the hybrid cuckoo search algorithm</a:t>
+            </a:r>
+            <a:endParaRPr lang="en-US" sz="1900" dirty="0" smtClean="0"/>
+          </a:p>
+          <a:p>
+            <a:pPr lvl="1"/>
+            <a:r>
+              <a:rPr lang="en-US" sz="1900" dirty="0" smtClean="0"/>
+              <a:t>Development of an experimental prototype</a:t>
+            </a:r>
+            <a:endParaRPr lang="en-US" sz="1900" dirty="0" smtClean="0"/>
+          </a:p>
+          <a:p>
+            <a:pPr lvl="1"/>
+            <a:r>
+              <a:rPr lang="ro-RO" sz="1900" dirty="0" smtClean="0"/>
+              <a:t>Testarea </a:t>
+            </a:r>
+            <a:r>
+              <a:rPr lang="en-US" sz="1900" dirty="0" smtClean="0"/>
+              <a:t>s</a:t>
+            </a:r>
+            <a:r>
+              <a:rPr lang="ro-RO" sz="1900" dirty="0" smtClean="0"/>
+              <a:t>i evaluarea algoritmului clasic precum </a:t>
+            </a:r>
+            <a:r>
+              <a:rPr lang="en-US" sz="1900" dirty="0" smtClean="0"/>
+              <a:t>s</a:t>
+            </a:r>
+            <a:r>
+              <a:rPr lang="ro-RO" sz="1900" dirty="0" smtClean="0"/>
+              <a:t>i a versiunilor hibride</a:t>
+            </a:r>
+            <a:r>
+              <a:rPr lang="en-US" sz="1900" dirty="0" smtClean="0"/>
+              <a:t>;</a:t>
+            </a:r>
+          </a:p>
+          <a:p>
+            <a:pPr lvl="1"/>
+            <a:r>
+              <a:rPr lang="en-US" sz="1900" dirty="0" smtClean="0"/>
+              <a:t>Testing and evaluating the classic version of the algorithm and the hybrid versions</a:t>
+            </a:r>
+            <a:endParaRPr lang="ro-RO" sz="1900" dirty="0" smtClean="0"/>
+          </a:p>
+          <a:p>
+            <a:pPr lvl="1"/>
+            <a:r>
+              <a:rPr lang="en-US" sz="1900" dirty="0" smtClean="0"/>
+              <a:t>Analysis of the experimental results</a:t>
+            </a:r>
+            <a:endParaRPr lang="en-US" sz="1900" dirty="0" smtClean="0"/>
+          </a:p>
+          <a:p>
+            <a:pPr lvl="1"/>
+            <a:endParaRPr lang="ro-RO" sz="1900" dirty="0" smtClean="0">
+              <a:latin typeface="Arial" pitchFamily="34" charset="0"/>
+              <a:cs typeface="Arial" pitchFamily="34" charset="0"/>
+            </a:endParaRPr>
+          </a:p>
+          <a:p>
+            <a:pPr>
+              <a:buNone/>
+            </a:pPr>
             <a:endParaRPr lang="ro-RO" sz="2100" dirty="0" smtClean="0"/>
           </a:p>
           <a:p>
@@ -23501,6 +23121,160 @@
           </a:p>
         </p:txBody>
       </p:sp>
+    </p:spTree>
+  </p:cSld>
+  <p:clrMapOvr>
+    <a:masterClrMapping/>
+  </p:clrMapOvr>
+  <p:timing>
+    <p:tnLst>
+      <p:par>
+        <p:cTn id="1" dur="indefinite" restart="never" nodeType="tmRoot"/>
+      </p:par>
+    </p:tnLst>
+  </p:timing>
+</p:sld>
+</file>
+
+<file path=ppt/slides/slide6.xml><?xml version="1.0" encoding="utf-8"?>
+<p:sld xmlns:a="http://schemas.openxmlformats.org/drawingml/2006/main" xmlns:r="http://schemas.openxmlformats.org/officeDocument/2006/relationships" xmlns:p="http://schemas.openxmlformats.org/presentationml/2006/main">
+  <p:cSld>
+    <p:spTree>
+      <p:nvGrpSpPr>
+        <p:cNvPr id="1" name=""/>
+        <p:cNvGrpSpPr/>
+        <p:nvPr/>
+      </p:nvGrpSpPr>
+      <p:grpSpPr>
+        <a:xfrm>
+          <a:off x="0" y="0"/>
+          <a:ext cx="0" cy="0"/>
+          <a:chOff x="0" y="0"/>
+          <a:chExt cx="0" cy="0"/>
+        </a:xfrm>
+      </p:grpSpPr>
+      <p:sp>
+        <p:nvSpPr>
+          <p:cNvPr id="7170" name="Title 1"/>
+          <p:cNvSpPr>
+            <a:spLocks noGrp="1"/>
+          </p:cNvSpPr>
+          <p:nvPr>
+            <p:ph type="title"/>
+          </p:nvPr>
+        </p:nvSpPr>
+        <p:spPr>
+          <a:xfrm>
+            <a:off x="0" y="0"/>
+            <a:ext cx="9144000" cy="1295400"/>
+          </a:xfrm>
+        </p:spPr>
+        <p:txBody>
+          <a:bodyPr/>
+          <a:lstStyle/>
+          <a:p>
+            <a:pPr algn="ctr" eaLnBrk="1" hangingPunct="1"/>
+            <a:r>
+              <a:rPr lang="en-US" sz="3000" dirty="0" smtClean="0">
+                <a:latin typeface="Arial" pitchFamily="34" charset="0"/>
+                <a:cs typeface="Arial" pitchFamily="34" charset="0"/>
+              </a:rPr>
+              <a:t>Related Work</a:t>
+            </a:r>
+            <a:endParaRPr lang="en-US" sz="3000" dirty="0" smtClean="0">
+              <a:latin typeface="Arial" pitchFamily="34" charset="0"/>
+              <a:cs typeface="Arial" pitchFamily="34" charset="0"/>
+            </a:endParaRPr>
+          </a:p>
+        </p:txBody>
+      </p:sp>
+      <p:sp>
+        <p:nvSpPr>
+          <p:cNvPr id="7171" name="Content Placeholder 3"/>
+          <p:cNvSpPr>
+            <a:spLocks noGrp="1"/>
+          </p:cNvSpPr>
+          <p:nvPr>
+            <p:ph sz="quarter" idx="1"/>
+          </p:nvPr>
+        </p:nvSpPr>
+        <p:spPr>
+          <a:xfrm>
+            <a:off x="612775" y="1600200"/>
+            <a:ext cx="8153400" cy="4495800"/>
+          </a:xfrm>
+        </p:spPr>
+        <p:txBody>
+          <a:bodyPr/>
+          <a:lstStyle/>
+          <a:p>
+            <a:endParaRPr lang="ro-RO" sz="2100" dirty="0" smtClean="0"/>
+          </a:p>
+          <a:p>
+            <a:pPr lvl="1">
+              <a:buNone/>
+            </a:pPr>
+            <a:endParaRPr lang="vi-VN" sz="2100" dirty="0" smtClean="0"/>
+          </a:p>
+          <a:p>
+            <a:pPr lvl="1" eaLnBrk="1" hangingPunct="1"/>
+            <a:endParaRPr lang="en-US" sz="2100" b="1" dirty="0" smtClean="0">
+              <a:latin typeface="Arial" pitchFamily="34" charset="0"/>
+              <a:cs typeface="Arial" pitchFamily="34" charset="0"/>
+            </a:endParaRPr>
+          </a:p>
+        </p:txBody>
+      </p:sp>
+      <p:sp>
+        <p:nvSpPr>
+          <p:cNvPr id="7172" name="Slide Number Placeholder 2"/>
+          <p:cNvSpPr>
+            <a:spLocks noGrp="1"/>
+          </p:cNvSpPr>
+          <p:nvPr>
+            <p:ph type="sldNum" sz="quarter" idx="10"/>
+          </p:nvPr>
+        </p:nvSpPr>
+        <p:spPr bwMode="auto">
+          <a:noFill/>
+          <a:ln>
+            <a:miter lim="800000"/>
+            <a:headEnd/>
+            <a:tailEnd/>
+          </a:ln>
+        </p:spPr>
+        <p:txBody>
+          <a:bodyPr vert="horz" wrap="square" lIns="91440" tIns="45720" rIns="91440" bIns="45720" numCol="1" anchor="t" anchorCtr="0" compatLnSpc="1">
+            <a:prstTxWarp prst="textNoShape">
+              <a:avLst/>
+            </a:prstTxWarp>
+          </a:bodyPr>
+          <a:lstStyle/>
+          <a:p>
+            <a:pPr fontAlgn="base">
+              <a:spcBef>
+                <a:spcPct val="0"/>
+              </a:spcBef>
+              <a:spcAft>
+                <a:spcPct val="0"/>
+              </a:spcAft>
+            </a:pPr>
+            <a:fld id="{FEB3FF15-7694-4C79-A17C-C5F32E1F8115}" type="slidenum">
+              <a:rPr lang="en-US" smtClean="0"/>
+              <a:pPr fontAlgn="base">
+                <a:spcBef>
+                  <a:spcPct val="0"/>
+                </a:spcBef>
+                <a:spcAft>
+                  <a:spcPct val="0"/>
+                </a:spcAft>
+              </a:pPr>
+              <a:t>6</a:t>
+            </a:fld>
+            <a:endParaRPr lang="en-US" smtClean="0"/>
+          </a:p>
+        </p:txBody>
+      </p:sp>
       <p:graphicFrame>
         <p:nvGraphicFramePr>
           <p:cNvPr id="8" name="Table 7"/>
@@ -23510,7 +23284,7 @@
           <p:nvPr>
             <p:extLst>
               <p:ext uri="{D42A27DB-BD31-4B8C-83A1-F6EECF244321}">
-                <p14:modId xmlns:p14="http://schemas.microsoft.com/office/powerpoint/2010/main" val="3620595077"/>
+                <p14:modId xmlns:p14="http://schemas.microsoft.com/office/powerpoint/2010/main" val="3020104624"/>
               </p:ext>
             </p:extLst>
           </p:nvPr>
@@ -23524,8 +23298,8 @@
             <a:tbl>
               <a:tblPr/>
               <a:tblGrid>
-                <a:gridCol w="2859668"/>
-                <a:gridCol w="5784330"/>
+                <a:gridCol w="2774112"/>
+                <a:gridCol w="5869886"/>
               </a:tblGrid>
               <a:tr h="428628">
                 <a:tc>
@@ -23545,12 +23319,12 @@
                         </a:spcAft>
                       </a:pPr>
                       <a:r>
-                        <a:rPr lang="en-US" sz="1800" b="1" dirty="0" err="1">
+                        <a:rPr lang="en-US" sz="1800" b="1" dirty="0" smtClean="0">
                           <a:latin typeface="Arial" pitchFamily="34" charset="0"/>
                           <a:ea typeface="Calibri"/>
                           <a:cs typeface="Arial" pitchFamily="34" charset="0"/>
                         </a:rPr>
-                        <a:t>Abordare</a:t>
+                        <a:t>Approach</a:t>
                       </a:r>
                       <a:endParaRPr lang="en-US" sz="1800" b="1" dirty="0">
                         <a:latin typeface="Arial" pitchFamily="34" charset="0"/>
@@ -23603,12 +23377,12 @@
                         </a:spcAft>
                       </a:pPr>
                       <a:r>
-                        <a:rPr lang="en-US" sz="1800" b="1" dirty="0" err="1">
+                        <a:rPr lang="en-US" sz="1800" b="1" dirty="0" smtClean="0">
                           <a:latin typeface="Arial" pitchFamily="34" charset="0"/>
                           <a:ea typeface="Calibri"/>
                           <a:cs typeface="Arial" pitchFamily="34" charset="0"/>
                         </a:rPr>
-                        <a:t>Caracteristici</a:t>
+                        <a:t>Description</a:t>
                       </a:r>
                       <a:endParaRPr lang="en-US" sz="1800" b="1" dirty="0">
                         <a:latin typeface="Arial" pitchFamily="34" charset="0"/>
@@ -23660,85 +23434,18 @@
                         </a:spcAft>
                       </a:pPr>
                       <a:r>
-                        <a:rPr lang="en-US" sz="1800" dirty="0" err="1">
+                        <a:rPr lang="en-US" sz="1800" baseline="0" dirty="0" smtClean="0">
                           <a:latin typeface="Arial" pitchFamily="34" charset="0"/>
                           <a:ea typeface="Calibri"/>
                           <a:cs typeface="Arial" pitchFamily="34" charset="0"/>
                         </a:rPr>
-                        <a:t>Metoda</a:t>
+                        <a:t>Genetic algorithm based techniques</a:t>
                       </a:r>
-                      <a:r>
-                        <a:rPr lang="en-US" sz="1800" dirty="0">
-                          <a:latin typeface="Arial" pitchFamily="34" charset="0"/>
-                          <a:ea typeface="Calibri"/>
-                          <a:cs typeface="Arial" pitchFamily="34" charset="0"/>
-                        </a:rPr>
-                        <a:t> </a:t>
-                      </a:r>
-                      <a:r>
-                        <a:rPr lang="en-US" sz="1800" dirty="0" err="1">
-                          <a:latin typeface="Arial" pitchFamily="34" charset="0"/>
-                          <a:ea typeface="Calibri"/>
-                          <a:cs typeface="Arial" pitchFamily="34" charset="0"/>
-                        </a:rPr>
-                        <a:t>bazata</a:t>
-                      </a:r>
-                      <a:r>
-                        <a:rPr lang="en-US" sz="1800" dirty="0">
-                          <a:latin typeface="Arial" pitchFamily="34" charset="0"/>
-                          <a:ea typeface="Calibri"/>
-                          <a:cs typeface="Arial" pitchFamily="34" charset="0"/>
-                        </a:rPr>
-                        <a:t> </a:t>
-                      </a:r>
-                      <a:r>
-                        <a:rPr lang="en-US" sz="1800" dirty="0" err="1">
-                          <a:latin typeface="Arial" pitchFamily="34" charset="0"/>
-                          <a:ea typeface="Calibri"/>
-                          <a:cs typeface="Arial" pitchFamily="34" charset="0"/>
-                        </a:rPr>
-                        <a:t>pe</a:t>
-                      </a:r>
-                      <a:r>
-                        <a:rPr lang="en-US" sz="1800" dirty="0">
-                          <a:latin typeface="Arial" pitchFamily="34" charset="0"/>
-                          <a:ea typeface="Calibri"/>
-                          <a:cs typeface="Arial" pitchFamily="34" charset="0"/>
-                        </a:rPr>
-                        <a:t> </a:t>
-                      </a:r>
-                      <a:r>
-                        <a:rPr lang="en-US" sz="1800" dirty="0" err="1">
-                          <a:latin typeface="Arial" pitchFamily="34" charset="0"/>
-                          <a:ea typeface="Calibri"/>
-                          <a:cs typeface="Arial" pitchFamily="34" charset="0"/>
-                        </a:rPr>
-                        <a:t>algoritmi</a:t>
-                      </a:r>
-                      <a:r>
-                        <a:rPr lang="en-US" sz="1800" dirty="0">
-                          <a:latin typeface="Arial" pitchFamily="34" charset="0"/>
-                          <a:ea typeface="Calibri"/>
-                          <a:cs typeface="Arial" pitchFamily="34" charset="0"/>
-                        </a:rPr>
-                        <a:t> </a:t>
-                      </a:r>
-                      <a:r>
-                        <a:rPr lang="en-US" sz="1800" dirty="0" err="1" smtClean="0">
-                          <a:latin typeface="Arial" pitchFamily="34" charset="0"/>
-                          <a:ea typeface="Calibri"/>
-                          <a:cs typeface="Arial" pitchFamily="34" charset="0"/>
-                        </a:rPr>
-                        <a:t>genetici</a:t>
-                      </a:r>
-                      <a:r>
-                        <a:rPr lang="ro-RO" sz="1800" baseline="0" dirty="0" smtClean="0">
-                          <a:latin typeface="Arial" pitchFamily="34" charset="0"/>
-                          <a:ea typeface="Calibri"/>
-                          <a:cs typeface="Arial" pitchFamily="34" charset="0"/>
-                        </a:rPr>
-                        <a:t> </a:t>
-                      </a:r>
+                      <a:endParaRPr lang="ro-RO" sz="1800" baseline="0" dirty="0" smtClean="0">
+                        <a:latin typeface="Arial" pitchFamily="34" charset="0"/>
+                        <a:ea typeface="Calibri"/>
+                        <a:cs typeface="Arial" pitchFamily="34" charset="0"/>
+                      </a:endParaRPr>
                     </a:p>
                     <a:p>
                       <a:pPr marL="0" marR="0" algn="l">
@@ -23826,125 +23533,26 @@
                         </a:tabLst>
                       </a:pPr>
                       <a:r>
-                        <a:rPr lang="en-US" sz="1800" dirty="0" err="1">
-                          <a:latin typeface="Arial" pitchFamily="34" charset="0"/>
-                          <a:ea typeface="Calibri"/>
-                          <a:cs typeface="Arial" pitchFamily="34" charset="0"/>
-                        </a:rPr>
-                        <a:t>G</a:t>
-                      </a:r>
-                      <a:r>
-                        <a:rPr lang="en-US" sz="1800" dirty="0" err="1" smtClean="0">
-                          <a:latin typeface="Arial" pitchFamily="34" charset="0"/>
-                          <a:ea typeface="Calibri"/>
-                          <a:cs typeface="Arial" pitchFamily="34" charset="0"/>
-                        </a:rPr>
-                        <a:t>enereaza</a:t>
-                      </a:r>
-                      <a:r>
                         <a:rPr lang="en-US" sz="1800" dirty="0" smtClean="0">
                           <a:latin typeface="Arial" pitchFamily="34" charset="0"/>
                           <a:ea typeface="Calibri"/>
                           <a:cs typeface="Arial" pitchFamily="34" charset="0"/>
                         </a:rPr>
-                        <a:t> </a:t>
+                        <a:t>Generates food menu recommendations for preventing</a:t>
                       </a:r>
                       <a:r>
-                        <a:rPr lang="en-US" sz="1800" dirty="0" err="1">
+                        <a:rPr lang="en-US" sz="1800" baseline="0" dirty="0" smtClean="0">
                           <a:latin typeface="Arial" pitchFamily="34" charset="0"/>
                           <a:ea typeface="Calibri"/>
                           <a:cs typeface="Arial" pitchFamily="34" charset="0"/>
                         </a:rPr>
-                        <a:t>meniuri</a:t>
+                        <a:t> cardio-vascular conditions</a:t>
                       </a:r>
-                      <a:r>
-                        <a:rPr lang="en-US" sz="1800" dirty="0">
-                          <a:latin typeface="Arial" pitchFamily="34" charset="0"/>
-                          <a:ea typeface="Calibri"/>
-                          <a:cs typeface="Arial" pitchFamily="34" charset="0"/>
-                        </a:rPr>
-                        <a:t> </a:t>
-                      </a:r>
-                      <a:r>
-                        <a:rPr lang="en-US" sz="1800" dirty="0" err="1">
-                          <a:latin typeface="Arial" pitchFamily="34" charset="0"/>
-                          <a:ea typeface="Calibri"/>
-                          <a:cs typeface="Arial" pitchFamily="34" charset="0"/>
-                        </a:rPr>
-                        <a:t>alimentare</a:t>
-                      </a:r>
-                      <a:r>
-                        <a:rPr lang="en-US" sz="1800" dirty="0">
-                          <a:latin typeface="Arial" pitchFamily="34" charset="0"/>
-                          <a:ea typeface="Calibri"/>
-                          <a:cs typeface="Arial" pitchFamily="34" charset="0"/>
-                        </a:rPr>
-                        <a:t> cu </a:t>
-                      </a:r>
-                      <a:r>
-                        <a:rPr lang="en-US" sz="1800" dirty="0" err="1">
-                          <a:latin typeface="Arial" pitchFamily="34" charset="0"/>
-                          <a:ea typeface="Calibri"/>
-                          <a:cs typeface="Arial" pitchFamily="34" charset="0"/>
-                        </a:rPr>
-                        <a:t>scopul</a:t>
-                      </a:r>
-                      <a:r>
-                        <a:rPr lang="en-US" sz="1800" dirty="0">
-                          <a:latin typeface="Arial" pitchFamily="34" charset="0"/>
-                          <a:ea typeface="Calibri"/>
-                          <a:cs typeface="Arial" pitchFamily="34" charset="0"/>
-                        </a:rPr>
-                        <a:t> de a </a:t>
-                      </a:r>
-                      <a:r>
-                        <a:rPr lang="en-US" sz="1800" dirty="0" err="1">
-                          <a:latin typeface="Arial" pitchFamily="34" charset="0"/>
-                          <a:ea typeface="Calibri"/>
-                          <a:cs typeface="Arial" pitchFamily="34" charset="0"/>
-                        </a:rPr>
-                        <a:t>preveni</a:t>
-                      </a:r>
-                      <a:r>
-                        <a:rPr lang="en-US" sz="1800" dirty="0">
-                          <a:latin typeface="Arial" pitchFamily="34" charset="0"/>
-                          <a:ea typeface="Calibri"/>
-                          <a:cs typeface="Arial" pitchFamily="34" charset="0"/>
-                        </a:rPr>
-                        <a:t> </a:t>
-                      </a:r>
-                      <a:r>
-                        <a:rPr lang="en-US" sz="1800" dirty="0" err="1">
-                          <a:latin typeface="Arial" pitchFamily="34" charset="0"/>
-                          <a:ea typeface="Calibri"/>
-                          <a:cs typeface="Arial" pitchFamily="34" charset="0"/>
-                        </a:rPr>
-                        <a:t>afectiunile</a:t>
-                      </a:r>
-                      <a:r>
-                        <a:rPr lang="en-US" sz="1800" dirty="0">
-                          <a:latin typeface="Arial" pitchFamily="34" charset="0"/>
-                          <a:ea typeface="Calibri"/>
-                          <a:cs typeface="Arial" pitchFamily="34" charset="0"/>
-                        </a:rPr>
-                        <a:t> </a:t>
-                      </a:r>
-                      <a:r>
-                        <a:rPr lang="en-US" sz="1800" dirty="0" err="1">
-                          <a:latin typeface="Arial" pitchFamily="34" charset="0"/>
-                          <a:ea typeface="Calibri"/>
-                          <a:cs typeface="Arial" pitchFamily="34" charset="0"/>
-                        </a:rPr>
-                        <a:t>cardiovasculare</a:t>
-                      </a:r>
-                      <a:r>
-                        <a:rPr lang="en-US" sz="1800" dirty="0">
-                          <a:latin typeface="Arial" pitchFamily="34" charset="0"/>
-                          <a:ea typeface="Calibri"/>
-                          <a:cs typeface="Arial" pitchFamily="34" charset="0"/>
-                        </a:rPr>
-                        <a:t>.</a:t>
-                      </a:r>
+                      <a:endParaRPr lang="en-US" sz="1800" dirty="0">
+                        <a:latin typeface="Arial" pitchFamily="34" charset="0"/>
+                        <a:ea typeface="Calibri"/>
+                        <a:cs typeface="Arial" pitchFamily="34" charset="0"/>
+                      </a:endParaRPr>
                     </a:p>
                     <a:p>
                       <a:pPr marL="176213" marR="0" lvl="0" indent="-176213" algn="just">
@@ -23961,60 +23569,12 @@
                         </a:tabLst>
                       </a:pPr>
                       <a:r>
-                        <a:rPr lang="ro-RO" sz="1800" dirty="0" smtClean="0">
-                          <a:latin typeface="Arial" pitchFamily="34" charset="0"/>
-                          <a:ea typeface="Calibri"/>
-                          <a:cs typeface="Arial" pitchFamily="34" charset="0"/>
-                        </a:rPr>
-                        <a:t>Ia</a:t>
-                      </a:r>
-                      <a:r>
-                        <a:rPr lang="ro-RO" sz="1800" baseline="0" dirty="0" smtClean="0">
-                          <a:latin typeface="Arial" pitchFamily="34" charset="0"/>
-                          <a:ea typeface="Calibri"/>
-                          <a:cs typeface="Arial" pitchFamily="34" charset="0"/>
-                        </a:rPr>
-                        <a:t> in considerare profilul utilizatorului, precum si pref</a:t>
-                      </a:r>
-                      <a:r>
-                        <a:rPr lang="en-US" sz="1800" baseline="0" dirty="0" err="1" smtClean="0">
-                          <a:latin typeface="Arial" pitchFamily="34" charset="0"/>
-                          <a:ea typeface="Calibri"/>
-                          <a:cs typeface="Arial" pitchFamily="34" charset="0"/>
-                        </a:rPr>
-                        <a:t>erintele</a:t>
-                      </a:r>
-                      <a:r>
-                        <a:rPr lang="ro-RO" sz="1800" baseline="0" dirty="0" smtClean="0">
-                          <a:latin typeface="Arial" pitchFamily="34" charset="0"/>
-                          <a:ea typeface="Calibri"/>
-                          <a:cs typeface="Arial" pitchFamily="34" charset="0"/>
-                        </a:rPr>
-                        <a:t> alimentare</a:t>
-                      </a:r>
-                      <a:r>
                         <a:rPr lang="en-US" sz="1800" dirty="0" smtClean="0">
                           <a:latin typeface="Arial" pitchFamily="34" charset="0"/>
                           <a:ea typeface="Calibri"/>
                           <a:cs typeface="Arial" pitchFamily="34" charset="0"/>
                         </a:rPr>
-                        <a:t> ale </a:t>
-                      </a:r>
-                      <a:r>
-                        <a:rPr lang="ro-RO" sz="1800" dirty="0" smtClean="0">
-                          <a:latin typeface="Arial" pitchFamily="34" charset="0"/>
-                          <a:ea typeface="Calibri"/>
-                          <a:cs typeface="Arial" pitchFamily="34" charset="0"/>
-                        </a:rPr>
-                        <a:t>acestuia</a:t>
-                      </a:r>
-                      <a:r>
-                        <a:rPr lang="en-US" sz="1800" dirty="0" smtClean="0">
-                          <a:latin typeface="Arial" pitchFamily="34" charset="0"/>
-                          <a:ea typeface="Calibri"/>
-                          <a:cs typeface="Arial" pitchFamily="34" charset="0"/>
-                        </a:rPr>
-                        <a:t>.</a:t>
+                        <a:t>Takes the user’s profile and preferences into consideration </a:t>
                       </a:r>
                       <a:endParaRPr lang="en-US" sz="1800" dirty="0">
                         <a:latin typeface="Arial" pitchFamily="34" charset="0"/>
@@ -24066,60 +23626,20 @@
                         </a:spcAft>
                       </a:pPr>
                       <a:r>
-                        <a:rPr lang="en-US" sz="1800" dirty="0" err="1">
-                          <a:latin typeface="Arial" pitchFamily="34" charset="0"/>
-                          <a:ea typeface="Calibri"/>
-                          <a:cs typeface="Arial" pitchFamily="34" charset="0"/>
-                        </a:rPr>
-                        <a:t>Metoda</a:t>
-                      </a:r>
-                      <a:r>
-                        <a:rPr lang="en-US" sz="1800" dirty="0">
-                          <a:latin typeface="Arial" pitchFamily="34" charset="0"/>
-                          <a:ea typeface="Calibri"/>
-                          <a:cs typeface="Arial" pitchFamily="34" charset="0"/>
-                        </a:rPr>
-                        <a:t> </a:t>
-                      </a:r>
-                      <a:r>
-                        <a:rPr lang="en-US" sz="1800" dirty="0" err="1">
-                          <a:latin typeface="Arial" pitchFamily="34" charset="0"/>
-                          <a:ea typeface="Calibri"/>
-                          <a:cs typeface="Arial" pitchFamily="34" charset="0"/>
-                        </a:rPr>
-                        <a:t>bazata</a:t>
-                      </a:r>
-                      <a:r>
-                        <a:rPr lang="en-US" sz="1800" dirty="0">
-                          <a:latin typeface="Arial" pitchFamily="34" charset="0"/>
-                          <a:ea typeface="Calibri"/>
-                          <a:cs typeface="Arial" pitchFamily="34" charset="0"/>
-                        </a:rPr>
-                        <a:t> </a:t>
-                      </a:r>
-                      <a:r>
-                        <a:rPr lang="en-US" sz="1800" dirty="0" err="1">
-                          <a:latin typeface="Arial" pitchFamily="34" charset="0"/>
-                          <a:ea typeface="Calibri"/>
-                          <a:cs typeface="Arial" pitchFamily="34" charset="0"/>
-                        </a:rPr>
-                        <a:t>pe</a:t>
-                      </a:r>
-                      <a:r>
-                        <a:rPr lang="en-US" sz="1800" dirty="0">
-                          <a:latin typeface="Arial" pitchFamily="34" charset="0"/>
-                          <a:ea typeface="Calibri"/>
-                          <a:cs typeface="Arial" pitchFamily="34" charset="0"/>
-                        </a:rPr>
-                        <a:t> </a:t>
-                      </a:r>
-                      <a:r>
                         <a:rPr lang="en-US" sz="1800" dirty="0" smtClean="0">
                           <a:latin typeface="Arial" pitchFamily="34" charset="0"/>
                           <a:ea typeface="Calibri"/>
                           <a:cs typeface="Arial" pitchFamily="34" charset="0"/>
                         </a:rPr>
-                        <a:t>clustering </a:t>
+                        <a:t>Clustering</a:t>
+                      </a:r>
+                      <a:r>
+                        <a:rPr lang="en-US" sz="1800" baseline="0" dirty="0" smtClean="0">
+                          <a:latin typeface="Arial" pitchFamily="34" charset="0"/>
+                          <a:ea typeface="Calibri"/>
+                          <a:cs typeface="Arial" pitchFamily="34" charset="0"/>
+                        </a:rPr>
+                        <a:t> based technique</a:t>
                       </a:r>
                       <a:endParaRPr lang="ro-RO" sz="1800" dirty="0" smtClean="0">
                         <a:latin typeface="Arial" pitchFamily="34" charset="0"/>
@@ -24221,132 +23741,12 @@
                         </a:tabLst>
                       </a:pPr>
                       <a:r>
-                        <a:rPr lang="en-US" sz="1800" dirty="0" err="1">
-                          <a:latin typeface="Arial" pitchFamily="34" charset="0"/>
-                          <a:ea typeface="Calibri"/>
-                          <a:cs typeface="Arial" pitchFamily="34" charset="0"/>
-                        </a:rPr>
-                        <a:t>G</a:t>
-                      </a:r>
-                      <a:r>
-                        <a:rPr lang="en-US" sz="1800" dirty="0" err="1" smtClean="0">
-                          <a:latin typeface="Arial" pitchFamily="34" charset="0"/>
-                          <a:ea typeface="Calibri"/>
-                          <a:cs typeface="Arial" pitchFamily="34" charset="0"/>
-                        </a:rPr>
-                        <a:t>enereaza</a:t>
-                      </a:r>
-                      <a:r>
                         <a:rPr lang="en-US" sz="1800" dirty="0" smtClean="0">
                           <a:latin typeface="Arial" pitchFamily="34" charset="0"/>
                           <a:ea typeface="Calibri"/>
                           <a:cs typeface="Arial" pitchFamily="34" charset="0"/>
                         </a:rPr>
-                        <a:t> </a:t>
-                      </a:r>
-                      <a:r>
-                        <a:rPr lang="en-US" sz="1800" dirty="0" err="1">
-                          <a:latin typeface="Arial" pitchFamily="34" charset="0"/>
-                          <a:ea typeface="Calibri"/>
-                          <a:cs typeface="Arial" pitchFamily="34" charset="0"/>
-                        </a:rPr>
-                        <a:t>meniuri</a:t>
-                      </a:r>
-                      <a:r>
-                        <a:rPr lang="en-US" sz="1800" dirty="0">
-                          <a:latin typeface="Arial" pitchFamily="34" charset="0"/>
-                          <a:ea typeface="Calibri"/>
-                          <a:cs typeface="Arial" pitchFamily="34" charset="0"/>
-                        </a:rPr>
-                        <a:t> </a:t>
-                      </a:r>
-                      <a:r>
-                        <a:rPr lang="en-US" sz="1800" dirty="0" err="1">
-                          <a:latin typeface="Arial" pitchFamily="34" charset="0"/>
-                          <a:ea typeface="Calibri"/>
-                          <a:cs typeface="Arial" pitchFamily="34" charset="0"/>
-                        </a:rPr>
-                        <a:t>alimentare</a:t>
-                      </a:r>
-                      <a:r>
-                        <a:rPr lang="en-US" sz="1800" dirty="0">
-                          <a:latin typeface="Arial" pitchFamily="34" charset="0"/>
-                          <a:ea typeface="Calibri"/>
-                          <a:cs typeface="Arial" pitchFamily="34" charset="0"/>
-                        </a:rPr>
-                        <a:t> </a:t>
-                      </a:r>
-                      <a:r>
-                        <a:rPr lang="en-US" sz="1800" dirty="0" err="1" smtClean="0">
-                          <a:latin typeface="Arial" pitchFamily="34" charset="0"/>
-                          <a:ea typeface="Calibri"/>
-                          <a:cs typeface="Arial" pitchFamily="34" charset="0"/>
-                        </a:rPr>
-                        <a:t>pentru</a:t>
-                      </a:r>
-                      <a:r>
-                        <a:rPr lang="en-US" sz="1800" dirty="0" smtClean="0">
-                          <a:latin typeface="Arial" pitchFamily="34" charset="0"/>
-                          <a:ea typeface="Calibri"/>
-                          <a:cs typeface="Arial" pitchFamily="34" charset="0"/>
-                        </a:rPr>
-                        <a:t> </a:t>
-                      </a:r>
-                      <a:r>
-                        <a:rPr lang="en-US" sz="1800" dirty="0" err="1" smtClean="0">
-                          <a:latin typeface="Arial" pitchFamily="34" charset="0"/>
-                          <a:ea typeface="Calibri"/>
-                          <a:cs typeface="Arial" pitchFamily="34" charset="0"/>
-                        </a:rPr>
-                        <a:t>mese</a:t>
-                      </a:r>
-                      <a:r>
-                        <a:rPr lang="ro-RO" sz="1800" dirty="0" smtClean="0">
-                          <a:latin typeface="Arial" pitchFamily="34" charset="0"/>
-                          <a:ea typeface="Calibri"/>
-                          <a:cs typeface="Arial" pitchFamily="34" charset="0"/>
-                        </a:rPr>
-                        <a:t>le</a:t>
-                      </a:r>
-                      <a:r>
-                        <a:rPr lang="en-US" sz="1800" dirty="0" smtClean="0">
-                          <a:latin typeface="Arial" pitchFamily="34" charset="0"/>
-                          <a:ea typeface="Calibri"/>
-                          <a:cs typeface="Arial" pitchFamily="34" charset="0"/>
-                        </a:rPr>
-                        <a:t> </a:t>
-                      </a:r>
-                      <a:r>
-                        <a:rPr lang="en-US" sz="1800" dirty="0" err="1">
-                          <a:latin typeface="Arial" pitchFamily="34" charset="0"/>
-                          <a:ea typeface="Calibri"/>
-                          <a:cs typeface="Arial" pitchFamily="34" charset="0"/>
-                        </a:rPr>
-                        <a:t>principale</a:t>
-                      </a:r>
-                      <a:r>
-                        <a:rPr lang="en-US" sz="1800" dirty="0">
-                          <a:latin typeface="Arial" pitchFamily="34" charset="0"/>
-                          <a:ea typeface="Calibri"/>
-                          <a:cs typeface="Arial" pitchFamily="34" charset="0"/>
-                        </a:rPr>
-                        <a:t> </a:t>
-                      </a:r>
-                      <a:r>
-                        <a:rPr lang="ro-RO" sz="1800" dirty="0" smtClean="0">
-                          <a:latin typeface="Arial" pitchFamily="34" charset="0"/>
-                          <a:ea typeface="Calibri"/>
-                          <a:cs typeface="Arial" pitchFamily="34" charset="0"/>
-                        </a:rPr>
-                        <a:t>ale</a:t>
-                      </a:r>
-                      <a:r>
-                        <a:rPr lang="ro-RO" sz="1800" baseline="0" dirty="0" smtClean="0">
-                          <a:latin typeface="Arial" pitchFamily="34" charset="0"/>
-                          <a:ea typeface="Calibri"/>
-                          <a:cs typeface="Arial" pitchFamily="34" charset="0"/>
-                        </a:rPr>
-                        <a:t> zilei</a:t>
+                        <a:t>Generates food menu recommendations for the main</a:t>
                       </a:r>
                       <a:r>
                         <a:rPr lang="en-US" sz="1800" baseline="0" dirty="0" smtClean="0">
@@ -24354,7 +23754,7 @@
                           <a:ea typeface="Calibri"/>
                           <a:cs typeface="Arial" pitchFamily="34" charset="0"/>
                         </a:rPr>
-                        <a:t>.</a:t>
+                        <a:t> meals of a day.</a:t>
                       </a:r>
                       <a:endParaRPr lang="en-US" sz="1800" dirty="0">
                         <a:latin typeface="Arial" pitchFamily="34" charset="0"/>
@@ -24377,68 +23777,12 @@
                         </a:tabLst>
                       </a:pPr>
                       <a:r>
-                        <a:rPr lang="ro-RO" sz="1800" dirty="0" smtClean="0">
-                          <a:latin typeface="Arial" pitchFamily="34" charset="0"/>
-                          <a:ea typeface="Calibri"/>
-                          <a:cs typeface="Arial" pitchFamily="34" charset="0"/>
-                        </a:rPr>
-                        <a:t>Ia</a:t>
-                      </a:r>
-                      <a:r>
-                        <a:rPr lang="ro-RO" sz="1800" baseline="0" dirty="0" smtClean="0">
-                          <a:latin typeface="Arial" pitchFamily="34" charset="0"/>
-                          <a:ea typeface="Calibri"/>
-                          <a:cs typeface="Arial" pitchFamily="34" charset="0"/>
-                        </a:rPr>
-                        <a:t> in considerare profilul utilizatorului, precum si pref</a:t>
-                      </a:r>
-                      <a:r>
-                        <a:rPr lang="en-US" sz="1800" baseline="0" dirty="0" err="1" smtClean="0">
-                          <a:latin typeface="Arial" pitchFamily="34" charset="0"/>
-                          <a:ea typeface="Calibri"/>
-                          <a:cs typeface="Arial" pitchFamily="34" charset="0"/>
-                        </a:rPr>
-                        <a:t>erintele</a:t>
-                      </a:r>
-                      <a:r>
-                        <a:rPr lang="ro-RO" sz="1800" baseline="0" dirty="0" smtClean="0">
-                          <a:latin typeface="Arial" pitchFamily="34" charset="0"/>
-                          <a:ea typeface="Calibri"/>
-                          <a:cs typeface="Arial" pitchFamily="34" charset="0"/>
-                        </a:rPr>
-                        <a:t> alimentare</a:t>
-                      </a:r>
-                      <a:r>
                         <a:rPr lang="en-US" sz="1800" dirty="0" smtClean="0">
                           <a:latin typeface="Arial" pitchFamily="34" charset="0"/>
                           <a:ea typeface="Calibri"/>
                           <a:cs typeface="Arial" pitchFamily="34" charset="0"/>
                         </a:rPr>
-                        <a:t> </a:t>
-                      </a:r>
-                      <a:r>
-                        <a:rPr lang="en-US" sz="1800" dirty="0">
-                          <a:latin typeface="Arial" pitchFamily="34" charset="0"/>
-                          <a:ea typeface="Calibri"/>
-                          <a:cs typeface="Arial" pitchFamily="34" charset="0"/>
-                        </a:rPr>
-                        <a:t>ale </a:t>
-                      </a:r>
-                      <a:r>
-                        <a:rPr lang="ro-RO" sz="1800" dirty="0" smtClean="0">
-                          <a:latin typeface="Arial" pitchFamily="34" charset="0"/>
-                          <a:ea typeface="Calibri"/>
-                          <a:cs typeface="Arial" pitchFamily="34" charset="0"/>
-                        </a:rPr>
-                        <a:t>acestuia</a:t>
-                      </a:r>
-                      <a:r>
-                        <a:rPr lang="en-US" sz="1800" dirty="0" smtClean="0">
-                          <a:latin typeface="Arial" pitchFamily="34" charset="0"/>
-                          <a:ea typeface="Calibri"/>
-                          <a:cs typeface="Arial" pitchFamily="34" charset="0"/>
-                        </a:rPr>
-                        <a:t>.</a:t>
+                        <a:t>Takes the user’s profile and preferences into consideration </a:t>
                       </a:r>
                       <a:endParaRPr lang="en-US" sz="1800" dirty="0">
                         <a:latin typeface="Arial" pitchFamily="34" charset="0"/>
@@ -24490,69 +23834,26 @@
                         </a:spcAft>
                       </a:pPr>
                       <a:r>
-                        <a:rPr lang="en-US" sz="1800" dirty="0" err="1">
-                          <a:latin typeface="Arial" pitchFamily="34" charset="0"/>
-                          <a:ea typeface="Calibri"/>
-                          <a:cs typeface="Arial" pitchFamily="34" charset="0"/>
-                        </a:rPr>
-                        <a:t>Metodata</a:t>
-                      </a:r>
-                      <a:r>
-                        <a:rPr lang="en-US" sz="1800" dirty="0">
-                          <a:latin typeface="Arial" pitchFamily="34" charset="0"/>
-                          <a:ea typeface="Calibri"/>
-                          <a:cs typeface="Arial" pitchFamily="34" charset="0"/>
-                        </a:rPr>
-                        <a:t> </a:t>
-                      </a:r>
-                      <a:r>
-                        <a:rPr lang="en-US" sz="1800" dirty="0" err="1">
-                          <a:latin typeface="Arial" pitchFamily="34" charset="0"/>
-                          <a:ea typeface="Calibri"/>
-                          <a:cs typeface="Arial" pitchFamily="34" charset="0"/>
-                        </a:rPr>
-                        <a:t>bazata</a:t>
-                      </a:r>
-                      <a:r>
-                        <a:rPr lang="en-US" sz="1800" dirty="0">
-                          <a:latin typeface="Arial" pitchFamily="34" charset="0"/>
-                          <a:ea typeface="Calibri"/>
-                          <a:cs typeface="Arial" pitchFamily="34" charset="0"/>
-                        </a:rPr>
-                        <a:t> </a:t>
-                      </a:r>
-                      <a:r>
-                        <a:rPr lang="en-US" sz="1800" dirty="0" err="1">
-                          <a:latin typeface="Arial" pitchFamily="34" charset="0"/>
-                          <a:ea typeface="Calibri"/>
-                          <a:cs typeface="Arial" pitchFamily="34" charset="0"/>
-                        </a:rPr>
-                        <a:t>pe</a:t>
-                      </a:r>
-                      <a:r>
-                        <a:rPr lang="en-US" sz="1800" dirty="0">
-                          <a:latin typeface="Arial" pitchFamily="34" charset="0"/>
-                          <a:ea typeface="Calibri"/>
-                          <a:cs typeface="Arial" pitchFamily="34" charset="0"/>
-                        </a:rPr>
-                        <a:t> </a:t>
-                      </a:r>
-                      <a:r>
                         <a:rPr lang="en-US" sz="1800" dirty="0" smtClean="0">
                           <a:latin typeface="Arial" pitchFamily="34" charset="0"/>
                           <a:ea typeface="Calibri"/>
                           <a:cs typeface="Arial" pitchFamily="34" charset="0"/>
                         </a:rPr>
-                        <a:t>rough sets</a:t>
+                        <a:t>Method</a:t>
                       </a:r>
                       <a:r>
-                        <a:rPr lang="ro-RO" sz="1800" dirty="0" smtClean="0">
+                        <a:rPr lang="en-US" sz="1800" baseline="0" dirty="0" smtClean="0">
                           <a:latin typeface="Arial" pitchFamily="34" charset="0"/>
                           <a:ea typeface="Calibri"/>
                           <a:cs typeface="Arial" pitchFamily="34" charset="0"/>
                         </a:rPr>
-                        <a:t> theory</a:t>
+                        <a:t> based on rough sets theory</a:t>
                       </a:r>
+                      <a:endParaRPr lang="ro-RO" sz="1800" dirty="0" smtClean="0">
+                        <a:latin typeface="Arial" pitchFamily="34" charset="0"/>
+                        <a:ea typeface="Calibri"/>
+                        <a:cs typeface="Arial" pitchFamily="34" charset="0"/>
+                      </a:endParaRPr>
                     </a:p>
                     <a:p>
                       <a:pPr marL="0" marR="0" algn="l">
@@ -24640,68 +23941,20 @@
                         </a:tabLst>
                       </a:pPr>
                       <a:r>
-                        <a:rPr lang="en-US" sz="1800" dirty="0" err="1">
-                          <a:latin typeface="Arial" pitchFamily="34" charset="0"/>
-                          <a:ea typeface="Calibri"/>
-                          <a:cs typeface="Arial" pitchFamily="34" charset="0"/>
-                        </a:rPr>
-                        <a:t>G</a:t>
-                      </a:r>
-                      <a:r>
-                        <a:rPr lang="en-US" sz="1800" dirty="0" err="1" smtClean="0">
-                          <a:latin typeface="Arial" pitchFamily="34" charset="0"/>
-                          <a:ea typeface="Calibri"/>
-                          <a:cs typeface="Arial" pitchFamily="34" charset="0"/>
-                        </a:rPr>
-                        <a:t>enereaza</a:t>
-                      </a:r>
-                      <a:r>
                         <a:rPr lang="en-US" sz="1800" dirty="0" smtClean="0">
                           <a:latin typeface="Arial" pitchFamily="34" charset="0"/>
                           <a:ea typeface="Calibri"/>
                           <a:cs typeface="Arial" pitchFamily="34" charset="0"/>
                         </a:rPr>
-                        <a:t> </a:t>
+                        <a:t>Generates</a:t>
                       </a:r>
                       <a:r>
-                        <a:rPr lang="en-US" sz="1800" dirty="0" err="1">
+                        <a:rPr lang="en-US" sz="1800" baseline="0" dirty="0" smtClean="0">
                           <a:latin typeface="Arial" pitchFamily="34" charset="0"/>
                           <a:ea typeface="Calibri"/>
                           <a:cs typeface="Arial" pitchFamily="34" charset="0"/>
                         </a:rPr>
-                        <a:t>meniuri</a:t>
-                      </a:r>
-                      <a:r>
-                        <a:rPr lang="en-US" sz="1800" dirty="0">
-                          <a:latin typeface="Arial" pitchFamily="34" charset="0"/>
-                          <a:ea typeface="Calibri"/>
-                          <a:cs typeface="Arial" pitchFamily="34" charset="0"/>
-                        </a:rPr>
-                        <a:t> </a:t>
-                      </a:r>
-                      <a:r>
-                        <a:rPr lang="en-US" sz="1800" dirty="0" err="1">
-                          <a:latin typeface="Arial" pitchFamily="34" charset="0"/>
-                          <a:ea typeface="Calibri"/>
-                          <a:cs typeface="Arial" pitchFamily="34" charset="0"/>
-                        </a:rPr>
-                        <a:t>alimentare</a:t>
-                      </a:r>
-                      <a:r>
-                        <a:rPr lang="en-US" sz="1800" dirty="0">
-                          <a:latin typeface="Arial" pitchFamily="34" charset="0"/>
-                          <a:ea typeface="Calibri"/>
-                          <a:cs typeface="Arial" pitchFamily="34" charset="0"/>
-                        </a:rPr>
-                        <a:t> </a:t>
-                      </a:r>
-                      <a:r>
-                        <a:rPr lang="en-US" sz="1800" dirty="0" err="1" smtClean="0">
-                          <a:latin typeface="Arial" pitchFamily="34" charset="0"/>
-                          <a:ea typeface="Calibri"/>
-                          <a:cs typeface="Arial" pitchFamily="34" charset="0"/>
-                        </a:rPr>
-                        <a:t>personalizate</a:t>
+                        <a:t> personalized food menu recommendations</a:t>
                       </a:r>
                       <a:r>
                         <a:rPr lang="en-US" sz="1800" dirty="0" smtClean="0">
@@ -24732,140 +23985,28 @@
                         </a:tabLst>
                       </a:pPr>
                       <a:r>
-                        <a:rPr lang="en-US" sz="1800" dirty="0" err="1" smtClean="0">
-                          <a:latin typeface="Arial" pitchFamily="34" charset="0"/>
-                          <a:ea typeface="Calibri"/>
-                          <a:cs typeface="Arial" pitchFamily="34" charset="0"/>
-                        </a:rPr>
-                        <a:t>Ia</a:t>
-                      </a:r>
-                      <a:r>
                         <a:rPr lang="en-US" sz="1800" dirty="0" smtClean="0">
                           <a:latin typeface="Arial" pitchFamily="34" charset="0"/>
                           <a:ea typeface="Calibri"/>
                           <a:cs typeface="Arial" pitchFamily="34" charset="0"/>
                         </a:rPr>
-                        <a:t> </a:t>
+                        <a:t>Takes</a:t>
                       </a:r>
                       <a:r>
-                        <a:rPr lang="en-US" sz="1800" dirty="0">
+                        <a:rPr lang="en-US" sz="1800" baseline="0" dirty="0" smtClean="0">
                           <a:latin typeface="Arial" pitchFamily="34" charset="0"/>
                           <a:ea typeface="Calibri"/>
                           <a:cs typeface="Arial" pitchFamily="34" charset="0"/>
                         </a:rPr>
-                        <a:t>in </a:t>
+                        <a:t> the user’s preferences into consideration by use of </a:t>
                       </a:r>
                       <a:r>
-                        <a:rPr lang="en-US" sz="1800" dirty="0" err="1">
+                        <a:rPr lang="en-US" sz="1800" baseline="0" dirty="0" err="1" smtClean="0">
                           <a:latin typeface="Arial" pitchFamily="34" charset="0"/>
                           <a:ea typeface="Calibri"/>
                           <a:cs typeface="Arial" pitchFamily="34" charset="0"/>
                         </a:rPr>
-                        <a:t>considerare</a:t>
-                      </a:r>
-                      <a:r>
-                        <a:rPr lang="en-US" sz="1800" dirty="0">
-                          <a:latin typeface="Arial" pitchFamily="34" charset="0"/>
-                          <a:ea typeface="Calibri"/>
-                          <a:cs typeface="Arial" pitchFamily="34" charset="0"/>
-                        </a:rPr>
-                        <a:t> </a:t>
-                      </a:r>
-                      <a:r>
-                        <a:rPr lang="en-US" sz="1800" dirty="0" err="1">
-                          <a:latin typeface="Arial" pitchFamily="34" charset="0"/>
-                          <a:ea typeface="Calibri"/>
-                          <a:cs typeface="Arial" pitchFamily="34" charset="0"/>
-                        </a:rPr>
-                        <a:t>preferintele</a:t>
-                      </a:r>
-                      <a:r>
-                        <a:rPr lang="en-US" sz="1800" dirty="0">
-                          <a:latin typeface="Arial" pitchFamily="34" charset="0"/>
-                          <a:ea typeface="Calibri"/>
-                          <a:cs typeface="Arial" pitchFamily="34" charset="0"/>
-                        </a:rPr>
-                        <a:t> </a:t>
-                      </a:r>
-                      <a:r>
-                        <a:rPr lang="ro-RO" sz="1800" dirty="0" smtClean="0">
-                          <a:latin typeface="Arial" pitchFamily="34" charset="0"/>
-                          <a:ea typeface="Calibri"/>
-                          <a:cs typeface="Arial" pitchFamily="34" charset="0"/>
-                        </a:rPr>
-                        <a:t>utilizatorului introduse</a:t>
-                      </a:r>
-                      <a:r>
-                        <a:rPr lang="en-US" sz="1800" dirty="0" smtClean="0">
-                          <a:latin typeface="Arial" pitchFamily="34" charset="0"/>
-                          <a:ea typeface="Calibri"/>
-                          <a:cs typeface="Arial" pitchFamily="34" charset="0"/>
-                        </a:rPr>
-                        <a:t> </a:t>
-                      </a:r>
-                      <a:r>
-                        <a:rPr lang="en-US" sz="1800" dirty="0" err="1">
-                          <a:latin typeface="Arial" pitchFamily="34" charset="0"/>
-                          <a:ea typeface="Calibri"/>
-                          <a:cs typeface="Arial" pitchFamily="34" charset="0"/>
-                        </a:rPr>
-                        <a:t>prin</a:t>
-                      </a:r>
-                      <a:r>
-                        <a:rPr lang="en-US" sz="1800" dirty="0">
-                          <a:latin typeface="Arial" pitchFamily="34" charset="0"/>
-                          <a:ea typeface="Calibri"/>
-                          <a:cs typeface="Arial" pitchFamily="34" charset="0"/>
-                        </a:rPr>
-                        <a:t> </a:t>
-                      </a:r>
-                      <a:r>
-                        <a:rPr lang="en-US" sz="1800" dirty="0" err="1">
-                          <a:latin typeface="Arial" pitchFamily="34" charset="0"/>
-                          <a:ea typeface="Calibri"/>
-                          <a:cs typeface="Arial" pitchFamily="34" charset="0"/>
-                        </a:rPr>
-                        <a:t>intermediul</a:t>
-                      </a:r>
-                      <a:r>
-                        <a:rPr lang="en-US" sz="1800" dirty="0">
-                          <a:latin typeface="Arial" pitchFamily="34" charset="0"/>
-                          <a:ea typeface="Calibri"/>
-                          <a:cs typeface="Arial" pitchFamily="34" charset="0"/>
-                        </a:rPr>
-                        <a:t> </a:t>
-                      </a:r>
-                      <a:r>
-                        <a:rPr lang="en-US" sz="1800" dirty="0" err="1">
-                          <a:latin typeface="Arial" pitchFamily="34" charset="0"/>
-                          <a:ea typeface="Calibri"/>
-                          <a:cs typeface="Arial" pitchFamily="34" charset="0"/>
-                        </a:rPr>
-                        <a:t>unor</a:t>
-                      </a:r>
-                      <a:r>
-                        <a:rPr lang="en-US" sz="1800" dirty="0">
-                          <a:latin typeface="Arial" pitchFamily="34" charset="0"/>
-                          <a:ea typeface="Calibri"/>
-                          <a:cs typeface="Arial" pitchFamily="34" charset="0"/>
-                        </a:rPr>
-                        <a:t> </a:t>
-                      </a:r>
-                      <a:r>
-                        <a:rPr lang="en-US" sz="1800" dirty="0" err="1" smtClean="0">
-                          <a:latin typeface="Arial" pitchFamily="34" charset="0"/>
-                          <a:ea typeface="Calibri"/>
-                          <a:cs typeface="Arial" pitchFamily="34" charset="0"/>
-                        </a:rPr>
-                        <a:t>chestionare</a:t>
-                      </a:r>
-                      <a:r>
-                        <a:rPr lang="en-US" sz="1800" dirty="0" smtClean="0">
-                          <a:latin typeface="Arial" pitchFamily="34" charset="0"/>
-                          <a:ea typeface="Calibri"/>
-                          <a:cs typeface="Arial" pitchFamily="34" charset="0"/>
-                        </a:rPr>
-                        <a:t>.</a:t>
+                        <a:t>questionaires</a:t>
                       </a:r>
                       <a:endParaRPr lang="en-US" sz="1800" dirty="0">
                         <a:latin typeface="Arial" pitchFamily="34" charset="0"/>
@@ -24906,247 +24047,6 @@
           </a:graphicData>
         </a:graphic>
       </p:graphicFrame>
-    </p:spTree>
-  </p:cSld>
-  <p:clrMapOvr>
-    <a:masterClrMapping/>
-  </p:clrMapOvr>
-  <p:timing>
-    <p:tnLst>
-      <p:par>
-        <p:cTn id="1" dur="indefinite" restart="never" nodeType="tmRoot"/>
-      </p:par>
-    </p:tnLst>
-  </p:timing>
-</p:sld>
-</file>
-
-<file path=ppt/slides/slide6.xml><?xml version="1.0" encoding="utf-8"?>
-<p:sld xmlns:a="http://schemas.openxmlformats.org/drawingml/2006/main" xmlns:r="http://schemas.openxmlformats.org/officeDocument/2006/relationships" xmlns:p="http://schemas.openxmlformats.org/presentationml/2006/main">
-  <p:cSld>
-    <p:spTree>
-      <p:nvGrpSpPr>
-        <p:cNvPr id="1" name=""/>
-        <p:cNvGrpSpPr/>
-        <p:nvPr/>
-      </p:nvGrpSpPr>
-      <p:grpSpPr>
-        <a:xfrm>
-          <a:off x="0" y="0"/>
-          <a:ext cx="0" cy="0"/>
-          <a:chOff x="0" y="0"/>
-          <a:chExt cx="0" cy="0"/>
-        </a:xfrm>
-      </p:grpSpPr>
-      <p:sp>
-        <p:nvSpPr>
-          <p:cNvPr id="7170" name="Title 1"/>
-          <p:cNvSpPr>
-            <a:spLocks noGrp="1"/>
-          </p:cNvSpPr>
-          <p:nvPr>
-            <p:ph type="title"/>
-          </p:nvPr>
-        </p:nvSpPr>
-        <p:spPr>
-          <a:xfrm>
-            <a:off x="0" y="0"/>
-            <a:ext cx="9144000" cy="1295400"/>
-          </a:xfrm>
-        </p:spPr>
-        <p:txBody>
-          <a:bodyPr/>
-          <a:lstStyle/>
-          <a:p>
-            <a:pPr algn="ctr" eaLnBrk="1" hangingPunct="1"/>
-            <a:r>
-              <a:rPr lang="ro-RO" sz="3400" dirty="0" smtClean="0">
-                <a:latin typeface="Arial" pitchFamily="34" charset="0"/>
-                <a:cs typeface="Arial" pitchFamily="34" charset="0"/>
-              </a:rPr>
-              <a:t/>
-            </a:r>
-            <a:br>
-              <a:rPr lang="ro-RO" sz="3400" dirty="0" smtClean="0">
-                <a:latin typeface="Arial" pitchFamily="34" charset="0"/>
-                <a:cs typeface="Arial" pitchFamily="34" charset="0"/>
-              </a:rPr>
-            </a:br>
-            <a:r>
-              <a:rPr lang="ro-RO" sz="3100" dirty="0" smtClean="0">
-                <a:latin typeface="Arial" pitchFamily="34" charset="0"/>
-                <a:cs typeface="Arial" pitchFamily="34" charset="0"/>
-              </a:rPr>
-              <a:t>Modelul Hibrid Inspirat din Comportamentul Cucilor </a:t>
-            </a:r>
-            <a:r>
-              <a:rPr lang="ro-RO" sz="3400" dirty="0" smtClean="0">
-                <a:latin typeface="Arial" pitchFamily="34" charset="0"/>
-                <a:cs typeface="Arial" pitchFamily="34" charset="0"/>
-              </a:rPr>
-              <a:t/>
-            </a:r>
-            <a:br>
-              <a:rPr lang="ro-RO" sz="3400" dirty="0" smtClean="0">
-                <a:latin typeface="Arial" pitchFamily="34" charset="0"/>
-                <a:cs typeface="Arial" pitchFamily="34" charset="0"/>
-              </a:rPr>
-            </a:br>
-            <a:endParaRPr lang="en-US" sz="3400" dirty="0" smtClean="0">
-              <a:latin typeface="Arial" pitchFamily="34" charset="0"/>
-              <a:cs typeface="Arial" pitchFamily="34" charset="0"/>
-            </a:endParaRPr>
-          </a:p>
-        </p:txBody>
-      </p:sp>
-      <p:sp>
-        <p:nvSpPr>
-          <p:cNvPr id="7171" name="Content Placeholder 3"/>
-          <p:cNvSpPr>
-            <a:spLocks noGrp="1"/>
-          </p:cNvSpPr>
-          <p:nvPr>
-            <p:ph sz="quarter" idx="1"/>
-          </p:nvPr>
-        </p:nvSpPr>
-        <p:spPr>
-          <a:xfrm>
-            <a:off x="0" y="1500174"/>
-            <a:ext cx="9144000" cy="4595826"/>
-          </a:xfrm>
-        </p:spPr>
-        <p:txBody>
-          <a:bodyPr/>
-          <a:lstStyle/>
-          <a:p>
-            <a:r>
-              <a:rPr lang="ro-RO" sz="2300" dirty="0" smtClean="0">
-                <a:latin typeface="Arial" pitchFamily="34" charset="0"/>
-                <a:cs typeface="Arial" pitchFamily="34" charset="0"/>
-              </a:rPr>
-              <a:t>Combina principii din:</a:t>
-            </a:r>
-          </a:p>
-          <a:p>
-            <a:pPr lvl="1">
-              <a:buFont typeface="Wingdings" pitchFamily="2" charset="2"/>
-              <a:buChar char="§"/>
-            </a:pPr>
-            <a:r>
-              <a:rPr lang="en-US" sz="1900" dirty="0"/>
-              <a:t>C</a:t>
-            </a:r>
-            <a:r>
-              <a:rPr lang="ro-RO" sz="1900" dirty="0" smtClean="0">
-                <a:latin typeface="Arial" pitchFamily="34" charset="0"/>
-                <a:cs typeface="Arial" pitchFamily="34" charset="0"/>
-              </a:rPr>
-              <a:t>omportamentul de reproducere al cucilor</a:t>
-            </a:r>
-          </a:p>
-          <a:p>
-            <a:pPr lvl="1">
-              <a:buFont typeface="Wingdings" pitchFamily="2" charset="2"/>
-              <a:buChar char="§"/>
-            </a:pPr>
-            <a:r>
-              <a:rPr lang="en-US" sz="1900" dirty="0" err="1" smtClean="0"/>
-              <a:t>Algoritmi</a:t>
-            </a:r>
-            <a:r>
-              <a:rPr lang="en-US" sz="1900" dirty="0" smtClean="0"/>
-              <a:t> </a:t>
-            </a:r>
-            <a:r>
-              <a:rPr lang="en-US" sz="1900" dirty="0" err="1" smtClean="0"/>
-              <a:t>genetici</a:t>
-            </a:r>
-            <a:r>
-              <a:rPr lang="ro-RO" sz="1900" dirty="0" smtClean="0">
-                <a:latin typeface="Arial" pitchFamily="34" charset="0"/>
-                <a:cs typeface="Arial" pitchFamily="34" charset="0"/>
-              </a:rPr>
-              <a:t> </a:t>
-            </a:r>
-          </a:p>
-          <a:p>
-            <a:pPr lvl="1">
-              <a:buFont typeface="Wingdings" pitchFamily="2" charset="2"/>
-              <a:buChar char="§"/>
-            </a:pPr>
-            <a:r>
-              <a:rPr lang="ro-RO" sz="1900" dirty="0" smtClean="0">
-                <a:latin typeface="Arial" pitchFamily="34" charset="0"/>
-                <a:cs typeface="Arial" pitchFamily="34" charset="0"/>
-              </a:rPr>
-              <a:t>Tabu Search si Reinforcement Learning</a:t>
-            </a:r>
-          </a:p>
-          <a:p>
-            <a:pPr lvl="1">
-              <a:buNone/>
-            </a:pPr>
-            <a:endParaRPr lang="vi-VN" sz="2100" dirty="0" smtClean="0"/>
-          </a:p>
-          <a:p>
-            <a:pPr lvl="1" eaLnBrk="1" hangingPunct="1"/>
-            <a:endParaRPr lang="en-US" sz="2100" b="1" dirty="0" smtClean="0">
-              <a:latin typeface="Arial" pitchFamily="34" charset="0"/>
-              <a:cs typeface="Arial" pitchFamily="34" charset="0"/>
-            </a:endParaRPr>
-          </a:p>
-        </p:txBody>
-      </p:sp>
-      <p:sp>
-        <p:nvSpPr>
-          <p:cNvPr id="7172" name="Slide Number Placeholder 2"/>
-          <p:cNvSpPr>
-            <a:spLocks noGrp="1"/>
-          </p:cNvSpPr>
-          <p:nvPr>
-            <p:ph type="sldNum" sz="quarter" idx="10"/>
-          </p:nvPr>
-        </p:nvSpPr>
-        <p:spPr bwMode="auto">
-          <a:noFill/>
-          <a:ln>
-            <a:miter lim="800000"/>
-            <a:headEnd/>
-            <a:tailEnd/>
-          </a:ln>
-        </p:spPr>
-        <p:txBody>
-          <a:bodyPr vert="horz" wrap="square" lIns="91440" tIns="45720" rIns="91440" bIns="45720" numCol="1" anchor="t" anchorCtr="0" compatLnSpc="1">
-            <a:prstTxWarp prst="textNoShape">
-              <a:avLst/>
-            </a:prstTxWarp>
-          </a:bodyPr>
-          <a:lstStyle/>
-          <a:p>
-            <a:pPr fontAlgn="base">
-              <a:spcBef>
-                <a:spcPct val="0"/>
-              </a:spcBef>
-              <a:spcAft>
-                <a:spcPct val="0"/>
-              </a:spcAft>
-            </a:pPr>
-            <a:fld id="{FEB3FF15-7694-4C79-A17C-C5F32E1F8115}" type="slidenum">
-              <a:rPr lang="en-US" smtClean="0"/>
-              <a:pPr fontAlgn="base">
-                <a:spcBef>
-                  <a:spcPct val="0"/>
-                </a:spcBef>
-                <a:spcAft>
-                  <a:spcPct val="0"/>
-                </a:spcAft>
-              </a:pPr>
-              <a:t>6</a:t>
-            </a:fld>
-            <a:endParaRPr lang="en-US" smtClean="0"/>
-          </a:p>
-        </p:txBody>
-      </p:sp>
     </p:spTree>
   </p:cSld>
   <p:clrMapOvr>
@@ -25181,150 +24081,6 @@
       </p:grpSpPr>
       <p:sp>
         <p:nvSpPr>
-          <p:cNvPr id="7170" name="Title 1"/>
-          <p:cNvSpPr>
-            <a:spLocks noGrp="1"/>
-          </p:cNvSpPr>
-          <p:nvPr>
-            <p:ph type="title"/>
-          </p:nvPr>
-        </p:nvSpPr>
-        <p:spPr>
-          <a:xfrm>
-            <a:off x="0" y="0"/>
-            <a:ext cx="9144000" cy="1295400"/>
-          </a:xfrm>
-        </p:spPr>
-        <p:txBody>
-          <a:bodyPr/>
-          <a:lstStyle/>
-          <a:p>
-            <a:pPr algn="ctr" eaLnBrk="1" hangingPunct="1"/>
-            <a:r>
-              <a:rPr lang="ro-RO" dirty="0" smtClean="0">
-                <a:latin typeface="Arial" pitchFamily="34" charset="0"/>
-                <a:cs typeface="Arial" pitchFamily="34" charset="0"/>
-              </a:rPr>
-              <a:t/>
-            </a:r>
-            <a:br>
-              <a:rPr lang="ro-RO" dirty="0" smtClean="0">
-                <a:latin typeface="Arial" pitchFamily="34" charset="0"/>
-                <a:cs typeface="Arial" pitchFamily="34" charset="0"/>
-              </a:rPr>
-            </a:br>
-            <a:r>
-              <a:rPr lang="ro-RO" sz="3100" dirty="0" smtClean="0">
-                <a:latin typeface="Arial" pitchFamily="34" charset="0"/>
-                <a:cs typeface="Arial" pitchFamily="34" charset="0"/>
-              </a:rPr>
-              <a:t>Modelul Hibrid Inspirat din Comportamentul Cucilor</a:t>
-            </a:r>
-            <a:r>
-              <a:rPr lang="en-US" sz="3100" dirty="0" smtClean="0">
-                <a:latin typeface="Arial" pitchFamily="34" charset="0"/>
-                <a:cs typeface="Arial" pitchFamily="34" charset="0"/>
-              </a:rPr>
-              <a:t/>
-            </a:r>
-            <a:br>
-              <a:rPr lang="en-US" sz="3100" dirty="0" smtClean="0">
-                <a:latin typeface="Arial" pitchFamily="34" charset="0"/>
-                <a:cs typeface="Arial" pitchFamily="34" charset="0"/>
-              </a:rPr>
-            </a:br>
-            <a:r>
-              <a:rPr lang="en-US" sz="2600" dirty="0" err="1" smtClean="0">
-                <a:latin typeface="Arial" pitchFamily="34" charset="0"/>
-                <a:cs typeface="Arial" pitchFamily="34" charset="0"/>
-              </a:rPr>
-              <a:t>Componenta</a:t>
-            </a:r>
-            <a:r>
-              <a:rPr lang="en-US" sz="2600" dirty="0" smtClean="0">
-                <a:latin typeface="Arial" pitchFamily="34" charset="0"/>
-                <a:cs typeface="Arial" pitchFamily="34" charset="0"/>
-              </a:rPr>
-              <a:t> </a:t>
-            </a:r>
-            <a:r>
-              <a:rPr lang="en-US" sz="2600" dirty="0" err="1" smtClean="0">
-                <a:latin typeface="Arial" pitchFamily="34" charset="0"/>
-                <a:cs typeface="Arial" pitchFamily="34" charset="0"/>
-              </a:rPr>
-              <a:t>inspirata</a:t>
-            </a:r>
-            <a:r>
-              <a:rPr lang="en-US" sz="2600" dirty="0" smtClean="0">
-                <a:latin typeface="Arial" pitchFamily="34" charset="0"/>
-                <a:cs typeface="Arial" pitchFamily="34" charset="0"/>
-              </a:rPr>
-              <a:t> din </a:t>
-            </a:r>
-            <a:r>
-              <a:rPr lang="en-US" sz="2600" dirty="0" err="1" smtClean="0">
-                <a:latin typeface="Arial" pitchFamily="34" charset="0"/>
-                <a:cs typeface="Arial" pitchFamily="34" charset="0"/>
-              </a:rPr>
-              <a:t>comportamentul</a:t>
-            </a:r>
-            <a:r>
-              <a:rPr lang="en-US" sz="2600" dirty="0" smtClean="0">
-                <a:latin typeface="Arial" pitchFamily="34" charset="0"/>
-                <a:cs typeface="Arial" pitchFamily="34" charset="0"/>
-              </a:rPr>
-              <a:t> de </a:t>
-            </a:r>
-            <a:r>
-              <a:rPr lang="en-US" sz="2600" dirty="0" err="1" smtClean="0">
-                <a:latin typeface="Arial" pitchFamily="34" charset="0"/>
-                <a:cs typeface="Arial" pitchFamily="34" charset="0"/>
-              </a:rPr>
-              <a:t>reproducere</a:t>
-            </a:r>
-            <a:r>
-              <a:rPr lang="en-US" sz="2600" dirty="0" smtClean="0">
-                <a:latin typeface="Arial" pitchFamily="34" charset="0"/>
-                <a:cs typeface="Arial" pitchFamily="34" charset="0"/>
-              </a:rPr>
-              <a:t> al </a:t>
-            </a:r>
-            <a:r>
-              <a:rPr lang="en-US" sz="2600" dirty="0" err="1" smtClean="0">
-                <a:latin typeface="Arial" pitchFamily="34" charset="0"/>
-                <a:cs typeface="Arial" pitchFamily="34" charset="0"/>
-              </a:rPr>
-              <a:t>cucilor</a:t>
-            </a:r>
-            <a:r>
-              <a:rPr lang="en-US" sz="2600" dirty="0" smtClean="0">
-                <a:latin typeface="Arial" pitchFamily="34" charset="0"/>
-                <a:cs typeface="Arial" pitchFamily="34" charset="0"/>
-              </a:rPr>
-              <a:t> (I)</a:t>
-            </a:r>
-            <a:r>
-              <a:rPr lang="ro-RO" dirty="0" smtClean="0">
-                <a:latin typeface="Arial" pitchFamily="34" charset="0"/>
-                <a:cs typeface="Arial" pitchFamily="34" charset="0"/>
-              </a:rPr>
-              <a:t/>
-            </a:r>
-            <a:br>
-              <a:rPr lang="ro-RO" dirty="0" smtClean="0">
-                <a:latin typeface="Arial" pitchFamily="34" charset="0"/>
-                <a:cs typeface="Arial" pitchFamily="34" charset="0"/>
-              </a:rPr>
-            </a:br>
-            <a:endParaRPr lang="en-US" dirty="0" smtClean="0">
-              <a:latin typeface="Arial" pitchFamily="34" charset="0"/>
-              <a:cs typeface="Arial" pitchFamily="34" charset="0"/>
-            </a:endParaRPr>
-          </a:p>
-        </p:txBody>
-      </p:sp>
-      <p:sp>
-        <p:nvSpPr>
           <p:cNvPr id="7171" name="Content Placeholder 3"/>
           <p:cNvSpPr>
             <a:spLocks noGrp="1"/>
@@ -25335,8 +24091,8 @@
         </p:nvSpPr>
         <p:spPr>
           <a:xfrm>
-            <a:off x="0" y="1524000"/>
-            <a:ext cx="9144000" cy="4572000"/>
+            <a:off x="0" y="1500174"/>
+            <a:ext cx="8610600" cy="4595826"/>
           </a:xfrm>
         </p:spPr>
         <p:txBody>
@@ -25344,60 +24100,40 @@
           <a:lstStyle/>
           <a:p>
             <a:r>
-              <a:rPr lang="ro-RO" sz="2300" dirty="0" smtClean="0"/>
-              <a:t>Motivatie</a:t>
-            </a:r>
-          </a:p>
-          <a:p>
-            <a:pPr lvl="1"/>
-            <a:r>
-              <a:rPr lang="ro-RO" sz="1900" dirty="0" smtClean="0"/>
-              <a:t>strategie de selectie care sa reduca spatiul de cautare explorat.</a:t>
-            </a:r>
-            <a:endParaRPr lang="en-US" sz="1900" dirty="0" smtClean="0"/>
-          </a:p>
-          <a:p>
-            <a:pPr lvl="1"/>
-            <a:endParaRPr lang="en-US" sz="2300" dirty="0" smtClean="0">
-              <a:latin typeface="Arial" pitchFamily="34" charset="0"/>
-              <a:cs typeface="Arial" pitchFamily="34" charset="0"/>
-            </a:endParaRPr>
-          </a:p>
-          <a:p>
-            <a:r>
-              <a:rPr lang="ro-RO" sz="2300" dirty="0" smtClean="0">
-                <a:latin typeface="Arial" pitchFamily="34" charset="0"/>
-                <a:cs typeface="Arial" pitchFamily="34" charset="0"/>
-              </a:rPr>
-              <a:t>Inspiratie biologica</a:t>
-            </a:r>
-          </a:p>
-          <a:p>
-            <a:endParaRPr lang="ro-RO" sz="2100" dirty="0" smtClean="0"/>
-          </a:p>
-          <a:p>
-            <a:endParaRPr lang="ro-RO" sz="2100" dirty="0" smtClean="0"/>
-          </a:p>
-          <a:p>
-            <a:endParaRPr lang="ro-RO" sz="2100" dirty="0" smtClean="0"/>
-          </a:p>
-          <a:p>
-            <a:endParaRPr lang="ro-RO" sz="2100" dirty="0" smtClean="0"/>
-          </a:p>
-          <a:p>
-            <a:endParaRPr lang="ro-RO" sz="2100" dirty="0" smtClean="0"/>
-          </a:p>
-          <a:p>
-            <a:endParaRPr lang="en-US" sz="2300" dirty="0" smtClean="0">
-              <a:latin typeface="Arial" pitchFamily="34" charset="0"/>
-              <a:cs typeface="Arial" pitchFamily="34" charset="0"/>
-            </a:endParaRPr>
-          </a:p>
-          <a:p>
-            <a:endParaRPr lang="en-US" sz="2300" dirty="0"/>
-          </a:p>
-          <a:p>
-            <a:endParaRPr lang="ro-RO" sz="1800" dirty="0" smtClean="0"/>
+              <a:rPr lang="en-US" sz="2300" b="1" dirty="0" smtClean="0"/>
+              <a:t>Problem Definition</a:t>
+            </a:r>
+          </a:p>
+          <a:p>
+            <a:pPr marL="593725" lvl="2" indent="-319088">
+              <a:spcBef>
+                <a:spcPts val="700"/>
+              </a:spcBef>
+              <a:buSzPct val="60000"/>
+            </a:pPr>
+            <a:endParaRPr lang="en-US" sz="1800" i="1" dirty="0" smtClean="0"/>
+          </a:p>
+          <a:p>
+            <a:pPr marL="593725" lvl="2" indent="-319088" algn="just">
+              <a:spcBef>
+                <a:spcPts val="700"/>
+              </a:spcBef>
+              <a:buSzPct val="60000"/>
+            </a:pPr>
+            <a:r>
+              <a:rPr lang="en-US" sz="1800" i="1" dirty="0" smtClean="0"/>
+              <a:t>“</a:t>
+            </a:r>
+            <a:r>
+              <a:rPr lang="en-US" sz="1900" i="1" dirty="0"/>
+              <a:t>Given a repository of food packages (i.e. set of food items corresponding to breakfast, lunch, dinner or snack) provided by several food providers, find the optimal combination of food packages for each of the meals of a day such that they meet an older adult’s profile (containing information about its preferred food and allergies), price and delivery time constraints, and recommended diet”.</a:t>
+            </a:r>
+          </a:p>
+          <a:p>
+            <a:pPr marL="0" indent="0">
+              <a:buNone/>
+            </a:pPr>
+            <a:endParaRPr lang="ro-RO" sz="1900" b="1" dirty="0" smtClean="0"/>
           </a:p>
           <a:p>
             <a:pPr lvl="1">
@@ -25464,39 +24200,80 @@
           </a:p>
         </p:txBody>
       </p:sp>
-      <p:pic>
-        <p:nvPicPr>
-          <p:cNvPr id="159748" name="Picture 4"/>
-          <p:cNvPicPr>
-            <a:picLocks noChangeAspect="1" noChangeArrowheads="1"/>
-          </p:cNvPicPr>
-          <p:nvPr/>
-        </p:nvPicPr>
-        <p:blipFill>
-          <a:blip r:embed="rId3"/>
-          <a:srcRect/>
-          <a:stretch>
-            <a:fillRect/>
-          </a:stretch>
-        </p:blipFill>
-        <p:spPr bwMode="auto">
+      <p:sp>
+        <p:nvSpPr>
+          <p:cNvPr id="8" name="Title 1"/>
+          <p:cNvSpPr>
+            <a:spLocks noGrp="1"/>
+          </p:cNvSpPr>
+          <p:nvPr>
+            <p:ph type="title"/>
+          </p:nvPr>
+        </p:nvSpPr>
+        <p:spPr>
           <a:xfrm>
-            <a:off x="6698" y="3512349"/>
-            <a:ext cx="9137334" cy="2202667"/>
+            <a:off x="0" y="0"/>
+            <a:ext cx="9144000" cy="1295400"/>
           </a:xfrm>
-          <a:prstGeom prst="rect">
-            <a:avLst/>
-          </a:prstGeom>
-          <a:noFill/>
-          <a:ln w="9525">
-            <a:noFill/>
-            <a:miter lim="800000"/>
-            <a:headEnd/>
-            <a:tailEnd/>
-          </a:ln>
-          <a:effectLst/>
         </p:spPr>
-      </p:pic>
+        <p:txBody>
+          <a:bodyPr/>
+          <a:lstStyle/>
+          <a:p>
+            <a:pPr lvl="1" algn="ctr" eaLnBrk="1" hangingPunct="1"/>
+            <a:r>
+              <a:rPr lang="ro-RO" dirty="0" smtClean="0">
+                <a:latin typeface="Arial" pitchFamily="34" charset="0"/>
+                <a:cs typeface="Arial" pitchFamily="34" charset="0"/>
+              </a:rPr>
+              <a:t/>
+            </a:r>
+            <a:br>
+              <a:rPr lang="ro-RO" dirty="0" smtClean="0">
+                <a:latin typeface="Arial" pitchFamily="34" charset="0"/>
+                <a:cs typeface="Arial" pitchFamily="34" charset="0"/>
+              </a:rPr>
+            </a:br>
+            <a:r>
+              <a:rPr lang="en-US" sz="3000" dirty="0" smtClean="0">
+                <a:latin typeface="Arial" pitchFamily="34" charset="0"/>
+                <a:cs typeface="Arial" pitchFamily="34" charset="0"/>
+              </a:rPr>
+              <a:t>Proposed Solution</a:t>
+            </a:r>
+            <a:br>
+              <a:rPr lang="en-US" sz="3000" dirty="0" smtClean="0">
+                <a:latin typeface="Arial" pitchFamily="34" charset="0"/>
+                <a:cs typeface="Arial" pitchFamily="34" charset="0"/>
+              </a:rPr>
+            </a:br>
+            <a:r>
+              <a:rPr lang="en-US" sz="2000" dirty="0" smtClean="0">
+                <a:latin typeface="Arial" pitchFamily="34" charset="0"/>
+                <a:cs typeface="Arial" pitchFamily="34" charset="0"/>
+              </a:rPr>
+              <a:t>Problem Definition</a:t>
+            </a:r>
+            <a:r>
+              <a:rPr lang="ro-RO" sz="1900" dirty="0">
+                <a:latin typeface="Arial" pitchFamily="34" charset="0"/>
+                <a:cs typeface="Arial" pitchFamily="34" charset="0"/>
+              </a:rPr>
+              <a:t/>
+            </a:r>
+            <a:br>
+              <a:rPr lang="ro-RO" sz="1900" dirty="0">
+                <a:latin typeface="Arial" pitchFamily="34" charset="0"/>
+                <a:cs typeface="Arial" pitchFamily="34" charset="0"/>
+              </a:rPr>
+            </a:br>
+            <a:endParaRPr lang="en-US" dirty="0" smtClean="0">
+              <a:latin typeface="Arial" pitchFamily="34" charset="0"/>
+              <a:cs typeface="Arial" pitchFamily="34" charset="0"/>
+            </a:endParaRPr>
+          </a:p>
+        </p:txBody>
+      </p:sp>
     </p:spTree>
   </p:cSld>
   <p:clrMapOvr>
@@ -25531,157 +24308,6 @@
       </p:grpSpPr>
       <p:sp>
         <p:nvSpPr>
-          <p:cNvPr id="7170" name="Title 1"/>
-          <p:cNvSpPr>
-            <a:spLocks noGrp="1"/>
-          </p:cNvSpPr>
-          <p:nvPr>
-            <p:ph type="title"/>
-          </p:nvPr>
-        </p:nvSpPr>
-        <p:spPr>
-          <a:xfrm>
-            <a:off x="0" y="0"/>
-            <a:ext cx="9144000" cy="1295400"/>
-          </a:xfrm>
-        </p:spPr>
-        <p:txBody>
-          <a:bodyPr/>
-          <a:lstStyle/>
-          <a:p>
-            <a:pPr algn="ctr" eaLnBrk="1" hangingPunct="1"/>
-            <a:r>
-              <a:rPr lang="ro-RO" dirty="0" smtClean="0">
-                <a:latin typeface="Arial" pitchFamily="34" charset="0"/>
-                <a:cs typeface="Arial" pitchFamily="34" charset="0"/>
-              </a:rPr>
-              <a:t/>
-            </a:r>
-            <a:br>
-              <a:rPr lang="ro-RO" dirty="0" smtClean="0">
-                <a:latin typeface="Arial" pitchFamily="34" charset="0"/>
-                <a:cs typeface="Arial" pitchFamily="34" charset="0"/>
-              </a:rPr>
-            </a:br>
-            <a:r>
-              <a:rPr lang="ro-RO" sz="3100" dirty="0" smtClean="0">
-                <a:latin typeface="Arial" pitchFamily="34" charset="0"/>
-                <a:cs typeface="Arial" pitchFamily="34" charset="0"/>
-              </a:rPr>
-              <a:t>Modelul Hibrid Inspirat din Comportamentul Cucilor</a:t>
-            </a:r>
-            <a:r>
-              <a:rPr lang="en-US" sz="3100" dirty="0" smtClean="0">
-                <a:latin typeface="Arial" pitchFamily="34" charset="0"/>
-                <a:cs typeface="Arial" pitchFamily="34" charset="0"/>
-              </a:rPr>
-              <a:t/>
-            </a:r>
-            <a:br>
-              <a:rPr lang="en-US" sz="3100" dirty="0" smtClean="0">
-                <a:latin typeface="Arial" pitchFamily="34" charset="0"/>
-                <a:cs typeface="Arial" pitchFamily="34" charset="0"/>
-              </a:rPr>
-            </a:br>
-            <a:r>
-              <a:rPr lang="en-US" sz="2600" dirty="0" err="1" smtClean="0">
-                <a:latin typeface="Arial" pitchFamily="34" charset="0"/>
-                <a:cs typeface="Arial" pitchFamily="34" charset="0"/>
-              </a:rPr>
-              <a:t>Componenta</a:t>
-            </a:r>
-            <a:r>
-              <a:rPr lang="en-US" sz="2600" dirty="0" smtClean="0">
-                <a:latin typeface="Arial" pitchFamily="34" charset="0"/>
-                <a:cs typeface="Arial" pitchFamily="34" charset="0"/>
-              </a:rPr>
-              <a:t> </a:t>
-            </a:r>
-            <a:r>
-              <a:rPr lang="en-US" sz="2600" dirty="0" err="1" smtClean="0">
-                <a:latin typeface="Arial" pitchFamily="34" charset="0"/>
-                <a:cs typeface="Arial" pitchFamily="34" charset="0"/>
-              </a:rPr>
-              <a:t>inspirata</a:t>
-            </a:r>
-            <a:r>
-              <a:rPr lang="en-US" sz="2600" dirty="0" smtClean="0">
-                <a:latin typeface="Arial" pitchFamily="34" charset="0"/>
-                <a:cs typeface="Arial" pitchFamily="34" charset="0"/>
-              </a:rPr>
-              <a:t> din </a:t>
-            </a:r>
-            <a:r>
-              <a:rPr lang="en-US" sz="2600" dirty="0" err="1" smtClean="0">
-                <a:latin typeface="Arial" pitchFamily="34" charset="0"/>
-                <a:cs typeface="Arial" pitchFamily="34" charset="0"/>
-              </a:rPr>
-              <a:t>comportamentul</a:t>
-            </a:r>
-            <a:r>
-              <a:rPr lang="en-US" sz="2600" dirty="0" smtClean="0">
-                <a:latin typeface="Arial" pitchFamily="34" charset="0"/>
-                <a:cs typeface="Arial" pitchFamily="34" charset="0"/>
-              </a:rPr>
-              <a:t> de </a:t>
-            </a:r>
-            <a:r>
-              <a:rPr lang="en-US" sz="2600" dirty="0" err="1" smtClean="0">
-                <a:latin typeface="Arial" pitchFamily="34" charset="0"/>
-                <a:cs typeface="Arial" pitchFamily="34" charset="0"/>
-              </a:rPr>
-              <a:t>reproducere</a:t>
-            </a:r>
-            <a:r>
-              <a:rPr lang="en-US" sz="2600" dirty="0" smtClean="0">
-                <a:latin typeface="Arial" pitchFamily="34" charset="0"/>
-                <a:cs typeface="Arial" pitchFamily="34" charset="0"/>
-              </a:rPr>
-              <a:t> al </a:t>
-            </a:r>
-            <a:r>
-              <a:rPr lang="en-US" sz="2600" dirty="0" err="1" smtClean="0">
-                <a:latin typeface="Arial" pitchFamily="34" charset="0"/>
-                <a:cs typeface="Arial" pitchFamily="34" charset="0"/>
-              </a:rPr>
-              <a:t>cucilor</a:t>
-            </a:r>
-            <a:r>
-              <a:rPr lang="en-US" sz="2600" dirty="0" smtClean="0">
-                <a:latin typeface="Arial" pitchFamily="34" charset="0"/>
-                <a:cs typeface="Arial" pitchFamily="34" charset="0"/>
-              </a:rPr>
-              <a:t> (II)</a:t>
-            </a:r>
-            <a:r>
-              <a:rPr lang="ro-RO" sz="2600" dirty="0" smtClean="0">
-                <a:latin typeface="Arial" pitchFamily="34" charset="0"/>
-                <a:cs typeface="Arial" pitchFamily="34" charset="0"/>
-              </a:rPr>
-              <a:t> </a:t>
-            </a:r>
-            <a:r>
-              <a:rPr lang="ro-RO" dirty="0" smtClean="0">
-                <a:latin typeface="Arial" pitchFamily="34" charset="0"/>
-                <a:cs typeface="Arial" pitchFamily="34" charset="0"/>
-              </a:rPr>
-              <a:t/>
-            </a:r>
-            <a:br>
-              <a:rPr lang="ro-RO" dirty="0" smtClean="0">
-                <a:latin typeface="Arial" pitchFamily="34" charset="0"/>
-                <a:cs typeface="Arial" pitchFamily="34" charset="0"/>
-              </a:rPr>
-            </a:br>
-            <a:endParaRPr lang="en-US" dirty="0" smtClean="0">
-              <a:latin typeface="Arial" pitchFamily="34" charset="0"/>
-              <a:cs typeface="Arial" pitchFamily="34" charset="0"/>
-            </a:endParaRPr>
-          </a:p>
-        </p:txBody>
-      </p:sp>
-      <p:sp>
-        <p:nvSpPr>
           <p:cNvPr id="7171" name="Content Placeholder 3"/>
           <p:cNvSpPr>
             <a:spLocks noGrp="1"/>
@@ -25692,33 +24318,170 @@
         </p:nvSpPr>
         <p:spPr>
           <a:xfrm>
-            <a:off x="612775" y="1600200"/>
-            <a:ext cx="8153400" cy="4495800"/>
+            <a:off x="0" y="1500174"/>
+            <a:ext cx="9144000" cy="4595826"/>
           </a:xfrm>
         </p:spPr>
         <p:txBody>
           <a:bodyPr/>
           <a:lstStyle/>
           <a:p>
-            <a:endParaRPr lang="ro-RO" sz="2100" dirty="0" smtClean="0"/>
-          </a:p>
-          <a:p>
-            <a:endParaRPr lang="ro-RO" sz="2100" dirty="0" smtClean="0"/>
-          </a:p>
-          <a:p>
-            <a:endParaRPr lang="ro-RO" sz="2100" dirty="0" smtClean="0"/>
-          </a:p>
-          <a:p>
-            <a:pPr>
+            <a:r>
+              <a:rPr lang="en-US" sz="1900" dirty="0"/>
+              <a:t>In this case, a solution of the optimization problem is formally represented as follows: </a:t>
+            </a:r>
+          </a:p>
+          <a:p>
+            <a:pPr lvl="1"/>
+            <a:endParaRPr lang="en-US" sz="1900" dirty="0"/>
+          </a:p>
+          <a:p>
+            <a:pPr lvl="2"/>
+            <a:endParaRPr lang="en-US" sz="1900" dirty="0" smtClean="0"/>
+          </a:p>
+          <a:p>
+            <a:pPr lvl="2"/>
+            <a:r>
+              <a:rPr lang="en-US" sz="1900" dirty="0" smtClean="0"/>
+              <a:t>where </a:t>
+            </a:r>
+            <a:r>
+              <a:rPr lang="en-US" sz="1900" i="1" dirty="0" err="1"/>
+              <a:t>fP</a:t>
+            </a:r>
+            <a:r>
+              <a:rPr lang="en-US" sz="1900" i="1" baseline="-25000" dirty="0" err="1"/>
+              <a:t>b</a:t>
+            </a:r>
+            <a:r>
+              <a:rPr lang="en-US" sz="1900" dirty="0"/>
+              <a:t>, </a:t>
+            </a:r>
+            <a:r>
+              <a:rPr lang="en-US" sz="1900" i="1" dirty="0"/>
+              <a:t>fP</a:t>
+            </a:r>
+            <a:r>
+              <a:rPr lang="en-US" sz="1900" i="1" baseline="-25000" dirty="0"/>
+              <a:t>s1</a:t>
+            </a:r>
+            <a:r>
+              <a:rPr lang="en-US" sz="1900" dirty="0"/>
+              <a:t>, </a:t>
+            </a:r>
+            <a:r>
+              <a:rPr lang="en-US" sz="1900" i="1" dirty="0" err="1"/>
+              <a:t>fP</a:t>
+            </a:r>
+            <a:r>
+              <a:rPr lang="en-US" sz="1900" i="1" baseline="-25000" dirty="0" err="1"/>
+              <a:t>l</a:t>
+            </a:r>
+            <a:r>
+              <a:rPr lang="en-US" sz="1900" dirty="0"/>
+              <a:t>, </a:t>
+            </a:r>
+            <a:r>
+              <a:rPr lang="en-US" sz="1900" i="1" dirty="0"/>
+              <a:t>fP</a:t>
+            </a:r>
+            <a:r>
+              <a:rPr lang="en-US" sz="1900" i="1" baseline="-25000" dirty="0"/>
+              <a:t>s2</a:t>
+            </a:r>
+            <a:r>
+              <a:rPr lang="en-US" sz="1900" dirty="0"/>
+              <a:t> and </a:t>
+            </a:r>
+            <a:r>
+              <a:rPr lang="en-US" sz="1900" i="1" dirty="0" err="1"/>
+              <a:t>fP</a:t>
+            </a:r>
+            <a:r>
+              <a:rPr lang="en-US" sz="1900" i="1" baseline="-25000" dirty="0" err="1"/>
+              <a:t>d</a:t>
+            </a:r>
+            <a:r>
+              <a:rPr lang="en-US" sz="1900" i="1" baseline="-25000" dirty="0"/>
+              <a:t> </a:t>
+            </a:r>
+            <a:r>
+              <a:rPr lang="en-US" sz="1900" dirty="0"/>
+              <a:t>are the food packages selected for breakfast, the first snack, lunch, the second snack, and dinner </a:t>
+            </a:r>
+            <a:r>
+              <a:rPr lang="en-US" sz="1900" dirty="0" smtClean="0"/>
+              <a:t>respectively</a:t>
+            </a:r>
+          </a:p>
+          <a:p>
+            <a:pPr eaLnBrk="1" hangingPunct="1"/>
+            <a:r>
+              <a:rPr lang="en-US" sz="1900" dirty="0" smtClean="0"/>
+              <a:t>A </a:t>
+            </a:r>
+            <a:r>
+              <a:rPr lang="en-US" sz="1900" dirty="0"/>
+              <a:t>food package is formally represented as</a:t>
+            </a:r>
+            <a:r>
+              <a:rPr lang="en-US" sz="1900" dirty="0" smtClean="0"/>
+              <a:t>:</a:t>
+            </a:r>
+          </a:p>
+          <a:p>
+            <a:pPr lvl="1" eaLnBrk="1" hangingPunct="1"/>
+            <a:endParaRPr lang="en-US" sz="1900" dirty="0"/>
+          </a:p>
+          <a:p>
+            <a:pPr marL="685800" lvl="2" indent="0" eaLnBrk="1" hangingPunct="1">
               <a:buNone/>
             </a:pPr>
-            <a:endParaRPr lang="ro-RO" sz="1800" dirty="0" smtClean="0"/>
-          </a:p>
-          <a:p>
-            <a:pPr lvl="1">
+            <a:endParaRPr lang="en-US" sz="1900" dirty="0"/>
+          </a:p>
+          <a:p>
+            <a:pPr lvl="2" eaLnBrk="1" hangingPunct="1"/>
+            <a:r>
+              <a:rPr lang="en-US" sz="1900" dirty="0" smtClean="0"/>
+              <a:t>where </a:t>
+            </a:r>
+            <a:r>
+              <a:rPr lang="en-US" sz="1900" i="1" dirty="0" err="1"/>
+              <a:t>fI</a:t>
+            </a:r>
+            <a:r>
+              <a:rPr lang="en-US" sz="1900" i="1" baseline="-25000" dirty="0" err="1"/>
+              <a:t>i</a:t>
+            </a:r>
+            <a:r>
+              <a:rPr lang="en-US" sz="1900" i="1" baseline="-25000" dirty="0"/>
+              <a:t> </a:t>
+            </a:r>
+            <a:r>
+              <a:rPr lang="en-US" sz="1900" dirty="0"/>
+              <a:t>is a food item (e.g. noodle soup) and </a:t>
+            </a:r>
+            <a:r>
+              <a:rPr lang="en-US" sz="1900" i="1" dirty="0"/>
+              <a:t>m </a:t>
+            </a:r>
+            <a:r>
+              <a:rPr lang="en-US" sz="1900" dirty="0"/>
+              <a:t>is the number of food items part of the food package, each food item being classified as either a starter, main course, or a dessert. Additionally, each food item has a recipe associated as well as a set of values corresponding to the nutrients that are being considered. </a:t>
+            </a:r>
+          </a:p>
+          <a:p>
+            <a:pPr marL="366713" lvl="1" indent="0" eaLnBrk="1" hangingPunct="1">
               <a:buNone/>
             </a:pPr>
-            <a:endParaRPr lang="vi-VN" sz="2100" dirty="0" smtClean="0"/>
+            <a:endParaRPr lang="en-US" sz="2100" b="1" dirty="0" smtClean="0">
+              <a:latin typeface="Arial" pitchFamily="34" charset="0"/>
+              <a:cs typeface="Arial" pitchFamily="34" charset="0"/>
+            </a:endParaRPr>
+          </a:p>
+          <a:p>
+            <a:pPr lvl="1" eaLnBrk="1" hangingPunct="1"/>
+            <a:endParaRPr lang="en-US" sz="2100" b="1" dirty="0"/>
           </a:p>
           <a:p>
             <a:pPr lvl="1" eaLnBrk="1" hangingPunct="1"/>
@@ -25779,735 +24542,184 @@
           </a:p>
         </p:txBody>
       </p:sp>
+      <p:sp>
+        <p:nvSpPr>
+          <p:cNvPr id="8" name="Title 1"/>
+          <p:cNvSpPr>
+            <a:spLocks noGrp="1"/>
+          </p:cNvSpPr>
+          <p:nvPr>
+            <p:ph type="title"/>
+          </p:nvPr>
+        </p:nvSpPr>
+        <p:spPr>
+          <a:xfrm>
+            <a:off x="0" y="0"/>
+            <a:ext cx="9144000" cy="1295400"/>
+          </a:xfrm>
+        </p:spPr>
+        <p:txBody>
+          <a:bodyPr/>
+          <a:lstStyle/>
+          <a:p>
+            <a:pPr lvl="1" algn="ctr" eaLnBrk="1" hangingPunct="1"/>
+            <a:r>
+              <a:rPr lang="ro-RO" dirty="0" smtClean="0">
+                <a:latin typeface="Arial" pitchFamily="34" charset="0"/>
+                <a:cs typeface="Arial" pitchFamily="34" charset="0"/>
+              </a:rPr>
+              <a:t/>
+            </a:r>
+            <a:br>
+              <a:rPr lang="ro-RO" dirty="0" smtClean="0">
+                <a:latin typeface="Arial" pitchFamily="34" charset="0"/>
+                <a:cs typeface="Arial" pitchFamily="34" charset="0"/>
+              </a:rPr>
+            </a:br>
+            <a:r>
+              <a:rPr lang="en-US" sz="3000" dirty="0" smtClean="0">
+                <a:latin typeface="Arial" pitchFamily="34" charset="0"/>
+                <a:cs typeface="Arial" pitchFamily="34" charset="0"/>
+              </a:rPr>
+              <a:t>Proposed Solution</a:t>
+            </a:r>
+            <a:br>
+              <a:rPr lang="en-US" sz="3000" dirty="0" smtClean="0">
+                <a:latin typeface="Arial" pitchFamily="34" charset="0"/>
+                <a:cs typeface="Arial" pitchFamily="34" charset="0"/>
+              </a:rPr>
+            </a:br>
+            <a:r>
+              <a:rPr lang="en-US" sz="2000" dirty="0" err="1" smtClean="0">
+                <a:latin typeface="Arial" pitchFamily="34" charset="0"/>
+                <a:cs typeface="Arial" pitchFamily="34" charset="0"/>
+              </a:rPr>
+              <a:t>Solution</a:t>
+            </a:r>
+            <a:r>
+              <a:rPr lang="en-US" sz="2000" dirty="0" smtClean="0">
+                <a:latin typeface="Arial" pitchFamily="34" charset="0"/>
+                <a:cs typeface="Arial" pitchFamily="34" charset="0"/>
+              </a:rPr>
+              <a:t> Representation</a:t>
+            </a:r>
+            <a:r>
+              <a:rPr lang="ro-RO" sz="1900" dirty="0">
+                <a:latin typeface="Arial" pitchFamily="34" charset="0"/>
+                <a:cs typeface="Arial" pitchFamily="34" charset="0"/>
+              </a:rPr>
+              <a:t/>
+            </a:r>
+            <a:br>
+              <a:rPr lang="ro-RO" sz="1900" dirty="0">
+                <a:latin typeface="Arial" pitchFamily="34" charset="0"/>
+                <a:cs typeface="Arial" pitchFamily="34" charset="0"/>
+              </a:rPr>
+            </a:br>
+            <a:endParaRPr lang="en-US" dirty="0" smtClean="0">
+              <a:latin typeface="Arial" pitchFamily="34" charset="0"/>
+              <a:cs typeface="Arial" pitchFamily="34" charset="0"/>
+            </a:endParaRPr>
+          </a:p>
+        </p:txBody>
+      </p:sp>
+      <p:pic>
+        <p:nvPicPr>
+          <p:cNvPr id="12" name="Picture 11"/>
+          <p:cNvPicPr>
+            <a:picLocks noChangeAspect="1"/>
+          </p:cNvPicPr>
+          <p:nvPr/>
+        </p:nvPicPr>
+        <p:blipFill>
+          <a:blip r:embed="rId4"/>
+          <a:stretch>
+            <a:fillRect/>
+          </a:stretch>
+        </p:blipFill>
+        <p:spPr>
+          <a:xfrm>
+            <a:off x="2555776" y="4149080"/>
+            <a:ext cx="2506657" cy="504056"/>
+          </a:xfrm>
+          <a:prstGeom prst="rect">
+            <a:avLst/>
+          </a:prstGeom>
+        </p:spPr>
+      </p:pic>
       <p:graphicFrame>
         <p:nvGraphicFramePr>
-          <p:cNvPr id="5" name="Table 4"/>
+          <p:cNvPr id="15" name="Object 14"/>
           <p:cNvGraphicFramePr>
-            <a:graphicFrameLocks noGrp="1"/>
+            <a:graphicFrameLocks noChangeAspect="1"/>
           </p:cNvGraphicFramePr>
           <p:nvPr>
             <p:extLst>
               <p:ext uri="{D42A27DB-BD31-4B8C-83A1-F6EECF244321}">
-                <p14:modId xmlns:p14="http://schemas.microsoft.com/office/powerpoint/2010/main" val="4011018198"/>
+                <p14:modId xmlns:p14="http://schemas.microsoft.com/office/powerpoint/2010/main" val="670283866"/>
               </p:ext>
             </p:extLst>
           </p:nvPr>
         </p:nvGraphicFramePr>
         <p:xfrm>
-          <a:off x="214282" y="2214554"/>
-          <a:ext cx="8715436" cy="3214710"/>
+          <a:off x="2555776" y="2237398"/>
+          <a:ext cx="3672407" cy="468818"/>
         </p:xfrm>
         <a:graphic>
-          <a:graphicData uri="http://schemas.openxmlformats.org/drawingml/2006/table">
-            <a:tbl>
-              <a:tblPr>
-                <a:tableStyleId>{793D81CF-94F2-401A-BA57-92F5A7B2D0C5}</a:tableStyleId>
-              </a:tblPr>
-              <a:tblGrid>
-                <a:gridCol w="3714776"/>
-                <a:gridCol w="5000660"/>
-              </a:tblGrid>
-              <a:tr h="634043">
-                <a:tc>
-                  <a:txBody>
-                    <a:bodyPr/>
-                    <a:lstStyle/>
-                    <a:p>
-                      <a:pPr marL="0" marR="0" indent="0" algn="l">
-                        <a:spcBef>
-                          <a:spcPts val="0"/>
-                        </a:spcBef>
-                        <a:spcAft>
-                          <a:spcPts val="0"/>
-                        </a:spcAft>
-                      </a:pPr>
-                      <a:r>
-                        <a:rPr lang="ro-RO" sz="1800" b="1" dirty="0" smtClean="0">
-                          <a:latin typeface="Arial" pitchFamily="34" charset="0"/>
-                          <a:cs typeface="Arial" pitchFamily="34" charset="0"/>
-                        </a:rPr>
-                        <a:t>Conceptele</a:t>
-                      </a:r>
-                      <a:r>
-                        <a:rPr lang="en-US" sz="1800" b="1" dirty="0" smtClean="0">
-                          <a:latin typeface="Arial" pitchFamily="34" charset="0"/>
-                          <a:cs typeface="Arial" pitchFamily="34" charset="0"/>
-                        </a:rPr>
-                        <a:t> din </a:t>
-                      </a:r>
-                      <a:r>
-                        <a:rPr lang="en-US" sz="1800" b="1" dirty="0" err="1" smtClean="0">
-                          <a:latin typeface="Arial" pitchFamily="34" charset="0"/>
-                          <a:cs typeface="Arial" pitchFamily="34" charset="0"/>
-                        </a:rPr>
-                        <a:t>domeniul</a:t>
-                      </a:r>
-                      <a:r>
-                        <a:rPr lang="ro-RO" sz="1800" b="1" dirty="0" smtClean="0">
-                          <a:latin typeface="Arial" pitchFamily="34" charset="0"/>
-                          <a:cs typeface="Arial" pitchFamily="34" charset="0"/>
-                        </a:rPr>
-                        <a:t> </a:t>
-                      </a:r>
-                      <a:r>
-                        <a:rPr lang="ro-RO" sz="1800" b="1" dirty="0">
-                          <a:latin typeface="Arial" pitchFamily="34" charset="0"/>
-                          <a:cs typeface="Arial" pitchFamily="34" charset="0"/>
-                        </a:rPr>
-                        <a:t>reproducerii cucilor</a:t>
-                      </a:r>
-                      <a:endParaRPr lang="en-US" sz="1800" b="1" dirty="0">
-                        <a:latin typeface="Arial" pitchFamily="34" charset="0"/>
-                        <a:ea typeface="Calibri"/>
-                        <a:cs typeface="Arial" pitchFamily="34" charset="0"/>
-                      </a:endParaRPr>
-                    </a:p>
-                  </a:txBody>
-                  <a:tcPr marL="68580" marR="68580" marT="0" marB="0" anchor="ctr">
-                    <a:lnL w="28575" cap="flat" cmpd="sng" algn="ctr">
+          <a:graphicData uri="http://schemas.openxmlformats.org/presentationml/2006/ole">
+            <mc:AlternateContent xmlns:mc="http://schemas.openxmlformats.org/markup-compatibility/2006">
+              <mc:Choice xmlns:v="urn:schemas-microsoft-com:vml" Requires="v">
+                <p:oleObj spid="_x0000_s208908" name="Equation" r:id="rId5" imgW="1790700" imgH="228600" progId="Equation.3">
+                  <p:embed/>
+                </p:oleObj>
+              </mc:Choice>
+              <mc:Fallback>
+                <p:oleObj name="Equation" r:id="rId5" imgW="1790700" imgH="228600" progId="Equation.3">
+                  <p:embed/>
+                  <p:pic>
+                    <p:nvPicPr>
+                      <p:cNvPr id="0" name=""/>
+                      <p:cNvPicPr>
+                        <a:picLocks noChangeAspect="1" noChangeArrowheads="1"/>
+                      </p:cNvPicPr>
+                      <p:nvPr/>
+                    </p:nvPicPr>
+                    <p:blipFill>
+                      <a:blip r:embed="rId6">
+                        <a:extLst>
+                          <a:ext uri="{28A0092B-C50C-407E-A947-70E740481C1C}">
+                            <a14:useLocalDpi xmlns:a14="http://schemas.microsoft.com/office/drawing/2010/main" val="0"/>
+                          </a:ext>
+                        </a:extLst>
+                      </a:blip>
+                      <a:srcRect/>
+                      <a:stretch>
+                        <a:fillRect/>
+                      </a:stretch>
+                    </p:blipFill>
+                    <p:spPr bwMode="auto">
+                      <a:xfrm>
+                        <a:off x="2555776" y="2237398"/>
+                        <a:ext cx="3672407" cy="468818"/>
+                      </a:xfrm>
+                      <a:prstGeom prst="rect">
+                        <a:avLst/>
+                      </a:prstGeom>
                       <a:noFill/>
-                      <a:prstDash val="solid"/>
-                      <a:round/>
-                      <a:headEnd type="none" w="med" len="med"/>
-                      <a:tailEnd type="none" w="med" len="med"/>
-                    </a:lnL>
-                    <a:lnT w="28575" cap="flat" cmpd="sng" algn="ctr">
-                      <a:solidFill>
-                        <a:schemeClr val="tx1"/>
-                      </a:solidFill>
-                      <a:prstDash val="solid"/>
-                      <a:round/>
-                      <a:headEnd type="none" w="med" len="med"/>
-                      <a:tailEnd type="none" w="med" len="med"/>
-                    </a:lnT>
-                    <a:lnB w="28575" cap="flat" cmpd="sng" algn="ctr">
-                      <a:solidFill>
-                        <a:schemeClr val="tx1"/>
-                      </a:solidFill>
-                      <a:prstDash val="solid"/>
-                      <a:round/>
-                      <a:headEnd type="none" w="med" len="med"/>
-                      <a:tailEnd type="none" w="med" len="med"/>
-                    </a:lnB>
-                  </a:tcPr>
-                </a:tc>
-                <a:tc>
-                  <a:txBody>
-                    <a:bodyPr/>
-                    <a:lstStyle/>
-                    <a:p>
-                      <a:pPr marL="0" marR="0" indent="0" algn="l">
-                        <a:spcBef>
-                          <a:spcPts val="0"/>
-                        </a:spcBef>
-                        <a:spcAft>
-                          <a:spcPts val="0"/>
-                        </a:spcAft>
-                      </a:pPr>
-                      <a:r>
-                        <a:rPr lang="ro-RO" sz="1800" b="1" dirty="0">
-                          <a:latin typeface="Arial" pitchFamily="34" charset="0"/>
-                          <a:cs typeface="Arial" pitchFamily="34" charset="0"/>
-                        </a:rPr>
-                        <a:t>Conceptele </a:t>
-                      </a:r>
-                      <a:r>
-                        <a:rPr lang="en-US" sz="1800" b="1" dirty="0" smtClean="0">
-                          <a:latin typeface="Arial" pitchFamily="34" charset="0"/>
-                          <a:cs typeface="Arial" pitchFamily="34" charset="0"/>
-                        </a:rPr>
-                        <a:t>din </a:t>
-                      </a:r>
-                      <a:r>
-                        <a:rPr lang="en-US" sz="1800" b="1" dirty="0" err="1" smtClean="0">
-                          <a:latin typeface="Arial" pitchFamily="34" charset="0"/>
-                          <a:cs typeface="Arial" pitchFamily="34" charset="0"/>
-                        </a:rPr>
-                        <a:t>domeniul</a:t>
-                      </a:r>
-                      <a:r>
-                        <a:rPr lang="en-US" sz="1800" b="1" baseline="0" dirty="0" smtClean="0">
-                          <a:latin typeface="Arial" pitchFamily="34" charset="0"/>
-                          <a:cs typeface="Arial" pitchFamily="34" charset="0"/>
-                        </a:rPr>
-                        <a:t> </a:t>
-                      </a:r>
-                      <a:r>
-                        <a:rPr lang="en-US" sz="1800" b="1" baseline="0" dirty="0" err="1" smtClean="0">
-                          <a:latin typeface="Arial" pitchFamily="34" charset="0"/>
-                          <a:cs typeface="Arial" pitchFamily="34" charset="0"/>
-                        </a:rPr>
-                        <a:t>generarii</a:t>
-                      </a:r>
-                      <a:r>
-                        <a:rPr lang="en-US" sz="1800" b="1" baseline="0" dirty="0" smtClean="0">
-                          <a:latin typeface="Arial" pitchFamily="34" charset="0"/>
-                          <a:cs typeface="Arial" pitchFamily="34" charset="0"/>
-                        </a:rPr>
-                        <a:t> de </a:t>
-                      </a:r>
-                      <a:r>
-                        <a:rPr lang="en-US" sz="1800" b="1" baseline="0" dirty="0" err="1" smtClean="0">
-                          <a:latin typeface="Arial" pitchFamily="34" charset="0"/>
-                          <a:cs typeface="Arial" pitchFamily="34" charset="0"/>
-                        </a:rPr>
-                        <a:t>meniuri</a:t>
-                      </a:r>
-                      <a:r>
-                        <a:rPr lang="en-US" sz="1800" b="1" baseline="0" dirty="0" smtClean="0">
-                          <a:latin typeface="Arial" pitchFamily="34" charset="0"/>
-                          <a:cs typeface="Arial" pitchFamily="34" charset="0"/>
-                        </a:rPr>
-                        <a:t> </a:t>
-                      </a:r>
-                      <a:r>
-                        <a:rPr lang="en-US" sz="1800" b="1" baseline="0" dirty="0" err="1" smtClean="0">
-                          <a:latin typeface="Arial" pitchFamily="34" charset="0"/>
-                          <a:cs typeface="Arial" pitchFamily="34" charset="0"/>
-                        </a:rPr>
-                        <a:t>alimentare</a:t>
-                      </a:r>
-                      <a:r>
-                        <a:rPr lang="en-US" sz="1800" b="1" baseline="0" dirty="0" smtClean="0">
-                          <a:latin typeface="Arial" pitchFamily="34" charset="0"/>
-                          <a:cs typeface="Arial" pitchFamily="34" charset="0"/>
-                        </a:rPr>
-                        <a:t> </a:t>
-                      </a:r>
-                      <a:r>
-                        <a:rPr lang="en-US" sz="1800" b="1" baseline="0" dirty="0" err="1" smtClean="0">
-                          <a:latin typeface="Arial" pitchFamily="34" charset="0"/>
-                          <a:cs typeface="Arial" pitchFamily="34" charset="0"/>
-                        </a:rPr>
-                        <a:t>personalizate</a:t>
-                      </a:r>
-                      <a:endParaRPr lang="en-US" sz="1800" b="1" dirty="0">
-                        <a:latin typeface="Arial" pitchFamily="34" charset="0"/>
-                        <a:ea typeface="Calibri"/>
-                        <a:cs typeface="Arial" pitchFamily="34" charset="0"/>
-                      </a:endParaRPr>
-                    </a:p>
-                  </a:txBody>
-                  <a:tcPr marL="68580" marR="68580" marT="0" marB="0" anchor="ctr">
-                    <a:lnR w="28575" cap="flat" cmpd="sng" algn="ctr">
-                      <a:noFill/>
-                      <a:prstDash val="solid"/>
-                      <a:round/>
-                      <a:headEnd type="none" w="med" len="med"/>
-                      <a:tailEnd type="none" w="med" len="med"/>
-                    </a:lnR>
-                    <a:lnT w="28575" cap="flat" cmpd="sng" algn="ctr">
-                      <a:solidFill>
-                        <a:schemeClr val="tx1"/>
-                      </a:solidFill>
-                      <a:prstDash val="solid"/>
-                      <a:round/>
-                      <a:headEnd type="none" w="med" len="med"/>
-                      <a:tailEnd type="none" w="med" len="med"/>
-                    </a:lnT>
-                    <a:lnB w="28575" cap="flat" cmpd="sng" algn="ctr">
-                      <a:solidFill>
-                        <a:schemeClr val="tx1"/>
-                      </a:solidFill>
-                      <a:prstDash val="solid"/>
-                      <a:round/>
-                      <a:headEnd type="none" w="med" len="med"/>
-                      <a:tailEnd type="none" w="med" len="med"/>
-                    </a:lnB>
-                  </a:tcPr>
-                </a:tc>
-              </a:tr>
-              <a:tr h="486656">
-                <a:tc>
-                  <a:txBody>
-                    <a:bodyPr/>
-                    <a:lstStyle/>
-                    <a:p>
-                      <a:pPr marL="0" marR="0" indent="0" algn="l">
-                        <a:spcBef>
-                          <a:spcPts val="0"/>
-                        </a:spcBef>
-                        <a:spcAft>
-                          <a:spcPts val="0"/>
-                        </a:spcAft>
-                      </a:pPr>
-                      <a:r>
-                        <a:rPr lang="ro-RO" sz="1800" dirty="0">
-                          <a:latin typeface="Arial" pitchFamily="34" charset="0"/>
-                          <a:cs typeface="Arial" pitchFamily="34" charset="0"/>
-                        </a:rPr>
-                        <a:t>Ou de cuc</a:t>
-                      </a:r>
-                      <a:endParaRPr lang="en-US" sz="1800" dirty="0">
-                        <a:latin typeface="Arial" pitchFamily="34" charset="0"/>
-                        <a:ea typeface="Calibri"/>
-                        <a:cs typeface="Arial" pitchFamily="34" charset="0"/>
-                      </a:endParaRPr>
-                    </a:p>
-                  </a:txBody>
-                  <a:tcPr marL="68580" marR="68580" marT="0" marB="0" anchor="ctr">
-                    <a:lnL w="28575" cap="flat" cmpd="sng" algn="ctr">
-                      <a:noFill/>
-                      <a:prstDash val="solid"/>
-                      <a:round/>
-                      <a:headEnd type="none" w="med" len="med"/>
-                      <a:tailEnd type="none" w="med" len="med"/>
-                    </a:lnL>
-                    <a:lnT w="28575" cap="flat" cmpd="sng" algn="ctr">
-                      <a:solidFill>
-                        <a:schemeClr val="tx1"/>
-                      </a:solidFill>
-                      <a:prstDash val="solid"/>
-                      <a:round/>
-                      <a:headEnd type="none" w="med" len="med"/>
-                      <a:tailEnd type="none" w="med" len="med"/>
-                    </a:lnT>
-                  </a:tcPr>
-                </a:tc>
-                <a:tc>
-                  <a:txBody>
-                    <a:bodyPr/>
-                    <a:lstStyle/>
-                    <a:p>
-                      <a:pPr marL="0" marR="0" indent="0" algn="l">
-                        <a:spcBef>
-                          <a:spcPts val="0"/>
-                        </a:spcBef>
-                        <a:spcAft>
-                          <a:spcPts val="0"/>
-                        </a:spcAft>
-                      </a:pPr>
-                      <a:r>
-                        <a:rPr lang="ro-RO" sz="1800" dirty="0">
-                          <a:latin typeface="Arial" pitchFamily="34" charset="0"/>
-                          <a:cs typeface="Arial" pitchFamily="34" charset="0"/>
-                        </a:rPr>
-                        <a:t>Soluție compusă din oferte alimentare</a:t>
-                      </a:r>
-                      <a:endParaRPr lang="en-US" sz="1800" dirty="0">
-                        <a:latin typeface="Arial" pitchFamily="34" charset="0"/>
-                        <a:ea typeface="Calibri"/>
-                        <a:cs typeface="Arial" pitchFamily="34" charset="0"/>
-                      </a:endParaRPr>
-                    </a:p>
-                  </a:txBody>
-                  <a:tcPr marL="68580" marR="68580" marT="0" marB="0" anchor="ctr">
-                    <a:lnR w="28575" cap="flat" cmpd="sng" algn="ctr">
-                      <a:noFill/>
-                      <a:prstDash val="solid"/>
-                      <a:round/>
-                      <a:headEnd type="none" w="med" len="med"/>
-                      <a:tailEnd type="none" w="med" len="med"/>
-                    </a:lnR>
-                    <a:lnT w="28575" cap="flat" cmpd="sng" algn="ctr">
-                      <a:solidFill>
-                        <a:schemeClr val="tx1"/>
-                      </a:solidFill>
-                      <a:prstDash val="solid"/>
-                      <a:round/>
-                      <a:headEnd type="none" w="med" len="med"/>
-                      <a:tailEnd type="none" w="med" len="med"/>
-                    </a:lnT>
-                  </a:tcPr>
-                </a:tc>
-              </a:tr>
-              <a:tr h="486656">
-                <a:tc>
-                  <a:txBody>
-                    <a:bodyPr/>
-                    <a:lstStyle/>
-                    <a:p>
-                      <a:pPr marL="0" marR="0" indent="0" algn="l">
-                        <a:spcBef>
-                          <a:spcPts val="0"/>
-                        </a:spcBef>
-                        <a:spcAft>
-                          <a:spcPts val="0"/>
-                        </a:spcAft>
-                      </a:pPr>
-                      <a:r>
-                        <a:rPr lang="ro-RO" sz="1800" dirty="0">
-                          <a:latin typeface="Arial" pitchFamily="34" charset="0"/>
-                          <a:cs typeface="Arial" pitchFamily="34" charset="0"/>
-                        </a:rPr>
-                        <a:t>Ou din </a:t>
-                      </a:r>
-                      <a:r>
-                        <a:rPr lang="ro-RO" sz="1800" dirty="0" smtClean="0">
-                          <a:latin typeface="Arial" pitchFamily="34" charset="0"/>
-                          <a:cs typeface="Arial" pitchFamily="34" charset="0"/>
-                        </a:rPr>
-                        <a:t>cuib</a:t>
-                      </a:r>
-                      <a:r>
-                        <a:rPr lang="en-US" sz="1800" dirty="0" err="1" smtClean="0">
-                          <a:latin typeface="Arial" pitchFamily="34" charset="0"/>
-                          <a:cs typeface="Arial" pitchFamily="34" charset="0"/>
-                        </a:rPr>
-                        <a:t>ul</a:t>
-                      </a:r>
-                      <a:r>
-                        <a:rPr lang="en-US" sz="1800" dirty="0" smtClean="0">
-                          <a:latin typeface="Arial" pitchFamily="34" charset="0"/>
-                          <a:cs typeface="Arial" pitchFamily="34" charset="0"/>
-                        </a:rPr>
-                        <a:t> </a:t>
-                      </a:r>
-                      <a:r>
-                        <a:rPr lang="en-US" sz="1800" dirty="0" err="1" smtClean="0">
-                          <a:latin typeface="Arial" pitchFamily="34" charset="0"/>
-                          <a:cs typeface="Arial" pitchFamily="34" charset="0"/>
-                        </a:rPr>
-                        <a:t>gazda</a:t>
-                      </a:r>
-                      <a:endParaRPr lang="en-US" sz="1800" dirty="0">
-                        <a:latin typeface="Arial" pitchFamily="34" charset="0"/>
-                        <a:ea typeface="Calibri"/>
-                        <a:cs typeface="Arial" pitchFamily="34" charset="0"/>
-                      </a:endParaRPr>
-                    </a:p>
-                  </a:txBody>
-                  <a:tcPr marL="68580" marR="68580" marT="0" marB="0" anchor="ctr">
-                    <a:lnL w="28575" cap="flat" cmpd="sng" algn="ctr">
-                      <a:noFill/>
-                      <a:prstDash val="solid"/>
-                      <a:round/>
-                      <a:headEnd type="none" w="med" len="med"/>
-                      <a:tailEnd type="none" w="med" len="med"/>
-                    </a:lnL>
-                  </a:tcPr>
-                </a:tc>
-                <a:tc>
-                  <a:txBody>
-                    <a:bodyPr/>
-                    <a:lstStyle/>
-                    <a:p>
-                      <a:pPr marL="0" marR="0" indent="0" algn="l">
-                        <a:spcBef>
-                          <a:spcPts val="0"/>
-                        </a:spcBef>
-                        <a:spcAft>
-                          <a:spcPts val="0"/>
-                        </a:spcAft>
-                      </a:pPr>
-                      <a:r>
-                        <a:rPr lang="ro-RO" sz="1800" dirty="0">
-                          <a:latin typeface="Arial" pitchFamily="34" charset="0"/>
-                          <a:cs typeface="Arial" pitchFamily="34" charset="0"/>
-                        </a:rPr>
-                        <a:t>Soluție compusă din oferte alimentare</a:t>
-                      </a:r>
-                      <a:endParaRPr lang="en-US" sz="1800" dirty="0">
-                        <a:latin typeface="Arial" pitchFamily="34" charset="0"/>
-                        <a:ea typeface="Calibri"/>
-                        <a:cs typeface="Arial" pitchFamily="34" charset="0"/>
-                      </a:endParaRPr>
-                    </a:p>
-                  </a:txBody>
-                  <a:tcPr marL="68580" marR="68580" marT="0" marB="0" anchor="ctr">
-                    <a:lnR w="28575" cap="flat" cmpd="sng" algn="ctr">
-                      <a:noFill/>
-                      <a:prstDash val="solid"/>
-                      <a:round/>
-                      <a:headEnd type="none" w="med" len="med"/>
-                      <a:tailEnd type="none" w="med" len="med"/>
-                    </a:lnR>
-                  </a:tcPr>
-                </a:tc>
-              </a:tr>
-              <a:tr h="486656">
-                <a:tc>
-                  <a:txBody>
-                    <a:bodyPr/>
-                    <a:lstStyle/>
-                    <a:p>
-                      <a:pPr marL="0" marR="0" indent="0" algn="l">
-                        <a:spcBef>
-                          <a:spcPts val="0"/>
-                        </a:spcBef>
-                        <a:spcAft>
-                          <a:spcPts val="0"/>
-                        </a:spcAft>
-                      </a:pPr>
-                      <a:r>
-                        <a:rPr lang="en-US" sz="1800" dirty="0" err="1" smtClean="0">
-                          <a:latin typeface="Arial" pitchFamily="34" charset="0"/>
-                          <a:cs typeface="Arial" pitchFamily="34" charset="0"/>
-                        </a:rPr>
-                        <a:t>Evaluarea</a:t>
-                      </a:r>
-                      <a:r>
-                        <a:rPr lang="en-US" sz="1800" dirty="0" smtClean="0">
-                          <a:latin typeface="Arial" pitchFamily="34" charset="0"/>
-                          <a:cs typeface="Arial" pitchFamily="34" charset="0"/>
-                        </a:rPr>
-                        <a:t> </a:t>
-                      </a:r>
-                      <a:r>
-                        <a:rPr lang="en-US" sz="1800" dirty="0" err="1" smtClean="0">
-                          <a:latin typeface="Arial" pitchFamily="34" charset="0"/>
-                          <a:cs typeface="Arial" pitchFamily="34" charset="0"/>
-                        </a:rPr>
-                        <a:t>calitatii</a:t>
-                      </a:r>
-                      <a:r>
-                        <a:rPr lang="en-US" sz="1800" dirty="0" smtClean="0">
-                          <a:latin typeface="Arial" pitchFamily="34" charset="0"/>
-                          <a:cs typeface="Arial" pitchFamily="34" charset="0"/>
-                        </a:rPr>
-                        <a:t> </a:t>
-                      </a:r>
-                      <a:r>
-                        <a:rPr lang="ro-RO" sz="1800" dirty="0" smtClean="0">
-                          <a:latin typeface="Arial" pitchFamily="34" charset="0"/>
-                          <a:cs typeface="Arial" pitchFamily="34" charset="0"/>
-                        </a:rPr>
-                        <a:t>oului</a:t>
-                      </a:r>
-                      <a:endParaRPr lang="en-US" sz="1800" dirty="0">
-                        <a:latin typeface="Arial" pitchFamily="34" charset="0"/>
-                        <a:ea typeface="Calibri"/>
-                        <a:cs typeface="Arial" pitchFamily="34" charset="0"/>
-                      </a:endParaRPr>
-                    </a:p>
-                  </a:txBody>
-                  <a:tcPr marL="68580" marR="68580" marT="0" marB="0" anchor="ctr">
-                    <a:lnL w="28575" cap="flat" cmpd="sng" algn="ctr">
-                      <a:noFill/>
-                      <a:prstDash val="solid"/>
-                      <a:round/>
-                      <a:headEnd type="none" w="med" len="med"/>
-                      <a:tailEnd type="none" w="med" len="med"/>
-                    </a:lnL>
-                  </a:tcPr>
-                </a:tc>
-                <a:tc>
-                  <a:txBody>
-                    <a:bodyPr/>
-                    <a:lstStyle/>
-                    <a:p>
-                      <a:pPr marL="0" marR="0" indent="0" algn="l">
-                        <a:spcBef>
-                          <a:spcPts val="0"/>
-                        </a:spcBef>
-                        <a:spcAft>
-                          <a:spcPts val="0"/>
-                        </a:spcAft>
-                      </a:pPr>
-                      <a:r>
-                        <a:rPr lang="en-US" sz="1800" dirty="0" smtClean="0">
-                          <a:latin typeface="Arial" pitchFamily="34" charset="0"/>
-                          <a:cs typeface="Arial" pitchFamily="34" charset="0"/>
-                        </a:rPr>
-                        <a:t>F</a:t>
-                      </a:r>
-                      <a:r>
-                        <a:rPr lang="ro-RO" sz="1800" dirty="0" smtClean="0">
-                          <a:latin typeface="Arial" pitchFamily="34" charset="0"/>
-                          <a:cs typeface="Arial" pitchFamily="34" charset="0"/>
-                        </a:rPr>
-                        <a:t>uncția </a:t>
-                      </a:r>
-                      <a:r>
-                        <a:rPr lang="ro-RO" sz="1800" dirty="0">
-                          <a:latin typeface="Arial" pitchFamily="34" charset="0"/>
-                          <a:cs typeface="Arial" pitchFamily="34" charset="0"/>
-                        </a:rPr>
-                        <a:t>de fitness multi-criteriale</a:t>
-                      </a:r>
-                      <a:endParaRPr lang="en-US" sz="1800" dirty="0">
-                        <a:latin typeface="Arial" pitchFamily="34" charset="0"/>
-                        <a:ea typeface="Calibri"/>
-                        <a:cs typeface="Arial" pitchFamily="34" charset="0"/>
-                      </a:endParaRPr>
-                    </a:p>
-                  </a:txBody>
-                  <a:tcPr marL="68580" marR="68580" marT="0" marB="0" anchor="ctr">
-                    <a:lnR w="28575" cap="flat" cmpd="sng" algn="ctr">
-                      <a:noFill/>
-                      <a:prstDash val="solid"/>
-                      <a:round/>
-                      <a:headEnd type="none" w="med" len="med"/>
-                      <a:tailEnd type="none" w="med" len="med"/>
-                    </a:lnR>
-                  </a:tcPr>
-                </a:tc>
-              </a:tr>
-              <a:tr h="634043">
-                <a:tc>
-                  <a:txBody>
-                    <a:bodyPr/>
-                    <a:lstStyle/>
-                    <a:p>
-                      <a:pPr marL="0" marR="0" indent="0" algn="l">
-                        <a:spcBef>
-                          <a:spcPts val="0"/>
-                        </a:spcBef>
-                        <a:spcAft>
-                          <a:spcPts val="0"/>
-                        </a:spcAft>
-                      </a:pPr>
-                      <a:r>
-                        <a:rPr lang="ro-RO" sz="1800">
-                          <a:latin typeface="Arial" pitchFamily="34" charset="0"/>
-                          <a:cs typeface="Arial" pitchFamily="34" charset="0"/>
-                        </a:rPr>
-                        <a:t>Depunerea unui ou în cuib</a:t>
-                      </a:r>
-                      <a:endParaRPr lang="en-US" sz="1800">
-                        <a:latin typeface="Arial" pitchFamily="34" charset="0"/>
-                        <a:ea typeface="Calibri"/>
-                        <a:cs typeface="Arial" pitchFamily="34" charset="0"/>
-                      </a:endParaRPr>
-                    </a:p>
-                  </a:txBody>
-                  <a:tcPr marL="68580" marR="68580" marT="0" marB="0" anchor="ctr">
-                    <a:lnL w="28575" cap="flat" cmpd="sng" algn="ctr">
-                      <a:noFill/>
-                      <a:prstDash val="solid"/>
-                      <a:round/>
-                      <a:headEnd type="none" w="med" len="med"/>
-                      <a:tailEnd type="none" w="med" len="med"/>
-                    </a:lnL>
-                  </a:tcPr>
-                </a:tc>
-                <a:tc>
-                  <a:txBody>
-                    <a:bodyPr/>
-                    <a:lstStyle/>
-                    <a:p>
-                      <a:pPr marL="0" marR="0" indent="0" algn="l">
-                        <a:spcBef>
-                          <a:spcPts val="0"/>
-                        </a:spcBef>
-                        <a:spcAft>
-                          <a:spcPts val="0"/>
-                        </a:spcAft>
-                      </a:pPr>
-                      <a:r>
-                        <a:rPr lang="ro-RO" sz="1800" dirty="0">
-                          <a:latin typeface="Arial" pitchFamily="34" charset="0"/>
-                          <a:cs typeface="Arial" pitchFamily="34" charset="0"/>
-                        </a:rPr>
-                        <a:t>Înlocuirea soluției cuibului cu cea a cucului</a:t>
-                      </a:r>
-                      <a:endParaRPr lang="en-US" sz="1800" dirty="0">
-                        <a:latin typeface="Arial" pitchFamily="34" charset="0"/>
-                        <a:ea typeface="Calibri"/>
-                        <a:cs typeface="Arial" pitchFamily="34" charset="0"/>
-                      </a:endParaRPr>
-                    </a:p>
-                  </a:txBody>
-                  <a:tcPr marL="68580" marR="68580" marT="0" marB="0" anchor="ctr">
-                    <a:lnR w="28575" cap="flat" cmpd="sng" algn="ctr">
-                      <a:noFill/>
-                      <a:prstDash val="solid"/>
-                      <a:round/>
-                      <a:headEnd type="none" w="med" len="med"/>
-                      <a:tailEnd type="none" w="med" len="med"/>
-                    </a:lnR>
-                  </a:tcPr>
-                </a:tc>
-              </a:tr>
-              <a:tr h="486656">
-                <a:tc>
-                  <a:txBody>
-                    <a:bodyPr/>
-                    <a:lstStyle/>
-                    <a:p>
-                      <a:pPr marL="0" marR="0" indent="0" algn="l">
-                        <a:spcBef>
-                          <a:spcPts val="0"/>
-                        </a:spcBef>
-                        <a:spcAft>
-                          <a:spcPts val="0"/>
-                        </a:spcAft>
-                      </a:pPr>
-                      <a:r>
-                        <a:rPr lang="ro-RO" sz="1800" dirty="0">
-                          <a:latin typeface="Arial" pitchFamily="34" charset="0"/>
-                          <a:cs typeface="Arial" pitchFamily="34" charset="0"/>
-                        </a:rPr>
-                        <a:t>Construirea unui nou cuib</a:t>
-                      </a:r>
-                      <a:endParaRPr lang="en-US" sz="1800" dirty="0">
-                        <a:latin typeface="Arial" pitchFamily="34" charset="0"/>
-                        <a:ea typeface="Calibri"/>
-                        <a:cs typeface="Arial" pitchFamily="34" charset="0"/>
-                      </a:endParaRPr>
-                    </a:p>
-                  </a:txBody>
-                  <a:tcPr marL="68580" marR="68580" marT="0" marB="0" anchor="ctr">
-                    <a:lnL w="28575" cap="flat" cmpd="sng" algn="ctr">
-                      <a:noFill/>
-                      <a:prstDash val="solid"/>
-                      <a:round/>
-                      <a:headEnd type="none" w="med" len="med"/>
-                      <a:tailEnd type="none" w="med" len="med"/>
-                    </a:lnL>
-                    <a:lnB w="28575" cap="flat" cmpd="sng" algn="ctr">
-                      <a:solidFill>
-                        <a:schemeClr val="tx1"/>
-                      </a:solidFill>
-                      <a:prstDash val="solid"/>
-                      <a:round/>
-                      <a:headEnd type="none" w="med" len="med"/>
-                      <a:tailEnd type="none" w="med" len="med"/>
-                    </a:lnB>
-                  </a:tcPr>
-                </a:tc>
-                <a:tc>
-                  <a:txBody>
-                    <a:bodyPr/>
-                    <a:lstStyle/>
-                    <a:p>
-                      <a:pPr marL="0" marR="0" indent="0" algn="l">
-                        <a:spcBef>
-                          <a:spcPts val="0"/>
-                        </a:spcBef>
-                        <a:spcAft>
-                          <a:spcPts val="0"/>
-                        </a:spcAft>
-                      </a:pPr>
-                      <a:r>
-                        <a:rPr lang="ro-RO" sz="1800" dirty="0">
-                          <a:latin typeface="Arial" pitchFamily="34" charset="0"/>
-                          <a:cs typeface="Arial" pitchFamily="34" charset="0"/>
-                        </a:rPr>
-                        <a:t>Generarea aleatoare o unei noi soluții</a:t>
-                      </a:r>
-                      <a:endParaRPr lang="en-US" sz="1800" dirty="0">
-                        <a:latin typeface="Arial" pitchFamily="34" charset="0"/>
-                        <a:ea typeface="Calibri"/>
-                        <a:cs typeface="Arial" pitchFamily="34" charset="0"/>
-                      </a:endParaRPr>
-                    </a:p>
-                  </a:txBody>
-                  <a:tcPr marL="68580" marR="68580" marT="0" marB="0" anchor="ctr">
-                    <a:lnR w="28575" cap="flat" cmpd="sng" algn="ctr">
-                      <a:noFill/>
-                      <a:prstDash val="solid"/>
-                      <a:round/>
-                      <a:headEnd type="none" w="med" len="med"/>
-                      <a:tailEnd type="none" w="med" len="med"/>
-                    </a:lnR>
-                    <a:lnB w="28575" cap="flat" cmpd="sng" algn="ctr">
-                      <a:solidFill>
-                        <a:schemeClr val="tx1"/>
-                      </a:solidFill>
-                      <a:prstDash val="solid"/>
-                      <a:round/>
-                      <a:headEnd type="none" w="med" len="med"/>
-                      <a:tailEnd type="none" w="med" len="med"/>
-                    </a:lnB>
-                  </a:tcPr>
-                </a:tc>
-              </a:tr>
-            </a:tbl>
+                    </p:spPr>
+                  </p:pic>
+                </p:oleObj>
+              </mc:Fallback>
+            </mc:AlternateContent>
           </a:graphicData>
         </a:graphic>
       </p:graphicFrame>
     </p:spTree>
+    <p:extLst>
+      <p:ext uri="{BB962C8B-B14F-4D97-AF65-F5344CB8AC3E}">
+        <p14:creationId xmlns:p14="http://schemas.microsoft.com/office/powerpoint/2010/main" val="2419405489"/>
+      </p:ext>
+    </p:extLst>
   </p:cSld>
   <p:clrMapOvr>
     <a:masterClrMapping/>
@@ -26541,116 +24753,48 @@
       </p:grpSpPr>
       <p:sp>
         <p:nvSpPr>
-          <p:cNvPr id="11266" name="Title 1"/>
+          <p:cNvPr id="7171" name="Content Placeholder 3"/>
           <p:cNvSpPr>
             <a:spLocks noGrp="1"/>
           </p:cNvSpPr>
           <p:nvPr>
-            <p:ph type="title"/>
+            <p:ph sz="quarter" idx="1"/>
           </p:nvPr>
         </p:nvSpPr>
         <p:spPr>
           <a:xfrm>
-            <a:off x="0" y="66660"/>
-            <a:ext cx="9144000" cy="1219200"/>
+            <a:off x="0" y="1500174"/>
+            <a:ext cx="9144000" cy="4595826"/>
           </a:xfrm>
         </p:spPr>
         <p:txBody>
           <a:bodyPr/>
           <a:lstStyle/>
           <a:p>
-            <a:pPr algn="ctr"/>
-            <a:r>
-              <a:rPr lang="ro-RO" sz="3100" dirty="0" smtClean="0">
-                <a:latin typeface="Arial" pitchFamily="34" charset="0"/>
-                <a:cs typeface="Arial" pitchFamily="34" charset="0"/>
-              </a:rPr>
-              <a:t>Modelul Hibrid Inspirat din Comportamentul Cucilor</a:t>
-            </a:r>
-            <a:r>
-              <a:rPr lang="en-US" sz="3100" dirty="0" smtClean="0">
-                <a:latin typeface="Arial" pitchFamily="34" charset="0"/>
-                <a:cs typeface="Arial" pitchFamily="34" charset="0"/>
-              </a:rPr>
-              <a:t> </a:t>
-            </a:r>
-            <a:r>
-              <a:rPr lang="en-US" sz="2600" dirty="0" err="1" smtClean="0">
-                <a:latin typeface="Arial" pitchFamily="34" charset="0"/>
-                <a:cs typeface="Arial" pitchFamily="34" charset="0"/>
-              </a:rPr>
-              <a:t>Componenta</a:t>
-            </a:r>
-            <a:r>
-              <a:rPr lang="en-US" sz="2600" dirty="0" smtClean="0">
-                <a:latin typeface="Arial" pitchFamily="34" charset="0"/>
-                <a:cs typeface="Arial" pitchFamily="34" charset="0"/>
-              </a:rPr>
-              <a:t> </a:t>
-            </a:r>
-            <a:r>
-              <a:rPr lang="en-US" sz="2600" dirty="0" err="1" smtClean="0">
-                <a:latin typeface="Arial" pitchFamily="34" charset="0"/>
-                <a:cs typeface="Arial" pitchFamily="34" charset="0"/>
-              </a:rPr>
-              <a:t>inspirata</a:t>
-            </a:r>
-            <a:r>
-              <a:rPr lang="en-US" sz="2600" dirty="0" smtClean="0">
-                <a:latin typeface="Arial" pitchFamily="34" charset="0"/>
-                <a:cs typeface="Arial" pitchFamily="34" charset="0"/>
-              </a:rPr>
-              <a:t> din </a:t>
-            </a:r>
-            <a:r>
-              <a:rPr lang="en-US" sz="2600" dirty="0" err="1" smtClean="0">
-                <a:latin typeface="Arial" pitchFamily="34" charset="0"/>
-                <a:cs typeface="Arial" pitchFamily="34" charset="0"/>
-              </a:rPr>
-              <a:t>comportamentul</a:t>
-            </a:r>
-            <a:r>
-              <a:rPr lang="en-US" sz="2600" dirty="0" smtClean="0">
-                <a:latin typeface="Arial" pitchFamily="34" charset="0"/>
-                <a:cs typeface="Arial" pitchFamily="34" charset="0"/>
-              </a:rPr>
-              <a:t> de </a:t>
-            </a:r>
-            <a:r>
-              <a:rPr lang="en-US" sz="2600" dirty="0" err="1" smtClean="0">
-                <a:latin typeface="Arial" pitchFamily="34" charset="0"/>
-                <a:cs typeface="Arial" pitchFamily="34" charset="0"/>
-              </a:rPr>
-              <a:t>reproducere</a:t>
-            </a:r>
-            <a:r>
-              <a:rPr lang="en-US" sz="2600" dirty="0" smtClean="0">
-                <a:latin typeface="Arial" pitchFamily="34" charset="0"/>
-                <a:cs typeface="Arial" pitchFamily="34" charset="0"/>
-              </a:rPr>
-              <a:t> al </a:t>
-            </a:r>
-            <a:r>
-              <a:rPr lang="en-US" sz="2600" dirty="0" err="1" smtClean="0">
-                <a:latin typeface="Arial" pitchFamily="34" charset="0"/>
-                <a:cs typeface="Arial" pitchFamily="34" charset="0"/>
-              </a:rPr>
-              <a:t>cucilor</a:t>
-            </a:r>
-            <a:r>
-              <a:rPr lang="en-US" sz="2600" dirty="0" smtClean="0">
-                <a:latin typeface="Arial" pitchFamily="34" charset="0"/>
-                <a:cs typeface="Arial" pitchFamily="34" charset="0"/>
-              </a:rPr>
-              <a:t> (III)</a:t>
-            </a:r>
-            <a:endParaRPr lang="ro-RO" sz="2600" dirty="0" smtClean="0"/>
+            <a:pPr marL="366713" lvl="1" indent="0" eaLnBrk="1" hangingPunct="1">
+              <a:buNone/>
+            </a:pPr>
+            <a:endParaRPr lang="en-US" sz="2100" b="1" dirty="0" smtClean="0">
+              <a:latin typeface="Arial" pitchFamily="34" charset="0"/>
+              <a:cs typeface="Arial" pitchFamily="34" charset="0"/>
+            </a:endParaRPr>
+          </a:p>
+          <a:p>
+            <a:pPr lvl="1" eaLnBrk="1" hangingPunct="1"/>
+            <a:endParaRPr lang="en-US" sz="2100" b="1" dirty="0"/>
+          </a:p>
+          <a:p>
+            <a:pPr lvl="1" eaLnBrk="1" hangingPunct="1"/>
+            <a:endParaRPr lang="en-US" sz="2100" b="1" dirty="0" smtClean="0">
+              <a:latin typeface="Arial" pitchFamily="34" charset="0"/>
+              <a:cs typeface="Arial" pitchFamily="34" charset="0"/>
+            </a:endParaRPr>
           </a:p>
         </p:txBody>
       </p:sp>
       <p:sp>
         <p:nvSpPr>
-          <p:cNvPr id="11267" name="Slide Number Placeholder 3"/>
+          <p:cNvPr id="7172" name="Slide Number Placeholder 2"/>
           <p:cNvSpPr>
             <a:spLocks noGrp="1"/>
           </p:cNvSpPr>
@@ -26682,7 +24826,7 @@
                 <a:spcPct val="0"/>
               </a:spcAft>
             </a:pPr>
-            <a:fld id="{6245D18A-00F3-448E-B279-505B59EC394C}" type="slidenum">
+            <a:fld id="{FEB3FF15-7694-4C79-A17C-C5F32E1F8115}" type="slidenum">
               <a:rPr lang="en-US" smtClean="0"/>
               <a:pPr fontAlgn="base">
                 <a:spcBef>
@@ -26700,402 +24844,154 @@
       </p:sp>
       <p:sp>
         <p:nvSpPr>
-          <p:cNvPr id="5" name="Content Placeholder 4"/>
+          <p:cNvPr id="8" name="Title 1"/>
           <p:cNvSpPr>
             <a:spLocks noGrp="1"/>
           </p:cNvSpPr>
           <p:nvPr>
-            <p:ph sz="quarter" idx="1"/>
+            <p:ph type="title"/>
           </p:nvPr>
         </p:nvSpPr>
         <p:spPr>
           <a:xfrm>
-            <a:off x="0" y="1500174"/>
-            <a:ext cx="9144000" cy="3429024"/>
+            <a:off x="0" y="0"/>
+            <a:ext cx="9144000" cy="1295400"/>
           </a:xfrm>
         </p:spPr>
         <p:txBody>
           <a:bodyPr/>
           <a:lstStyle/>
           <a:p>
-            <a:r>
-              <a:rPr lang="ro-RO" smtClean="0"/>
-              <a:t>Funcția de fitness</a:t>
-            </a:r>
-          </a:p>
-          <a:p>
-            <a:endParaRPr lang="ro-RO" smtClean="0"/>
-          </a:p>
-          <a:p>
-            <a:pPr lvl="1"/>
-            <a:endParaRPr lang="ro-RO" smtClean="0"/>
-          </a:p>
-          <a:p>
-            <a:pPr lvl="1"/>
-            <a:endParaRPr lang="ro-RO" smtClean="0"/>
-          </a:p>
-          <a:p>
-            <a:pPr lvl="1"/>
-            <a:endParaRPr lang="ro-RO" i="1" smtClean="0"/>
+            <a:pPr lvl="1" algn="ctr" eaLnBrk="1" hangingPunct="1"/>
+            <a:r>
+              <a:rPr lang="ro-RO" dirty="0" smtClean="0">
+                <a:latin typeface="Arial" pitchFamily="34" charset="0"/>
+                <a:cs typeface="Arial" pitchFamily="34" charset="0"/>
+              </a:rPr>
+              <a:t/>
+            </a:r>
+            <a:br>
+              <a:rPr lang="ro-RO" dirty="0" smtClean="0">
+                <a:latin typeface="Arial" pitchFamily="34" charset="0"/>
+                <a:cs typeface="Arial" pitchFamily="34" charset="0"/>
+              </a:rPr>
+            </a:br>
+            <a:r>
+              <a:rPr lang="en-US" sz="3000" dirty="0" smtClean="0">
+                <a:latin typeface="Arial" pitchFamily="34" charset="0"/>
+                <a:cs typeface="Arial" pitchFamily="34" charset="0"/>
+              </a:rPr>
+              <a:t>Proposed Solution</a:t>
+            </a:r>
+            <a:br>
+              <a:rPr lang="en-US" sz="3000" dirty="0" smtClean="0">
+                <a:latin typeface="Arial" pitchFamily="34" charset="0"/>
+                <a:cs typeface="Arial" pitchFamily="34" charset="0"/>
+              </a:rPr>
+            </a:br>
+            <a:r>
+              <a:rPr lang="en-US" sz="2000" dirty="0" err="1" smtClean="0">
+                <a:latin typeface="Arial" pitchFamily="34" charset="0"/>
+                <a:cs typeface="Arial" pitchFamily="34" charset="0"/>
+              </a:rPr>
+              <a:t>Solution</a:t>
+            </a:r>
+            <a:r>
+              <a:rPr lang="en-US" sz="2000" dirty="0" smtClean="0">
+                <a:latin typeface="Arial" pitchFamily="34" charset="0"/>
+                <a:cs typeface="Arial" pitchFamily="34" charset="0"/>
+              </a:rPr>
+              <a:t> Representation</a:t>
+            </a:r>
+            <a:r>
+              <a:rPr lang="ro-RO" sz="1900" dirty="0">
+                <a:latin typeface="Arial" pitchFamily="34" charset="0"/>
+                <a:cs typeface="Arial" pitchFamily="34" charset="0"/>
+              </a:rPr>
+              <a:t/>
+            </a:r>
+            <a:br>
+              <a:rPr lang="ro-RO" sz="1900" dirty="0">
+                <a:latin typeface="Arial" pitchFamily="34" charset="0"/>
+                <a:cs typeface="Arial" pitchFamily="34" charset="0"/>
+              </a:rPr>
+            </a:br>
+            <a:endParaRPr lang="en-US" dirty="0" smtClean="0">
+              <a:latin typeface="Arial" pitchFamily="34" charset="0"/>
+              <a:cs typeface="Arial" pitchFamily="34" charset="0"/>
+            </a:endParaRPr>
           </a:p>
         </p:txBody>
       </p:sp>
-      <p:graphicFrame>
-        <p:nvGraphicFramePr>
-          <p:cNvPr id="6" name="Object 5"/>
-          <p:cNvGraphicFramePr>
-            <a:graphicFrameLocks noChangeAspect="1"/>
-          </p:cNvGraphicFramePr>
+      <p:pic>
+        <p:nvPicPr>
+          <p:cNvPr id="6" name="Picture 5" descr="SolutionMealsDishes"/>
+          <p:cNvPicPr/>
           <p:nvPr/>
-        </p:nvGraphicFramePr>
-        <p:xfrm>
-          <a:off x="1920875" y="2055813"/>
-          <a:ext cx="5524500" cy="304800"/>
-        </p:xfrm>
-        <a:graphic>
-          <a:graphicData uri="http://schemas.openxmlformats.org/presentationml/2006/ole">
-            <mc:AlternateContent xmlns:mc="http://schemas.openxmlformats.org/markup-compatibility/2006">
-              <mc:Choice xmlns:v="urn:schemas-microsoft-com:vml" Requires="v">
-                <p:oleObj spid="_x0000_s207886" name="Equation" r:id="rId4" imgW="5524200" imgH="304560" progId="Equation.3">
-                  <p:embed/>
-                </p:oleObj>
-              </mc:Choice>
-              <mc:Fallback>
-                <p:oleObj name="Equation" r:id="rId4" imgW="5524200" imgH="304560" progId="Equation.3">
-                  <p:embed/>
-                  <p:pic>
-                    <p:nvPicPr>
-                      <p:cNvPr id="0" name="Picture 2"/>
-                      <p:cNvPicPr>
-                        <a:picLocks noChangeAspect="1" noChangeArrowheads="1"/>
-                      </p:cNvPicPr>
-                      <p:nvPr/>
-                    </p:nvPicPr>
-                    <p:blipFill>
-                      <a:blip r:embed="rId5">
-                        <a:extLst>
-                          <a:ext uri="{28A0092B-C50C-407E-A947-70E740481C1C}">
-                            <a14:useLocalDpi xmlns:a14="http://schemas.microsoft.com/office/drawing/2010/main" val="0"/>
-                          </a:ext>
-                        </a:extLst>
-                      </a:blip>
-                      <a:srcRect/>
-                      <a:stretch>
-                        <a:fillRect/>
-                      </a:stretch>
-                    </p:blipFill>
-                    <p:spPr bwMode="auto">
-                      <a:xfrm>
-                        <a:off x="1920875" y="2055813"/>
-                        <a:ext cx="5524500" cy="304800"/>
-                      </a:xfrm>
-                      <a:prstGeom prst="rect">
-                        <a:avLst/>
-                      </a:prstGeom>
-                      <a:noFill/>
-                      <a:extLst>
-                        <a:ext uri="{909E8E84-426E-40DD-AFC4-6F175D3DCCD1}">
-                          <a14:hiddenFill xmlns:a14="http://schemas.microsoft.com/office/drawing/2010/main">
-                            <a:solidFill>
-                              <a:srgbClr val="FFFFFF"/>
-                            </a:solidFill>
-                          </a14:hiddenFill>
-                        </a:ext>
-                      </a:extLst>
-                    </p:spPr>
-                  </p:pic>
-                </p:oleObj>
-              </mc:Fallback>
-            </mc:AlternateContent>
-          </a:graphicData>
-        </a:graphic>
-      </p:graphicFrame>
-      <p:graphicFrame>
-        <p:nvGraphicFramePr>
-          <p:cNvPr id="7" name="Object 6"/>
-          <p:cNvGraphicFramePr>
-            <a:graphicFrameLocks noChangeAspect="1"/>
-          </p:cNvGraphicFramePr>
-          <p:nvPr/>
-        </p:nvGraphicFramePr>
-        <p:xfrm>
-          <a:off x="642910" y="3000372"/>
-          <a:ext cx="8166100" cy="2006600"/>
-        </p:xfrm>
-        <a:graphic>
-          <a:graphicData uri="http://schemas.openxmlformats.org/presentationml/2006/ole">
-            <mc:AlternateContent xmlns:mc="http://schemas.openxmlformats.org/markup-compatibility/2006">
-              <mc:Choice xmlns:v="urn:schemas-microsoft-com:vml" Requires="v">
-                <p:oleObj spid="_x0000_s207887" name="Equation" r:id="rId6" imgW="8165880" imgH="2006280" progId="Equation.3">
-                  <p:embed/>
-                </p:oleObj>
-              </mc:Choice>
-              <mc:Fallback>
-                <p:oleObj name="Equation" r:id="rId6" imgW="8165880" imgH="2006280" progId="Equation.3">
-                  <p:embed/>
-                  <p:pic>
-                    <p:nvPicPr>
-                      <p:cNvPr id="0" name="Picture 3"/>
-                      <p:cNvPicPr>
-                        <a:picLocks noChangeAspect="1" noChangeArrowheads="1"/>
-                      </p:cNvPicPr>
-                      <p:nvPr/>
-                    </p:nvPicPr>
-                    <p:blipFill>
-                      <a:blip r:embed="rId7">
-                        <a:extLst>
-                          <a:ext uri="{28A0092B-C50C-407E-A947-70E740481C1C}">
-                            <a14:useLocalDpi xmlns:a14="http://schemas.microsoft.com/office/drawing/2010/main" val="0"/>
-                          </a:ext>
-                        </a:extLst>
-                      </a:blip>
-                      <a:srcRect/>
-                      <a:stretch>
-                        <a:fillRect/>
-                      </a:stretch>
-                    </p:blipFill>
-                    <p:spPr bwMode="auto">
-                      <a:xfrm>
-                        <a:off x="642910" y="3000372"/>
-                        <a:ext cx="8166100" cy="2006600"/>
-                      </a:xfrm>
-                      <a:prstGeom prst="rect">
-                        <a:avLst/>
-                      </a:prstGeom>
-                      <a:noFill/>
-                      <a:extLst>
-                        <a:ext uri="{909E8E84-426E-40DD-AFC4-6F175D3DCCD1}">
-                          <a14:hiddenFill xmlns:a14="http://schemas.microsoft.com/office/drawing/2010/main">
-                            <a:solidFill>
-                              <a:srgbClr val="FFFFFF"/>
-                            </a:solidFill>
-                          </a14:hiddenFill>
-                        </a:ext>
-                      </a:extLst>
-                    </p:spPr>
-                  </p:pic>
-                </p:oleObj>
-              </mc:Fallback>
-            </mc:AlternateContent>
-          </a:graphicData>
-        </a:graphic>
-      </p:graphicFrame>
-      <p:graphicFrame>
-        <p:nvGraphicFramePr>
-          <p:cNvPr id="8" name="Object 7"/>
-          <p:cNvGraphicFramePr>
-            <a:graphicFrameLocks noChangeAspect="1"/>
-          </p:cNvGraphicFramePr>
-          <p:nvPr/>
-        </p:nvGraphicFramePr>
-        <p:xfrm>
-          <a:off x="738188" y="5572125"/>
-          <a:ext cx="5486400" cy="609600"/>
-        </p:xfrm>
-        <a:graphic>
-          <a:graphicData uri="http://schemas.openxmlformats.org/presentationml/2006/ole">
-            <mc:AlternateContent xmlns:mc="http://schemas.openxmlformats.org/markup-compatibility/2006">
-              <mc:Choice xmlns:v="urn:schemas-microsoft-com:vml" Requires="v">
-                <p:oleObj spid="_x0000_s207888" name="Equation" r:id="rId8" imgW="5486400" imgH="609480" progId="Equation.3">
-                  <p:embed/>
-                </p:oleObj>
-              </mc:Choice>
-              <mc:Fallback>
-                <p:oleObj name="Equation" r:id="rId8" imgW="5486400" imgH="609480" progId="Equation.3">
-                  <p:embed/>
-                  <p:pic>
-                    <p:nvPicPr>
-                      <p:cNvPr id="0" name="Picture 4"/>
-                      <p:cNvPicPr>
-                        <a:picLocks noChangeAspect="1" noChangeArrowheads="1"/>
-                      </p:cNvPicPr>
-                      <p:nvPr/>
-                    </p:nvPicPr>
-                    <p:blipFill>
-                      <a:blip r:embed="rId9">
-                        <a:extLst>
-                          <a:ext uri="{28A0092B-C50C-407E-A947-70E740481C1C}">
-                            <a14:useLocalDpi xmlns:a14="http://schemas.microsoft.com/office/drawing/2010/main" val="0"/>
-                          </a:ext>
-                        </a:extLst>
-                      </a:blip>
-                      <a:srcRect/>
-                      <a:stretch>
-                        <a:fillRect/>
-                      </a:stretch>
-                    </p:blipFill>
-                    <p:spPr bwMode="auto">
-                      <a:xfrm>
-                        <a:off x="738188" y="5572125"/>
-                        <a:ext cx="5486400" cy="609600"/>
-                      </a:xfrm>
-                      <a:prstGeom prst="rect">
-                        <a:avLst/>
-                      </a:prstGeom>
-                      <a:noFill/>
-                      <a:extLst>
-                        <a:ext uri="{909E8E84-426E-40DD-AFC4-6F175D3DCCD1}">
-                          <a14:hiddenFill xmlns:a14="http://schemas.microsoft.com/office/drawing/2010/main">
-                            <a:solidFill>
-                              <a:srgbClr val="FFFFFF"/>
-                            </a:solidFill>
-                          </a14:hiddenFill>
-                        </a:ext>
-                      </a:extLst>
-                    </p:spPr>
-                  </p:pic>
-                </p:oleObj>
-              </mc:Fallback>
-            </mc:AlternateContent>
-          </a:graphicData>
-        </a:graphic>
-      </p:graphicFrame>
-      <p:sp>
-        <p:nvSpPr>
-          <p:cNvPr id="9" name="Content Placeholder 4"/>
-          <p:cNvSpPr txBox="1">
-            <a:spLocks/>
-          </p:cNvSpPr>
-          <p:nvPr/>
-        </p:nvSpPr>
+        </p:nvPicPr>
+        <p:blipFill>
+          <a:blip r:embed="rId3">
+            <a:extLst>
+              <a:ext uri="{28A0092B-C50C-407E-A947-70E740481C1C}">
+                <a14:useLocalDpi xmlns:a14="http://schemas.microsoft.com/office/drawing/2010/main" val="0"/>
+              </a:ext>
+            </a:extLst>
+          </a:blip>
+          <a:srcRect/>
+          <a:stretch>
+            <a:fillRect/>
+          </a:stretch>
+        </p:blipFill>
         <p:spPr bwMode="auto">
           <a:xfrm>
-            <a:off x="0" y="5000636"/>
-            <a:ext cx="9144000" cy="1500198"/>
+            <a:off x="1043608" y="1916832"/>
+            <a:ext cx="7056784" cy="3171916"/>
           </a:xfrm>
           <a:prstGeom prst="rect">
             <a:avLst/>
           </a:prstGeom>
           <a:noFill/>
-          <a:ln w="9525">
+          <a:ln>
             <a:noFill/>
-            <a:miter lim="800000"/>
-            <a:headEnd/>
-            <a:tailEnd/>
           </a:ln>
         </p:spPr>
+      </p:pic>
+      <p:sp>
+        <p:nvSpPr>
+          <p:cNvPr id="2" name="TextBox 1"/>
+          <p:cNvSpPr txBox="1"/>
+          <p:nvPr/>
+        </p:nvSpPr>
+        <p:spPr>
+          <a:xfrm>
+            <a:off x="2555776" y="5166852"/>
+            <a:ext cx="4032448" cy="338554"/>
+          </a:xfrm>
+          <a:prstGeom prst="rect">
+            <a:avLst/>
+          </a:prstGeom>
+          <a:noFill/>
+        </p:spPr>
         <p:txBody>
-          <a:bodyPr vert="horz" wrap="square" lIns="91440" tIns="45720" rIns="91440" bIns="45720" numCol="1" anchor="t" anchorCtr="0" compatLnSpc="1">
-            <a:prstTxWarp prst="textNoShape">
-              <a:avLst/>
-            </a:prstTxWarp>
+          <a:bodyPr wrap="square" rtlCol="0">
+            <a:spAutoFit/>
           </a:bodyPr>
           <a:lstStyle/>
           <a:p>
-            <a:pPr marL="319088" marR="0" lvl="0" indent="-319088" algn="l" defTabSz="914400" rtl="0" eaLnBrk="0" fontAlgn="base" latinLnBrk="0" hangingPunct="0">
-              <a:lnSpc>
-                <a:spcPct val="100000"/>
-              </a:lnSpc>
-              <a:spcBef>
-                <a:spcPts val="700"/>
-              </a:spcBef>
-              <a:spcAft>
-                <a:spcPct val="0"/>
-              </a:spcAft>
-              <a:buClr>
-                <a:schemeClr val="accent2"/>
-              </a:buClr>
-              <a:buSzPct val="60000"/>
-              <a:buFont typeface="Arial" pitchFamily="34" charset="0"/>
-              <a:buChar char="•"/>
-              <a:tabLst/>
-              <a:defRPr/>
-            </a:pPr>
-            <a:r>
-              <a:rPr lang="ro-RO" sz="2400" smtClean="0">
-                <a:latin typeface="Arial" pitchFamily="34" charset="0"/>
-                <a:cs typeface="Arial" pitchFamily="34" charset="0"/>
-              </a:rPr>
-              <a:t>Constrângeri </a:t>
-            </a:r>
-            <a:endParaRPr kumimoji="0" lang="ro-RO" sz="2400" b="0" i="0" u="none" strike="noStrike" kern="1200" cap="none" spc="0" normalizeH="0" baseline="0" noProof="0" smtClean="0">
-              <a:ln>
-                <a:noFill/>
-              </a:ln>
-              <a:solidFill>
-                <a:schemeClr val="tx1"/>
-              </a:solidFill>
-              <a:effectLst/>
-              <a:uLnTx/>
-              <a:uFillTx/>
-              <a:latin typeface="Arial" pitchFamily="34" charset="0"/>
-              <a:ea typeface="+mn-ea"/>
-              <a:cs typeface="Arial" pitchFamily="34" charset="0"/>
-            </a:endParaRPr>
+            <a:r>
+              <a:rPr lang="en-US" sz="1600" dirty="0" smtClean="0"/>
+              <a:t>Figure 1. Solution representation diagram</a:t>
+            </a:r>
+            <a:endParaRPr lang="en-US" sz="1600" dirty="0"/>
           </a:p>
         </p:txBody>
       </p:sp>
-      <p:graphicFrame>
-        <p:nvGraphicFramePr>
-          <p:cNvPr id="10" name="Object 9"/>
-          <p:cNvGraphicFramePr>
-            <a:graphicFrameLocks noChangeAspect="1"/>
-          </p:cNvGraphicFramePr>
-          <p:nvPr/>
-        </p:nvGraphicFramePr>
-        <p:xfrm>
-          <a:off x="3357554" y="2428868"/>
-          <a:ext cx="5334000" cy="558800"/>
-        </p:xfrm>
-        <a:graphic>
-          <a:graphicData uri="http://schemas.openxmlformats.org/presentationml/2006/ole">
-            <mc:AlternateContent xmlns:mc="http://schemas.openxmlformats.org/markup-compatibility/2006">
-              <mc:Choice xmlns:v="urn:schemas-microsoft-com:vml" Requires="v">
-                <p:oleObj spid="_x0000_s207889" name="Equation" r:id="rId10" imgW="5333760" imgH="558720" progId="Equation.3">
-                  <p:embed/>
-                </p:oleObj>
-              </mc:Choice>
-              <mc:Fallback>
-                <p:oleObj name="Equation" r:id="rId10" imgW="5333760" imgH="558720" progId="Equation.3">
-                  <p:embed/>
-                  <p:pic>
-                    <p:nvPicPr>
-                      <p:cNvPr id="0" name="Picture 5"/>
-                      <p:cNvPicPr>
-                        <a:picLocks noChangeAspect="1" noChangeArrowheads="1"/>
-                      </p:cNvPicPr>
-                      <p:nvPr/>
-                    </p:nvPicPr>
-                    <p:blipFill>
-                      <a:blip r:embed="rId11">
-                        <a:extLst>
-                          <a:ext uri="{28A0092B-C50C-407E-A947-70E740481C1C}">
-                            <a14:useLocalDpi xmlns:a14="http://schemas.microsoft.com/office/drawing/2010/main" val="0"/>
-                          </a:ext>
-                        </a:extLst>
-                      </a:blip>
-                      <a:srcRect/>
-                      <a:stretch>
-                        <a:fillRect/>
-                      </a:stretch>
-                    </p:blipFill>
-                    <p:spPr bwMode="auto">
-                      <a:xfrm>
-                        <a:off x="3357554" y="2428868"/>
-                        <a:ext cx="5334000" cy="558800"/>
-                      </a:xfrm>
-                      <a:prstGeom prst="rect">
-                        <a:avLst/>
-                      </a:prstGeom>
-                      <a:noFill/>
-                      <a:extLst>
-                        <a:ext uri="{909E8E84-426E-40DD-AFC4-6F175D3DCCD1}">
-                          <a14:hiddenFill xmlns:a14="http://schemas.microsoft.com/office/drawing/2010/main">
-                            <a:solidFill>
-                              <a:srgbClr val="FFFFFF"/>
-                            </a:solidFill>
-                          </a14:hiddenFill>
-                        </a:ext>
-                      </a:extLst>
-                    </p:spPr>
-                  </p:pic>
-                </p:oleObj>
-              </mc:Fallback>
-            </mc:AlternateContent>
-          </a:graphicData>
-        </a:graphic>
-      </p:graphicFrame>
     </p:spTree>
+    <p:extLst>
+      <p:ext uri="{BB962C8B-B14F-4D97-AF65-F5344CB8AC3E}">
+        <p14:creationId xmlns:p14="http://schemas.microsoft.com/office/powerpoint/2010/main" val="2648551394"/>
+      </p:ext>
+    </p:extLst>
   </p:cSld>
   <p:clrMapOvr>
     <a:masterClrMapping/>

--- a/Prezentare/TiberiuBoros.pptx
+++ b/Prezentare/TiberiuBoros.pptx
@@ -215,6 +215,18 @@
     </p:ext>
   </p:extLst>
 </p:presentation>
+</file>
+
+<file path=ppt/commentAuthors.xml><?xml version="1.0" encoding="utf-8"?>
+<p:cmAuthorLst xmlns:a="http://schemas.openxmlformats.org/drawingml/2006/main" xmlns:r="http://schemas.openxmlformats.org/officeDocument/2006/relationships" xmlns:p="http://schemas.openxmlformats.org/presentationml/2006/main">
+  <p:cmAuthor id="1" name="tiberiu boros" initials="tb" lastIdx="1" clrIdx="0">
+    <p:extLst>
+      <p:ext uri="{19B8F6BF-5375-455C-9EA6-DF929625EA0E}">
+        <p15:presenceInfo xmlns:p15="http://schemas.microsoft.com/office/powerpoint/2012/main" userId="fedf2a91af72b623" providerId="Windows Live"/>
+      </p:ext>
+    </p:extLst>
+  </p:cmAuthor>
+</p:cmAuthorLst>
 </file>
 
 <file path=ppt/charts/chart1.xml><?xml version="1.0" encoding="utf-8"?>
@@ -899,11 +911,11 @@
           <c:showBubbleSize val="0"/>
         </c:dLbls>
         <c:smooth val="0"/>
-        <c:axId val="616425936"/>
-        <c:axId val="616419664"/>
+        <c:axId val="280900832"/>
+        <c:axId val="280903968"/>
       </c:lineChart>
       <c:catAx>
-        <c:axId val="616425936"/>
+        <c:axId val="280900832"/>
         <c:scaling>
           <c:orientation val="minMax"/>
         </c:scaling>
@@ -946,7 +958,7 @@
             <a:endParaRPr lang="en-US"/>
           </a:p>
         </c:txPr>
-        <c:crossAx val="616419664"/>
+        <c:crossAx val="280903968"/>
         <c:crosses val="autoZero"/>
         <c:auto val="1"/>
         <c:lblAlgn val="ctr"/>
@@ -954,7 +966,7 @@
         <c:noMultiLvlLbl val="0"/>
       </c:catAx>
       <c:valAx>
-        <c:axId val="616419664"/>
+        <c:axId val="280903968"/>
         <c:scaling>
           <c:orientation val="minMax"/>
           <c:min val="0.70000000000000007"/>
@@ -1067,7 +1079,7 @@
             <a:endParaRPr lang="en-US"/>
           </a:p>
         </c:txPr>
-        <c:crossAx val="616425936"/>
+        <c:crossAx val="280900832"/>
         <c:crosses val="autoZero"/>
         <c:crossBetween val="between"/>
       </c:valAx>
@@ -1820,11 +1832,11 @@
           <c:showBubbleSize val="0"/>
         </c:dLbls>
         <c:smooth val="0"/>
-        <c:axId val="418899696"/>
-        <c:axId val="418904008"/>
+        <c:axId val="280901224"/>
+        <c:axId val="280904752"/>
       </c:lineChart>
       <c:catAx>
-        <c:axId val="418899696"/>
+        <c:axId val="280901224"/>
         <c:scaling>
           <c:orientation val="minMax"/>
         </c:scaling>
@@ -1867,7 +1879,7 @@
             <a:endParaRPr lang="en-US"/>
           </a:p>
         </c:txPr>
-        <c:crossAx val="418904008"/>
+        <c:crossAx val="280904752"/>
         <c:crosses val="autoZero"/>
         <c:auto val="1"/>
         <c:lblAlgn val="ctr"/>
@@ -1875,7 +1887,7 @@
         <c:noMultiLvlLbl val="0"/>
       </c:catAx>
       <c:valAx>
-        <c:axId val="418904008"/>
+        <c:axId val="280904752"/>
         <c:scaling>
           <c:orientation val="minMax"/>
           <c:min val="0.70000000000000007"/>
@@ -1984,7 +1996,7 @@
             <a:endParaRPr lang="en-US"/>
           </a:p>
         </c:txPr>
-        <c:crossAx val="418899696"/>
+        <c:crossAx val="280901224"/>
         <c:crosses val="autoZero"/>
         <c:crossBetween val="between"/>
       </c:valAx>
@@ -3167,6 +3179,20 @@
 </cs:chartStyle>
 </file>
 
+<file path=ppt/comments/comment1.xml><?xml version="1.0" encoding="utf-8"?>
+<p:cmLst xmlns:a="http://schemas.openxmlformats.org/drawingml/2006/main" xmlns:r="http://schemas.openxmlformats.org/officeDocument/2006/relationships" xmlns:p="http://schemas.openxmlformats.org/presentationml/2006/main">
+  <p:cm authorId="1" dt="2015-06-22T11:34:12.413" idx="1">
+    <p:pos x="10" y="10"/>
+    <p:text>De schimbat cu o diagrama mai ok</p:text>
+    <p:extLst>
+      <p:ext uri="{C676402C-5697-4E1C-873F-D02D1690AC5C}">
+        <p15:threadingInfo xmlns:p15="http://schemas.microsoft.com/office/powerpoint/2012/main" timeZoneBias="-180"/>
+      </p:ext>
+    </p:extLst>
+  </p:cm>
+</p:cmLst>
+</file>
+
 <file path=ppt/handoutMasters/handoutMaster1.xml><?xml version="1.0" encoding="utf-8"?>
 <p:handoutMaster xmlns:a="http://schemas.openxmlformats.org/drawingml/2006/main" xmlns:r="http://schemas.openxmlformats.org/officeDocument/2006/relationships" xmlns:p="http://schemas.openxmlformats.org/presentationml/2006/main">
   <p:cSld>
@@ -4883,7 +4909,11 @@
           </a:bodyPr>
           <a:lstStyle/>
           <a:p>
-            <a:endParaRPr lang="en-US" smtClean="0"/>
+            <a:endParaRPr lang="en-US" sz="2000" dirty="0" smtClean="0">
+              <a:solidFill>
+                <a:srgbClr val="FF0000"/>
+              </a:solidFill>
+            </a:endParaRPr>
           </a:p>
         </p:txBody>
       </p:sp>
@@ -5413,7 +5443,7 @@
           </a:bodyPr>
           <a:lstStyle/>
           <a:p>
-            <a:endParaRPr lang="en-US" smtClean="0"/>
+            <a:endParaRPr lang="en-US" dirty="0" smtClean="0"/>
           </a:p>
         </p:txBody>
       </p:sp>
@@ -6049,7 +6079,7 @@
           </a:bodyPr>
           <a:lstStyle/>
           <a:p>
-            <a:endParaRPr lang="en-US" smtClean="0"/>
+            <a:endParaRPr lang="en-US" dirty="0" smtClean="0"/>
           </a:p>
         </p:txBody>
       </p:sp>
@@ -10499,48 +10529,48 @@
             </a:pPr>
             <a:r>
               <a:rPr lang="en-US" sz="2800" b="1" dirty="0" smtClean="0">
-                <a:latin typeface="Arial" charset="0"/>
-                <a:cs typeface="Arial" charset="0"/>
+                <a:latin typeface="Arial" panose="020B0604020202020204" pitchFamily="34" charset="0"/>
+                <a:cs typeface="Arial" panose="020B0604020202020204" pitchFamily="34" charset="0"/>
               </a:rPr>
               <a:t/>
             </a:r>
             <a:br>
               <a:rPr lang="en-US" sz="2800" b="1" dirty="0" smtClean="0">
-                <a:latin typeface="Arial" charset="0"/>
-                <a:cs typeface="Arial" charset="0"/>
+                <a:latin typeface="Arial" panose="020B0604020202020204" pitchFamily="34" charset="0"/>
+                <a:cs typeface="Arial" panose="020B0604020202020204" pitchFamily="34" charset="0"/>
               </a:rPr>
             </a:br>
             <a:r>
               <a:rPr lang="en-US" sz="3100" b="1" dirty="0" smtClean="0">
-                <a:latin typeface="Helvetica"/>
-                <a:cs typeface="Arial" charset="0"/>
+                <a:latin typeface="Arial" panose="020B0604020202020204" pitchFamily="34" charset="0"/>
+                <a:cs typeface="Arial" panose="020B0604020202020204" pitchFamily="34" charset="0"/>
               </a:rPr>
               <a:t/>
             </a:r>
             <a:br>
               <a:rPr lang="en-US" sz="3100" b="1" dirty="0" smtClean="0">
-                <a:latin typeface="Helvetica"/>
-                <a:cs typeface="Arial" charset="0"/>
+                <a:latin typeface="Arial" panose="020B0604020202020204" pitchFamily="34" charset="0"/>
+                <a:cs typeface="Arial" panose="020B0604020202020204" pitchFamily="34" charset="0"/>
               </a:rPr>
             </a:br>
             <a:r>
               <a:rPr lang="en-US" sz="3100" b="1" dirty="0" smtClean="0">
-                <a:latin typeface="Helvetica"/>
-                <a:cs typeface="Arial" charset="0"/>
+                <a:latin typeface="Arial" panose="020B0604020202020204" pitchFamily="34" charset="0"/>
+                <a:cs typeface="Arial" panose="020B0604020202020204" pitchFamily="34" charset="0"/>
               </a:rPr>
               <a:t>Bio-Inspired Hybrid Technique for Generating Food Menu Recommendations Using Cuckoo Search Optimization</a:t>
             </a:r>
             <a:r>
               <a:rPr lang="ro-RO" sz="3100" b="1" dirty="0" smtClean="0">
-                <a:latin typeface="Helvetica"/>
-                <a:cs typeface="Arial" charset="0"/>
+                <a:latin typeface="Arial" panose="020B0604020202020204" pitchFamily="34" charset="0"/>
+                <a:cs typeface="Arial" panose="020B0604020202020204" pitchFamily="34" charset="0"/>
               </a:rPr>
               <a:t/>
             </a:r>
             <a:br>
               <a:rPr lang="ro-RO" sz="3100" b="1" dirty="0" smtClean="0">
-                <a:latin typeface="Helvetica"/>
-                <a:cs typeface="Arial" charset="0"/>
+                <a:latin typeface="Arial" panose="020B0604020202020204" pitchFamily="34" charset="0"/>
+                <a:cs typeface="Arial" panose="020B0604020202020204" pitchFamily="34" charset="0"/>
               </a:rPr>
             </a:br>
             <a:r>
@@ -10555,6 +10585,8 @@
                     </a:srgbClr>
                   </a:outerShdw>
                 </a:effectLst>
+                <a:latin typeface="Arial" panose="020B0604020202020204" pitchFamily="34" charset="0"/>
+                <a:cs typeface="Arial" panose="020B0604020202020204" pitchFamily="34" charset="0"/>
               </a:rPr>
               <a:t/>
             </a:r>
@@ -10570,6 +10602,8 @@
                     </a:srgbClr>
                   </a:outerShdw>
                 </a:effectLst>
+                <a:latin typeface="Arial" panose="020B0604020202020204" pitchFamily="34" charset="0"/>
+                <a:cs typeface="Arial" panose="020B0604020202020204" pitchFamily="34" charset="0"/>
               </a:rPr>
             </a:br>
             <a:r>
@@ -10584,6 +10618,8 @@
                     </a:srgbClr>
                   </a:outerShdw>
                 </a:effectLst>
+                <a:latin typeface="Arial" panose="020B0604020202020204" pitchFamily="34" charset="0"/>
+                <a:cs typeface="Arial" panose="020B0604020202020204" pitchFamily="34" charset="0"/>
               </a:rPr>
               <a:t/>
             </a:r>
@@ -10599,24 +10635,26 @@
                     </a:srgbClr>
                   </a:outerShdw>
                 </a:effectLst>
+                <a:latin typeface="Arial" panose="020B0604020202020204" pitchFamily="34" charset="0"/>
+                <a:cs typeface="Arial" panose="020B0604020202020204" pitchFamily="34" charset="0"/>
               </a:rPr>
             </a:br>
             <a:r>
               <a:rPr lang="en-US" sz="2500" dirty="0" smtClean="0">
-                <a:latin typeface="Arial" charset="0"/>
-                <a:cs typeface="Arial" charset="0"/>
+                <a:latin typeface="Arial" panose="020B0604020202020204" pitchFamily="34" charset="0"/>
+                <a:cs typeface="Arial" panose="020B0604020202020204" pitchFamily="34" charset="0"/>
               </a:rPr>
               <a:t/>
             </a:r>
             <a:br>
               <a:rPr lang="en-US" sz="2500" dirty="0" smtClean="0">
-                <a:latin typeface="Arial" charset="0"/>
-                <a:cs typeface="Arial" charset="0"/>
+                <a:latin typeface="Arial" panose="020B0604020202020204" pitchFamily="34" charset="0"/>
+                <a:cs typeface="Arial" panose="020B0604020202020204" pitchFamily="34" charset="0"/>
               </a:rPr>
             </a:br>
             <a:endParaRPr lang="en-US" sz="2500" dirty="0" smtClean="0">
-              <a:latin typeface="Arial" charset="0"/>
-              <a:cs typeface="Arial" charset="0"/>
+              <a:latin typeface="Arial" panose="020B0604020202020204" pitchFamily="34" charset="0"/>
+              <a:cs typeface="Arial" panose="020B0604020202020204" pitchFamily="34" charset="0"/>
             </a:endParaRPr>
           </a:p>
         </p:txBody>
@@ -10643,15 +10681,24 @@
           <a:p>
             <a:pPr eaLnBrk="1" hangingPunct="1"/>
             <a:r>
-              <a:rPr lang="en-US" sz="1800" b="1" dirty="0" smtClean="0"/>
+              <a:rPr lang="en-US" sz="1800" b="1" dirty="0" smtClean="0">
+                <a:latin typeface="Arial" panose="020B0604020202020204" pitchFamily="34" charset="0"/>
+                <a:cs typeface="Arial" panose="020B0604020202020204" pitchFamily="34" charset="0"/>
+              </a:rPr>
               <a:t>Technical University of Cluj-Napoca</a:t>
             </a:r>
-            <a:endParaRPr lang="ro-RO" sz="1800" b="1" dirty="0" smtClean="0"/>
+            <a:endParaRPr lang="ro-RO" sz="1800" b="1" dirty="0" smtClean="0">
+              <a:latin typeface="Arial" panose="020B0604020202020204" pitchFamily="34" charset="0"/>
+              <a:cs typeface="Arial" panose="020B0604020202020204" pitchFamily="34" charset="0"/>
+            </a:endParaRPr>
           </a:p>
           <a:p>
             <a:pPr eaLnBrk="1" hangingPunct="1"/>
             <a:r>
-              <a:rPr lang="en-US" sz="1800" b="1" dirty="0" smtClean="0"/>
+              <a:rPr lang="en-US" sz="1800" b="1" dirty="0" smtClean="0">
+                <a:latin typeface="Arial" panose="020B0604020202020204" pitchFamily="34" charset="0"/>
+                <a:cs typeface="Arial" panose="020B0604020202020204" pitchFamily="34" charset="0"/>
+              </a:rPr>
               <a:t>Computer Science Department</a:t>
             </a:r>
           </a:p>
@@ -10685,6 +10732,8 @@
                     <a:lumMod val="25000"/>
                   </a:schemeClr>
                 </a:solidFill>
+                <a:latin typeface="Arial" panose="020B0604020202020204" pitchFamily="34" charset="0"/>
+                <a:cs typeface="Arial" panose="020B0604020202020204" pitchFamily="34" charset="0"/>
               </a:rPr>
               <a:t>July 2015</a:t>
             </a:r>
@@ -10701,8 +10750,8 @@
         </p:nvSpPr>
         <p:spPr bwMode="auto">
           <a:xfrm>
-            <a:off x="0" y="5029200"/>
-            <a:ext cx="7239000" cy="1828800"/>
+            <a:off x="0" y="4509120"/>
+            <a:ext cx="7668344" cy="2348880"/>
           </a:xfrm>
           <a:prstGeom prst="rect">
             <a:avLst/>
@@ -10738,9 +10787,8 @@
                 <a:effectLst/>
                 <a:uLnTx/>
                 <a:uFillTx/>
-                <a:latin typeface="Arial" charset="0"/>
                 <a:ea typeface="+mj-ea"/>
-                <a:cs typeface="Arial" charset="0"/>
+                <a:cs typeface="Arial" panose="020B0604020202020204" pitchFamily="34" charset="0"/>
               </a:rPr>
               <a:t/>
             </a:r>
@@ -10755,9 +10803,8 @@
                 <a:effectLst/>
                 <a:uLnTx/>
                 <a:uFillTx/>
-                <a:latin typeface="Arial" charset="0"/>
                 <a:ea typeface="+mj-ea"/>
-                <a:cs typeface="Arial" charset="0"/>
+                <a:cs typeface="Arial" panose="020B0604020202020204" pitchFamily="34" charset="0"/>
               </a:rPr>
             </a:br>
             <a:r>
@@ -10771,9 +10818,8 @@
                 <a:effectLst/>
                 <a:uLnTx/>
                 <a:uFillTx/>
-                <a:latin typeface="Arial" charset="0"/>
                 <a:ea typeface="+mj-ea"/>
-                <a:cs typeface="Arial" charset="0"/>
+                <a:cs typeface="Arial" panose="020B0604020202020204" pitchFamily="34" charset="0"/>
               </a:rPr>
               <a:t>Student</a:t>
             </a:r>
@@ -10782,16 +10828,16 @@
                 <a:solidFill>
                   <a:schemeClr val="tx2"/>
                 </a:solidFill>
-                <a:cs typeface="Arial" pitchFamily="34" charset="0"/>
-              </a:rPr>
-              <a:t>:		    </a:t>
+                <a:cs typeface="Arial" panose="020B0604020202020204" pitchFamily="34" charset="0"/>
+              </a:rPr>
+              <a:t>:		</a:t>
             </a:r>
             <a:r>
               <a:rPr lang="en-US" sz="2100" b="1" dirty="0" err="1" smtClean="0">
                 <a:solidFill>
                   <a:schemeClr val="tx2"/>
                 </a:solidFill>
-                <a:cs typeface="Arial" pitchFamily="34" charset="0"/>
+                <a:cs typeface="Arial" panose="020B0604020202020204" pitchFamily="34" charset="0"/>
               </a:rPr>
               <a:t>Akos</a:t>
             </a:r>
@@ -10800,10 +10846,15 @@
                 <a:solidFill>
                   <a:schemeClr val="tx2"/>
                 </a:solidFill>
-                <a:cs typeface="Arial" pitchFamily="34" charset="0"/>
+                <a:cs typeface="Arial" panose="020B0604020202020204" pitchFamily="34" charset="0"/>
               </a:rPr>
               <a:t>-Tiberiu Boros</a:t>
             </a:r>
+          </a:p>
+          <a:p>
+            <a:pPr>
+              <a:defRPr/>
+            </a:pPr>
             <a:r>
               <a:rPr kumimoji="0" lang="en-US" sz="2100" b="1" i="0" u="none" strike="noStrike" kern="1200" cap="none" spc="0" normalizeH="0" baseline="0" noProof="0" dirty="0" smtClean="0">
                 <a:ln>
@@ -10815,9 +10866,8 @@
                 <a:effectLst/>
                 <a:uLnTx/>
                 <a:uFillTx/>
-                <a:latin typeface="Helvetica"/>
                 <a:ea typeface="+mj-ea"/>
-                <a:cs typeface="Arial" charset="0"/>
+                <a:cs typeface="Arial" panose="020B0604020202020204" pitchFamily="34" charset="0"/>
               </a:rPr>
               <a:t/>
             </a:r>
@@ -10832,9 +10882,8 @@
                 <a:effectLst/>
                 <a:uLnTx/>
                 <a:uFillTx/>
-                <a:latin typeface="Helvetica"/>
                 <a:ea typeface="+mj-ea"/>
-                <a:cs typeface="Arial" charset="0"/>
+                <a:cs typeface="Arial" panose="020B0604020202020204" pitchFamily="34" charset="0"/>
               </a:rPr>
             </a:br>
             <a:r>
@@ -10848,9 +10897,8 @@
                 <a:effectLst/>
                 <a:uLnTx/>
                 <a:uFillTx/>
-                <a:latin typeface="Helvetica"/>
                 <a:ea typeface="+mj-ea"/>
-                <a:cs typeface="Arial" charset="0"/>
+                <a:cs typeface="Arial" panose="020B0604020202020204" pitchFamily="34" charset="0"/>
               </a:rPr>
               <a:t>Supervisor</a:t>
             </a:r>
@@ -10866,7 +10914,7 @@
                 <a:uLnTx/>
                 <a:uFillTx/>
                 <a:ea typeface="+mj-ea"/>
-                <a:cs typeface="Arial" pitchFamily="34" charset="0"/>
+                <a:cs typeface="Arial" panose="020B0604020202020204" pitchFamily="34" charset="0"/>
               </a:rPr>
               <a:t>:</a:t>
             </a:r>
@@ -10882,9 +10930,9 @@
                 <a:uLnTx/>
                 <a:uFillTx/>
                 <a:ea typeface="+mj-ea"/>
-                <a:cs typeface="Arial" pitchFamily="34" charset="0"/>
-              </a:rPr>
-              <a:t>		   </a:t>
+                <a:cs typeface="Arial" panose="020B0604020202020204" pitchFamily="34" charset="0"/>
+              </a:rPr>
+              <a:t>		</a:t>
             </a:r>
             <a:r>
               <a:rPr kumimoji="0" lang="ro-RO" sz="2100" b="1" i="0" u="none" strike="noStrike" kern="1200" cap="none" spc="0" normalizeH="0" noProof="0" dirty="0" smtClean="0">
@@ -10898,9 +10946,57 @@
                 <a:uLnTx/>
                 <a:uFillTx/>
                 <a:ea typeface="+mj-ea"/>
-                <a:cs typeface="Arial" pitchFamily="34" charset="0"/>
-              </a:rPr>
-              <a:t> Prof. Dr. Ing. Ioan SALOMIE</a:t>
+                <a:cs typeface="Arial" panose="020B0604020202020204" pitchFamily="34" charset="0"/>
+              </a:rPr>
+              <a:t>Prof</a:t>
+            </a:r>
+            <a:r>
+              <a:rPr kumimoji="0" lang="ro-RO" sz="2100" b="1" i="0" u="none" strike="noStrike" kern="1200" cap="none" spc="0" normalizeH="0" noProof="0" dirty="0" smtClean="0">
+                <a:ln>
+                  <a:noFill/>
+                </a:ln>
+                <a:solidFill>
+                  <a:schemeClr val="tx2"/>
+                </a:solidFill>
+                <a:effectLst/>
+                <a:uLnTx/>
+                <a:uFillTx/>
+                <a:ea typeface="+mj-ea"/>
+                <a:cs typeface="Arial" panose="020B0604020202020204" pitchFamily="34" charset="0"/>
+              </a:rPr>
+              <a:t>. Dr. </a:t>
+            </a:r>
+            <a:r>
+              <a:rPr kumimoji="0" lang="en-US" sz="2100" b="1" i="0" u="none" strike="noStrike" kern="1200" cap="none" spc="0" normalizeH="0" noProof="0" dirty="0" smtClean="0">
+                <a:ln>
+                  <a:noFill/>
+                </a:ln>
+                <a:solidFill>
+                  <a:schemeClr val="tx2"/>
+                </a:solidFill>
+                <a:effectLst/>
+                <a:uLnTx/>
+                <a:uFillTx/>
+                <a:ea typeface="+mj-ea"/>
+                <a:cs typeface="Arial" panose="020B0604020202020204" pitchFamily="34" charset="0"/>
+              </a:rPr>
+              <a:t>E</a:t>
+            </a:r>
+            <a:r>
+              <a:rPr kumimoji="0" lang="ro-RO" sz="2100" b="1" i="0" u="none" strike="noStrike" kern="1200" cap="none" spc="0" normalizeH="0" noProof="0" dirty="0" smtClean="0">
+                <a:ln>
+                  <a:noFill/>
+                </a:ln>
+                <a:solidFill>
+                  <a:schemeClr val="tx2"/>
+                </a:solidFill>
+                <a:effectLst/>
+                <a:uLnTx/>
+                <a:uFillTx/>
+                <a:ea typeface="+mj-ea"/>
+                <a:cs typeface="Arial" panose="020B0604020202020204" pitchFamily="34" charset="0"/>
+              </a:rPr>
+              <a:t>ng. Ioan SALOMIE</a:t>
             </a:r>
           </a:p>
           <a:p>
@@ -10927,9 +11023,59 @@
                   <a:schemeClr val="tx2"/>
                 </a:solidFill>
                 <a:ea typeface="+mj-ea"/>
-                <a:cs typeface="Arial" pitchFamily="34" charset="0"/>
-              </a:rPr>
-              <a:t>			    S.l. Dr. Ing. Viorica CHIFU</a:t>
+                <a:cs typeface="Arial" panose="020B0604020202020204" pitchFamily="34" charset="0"/>
+              </a:rPr>
+              <a:t>			</a:t>
+            </a:r>
+            <a:r>
+              <a:rPr lang="en-US" sz="2100" b="1" dirty="0" smtClean="0">
+                <a:solidFill>
+                  <a:schemeClr val="tx2"/>
+                </a:solidFill>
+                <a:ea typeface="+mj-ea"/>
+                <a:cs typeface="Arial" panose="020B0604020202020204" pitchFamily="34" charset="0"/>
+              </a:rPr>
+              <a:t>Lecturer</a:t>
+            </a:r>
+            <a:r>
+              <a:rPr lang="ro-RO" sz="2100" b="1" dirty="0" smtClean="0">
+                <a:solidFill>
+                  <a:schemeClr val="tx2"/>
+                </a:solidFill>
+                <a:ea typeface="+mj-ea"/>
+                <a:cs typeface="Arial" panose="020B0604020202020204" pitchFamily="34" charset="0"/>
+              </a:rPr>
+              <a:t> </a:t>
+            </a:r>
+            <a:r>
+              <a:rPr lang="ro-RO" sz="2100" b="1" dirty="0" smtClean="0">
+                <a:solidFill>
+                  <a:schemeClr val="tx2"/>
+                </a:solidFill>
+                <a:ea typeface="+mj-ea"/>
+                <a:cs typeface="Arial" panose="020B0604020202020204" pitchFamily="34" charset="0"/>
+              </a:rPr>
+              <a:t>Dr. </a:t>
+            </a:r>
+            <a:r>
+              <a:rPr lang="en-US" sz="2100" b="1" dirty="0" smtClean="0">
+                <a:solidFill>
+                  <a:schemeClr val="tx2"/>
+                </a:solidFill>
+                <a:ea typeface="+mj-ea"/>
+                <a:cs typeface="Arial" panose="020B0604020202020204" pitchFamily="34" charset="0"/>
+              </a:rPr>
+              <a:t>E</a:t>
+            </a:r>
+            <a:r>
+              <a:rPr lang="ro-RO" sz="2100" b="1" dirty="0" smtClean="0">
+                <a:solidFill>
+                  <a:schemeClr val="tx2"/>
+                </a:solidFill>
+                <a:ea typeface="+mj-ea"/>
+                <a:cs typeface="Arial" panose="020B0604020202020204" pitchFamily="34" charset="0"/>
+              </a:rPr>
+              <a:t>ng. Viorica CHIFU</a:t>
             </a:r>
           </a:p>
           <a:p>
@@ -10962,9 +11108,89 @@
                 <a:uLnTx/>
                 <a:uFillTx/>
                 <a:ea typeface="+mj-ea"/>
-                <a:cs typeface="Arial" pitchFamily="34" charset="0"/>
-              </a:rPr>
-              <a:t>			    Dr. Ing. Cristina POP</a:t>
+                <a:cs typeface="Arial" panose="020B0604020202020204" pitchFamily="34" charset="0"/>
+              </a:rPr>
+              <a:t>			</a:t>
+            </a:r>
+            <a:r>
+              <a:rPr kumimoji="0" lang="en-US" sz="2100" b="1" i="0" u="none" strike="noStrike" kern="1200" cap="none" spc="0" normalizeH="0" noProof="0" dirty="0" smtClean="0">
+                <a:ln>
+                  <a:noFill/>
+                </a:ln>
+                <a:solidFill>
+                  <a:schemeClr val="tx2"/>
+                </a:solidFill>
+                <a:effectLst/>
+                <a:uLnTx/>
+                <a:uFillTx/>
+                <a:ea typeface="+mj-ea"/>
+                <a:cs typeface="Arial" panose="020B0604020202020204" pitchFamily="34" charset="0"/>
+              </a:rPr>
+              <a:t>Junior </a:t>
+            </a:r>
+            <a:r>
+              <a:rPr kumimoji="0" lang="en-US" sz="2100" b="1" i="0" u="none" strike="noStrike" kern="1200" cap="none" spc="0" normalizeH="0" noProof="0" dirty="0" smtClean="0">
+                <a:ln>
+                  <a:noFill/>
+                </a:ln>
+                <a:solidFill>
+                  <a:schemeClr val="tx2"/>
+                </a:solidFill>
+                <a:effectLst/>
+                <a:uLnTx/>
+                <a:uFillTx/>
+                <a:ea typeface="+mj-ea"/>
+                <a:cs typeface="Arial" panose="020B0604020202020204" pitchFamily="34" charset="0"/>
+              </a:rPr>
+              <a:t>lecturer </a:t>
+            </a:r>
+            <a:r>
+              <a:rPr kumimoji="0" lang="ro-RO" sz="2100" b="1" i="0" u="none" strike="noStrike" kern="1200" cap="none" spc="0" normalizeH="0" noProof="0" dirty="0" smtClean="0">
+                <a:ln>
+                  <a:noFill/>
+                </a:ln>
+                <a:solidFill>
+                  <a:schemeClr val="tx2"/>
+                </a:solidFill>
+                <a:effectLst/>
+                <a:uLnTx/>
+                <a:uFillTx/>
+                <a:ea typeface="+mj-ea"/>
+                <a:cs typeface="Arial" panose="020B0604020202020204" pitchFamily="34" charset="0"/>
+              </a:rPr>
+              <a:t>Dr. </a:t>
+            </a:r>
+            <a:r>
+              <a:rPr kumimoji="0" lang="en-US" sz="2100" b="1" i="0" u="none" strike="noStrike" kern="1200" cap="none" spc="0" normalizeH="0" noProof="0" dirty="0" smtClean="0">
+                <a:ln>
+                  <a:noFill/>
+                </a:ln>
+                <a:solidFill>
+                  <a:schemeClr val="tx2"/>
+                </a:solidFill>
+                <a:effectLst/>
+                <a:uLnTx/>
+                <a:uFillTx/>
+                <a:ea typeface="+mj-ea"/>
+                <a:cs typeface="Arial" panose="020B0604020202020204" pitchFamily="34" charset="0"/>
+              </a:rPr>
+              <a:t>E</a:t>
+            </a:r>
+            <a:r>
+              <a:rPr kumimoji="0" lang="ro-RO" sz="2100" b="1" i="0" u="none" strike="noStrike" kern="1200" cap="none" spc="0" normalizeH="0" noProof="0" dirty="0" smtClean="0">
+                <a:ln>
+                  <a:noFill/>
+                </a:ln>
+                <a:solidFill>
+                  <a:schemeClr val="tx2"/>
+                </a:solidFill>
+                <a:effectLst/>
+                <a:uLnTx/>
+                <a:uFillTx/>
+                <a:ea typeface="+mj-ea"/>
+                <a:cs typeface="Arial" panose="020B0604020202020204" pitchFamily="34" charset="0"/>
+              </a:rPr>
+              <a:t>ng. Cristina POP</a:t>
             </a:r>
             <a:r>
               <a:rPr kumimoji="0" lang="en-US" sz="2100" b="1" i="0" u="none" strike="noStrike" kern="1200" cap="none" spc="0" normalizeH="0" baseline="0" noProof="0" dirty="0" smtClean="0">
@@ -10983,9 +11209,8 @@
                 </a:effectLst>
                 <a:uLnTx/>
                 <a:uFillTx/>
-                <a:latin typeface="Helvetica" pitchFamily="34" charset="0"/>
                 <a:ea typeface="+mj-ea"/>
-                <a:cs typeface="+mj-cs"/>
+                <a:cs typeface="Arial" panose="020B0604020202020204" pitchFamily="34" charset="0"/>
               </a:rPr>
               <a:t/>
             </a:r>
@@ -11006,9 +11231,8 @@
                 </a:effectLst>
                 <a:uLnTx/>
                 <a:uFillTx/>
-                <a:latin typeface="Helvetica" pitchFamily="34" charset="0"/>
                 <a:ea typeface="+mj-ea"/>
-                <a:cs typeface="+mj-cs"/>
+                <a:cs typeface="Arial" panose="020B0604020202020204" pitchFamily="34" charset="0"/>
               </a:rPr>
             </a:br>
             <a:r>
@@ -11028,9 +11252,8 @@
                 </a:effectLst>
                 <a:uLnTx/>
                 <a:uFillTx/>
-                <a:latin typeface="Helvetica" pitchFamily="34" charset="0"/>
                 <a:ea typeface="+mj-ea"/>
-                <a:cs typeface="+mj-cs"/>
+                <a:cs typeface="Arial" panose="020B0604020202020204" pitchFamily="34" charset="0"/>
               </a:rPr>
               <a:t/>
             </a:r>
@@ -11051,9 +11274,8 @@
                 </a:effectLst>
                 <a:uLnTx/>
                 <a:uFillTx/>
-                <a:latin typeface="Helvetica" pitchFamily="34" charset="0"/>
                 <a:ea typeface="+mj-ea"/>
-                <a:cs typeface="+mj-cs"/>
+                <a:cs typeface="Arial" panose="020B0604020202020204" pitchFamily="34" charset="0"/>
               </a:rPr>
             </a:br>
             <a:r>
@@ -11067,9 +11289,8 @@
                 <a:effectLst/>
                 <a:uLnTx/>
                 <a:uFillTx/>
-                <a:latin typeface="Arial" charset="0"/>
                 <a:ea typeface="+mj-ea"/>
-                <a:cs typeface="Arial" charset="0"/>
+                <a:cs typeface="Arial" panose="020B0604020202020204" pitchFamily="34" charset="0"/>
               </a:rPr>
               <a:t/>
             </a:r>
@@ -11084,9 +11305,8 @@
                 <a:effectLst/>
                 <a:uLnTx/>
                 <a:uFillTx/>
-                <a:latin typeface="Arial" charset="0"/>
                 <a:ea typeface="+mj-ea"/>
-                <a:cs typeface="Arial" charset="0"/>
+                <a:cs typeface="Arial" panose="020B0604020202020204" pitchFamily="34" charset="0"/>
               </a:rPr>
             </a:br>
             <a:endParaRPr kumimoji="0" lang="en-US" sz="2100" b="0" i="0" u="none" strike="noStrike" kern="1200" cap="none" spc="0" normalizeH="0" baseline="0" noProof="0" dirty="0" smtClean="0">
@@ -11099,9 +11319,8 @@
               <a:effectLst/>
               <a:uLnTx/>
               <a:uFillTx/>
-              <a:latin typeface="Arial" charset="0"/>
               <a:ea typeface="+mj-ea"/>
-              <a:cs typeface="Arial" charset="0"/>
+              <a:cs typeface="Arial" panose="020B0604020202020204" pitchFamily="34" charset="0"/>
             </a:endParaRPr>
           </a:p>
         </p:txBody>
@@ -11175,23 +11394,23 @@
               <a:buNone/>
             </a:pPr>
             <a:r>
-              <a:rPr lang="en-US" sz="1900" dirty="0" smtClean="0"/>
+              <a:rPr lang="en-US" sz="1900" i="1" dirty="0" smtClean="0"/>
               <a:t>Given </a:t>
             </a:r>
             <a:r>
-              <a:rPr lang="en-US" sz="1900" dirty="0"/>
+              <a:rPr lang="en-US" sz="1900" i="1" dirty="0"/>
               <a:t>a repository of food packages (i.e. set of food items corresponding to breakfast, lunch, dinner or snack) provided by several food providers, </a:t>
             </a:r>
             <a:r>
-              <a:rPr lang="en-US" sz="1900" dirty="0" smtClean="0"/>
+              <a:rPr lang="en-US" sz="1900" i="1" dirty="0" smtClean="0"/>
               <a:t>find an optimal combination </a:t>
             </a:r>
             <a:r>
-              <a:rPr lang="en-US" sz="1900" dirty="0"/>
+              <a:rPr lang="en-US" sz="1900" i="1" dirty="0"/>
               <a:t>of food packages </a:t>
             </a:r>
             <a:r>
-              <a:rPr lang="en-US" sz="1900" dirty="0" smtClean="0"/>
+              <a:rPr lang="en-US" sz="1900" i="1" dirty="0" smtClean="0"/>
               <a:t>that represent the meals of the day taking into account:</a:t>
             </a:r>
           </a:p>
@@ -11504,17 +11723,18 @@
             </a:r>
             <a:r>
               <a:rPr lang="en-US" sz="1900" b="1" dirty="0" smtClean="0"/>
-              <a:t>   Solution Representation</a:t>
-            </a:r>
+              <a:t>   </a:t>
+            </a:r>
+            <a:r>
+              <a:rPr lang="en-US" sz="2400" dirty="0" smtClean="0"/>
+              <a:t>Solution Representation</a:t>
+            </a:r>
+            <a:endParaRPr lang="en-US" sz="1900" dirty="0" smtClean="0"/>
           </a:p>
           <a:p>
             <a:r>
               <a:rPr lang="en-US" sz="1900" dirty="0" smtClean="0"/>
-              <a:t>In </a:t>
-            </a:r>
-            <a:r>
-              <a:rPr lang="en-US" sz="1900" dirty="0"/>
-              <a:t>this case, a solution of the optimization problem is formally represented as follows: </a:t>
+              <a:t>Solution</a:t>
             </a:r>
           </a:p>
           <a:p>
@@ -11528,8 +11748,28 @@
           <a:p>
             <a:pPr lvl="2"/>
             <a:r>
-              <a:rPr lang="en-US" sz="1900" dirty="0" smtClean="0"/>
-              <a:t>where </a:t>
+              <a:rPr lang="en-US" sz="1900" i="1" dirty="0" err="1" smtClean="0"/>
+              <a:t>fP</a:t>
+            </a:r>
+            <a:r>
+              <a:rPr lang="en-US" sz="1900" i="1" baseline="-25000" dirty="0" err="1" smtClean="0"/>
+              <a:t>b</a:t>
+            </a:r>
+            <a:r>
+              <a:rPr lang="en-US" sz="1900" dirty="0"/>
+              <a:t>, </a:t>
+            </a:r>
+            <a:r>
+              <a:rPr lang="en-US" sz="1900" i="1" dirty="0"/>
+              <a:t>fP</a:t>
+            </a:r>
+            <a:r>
+              <a:rPr lang="en-US" sz="1900" i="1" baseline="-25000" dirty="0"/>
+              <a:t>s1</a:t>
+            </a:r>
+            <a:r>
+              <a:rPr lang="en-US" sz="1900" dirty="0"/>
+              <a:t>, </a:t>
             </a:r>
             <a:r>
               <a:rPr lang="en-US" sz="1900" i="1" dirty="0" err="1"/>
@@ -11537,7 +11777,7 @@
             </a:r>
             <a:r>
               <a:rPr lang="en-US" sz="1900" i="1" baseline="-25000" dirty="0" err="1"/>
-              <a:t>b</a:t>
+              <a:t>l</a:t>
             </a:r>
             <a:r>
               <a:rPr lang="en-US" sz="1900" dirty="0"/>
@@ -11549,11 +11789,11 @@
             </a:r>
             <a:r>
               <a:rPr lang="en-US" sz="1900" i="1" baseline="-25000" dirty="0"/>
-              <a:t>s1</a:t>
+              <a:t>s2</a:t>
             </a:r>
             <a:r>
               <a:rPr lang="en-US" sz="1900" dirty="0"/>
-              <a:t>, </a:t>
+              <a:t> and </a:t>
             </a:r>
             <a:r>
               <a:rPr lang="en-US" sz="1900" i="1" dirty="0" err="1"/>
@@ -11561,30 +11801,6 @@
             </a:r>
             <a:r>
               <a:rPr lang="en-US" sz="1900" i="1" baseline="-25000" dirty="0" err="1"/>
-              <a:t>l</a:t>
-            </a:r>
-            <a:r>
-              <a:rPr lang="en-US" sz="1900" dirty="0"/>
-              <a:t>, </a:t>
-            </a:r>
-            <a:r>
-              <a:rPr lang="en-US" sz="1900" i="1" dirty="0"/>
-              <a:t>fP</a:t>
-            </a:r>
-            <a:r>
-              <a:rPr lang="en-US" sz="1900" i="1" baseline="-25000" dirty="0"/>
-              <a:t>s2</a:t>
-            </a:r>
-            <a:r>
-              <a:rPr lang="en-US" sz="1900" dirty="0"/>
-              <a:t> and </a:t>
-            </a:r>
-            <a:r>
-              <a:rPr lang="en-US" sz="1900" i="1" dirty="0" err="1"/>
-              <a:t>fP</a:t>
-            </a:r>
-            <a:r>
-              <a:rPr lang="en-US" sz="1900" i="1" baseline="-25000" dirty="0" err="1"/>
               <a:t>d</a:t>
             </a:r>
             <a:r>
@@ -11592,27 +11808,47 @@
               <a:t> </a:t>
             </a:r>
             <a:r>
+              <a:rPr lang="en-US" sz="1900" i="1" baseline="-25000" dirty="0" smtClean="0"/>
+              <a:t> </a:t>
+            </a:r>
+            <a:r>
+              <a:rPr lang="en-US" sz="1900" i="1" dirty="0" smtClean="0"/>
+              <a:t>- </a:t>
+            </a:r>
+            <a:r>
+              <a:rPr lang="en-US" sz="1900" dirty="0" smtClean="0"/>
+              <a:t>food </a:t>
+            </a:r>
+            <a:r>
               <a:rPr lang="en-US" sz="1900" dirty="0"/>
-              <a:t>are the food packages selected for breakfast, the first snack, lunch, the second snack, and dinner </a:t>
+              <a:t>packages </a:t>
             </a:r>
             <a:r>
               <a:rPr lang="en-US" sz="1900" dirty="0" smtClean="0"/>
-              <a:t>respectively</a:t>
+              <a:t>for </a:t>
+            </a:r>
+            <a:r>
+              <a:rPr lang="en-US" sz="1900" dirty="0"/>
+              <a:t>breakfast, the first snack, lunch, the second </a:t>
+            </a:r>
+            <a:r>
+              <a:rPr lang="en-US" sz="1900" dirty="0" smtClean="0"/>
+              <a:t>snack </a:t>
+            </a:r>
+            <a:r>
+              <a:rPr lang="en-US" sz="1900" dirty="0"/>
+              <a:t>and </a:t>
+            </a:r>
+            <a:r>
+              <a:rPr lang="en-US" sz="1900" dirty="0" smtClean="0"/>
+              <a:t>dinner</a:t>
             </a:r>
           </a:p>
           <a:p>
             <a:pPr eaLnBrk="1" hangingPunct="1"/>
             <a:r>
               <a:rPr lang="en-US" sz="1900" dirty="0" smtClean="0"/>
-              <a:t>A </a:t>
-            </a:r>
-            <a:r>
-              <a:rPr lang="en-US" sz="1900" dirty="0"/>
-              <a:t>food package is formally represented as</a:t>
-            </a:r>
-            <a:r>
-              <a:rPr lang="en-US" sz="1900" dirty="0" smtClean="0"/>
-              <a:t>:</a:t>
+              <a:t>Food package</a:t>
             </a:r>
           </a:p>
           <a:p>
@@ -11628,38 +11864,41 @@
           <a:p>
             <a:pPr lvl="2" eaLnBrk="1" hangingPunct="1"/>
             <a:r>
+              <a:rPr lang="en-US" sz="1900" i="1" dirty="0" err="1" smtClean="0"/>
+              <a:t>fI</a:t>
+            </a:r>
+            <a:r>
+              <a:rPr lang="en-US" sz="1900" i="1" baseline="-25000" dirty="0" err="1" smtClean="0"/>
+              <a:t>i</a:t>
+            </a:r>
+            <a:r>
+              <a:rPr lang="en-US" sz="1900" i="1" baseline="-25000" dirty="0" smtClean="0"/>
+              <a:t>  </a:t>
+            </a:r>
+            <a:r>
+              <a:rPr lang="en-US" sz="1900" i="1" dirty="0" smtClean="0"/>
+              <a:t>- </a:t>
+            </a:r>
+            <a:r>
               <a:rPr lang="en-US" sz="1900" dirty="0" smtClean="0"/>
-              <a:t>where </a:t>
-            </a:r>
-            <a:r>
-              <a:rPr lang="en-US" sz="1900" i="1" dirty="0" err="1"/>
-              <a:t>fI</a:t>
-            </a:r>
-            <a:r>
-              <a:rPr lang="en-US" sz="1900" i="1" baseline="-25000" dirty="0" err="1"/>
-              <a:t>i</a:t>
-            </a:r>
-            <a:r>
-              <a:rPr lang="en-US" sz="1900" i="1" baseline="-25000" dirty="0"/>
-              <a:t> </a:t>
-            </a:r>
-            <a:r>
-              <a:rPr lang="en-US" sz="1900" dirty="0"/>
-              <a:t>is a food item (e.g. noodle soup) and </a:t>
-            </a:r>
-            <a:r>
-              <a:rPr lang="en-US" sz="1900" i="1" dirty="0"/>
+              <a:t>food </a:t>
+            </a:r>
+            <a:r>
+              <a:rPr lang="en-US" sz="1900" dirty="0" smtClean="0"/>
+              <a:t>item (dish)</a:t>
+            </a:r>
+            <a:endParaRPr lang="en-US" sz="1900" dirty="0" smtClean="0"/>
+          </a:p>
+          <a:p>
+            <a:pPr lvl="2" eaLnBrk="1" hangingPunct="1"/>
+            <a:r>
+              <a:rPr lang="en-US" sz="1900" i="1" dirty="0" smtClean="0"/>
               <a:t>m </a:t>
             </a:r>
             <a:r>
-              <a:rPr lang="en-US" sz="1900" dirty="0"/>
-              <a:t>is the number of food items part of the food package, each food item being classified as either a starter, main course, or a dessert. Additionally, each food item has a recipe associated as well as a set of values corresponding to the nutrients that are being considered. </a:t>
-            </a:r>
-          </a:p>
-          <a:p>
-            <a:pPr marL="366713" lvl="1" indent="0" eaLnBrk="1" hangingPunct="1">
-              <a:buNone/>
-            </a:pPr>
+              <a:rPr lang="en-US" sz="1900" i="1" dirty="0" smtClean="0"/>
+              <a:t>– number of food items (dishes) contained in a food package</a:t>
+            </a:r>
             <a:endParaRPr lang="en-US" sz="2100" b="1" dirty="0" smtClean="0">
               <a:latin typeface="Arial" pitchFamily="34" charset="0"/>
               <a:cs typeface="Arial" pitchFamily="34" charset="0"/>
@@ -11780,7 +12019,14 @@
                 <a:latin typeface="Arial" pitchFamily="34" charset="0"/>
                 <a:cs typeface="Arial" pitchFamily="34" charset="0"/>
               </a:rPr>
-              <a:t>Solution Representation</a:t>
+              <a:t>Solution </a:t>
+            </a:r>
+            <a:r>
+              <a:rPr lang="en-US" sz="2000" dirty="0" smtClean="0">
+                <a:latin typeface="Arial" pitchFamily="34" charset="0"/>
+                <a:cs typeface="Arial" pitchFamily="34" charset="0"/>
+              </a:rPr>
+              <a:t>Representation (I) </a:t>
             </a:r>
             <a:r>
               <a:rPr lang="ro-RO" sz="1900" dirty="0">
@@ -11818,8 +12064,8 @@
         </p:blipFill>
         <p:spPr>
           <a:xfrm>
-            <a:off x="2555776" y="4337254"/>
-            <a:ext cx="2506657" cy="504056"/>
+            <a:off x="1835696" y="4136989"/>
+            <a:ext cx="2880320" cy="579194"/>
           </a:xfrm>
           <a:prstGeom prst="rect">
             <a:avLst/>
@@ -11835,25 +12081,25 @@
           <p:nvPr>
             <p:extLst>
               <p:ext uri="{D42A27DB-BD31-4B8C-83A1-F6EECF244321}">
-                <p14:modId xmlns:p14="http://schemas.microsoft.com/office/powerpoint/2010/main" val="2596180980"/>
+                <p14:modId xmlns:p14="http://schemas.microsoft.com/office/powerpoint/2010/main" val="3920615255"/>
               </p:ext>
             </p:extLst>
           </p:nvPr>
         </p:nvGraphicFramePr>
         <p:xfrm>
-          <a:off x="2555776" y="2613747"/>
-          <a:ext cx="3672407" cy="468818"/>
+          <a:off x="1691680" y="2276872"/>
+          <a:ext cx="4392488" cy="480301"/>
         </p:xfrm>
         <a:graphic>
           <a:graphicData uri="http://schemas.openxmlformats.org/presentationml/2006/ole">
             <mc:AlternateContent xmlns:mc="http://schemas.openxmlformats.org/markup-compatibility/2006">
               <mc:Choice xmlns:v="urn:schemas-microsoft-com:vml" Requires="v">
-                <p:oleObj spid="_x0000_s209007" name="Equation" r:id="rId5" imgW="1790700" imgH="228600" progId="Equation.3">
+                <p:oleObj spid="_x0000_s209075" name="Equation" r:id="rId5" imgW="2095200" imgH="228600" progId="Equation.3">
                   <p:embed/>
                 </p:oleObj>
               </mc:Choice>
               <mc:Fallback>
-                <p:oleObj name="Equation" r:id="rId5" imgW="1790700" imgH="228600" progId="Equation.3">
+                <p:oleObj name="Equation" r:id="rId5" imgW="2095200" imgH="228600" progId="Equation.3">
                   <p:embed/>
                   <p:pic>
                     <p:nvPicPr>
@@ -11864,13 +12110,7 @@
                       <p:nvPr/>
                     </p:nvPicPr>
                     <p:blipFill>
-                      <a:blip r:embed="rId6">
-                        <a:extLst>
-                          <a:ext uri="{28A0092B-C50C-407E-A947-70E740481C1C}">
-                            <a14:useLocalDpi xmlns:a14="http://schemas.microsoft.com/office/drawing/2010/main" val="0"/>
-                          </a:ext>
-                        </a:extLst>
-                      </a:blip>
+                      <a:blip r:embed="rId6"/>
                       <a:srcRect/>
                       <a:stretch>
                         <a:fillRect/>
@@ -11878,8 +12118,8 @@
                     </p:blipFill>
                     <p:spPr bwMode="auto">
                       <a:xfrm>
-                        <a:off x="2555776" y="2613747"/>
-                        <a:ext cx="3672407" cy="468818"/>
+                        <a:off x="1691680" y="2276872"/>
+                        <a:ext cx="4392488" cy="480301"/>
                       </a:xfrm>
                       <a:prstGeom prst="rect">
                         <a:avLst/>
@@ -12073,7 +12313,14 @@
                 <a:latin typeface="Arial" pitchFamily="34" charset="0"/>
                 <a:cs typeface="Arial" pitchFamily="34" charset="0"/>
               </a:rPr>
-              <a:t>Solution Representation</a:t>
+              <a:t>Solution </a:t>
+            </a:r>
+            <a:r>
+              <a:rPr lang="en-US" sz="2000" dirty="0" smtClean="0">
+                <a:latin typeface="Arial" pitchFamily="34" charset="0"/>
+                <a:cs typeface="Arial" pitchFamily="34" charset="0"/>
+              </a:rPr>
+              <a:t>Representation (II) </a:t>
             </a:r>
             <a:r>
               <a:rPr lang="ro-RO" sz="1900" dirty="0">
@@ -12338,7 +12585,14 @@
                 <a:latin typeface="Arial" pitchFamily="34" charset="0"/>
                 <a:cs typeface="Arial" pitchFamily="34" charset="0"/>
               </a:rPr>
-              <a:t>Solution Evaluation</a:t>
+              <a:t>Solution </a:t>
+            </a:r>
+            <a:r>
+              <a:rPr lang="en-US" sz="2000" dirty="0" smtClean="0">
+                <a:latin typeface="Arial" pitchFamily="34" charset="0"/>
+                <a:cs typeface="Arial" pitchFamily="34" charset="0"/>
+              </a:rPr>
+              <a:t>Evaluation (I)</a:t>
             </a:r>
             <a:r>
               <a:rPr lang="ro-RO" sz="1900" dirty="0">
@@ -12575,117 +12829,72 @@
             </a:lvl9pPr>
           </a:lstStyle>
           <a:p>
-            <a:pPr marL="0" indent="0">
-              <a:buFont typeface="Courier New" pitchFamily="49" charset="0"/>
-              <a:buNone/>
-            </a:pPr>
-            <a:r>
-              <a:rPr lang="en-US" sz="1900" b="1" dirty="0" smtClean="0"/>
-              <a:t>Solution Evaluation</a:t>
-            </a:r>
-          </a:p>
-          <a:p>
-            <a:pPr marL="0" indent="0">
-              <a:buNone/>
-            </a:pPr>
+            <a:r>
+              <a:rPr lang="en-US" sz="2000" dirty="0" smtClean="0"/>
+              <a:t>Solution Evaluation Criteria</a:t>
+            </a:r>
+          </a:p>
+          <a:p>
+            <a:pPr lvl="1"/>
             <a:r>
               <a:rPr lang="en-US" sz="1400" dirty="0" smtClean="0"/>
-              <a:t>The solution is evaluated by the </a:t>
-            </a:r>
-            <a:r>
-              <a:rPr lang="en-US" sz="1400" b="1" dirty="0" smtClean="0"/>
-              <a:t>Fitness </a:t>
-            </a:r>
-            <a:r>
-              <a:rPr lang="en-US" sz="1400" b="1" dirty="0" smtClean="0"/>
-              <a:t>Function</a:t>
-            </a:r>
-            <a:r>
-              <a:rPr lang="en-US" sz="1400" dirty="0" smtClean="0"/>
-              <a:t>, thus each solution will have a fitness value.</a:t>
-            </a:r>
-            <a:r>
-              <a:rPr lang="en-US" sz="1400" dirty="0" smtClean="0"/>
-              <a:t> </a:t>
-            </a:r>
-            <a:endParaRPr lang="en-US" sz="1400" dirty="0" smtClean="0"/>
-          </a:p>
-          <a:p>
-            <a:pPr marL="0" indent="0">
-              <a:buNone/>
-            </a:pPr>
-            <a:r>
-              <a:rPr lang="en-US" sz="1400" dirty="0" smtClean="0"/>
-              <a:t>For </a:t>
-            </a:r>
-            <a:r>
-              <a:rPr lang="en-US" sz="1400" dirty="0"/>
-              <a:t>the diet of a person, the fitness function models the quality of the menu, in terms of following factors: </a:t>
-            </a:r>
-          </a:p>
-          <a:p>
-            <a:pPr lvl="0"/>
-            <a:r>
-              <a:rPr lang="en-US" sz="1400" dirty="0"/>
               <a:t>Nutrients </a:t>
             </a:r>
-          </a:p>
-          <a:p>
-            <a:pPr lvl="1"/>
+            <a:endParaRPr lang="en-US" sz="1400" dirty="0"/>
+          </a:p>
+          <a:p>
+            <a:pPr lvl="2"/>
             <a:r>
               <a:rPr lang="en-US" sz="1400" dirty="0"/>
               <a:t>Kilocalories</a:t>
             </a:r>
           </a:p>
           <a:p>
-            <a:pPr lvl="1"/>
+            <a:pPr lvl="2"/>
             <a:r>
               <a:rPr lang="en-US" sz="1400" dirty="0"/>
               <a:t>Macro-nutrients: carbohydrates, proteins, fats,</a:t>
             </a:r>
           </a:p>
           <a:p>
-            <a:pPr lvl="1"/>
+            <a:pPr lvl="2"/>
             <a:r>
               <a:rPr lang="en-US" sz="1400" dirty="0"/>
               <a:t>Micro-nutrients: vitamin A, B, C, D, calcium, iron, sodium </a:t>
             </a:r>
           </a:p>
           <a:p>
-            <a:pPr lvl="0"/>
+            <a:pPr lvl="1"/>
             <a:r>
               <a:rPr lang="en-US" sz="1400" dirty="0"/>
               <a:t>Deviation of the quantities of the previously mentioned items from the desired ones;</a:t>
             </a:r>
           </a:p>
           <a:p>
-            <a:pPr lvl="0"/>
+            <a:pPr lvl="1"/>
             <a:r>
               <a:rPr lang="en-US" sz="1400" dirty="0"/>
               <a:t>Doctor's prescription;</a:t>
             </a:r>
           </a:p>
           <a:p>
-            <a:pPr lvl="0"/>
+            <a:pPr lvl="1"/>
             <a:r>
               <a:rPr lang="en-US" sz="1400" dirty="0"/>
               <a:t>Patient's preferences;</a:t>
             </a:r>
           </a:p>
           <a:p>
-            <a:pPr lvl="0"/>
+            <a:pPr lvl="1"/>
             <a:r>
               <a:rPr lang="en-US" sz="1400" dirty="0"/>
-              <a:t>Cost and delivery time of the food package</a:t>
+              <a:t>Cost </a:t>
             </a:r>
             <a:r>
               <a:rPr lang="en-US" sz="1400" dirty="0" smtClean="0"/>
-              <a:t>.</a:t>
-            </a:r>
-          </a:p>
-          <a:p>
-            <a:pPr lvl="0"/>
-            <a:endParaRPr lang="en-US" sz="1400" dirty="0"/>
+              <a:t>and delivery time of food packages</a:t>
+            </a:r>
+            <a:endParaRPr lang="en-US" sz="800" dirty="0" smtClean="0"/>
           </a:p>
           <a:p>
             <a:pPr marL="0" indent="0">
@@ -12884,7 +13093,14 @@
                 <a:latin typeface="Arial" pitchFamily="34" charset="0"/>
                 <a:cs typeface="Arial" pitchFamily="34" charset="0"/>
               </a:rPr>
-              <a:t>Solution Evaluation</a:t>
+              <a:t>Solution </a:t>
+            </a:r>
+            <a:r>
+              <a:rPr lang="en-US" sz="2000" dirty="0" smtClean="0">
+                <a:latin typeface="Arial" pitchFamily="34" charset="0"/>
+                <a:cs typeface="Arial" pitchFamily="34" charset="0"/>
+              </a:rPr>
+              <a:t>Evaluation (II)</a:t>
             </a:r>
             <a:r>
               <a:rPr lang="ro-RO" sz="1900" dirty="0">
@@ -13152,6 +13368,59 @@
               <a:rPr lang="en-US" sz="1600" dirty="0" smtClean="0"/>
               <a:t> is the worst. </a:t>
             </a:r>
+            <a:r>
+              <a:rPr lang="en-US" sz="1600" dirty="0" smtClean="0">
+                <a:solidFill>
+                  <a:srgbClr val="FF0000"/>
+                </a:solidFill>
+              </a:rPr>
+              <a:t>// </a:t>
+            </a:r>
+            <a:r>
+              <a:rPr lang="en-US" sz="1600" dirty="0" err="1" smtClean="0">
+                <a:solidFill>
+                  <a:srgbClr val="FF0000"/>
+                </a:solidFill>
+              </a:rPr>
+              <a:t>mai</a:t>
+            </a:r>
+            <a:r>
+              <a:rPr lang="en-US" sz="1600" dirty="0" smtClean="0">
+                <a:solidFill>
+                  <a:srgbClr val="FF0000"/>
+                </a:solidFill>
+              </a:rPr>
+              <a:t> </a:t>
+            </a:r>
+            <a:r>
+              <a:rPr lang="en-US" sz="1600" dirty="0" err="1" smtClean="0">
+                <a:solidFill>
+                  <a:srgbClr val="FF0000"/>
+                </a:solidFill>
+              </a:rPr>
+              <a:t>pe</a:t>
+            </a:r>
+            <a:r>
+              <a:rPr lang="en-US" sz="1600" dirty="0" smtClean="0">
+                <a:solidFill>
+                  <a:srgbClr val="FF0000"/>
+                </a:solidFill>
+              </a:rPr>
+              <a:t> </a:t>
+            </a:r>
+            <a:r>
+              <a:rPr lang="en-US" sz="1600" dirty="0" err="1" smtClean="0">
+                <a:solidFill>
+                  <a:srgbClr val="FF0000"/>
+                </a:solidFill>
+              </a:rPr>
+              <a:t>scurt</a:t>
+            </a:r>
+            <a:endParaRPr lang="en-US" sz="1600" dirty="0" smtClean="0">
+              <a:solidFill>
+                <a:srgbClr val="FF0000"/>
+              </a:solidFill>
+            </a:endParaRPr>
           </a:p>
           <a:p>
             <a:pPr marL="0" indent="0">
@@ -13237,14 +13506,14 @@
           <p:nvPr>
             <p:extLst>
               <p:ext uri="{D42A27DB-BD31-4B8C-83A1-F6EECF244321}">
-                <p14:modId xmlns:p14="http://schemas.microsoft.com/office/powerpoint/2010/main" val="4168353472"/>
+                <p14:modId xmlns:p14="http://schemas.microsoft.com/office/powerpoint/2010/main" val="2593585610"/>
               </p:ext>
             </p:extLst>
           </p:nvPr>
         </p:nvGraphicFramePr>
         <p:xfrm>
-          <a:off x="395686" y="4036774"/>
-          <a:ext cx="8214913" cy="2059225"/>
+          <a:off x="395686" y="4286620"/>
+          <a:ext cx="8214913" cy="942580"/>
         </p:xfrm>
         <a:graphic>
           <a:graphicData uri="http://schemas.openxmlformats.org/drawingml/2006/table">
@@ -13256,7 +13525,7 @@
                 <a:gridCol w="2092478"/>
                 <a:gridCol w="6122435"/>
               </a:tblGrid>
-              <a:tr h="500840">
+              <a:tr h="253658">
                 <a:tc>
                   <a:txBody>
                     <a:bodyPr/>
@@ -13314,7 +13583,7 @@
                   <a:tcPr marL="68580" marR="68580" marT="0" marB="0"/>
                 </a:tc>
               </a:tr>
-              <a:tr h="523795">
+              <a:tr h="187530">
                 <a:tc>
                   <a:txBody>
                     <a:bodyPr/>
@@ -13372,7 +13641,7 @@
                   <a:tcPr marL="68580" marR="68580" marT="0" marB="0"/>
                 </a:tc>
               </a:tr>
-              <a:tr h="533750">
+              <a:tr h="262202">
                 <a:tc>
                   <a:txBody>
                     <a:bodyPr/>
@@ -13430,7 +13699,7 @@
                   <a:tcPr marL="68580" marR="68580" marT="0" marB="0"/>
                 </a:tc>
               </a:tr>
-              <a:tr h="500840">
+              <a:tr h="0">
                 <a:tc>
                   <a:txBody>
                     <a:bodyPr/>
@@ -13904,7 +14173,7 @@
         <p:spPr>
           <a:xfrm>
             <a:off x="323528" y="1600200"/>
-            <a:ext cx="8442647" cy="4495800"/>
+            <a:ext cx="8442647" cy="4709120"/>
           </a:xfrm>
         </p:spPr>
         <p:txBody>
@@ -13936,11 +14205,20 @@
               </a:spcAft>
             </a:pPr>
             <a:r>
-              <a:rPr lang="en-US" sz="1400" dirty="0" smtClean="0">
+              <a:rPr lang="en-US" sz="1600" dirty="0" smtClean="0">
                 <a:ea typeface="Batang" panose="02030600000101010101" pitchFamily="18" charset="-127"/>
               </a:rPr>
-              <a:t>Speed up convergence</a:t>
-            </a:r>
+              <a:t>Generate food menu </a:t>
+            </a:r>
+            <a:r>
+              <a:rPr lang="en-US" sz="1600" dirty="0" err="1" smtClean="0">
+                <a:ea typeface="Batang" panose="02030600000101010101" pitchFamily="18" charset="-127"/>
+              </a:rPr>
+              <a:t>recomendations</a:t>
+            </a:r>
+            <a:endParaRPr lang="en-US" sz="1400" dirty="0" smtClean="0">
+              <a:ea typeface="Batang" panose="02030600000101010101" pitchFamily="18" charset="-127"/>
+            </a:endParaRPr>
           </a:p>
           <a:p>
             <a:pPr lvl="1" algn="just">
@@ -13952,59 +14230,107 @@
               </a:spcAft>
             </a:pPr>
             <a:r>
-              <a:rPr lang="en-US" sz="1400" dirty="0"/>
-              <a:t>O</a:t>
-            </a:r>
-            <a:r>
-              <a:rPr lang="en-US" sz="1400" dirty="0" smtClean="0"/>
-              <a:t>ptimize </a:t>
-            </a:r>
-            <a:r>
-              <a:rPr lang="en-US" sz="1400" dirty="0"/>
-              <a:t>unstructured mesh which reduces computational cost </a:t>
-            </a:r>
-            <a:r>
-              <a:rPr lang="en-US" sz="1400" dirty="0" smtClean="0"/>
-              <a:t>significantly</a:t>
-            </a:r>
-          </a:p>
-          <a:p>
-            <a:pPr lvl="1" algn="just">
+              <a:rPr lang="en-US" sz="1400" dirty="0" smtClean="0">
+                <a:ea typeface="Batang" panose="02030600000101010101" pitchFamily="18" charset="-127"/>
+              </a:rPr>
+              <a:t>Adapt </a:t>
+            </a:r>
+            <a:r>
+              <a:rPr lang="en-US" sz="1400" dirty="0" smtClean="0">
+                <a:ea typeface="Batang" panose="02030600000101010101" pitchFamily="18" charset="-127"/>
+              </a:rPr>
+              <a:t>and </a:t>
+            </a:r>
+            <a:r>
+              <a:rPr lang="en-US" sz="1400" dirty="0" smtClean="0">
+                <a:ea typeface="Batang" panose="02030600000101010101" pitchFamily="18" charset="-127"/>
+              </a:rPr>
+              <a:t>hybridize </a:t>
+            </a:r>
+            <a:r>
+              <a:rPr lang="en-US" sz="1400" dirty="0" smtClean="0">
+                <a:ea typeface="Batang" panose="02030600000101010101" pitchFamily="18" charset="-127"/>
+              </a:rPr>
+              <a:t>the Cuckoo Search meta-heuristic</a:t>
+            </a:r>
+            <a:r>
+              <a:rPr lang="en-US" sz="1400" dirty="0" smtClean="0">
+                <a:solidFill>
+                  <a:srgbClr val="FF0000"/>
+                </a:solidFill>
+                <a:ea typeface="Batang" panose="02030600000101010101" pitchFamily="18" charset="-127"/>
+              </a:rPr>
+              <a:t> </a:t>
+            </a:r>
+            <a:r>
+              <a:rPr lang="en-US" sz="1400" dirty="0" smtClean="0">
+                <a:ea typeface="Batang" panose="02030600000101010101" pitchFamily="18" charset="-127"/>
+              </a:rPr>
+              <a:t>[Yang 2010] </a:t>
+            </a:r>
+          </a:p>
+          <a:p>
+            <a:pPr marL="595312" lvl="2" indent="0">
+              <a:lnSpc>
+                <a:spcPts val="1680"/>
+              </a:lnSpc>
               <a:spcBef>
                 <a:spcPts val="0"/>
               </a:spcBef>
               <a:spcAft>
-                <a:spcPts val="0"/>
+                <a:spcPts val="120"/>
               </a:spcAft>
+              <a:buNone/>
             </a:pPr>
-            <a:endParaRPr lang="en-US" sz="1400" dirty="0" smtClean="0">
+            <a:endParaRPr lang="en-US" sz="1300" dirty="0">
               <a:ea typeface="Batang" panose="02030600000101010101" pitchFamily="18" charset="-127"/>
             </a:endParaRPr>
           </a:p>
           <a:p>
-            <a:pPr algn="just">
-              <a:spcBef>
-                <a:spcPts val="0"/>
-              </a:spcBef>
-              <a:spcAft>
-                <a:spcPts val="0"/>
-              </a:spcAft>
-            </a:pPr>
-            <a:r>
-              <a:rPr lang="ro-RO" sz="2000" dirty="0" smtClean="0">
-                <a:ea typeface="Batang" panose="02030600000101010101" pitchFamily="18" charset="-127"/>
-              </a:rPr>
-              <a:t>Cuckoo </a:t>
-            </a:r>
-            <a:r>
-              <a:rPr lang="ro-RO" sz="2000" dirty="0">
-                <a:ea typeface="Batang" panose="02030600000101010101" pitchFamily="18" charset="-127"/>
-              </a:rPr>
-              <a:t>Search is based on three idealized rules:</a:t>
-            </a:r>
-            <a:endParaRPr lang="en-US" sz="2000" dirty="0">
-              <a:ea typeface="Batang" panose="02030600000101010101" pitchFamily="18" charset="-127"/>
-            </a:endParaRPr>
+            <a:r>
+              <a:rPr lang="en-US" sz="2000" dirty="0" smtClean="0"/>
+              <a:t>Combines principles from </a:t>
+            </a:r>
+            <a:endParaRPr lang="en-US" sz="2100" dirty="0" smtClean="0"/>
+          </a:p>
+          <a:p>
+            <a:pPr lvl="1"/>
+            <a:r>
+              <a:rPr lang="en-US" sz="1500" dirty="0" smtClean="0"/>
+              <a:t>Cuckoo Search</a:t>
+            </a:r>
+          </a:p>
+          <a:p>
+            <a:pPr lvl="1"/>
+            <a:r>
+              <a:rPr lang="en-US" sz="1500" dirty="0" smtClean="0"/>
+              <a:t>Genetic algorithms</a:t>
+            </a:r>
+          </a:p>
+          <a:p>
+            <a:pPr lvl="1"/>
+            <a:r>
+              <a:rPr lang="en-US" sz="1500" dirty="0" err="1" smtClean="0"/>
+              <a:t>Tabu</a:t>
+            </a:r>
+            <a:r>
+              <a:rPr lang="en-US" sz="1500" dirty="0" smtClean="0"/>
+              <a:t> Search, Hill Climbing and Uniform Crossover </a:t>
+            </a:r>
+            <a:r>
+              <a:rPr lang="en-US" sz="1500" dirty="0" smtClean="0"/>
+              <a:t>heuristics</a:t>
+            </a:r>
+          </a:p>
+          <a:p>
+            <a:pPr lvl="1"/>
+            <a:endParaRPr lang="ro-RO" sz="1500" dirty="0" smtClean="0"/>
+          </a:p>
+          <a:p>
+            <a:r>
+              <a:rPr lang="en-US" sz="2000" dirty="0" smtClean="0"/>
+              <a:t>Cuckoo Search Algorithm Principles</a:t>
+            </a:r>
           </a:p>
           <a:p>
             <a:pPr marL="938212" lvl="2" indent="-342900">
@@ -14019,33 +14345,15 @@
               </a:spcAft>
             </a:pPr>
             <a:r>
-              <a:rPr lang="en-US" sz="1300" dirty="0" smtClean="0">
+              <a:rPr lang="en-US" sz="1600" dirty="0">
                 <a:solidFill>
                   <a:srgbClr val="252525"/>
                 </a:solidFill>
                 <a:ea typeface="Times New Roman" panose="02020603050405020304" pitchFamily="18" charset="0"/>
               </a:rPr>
-              <a:t>Each </a:t>
-            </a:r>
-            <a:r>
-              <a:rPr lang="en-US" sz="1300" dirty="0">
-                <a:solidFill>
-                  <a:srgbClr val="252525"/>
-                </a:solidFill>
-                <a:ea typeface="Times New Roman" panose="02020603050405020304" pitchFamily="18" charset="0"/>
-              </a:rPr>
-              <a:t>cuckoo lays one egg at a time, and dumps its egg in a randomly chosen nest</a:t>
-            </a:r>
-            <a:r>
-              <a:rPr lang="en-US" sz="1300" dirty="0" smtClean="0">
-                <a:solidFill>
-                  <a:srgbClr val="252525"/>
-                </a:solidFill>
-                <a:ea typeface="Times New Roman" panose="02020603050405020304" pitchFamily="18" charset="0"/>
-              </a:rPr>
-              <a:t>;</a:t>
-            </a:r>
-            <a:endParaRPr lang="en-US" sz="1300" dirty="0">
+              <a:t>Each cuckoo lays one egg at a time, and dumps its egg in a randomly chosen nest;</a:t>
+            </a:r>
+            <a:endParaRPr lang="en-US" sz="1600" dirty="0">
               <a:ea typeface="Batang" panose="02030600000101010101" pitchFamily="18" charset="-127"/>
             </a:endParaRPr>
           </a:p>
@@ -14062,24 +14370,15 @@
               </a:spcAft>
             </a:pPr>
             <a:r>
-              <a:rPr lang="en-US" sz="1300" dirty="0">
+              <a:rPr lang="en-US" sz="1600" dirty="0">
                 <a:solidFill>
                   <a:srgbClr val="252525"/>
                 </a:solidFill>
                 <a:ea typeface="Times New Roman" panose="02020603050405020304" pitchFamily="18" charset="0"/>
               </a:rPr>
-              <a:t>The best nests with high quality of eggs will carry over to the next generation</a:t>
-            </a:r>
-            <a:r>
-              <a:rPr lang="en-US" sz="1300" dirty="0" smtClean="0">
-                <a:solidFill>
-                  <a:srgbClr val="252525"/>
-                </a:solidFill>
-                <a:ea typeface="Times New Roman" panose="02020603050405020304" pitchFamily="18" charset="0"/>
-              </a:rPr>
-              <a:t>;</a:t>
-            </a:r>
-            <a:endParaRPr lang="en-US" sz="1300" dirty="0">
+              <a:t>The best nests with high quality of eggs will carry over to the next generation;</a:t>
+            </a:r>
+            <a:endParaRPr lang="en-US" sz="1600" dirty="0">
               <a:ea typeface="Batang" panose="02030600000101010101" pitchFamily="18" charset="-127"/>
             </a:endParaRPr>
           </a:p>
@@ -14096,7 +14395,7 @@
               </a:spcAft>
             </a:pPr>
             <a:r>
-              <a:rPr lang="en-US" sz="1300" dirty="0">
+              <a:rPr lang="en-US" sz="1600" dirty="0">
                 <a:solidFill>
                   <a:srgbClr val="252525"/>
                 </a:solidFill>
@@ -14105,7 +14404,7 @@
               <a:t>The number of available hosts nests is fixed, and the egg laid by a cuckoo is discovered by the host bird with a probability pa </a:t>
             </a:r>
             <a:r>
-              <a:rPr lang="en-US" sz="1300" dirty="0">
+              <a:rPr lang="en-US" sz="1600" dirty="0">
                 <a:solidFill>
                   <a:srgbClr val="222222"/>
                 </a:solidFill>
@@ -14114,7 +14413,7 @@
               <a:t>∈ (0,1)</a:t>
             </a:r>
             <a:r>
-              <a:rPr lang="en-US" sz="1300" dirty="0">
+              <a:rPr lang="en-US" sz="1600" dirty="0">
                 <a:solidFill>
                   <a:srgbClr val="252525"/>
                 </a:solidFill>
@@ -14122,44 +14421,11 @@
               </a:rPr>
               <a:t>. Discovering operate on some set of worst nests, and discovered solutions dumped from farther calculations.</a:t>
             </a:r>
-            <a:endParaRPr lang="en-US" sz="1300" dirty="0">
-              <a:ea typeface="Batang" panose="02030600000101010101" pitchFamily="18" charset="-127"/>
+            <a:endParaRPr lang="ro-RO" sz="2800" dirty="0">
+              <a:solidFill>
+                <a:srgbClr val="FF0000"/>
+              </a:solidFill>
             </a:endParaRPr>
-          </a:p>
-          <a:p>
-            <a:r>
-              <a:rPr lang="en-US" sz="2100" dirty="0" smtClean="0"/>
-              <a:t>Combines principles from </a:t>
-            </a:r>
-          </a:p>
-          <a:p>
-            <a:pPr lvl="1"/>
-            <a:r>
-              <a:rPr lang="en-US" sz="1500" dirty="0" smtClean="0"/>
-              <a:t>Breeding behavior of cuckoo birds</a:t>
-            </a:r>
-          </a:p>
-          <a:p>
-            <a:pPr lvl="1"/>
-            <a:r>
-              <a:rPr lang="en-US" sz="1500" dirty="0" smtClean="0"/>
-              <a:t>Genetic algorithms</a:t>
-            </a:r>
-          </a:p>
-          <a:p>
-            <a:pPr lvl="1"/>
-            <a:r>
-              <a:rPr lang="en-US" sz="1500" dirty="0" err="1" smtClean="0"/>
-              <a:t>Tabu</a:t>
-            </a:r>
-            <a:r>
-              <a:rPr lang="en-US" sz="1500" dirty="0" smtClean="0"/>
-              <a:t> Search, Hill Climbing and Uniform Crossover heuristics</a:t>
-            </a:r>
-            <a:endParaRPr lang="ro-RO" sz="1500" dirty="0" smtClean="0"/>
-          </a:p>
-          <a:p>
-            <a:endParaRPr lang="ro-RO" sz="2100" dirty="0" smtClean="0"/>
           </a:p>
           <a:p>
             <a:endParaRPr lang="ro-RO" sz="2100" dirty="0" smtClean="0"/>
@@ -14552,26 +14818,46 @@
             <a:pPr marL="366713" lvl="1" indent="0">
               <a:buNone/>
             </a:pPr>
-            <a:endParaRPr lang="en-US" sz="1900" dirty="0" smtClean="0"/>
+            <a:endParaRPr lang="en-US" sz="1900" dirty="0" smtClean="0">
+              <a:solidFill>
+                <a:srgbClr val="FF0000"/>
+              </a:solidFill>
+            </a:endParaRPr>
           </a:p>
           <a:p>
             <a:pPr marL="366713" lvl="1" indent="0">
               <a:buNone/>
             </a:pPr>
             <a:r>
-              <a:rPr lang="en-US" sz="1900" dirty="0" smtClean="0"/>
+              <a:rPr lang="en-US" sz="1900" dirty="0" smtClean="0">
+                <a:solidFill>
+                  <a:srgbClr val="FF0000"/>
+                </a:solidFill>
+              </a:rPr>
               <a:t>The </a:t>
             </a:r>
             <a:r>
-              <a:rPr lang="en-US" sz="1900" dirty="0"/>
+              <a:rPr lang="en-US" sz="1900" dirty="0">
+                <a:solidFill>
+                  <a:srgbClr val="FF0000"/>
+                </a:solidFill>
+              </a:rPr>
               <a:t>core component</a:t>
             </a:r>
             <a:r>
-              <a:rPr lang="en-US" sz="1900" b="1" dirty="0"/>
+              <a:rPr lang="en-US" sz="1900" b="1" dirty="0">
+                <a:solidFill>
+                  <a:srgbClr val="FF0000"/>
+                </a:solidFill>
+              </a:rPr>
               <a:t> </a:t>
             </a:r>
             <a:r>
-              <a:rPr lang="en-US" sz="1900" dirty="0"/>
+              <a:rPr lang="en-US" sz="1900" dirty="0">
+                <a:solidFill>
+                  <a:srgbClr val="FF0000"/>
+                </a:solidFill>
+              </a:rPr>
               <a:t>of the model is the Cuckoo Search Optimization-based component which is defined by mapping the concepts from the state of the art Cuckoo Search Optimization algorithm to the concepts associated to the problem of generating the optimal combination of food packages for the meals of the day as follows.</a:t>
             </a:r>
           </a:p>
@@ -14722,14 +15008,14 @@
           <p:nvPr>
             <p:extLst>
               <p:ext uri="{D42A27DB-BD31-4B8C-83A1-F6EECF244321}">
-                <p14:modId xmlns:p14="http://schemas.microsoft.com/office/powerpoint/2010/main" val="3709728436"/>
+                <p14:modId xmlns:p14="http://schemas.microsoft.com/office/powerpoint/2010/main" val="53448042"/>
               </p:ext>
             </p:extLst>
           </p:nvPr>
         </p:nvGraphicFramePr>
         <p:xfrm>
-          <a:off x="395536" y="1628800"/>
-          <a:ext cx="8424935" cy="4752528"/>
+          <a:off x="179512" y="1628799"/>
+          <a:ext cx="8744272" cy="4716537"/>
         </p:xfrm>
         <a:graphic>
           <a:graphicData uri="http://schemas.openxmlformats.org/drawingml/2006/table">
@@ -14738,10 +15024,10 @@
                 <a:tableStyleId>{5940675A-B579-460E-94D1-54222C63F5DA}</a:tableStyleId>
               </a:tblPr>
               <a:tblGrid>
-                <a:gridCol w="3590956"/>
-                <a:gridCol w="4833979"/>
+                <a:gridCol w="1872208"/>
+                <a:gridCol w="6872064"/>
               </a:tblGrid>
-              <a:tr h="486331">
+              <a:tr h="390190">
                 <a:tc>
                   <a:txBody>
                     <a:bodyPr/>
@@ -14756,10 +15042,13 @@
                         </a:spcAft>
                       </a:pPr>
                       <a:r>
-                        <a:rPr lang="en-US" sz="1400" b="1" dirty="0" smtClean="0"/>
+                        <a:rPr lang="en-US" sz="1800" b="1" dirty="0" smtClean="0">
+                          <a:latin typeface="Arial" pitchFamily="34" charset="0"/>
+                          <a:cs typeface="Arial" pitchFamily="34" charset="0"/>
+                        </a:rPr>
                         <a:t>Biological Concepts</a:t>
                       </a:r>
-                      <a:endParaRPr lang="en-US" sz="1400" b="1" dirty="0">
+                      <a:endParaRPr lang="en-US" sz="1800" b="1" dirty="0">
                         <a:latin typeface="Arial" pitchFamily="34" charset="0"/>
                         <a:ea typeface="Calibri"/>
                         <a:cs typeface="Arial" pitchFamily="34" charset="0"/>
@@ -14782,10 +15071,13 @@
                         </a:spcAft>
                       </a:pPr>
                       <a:r>
-                        <a:rPr lang="en-US" sz="1400" b="1" dirty="0" smtClean="0"/>
+                        <a:rPr lang="en-US" sz="1800" b="1" dirty="0" smtClean="0">
+                          <a:latin typeface="Arial" pitchFamily="34" charset="0"/>
+                          <a:cs typeface="Arial" pitchFamily="34" charset="0"/>
+                        </a:rPr>
                         <a:t>Concepts from our Optimization Problem</a:t>
                       </a:r>
-                      <a:endParaRPr lang="en-US" sz="1400" b="1" dirty="0">
+                      <a:endParaRPr lang="en-US" sz="1800" b="1" dirty="0">
                         <a:latin typeface="Arial" pitchFamily="34" charset="0"/>
                         <a:ea typeface="Calibri"/>
                         <a:cs typeface="Arial" pitchFamily="34" charset="0"/>
@@ -14795,7 +15087,7 @@
                   <a:tcPr marL="68580" marR="68580" marT="0" marB="0" anchor="ctr"/>
                 </a:tc>
               </a:tr>
-              <a:tr h="373280">
+              <a:tr h="0">
                 <a:tc>
                   <a:txBody>
                     <a:bodyPr/>
@@ -14819,12 +15111,14 @@
                         <a:defRPr/>
                       </a:pPr>
                       <a:r>
-                        <a:rPr kumimoji="0" lang="en-US" sz="1200" kern="1200" dirty="0" smtClean="0">
+                        <a:rPr kumimoji="0" lang="en-US" sz="1800" kern="1200" dirty="0" smtClean="0">
                           <a:effectLst/>
+                          <a:latin typeface="Arial" pitchFamily="34" charset="0"/>
+                          <a:cs typeface="Arial" pitchFamily="34" charset="0"/>
                         </a:rPr>
                         <a:t>Egg from a nest</a:t>
                       </a:r>
-                      <a:endParaRPr lang="en-US" sz="1200" dirty="0" smtClean="0">
+                      <a:endParaRPr lang="en-US" sz="1800" dirty="0" smtClean="0">
                         <a:latin typeface="Arial" pitchFamily="34" charset="0"/>
                         <a:ea typeface="Calibri"/>
                         <a:cs typeface="Arial" pitchFamily="34" charset="0"/>
@@ -14856,26 +15150,34 @@
                         <a:defRPr/>
                       </a:pPr>
                       <a:r>
-                        <a:rPr kumimoji="0" lang="en-US" sz="1200" kern="1200" dirty="0" smtClean="0">
+                        <a:rPr kumimoji="0" lang="en-US" sz="1800" kern="1200" dirty="0" smtClean="0">
                           <a:effectLst/>
+                          <a:latin typeface="Arial" pitchFamily="34" charset="0"/>
+                          <a:cs typeface="Arial" pitchFamily="34" charset="0"/>
                         </a:rPr>
                         <a:t>Food package</a:t>
                       </a:r>
                       <a:r>
-                        <a:rPr kumimoji="0" lang="en-US" sz="1200" kern="1200" baseline="0" dirty="0" smtClean="0">
+                        <a:rPr kumimoji="0" lang="en-US" sz="1800" kern="1200" baseline="0" dirty="0" smtClean="0">
                           <a:effectLst/>
+                          <a:latin typeface="Arial" pitchFamily="34" charset="0"/>
+                          <a:cs typeface="Arial" pitchFamily="34" charset="0"/>
                         </a:rPr>
                         <a:t> (a day’s meal that can be breakfast, lunch, </a:t>
                       </a:r>
                       <a:r>
-                        <a:rPr kumimoji="0" lang="en-US" sz="1200" kern="1200" baseline="0" dirty="0" err="1" smtClean="0">
+                        <a:rPr kumimoji="0" lang="en-US" sz="1800" kern="1200" baseline="0" dirty="0" err="1" smtClean="0">
                           <a:effectLst/>
+                          <a:latin typeface="Arial" pitchFamily="34" charset="0"/>
+                          <a:cs typeface="Arial" pitchFamily="34" charset="0"/>
                         </a:rPr>
                         <a:t>etc</a:t>
                       </a:r>
                       <a:r>
-                        <a:rPr kumimoji="0" lang="en-US" sz="1200" kern="1200" baseline="0" dirty="0" smtClean="0">
+                        <a:rPr kumimoji="0" lang="en-US" sz="1800" kern="1200" baseline="0" dirty="0" smtClean="0">
                           <a:effectLst/>
+                          <a:latin typeface="Arial" pitchFamily="34" charset="0"/>
+                          <a:cs typeface="Arial" pitchFamily="34" charset="0"/>
                         </a:rPr>
                         <a:t>)</a:t>
                       </a:r>
@@ -14898,9 +15200,194 @@
                         <a:tabLst/>
                         <a:defRPr/>
                       </a:pPr>
-                      <a:endParaRPr lang="en-US" sz="1200" dirty="0" smtClean="0">
+                      <a:endParaRPr lang="en-US" sz="1800" dirty="0" smtClean="0">
                         <a:latin typeface="Arial" pitchFamily="34" charset="0"/>
                         <a:ea typeface="Calibri"/>
+                        <a:cs typeface="Arial" pitchFamily="34" charset="0"/>
+                      </a:endParaRPr>
+                    </a:p>
+                  </a:txBody>
+                  <a:tcPr marL="68580" marR="68580" marT="0" marB="0"/>
+                </a:tc>
+              </a:tr>
+              <a:tr h="220509">
+                <a:tc>
+                  <a:txBody>
+                    <a:bodyPr/>
+                    <a:lstStyle/>
+                    <a:p>
+                      <a:pPr marL="0" marR="0" indent="0" algn="l" defTabSz="914400" rtl="0" eaLnBrk="1" fontAlgn="auto" latinLnBrk="0" hangingPunct="1">
+                        <a:lnSpc>
+                          <a:spcPct val="100000"/>
+                        </a:lnSpc>
+                        <a:spcBef>
+                          <a:spcPts val="0"/>
+                        </a:spcBef>
+                        <a:spcAft>
+                          <a:spcPts val="0"/>
+                        </a:spcAft>
+                        <a:buClrTx/>
+                        <a:buSzTx/>
+                        <a:buFontTx/>
+                        <a:buNone/>
+                        <a:tabLst/>
+                        <a:defRPr/>
+                      </a:pPr>
+                      <a:r>
+                        <a:rPr kumimoji="0" lang="en-US" sz="1800" kern="1200" dirty="0" smtClean="0">
+                          <a:effectLst/>
+                          <a:latin typeface="Arial" pitchFamily="34" charset="0"/>
+                          <a:cs typeface="Arial" pitchFamily="34" charset="0"/>
+                        </a:rPr>
+                        <a:t>Cuckoo egg</a:t>
+                      </a:r>
+                      <a:endParaRPr lang="en-US" sz="1800" dirty="0" smtClean="0">
+                        <a:latin typeface="Arial" pitchFamily="34" charset="0"/>
+                        <a:ea typeface="Calibri"/>
+                        <a:cs typeface="Arial" pitchFamily="34" charset="0"/>
+                      </a:endParaRPr>
+                    </a:p>
+                  </a:txBody>
+                  <a:tcPr marL="68580" marR="68580" marT="0" marB="0" anchor="ctr"/>
+                </a:tc>
+                <a:tc>
+                  <a:txBody>
+                    <a:bodyPr/>
+                    <a:lstStyle/>
+                    <a:p>
+                      <a:pPr marL="0" marR="0" indent="0" algn="l" defTabSz="914400" rtl="0" eaLnBrk="1" fontAlgn="auto" latinLnBrk="0" hangingPunct="1">
+                        <a:lnSpc>
+                          <a:spcPct val="100000"/>
+                        </a:lnSpc>
+                        <a:spcBef>
+                          <a:spcPts val="0"/>
+                        </a:spcBef>
+                        <a:spcAft>
+                          <a:spcPts val="0"/>
+                        </a:spcAft>
+                        <a:buClrTx/>
+                        <a:buSzTx/>
+                        <a:buFontTx/>
+                        <a:buNone/>
+                        <a:tabLst/>
+                        <a:defRPr/>
+                      </a:pPr>
+                      <a:r>
+                        <a:rPr lang="en-US" sz="1800" dirty="0" smtClean="0">
+                          <a:latin typeface="Arial" pitchFamily="34" charset="0"/>
+                          <a:cs typeface="Arial" pitchFamily="34" charset="0"/>
+                        </a:rPr>
+                        <a:t>Same</a:t>
+                      </a:r>
+                      <a:endParaRPr lang="en-US" sz="1800" dirty="0" smtClean="0">
+                        <a:latin typeface="Arial" pitchFamily="34" charset="0"/>
+                        <a:ea typeface="Calibri"/>
+                        <a:cs typeface="Arial" pitchFamily="34" charset="0"/>
+                      </a:endParaRPr>
+                    </a:p>
+                  </a:txBody>
+                  <a:tcPr marL="68580" marR="68580" marT="0" marB="0"/>
+                </a:tc>
+              </a:tr>
+              <a:tr h="912428">
+                <a:tc>
+                  <a:txBody>
+                    <a:bodyPr/>
+                    <a:lstStyle/>
+                    <a:p>
+                      <a:pPr marL="0" marR="0" indent="0" algn="l" defTabSz="914400" rtl="0" eaLnBrk="1" fontAlgn="auto" latinLnBrk="0" hangingPunct="1">
+                        <a:lnSpc>
+                          <a:spcPct val="100000"/>
+                        </a:lnSpc>
+                        <a:spcBef>
+                          <a:spcPts val="0"/>
+                        </a:spcBef>
+                        <a:spcAft>
+                          <a:spcPts val="0"/>
+                        </a:spcAft>
+                        <a:buClrTx/>
+                        <a:buSzTx/>
+                        <a:buFontTx/>
+                        <a:buNone/>
+                        <a:tabLst/>
+                        <a:defRPr/>
+                      </a:pPr>
+                      <a:r>
+                        <a:rPr kumimoji="0" lang="en-US" sz="1800" kern="1200" dirty="0" smtClean="0">
+                          <a:effectLst/>
+                          <a:latin typeface="Arial" pitchFamily="34" charset="0"/>
+                          <a:cs typeface="Arial" pitchFamily="34" charset="0"/>
+                        </a:rPr>
+                        <a:t>Nest</a:t>
+                      </a:r>
+                      <a:endParaRPr lang="en-US" sz="1800" dirty="0" smtClean="0">
+                        <a:latin typeface="Arial" pitchFamily="34" charset="0"/>
+                        <a:cs typeface="Arial" pitchFamily="34" charset="0"/>
+                      </a:endParaRPr>
+                    </a:p>
+                    <a:p>
+                      <a:pPr marL="0" marR="0" indent="0" algn="l">
+                        <a:spcBef>
+                          <a:spcPts val="0"/>
+                        </a:spcBef>
+                        <a:spcAft>
+                          <a:spcPts val="0"/>
+                        </a:spcAft>
+                      </a:pPr>
+                      <a:endParaRPr lang="en-US" sz="1800" dirty="0">
+                        <a:latin typeface="Arial" pitchFamily="34" charset="0"/>
+                        <a:ea typeface="Calibri"/>
+                        <a:cs typeface="Arial" pitchFamily="34" charset="0"/>
+                      </a:endParaRPr>
+                    </a:p>
+                  </a:txBody>
+                  <a:tcPr marL="68580" marR="68580" marT="0" marB="0" anchor="ctr"/>
+                </a:tc>
+                <a:tc>
+                  <a:txBody>
+                    <a:bodyPr/>
+                    <a:lstStyle/>
+                    <a:p>
+                      <a:pPr marL="0" marR="0" indent="0" algn="l" defTabSz="914400" rtl="0" eaLnBrk="1" fontAlgn="auto" latinLnBrk="0" hangingPunct="1">
+                        <a:lnSpc>
+                          <a:spcPct val="100000"/>
+                        </a:lnSpc>
+                        <a:spcBef>
+                          <a:spcPts val="0"/>
+                        </a:spcBef>
+                        <a:spcAft>
+                          <a:spcPts val="0"/>
+                        </a:spcAft>
+                        <a:buClrTx/>
+                        <a:buSzTx/>
+                        <a:buFontTx/>
+                        <a:buNone/>
+                        <a:tabLst/>
+                        <a:defRPr/>
+                      </a:pPr>
+                      <a:r>
+                        <a:rPr lang="en-US" sz="1800" dirty="0" smtClean="0">
+                          <a:latin typeface="Arial" pitchFamily="34" charset="0"/>
+                          <a:cs typeface="Arial" pitchFamily="34" charset="0"/>
+                        </a:rPr>
+                        <a:t>Solution</a:t>
+                      </a:r>
+                      <a:r>
+                        <a:rPr lang="en-US" sz="1800" baseline="0" dirty="0" smtClean="0">
+                          <a:latin typeface="Arial" pitchFamily="34" charset="0"/>
+                          <a:cs typeface="Arial" pitchFamily="34" charset="0"/>
+                        </a:rPr>
+                        <a:t> containing all the 5 meals of a day. Each nest contains exactly 5 eggs which correspond to the meals of a day: breakfast, lunch, dinner, snack1 and </a:t>
+                      </a:r>
+                      <a:r>
+                        <a:rPr lang="en-US" sz="1800" baseline="0" dirty="0" smtClean="0">
+                          <a:latin typeface="Arial" pitchFamily="34" charset="0"/>
+                          <a:cs typeface="Arial" pitchFamily="34" charset="0"/>
+                        </a:rPr>
+                        <a:t>snack2</a:t>
+                      </a:r>
+                      <a:endParaRPr lang="en-US" sz="1800" dirty="0" smtClean="0">
+                        <a:latin typeface="Arial" pitchFamily="34" charset="0"/>
                         <a:cs typeface="Arial" pitchFamily="34" charset="0"/>
                       </a:endParaRPr>
                     </a:p>
@@ -14932,12 +15419,28 @@
                         <a:defRPr/>
                       </a:pPr>
                       <a:r>
-                        <a:rPr kumimoji="0" lang="en-US" sz="1200" kern="1200" dirty="0" smtClean="0">
+                        <a:rPr kumimoji="0" lang="en-US" sz="1800" kern="1200" dirty="0" smtClean="0">
                           <a:effectLst/>
+                          <a:latin typeface="Arial" pitchFamily="34" charset="0"/>
+                          <a:cs typeface="Arial" pitchFamily="34" charset="0"/>
                         </a:rPr>
-                        <a:t>Egg from a cuckoo</a:t>
+                        <a:t>Best Nest</a:t>
                       </a:r>
-                      <a:endParaRPr lang="en-US" sz="1200" dirty="0" smtClean="0">
+                      <a:endParaRPr lang="en-US" sz="1800" dirty="0" smtClean="0">
+                        <a:latin typeface="Arial" pitchFamily="34" charset="0"/>
+                        <a:cs typeface="Arial" pitchFamily="34" charset="0"/>
+                      </a:endParaRPr>
+                    </a:p>
+                    <a:p>
+                      <a:pPr marL="0" marR="0" indent="0" algn="l">
+                        <a:spcBef>
+                          <a:spcPts val="0"/>
+                        </a:spcBef>
+                        <a:spcAft>
+                          <a:spcPts val="0"/>
+                        </a:spcAft>
+                      </a:pPr>
+                      <a:endParaRPr lang="en-US" sz="1800" dirty="0">
                         <a:latin typeface="Arial" pitchFamily="34" charset="0"/>
                         <a:ea typeface="Calibri"/>
                         <a:cs typeface="Arial" pitchFamily="34" charset="0"/>
@@ -14969,201 +15472,10 @@
                         <a:defRPr/>
                       </a:pPr>
                       <a:r>
-                        <a:rPr lang="en-US" sz="1200" dirty="0" smtClean="0"/>
-                        <a:t>Same</a:t>
-                      </a:r>
-                      <a:endParaRPr lang="en-US" sz="1200" dirty="0" smtClean="0">
-                        <a:latin typeface="Arial" pitchFamily="34" charset="0"/>
-                        <a:ea typeface="Calibri"/>
-                        <a:cs typeface="Arial" pitchFamily="34" charset="0"/>
-                      </a:endParaRPr>
-                    </a:p>
-                  </a:txBody>
-                  <a:tcPr marL="68580" marR="68580" marT="0" marB="0"/>
-                </a:tc>
-              </a:tr>
-              <a:tr h="1310982">
-                <a:tc>
-                  <a:txBody>
-                    <a:bodyPr/>
-                    <a:lstStyle/>
-                    <a:p>
-                      <a:pPr marL="0" marR="0" indent="0" algn="l" defTabSz="914400" rtl="0" eaLnBrk="1" fontAlgn="auto" latinLnBrk="0" hangingPunct="1">
-                        <a:lnSpc>
-                          <a:spcPct val="100000"/>
-                        </a:lnSpc>
-                        <a:spcBef>
-                          <a:spcPts val="0"/>
-                        </a:spcBef>
-                        <a:spcAft>
-                          <a:spcPts val="0"/>
-                        </a:spcAft>
-                        <a:buClrTx/>
-                        <a:buSzTx/>
-                        <a:buFontTx/>
-                        <a:buNone/>
-                        <a:tabLst/>
-                        <a:defRPr/>
-                      </a:pPr>
-                      <a:r>
-                        <a:rPr kumimoji="0" lang="en-US" sz="1200" kern="1200" dirty="0" smtClean="0">
-                          <a:effectLst/>
+                        <a:rPr lang="en-US" sz="1800" dirty="0" smtClean="0">
+                          <a:latin typeface="Arial" pitchFamily="34" charset="0"/>
+                          <a:cs typeface="Arial" pitchFamily="34" charset="0"/>
                         </a:rPr>
-                        <a:t>Nest</a:t>
-                      </a:r>
-                      <a:endParaRPr lang="en-US" sz="1200" dirty="0" smtClean="0"/>
-                    </a:p>
-                    <a:p>
-                      <a:pPr marL="0" marR="0" indent="0" algn="l">
-                        <a:spcBef>
-                          <a:spcPts val="0"/>
-                        </a:spcBef>
-                        <a:spcAft>
-                          <a:spcPts val="0"/>
-                        </a:spcAft>
-                      </a:pPr>
-                      <a:endParaRPr lang="en-US" sz="1200" dirty="0">
-                        <a:latin typeface="Arial" pitchFamily="34" charset="0"/>
-                        <a:ea typeface="Calibri"/>
-                        <a:cs typeface="Arial" pitchFamily="34" charset="0"/>
-                      </a:endParaRPr>
-                    </a:p>
-                  </a:txBody>
-                  <a:tcPr marL="68580" marR="68580" marT="0" marB="0" anchor="ctr"/>
-                </a:tc>
-                <a:tc>
-                  <a:txBody>
-                    <a:bodyPr/>
-                    <a:lstStyle/>
-                    <a:p>
-                      <a:pPr marL="0" marR="0" indent="0" algn="l" defTabSz="914400" rtl="0" eaLnBrk="1" fontAlgn="auto" latinLnBrk="0" hangingPunct="1">
-                        <a:lnSpc>
-                          <a:spcPct val="100000"/>
-                        </a:lnSpc>
-                        <a:spcBef>
-                          <a:spcPts val="0"/>
-                        </a:spcBef>
-                        <a:spcAft>
-                          <a:spcPts val="0"/>
-                        </a:spcAft>
-                        <a:buClrTx/>
-                        <a:buSzTx/>
-                        <a:buFontTx/>
-                        <a:buNone/>
-                        <a:tabLst/>
-                        <a:defRPr/>
-                      </a:pPr>
-                      <a:r>
-                        <a:rPr lang="en-US" sz="1200" dirty="0" smtClean="0"/>
-                        <a:t>Solution</a:t>
-                      </a:r>
-                      <a:r>
-                        <a:rPr lang="en-US" sz="1200" baseline="0" dirty="0" smtClean="0"/>
-                        <a:t> containing all the 5 meals of a day. Each nest contains exactly 5 eggs which correspond to the meals of a day: breakfast, lunch, dinner, snack1 and snack2</a:t>
-                      </a:r>
-                      <a:endParaRPr lang="en-US" sz="1200" dirty="0" smtClean="0"/>
-                    </a:p>
-                    <a:p>
-                      <a:pPr marL="0" marR="0" indent="0" algn="l" defTabSz="914400" rtl="0" eaLnBrk="1" fontAlgn="auto" latinLnBrk="0" hangingPunct="1">
-                        <a:lnSpc>
-                          <a:spcPct val="100000"/>
-                        </a:lnSpc>
-                        <a:spcBef>
-                          <a:spcPts val="0"/>
-                        </a:spcBef>
-                        <a:spcAft>
-                          <a:spcPts val="0"/>
-                        </a:spcAft>
-                        <a:buClrTx/>
-                        <a:buSzTx/>
-                        <a:buFontTx/>
-                        <a:buNone/>
-                        <a:tabLst/>
-                        <a:defRPr/>
-                      </a:pPr>
-                      <a:endParaRPr lang="en-US" sz="1200" dirty="0" smtClean="0">
-                        <a:latin typeface="Arial" pitchFamily="34" charset="0"/>
-                        <a:ea typeface="Calibri"/>
-                        <a:cs typeface="Arial" pitchFamily="34" charset="0"/>
-                      </a:endParaRPr>
-                    </a:p>
-                  </a:txBody>
-                  <a:tcPr marL="68580" marR="68580" marT="0" marB="0"/>
-                </a:tc>
-              </a:tr>
-              <a:tr h="373280">
-                <a:tc>
-                  <a:txBody>
-                    <a:bodyPr/>
-                    <a:lstStyle/>
-                    <a:p>
-                      <a:pPr marL="0" marR="0" indent="0" algn="l" defTabSz="914400" rtl="0" eaLnBrk="1" fontAlgn="auto" latinLnBrk="0" hangingPunct="1">
-                        <a:lnSpc>
-                          <a:spcPct val="100000"/>
-                        </a:lnSpc>
-                        <a:spcBef>
-                          <a:spcPts val="0"/>
-                        </a:spcBef>
-                        <a:spcAft>
-                          <a:spcPts val="0"/>
-                        </a:spcAft>
-                        <a:buClrTx/>
-                        <a:buSzTx/>
-                        <a:buFontTx/>
-                        <a:buNone/>
-                        <a:tabLst/>
-                        <a:defRPr/>
-                      </a:pPr>
-                      <a:r>
-                        <a:rPr kumimoji="0" lang="en-US" sz="1200" kern="1200" dirty="0" smtClean="0">
-                          <a:effectLst/>
-                        </a:rPr>
-                        <a:t>Best Nest</a:t>
-                      </a:r>
-                      <a:endParaRPr lang="en-US" sz="1200" dirty="0" smtClean="0"/>
-                    </a:p>
-                    <a:p>
-                      <a:pPr marL="0" marR="0" indent="0" algn="l">
-                        <a:spcBef>
-                          <a:spcPts val="0"/>
-                        </a:spcBef>
-                        <a:spcAft>
-                          <a:spcPts val="0"/>
-                        </a:spcAft>
-                      </a:pPr>
-                      <a:endParaRPr lang="en-US" sz="1200" dirty="0">
-                        <a:latin typeface="Arial" pitchFamily="34" charset="0"/>
-                        <a:ea typeface="Calibri"/>
-                        <a:cs typeface="Arial" pitchFamily="34" charset="0"/>
-                      </a:endParaRPr>
-                    </a:p>
-                  </a:txBody>
-                  <a:tcPr marL="68580" marR="68580" marT="0" marB="0" anchor="ctr"/>
-                </a:tc>
-                <a:tc>
-                  <a:txBody>
-                    <a:bodyPr/>
-                    <a:lstStyle/>
-                    <a:p>
-                      <a:pPr marL="0" marR="0" indent="0" algn="l" defTabSz="914400" rtl="0" eaLnBrk="1" fontAlgn="auto" latinLnBrk="0" hangingPunct="1">
-                        <a:lnSpc>
-                          <a:spcPct val="100000"/>
-                        </a:lnSpc>
-                        <a:spcBef>
-                          <a:spcPts val="0"/>
-                        </a:spcBef>
-                        <a:spcAft>
-                          <a:spcPts val="0"/>
-                        </a:spcAft>
-                        <a:buClrTx/>
-                        <a:buSzTx/>
-                        <a:buFontTx/>
-                        <a:buNone/>
-                        <a:tabLst/>
-                        <a:defRPr/>
-                      </a:pPr>
-                      <a:r>
-                        <a:rPr lang="en-US" sz="1200" dirty="0" smtClean="0"/>
                         <a:t>The solution with the highest fitness value</a:t>
                       </a:r>
                     </a:p>
@@ -15185,7 +15497,7 @@
                         <a:tabLst/>
                         <a:defRPr/>
                       </a:pPr>
-                      <a:endParaRPr lang="en-US" sz="1200" dirty="0" smtClean="0">
+                      <a:endParaRPr lang="en-US" sz="1800" dirty="0" smtClean="0">
                         <a:latin typeface="Arial" pitchFamily="34" charset="0"/>
                         <a:ea typeface="Calibri"/>
                         <a:cs typeface="Arial" pitchFamily="34" charset="0"/>
@@ -15219,12 +15531,17 @@
                         <a:defRPr/>
                       </a:pPr>
                       <a:r>
-                        <a:rPr kumimoji="0" lang="en-US" sz="1200" kern="1200" dirty="0" smtClean="0">
+                        <a:rPr kumimoji="0" lang="en-US" sz="1800" kern="1200" dirty="0" smtClean="0">
                           <a:effectLst/>
+                          <a:latin typeface="Arial" pitchFamily="34" charset="0"/>
+                          <a:cs typeface="Arial" pitchFamily="34" charset="0"/>
                         </a:rPr>
                         <a:t>Cuckoo</a:t>
                       </a:r>
-                      <a:endParaRPr lang="en-US" sz="1200" dirty="0" smtClean="0"/>
+                      <a:endParaRPr lang="en-US" sz="1800" dirty="0" smtClean="0">
+                        <a:latin typeface="Arial" pitchFamily="34" charset="0"/>
+                        <a:cs typeface="Arial" pitchFamily="34" charset="0"/>
+                      </a:endParaRPr>
                     </a:p>
                     <a:p>
                       <a:pPr marL="0" marR="0" indent="0" algn="l">
@@ -15235,7 +15552,7 @@
                           <a:spcPts val="0"/>
                         </a:spcAft>
                       </a:pPr>
-                      <a:endParaRPr lang="en-US" sz="1200" dirty="0">
+                      <a:endParaRPr lang="en-US" sz="1800" dirty="0">
                         <a:latin typeface="Arial" pitchFamily="34" charset="0"/>
                         <a:ea typeface="Calibri"/>
                         <a:cs typeface="Arial" pitchFamily="34" charset="0"/>
@@ -15267,14 +15584,20 @@
                         <a:defRPr/>
                       </a:pPr>
                       <a:r>
-                        <a:rPr lang="en-US" sz="1200" dirty="0" smtClean="0"/>
+                        <a:rPr lang="en-US" sz="1800" dirty="0" smtClean="0">
+                          <a:latin typeface="Arial" pitchFamily="34" charset="0"/>
+                          <a:cs typeface="Arial" pitchFamily="34" charset="0"/>
+                        </a:rPr>
                         <a:t>Cuckoo</a:t>
                       </a:r>
                       <a:r>
-                        <a:rPr lang="en-US" sz="1200" baseline="0" dirty="0" smtClean="0"/>
+                        <a:rPr lang="en-US" sz="1800" baseline="0" dirty="0" smtClean="0">
+                          <a:latin typeface="Arial" pitchFamily="34" charset="0"/>
+                          <a:cs typeface="Arial" pitchFamily="34" charset="0"/>
+                        </a:rPr>
                         <a:t> generates new eggs that will replace the eggs from a nest</a:t>
                       </a:r>
-                      <a:endParaRPr lang="en-US" sz="1200" dirty="0" smtClean="0">
+                      <a:endParaRPr lang="en-US" sz="1800" dirty="0" smtClean="0">
                         <a:latin typeface="Arial" pitchFamily="34" charset="0"/>
                         <a:ea typeface="Calibri"/>
                         <a:cs typeface="Arial" pitchFamily="34" charset="0"/>
@@ -15299,12 +15622,14 @@
                         </a:spcAft>
                       </a:pPr>
                       <a:r>
-                        <a:rPr kumimoji="0" lang="en-US" sz="1200" kern="1200" dirty="0" smtClean="0">
+                        <a:rPr kumimoji="0" lang="en-US" sz="1800" kern="1200" dirty="0" smtClean="0">
                           <a:effectLst/>
+                          <a:latin typeface="Arial" pitchFamily="34" charset="0"/>
+                          <a:cs typeface="Arial" pitchFamily="34" charset="0"/>
                         </a:rPr>
                         <a:t>Breeding</a:t>
                       </a:r>
-                      <a:endParaRPr lang="en-US" sz="1200" dirty="0">
+                      <a:endParaRPr lang="en-US" sz="1800" dirty="0">
                         <a:latin typeface="Arial" pitchFamily="34" charset="0"/>
                         <a:ea typeface="Calibri"/>
                         <a:cs typeface="Arial" pitchFamily="34" charset="0"/>
@@ -15327,12 +15652,14 @@
                         </a:spcAft>
                       </a:pPr>
                       <a:r>
-                        <a:rPr lang="en-US" sz="1200" dirty="0">
+                        <a:rPr lang="en-US" sz="1800" dirty="0">
                           <a:effectLst/>
+                          <a:latin typeface="Arial" pitchFamily="34" charset="0"/>
+                          <a:cs typeface="Arial" pitchFamily="34" charset="0"/>
                         </a:rPr>
                         <a:t>Crossover strategies applied between a combination of food packages and the current optimal combination of food packages</a:t>
                       </a:r>
-                      <a:endParaRPr lang="en-US" sz="1200" dirty="0">
+                      <a:endParaRPr lang="en-US" sz="1800" dirty="0">
                         <a:effectLst/>
                         <a:latin typeface="Arial" panose="020B0604020202020204" pitchFamily="34" charset="0"/>
                         <a:ea typeface="Batang" panose="02030600000101010101" pitchFamily="18" charset="-127"/>
@@ -15343,7 +15670,7 @@
                   <a:tcPr marL="68580" marR="68580" marT="0" marB="0"/>
                 </a:tc>
               </a:tr>
-              <a:tr h="524393">
+              <a:tr h="361578">
                 <a:tc>
                   <a:txBody>
                     <a:bodyPr/>
@@ -15358,12 +15685,14 @@
                         </a:spcAft>
                       </a:pPr>
                       <a:r>
-                        <a:rPr kumimoji="0" lang="en-US" sz="1200" kern="1200" dirty="0" smtClean="0">
+                        <a:rPr kumimoji="0" lang="en-US" sz="1800" kern="1200" dirty="0" smtClean="0">
                           <a:effectLst/>
+                          <a:latin typeface="Arial" pitchFamily="34" charset="0"/>
+                          <a:cs typeface="Arial" pitchFamily="34" charset="0"/>
                         </a:rPr>
                         <a:t>Building a new nest</a:t>
                       </a:r>
-                      <a:endParaRPr lang="en-US" sz="1200" dirty="0">
+                      <a:endParaRPr lang="en-US" sz="1800" dirty="0">
                         <a:latin typeface="Arial" pitchFamily="34" charset="0"/>
                         <a:ea typeface="Calibri"/>
                         <a:cs typeface="Arial" pitchFamily="34" charset="0"/>
@@ -15386,24 +15715,30 @@
                         </a:spcAft>
                       </a:pPr>
                       <a:r>
-                        <a:rPr kumimoji="0" lang="en-US" sz="1200" kern="1200" dirty="0" smtClean="0">
+                        <a:rPr kumimoji="0" lang="en-US" sz="1800" kern="1200" dirty="0" smtClean="0">
                           <a:effectLst/>
+                          <a:latin typeface="Arial" pitchFamily="34" charset="0"/>
+                          <a:cs typeface="Arial" pitchFamily="34" charset="0"/>
                         </a:rPr>
                         <a:t>Hill Climbing, </a:t>
                       </a:r>
                       <a:r>
-                        <a:rPr kumimoji="0" lang="en-US" sz="1200" kern="1200" dirty="0" err="1" smtClean="0">
+                        <a:rPr kumimoji="0" lang="en-US" sz="1800" kern="1200" dirty="0" err="1" smtClean="0">
                           <a:effectLst/>
+                          <a:latin typeface="Arial" pitchFamily="34" charset="0"/>
+                          <a:cs typeface="Arial" pitchFamily="34" charset="0"/>
                         </a:rPr>
                         <a:t>Tabu</a:t>
                       </a:r>
                       <a:r>
-                        <a:rPr kumimoji="0" lang="en-US" sz="1200" kern="1200" dirty="0" smtClean="0">
+                        <a:rPr kumimoji="0" lang="en-US" sz="1800" kern="1200" dirty="0" smtClean="0">
                           <a:effectLst/>
+                          <a:latin typeface="Arial" pitchFamily="34" charset="0"/>
+                          <a:cs typeface="Arial" pitchFamily="34" charset="0"/>
                         </a:rPr>
                         <a:t> Search-based strategies for improving a combination of food packages</a:t>
                       </a:r>
-                      <a:endParaRPr lang="en-US" sz="1200" dirty="0">
+                      <a:endParaRPr lang="en-US" sz="1800" dirty="0">
                         <a:latin typeface="Arial" pitchFamily="34" charset="0"/>
                         <a:ea typeface="Calibri"/>
                         <a:cs typeface="Arial" pitchFamily="34" charset="0"/>
@@ -15658,31 +15993,10 @@
             </a:r>
           </a:p>
           <a:p>
-            <a:pPr marL="319088" lvl="1" indent="-319088">
-              <a:spcBef>
-                <a:spcPts val="700"/>
-              </a:spcBef>
-              <a:buClr>
-                <a:schemeClr val="accent2"/>
-              </a:buClr>
-              <a:buSzPct val="60000"/>
-              <a:buFont typeface="Courier New" pitchFamily="49" charset="0"/>
-              <a:buChar char="o"/>
-            </a:pPr>
+            <a:pPr lvl="1"/>
             <a:r>
               <a:rPr lang="en-US" sz="1900" dirty="0" smtClean="0"/>
-              <a:t>The </a:t>
-            </a:r>
-            <a:r>
-              <a:rPr lang="en-US" sz="1900" dirty="0"/>
-              <a:t>hybridization components that will be injected in the model’s core component are classified in two categories according to the point in which they can be injected. </a:t>
-            </a:r>
-          </a:p>
-          <a:p>
-            <a:pPr lvl="1"/>
-            <a:r>
-              <a:rPr lang="en-US" sz="1900" dirty="0" smtClean="0"/>
-              <a:t>Cuckoo Generation Strategy</a:t>
+              <a:t>For the Cuckoo Generation Strategy</a:t>
             </a:r>
           </a:p>
           <a:p>
@@ -15730,7 +16044,7 @@
             <a:pPr lvl="1"/>
             <a:r>
               <a:rPr lang="en-US" sz="1900" dirty="0" smtClean="0"/>
-              <a:t>New Nest Generation Strategy</a:t>
+              <a:t>For the New Nest Generation Strategy</a:t>
             </a:r>
           </a:p>
           <a:p>
@@ -15840,6 +16154,10 @@
               </a:rPr>
               <a:t>Agenda</a:t>
             </a:r>
+            <a:endParaRPr lang="en-US" sz="3000" dirty="0" smtClean="0">
+              <a:latin typeface="Arial" pitchFamily="34" charset="0"/>
+              <a:cs typeface="Arial" pitchFamily="34" charset="0"/>
+            </a:endParaRPr>
           </a:p>
         </p:txBody>
       </p:sp>
@@ -15888,6 +16206,13 @@
               </a:rPr>
               <a:t>Objectives and Contributions</a:t>
             </a:r>
+            <a:endParaRPr lang="en-US" sz="2300" dirty="0" smtClean="0">
+              <a:solidFill>
+                <a:schemeClr val="bg1">
+                  <a:lumMod val="65000"/>
+                </a:schemeClr>
+              </a:solidFill>
+            </a:endParaRPr>
           </a:p>
           <a:p>
             <a:pPr eaLnBrk="1" hangingPunct="1"/>
@@ -16184,8 +16509,12 @@
               <a:buChar char="o"/>
             </a:pPr>
             <a:r>
+              <a:rPr lang="en-US" sz="1900" b="1" dirty="0" smtClean="0"/>
+              <a:t>Input</a:t>
+            </a:r>
+            <a:r>
               <a:rPr lang="en-US" sz="1900" dirty="0" smtClean="0"/>
-              <a:t>Input:</a:t>
+              <a:t>:</a:t>
             </a:r>
           </a:p>
           <a:p>
@@ -16199,7 +16528,6 @@
               <a:rPr lang="en-US" sz="1800" dirty="0" smtClean="0"/>
               <a:t>Cuckoo Search Optimization</a:t>
             </a:r>
-            <a:endParaRPr lang="en-US" sz="1800" dirty="0" smtClean="0"/>
           </a:p>
           <a:p>
             <a:pPr marL="1050925" lvl="3" indent="-319088">
@@ -16242,11 +16570,7 @@
             </a:pPr>
             <a:r>
               <a:rPr lang="en-US" sz="1600" dirty="0" smtClean="0"/>
-              <a:t>PA – is the coefficient by which a host bird discovers the </a:t>
-            </a:r>
-            <a:r>
-              <a:rPr lang="en-US" sz="1600" dirty="0" smtClean="0"/>
-              <a:t>intrusion</a:t>
+              <a:t>PA – is the coefficient by which a host bird discovers the intrusion</a:t>
             </a:r>
           </a:p>
           <a:p>
@@ -16276,7 +16600,6 @@
               <a:rPr lang="en-US" sz="1600" dirty="0" smtClean="0"/>
               <a:t> – size of Hill Climbing neighborhood</a:t>
             </a:r>
-            <a:endParaRPr lang="en-US" sz="1600" dirty="0" smtClean="0"/>
           </a:p>
           <a:p>
             <a:pPr marL="593725" lvl="2" indent="-319088">
@@ -16367,7 +16690,7 @@
               <a:buSzPct val="60000"/>
             </a:pPr>
             <a:r>
-              <a:rPr lang="en-US" sz="1900" dirty="0" smtClean="0"/>
+              <a:rPr lang="en-US" sz="1900" b="1" dirty="0" smtClean="0"/>
               <a:t>Output</a:t>
             </a:r>
           </a:p>
@@ -16602,9 +16925,58 @@
           </a:p>
         </p:txBody>
       </p:sp>
+      <p:sp>
+        <p:nvSpPr>
+          <p:cNvPr id="8" name="Title 1"/>
+          <p:cNvSpPr>
+            <a:spLocks noGrp="1"/>
+          </p:cNvSpPr>
+          <p:nvPr>
+            <p:ph type="title"/>
+          </p:nvPr>
+        </p:nvSpPr>
+        <p:spPr>
+          <a:xfrm>
+            <a:off x="0" y="66660"/>
+            <a:ext cx="9144000" cy="1219200"/>
+          </a:xfrm>
+        </p:spPr>
+        <p:txBody>
+          <a:bodyPr/>
+          <a:lstStyle/>
+          <a:p>
+            <a:pPr algn="ctr"/>
+            <a:r>
+              <a:rPr lang="en-US" sz="3000" dirty="0" smtClean="0">
+                <a:latin typeface="Arial" pitchFamily="34" charset="0"/>
+                <a:cs typeface="Arial" pitchFamily="34" charset="0"/>
+              </a:rPr>
+              <a:t>Cuckoo Search Technique</a:t>
+            </a:r>
+            <a:r>
+              <a:rPr lang="en-US" sz="3000" dirty="0">
+                <a:latin typeface="Arial" pitchFamily="34" charset="0"/>
+                <a:cs typeface="Arial" pitchFamily="34" charset="0"/>
+              </a:rPr>
+              <a:t/>
+            </a:r>
+            <a:br>
+              <a:rPr lang="en-US" sz="3000" dirty="0">
+                <a:latin typeface="Arial" pitchFamily="34" charset="0"/>
+                <a:cs typeface="Arial" pitchFamily="34" charset="0"/>
+              </a:rPr>
+            </a:br>
+            <a:r>
+              <a:rPr lang="en-US" sz="1900" dirty="0" smtClean="0"/>
+              <a:t>Cuckoo Search Algorithm</a:t>
+            </a:r>
+            <a:endParaRPr lang="ro-RO" sz="1900" dirty="0" smtClean="0"/>
+          </a:p>
+        </p:txBody>
+      </p:sp>
       <p:pic>
         <p:nvPicPr>
-          <p:cNvPr id="6" name="Content Placeholder 5"/>
+          <p:cNvPr id="4" name="Content Placeholder 3"/>
           <p:cNvPicPr>
             <a:picLocks noGrp="1" noChangeAspect="1"/>
           </p:cNvPicPr>
@@ -16626,90 +16998,11 @@
         </p:blipFill>
         <p:spPr>
           <a:xfrm>
-            <a:off x="1806197" y="1524000"/>
-            <a:ext cx="5531605" cy="4976813"/>
+            <a:off x="1890943" y="1524000"/>
+            <a:ext cx="5362114" cy="4976813"/>
           </a:xfrm>
         </p:spPr>
       </p:pic>
-      <p:sp>
-        <p:nvSpPr>
-          <p:cNvPr id="8" name="Title 1"/>
-          <p:cNvSpPr>
-            <a:spLocks noGrp="1"/>
-          </p:cNvSpPr>
-          <p:nvPr>
-            <p:ph type="title"/>
-          </p:nvPr>
-        </p:nvSpPr>
-        <p:spPr>
-          <a:xfrm>
-            <a:off x="0" y="66660"/>
-            <a:ext cx="9144000" cy="1219200"/>
-          </a:xfrm>
-        </p:spPr>
-        <p:txBody>
-          <a:bodyPr/>
-          <a:lstStyle/>
-          <a:p>
-            <a:pPr algn="ctr"/>
-            <a:r>
-              <a:rPr lang="en-US" sz="3000" dirty="0" smtClean="0">
-                <a:latin typeface="Arial" pitchFamily="34" charset="0"/>
-                <a:cs typeface="Arial" pitchFamily="34" charset="0"/>
-              </a:rPr>
-              <a:t>Cuckoo Search Technique</a:t>
-            </a:r>
-            <a:r>
-              <a:rPr lang="en-US" sz="3000" dirty="0">
-                <a:latin typeface="Arial" pitchFamily="34" charset="0"/>
-                <a:cs typeface="Arial" pitchFamily="34" charset="0"/>
-              </a:rPr>
-              <a:t/>
-            </a:r>
-            <a:br>
-              <a:rPr lang="en-US" sz="3000" dirty="0">
-                <a:latin typeface="Arial" pitchFamily="34" charset="0"/>
-                <a:cs typeface="Arial" pitchFamily="34" charset="0"/>
-              </a:rPr>
-            </a:br>
-            <a:r>
-              <a:rPr lang="en-US" sz="1900" dirty="0" smtClean="0"/>
-              <a:t>Cuckoo Search Algorithm</a:t>
-            </a:r>
-            <a:endParaRPr lang="ro-RO" sz="1900" dirty="0" smtClean="0"/>
-          </a:p>
-        </p:txBody>
-      </p:sp>
-      <p:sp>
-        <p:nvSpPr>
-          <p:cNvPr id="2" name="TextBox 1"/>
-          <p:cNvSpPr txBox="1"/>
-          <p:nvPr/>
-        </p:nvSpPr>
-        <p:spPr>
-          <a:xfrm>
-            <a:off x="4932040" y="5877272"/>
-            <a:ext cx="3240360" cy="369332"/>
-          </a:xfrm>
-          <a:prstGeom prst="rect">
-            <a:avLst/>
-          </a:prstGeom>
-          <a:noFill/>
-        </p:spPr>
-        <p:txBody>
-          <a:bodyPr wrap="square" rtlCol="0">
-            <a:spAutoFit/>
-          </a:bodyPr>
-          <a:lstStyle/>
-          <a:p>
-            <a:r>
-              <a:rPr lang="en-US" dirty="0" smtClean="0"/>
-              <a:t>Cuckoo Search Flow Diagram</a:t>
-            </a:r>
-            <a:endParaRPr lang="en-US" dirty="0"/>
-          </a:p>
-        </p:txBody>
-      </p:sp>
     </p:spTree>
   </p:cSld>
   <p:clrMapOvr>
@@ -16917,9 +17210,39 @@
           </a:p>
         </p:txBody>
       </p:sp>
+      <p:sp>
+        <p:nvSpPr>
+          <p:cNvPr id="5" name="TextBox 4"/>
+          <p:cNvSpPr txBox="1"/>
+          <p:nvPr/>
+        </p:nvSpPr>
+        <p:spPr>
+          <a:xfrm>
+            <a:off x="3275856" y="6053859"/>
+            <a:ext cx="3096345" cy="400110"/>
+          </a:xfrm>
+          <a:prstGeom prst="rect">
+            <a:avLst/>
+          </a:prstGeom>
+          <a:noFill/>
+        </p:spPr>
+        <p:txBody>
+          <a:bodyPr wrap="square" rtlCol="0">
+            <a:spAutoFit/>
+          </a:bodyPr>
+          <a:lstStyle/>
+          <a:p>
+            <a:r>
+              <a:rPr lang="en-US" sz="2000" dirty="0" smtClean="0"/>
+              <a:t>Hybridization strategies</a:t>
+            </a:r>
+            <a:endParaRPr lang="en-US" sz="2400" dirty="0"/>
+          </a:p>
+        </p:txBody>
+      </p:sp>
       <p:pic>
         <p:nvPicPr>
-          <p:cNvPr id="3" name="Content Placeholder 2"/>
+          <p:cNvPr id="10" name="Content Placeholder 9"/>
           <p:cNvPicPr>
             <a:picLocks noGrp="1" noChangeAspect="1"/>
           </p:cNvPicPr>
@@ -16941,41 +17264,11 @@
         </p:blipFill>
         <p:spPr>
           <a:xfrm>
-            <a:off x="911915" y="1585145"/>
-            <a:ext cx="7320169" cy="4668769"/>
+            <a:off x="1351452" y="1619867"/>
+            <a:ext cx="6945151" cy="4121919"/>
           </a:xfrm>
         </p:spPr>
       </p:pic>
-      <p:sp>
-        <p:nvSpPr>
-          <p:cNvPr id="5" name="TextBox 4"/>
-          <p:cNvSpPr txBox="1"/>
-          <p:nvPr/>
-        </p:nvSpPr>
-        <p:spPr>
-          <a:xfrm>
-            <a:off x="3275856" y="6053859"/>
-            <a:ext cx="3096345" cy="400110"/>
-          </a:xfrm>
-          <a:prstGeom prst="rect">
-            <a:avLst/>
-          </a:prstGeom>
-          <a:noFill/>
-        </p:spPr>
-        <p:txBody>
-          <a:bodyPr wrap="square" rtlCol="0">
-            <a:spAutoFit/>
-          </a:bodyPr>
-          <a:lstStyle/>
-          <a:p>
-            <a:r>
-              <a:rPr lang="en-US" sz="2000" dirty="0" smtClean="0"/>
-              <a:t>Hybridization strategies</a:t>
-            </a:r>
-            <a:endParaRPr lang="en-US" sz="2400" dirty="0"/>
-          </a:p>
-        </p:txBody>
-      </p:sp>
     </p:spTree>
     <p:extLst>
       <p:ext uri="{BB962C8B-B14F-4D97-AF65-F5344CB8AC3E}">
@@ -17198,14 +17491,14 @@
             <p:ph sz="quarter" idx="1"/>
             <p:extLst>
               <p:ext uri="{D42A27DB-BD31-4B8C-83A1-F6EECF244321}">
-                <p14:modId xmlns:p14="http://schemas.microsoft.com/office/powerpoint/2010/main" val="1422933552"/>
+                <p14:modId xmlns:p14="http://schemas.microsoft.com/office/powerpoint/2010/main" val="3067897067"/>
               </p:ext>
             </p:extLst>
           </p:nvPr>
         </p:nvGraphicFramePr>
         <p:xfrm>
           <a:off x="395536" y="2191338"/>
-          <a:ext cx="8136904" cy="3829949"/>
+          <a:ext cx="8136904" cy="3864837"/>
         </p:xfrm>
         <a:graphic>
           <a:graphicData uri="http://schemas.openxmlformats.org/drawingml/2006/table">
@@ -17215,8 +17508,8 @@
               </a:tblPr>
               <a:tblGrid>
                 <a:gridCol w="2885793"/>
-                <a:gridCol w="2626639"/>
-                <a:gridCol w="2624472"/>
+                <a:gridCol w="3594927"/>
+                <a:gridCol w="1656184"/>
               </a:tblGrid>
               <a:tr h="718004">
                 <a:tc>
@@ -17233,12 +17526,12 @@
                         </a:spcAft>
                       </a:pPr>
                       <a:r>
-                        <a:rPr lang="en-US" sz="1800" b="1" dirty="0">
+                        <a:rPr lang="en-US" sz="2000" b="1" dirty="0">
                           <a:effectLst/>
                         </a:rPr>
                         <a:t>Cuckoo Generation Strategy</a:t>
                       </a:r>
-                      <a:endParaRPr lang="en-US" sz="1800" b="1" dirty="0">
+                      <a:endParaRPr lang="en-US" sz="2000" b="1" dirty="0">
                         <a:effectLst/>
                         <a:latin typeface="Times New Roman"/>
                         <a:ea typeface="Batang"/>
@@ -17261,12 +17554,12 @@
                         </a:spcAft>
                       </a:pPr>
                       <a:r>
-                        <a:rPr lang="en-US" sz="1800" b="1">
+                        <a:rPr lang="en-US" sz="2000" b="1" dirty="0">
                           <a:effectLst/>
                         </a:rPr>
                         <a:t>New Nest Generation Strategy</a:t>
                       </a:r>
-                      <a:endParaRPr lang="en-US" sz="1800" b="1">
+                      <a:endParaRPr lang="en-US" sz="2000" b="1" dirty="0">
                         <a:effectLst/>
                         <a:latin typeface="Times New Roman"/>
                         <a:ea typeface="Batang"/>
@@ -17289,12 +17582,12 @@
                         </a:spcAft>
                       </a:pPr>
                       <a:r>
-                        <a:rPr lang="en-US" sz="1800" b="1" dirty="0">
+                        <a:rPr lang="en-US" sz="2000" b="1" dirty="0">
                           <a:effectLst/>
                         </a:rPr>
                         <a:t>Acronym</a:t>
                       </a:r>
-                      <a:endParaRPr lang="en-US" sz="1800" b="1" dirty="0">
+                      <a:endParaRPr lang="en-US" sz="2000" b="1" dirty="0">
                         <a:effectLst/>
                         <a:latin typeface="Times New Roman"/>
                         <a:ea typeface="Batang"/>
@@ -17319,12 +17612,12 @@
                         </a:spcAft>
                       </a:pPr>
                       <a:r>
-                        <a:rPr lang="en-US" sz="1600" dirty="0">
+                        <a:rPr lang="en-US" sz="1800" dirty="0">
                           <a:effectLst/>
                         </a:rPr>
                         <a:t>Random Levy flight solution generation</a:t>
                       </a:r>
-                      <a:endParaRPr lang="en-US" sz="1600" dirty="0">
+                      <a:endParaRPr lang="en-US" sz="1800" dirty="0">
                         <a:effectLst/>
                         <a:latin typeface="Times New Roman"/>
                         <a:ea typeface="Batang"/>
@@ -17347,12 +17640,12 @@
                         </a:spcAft>
                       </a:pPr>
                       <a:r>
-                        <a:rPr lang="en-US" sz="1600" dirty="0">
+                        <a:rPr lang="en-US" sz="1800" dirty="0">
                           <a:effectLst/>
                         </a:rPr>
                         <a:t>Random Levy flight solution generation</a:t>
                       </a:r>
-                      <a:endParaRPr lang="en-US" sz="1600" dirty="0">
+                      <a:endParaRPr lang="en-US" sz="1800" dirty="0">
                         <a:effectLst/>
                         <a:latin typeface="Times New Roman"/>
                         <a:ea typeface="Batang"/>
@@ -17375,30 +17668,30 @@
                         </a:spcAft>
                       </a:pPr>
                       <a:r>
-                        <a:rPr lang="en-US" sz="1600" dirty="0" err="1" smtClean="0">
+                        <a:rPr lang="en-US" sz="1800" dirty="0" smtClean="0">
                           <a:effectLst/>
                         </a:rPr>
-                        <a:t>VersionRLRL</a:t>
+                        <a:t>RLRL</a:t>
                       </a:r>
                       <a:r>
-                        <a:rPr lang="en-US" sz="1600" dirty="0" smtClean="0">
+                        <a:rPr lang="en-US" sz="1800" dirty="0" smtClean="0">
                           <a:effectLst/>
                         </a:rPr>
                         <a:t>,</a:t>
                       </a:r>
                       <a:r>
-                        <a:rPr lang="en-US" sz="1600" baseline="0" dirty="0" smtClean="0">
+                        <a:rPr lang="en-US" sz="1800" baseline="0" dirty="0" smtClean="0">
                           <a:effectLst/>
                         </a:rPr>
                         <a:t> the </a:t>
                       </a:r>
                       <a:r>
-                        <a:rPr lang="en-US" sz="1600" b="1" baseline="0" dirty="0" smtClean="0">
+                        <a:rPr lang="en-US" sz="1800" b="1" baseline="0" dirty="0" smtClean="0">
                           <a:effectLst/>
                         </a:rPr>
                         <a:t>classic version</a:t>
                       </a:r>
-                      <a:endParaRPr lang="en-US" sz="1600" b="1" dirty="0">
+                      <a:endParaRPr lang="en-US" sz="1800" b="1" dirty="0">
                         <a:effectLst/>
                         <a:latin typeface="Times New Roman"/>
                         <a:ea typeface="Batang"/>
@@ -17423,12 +17716,12 @@
                         </a:spcAft>
                       </a:pPr>
                       <a:r>
-                        <a:rPr lang="en-US" sz="1600">
+                        <a:rPr lang="en-US" sz="1800">
                           <a:effectLst/>
                         </a:rPr>
                         <a:t>Uniform Crossover between current nest and best solution</a:t>
                       </a:r>
-                      <a:endParaRPr lang="en-US" sz="1600">
+                      <a:endParaRPr lang="en-US" sz="1800">
                         <a:effectLst/>
                         <a:latin typeface="Times New Roman"/>
                         <a:ea typeface="Batang"/>
@@ -17451,12 +17744,12 @@
                         </a:spcAft>
                       </a:pPr>
                       <a:r>
-                        <a:rPr lang="en-US" sz="1600">
+                        <a:rPr lang="en-US" sz="1800">
                           <a:effectLst/>
                         </a:rPr>
                         <a:t>Uniform Crossover between current nest and best solution</a:t>
                       </a:r>
-                      <a:endParaRPr lang="en-US" sz="1600">
+                      <a:endParaRPr lang="en-US" sz="1800">
                         <a:effectLst/>
                         <a:latin typeface="Times New Roman"/>
                         <a:ea typeface="Batang"/>
@@ -17479,31 +17772,13 @@
                         </a:spcAft>
                       </a:pPr>
                       <a:r>
-                        <a:rPr lang="en-US" sz="1600">
+                        <a:rPr lang="en-US" sz="1800" dirty="0" smtClean="0">
                           <a:effectLst/>
                         </a:rPr>
-                        <a:t>VersionUCUC</a:t>
+                        <a:t>UCUC</a:t>
                       </a:r>
-                    </a:p>
-                    <a:p>
-                      <a:pPr marL="0" marR="0" indent="457200" algn="just">
-                        <a:spcBef>
-                          <a:spcPts val="0"/>
-                        </a:spcBef>
-                        <a:spcAft>
-                          <a:spcPts val="0"/>
-                        </a:spcAft>
-                      </a:pPr>
-                      <a:r>
-                        <a:rPr lang="en-US" sz="1600">
-                          <a:effectLst/>
-                        </a:rPr>
-                        <a:t> </a:t>
-                      </a:r>
-                      <a:endParaRPr lang="en-US" sz="1600">
+                      <a:endParaRPr lang="en-US" sz="1800" dirty="0">
                         <a:effectLst/>
-                        <a:latin typeface="Times New Roman"/>
-                        <a:ea typeface="Batang"/>
                       </a:endParaRPr>
                     </a:p>
                   </a:txBody>
@@ -17525,12 +17800,12 @@
                         </a:spcAft>
                       </a:pPr>
                       <a:r>
-                        <a:rPr lang="en-US" sz="1600">
+                        <a:rPr lang="en-US" sz="1800">
                           <a:effectLst/>
                         </a:rPr>
                         <a:t>Uniform Crossover between current nest and best solution</a:t>
                       </a:r>
-                      <a:endParaRPr lang="en-US" sz="1600">
+                      <a:endParaRPr lang="en-US" sz="1800">
                         <a:effectLst/>
                         <a:latin typeface="Times New Roman"/>
                         <a:ea typeface="Batang"/>
@@ -17553,12 +17828,12 @@
                         </a:spcAft>
                       </a:pPr>
                       <a:r>
-                        <a:rPr lang="en-US" sz="1600">
+                        <a:rPr lang="en-US" sz="1800">
                           <a:effectLst/>
                         </a:rPr>
                         <a:t>Hill Climbing heuristic applied on old nest</a:t>
                       </a:r>
-                      <a:endParaRPr lang="en-US" sz="1600">
+                      <a:endParaRPr lang="en-US" sz="1800">
                         <a:effectLst/>
                         <a:latin typeface="Times New Roman"/>
                         <a:ea typeface="Batang"/>
@@ -17581,12 +17856,12 @@
                         </a:spcAft>
                       </a:pPr>
                       <a:r>
-                        <a:rPr lang="en-US" sz="1600">
+                        <a:rPr lang="en-US" sz="1800" dirty="0" smtClean="0">
                           <a:effectLst/>
                         </a:rPr>
-                        <a:t>VersionUCHC</a:t>
+                        <a:t>UCHC</a:t>
                       </a:r>
-                      <a:endParaRPr lang="en-US" sz="1600">
+                      <a:endParaRPr lang="en-US" sz="1800" dirty="0">
                         <a:effectLst/>
                         <a:latin typeface="Times New Roman"/>
                         <a:ea typeface="Batang"/>
@@ -17611,12 +17886,12 @@
                         </a:spcAft>
                       </a:pPr>
                       <a:r>
-                        <a:rPr lang="en-US" sz="1600">
+                        <a:rPr lang="en-US" sz="1800">
                           <a:effectLst/>
                         </a:rPr>
                         <a:t>Tabu Search heuristic applied on current nest</a:t>
                       </a:r>
-                      <a:endParaRPr lang="en-US" sz="1600">
+                      <a:endParaRPr lang="en-US" sz="1800">
                         <a:effectLst/>
                         <a:latin typeface="Times New Roman"/>
                         <a:ea typeface="Batang"/>
@@ -17639,12 +17914,12 @@
                         </a:spcAft>
                       </a:pPr>
                       <a:r>
-                        <a:rPr lang="en-US" sz="1600">
+                        <a:rPr lang="en-US" sz="1800">
                           <a:effectLst/>
                         </a:rPr>
                         <a:t>Hill Climbing heuristic applied on old nest</a:t>
                       </a:r>
-                      <a:endParaRPr lang="en-US" sz="1600">
+                      <a:endParaRPr lang="en-US" sz="1800">
                         <a:effectLst/>
                         <a:latin typeface="Times New Roman"/>
                         <a:ea typeface="Batang"/>
@@ -17667,12 +17942,12 @@
                         </a:spcAft>
                       </a:pPr>
                       <a:r>
-                        <a:rPr lang="en-US" sz="1600" dirty="0" err="1">
+                        <a:rPr lang="en-US" sz="1800" dirty="0" smtClean="0">
                           <a:effectLst/>
                         </a:rPr>
-                        <a:t>VersionTSHC</a:t>
+                        <a:t>TSHC</a:t>
                       </a:r>
-                      <a:endParaRPr lang="en-US" sz="1600" dirty="0">
+                      <a:endParaRPr lang="en-US" sz="1800" dirty="0">
                         <a:effectLst/>
                         <a:latin typeface="Times New Roman"/>
                         <a:ea typeface="Batang"/>
@@ -17686,36 +17961,6 @@
           </a:graphicData>
         </a:graphic>
       </p:graphicFrame>
-      <p:sp>
-        <p:nvSpPr>
-          <p:cNvPr id="2" name="TextBox 1"/>
-          <p:cNvSpPr txBox="1"/>
-          <p:nvPr/>
-        </p:nvSpPr>
-        <p:spPr>
-          <a:xfrm>
-            <a:off x="251520" y="1700808"/>
-            <a:ext cx="6192688" cy="400110"/>
-          </a:xfrm>
-          <a:prstGeom prst="rect">
-            <a:avLst/>
-          </a:prstGeom>
-          <a:noFill/>
-        </p:spPr>
-        <p:txBody>
-          <a:bodyPr wrap="square" rtlCol="0">
-            <a:spAutoFit/>
-          </a:bodyPr>
-          <a:lstStyle/>
-          <a:p>
-            <a:r>
-              <a:rPr lang="en-US" sz="2000" dirty="0" smtClean="0"/>
-              <a:t>Hybrid versions of the Cuckoo Search algorithm</a:t>
-            </a:r>
-            <a:endParaRPr lang="en-US" sz="2000" dirty="0"/>
-          </a:p>
-        </p:txBody>
-      </p:sp>
     </p:spTree>
     <p:extLst>
       <p:ext uri="{BB962C8B-B14F-4D97-AF65-F5344CB8AC3E}">
@@ -18082,6 +18327,20 @@
           <a:p>
             <a:pPr algn="ctr" eaLnBrk="1" hangingPunct="1"/>
             <a:r>
+              <a:rPr lang="en-US" sz="3100" dirty="0" smtClean="0">
+                <a:latin typeface="Arial" pitchFamily="34" charset="0"/>
+                <a:cs typeface="Arial" pitchFamily="34" charset="0"/>
+              </a:rPr>
+              <a:t>Experimental </a:t>
+            </a:r>
+            <a:r>
+              <a:rPr lang="en-US" sz="3100" dirty="0" smtClean="0">
+                <a:latin typeface="Arial" pitchFamily="34" charset="0"/>
+                <a:cs typeface="Arial" pitchFamily="34" charset="0"/>
+              </a:rPr>
+              <a:t>Prototype</a:t>
+            </a:r>
+            <a:r>
               <a:rPr lang="ro-RO" sz="3100" dirty="0" smtClean="0">
                 <a:latin typeface="Arial" pitchFamily="34" charset="0"/>
                 <a:cs typeface="Arial" pitchFamily="34" charset="0"/>
@@ -18095,25 +18354,12 @@
               </a:rPr>
             </a:br>
             <a:r>
-              <a:rPr lang="en-US" sz="3100" dirty="0" smtClean="0">
+              <a:rPr lang="en-US" sz="2000" dirty="0" smtClean="0">
                 <a:latin typeface="Arial" pitchFamily="34" charset="0"/>
                 <a:cs typeface="Arial" pitchFamily="34" charset="0"/>
               </a:rPr>
-              <a:t>Experimental Prototype</a:t>
-            </a:r>
-            <a:r>
-              <a:rPr lang="ro-RO" sz="3100" dirty="0" smtClean="0">
-                <a:latin typeface="Arial" pitchFamily="34" charset="0"/>
-                <a:cs typeface="Arial" pitchFamily="34" charset="0"/>
-              </a:rPr>
-              <a:t/>
-            </a:r>
-            <a:br>
-              <a:rPr lang="ro-RO" sz="3100" dirty="0" smtClean="0">
-                <a:latin typeface="Arial" pitchFamily="34" charset="0"/>
-                <a:cs typeface="Arial" pitchFamily="34" charset="0"/>
-              </a:rPr>
-            </a:br>
+              <a:t>System Architecture</a:t>
+            </a:r>
             <a:endParaRPr lang="en-US" sz="3100" dirty="0" smtClean="0">
               <a:latin typeface="Arial" pitchFamily="34" charset="0"/>
               <a:cs typeface="Arial" pitchFamily="34" charset="0"/>
@@ -18121,33 +18367,35 @@
           </a:p>
         </p:txBody>
       </p:sp>
-      <p:sp>
-        <p:nvSpPr>
-          <p:cNvPr id="7171" name="Content Placeholder 3"/>
-          <p:cNvSpPr>
-            <a:spLocks noGrp="1"/>
-          </p:cNvSpPr>
+      <p:pic>
+        <p:nvPicPr>
+          <p:cNvPr id="3" name="Content Placeholder 2"/>
+          <p:cNvPicPr>
+            <a:picLocks noGrp="1" noChangeAspect="1"/>
+          </p:cNvPicPr>
           <p:nvPr>
             <p:ph sz="quarter" idx="1"/>
           </p:nvPr>
-        </p:nvSpPr>
+        </p:nvPicPr>
+        <p:blipFill>
+          <a:blip r:embed="rId3">
+            <a:extLst>
+              <a:ext uri="{28A0092B-C50C-407E-A947-70E740481C1C}">
+                <a14:useLocalDpi xmlns:a14="http://schemas.microsoft.com/office/drawing/2010/main" val="0"/>
+              </a:ext>
+            </a:extLst>
+          </a:blip>
+          <a:stretch>
+            <a:fillRect/>
+          </a:stretch>
+        </p:blipFill>
         <p:spPr>
           <a:xfrm>
-            <a:off x="0" y="1600200"/>
-            <a:ext cx="9144000" cy="4495800"/>
+            <a:off x="827584" y="1700808"/>
+            <a:ext cx="6991159" cy="4704928"/>
           </a:xfrm>
         </p:spPr>
-        <p:txBody>
-          <a:bodyPr/>
-          <a:lstStyle/>
-          <a:p>
-            <a:pPr marL="0" indent="0">
-              <a:buNone/>
-            </a:pPr>
-            <a:endParaRPr lang="ro-RO" sz="2400" dirty="0" smtClean="0"/>
-          </a:p>
-        </p:txBody>
-      </p:sp>
+      </p:pic>
       <p:sp>
         <p:nvSpPr>
           <p:cNvPr id="7172" name="Slide Number Placeholder 2"/>
@@ -18271,77 +18519,6 @@
           <a:lstStyle/>
           <a:p>
             <a:endParaRPr lang="en-US"/>
-          </a:p>
-        </p:txBody>
-      </p:sp>
-      <p:pic>
-        <p:nvPicPr>
-          <p:cNvPr id="212994" name="Picture 2" descr="C:\Users\User\AppData\Roaming\Skype\tibi.boros92\media_messaging\media_cache\^B545DA1E663D3648BB1A7F2300B09BC6438184EF0C9E43E3B7^pimgpsh_fullsize_distr.jpg"/>
-          <p:cNvPicPr>
-            <a:picLocks noChangeAspect="1" noChangeArrowheads="1"/>
-          </p:cNvPicPr>
-          <p:nvPr/>
-        </p:nvPicPr>
-        <p:blipFill>
-          <a:blip r:embed="rId3">
-            <a:extLst>
-              <a:ext uri="{28A0092B-C50C-407E-A947-70E740481C1C}">
-                <a14:useLocalDpi xmlns:a14="http://schemas.microsoft.com/office/drawing/2010/main" val="0"/>
-              </a:ext>
-            </a:extLst>
-          </a:blip>
-          <a:srcRect/>
-          <a:stretch>
-            <a:fillRect/>
-          </a:stretch>
-        </p:blipFill>
-        <p:spPr bwMode="auto">
-          <a:xfrm>
-            <a:off x="1774701" y="1700808"/>
-            <a:ext cx="5543550" cy="4524375"/>
-          </a:xfrm>
-          <a:prstGeom prst="rect">
-            <a:avLst/>
-          </a:prstGeom>
-          <a:noFill/>
-          <a:extLst>
-            <a:ext uri="{909E8E84-426E-40DD-AFC4-6F175D3DCCD1}">
-              <a14:hiddenFill xmlns:a14="http://schemas.microsoft.com/office/drawing/2010/main">
-                <a:solidFill>
-                  <a:srgbClr val="FFFFFF"/>
-                </a:solidFill>
-              </a14:hiddenFill>
-            </a:ext>
-          </a:extLst>
-        </p:spPr>
-      </p:pic>
-      <p:sp>
-        <p:nvSpPr>
-          <p:cNvPr id="2" name="TextBox 1"/>
-          <p:cNvSpPr txBox="1"/>
-          <p:nvPr/>
-        </p:nvSpPr>
-        <p:spPr>
-          <a:xfrm>
-            <a:off x="0" y="1600200"/>
-            <a:ext cx="3229347" cy="461665"/>
-          </a:xfrm>
-          <a:prstGeom prst="rect">
-            <a:avLst/>
-          </a:prstGeom>
-          <a:noFill/>
-        </p:spPr>
-        <p:txBody>
-          <a:bodyPr wrap="square" rtlCol="0">
-            <a:spAutoFit/>
-          </a:bodyPr>
-          <a:lstStyle/>
-          <a:p>
-            <a:r>
-              <a:rPr lang="en-US" sz="2400" dirty="0" smtClean="0"/>
-              <a:t>System Architecture</a:t>
-            </a:r>
-            <a:endParaRPr lang="en-US" sz="2400" dirty="0"/>
           </a:p>
         </p:txBody>
       </p:sp>
@@ -18399,6 +18576,20 @@
           <a:p>
             <a:pPr algn="ctr" eaLnBrk="1" hangingPunct="1"/>
             <a:r>
+              <a:rPr lang="en-US" sz="3100" dirty="0" smtClean="0">
+                <a:latin typeface="Arial" pitchFamily="34" charset="0"/>
+                <a:cs typeface="Arial" pitchFamily="34" charset="0"/>
+              </a:rPr>
+              <a:t>Experimental </a:t>
+            </a:r>
+            <a:r>
+              <a:rPr lang="en-US" sz="3100" dirty="0" smtClean="0">
+                <a:latin typeface="Arial" pitchFamily="34" charset="0"/>
+                <a:cs typeface="Arial" pitchFamily="34" charset="0"/>
+              </a:rPr>
+              <a:t>Prototype</a:t>
+            </a:r>
+            <a:r>
               <a:rPr lang="ro-RO" sz="3100" dirty="0" smtClean="0">
                 <a:latin typeface="Arial" pitchFamily="34" charset="0"/>
                 <a:cs typeface="Arial" pitchFamily="34" charset="0"/>
@@ -18412,25 +18603,12 @@
               </a:rPr>
             </a:br>
             <a:r>
-              <a:rPr lang="en-US" sz="3100" dirty="0" smtClean="0">
+              <a:rPr lang="en-US" sz="2000" dirty="0" smtClean="0">
                 <a:latin typeface="Arial" pitchFamily="34" charset="0"/>
                 <a:cs typeface="Arial" pitchFamily="34" charset="0"/>
               </a:rPr>
-              <a:t>Experimental Prototype</a:t>
-            </a:r>
-            <a:r>
-              <a:rPr lang="ro-RO" sz="3100" dirty="0" smtClean="0">
-                <a:latin typeface="Arial" pitchFamily="34" charset="0"/>
-                <a:cs typeface="Arial" pitchFamily="34" charset="0"/>
-              </a:rPr>
-              <a:t/>
-            </a:r>
-            <a:br>
-              <a:rPr lang="ro-RO" sz="3100" dirty="0" smtClean="0">
-                <a:latin typeface="Arial" pitchFamily="34" charset="0"/>
-                <a:cs typeface="Arial" pitchFamily="34" charset="0"/>
-              </a:rPr>
-            </a:br>
+              <a:t>Detailed System Architecture</a:t>
+            </a:r>
             <a:endParaRPr lang="en-US" sz="3100" dirty="0" smtClean="0">
               <a:latin typeface="Arial" pitchFamily="34" charset="0"/>
               <a:cs typeface="Arial" pitchFamily="34" charset="0"/>
@@ -18587,7 +18765,7 @@
         </p:blipFill>
         <p:spPr bwMode="auto">
           <a:xfrm>
-            <a:off x="3707904" y="1600200"/>
+            <a:off x="2504343" y="1533736"/>
             <a:ext cx="4135313" cy="4781128"/>
           </a:xfrm>
           <a:prstGeom prst="rect">
@@ -18605,43 +18783,6 @@
           </a:extLst>
         </p:spPr>
       </p:pic>
-      <p:sp>
-        <p:nvSpPr>
-          <p:cNvPr id="9" name="Content Placeholder 8"/>
-          <p:cNvSpPr txBox="1">
-            <a:spLocks noGrp="1"/>
-          </p:cNvSpPr>
-          <p:nvPr>
-            <p:ph sz="quarter" idx="1"/>
-          </p:nvPr>
-        </p:nvSpPr>
-        <p:spPr>
-          <a:xfrm>
-            <a:off x="0" y="1600200"/>
-            <a:ext cx="3384376" cy="461665"/>
-          </a:xfrm>
-          <a:prstGeom prst="rect">
-            <a:avLst/>
-          </a:prstGeom>
-          <a:noFill/>
-        </p:spPr>
-        <p:txBody>
-          <a:bodyPr wrap="square" rtlCol="0">
-            <a:spAutoFit/>
-          </a:bodyPr>
-          <a:lstStyle/>
-          <a:p>
-            <a:pPr marL="0" indent="0">
-              <a:buNone/>
-            </a:pPr>
-            <a:r>
-              <a:rPr lang="en-US" sz="2400" dirty="0" smtClean="0"/>
-              <a:t>Module Architecture</a:t>
-            </a:r>
-            <a:endParaRPr lang="en-US" sz="2400" dirty="0"/>
-          </a:p>
-        </p:txBody>
-      </p:sp>
     </p:spTree>
     <p:extLst>
       <p:ext uri="{BB962C8B-B14F-4D97-AF65-F5344CB8AC3E}">
@@ -18844,6 +18985,18 @@
             <a:pPr marL="0" indent="0">
               <a:buNone/>
             </a:pPr>
+            <a:r>
+              <a:rPr lang="en-US" sz="1800" noProof="1" smtClean="0"/>
+              <a:t>// </a:t>
+            </a:r>
+            <a:r>
+              <a:rPr lang="en-US" sz="1800" noProof="1" smtClean="0">
+                <a:solidFill>
+                  <a:srgbClr val="FF0000"/>
+                </a:solidFill>
+              </a:rPr>
+              <a:t>Specifica doar ce ai folosit tu, nu ne intereseaza restul + core luat</a:t>
+            </a:r>
             <a:endParaRPr lang="ro-RO" sz="1800" noProof="1" smtClean="0"/>
           </a:p>
         </p:txBody>
@@ -19000,14 +19153,7 @@
                 <a:latin typeface="Arial" pitchFamily="34" charset="0"/>
                 <a:cs typeface="Arial" pitchFamily="34" charset="0"/>
               </a:rPr>
-              <a:t>Experimental </a:t>
-            </a:r>
-            <a:r>
-              <a:rPr lang="en-US" sz="3100" dirty="0" smtClean="0">
-                <a:latin typeface="Arial" pitchFamily="34" charset="0"/>
-                <a:cs typeface="Arial" pitchFamily="34" charset="0"/>
-              </a:rPr>
-              <a:t>Prototype</a:t>
+              <a:t>Experimental Prototype</a:t>
             </a:r>
             <a:r>
               <a:rPr lang="ro-RO" sz="3100" dirty="0" smtClean="0">
@@ -19220,14 +19366,7 @@
                 <a:latin typeface="Arial" pitchFamily="34" charset="0"/>
                 <a:cs typeface="Arial" pitchFamily="34" charset="0"/>
               </a:rPr>
-              <a:t>Experimental </a:t>
-            </a:r>
-            <a:r>
-              <a:rPr lang="en-US" sz="3100" dirty="0" smtClean="0">
-                <a:latin typeface="Arial" pitchFamily="34" charset="0"/>
-                <a:cs typeface="Arial" pitchFamily="34" charset="0"/>
-              </a:rPr>
-              <a:t>Prototype</a:t>
+              <a:t>Experimental Prototype</a:t>
             </a:r>
             <a:r>
               <a:rPr lang="ro-RO" sz="3100" dirty="0" smtClean="0">
@@ -19486,14 +19625,7 @@
                 <a:latin typeface="Arial" pitchFamily="34" charset="0"/>
                 <a:cs typeface="Arial" pitchFamily="34" charset="0"/>
               </a:rPr>
-              <a:t>Experimental </a:t>
-            </a:r>
-            <a:r>
-              <a:rPr lang="en-US" sz="3100" dirty="0" smtClean="0">
-                <a:latin typeface="Arial" pitchFamily="34" charset="0"/>
-                <a:cs typeface="Arial" pitchFamily="34" charset="0"/>
-              </a:rPr>
-              <a:t>Prototype</a:t>
+              <a:t>Experimental Prototype</a:t>
             </a:r>
             <a:r>
               <a:rPr lang="ro-RO" sz="3100" dirty="0" smtClean="0">
@@ -19611,7 +19743,7 @@
                 <a:latin typeface="Arial" pitchFamily="34" charset="0"/>
                 <a:cs typeface="Arial" pitchFamily="34" charset="0"/>
               </a:rPr>
-              <a:t>Introduction</a:t>
+              <a:t>Introduction (I)</a:t>
             </a:r>
             <a:endParaRPr lang="en-US" sz="3000" dirty="0" smtClean="0">
               <a:solidFill>
@@ -19663,121 +19795,60 @@
               <a:t>In Europe </a:t>
             </a:r>
             <a:r>
-              <a:rPr lang="en-US" sz="1800" b="1" u="sng" dirty="0"/>
+              <a:rPr lang="en-US" sz="1800" u="sng" dirty="0"/>
               <a:t>over 15%</a:t>
+            </a:r>
+            <a:r>
+              <a:rPr lang="en-US" sz="1800" dirty="0"/>
+              <a:t> of the elderly population is affected by </a:t>
+            </a:r>
+            <a:r>
+              <a:rPr lang="en-US" sz="1800" dirty="0" smtClean="0"/>
+              <a:t>malnutrition</a:t>
+            </a:r>
+          </a:p>
+          <a:p>
+            <a:pPr lvl="1"/>
+            <a:endParaRPr lang="en-US" sz="1800" dirty="0"/>
+          </a:p>
+          <a:p>
+            <a:pPr lvl="1"/>
+            <a:r>
+              <a:rPr lang="en-US" sz="1800" dirty="0"/>
+              <a:t>Recent studies have shown that the ratio of retirees to workers in Europe will double to </a:t>
+            </a:r>
+            <a:r>
+              <a:rPr lang="en-US" sz="1800" u="sng" dirty="0"/>
+              <a:t>0.54 by </a:t>
+            </a:r>
+            <a:r>
+              <a:rPr lang="en-US" sz="1800" u="sng" dirty="0" smtClean="0"/>
+              <a:t>2050</a:t>
+            </a:r>
+          </a:p>
+          <a:p>
+            <a:pPr lvl="1"/>
+            <a:endParaRPr lang="en-US" sz="1800" b="1" u="sng" dirty="0"/>
+          </a:p>
+          <a:p>
+            <a:pPr lvl="1"/>
+            <a:r>
+              <a:rPr lang="en-US" sz="1800" dirty="0"/>
+              <a:t>The growth of senior population will result a need of medical care services that the</a:t>
             </a:r>
             <a:r>
               <a:rPr lang="en-US" sz="1800" b="1" dirty="0"/>
               <a:t> </a:t>
             </a:r>
             <a:r>
-              <a:rPr lang="en-US" sz="1800" dirty="0"/>
-              <a:t>of the elderly population is affected by </a:t>
-            </a:r>
-            <a:r>
-              <a:rPr lang="en-US" sz="1800" dirty="0" smtClean="0"/>
-              <a:t>malnutrition</a:t>
-            </a:r>
-            <a:endParaRPr lang="en-US" sz="1800" dirty="0"/>
-          </a:p>
-          <a:p>
-            <a:pPr lvl="1"/>
-            <a:r>
-              <a:rPr lang="en-US" sz="1800" dirty="0"/>
-              <a:t>Recent studies have shown that the ratio of retirees to workers in Europe will double to </a:t>
-            </a:r>
-            <a:r>
-              <a:rPr lang="en-US" sz="1800" b="1" u="sng" dirty="0"/>
-              <a:t>0.54 by </a:t>
-            </a:r>
-            <a:r>
-              <a:rPr lang="en-US" sz="1800" b="1" u="sng" dirty="0" smtClean="0"/>
-              <a:t>2050</a:t>
-            </a:r>
-            <a:endParaRPr lang="en-US" sz="1800" b="1" u="sng" dirty="0"/>
-          </a:p>
-          <a:p>
-            <a:pPr lvl="1"/>
-            <a:r>
-              <a:rPr lang="en-US" sz="1800" dirty="0"/>
-              <a:t>The growth of senior population will result a need of medical care services that </a:t>
-            </a:r>
-            <a:r>
-              <a:rPr lang="en-US" sz="1800" b="1" dirty="0"/>
-              <a:t>the </a:t>
-            </a:r>
-            <a:r>
-              <a:rPr lang="en-US" sz="1800" b="1" u="sng" dirty="0"/>
+              <a:rPr lang="en-US" sz="1800" u="sng" dirty="0"/>
               <a:t>current medical care systems cannot </a:t>
             </a:r>
             <a:r>
-              <a:rPr lang="en-US" sz="1800" b="1" u="sng" dirty="0" smtClean="0"/>
+              <a:rPr lang="en-US" sz="1800" u="sng" dirty="0" smtClean="0"/>
               <a:t>withstand</a:t>
             </a:r>
-            <a:endParaRPr lang="en-US" sz="1800" b="1" u="sng" dirty="0"/>
-          </a:p>
-          <a:p>
-            <a:pPr lvl="1"/>
-            <a:r>
-              <a:rPr lang="en-US" sz="1800" dirty="0" smtClean="0"/>
-              <a:t>This project is part of the </a:t>
-            </a:r>
-            <a:r>
-              <a:rPr lang="en-US" sz="1800" b="1" u="sng" dirty="0" smtClean="0"/>
-              <a:t>DIET4Elders</a:t>
-            </a:r>
-            <a:r>
-              <a:rPr lang="en-US" sz="1800" dirty="0" smtClean="0"/>
-              <a:t> international project that comprises entities from different sectors such as universities, </a:t>
-            </a:r>
-            <a:r>
-              <a:rPr lang="en-US" sz="1800" dirty="0" err="1" smtClean="0"/>
-              <a:t>telecare</a:t>
-            </a:r>
-            <a:r>
-              <a:rPr lang="en-US" sz="1800" dirty="0" smtClean="0"/>
-              <a:t> companies, food provider companies and ICT SMEs enumerated as follows:</a:t>
-            </a:r>
-          </a:p>
-          <a:p>
-            <a:pPr lvl="2"/>
-            <a:r>
-              <a:rPr lang="en-US" sz="1700" dirty="0"/>
-              <a:t>ISOIN – coordinator (Spain)</a:t>
-            </a:r>
-          </a:p>
-          <a:p>
-            <a:pPr lvl="2"/>
-            <a:r>
-              <a:rPr lang="en-US" sz="1700" dirty="0" err="1"/>
-              <a:t>Tunstall</a:t>
-            </a:r>
-            <a:r>
-              <a:rPr lang="en-US" sz="1700" dirty="0"/>
-              <a:t> Healthcare Ltd. – Business (UK)</a:t>
-            </a:r>
-          </a:p>
-          <a:p>
-            <a:pPr lvl="2"/>
-            <a:r>
-              <a:rPr lang="en-US" sz="1700" dirty="0"/>
-              <a:t>COESCO DEZA S.L. - end-users (Spain)</a:t>
-            </a:r>
-          </a:p>
-          <a:p>
-            <a:pPr lvl="2"/>
-            <a:r>
-              <a:rPr lang="en-US" sz="1700" dirty="0"/>
-              <a:t>Kings College London - R&amp;D (UK)</a:t>
-            </a:r>
-          </a:p>
-          <a:p>
-            <a:pPr lvl="2"/>
-            <a:r>
-              <a:rPr lang="en-US" sz="1700" dirty="0"/>
-              <a:t>Technical University of Cluj-Napoca - R&amp;D (Romania)</a:t>
-            </a:r>
-            <a:endParaRPr lang="en-US" sz="1700" b="1" dirty="0"/>
+            <a:endParaRPr lang="en-US" sz="1800" u="sng" dirty="0"/>
           </a:p>
           <a:p>
             <a:pPr lvl="1"/>
@@ -20043,14 +20114,7 @@
                 <a:latin typeface="Arial" pitchFamily="34" charset="0"/>
                 <a:cs typeface="Arial" pitchFamily="34" charset="0"/>
               </a:rPr>
-              <a:t>Experimental </a:t>
-            </a:r>
-            <a:r>
-              <a:rPr lang="en-US" sz="3100" dirty="0" smtClean="0">
-                <a:latin typeface="Arial" pitchFamily="34" charset="0"/>
-                <a:cs typeface="Arial" pitchFamily="34" charset="0"/>
-              </a:rPr>
-              <a:t>Prototype</a:t>
+              <a:t>Experimental Prototype</a:t>
             </a:r>
             <a:r>
               <a:rPr lang="ro-RO" sz="3100" dirty="0" smtClean="0">
@@ -20070,7 +20134,14 @@
                 <a:latin typeface="Arial" pitchFamily="34" charset="0"/>
                 <a:cs typeface="Arial" pitchFamily="34" charset="0"/>
               </a:rPr>
-              <a:t>Database Design</a:t>
+              <a:t>Database </a:t>
+            </a:r>
+            <a:r>
+              <a:rPr lang="en-US" sz="2000" dirty="0" smtClean="0">
+                <a:latin typeface="Arial" pitchFamily="34" charset="0"/>
+                <a:cs typeface="Arial" pitchFamily="34" charset="0"/>
+              </a:rPr>
+              <a:t>Design (I)</a:t>
             </a:r>
             <a:endParaRPr lang="en-US" sz="3100" dirty="0" smtClean="0">
               <a:latin typeface="Arial" pitchFamily="34" charset="0"/>
@@ -20081,39 +20152,26 @@
       </p:sp>
       <p:pic>
         <p:nvPicPr>
-          <p:cNvPr id="9" name="Content Placeholder 8" descr="C:\Users\tiberiu\Desktop\ndb_nal_usda.png"/>
+          <p:cNvPr id="6" name="Picture 5"/>
           <p:cNvPicPr>
-            <a:picLocks noGrp="1"/>
+            <a:picLocks noChangeAspect="1"/>
           </p:cNvPicPr>
-          <p:nvPr>
-            <p:ph sz="quarter" idx="1"/>
-          </p:nvPr>
+          <p:nvPr/>
         </p:nvPicPr>
         <p:blipFill>
-          <a:blip r:embed="rId3">
-            <a:extLst>
-              <a:ext uri="{28A0092B-C50C-407E-A947-70E740481C1C}">
-                <a14:useLocalDpi xmlns:a14="http://schemas.microsoft.com/office/drawing/2010/main" val="0"/>
-              </a:ext>
-            </a:extLst>
-          </a:blip>
-          <a:srcRect/>
+          <a:blip r:embed="rId3"/>
           <a:stretch>
             <a:fillRect/>
           </a:stretch>
         </p:blipFill>
-        <p:spPr bwMode="auto">
+        <p:spPr>
           <a:xfrm>
-            <a:off x="1691680" y="1586734"/>
-            <a:ext cx="7033797" cy="4713311"/>
+            <a:off x="599494" y="1628800"/>
+            <a:ext cx="8011106" cy="4564346"/>
           </a:xfrm>
           <a:prstGeom prst="rect">
             <a:avLst/>
           </a:prstGeom>
-          <a:noFill/>
-          <a:ln>
-            <a:noFill/>
-          </a:ln>
         </p:spPr>
       </p:pic>
     </p:spTree>
@@ -20305,14 +20363,7 @@
                 <a:latin typeface="Arial" pitchFamily="34" charset="0"/>
                 <a:cs typeface="Arial" pitchFamily="34" charset="0"/>
               </a:rPr>
-              <a:t>Experimental </a:t>
-            </a:r>
-            <a:r>
-              <a:rPr lang="en-US" sz="3100" dirty="0" smtClean="0">
-                <a:latin typeface="Arial" pitchFamily="34" charset="0"/>
-                <a:cs typeface="Arial" pitchFamily="34" charset="0"/>
-              </a:rPr>
-              <a:t>Prototype</a:t>
+              <a:t>Experimental Prototype</a:t>
             </a:r>
             <a:r>
               <a:rPr lang="ro-RO" sz="3100" dirty="0" smtClean="0">
@@ -20332,7 +20383,14 @@
                 <a:latin typeface="Arial" pitchFamily="34" charset="0"/>
                 <a:cs typeface="Arial" pitchFamily="34" charset="0"/>
               </a:rPr>
-              <a:t>Database Design</a:t>
+              <a:t>Database </a:t>
+            </a:r>
+            <a:r>
+              <a:rPr lang="en-US" sz="2000" dirty="0" smtClean="0">
+                <a:latin typeface="Arial" pitchFamily="34" charset="0"/>
+                <a:cs typeface="Arial" pitchFamily="34" charset="0"/>
+              </a:rPr>
+              <a:t>Design (II)</a:t>
             </a:r>
             <a:endParaRPr lang="en-US" sz="3100" dirty="0" smtClean="0">
               <a:latin typeface="Arial" pitchFamily="34" charset="0"/>
@@ -20343,35 +20401,26 @@
       </p:sp>
       <p:pic>
         <p:nvPicPr>
-          <p:cNvPr id="8" name="Picture 7" descr="C:\Users\tiberiu\Desktop\DIET4Elders DB.png"/>
-          <p:cNvPicPr/>
+          <p:cNvPr id="2" name="Picture 1"/>
+          <p:cNvPicPr>
+            <a:picLocks noChangeAspect="1"/>
+          </p:cNvPicPr>
           <p:nvPr/>
         </p:nvPicPr>
         <p:blipFill>
-          <a:blip r:embed="rId3">
-            <a:extLst>
-              <a:ext uri="{28A0092B-C50C-407E-A947-70E740481C1C}">
-                <a14:useLocalDpi xmlns:a14="http://schemas.microsoft.com/office/drawing/2010/main" val="0"/>
-              </a:ext>
-            </a:extLst>
-          </a:blip>
-          <a:srcRect/>
+          <a:blip r:embed="rId3"/>
           <a:stretch>
             <a:fillRect/>
           </a:stretch>
         </p:blipFill>
-        <p:spPr bwMode="auto">
+        <p:spPr>
           <a:xfrm>
-            <a:off x="1115616" y="1628800"/>
-            <a:ext cx="6696744" cy="4680520"/>
+            <a:off x="467544" y="1628800"/>
+            <a:ext cx="7155360" cy="4555579"/>
           </a:xfrm>
           <a:prstGeom prst="rect">
             <a:avLst/>
           </a:prstGeom>
-          <a:noFill/>
-          <a:ln>
-            <a:noFill/>
-          </a:ln>
         </p:spPr>
       </p:pic>
     </p:spTree>
@@ -20563,14 +20612,7 @@
                 <a:latin typeface="Arial" pitchFamily="34" charset="0"/>
                 <a:cs typeface="Arial" pitchFamily="34" charset="0"/>
               </a:rPr>
-              <a:t>Experimental </a:t>
-            </a:r>
-            <a:r>
-              <a:rPr lang="en-US" sz="3100" dirty="0" smtClean="0">
-                <a:latin typeface="Arial" pitchFamily="34" charset="0"/>
-                <a:cs typeface="Arial" pitchFamily="34" charset="0"/>
-              </a:rPr>
-              <a:t>Prototype</a:t>
+              <a:t>Experimental Prototype</a:t>
             </a:r>
             <a:r>
               <a:rPr lang="ro-RO" sz="3100" dirty="0" smtClean="0">
@@ -20590,7 +20632,7 @@
                 <a:latin typeface="Arial" pitchFamily="34" charset="0"/>
                 <a:cs typeface="Arial" pitchFamily="34" charset="0"/>
               </a:rPr>
-              <a:t>Database Design</a:t>
+              <a:t>Database Source</a:t>
             </a:r>
             <a:endParaRPr lang="en-US" sz="3100" dirty="0" smtClean="0">
               <a:latin typeface="Arial" pitchFamily="34" charset="0"/>
@@ -20645,7 +20687,7 @@
         <p:spPr>
           <a:xfrm>
             <a:off x="1835696" y="5737974"/>
-            <a:ext cx="5944504" cy="369332"/>
+            <a:ext cx="5944504" cy="646331"/>
           </a:xfrm>
           <a:prstGeom prst="rect">
             <a:avLst/>
@@ -20660,7 +20702,21 @@
           <a:p>
             <a:r>
               <a:rPr lang="en-US" dirty="0" smtClean="0"/>
-              <a:t>Nutritional Information of Feta Cheese from USDA </a:t>
+              <a:t>Nutritional Information of Feta Cheese from </a:t>
+            </a:r>
+            <a:r>
+              <a:rPr lang="en-US" dirty="0" smtClean="0"/>
+              <a:t>USDA </a:t>
+            </a:r>
+          </a:p>
+          <a:p>
+            <a:r>
+              <a:rPr lang="en-US" dirty="0"/>
+              <a:t>[http://</a:t>
+            </a:r>
+            <a:r>
+              <a:rPr lang="en-US" dirty="0" smtClean="0"/>
+              <a:t>ndb.nal.usda.gov/ndb/search]</a:t>
             </a:r>
             <a:endParaRPr lang="en-US" dirty="0"/>
           </a:p>
@@ -21093,7 +21149,7 @@
           <a:p>
             <a:r>
               <a:rPr lang="en-US" sz="2400" dirty="0" smtClean="0"/>
-              <a:t>The purpose of the results are to:</a:t>
+              <a:t>The purpose of the experiments are to:</a:t>
             </a:r>
             <a:endParaRPr lang="en-US" sz="2400" dirty="0"/>
           </a:p>
@@ -21183,19 +21239,33 @@
               <a:rPr lang="en-US" sz="1800" dirty="0" smtClean="0"/>
               <a:t>Thus all possible combinations are  </a:t>
             </a:r>
-            <a:r>
-              <a:rPr lang="en-US" sz="1800" b="1" dirty="0" smtClean="0"/>
+            <a:endParaRPr lang="en-US" sz="1800" dirty="0" smtClean="0"/>
+          </a:p>
+          <a:p>
+            <a:pPr marL="1143000" lvl="3" indent="0">
+              <a:buNone/>
+            </a:pPr>
+            <a:r>
+              <a:rPr lang="en-US" sz="1500" b="1" dirty="0" smtClean="0"/>
               <a:t>394 </a:t>
             </a:r>
             <a:r>
-              <a:rPr lang="en-US" sz="1800" b="1" dirty="0"/>
+              <a:rPr lang="en-US" sz="1500" b="1" dirty="0"/>
               <a:t>* 144.242 * 5041 * </a:t>
             </a:r>
             <a:r>
-              <a:rPr lang="en-US" sz="1800" b="1" dirty="0" smtClean="0"/>
-              <a:t>137</a:t>
-            </a:r>
-            <a:endParaRPr lang="en-US" sz="1800" b="1" dirty="0" smtClean="0"/>
+              <a:rPr lang="en-US" sz="1500" b="1" dirty="0"/>
+              <a:t>137 = </a:t>
+            </a:r>
+            <a:r>
+              <a:rPr lang="en-US" sz="1500" b="1" dirty="0" smtClean="0"/>
+              <a:t>39.248.695.061.716</a:t>
+            </a:r>
+            <a:endParaRPr lang="en-US" sz="1500" b="1" dirty="0" smtClean="0">
+              <a:solidFill>
+                <a:srgbClr val="FF0000"/>
+              </a:solidFill>
+            </a:endParaRPr>
           </a:p>
         </p:txBody>
       </p:sp>
@@ -24175,7 +24245,7 @@
                     <a:p>
                       <a:pPr algn="l" fontAlgn="b"/>
                       <a:r>
-                        <a:rPr lang="en-US" sz="1100" b="0" i="0" u="none" strike="noStrike">
+                        <a:rPr lang="en-US" sz="1100" b="0" i="0" u="none" strike="noStrike" dirty="0">
                           <a:solidFill>
                             <a:srgbClr val="000000"/>
                           </a:solidFill>
@@ -24235,7 +24305,7 @@
                     <a:p>
                       <a:pPr algn="l" fontAlgn="b"/>
                       <a:r>
-                        <a:rPr lang="en-US" sz="1100" b="0" i="0" u="none" strike="noStrike">
+                        <a:rPr lang="en-US" sz="1100" b="0" i="0" u="none" strike="noStrike" dirty="0">
                           <a:solidFill>
                             <a:srgbClr val="000000"/>
                           </a:solidFill>
@@ -24818,7 +24888,7 @@
                     <a:p>
                       <a:pPr algn="l" fontAlgn="b"/>
                       <a:r>
-                        <a:rPr lang="en-US" sz="1100" b="0" i="0" u="none" strike="noStrike">
+                        <a:rPr lang="en-US" sz="1100" b="0" i="0" u="none" strike="noStrike" dirty="0">
                           <a:solidFill>
                             <a:srgbClr val="000000"/>
                           </a:solidFill>
@@ -26297,9 +26367,69 @@
           <a:p>
             <a:r>
               <a:rPr lang="en-US" dirty="0" smtClean="0"/>
-              <a:t>Comparative analysis based on the fitness value and duration with equilibrium tradeoff</a:t>
-            </a:r>
-            <a:endParaRPr lang="ro-RO" dirty="0"/>
+              <a:t>Comparative analysis based on the fitness value and duration with </a:t>
+            </a:r>
+            <a:r>
+              <a:rPr lang="en-US" dirty="0" smtClean="0">
+                <a:solidFill>
+                  <a:srgbClr val="FF0000"/>
+                </a:solidFill>
+              </a:rPr>
+              <a:t>equilibrium tradeoff -  </a:t>
+            </a:r>
+            <a:r>
+              <a:rPr lang="en-US" dirty="0" err="1" smtClean="0">
+                <a:solidFill>
+                  <a:srgbClr val="FF0000"/>
+                </a:solidFill>
+              </a:rPr>
+              <a:t>ce</a:t>
+            </a:r>
+            <a:r>
+              <a:rPr lang="en-US" dirty="0" smtClean="0">
+                <a:solidFill>
+                  <a:srgbClr val="FF0000"/>
+                </a:solidFill>
+              </a:rPr>
+              <a:t> </a:t>
+            </a:r>
+            <a:r>
+              <a:rPr lang="en-US" dirty="0" err="1" smtClean="0">
+                <a:solidFill>
+                  <a:srgbClr val="FF0000"/>
+                </a:solidFill>
+              </a:rPr>
+              <a:t>inseamna</a:t>
+            </a:r>
+            <a:r>
+              <a:rPr lang="en-US" dirty="0" smtClean="0">
+                <a:solidFill>
+                  <a:srgbClr val="FF0000"/>
+                </a:solidFill>
+              </a:rPr>
+              <a:t> </a:t>
+            </a:r>
+            <a:r>
+              <a:rPr lang="en-US" dirty="0" err="1" smtClean="0">
+                <a:solidFill>
+                  <a:srgbClr val="FF0000"/>
+                </a:solidFill>
+              </a:rPr>
+              <a:t>echilibru</a:t>
+            </a:r>
+            <a:r>
+              <a:rPr lang="en-US" dirty="0" smtClean="0">
+                <a:solidFill>
+                  <a:srgbClr val="FF0000"/>
+                </a:solidFill>
+              </a:rPr>
+              <a:t>?</a:t>
+            </a:r>
+            <a:endParaRPr lang="ro-RO" dirty="0">
+              <a:solidFill>
+                <a:srgbClr val="FF0000"/>
+              </a:solidFill>
+            </a:endParaRPr>
           </a:p>
         </p:txBody>
       </p:sp>
@@ -26837,11 +26967,11 @@
           <a:p>
             <a:pPr algn="ctr"/>
             <a:r>
-              <a:rPr lang="en-US" sz="3000" dirty="0">
+              <a:rPr lang="en-US" sz="3000" dirty="0" smtClean="0">
                 <a:latin typeface="Arial" pitchFamily="34" charset="0"/>
                 <a:cs typeface="Arial" pitchFamily="34" charset="0"/>
               </a:rPr>
-              <a:t>Introduction</a:t>
+              <a:t>Introduction (II)</a:t>
             </a:r>
             <a:endParaRPr lang="en-US" sz="3000" dirty="0"/>
           </a:p>
@@ -27411,9 +27541,20 @@
           <a:p>
             <a:r>
               <a:rPr lang="en-US" sz="2400" dirty="0" smtClean="0"/>
-              <a:t>A hybrid technique inspired from the breeding behavior of cuckoo birds for generating food menu recommendations has been developed</a:t>
-            </a:r>
-            <a:endParaRPr lang="en-US" sz="2400" dirty="0" smtClean="0"/>
+              <a:t>A technique which adapts and hybridizes the Cuckoo Search meta-heuristic </a:t>
+            </a:r>
+            <a:r>
+              <a:rPr lang="en-US" sz="2400" dirty="0" smtClean="0">
+                <a:solidFill>
+                  <a:srgbClr val="FF0000"/>
+                </a:solidFill>
+              </a:rPr>
+              <a:t>[ref] </a:t>
+            </a:r>
+            <a:r>
+              <a:rPr lang="en-US" sz="2400" dirty="0" smtClean="0"/>
+              <a:t>for generating food menu recommendations has been developed</a:t>
+            </a:r>
           </a:p>
           <a:p>
             <a:pPr lvl="1"/>
@@ -27421,7 +27562,6 @@
               <a:rPr lang="en-US" sz="1800" dirty="0" smtClean="0"/>
               <a:t>An experimental prototype has been developed</a:t>
             </a:r>
-            <a:endParaRPr lang="en-US" sz="1800" dirty="0" smtClean="0"/>
           </a:p>
           <a:p>
             <a:pPr lvl="1"/>
@@ -27429,7 +27569,161 @@
               <a:rPr lang="en-US" sz="1800" dirty="0" smtClean="0"/>
               <a:t>Experimental results have been made on different user profiles</a:t>
             </a:r>
-            <a:endParaRPr lang="en-US" sz="1800" dirty="0" smtClean="0"/>
+          </a:p>
+          <a:p>
+            <a:pPr lvl="1"/>
+            <a:r>
+              <a:rPr lang="en-US" sz="1800" dirty="0" smtClean="0">
+                <a:solidFill>
+                  <a:srgbClr val="FF0000"/>
+                </a:solidFill>
+              </a:rPr>
+              <a:t>Care </a:t>
+            </a:r>
+            <a:r>
+              <a:rPr lang="en-US" sz="1800" dirty="0" err="1" smtClean="0">
+                <a:solidFill>
+                  <a:srgbClr val="FF0000"/>
+                </a:solidFill>
+              </a:rPr>
+              <a:t>varianta</a:t>
+            </a:r>
+            <a:r>
+              <a:rPr lang="en-US" sz="1800" dirty="0" smtClean="0">
+                <a:solidFill>
+                  <a:srgbClr val="FF0000"/>
+                </a:solidFill>
+              </a:rPr>
+              <a:t> </a:t>
+            </a:r>
+            <a:r>
+              <a:rPr lang="en-US" sz="1800" dirty="0" err="1" smtClean="0">
+                <a:solidFill>
+                  <a:srgbClr val="FF0000"/>
+                </a:solidFill>
+              </a:rPr>
+              <a:t>hibrida</a:t>
+            </a:r>
+            <a:r>
+              <a:rPr lang="en-US" sz="1800" dirty="0" smtClean="0">
+                <a:solidFill>
+                  <a:srgbClr val="FF0000"/>
+                </a:solidFill>
+              </a:rPr>
+              <a:t> </a:t>
+            </a:r>
+            <a:r>
+              <a:rPr lang="en-US" sz="1800" dirty="0" err="1" smtClean="0">
+                <a:solidFill>
+                  <a:srgbClr val="FF0000"/>
+                </a:solidFill>
+              </a:rPr>
+              <a:t>este</a:t>
+            </a:r>
+            <a:r>
+              <a:rPr lang="en-US" sz="1800" dirty="0" smtClean="0">
+                <a:solidFill>
+                  <a:srgbClr val="FF0000"/>
+                </a:solidFill>
+              </a:rPr>
+              <a:t> </a:t>
+            </a:r>
+            <a:r>
+              <a:rPr lang="en-US" sz="1800" dirty="0" err="1" smtClean="0">
+                <a:solidFill>
+                  <a:srgbClr val="FF0000"/>
+                </a:solidFill>
+              </a:rPr>
+              <a:t>mai</a:t>
+            </a:r>
+            <a:r>
+              <a:rPr lang="en-US" sz="1800" dirty="0" smtClean="0">
+                <a:solidFill>
+                  <a:srgbClr val="FF0000"/>
+                </a:solidFill>
+              </a:rPr>
+              <a:t> </a:t>
+            </a:r>
+            <a:r>
+              <a:rPr lang="en-US" sz="1800" dirty="0" err="1" smtClean="0">
+                <a:solidFill>
+                  <a:srgbClr val="FF0000"/>
+                </a:solidFill>
+              </a:rPr>
+              <a:t>buna</a:t>
+            </a:r>
+            <a:r>
+              <a:rPr lang="en-US" sz="1800" dirty="0" smtClean="0">
+                <a:solidFill>
+                  <a:srgbClr val="FF0000"/>
+                </a:solidFill>
+              </a:rPr>
+              <a:t> (</a:t>
+            </a:r>
+            <a:r>
+              <a:rPr lang="en-US" sz="1800" dirty="0" err="1" smtClean="0">
+                <a:solidFill>
+                  <a:srgbClr val="FF0000"/>
+                </a:solidFill>
+              </a:rPr>
+              <a:t>concluzii</a:t>
+            </a:r>
+            <a:r>
+              <a:rPr lang="en-US" sz="1800" dirty="0" smtClean="0">
+                <a:solidFill>
+                  <a:srgbClr val="FF0000"/>
+                </a:solidFill>
+              </a:rPr>
+              <a:t> din </a:t>
+            </a:r>
+            <a:r>
+              <a:rPr lang="en-US" sz="1800" dirty="0" err="1" smtClean="0">
+                <a:solidFill>
+                  <a:srgbClr val="FF0000"/>
+                </a:solidFill>
+              </a:rPr>
+              <a:t>prisma</a:t>
+            </a:r>
+            <a:r>
+              <a:rPr lang="en-US" sz="1800" dirty="0" smtClean="0">
+                <a:solidFill>
+                  <a:srgbClr val="FF0000"/>
+                </a:solidFill>
+              </a:rPr>
+              <a:t> </a:t>
+            </a:r>
+            <a:r>
+              <a:rPr lang="en-US" sz="1800" dirty="0" err="1" smtClean="0">
+                <a:solidFill>
+                  <a:srgbClr val="FF0000"/>
+                </a:solidFill>
+              </a:rPr>
+              <a:t>rezultatelor</a:t>
+            </a:r>
+            <a:r>
+              <a:rPr lang="en-US" sz="1800" dirty="0" smtClean="0">
+                <a:solidFill>
+                  <a:srgbClr val="FF0000"/>
+                </a:solidFill>
+              </a:rPr>
+              <a:t> </a:t>
+            </a:r>
+            <a:r>
+              <a:rPr lang="en-US" sz="1800" dirty="0" err="1" smtClean="0">
+                <a:solidFill>
+                  <a:srgbClr val="FF0000"/>
+                </a:solidFill>
+              </a:rPr>
+              <a:t>obtinute</a:t>
+            </a:r>
+            <a:r>
+              <a:rPr lang="en-US" sz="1800" dirty="0" smtClean="0">
+                <a:solidFill>
+                  <a:srgbClr val="FF0000"/>
+                </a:solidFill>
+              </a:rPr>
+              <a:t>)</a:t>
+            </a:r>
           </a:p>
           <a:p>
             <a:pPr lvl="1"/>
@@ -28974,6 +29268,10 @@
               </a:rPr>
               <a:t>Objectives and Contributions</a:t>
             </a:r>
+            <a:endParaRPr lang="en-US" sz="3100" dirty="0" smtClean="0">
+              <a:latin typeface="Arial" pitchFamily="34" charset="0"/>
+              <a:cs typeface="Arial" pitchFamily="34" charset="0"/>
+            </a:endParaRPr>
           </a:p>
         </p:txBody>
       </p:sp>
@@ -29038,8 +29336,13 @@
             <a:pPr lvl="1"/>
             <a:r>
               <a:rPr lang="en-US" sz="1900" dirty="0" smtClean="0"/>
-              <a:t>Development of hybrid cuckoo search based techniques</a:t>
-            </a:r>
+              <a:t>Development of hybrid cuckoo search based </a:t>
+            </a:r>
+            <a:r>
+              <a:rPr lang="en-US" sz="1900" dirty="0" smtClean="0"/>
+              <a:t>technique</a:t>
+            </a:r>
+            <a:endParaRPr lang="en-US" sz="1900" dirty="0" smtClean="0"/>
           </a:p>
           <a:p>
             <a:pPr lvl="1"/>
@@ -29052,7 +29355,11 @@
             <a:pPr lvl="1"/>
             <a:r>
               <a:rPr lang="en-US" sz="1900" dirty="0" smtClean="0"/>
-              <a:t>Testing and evaluating the classic version of the algorithm and the hybrid versions</a:t>
+              <a:t>Testing and evaluating the classic version of the algorithm and the hybrid </a:t>
+            </a:r>
+            <a:r>
+              <a:rPr lang="en-US" sz="1900" dirty="0" smtClean="0"/>
+              <a:t>versions using the developed experimental prototype</a:t>
             </a:r>
             <a:endParaRPr lang="ro-RO" sz="1900" dirty="0" smtClean="0"/>
           </a:p>
@@ -29600,7 +29907,7 @@
           <p:nvPr>
             <p:extLst>
               <p:ext uri="{D42A27DB-BD31-4B8C-83A1-F6EECF244321}">
-                <p14:modId xmlns:p14="http://schemas.microsoft.com/office/powerpoint/2010/main" val="3020104624"/>
+                <p14:modId xmlns:p14="http://schemas.microsoft.com/office/powerpoint/2010/main" val="1369117809"/>
               </p:ext>
             </p:extLst>
           </p:nvPr>

--- a/Prezentare/TiberiuBoros.pptx
+++ b/Prezentare/TiberiuBoros.pptx
@@ -5,10 +5,10 @@
     <p:sldMasterId id="2147483660" r:id="rId1"/>
   </p:sldMasterIdLst>
   <p:notesMasterIdLst>
-    <p:notesMasterId r:id="rId47"/>
+    <p:notesMasterId r:id="rId46"/>
   </p:notesMasterIdLst>
   <p:handoutMasterIdLst>
-    <p:handoutMasterId r:id="rId48"/>
+    <p:handoutMasterId r:id="rId47"/>
   </p:handoutMasterIdLst>
   <p:sldIdLst>
     <p:sldId id="256" r:id="rId2"/>
@@ -27,35 +27,34 @@
     <p:sldId id="365" r:id="rId15"/>
     <p:sldId id="360" r:id="rId16"/>
     <p:sldId id="350" r:id="rId17"/>
-    <p:sldId id="366" r:id="rId18"/>
-    <p:sldId id="329" r:id="rId19"/>
-    <p:sldId id="347" r:id="rId20"/>
-    <p:sldId id="355" r:id="rId21"/>
-    <p:sldId id="343" r:id="rId22"/>
-    <p:sldId id="370" r:id="rId23"/>
-    <p:sldId id="356" r:id="rId24"/>
-    <p:sldId id="361" r:id="rId25"/>
-    <p:sldId id="334" r:id="rId26"/>
-    <p:sldId id="367" r:id="rId27"/>
-    <p:sldId id="335" r:id="rId28"/>
-    <p:sldId id="368" r:id="rId29"/>
-    <p:sldId id="369" r:id="rId30"/>
-    <p:sldId id="371" r:id="rId31"/>
-    <p:sldId id="372" r:id="rId32"/>
-    <p:sldId id="377" r:id="rId33"/>
-    <p:sldId id="362" r:id="rId34"/>
-    <p:sldId id="344" r:id="rId35"/>
-    <p:sldId id="379" r:id="rId36"/>
-    <p:sldId id="380" r:id="rId37"/>
-    <p:sldId id="381" r:id="rId38"/>
-    <p:sldId id="382" r:id="rId39"/>
-    <p:sldId id="383" r:id="rId40"/>
-    <p:sldId id="363" r:id="rId41"/>
-    <p:sldId id="342" r:id="rId42"/>
-    <p:sldId id="373" r:id="rId43"/>
-    <p:sldId id="374" r:id="rId44"/>
-    <p:sldId id="375" r:id="rId45"/>
-    <p:sldId id="376" r:id="rId46"/>
+    <p:sldId id="329" r:id="rId18"/>
+    <p:sldId id="347" r:id="rId19"/>
+    <p:sldId id="355" r:id="rId20"/>
+    <p:sldId id="343" r:id="rId21"/>
+    <p:sldId id="370" r:id="rId22"/>
+    <p:sldId id="356" r:id="rId23"/>
+    <p:sldId id="361" r:id="rId24"/>
+    <p:sldId id="334" r:id="rId25"/>
+    <p:sldId id="367" r:id="rId26"/>
+    <p:sldId id="335" r:id="rId27"/>
+    <p:sldId id="368" r:id="rId28"/>
+    <p:sldId id="369" r:id="rId29"/>
+    <p:sldId id="371" r:id="rId30"/>
+    <p:sldId id="372" r:id="rId31"/>
+    <p:sldId id="377" r:id="rId32"/>
+    <p:sldId id="362" r:id="rId33"/>
+    <p:sldId id="344" r:id="rId34"/>
+    <p:sldId id="379" r:id="rId35"/>
+    <p:sldId id="380" r:id="rId36"/>
+    <p:sldId id="381" r:id="rId37"/>
+    <p:sldId id="382" r:id="rId38"/>
+    <p:sldId id="383" r:id="rId39"/>
+    <p:sldId id="363" r:id="rId40"/>
+    <p:sldId id="342" r:id="rId41"/>
+    <p:sldId id="373" r:id="rId42"/>
+    <p:sldId id="374" r:id="rId43"/>
+    <p:sldId id="375" r:id="rId44"/>
+    <p:sldId id="376" r:id="rId45"/>
   </p:sldIdLst>
   <p:sldSz cx="9144000" cy="6858000" type="screen4x3"/>
   <p:notesSz cx="6858000" cy="9144000"/>
@@ -186,7 +185,7 @@
   </p:defaultTextStyle>
   <p:extLst>
     <p:ext uri="{EFAFB233-063F-42B5-8137-9DF3F51BA10A}">
-      <p15:sldGuideLst xmlns:p15="http://schemas.microsoft.com/office/powerpoint/2012/main">
+      <p15:sldGuideLst xmlns:p15="http://schemas.microsoft.com/office/powerpoint/2012/main" xmlns="">
         <p15:guide id="1" orient="horz" pos="2160">
           <p15:clr>
             <a:srgbClr val="A4A3A4"/>
@@ -200,7 +199,7 @@
       </p15:sldGuideLst>
     </p:ext>
     <p:ext uri="{2D200454-40CA-4A62-9FC3-DE9A4176ACB9}">
-      <p15:notesGuideLst xmlns:p15="http://schemas.microsoft.com/office/powerpoint/2012/main">
+      <p15:notesGuideLst xmlns:p15="http://schemas.microsoft.com/office/powerpoint/2012/main" xmlns="">
         <p15:guide id="1" orient="horz" pos="2880">
           <p15:clr>
             <a:srgbClr val="A4A3A4"/>
@@ -220,11 +219,7 @@
 <file path=ppt/commentAuthors.xml><?xml version="1.0" encoding="utf-8"?>
 <p:cmAuthorLst xmlns:a="http://schemas.openxmlformats.org/drawingml/2006/main" xmlns:r="http://schemas.openxmlformats.org/officeDocument/2006/relationships" xmlns:p="http://schemas.openxmlformats.org/presentationml/2006/main">
   <p:cmAuthor id="1" name="tiberiu boros" initials="tb" lastIdx="1" clrIdx="0">
-    <p:extLst>
-      <p:ext uri="{19B8F6BF-5375-455C-9EA6-DF929625EA0E}">
-        <p15:presenceInfo xmlns:p15="http://schemas.microsoft.com/office/powerpoint/2012/main" userId="fedf2a91af72b623" providerId="Windows Live"/>
-      </p:ext>
-    </p:extLst>
+    <p:extLst/>
   </p:cmAuthor>
 </p:cmAuthorLst>
 </file>
@@ -283,26 +278,6 @@
         </a:ln>
         <a:effectLst/>
       </c:spPr>
-      <c:txPr>
-        <a:bodyPr rot="0" spcFirstLastPara="1" vertOverflow="ellipsis" vert="horz" wrap="square" anchor="ctr" anchorCtr="1"/>
-        <a:lstStyle/>
-        <a:p>
-          <a:pPr>
-            <a:defRPr sz="1400" b="0" i="0" u="none" strike="noStrike" kern="1200" spc="0" baseline="0">
-              <a:solidFill>
-                <a:schemeClr val="tx1">
-                  <a:lumMod val="65000"/>
-                  <a:lumOff val="35000"/>
-                </a:schemeClr>
-              </a:solidFill>
-              <a:latin typeface="+mn-lt"/>
-              <a:ea typeface="+mn-ea"/>
-              <a:cs typeface="+mn-cs"/>
-            </a:defRPr>
-          </a:pPr>
-          <a:endParaRPr lang="en-US"/>
-        </a:p>
-      </c:txPr>
     </c:title>
     <c:autoTitleDeleted val="0"/>
     <c:plotArea>
@@ -910,12 +885,13 @@
           <c:showPercent val="0"/>
           <c:showBubbleSize val="0"/>
         </c:dLbls>
+        <c:marker val="1"/>
         <c:smooth val="0"/>
-        <c:axId val="280900832"/>
-        <c:axId val="280903968"/>
+        <c:axId val="102041472"/>
+        <c:axId val="102043008"/>
       </c:lineChart>
       <c:catAx>
-        <c:axId val="280900832"/>
+        <c:axId val="102041472"/>
         <c:scaling>
           <c:orientation val="minMax"/>
         </c:scaling>
@@ -958,7 +934,7 @@
             <a:endParaRPr lang="en-US"/>
           </a:p>
         </c:txPr>
-        <c:crossAx val="280903968"/>
+        <c:crossAx val="102043008"/>
         <c:crosses val="autoZero"/>
         <c:auto val="1"/>
         <c:lblAlgn val="ctr"/>
@@ -966,7 +942,7 @@
         <c:noMultiLvlLbl val="0"/>
       </c:catAx>
       <c:valAx>
-        <c:axId val="280903968"/>
+        <c:axId val="102043008"/>
         <c:scaling>
           <c:orientation val="minMax"/>
           <c:min val="0.70000000000000007"/>
@@ -1027,26 +1003,6 @@
             </a:ln>
             <a:effectLst/>
           </c:spPr>
-          <c:txPr>
-            <a:bodyPr rot="-5400000" spcFirstLastPara="1" vertOverflow="ellipsis" vert="horz" wrap="square" anchor="ctr" anchorCtr="1"/>
-            <a:lstStyle/>
-            <a:p>
-              <a:pPr>
-                <a:defRPr sz="1000" b="0" i="0" u="none" strike="noStrike" kern="1200" baseline="0">
-                  <a:solidFill>
-                    <a:schemeClr val="tx1">
-                      <a:lumMod val="65000"/>
-                      <a:lumOff val="35000"/>
-                    </a:schemeClr>
-                  </a:solidFill>
-                  <a:latin typeface="+mn-lt"/>
-                  <a:ea typeface="+mn-ea"/>
-                  <a:cs typeface="+mn-cs"/>
-                </a:defRPr>
-              </a:pPr>
-              <a:endParaRPr lang="en-US"/>
-            </a:p>
-          </c:txPr>
         </c:title>
         <c:numFmt formatCode="General" sourceLinked="1"/>
         <c:majorTickMark val="none"/>
@@ -1079,7 +1035,7 @@
             <a:endParaRPr lang="en-US"/>
           </a:p>
         </c:txPr>
-        <c:crossAx val="280900832"/>
+        <c:crossAx val="102041472"/>
         <c:crosses val="autoZero"/>
         <c:crossBetween val="between"/>
       </c:valAx>
@@ -1144,7 +1100,7 @@
       <a:endParaRPr lang="en-US"/>
     </a:p>
   </c:txPr>
-  <c:externalData r:id="rId3">
+  <c:externalData r:id="rId1">
     <c:autoUpdate val="0"/>
   </c:externalData>
 </c:chartSpace>
@@ -1204,26 +1160,6 @@
         </a:ln>
         <a:effectLst/>
       </c:spPr>
-      <c:txPr>
-        <a:bodyPr rot="0" spcFirstLastPara="1" vertOverflow="ellipsis" vert="horz" wrap="square" anchor="ctr" anchorCtr="1"/>
-        <a:lstStyle/>
-        <a:p>
-          <a:pPr>
-            <a:defRPr sz="1400" b="0" i="0" u="none" strike="noStrike" kern="1200" spc="0" baseline="0">
-              <a:solidFill>
-                <a:schemeClr val="tx1">
-                  <a:lumMod val="65000"/>
-                  <a:lumOff val="35000"/>
-                </a:schemeClr>
-              </a:solidFill>
-              <a:latin typeface="+mn-lt"/>
-              <a:ea typeface="+mn-ea"/>
-              <a:cs typeface="+mn-cs"/>
-            </a:defRPr>
-          </a:pPr>
-          <a:endParaRPr lang="en-US"/>
-        </a:p>
-      </c:txPr>
     </c:title>
     <c:autoTitleDeleted val="0"/>
     <c:plotArea>
@@ -1831,12 +1767,13 @@
           <c:showPercent val="0"/>
           <c:showBubbleSize val="0"/>
         </c:dLbls>
+        <c:marker val="1"/>
         <c:smooth val="0"/>
-        <c:axId val="280901224"/>
-        <c:axId val="280904752"/>
+        <c:axId val="102106240"/>
+        <c:axId val="102107776"/>
       </c:lineChart>
       <c:catAx>
-        <c:axId val="280901224"/>
+        <c:axId val="102106240"/>
         <c:scaling>
           <c:orientation val="minMax"/>
         </c:scaling>
@@ -1879,7 +1816,7 @@
             <a:endParaRPr lang="en-US"/>
           </a:p>
         </c:txPr>
-        <c:crossAx val="280904752"/>
+        <c:crossAx val="102107776"/>
         <c:crosses val="autoZero"/>
         <c:auto val="1"/>
         <c:lblAlgn val="ctr"/>
@@ -1887,7 +1824,7 @@
         <c:noMultiLvlLbl val="0"/>
       </c:catAx>
       <c:valAx>
-        <c:axId val="280904752"/>
+        <c:axId val="102107776"/>
         <c:scaling>
           <c:orientation val="minMax"/>
           <c:min val="0.70000000000000007"/>
@@ -1944,26 +1881,6 @@
             </a:ln>
             <a:effectLst/>
           </c:spPr>
-          <c:txPr>
-            <a:bodyPr rot="-5400000" spcFirstLastPara="1" vertOverflow="ellipsis" vert="horz" wrap="square" anchor="ctr" anchorCtr="1"/>
-            <a:lstStyle/>
-            <a:p>
-              <a:pPr>
-                <a:defRPr sz="1000" b="0" i="0" u="none" strike="noStrike" kern="1200" baseline="0">
-                  <a:solidFill>
-                    <a:schemeClr val="tx1">
-                      <a:lumMod val="65000"/>
-                      <a:lumOff val="35000"/>
-                    </a:schemeClr>
-                  </a:solidFill>
-                  <a:latin typeface="+mn-lt"/>
-                  <a:ea typeface="+mn-ea"/>
-                  <a:cs typeface="+mn-cs"/>
-                </a:defRPr>
-              </a:pPr>
-              <a:endParaRPr lang="en-US"/>
-            </a:p>
-          </c:txPr>
         </c:title>
         <c:numFmt formatCode="General" sourceLinked="1"/>
         <c:majorTickMark val="none"/>
@@ -1996,7 +1913,7 @@
             <a:endParaRPr lang="en-US"/>
           </a:p>
         </c:txPr>
-        <c:crossAx val="280901224"/>
+        <c:crossAx val="102106240"/>
         <c:crosses val="autoZero"/>
         <c:crossBetween val="between"/>
       </c:valAx>
@@ -2061,7 +1978,7 @@
       <a:endParaRPr lang="en-US"/>
     </a:p>
   </c:txPr>
-  <c:externalData r:id="rId3">
+  <c:externalData r:id="rId1">
     <c:autoUpdate val="0"/>
   </c:externalData>
 </c:chartSpace>
@@ -4549,7 +4466,7 @@
     </p:spTree>
     <p:extLst>
       <p:ext uri="{BB962C8B-B14F-4D97-AF65-F5344CB8AC3E}">
-        <p14:creationId xmlns:p14="http://schemas.microsoft.com/office/powerpoint/2010/main" val="1526680613"/>
+        <p14:creationId xmlns:p14="http://schemas.microsoft.com/office/powerpoint/2010/main" val="2687083519"/>
       </p:ext>
     </p:extLst>
   </p:cSld>
@@ -4578,29 +4495,19 @@
       </p:grpSpPr>
       <p:sp>
         <p:nvSpPr>
-          <p:cNvPr id="34818" name="Slide Image Placeholder 1"/>
+          <p:cNvPr id="2" name="Slide Image Placeholder 1"/>
           <p:cNvSpPr>
-            <a:spLocks noGrp="1" noRot="1" noChangeAspect="1" noTextEdit="1"/>
+            <a:spLocks noGrp="1" noRot="1" noChangeAspect="1"/>
           </p:cNvSpPr>
           <p:nvPr>
             <p:ph type="sldImg"/>
           </p:nvPr>
         </p:nvSpPr>
-        <p:spPr bwMode="auto">
-          <a:noFill/>
-          <a:ln>
-            <a:solidFill>
-              <a:srgbClr val="000000"/>
-            </a:solidFill>
-            <a:miter lim="800000"/>
-            <a:headEnd/>
-            <a:tailEnd/>
-          </a:ln>
-        </p:spPr>
-      </p:sp>
-      <p:sp>
-        <p:nvSpPr>
-          <p:cNvPr id="34819" name="Notes Placeholder 2"/>
+        <p:spPr/>
+      </p:sp>
+      <p:sp>
+        <p:nvSpPr>
+          <p:cNvPr id="3" name="Notes Placeholder 2"/>
           <p:cNvSpPr>
             <a:spLocks noGrp="1"/>
           </p:cNvSpPr>
@@ -4608,18 +4515,14 @@
             <p:ph type="body" idx="1"/>
           </p:nvPr>
         </p:nvSpPr>
-        <p:spPr bwMode="auto">
-          <a:noFill/>
-        </p:spPr>
+        <p:spPr/>
         <p:txBody>
-          <a:bodyPr wrap="square" numCol="1" anchor="t" anchorCtr="0" compatLnSpc="1">
-            <a:prstTxWarp prst="textNoShape">
-              <a:avLst/>
-            </a:prstTxWarp>
+          <a:bodyPr>
+            <a:normAutofit/>
           </a:bodyPr>
           <a:lstStyle/>
           <a:p>
-            <a:endParaRPr lang="en-US" smtClean="0"/>
+            <a:endParaRPr lang="ro-RO"/>
           </a:p>
         </p:txBody>
       </p:sp>
@@ -4630,7 +4533,7 @@
             <a:spLocks noGrp="1"/>
           </p:cNvSpPr>
           <p:nvPr>
-            <p:ph type="sldNum" sz="quarter" idx="5"/>
+            <p:ph type="sldNum" sz="quarter" idx="10"/>
           </p:nvPr>
         </p:nvSpPr>
         <p:spPr/>
@@ -4641,7 +4544,7 @@
             <a:pPr>
               <a:defRPr/>
             </a:pPr>
-            <a:fld id="{4AD9E745-FF88-4D29-8F87-C4AD97C8FD18}" type="slidenum">
+            <a:fld id="{29339585-4026-4C29-950A-92B40D4E8CB0}" type="slidenum">
               <a:rPr lang="en-US" smtClean="0"/>
               <a:pPr>
                 <a:defRPr/>
@@ -4655,7 +4558,7 @@
     </p:spTree>
     <p:extLst>
       <p:ext uri="{BB962C8B-B14F-4D97-AF65-F5344CB8AC3E}">
-        <p14:creationId xmlns:p14="http://schemas.microsoft.com/office/powerpoint/2010/main" val="2687083519"/>
+        <p14:creationId xmlns:p14="http://schemas.microsoft.com/office/powerpoint/2010/main" val="1453933399"/>
       </p:ext>
     </p:extLst>
   </p:cSld>
@@ -4747,7 +4650,7 @@
     </p:spTree>
     <p:extLst>
       <p:ext uri="{BB962C8B-B14F-4D97-AF65-F5344CB8AC3E}">
-        <p14:creationId xmlns:p14="http://schemas.microsoft.com/office/powerpoint/2010/main" val="1453933399"/>
+        <p14:creationId xmlns:p14="http://schemas.microsoft.com/office/powerpoint/2010/main" val="1644952467"/>
       </p:ext>
     </p:extLst>
   </p:cSld>
@@ -4776,19 +4679,29 @@
       </p:grpSpPr>
       <p:sp>
         <p:nvSpPr>
-          <p:cNvPr id="2" name="Slide Image Placeholder 1"/>
+          <p:cNvPr id="34818" name="Slide Image Placeholder 1"/>
           <p:cNvSpPr>
-            <a:spLocks noGrp="1" noRot="1" noChangeAspect="1"/>
+            <a:spLocks noGrp="1" noRot="1" noChangeAspect="1" noTextEdit="1"/>
           </p:cNvSpPr>
           <p:nvPr>
             <p:ph type="sldImg"/>
           </p:nvPr>
         </p:nvSpPr>
-        <p:spPr/>
-      </p:sp>
-      <p:sp>
-        <p:nvSpPr>
-          <p:cNvPr id="3" name="Notes Placeholder 2"/>
+        <p:spPr bwMode="auto">
+          <a:noFill/>
+          <a:ln>
+            <a:solidFill>
+              <a:srgbClr val="000000"/>
+            </a:solidFill>
+            <a:miter lim="800000"/>
+            <a:headEnd/>
+            <a:tailEnd/>
+          </a:ln>
+        </p:spPr>
+      </p:sp>
+      <p:sp>
+        <p:nvSpPr>
+          <p:cNvPr id="34819" name="Notes Placeholder 2"/>
           <p:cNvSpPr>
             <a:spLocks noGrp="1"/>
           </p:cNvSpPr>
@@ -4796,14 +4709,22 @@
             <p:ph type="body" idx="1"/>
           </p:nvPr>
         </p:nvSpPr>
-        <p:spPr/>
+        <p:spPr bwMode="auto">
+          <a:noFill/>
+        </p:spPr>
         <p:txBody>
-          <a:bodyPr>
-            <a:normAutofit/>
+          <a:bodyPr wrap="square" numCol="1" anchor="t" anchorCtr="0" compatLnSpc="1">
+            <a:prstTxWarp prst="textNoShape">
+              <a:avLst/>
+            </a:prstTxWarp>
           </a:bodyPr>
           <a:lstStyle/>
           <a:p>
-            <a:endParaRPr lang="ro-RO"/>
+            <a:endParaRPr lang="en-US" sz="2000" dirty="0" smtClean="0">
+              <a:solidFill>
+                <a:srgbClr val="FF0000"/>
+              </a:solidFill>
+            </a:endParaRPr>
           </a:p>
         </p:txBody>
       </p:sp>
@@ -4814,7 +4735,7 @@
             <a:spLocks noGrp="1"/>
           </p:cNvSpPr>
           <p:nvPr>
-            <p:ph type="sldNum" sz="quarter" idx="10"/>
+            <p:ph type="sldNum" sz="quarter" idx="5"/>
           </p:nvPr>
         </p:nvSpPr>
         <p:spPr/>
@@ -4825,7 +4746,7 @@
             <a:pPr>
               <a:defRPr/>
             </a:pPr>
-            <a:fld id="{29339585-4026-4C29-950A-92B40D4E8CB0}" type="slidenum">
+            <a:fld id="{4AD9E745-FF88-4D29-8F87-C4AD97C8FD18}" type="slidenum">
               <a:rPr lang="en-US" smtClean="0"/>
               <a:pPr>
                 <a:defRPr/>
@@ -4839,7 +4760,7 @@
     </p:spTree>
     <p:extLst>
       <p:ext uri="{BB962C8B-B14F-4D97-AF65-F5344CB8AC3E}">
-        <p14:creationId xmlns:p14="http://schemas.microsoft.com/office/powerpoint/2010/main" val="1644952467"/>
+        <p14:creationId xmlns:p14="http://schemas.microsoft.com/office/powerpoint/2010/main" val="1052078133"/>
       </p:ext>
     </p:extLst>
   </p:cSld>
@@ -4909,11 +4830,7 @@
           </a:bodyPr>
           <a:lstStyle/>
           <a:p>
-            <a:endParaRPr lang="en-US" sz="2000" dirty="0" smtClean="0">
-              <a:solidFill>
-                <a:srgbClr val="FF0000"/>
-              </a:solidFill>
-            </a:endParaRPr>
+            <a:endParaRPr lang="en-US" smtClean="0"/>
           </a:p>
         </p:txBody>
       </p:sp>
@@ -4949,7 +4866,7 @@
     </p:spTree>
     <p:extLst>
       <p:ext uri="{BB962C8B-B14F-4D97-AF65-F5344CB8AC3E}">
-        <p14:creationId xmlns:p14="http://schemas.microsoft.com/office/powerpoint/2010/main" val="1052078133"/>
+        <p14:creationId xmlns:p14="http://schemas.microsoft.com/office/powerpoint/2010/main" val="4180519236"/>
       </p:ext>
     </p:extLst>
   </p:cSld>
@@ -5161,7 +5078,7 @@
     </p:spTree>
     <p:extLst>
       <p:ext uri="{BB962C8B-B14F-4D97-AF65-F5344CB8AC3E}">
-        <p14:creationId xmlns:p14="http://schemas.microsoft.com/office/powerpoint/2010/main" val="4180519236"/>
+        <p14:creationId xmlns:p14="http://schemas.microsoft.com/office/powerpoint/2010/main" val="1052078133"/>
       </p:ext>
     </p:extLst>
   </p:cSld>
@@ -5267,7 +5184,7 @@
     </p:spTree>
     <p:extLst>
       <p:ext uri="{BB962C8B-B14F-4D97-AF65-F5344CB8AC3E}">
-        <p14:creationId xmlns:p14="http://schemas.microsoft.com/office/powerpoint/2010/main" val="1052078133"/>
+        <p14:creationId xmlns:p14="http://schemas.microsoft.com/office/powerpoint/2010/main" val="1242925991"/>
       </p:ext>
     </p:extLst>
   </p:cSld>
@@ -5337,7 +5254,7 @@
           </a:bodyPr>
           <a:lstStyle/>
           <a:p>
-            <a:endParaRPr lang="en-US" smtClean="0"/>
+            <a:endParaRPr lang="en-US" dirty="0" smtClean="0"/>
           </a:p>
         </p:txBody>
       </p:sp>
@@ -5373,7 +5290,7 @@
     </p:spTree>
     <p:extLst>
       <p:ext uri="{BB962C8B-B14F-4D97-AF65-F5344CB8AC3E}">
-        <p14:creationId xmlns:p14="http://schemas.microsoft.com/office/powerpoint/2010/main" val="1242925991"/>
+        <p14:creationId xmlns:p14="http://schemas.microsoft.com/office/powerpoint/2010/main" val="87965259"/>
       </p:ext>
     </p:extLst>
   </p:cSld>
@@ -5443,7 +5360,7 @@
           </a:bodyPr>
           <a:lstStyle/>
           <a:p>
-            <a:endParaRPr lang="en-US" dirty="0" smtClean="0"/>
+            <a:endParaRPr lang="en-US" smtClean="0"/>
           </a:p>
         </p:txBody>
       </p:sp>
@@ -5585,7 +5502,7 @@
     </p:spTree>
     <p:extLst>
       <p:ext uri="{BB962C8B-B14F-4D97-AF65-F5344CB8AC3E}">
-        <p14:creationId xmlns:p14="http://schemas.microsoft.com/office/powerpoint/2010/main" val="87965259"/>
+        <p14:creationId xmlns:p14="http://schemas.microsoft.com/office/powerpoint/2010/main" val="1624420631"/>
       </p:ext>
     </p:extLst>
   </p:cSld>
@@ -5903,7 +5820,7 @@
     </p:spTree>
     <p:extLst>
       <p:ext uri="{BB962C8B-B14F-4D97-AF65-F5344CB8AC3E}">
-        <p14:creationId xmlns:p14="http://schemas.microsoft.com/office/powerpoint/2010/main" val="1624420631"/>
+        <p14:creationId xmlns:p14="http://schemas.microsoft.com/office/powerpoint/2010/main" val="1714201613"/>
       </p:ext>
     </p:extLst>
   </p:cSld>
@@ -5973,7 +5890,7 @@
           </a:bodyPr>
           <a:lstStyle/>
           <a:p>
-            <a:endParaRPr lang="en-US" smtClean="0"/>
+            <a:endParaRPr lang="en-US" dirty="0" smtClean="0"/>
           </a:p>
         </p:txBody>
       </p:sp>
@@ -6009,7 +5926,7 @@
     </p:spTree>
     <p:extLst>
       <p:ext uri="{BB962C8B-B14F-4D97-AF65-F5344CB8AC3E}">
-        <p14:creationId xmlns:p14="http://schemas.microsoft.com/office/powerpoint/2010/main" val="1714201613"/>
+        <p14:creationId xmlns:p14="http://schemas.microsoft.com/office/powerpoint/2010/main" val="1502478365"/>
       </p:ext>
     </p:extLst>
   </p:cSld>
@@ -6079,7 +5996,7 @@
           </a:bodyPr>
           <a:lstStyle/>
           <a:p>
-            <a:endParaRPr lang="en-US" dirty="0" smtClean="0"/>
+            <a:endParaRPr lang="en-US" smtClean="0"/>
           </a:p>
         </p:txBody>
       </p:sp>
@@ -6115,7 +6032,7 @@
     </p:spTree>
     <p:extLst>
       <p:ext uri="{BB962C8B-B14F-4D97-AF65-F5344CB8AC3E}">
-        <p14:creationId xmlns:p14="http://schemas.microsoft.com/office/powerpoint/2010/main" val="1502478365"/>
+        <p14:creationId xmlns:p14="http://schemas.microsoft.com/office/powerpoint/2010/main" val="1959764346"/>
       </p:ext>
     </p:extLst>
   </p:cSld>
@@ -6327,7 +6244,7 @@
     </p:spTree>
     <p:extLst>
       <p:ext uri="{BB962C8B-B14F-4D97-AF65-F5344CB8AC3E}">
-        <p14:creationId xmlns:p14="http://schemas.microsoft.com/office/powerpoint/2010/main" val="1959764346"/>
+        <p14:creationId xmlns:p14="http://schemas.microsoft.com/office/powerpoint/2010/main" val="1242925991"/>
       </p:ext>
     </p:extLst>
   </p:cSld>
@@ -6433,7 +6350,7 @@
     </p:spTree>
     <p:extLst>
       <p:ext uri="{BB962C8B-B14F-4D97-AF65-F5344CB8AC3E}">
-        <p14:creationId xmlns:p14="http://schemas.microsoft.com/office/powerpoint/2010/main" val="1242925991"/>
+        <p14:creationId xmlns:p14="http://schemas.microsoft.com/office/powerpoint/2010/main" val="2311998191"/>
       </p:ext>
     </p:extLst>
   </p:cSld>
@@ -6539,7 +6456,7 @@
     </p:spTree>
     <p:extLst>
       <p:ext uri="{BB962C8B-B14F-4D97-AF65-F5344CB8AC3E}">
-        <p14:creationId xmlns:p14="http://schemas.microsoft.com/office/powerpoint/2010/main" val="2311998191"/>
+        <p14:creationId xmlns:p14="http://schemas.microsoft.com/office/powerpoint/2010/main" val="3768680479"/>
       </p:ext>
     </p:extLst>
   </p:cSld>
@@ -6645,7 +6562,7 @@
     </p:spTree>
     <p:extLst>
       <p:ext uri="{BB962C8B-B14F-4D97-AF65-F5344CB8AC3E}">
-        <p14:creationId xmlns:p14="http://schemas.microsoft.com/office/powerpoint/2010/main" val="3768680479"/>
+        <p14:creationId xmlns:p14="http://schemas.microsoft.com/office/powerpoint/2010/main" val="3262777600"/>
       </p:ext>
     </p:extLst>
   </p:cSld>
@@ -6751,7 +6668,7 @@
     </p:spTree>
     <p:extLst>
       <p:ext uri="{BB962C8B-B14F-4D97-AF65-F5344CB8AC3E}">
-        <p14:creationId xmlns:p14="http://schemas.microsoft.com/office/powerpoint/2010/main" val="3262777600"/>
+        <p14:creationId xmlns:p14="http://schemas.microsoft.com/office/powerpoint/2010/main" val="2701907922"/>
       </p:ext>
     </p:extLst>
   </p:cSld>
@@ -6857,7 +6774,7 @@
     </p:spTree>
     <p:extLst>
       <p:ext uri="{BB962C8B-B14F-4D97-AF65-F5344CB8AC3E}">
-        <p14:creationId xmlns:p14="http://schemas.microsoft.com/office/powerpoint/2010/main" val="2701907922"/>
+        <p14:creationId xmlns:p14="http://schemas.microsoft.com/office/powerpoint/2010/main" val="2967610124"/>
       </p:ext>
     </p:extLst>
   </p:cSld>
@@ -6927,7 +6844,7 @@
           </a:bodyPr>
           <a:lstStyle/>
           <a:p>
-            <a:endParaRPr lang="en-US" smtClean="0"/>
+            <a:endParaRPr lang="en-US" dirty="0" smtClean="0"/>
           </a:p>
         </p:txBody>
       </p:sp>
@@ -6963,7 +6880,7 @@
     </p:spTree>
     <p:extLst>
       <p:ext uri="{BB962C8B-B14F-4D97-AF65-F5344CB8AC3E}">
-        <p14:creationId xmlns:p14="http://schemas.microsoft.com/office/powerpoint/2010/main" val="2967610124"/>
+        <p14:creationId xmlns:p14="http://schemas.microsoft.com/office/powerpoint/2010/main" val="313741658"/>
       </p:ext>
     </p:extLst>
   </p:cSld>
@@ -7033,7 +6950,7 @@
           </a:bodyPr>
           <a:lstStyle/>
           <a:p>
-            <a:endParaRPr lang="en-US" dirty="0" smtClean="0"/>
+            <a:endParaRPr lang="en-US" smtClean="0"/>
           </a:p>
         </p:txBody>
       </p:sp>
@@ -7069,7 +6986,7 @@
     </p:spTree>
     <p:extLst>
       <p:ext uri="{BB962C8B-B14F-4D97-AF65-F5344CB8AC3E}">
-        <p14:creationId xmlns:p14="http://schemas.microsoft.com/office/powerpoint/2010/main" val="313741658"/>
+        <p14:creationId xmlns:p14="http://schemas.microsoft.com/office/powerpoint/2010/main" val="1242925991"/>
       </p:ext>
     </p:extLst>
   </p:cSld>
@@ -7175,7 +7092,7 @@
     </p:spTree>
     <p:extLst>
       <p:ext uri="{BB962C8B-B14F-4D97-AF65-F5344CB8AC3E}">
-        <p14:creationId xmlns:p14="http://schemas.microsoft.com/office/powerpoint/2010/main" val="1242925991"/>
+        <p14:creationId xmlns:p14="http://schemas.microsoft.com/office/powerpoint/2010/main" val="637025921"/>
       </p:ext>
     </p:extLst>
   </p:cSld>
@@ -7281,7 +7198,7 @@
     </p:spTree>
     <p:extLst>
       <p:ext uri="{BB962C8B-B14F-4D97-AF65-F5344CB8AC3E}">
-        <p14:creationId xmlns:p14="http://schemas.microsoft.com/office/powerpoint/2010/main" val="637025921"/>
+        <p14:creationId xmlns:p14="http://schemas.microsoft.com/office/powerpoint/2010/main" val="4029455779"/>
       </p:ext>
     </p:extLst>
   </p:cSld>
@@ -7493,7 +7410,7 @@
     </p:spTree>
     <p:extLst>
       <p:ext uri="{BB962C8B-B14F-4D97-AF65-F5344CB8AC3E}">
-        <p14:creationId xmlns:p14="http://schemas.microsoft.com/office/powerpoint/2010/main" val="4029455779"/>
+        <p14:creationId xmlns:p14="http://schemas.microsoft.com/office/powerpoint/2010/main" val="3931793314"/>
       </p:ext>
     </p:extLst>
   </p:cSld>
@@ -7599,7 +7516,7 @@
     </p:spTree>
     <p:extLst>
       <p:ext uri="{BB962C8B-B14F-4D97-AF65-F5344CB8AC3E}">
-        <p14:creationId xmlns:p14="http://schemas.microsoft.com/office/powerpoint/2010/main" val="3931793314"/>
+        <p14:creationId xmlns:p14="http://schemas.microsoft.com/office/powerpoint/2010/main" val="1333671859"/>
       </p:ext>
     </p:extLst>
   </p:cSld>
@@ -7697,112 +7614,6 @@
                 <a:defRPr/>
               </a:pPr>
               <a:t>44</a:t>
-            </a:fld>
-            <a:endParaRPr lang="en-US"/>
-          </a:p>
-        </p:txBody>
-      </p:sp>
-    </p:spTree>
-    <p:extLst>
-      <p:ext uri="{BB962C8B-B14F-4D97-AF65-F5344CB8AC3E}">
-        <p14:creationId xmlns:p14="http://schemas.microsoft.com/office/powerpoint/2010/main" val="1333671859"/>
-      </p:ext>
-    </p:extLst>
-  </p:cSld>
-  <p:clrMapOvr>
-    <a:masterClrMapping/>
-  </p:clrMapOvr>
-</p:notes>
-</file>
-
-<file path=ppt/notesSlides/notesSlide43.xml><?xml version="1.0" encoding="utf-8"?>
-<p:notes xmlns:a="http://schemas.openxmlformats.org/drawingml/2006/main" xmlns:r="http://schemas.openxmlformats.org/officeDocument/2006/relationships" xmlns:p="http://schemas.openxmlformats.org/presentationml/2006/main">
-  <p:cSld>
-    <p:spTree>
-      <p:nvGrpSpPr>
-        <p:cNvPr id="1" name=""/>
-        <p:cNvGrpSpPr/>
-        <p:nvPr/>
-      </p:nvGrpSpPr>
-      <p:grpSpPr>
-        <a:xfrm>
-          <a:off x="0" y="0"/>
-          <a:ext cx="0" cy="0"/>
-          <a:chOff x="0" y="0"/>
-          <a:chExt cx="0" cy="0"/>
-        </a:xfrm>
-      </p:grpSpPr>
-      <p:sp>
-        <p:nvSpPr>
-          <p:cNvPr id="34818" name="Slide Image Placeholder 1"/>
-          <p:cNvSpPr>
-            <a:spLocks noGrp="1" noRot="1" noChangeAspect="1" noTextEdit="1"/>
-          </p:cNvSpPr>
-          <p:nvPr>
-            <p:ph type="sldImg"/>
-          </p:nvPr>
-        </p:nvSpPr>
-        <p:spPr bwMode="auto">
-          <a:noFill/>
-          <a:ln>
-            <a:solidFill>
-              <a:srgbClr val="000000"/>
-            </a:solidFill>
-            <a:miter lim="800000"/>
-            <a:headEnd/>
-            <a:tailEnd/>
-          </a:ln>
-        </p:spPr>
-      </p:sp>
-      <p:sp>
-        <p:nvSpPr>
-          <p:cNvPr id="34819" name="Notes Placeholder 2"/>
-          <p:cNvSpPr>
-            <a:spLocks noGrp="1"/>
-          </p:cNvSpPr>
-          <p:nvPr>
-            <p:ph type="body" idx="1"/>
-          </p:nvPr>
-        </p:nvSpPr>
-        <p:spPr bwMode="auto">
-          <a:noFill/>
-        </p:spPr>
-        <p:txBody>
-          <a:bodyPr wrap="square" numCol="1" anchor="t" anchorCtr="0" compatLnSpc="1">
-            <a:prstTxWarp prst="textNoShape">
-              <a:avLst/>
-            </a:prstTxWarp>
-          </a:bodyPr>
-          <a:lstStyle/>
-          <a:p>
-            <a:endParaRPr lang="en-US" smtClean="0"/>
-          </a:p>
-        </p:txBody>
-      </p:sp>
-      <p:sp>
-        <p:nvSpPr>
-          <p:cNvPr id="4" name="Slide Number Placeholder 3"/>
-          <p:cNvSpPr>
-            <a:spLocks noGrp="1"/>
-          </p:cNvSpPr>
-          <p:nvPr>
-            <p:ph type="sldNum" sz="quarter" idx="5"/>
-          </p:nvPr>
-        </p:nvSpPr>
-        <p:spPr/>
-        <p:txBody>
-          <a:bodyPr/>
-          <a:lstStyle/>
-          <a:p>
-            <a:pPr>
-              <a:defRPr/>
-            </a:pPr>
-            <a:fld id="{4AD9E745-FF88-4D29-8F87-C4AD97C8FD18}" type="slidenum">
-              <a:rPr lang="en-US" smtClean="0"/>
-              <a:pPr>
-                <a:defRPr/>
-              </a:pPr>
-              <a:t>45</a:t>
             </a:fld>
             <a:endParaRPr lang="en-US"/>
           </a:p>
@@ -10948,23 +10759,7 @@
                 <a:ea typeface="+mj-ea"/>
                 <a:cs typeface="Arial" panose="020B0604020202020204" pitchFamily="34" charset="0"/>
               </a:rPr>
-              <a:t>Prof</a:t>
-            </a:r>
-            <a:r>
-              <a:rPr kumimoji="0" lang="ro-RO" sz="2100" b="1" i="0" u="none" strike="noStrike" kern="1200" cap="none" spc="0" normalizeH="0" noProof="0" dirty="0" smtClean="0">
-                <a:ln>
-                  <a:noFill/>
-                </a:ln>
-                <a:solidFill>
-                  <a:schemeClr val="tx2"/>
-                </a:solidFill>
-                <a:effectLst/>
-                <a:uLnTx/>
-                <a:uFillTx/>
-                <a:ea typeface="+mj-ea"/>
-                <a:cs typeface="Arial" panose="020B0604020202020204" pitchFamily="34" charset="0"/>
-              </a:rPr>
-              <a:t>. Dr. </a:t>
+              <a:t>Prof. Dr. </a:t>
             </a:r>
             <a:r>
               <a:rPr kumimoji="0" lang="en-US" sz="2100" b="1" i="0" u="none" strike="noStrike" kern="1200" cap="none" spc="0" normalizeH="0" noProof="0" dirty="0" smtClean="0">
@@ -11045,17 +10840,7 @@
                 <a:ea typeface="+mj-ea"/>
                 <a:cs typeface="Arial" panose="020B0604020202020204" pitchFamily="34" charset="0"/>
               </a:rPr>
-              <a:t> </a:t>
-            </a:r>
-            <a:r>
-              <a:rPr lang="ro-RO" sz="2100" b="1" dirty="0" smtClean="0">
-                <a:solidFill>
-                  <a:schemeClr val="tx2"/>
-                </a:solidFill>
-                <a:ea typeface="+mj-ea"/>
-                <a:cs typeface="Arial" panose="020B0604020202020204" pitchFamily="34" charset="0"/>
-              </a:rPr>
-              <a:t>Dr. </a:t>
+              <a:t> Dr. </a:t>
             </a:r>
             <a:r>
               <a:rPr lang="en-US" sz="2100" b="1" dirty="0" smtClean="0">
@@ -11126,23 +10911,7 @@
                 <a:ea typeface="+mj-ea"/>
                 <a:cs typeface="Arial" panose="020B0604020202020204" pitchFamily="34" charset="0"/>
               </a:rPr>
-              <a:t>Junior </a:t>
-            </a:r>
-            <a:r>
-              <a:rPr kumimoji="0" lang="en-US" sz="2100" b="1" i="0" u="none" strike="noStrike" kern="1200" cap="none" spc="0" normalizeH="0" noProof="0" dirty="0" smtClean="0">
-                <a:ln>
-                  <a:noFill/>
-                </a:ln>
-                <a:solidFill>
-                  <a:schemeClr val="tx2"/>
-                </a:solidFill>
-                <a:effectLst/>
-                <a:uLnTx/>
-                <a:uFillTx/>
-                <a:ea typeface="+mj-ea"/>
-                <a:cs typeface="Arial" panose="020B0604020202020204" pitchFamily="34" charset="0"/>
-              </a:rPr>
-              <a:t>lecturer </a:t>
+              <a:t>Junior lecturer </a:t>
             </a:r>
             <a:r>
               <a:rPr kumimoji="0" lang="ro-RO" sz="2100" b="1" i="0" u="none" strike="noStrike" kern="1200" cap="none" spc="0" normalizeH="0" noProof="0" dirty="0" smtClean="0">
@@ -11881,23 +11650,14 @@
             </a:r>
             <a:r>
               <a:rPr lang="en-US" sz="1900" dirty="0" smtClean="0"/>
-              <a:t>food </a:t>
-            </a:r>
-            <a:r>
-              <a:rPr lang="en-US" sz="1900" dirty="0" smtClean="0"/>
-              <a:t>item (dish)</a:t>
-            </a:r>
-            <a:endParaRPr lang="en-US" sz="1900" dirty="0" smtClean="0"/>
+              <a:t>food item (dish)</a:t>
+            </a:r>
           </a:p>
           <a:p>
             <a:pPr lvl="2" eaLnBrk="1" hangingPunct="1"/>
             <a:r>
               <a:rPr lang="en-US" sz="1900" i="1" dirty="0" smtClean="0"/>
-              <a:t>m </a:t>
-            </a:r>
-            <a:r>
-              <a:rPr lang="en-US" sz="1900" i="1" dirty="0" smtClean="0"/>
-              <a:t>– number of food items (dishes) contained in a food package</a:t>
+              <a:t>m – number of food items (dishes) contained in a food package</a:t>
             </a:r>
             <a:endParaRPr lang="en-US" sz="2100" b="1" dirty="0" smtClean="0">
               <a:latin typeface="Arial" pitchFamily="34" charset="0"/>
@@ -12019,14 +11779,7 @@
                 <a:latin typeface="Arial" pitchFamily="34" charset="0"/>
                 <a:cs typeface="Arial" pitchFamily="34" charset="0"/>
               </a:rPr>
-              <a:t>Solution </a:t>
-            </a:r>
-            <a:r>
-              <a:rPr lang="en-US" sz="2000" dirty="0" smtClean="0">
-                <a:latin typeface="Arial" pitchFamily="34" charset="0"/>
-                <a:cs typeface="Arial" pitchFamily="34" charset="0"/>
-              </a:rPr>
-              <a:t>Representation (I) </a:t>
+              <a:t>Solution Representation (I) </a:t>
             </a:r>
             <a:r>
               <a:rPr lang="ro-RO" sz="1900" dirty="0">
@@ -12094,7 +11847,7 @@
           <a:graphicData uri="http://schemas.openxmlformats.org/presentationml/2006/ole">
             <mc:AlternateContent xmlns:mc="http://schemas.openxmlformats.org/markup-compatibility/2006">
               <mc:Choice xmlns:v="urn:schemas-microsoft-com:vml" Requires="v">
-                <p:oleObj spid="_x0000_s209075" name="Equation" r:id="rId5" imgW="2095200" imgH="228600" progId="Equation.3">
+                <p:oleObj spid="_x0000_s209098" name="Equation" r:id="rId5" imgW="2095200" imgH="228600" progId="Equation.3">
                   <p:embed/>
                 </p:oleObj>
               </mc:Choice>
@@ -12313,14 +12066,7 @@
                 <a:latin typeface="Arial" pitchFamily="34" charset="0"/>
                 <a:cs typeface="Arial" pitchFamily="34" charset="0"/>
               </a:rPr>
-              <a:t>Solution </a:t>
-            </a:r>
-            <a:r>
-              <a:rPr lang="en-US" sz="2000" dirty="0" smtClean="0">
-                <a:latin typeface="Arial" pitchFamily="34" charset="0"/>
-                <a:cs typeface="Arial" pitchFamily="34" charset="0"/>
-              </a:rPr>
-              <a:t>Representation (II) </a:t>
+              <a:t>Solution Representation (II) </a:t>
             </a:r>
             <a:r>
               <a:rPr lang="ro-RO" sz="1900" dirty="0">
@@ -12585,14 +12331,648 @@
                 <a:latin typeface="Arial" pitchFamily="34" charset="0"/>
                 <a:cs typeface="Arial" pitchFamily="34" charset="0"/>
               </a:rPr>
-              <a:t>Solution </a:t>
-            </a:r>
+              <a:t>Solution Evaluation (I)</a:t>
+            </a:r>
+            <a:r>
+              <a:rPr lang="ro-RO" sz="1900" dirty="0">
+                <a:latin typeface="Arial" pitchFamily="34" charset="0"/>
+                <a:cs typeface="Arial" pitchFamily="34" charset="0"/>
+              </a:rPr>
+              <a:t/>
+            </a:r>
+            <a:br>
+              <a:rPr lang="ro-RO" sz="1900" dirty="0">
+                <a:latin typeface="Arial" pitchFamily="34" charset="0"/>
+                <a:cs typeface="Arial" pitchFamily="34" charset="0"/>
+              </a:rPr>
+            </a:br>
+            <a:endParaRPr lang="en-US" dirty="0" smtClean="0">
+              <a:latin typeface="Arial" pitchFamily="34" charset="0"/>
+              <a:cs typeface="Arial" pitchFamily="34" charset="0"/>
+            </a:endParaRPr>
+          </a:p>
+        </p:txBody>
+      </p:sp>
+      <mc:AlternateContent xmlns:mc="http://schemas.openxmlformats.org/markup-compatibility/2006">
+        <mc:Choice xmlns:a14="http://schemas.microsoft.com/office/drawing/2010/main" Requires="a14">
+          <p:sp>
+            <p:nvSpPr>
+              <p:cNvPr id="7" name="Content Placeholder 3"/>
+              <p:cNvSpPr txBox="1">
+                <a:spLocks/>
+              </p:cNvSpPr>
+              <p:nvPr/>
+            </p:nvSpPr>
+            <p:spPr bwMode="auto">
+              <a:xfrm>
+                <a:off x="179512" y="1484784"/>
+                <a:ext cx="8712968" cy="4824536"/>
+              </a:xfrm>
+              <a:prstGeom prst="rect">
+                <a:avLst/>
+              </a:prstGeom>
+              <a:noFill/>
+              <a:ln w="9525">
+                <a:noFill/>
+                <a:miter lim="800000"/>
+                <a:headEnd/>
+                <a:tailEnd/>
+              </a:ln>
+            </p:spPr>
+            <p:txBody>
+              <a:bodyPr vert="horz" wrap="square" lIns="91440" tIns="45720" rIns="91440" bIns="45720" numCol="1" anchor="t" anchorCtr="0" compatLnSpc="1">
+                <a:prstTxWarp prst="textNoShape">
+                  <a:avLst/>
+                </a:prstTxWarp>
+              </a:bodyPr>
+              <a:lstStyle>
+                <a:lvl1pPr marL="319088" indent="-319088" algn="l" rtl="0" eaLnBrk="0" fontAlgn="base" hangingPunct="0">
+                  <a:spcBef>
+                    <a:spcPts val="700"/>
+                  </a:spcBef>
+                  <a:spcAft>
+                    <a:spcPct val="0"/>
+                  </a:spcAft>
+                  <a:buClr>
+                    <a:schemeClr val="accent2"/>
+                  </a:buClr>
+                  <a:buSzPct val="60000"/>
+                  <a:buFont typeface="Courier New" pitchFamily="49" charset="0"/>
+                  <a:buChar char="o"/>
+                  <a:defRPr sz="2900" kern="1200">
+                    <a:solidFill>
+                      <a:schemeClr val="tx1"/>
+                    </a:solidFill>
+                    <a:latin typeface="Arial" pitchFamily="34" charset="0"/>
+                    <a:ea typeface="+mn-ea"/>
+                    <a:cs typeface="Arial" pitchFamily="34" charset="0"/>
+                  </a:defRPr>
+                </a:lvl1pPr>
+                <a:lvl2pPr marL="639763" indent="-273050" algn="l" rtl="0" eaLnBrk="0" fontAlgn="base" hangingPunct="0">
+                  <a:spcBef>
+                    <a:spcPts val="550"/>
+                  </a:spcBef>
+                  <a:spcAft>
+                    <a:spcPct val="0"/>
+                  </a:spcAft>
+                  <a:buClr>
+                    <a:schemeClr val="accent1"/>
+                  </a:buClr>
+                  <a:buSzPct val="70000"/>
+                  <a:buFont typeface="Wingdings" pitchFamily="2" charset="2"/>
+                  <a:buChar char="§"/>
+                  <a:defRPr sz="2300" kern="1200">
+                    <a:solidFill>
+                      <a:schemeClr val="tx1"/>
+                    </a:solidFill>
+                    <a:latin typeface="Arial" pitchFamily="34" charset="0"/>
+                    <a:ea typeface="+mn-ea"/>
+                    <a:cs typeface="Arial" pitchFamily="34" charset="0"/>
+                  </a:defRPr>
+                </a:lvl2pPr>
+                <a:lvl3pPr marL="914400" indent="-228600" algn="l" rtl="0" eaLnBrk="0" fontAlgn="base" hangingPunct="0">
+                  <a:spcBef>
+                    <a:spcPts val="500"/>
+                  </a:spcBef>
+                  <a:spcAft>
+                    <a:spcPct val="0"/>
+                  </a:spcAft>
+                  <a:buClr>
+                    <a:schemeClr val="accent2"/>
+                  </a:buClr>
+                  <a:buSzPct val="75000"/>
+                  <a:buFont typeface="Courier New" pitchFamily="49" charset="0"/>
+                  <a:buChar char="o"/>
+                  <a:defRPr sz="2200" kern="1200">
+                    <a:solidFill>
+                      <a:schemeClr val="tx1"/>
+                    </a:solidFill>
+                    <a:latin typeface="Arial" pitchFamily="34" charset="0"/>
+                    <a:ea typeface="+mn-ea"/>
+                    <a:cs typeface="Arial" pitchFamily="34" charset="0"/>
+                  </a:defRPr>
+                </a:lvl3pPr>
+                <a:lvl4pPr marL="1371600" indent="-228600" algn="l" rtl="0" eaLnBrk="0" fontAlgn="base" hangingPunct="0">
+                  <a:spcBef>
+                    <a:spcPts val="400"/>
+                  </a:spcBef>
+                  <a:spcAft>
+                    <a:spcPct val="0"/>
+                  </a:spcAft>
+                  <a:buClr>
+                    <a:srgbClr val="A5AB81"/>
+                  </a:buClr>
+                  <a:buSzPct val="75000"/>
+                  <a:buFont typeface="Helvetica" pitchFamily="34" charset="0"/>
+                  <a:buChar char="–"/>
+                  <a:defRPr sz="2000" kern="1200">
+                    <a:solidFill>
+                      <a:schemeClr val="tx1"/>
+                    </a:solidFill>
+                    <a:latin typeface="Helvetica" pitchFamily="34" charset="0"/>
+                    <a:ea typeface="+mn-ea"/>
+                    <a:cs typeface="+mn-cs"/>
+                  </a:defRPr>
+                </a:lvl4pPr>
+                <a:lvl5pPr marL="1828800" indent="-228600" algn="l" rtl="0" eaLnBrk="0" fontAlgn="base" hangingPunct="0">
+                  <a:spcBef>
+                    <a:spcPts val="400"/>
+                  </a:spcBef>
+                  <a:spcAft>
+                    <a:spcPct val="0"/>
+                  </a:spcAft>
+                  <a:buClr>
+                    <a:srgbClr val="D8B25C"/>
+                  </a:buClr>
+                  <a:buSzPct val="65000"/>
+                  <a:buFont typeface="Courier New" pitchFamily="49" charset="0"/>
+                  <a:buChar char="o"/>
+                  <a:defRPr sz="2000" kern="1200">
+                    <a:solidFill>
+                      <a:schemeClr val="tx1"/>
+                    </a:solidFill>
+                    <a:latin typeface="Helvetica" pitchFamily="34" charset="0"/>
+                    <a:ea typeface="+mn-ea"/>
+                    <a:cs typeface="+mn-cs"/>
+                  </a:defRPr>
+                </a:lvl5pPr>
+                <a:lvl6pPr marL="2103120" indent="-228600" algn="l" rtl="0" eaLnBrk="1" latinLnBrk="0" hangingPunct="1">
+                  <a:spcBef>
+                    <a:spcPct val="20000"/>
+                  </a:spcBef>
+                  <a:buClr>
+                    <a:schemeClr val="accent1"/>
+                  </a:buClr>
+                  <a:buFont typeface="Wingdings"/>
+                  <a:buChar char="§"/>
+                  <a:defRPr kumimoji="0" sz="1800" kern="1200" baseline="0">
+                    <a:solidFill>
+                      <a:schemeClr val="tx1"/>
+                    </a:solidFill>
+                    <a:latin typeface="+mn-lt"/>
+                    <a:ea typeface="+mn-ea"/>
+                    <a:cs typeface="+mn-cs"/>
+                  </a:defRPr>
+                </a:lvl6pPr>
+                <a:lvl7pPr marL="2377440" indent="-228600" algn="l" rtl="0" eaLnBrk="1" latinLnBrk="0" hangingPunct="1">
+                  <a:spcBef>
+                    <a:spcPct val="20000"/>
+                  </a:spcBef>
+                  <a:buClr>
+                    <a:schemeClr val="accent2"/>
+                  </a:buClr>
+                  <a:buFont typeface="Wingdings"/>
+                  <a:buChar char="§"/>
+                  <a:defRPr kumimoji="0" sz="1800" kern="1200" baseline="0">
+                    <a:solidFill>
+                      <a:schemeClr val="tx1"/>
+                    </a:solidFill>
+                    <a:latin typeface="+mn-lt"/>
+                    <a:ea typeface="+mn-ea"/>
+                    <a:cs typeface="+mn-cs"/>
+                  </a:defRPr>
+                </a:lvl7pPr>
+                <a:lvl8pPr marL="2651760" indent="-228600" algn="l" rtl="0" eaLnBrk="1" latinLnBrk="0" hangingPunct="1">
+                  <a:spcBef>
+                    <a:spcPct val="20000"/>
+                  </a:spcBef>
+                  <a:buClr>
+                    <a:schemeClr val="accent3"/>
+                  </a:buClr>
+                  <a:buFont typeface="Wingdings"/>
+                  <a:buChar char="§"/>
+                  <a:defRPr kumimoji="0" sz="1800" kern="1200" baseline="0">
+                    <a:solidFill>
+                      <a:schemeClr val="tx1"/>
+                    </a:solidFill>
+                    <a:latin typeface="+mn-lt"/>
+                    <a:ea typeface="+mn-ea"/>
+                    <a:cs typeface="+mn-cs"/>
+                  </a:defRPr>
+                </a:lvl8pPr>
+                <a:lvl9pPr marL="2926080" indent="-228600" algn="l" rtl="0" eaLnBrk="1" latinLnBrk="0" hangingPunct="1">
+                  <a:spcBef>
+                    <a:spcPct val="20000"/>
+                  </a:spcBef>
+                  <a:buClr>
+                    <a:schemeClr val="accent4"/>
+                  </a:buClr>
+                  <a:buFont typeface="Wingdings"/>
+                  <a:buChar char="§"/>
+                  <a:defRPr kumimoji="0" sz="1800" kern="1200" baseline="0">
+                    <a:solidFill>
+                      <a:schemeClr val="tx1"/>
+                    </a:solidFill>
+                    <a:latin typeface="+mn-lt"/>
+                    <a:ea typeface="+mn-ea"/>
+                    <a:cs typeface="+mn-cs"/>
+                  </a:defRPr>
+                </a:lvl9pPr>
+              </a:lstStyle>
+              <a:p>
+                <a:r>
+                  <a:rPr lang="en-US" sz="2000" dirty="0" smtClean="0"/>
+                  <a:t>Solution Evaluation Function</a:t>
+                </a:r>
+              </a:p>
+              <a:p>
+                <a:pPr lvl="1"/>
+                <a:r>
+                  <a:rPr lang="en-US" sz="1400" dirty="0" smtClean="0"/>
+                  <a:t>Evaluated by the </a:t>
+                </a:r>
+                <a:r>
+                  <a:rPr lang="en-US" sz="1400" b="1" dirty="0" smtClean="0"/>
+                  <a:t>Fitness Function</a:t>
+                </a:r>
+                <a:endParaRPr lang="en-US" sz="1400" b="1" dirty="0" smtClean="0"/>
+              </a:p>
+              <a:p>
+                <a:pPr lvl="2"/>
+                <a14:m>
+                  <m:oMath xmlns:m="http://schemas.openxmlformats.org/officeDocument/2006/math">
+                    <m:r>
+                      <m:rPr>
+                        <m:sty m:val="p"/>
+                      </m:rPr>
+                      <a:rPr lang="en-US" sz="1300" b="0" i="0" smtClean="0">
+                        <a:latin typeface="Cambria Math"/>
+                      </a:rPr>
+                      <m:t>Fitness</m:t>
+                    </m:r>
+                    <m:r>
+                      <a:rPr lang="en-US" sz="1300" b="0" i="0" smtClean="0">
+                        <a:latin typeface="Cambria Math"/>
+                      </a:rPr>
+                      <m:t> </m:t>
+                    </m:r>
+                    <m:r>
+                      <m:rPr>
+                        <m:sty m:val="p"/>
+                      </m:rPr>
+                      <a:rPr lang="en-US" sz="1300" b="0" i="0" smtClean="0">
+                        <a:latin typeface="Cambria Math"/>
+                      </a:rPr>
+                      <m:t>function</m:t>
+                    </m:r>
+                    <m:r>
+                      <a:rPr lang="en-US" sz="1300" b="0" i="0" smtClean="0">
+                        <a:latin typeface="Cambria Math"/>
+                      </a:rPr>
+                      <m:t> ∈</m:t>
+                    </m:r>
+                    <m:d>
+                      <m:dPr>
+                        <m:begChr m:val="["/>
+                        <m:endChr m:val="]"/>
+                        <m:ctrlPr>
+                          <a:rPr lang="en-US" sz="1300" b="0" smtClean="0">
+                            <a:latin typeface="Cambria Math"/>
+                            <a:ea typeface="Cambria Math"/>
+                          </a:rPr>
+                        </m:ctrlPr>
+                      </m:dPr>
+                      <m:e>
+                        <m:r>
+                          <a:rPr lang="en-US" sz="1300" b="0" i="0" smtClean="0">
+                            <a:latin typeface="Cambria Math"/>
+                            <a:ea typeface="Cambria Math"/>
+                          </a:rPr>
+                          <m:t>0, 1</m:t>
+                        </m:r>
+                      </m:e>
+                    </m:d>
+                  </m:oMath>
+                </a14:m>
+                <a:endParaRPr lang="en-US" sz="1300" dirty="0" smtClean="0"/>
+              </a:p>
+              <a:p>
+                <a:pPr lvl="2"/>
+                <a:r>
+                  <a:rPr lang="en-US" sz="1300" dirty="0" smtClean="0"/>
+                  <a:t>Fitness function is maximized</a:t>
+                </a:r>
+              </a:p>
+              <a:p>
+                <a:pPr lvl="2"/>
+                <a:endParaRPr lang="en-US" sz="1300" dirty="0"/>
+              </a:p>
+              <a:p>
+                <a:r>
+                  <a:rPr lang="en-US" sz="2000" dirty="0" smtClean="0"/>
+                  <a:t>Solution </a:t>
+                </a:r>
+                <a:r>
+                  <a:rPr lang="en-US" sz="2000" dirty="0" smtClean="0"/>
+                  <a:t>Evaluation Criteria</a:t>
+                </a:r>
+              </a:p>
+              <a:p>
+                <a:pPr lvl="1"/>
+                <a:r>
+                  <a:rPr lang="en-US" sz="1400" dirty="0" smtClean="0"/>
+                  <a:t>Nutrients </a:t>
+                </a:r>
+                <a:endParaRPr lang="en-US" sz="1400" dirty="0"/>
+              </a:p>
+              <a:p>
+                <a:pPr lvl="2"/>
+                <a:r>
+                  <a:rPr lang="en-US" sz="1400" dirty="0"/>
+                  <a:t>Kilocalories</a:t>
+                </a:r>
+              </a:p>
+              <a:p>
+                <a:pPr lvl="2"/>
+                <a:r>
+                  <a:rPr lang="en-US" sz="1400" dirty="0"/>
+                  <a:t>Macro-nutrients: carbohydrates, proteins, fats,</a:t>
+                </a:r>
+              </a:p>
+              <a:p>
+                <a:pPr lvl="2"/>
+                <a:r>
+                  <a:rPr lang="en-US" sz="1400" dirty="0"/>
+                  <a:t>Micro-nutrients: vitamin A, B, C, D, calcium, iron, sodium </a:t>
+                </a:r>
+              </a:p>
+              <a:p>
+                <a:pPr lvl="1"/>
+                <a:r>
+                  <a:rPr lang="en-US" sz="1400" dirty="0"/>
+                  <a:t>Deviation of the quantities of the previously mentioned items from the desired ones;</a:t>
+                </a:r>
+              </a:p>
+              <a:p>
+                <a:pPr lvl="1"/>
+                <a:r>
+                  <a:rPr lang="en-US" sz="1400" dirty="0"/>
+                  <a:t>Doctor's prescription;</a:t>
+                </a:r>
+              </a:p>
+              <a:p>
+                <a:pPr lvl="1"/>
+                <a:r>
+                  <a:rPr lang="en-US" sz="1400" dirty="0"/>
+                  <a:t>Patient's preferences;</a:t>
+                </a:r>
+              </a:p>
+              <a:p>
+                <a:pPr lvl="1"/>
+                <a:r>
+                  <a:rPr lang="en-US" sz="1400" dirty="0"/>
+                  <a:t>Cost </a:t>
+                </a:r>
+                <a:r>
+                  <a:rPr lang="en-US" sz="1400" dirty="0" smtClean="0"/>
+                  <a:t>and delivery time of food packages</a:t>
+                </a:r>
+                <a:endParaRPr lang="en-US" sz="800" dirty="0" smtClean="0"/>
+              </a:p>
+              <a:p>
+                <a:pPr marL="0" indent="0">
+                  <a:buFont typeface="Courier New" pitchFamily="49" charset="0"/>
+                  <a:buNone/>
+                </a:pPr>
+                <a:endParaRPr lang="en-US" sz="1900" b="1" dirty="0" smtClean="0"/>
+              </a:p>
+              <a:p>
+                <a:pPr lvl="1" eaLnBrk="1" hangingPunct="1"/>
+                <a:endParaRPr lang="en-US" sz="2100" b="1" dirty="0" smtClean="0"/>
+              </a:p>
+              <a:p>
+                <a:pPr lvl="1" eaLnBrk="1" hangingPunct="1"/>
+                <a:endParaRPr lang="en-US" sz="2100" b="1" dirty="0" smtClean="0"/>
+              </a:p>
+            </p:txBody>
+          </p:sp>
+        </mc:Choice>
+        <mc:Fallback>
+          <p:sp>
+            <p:nvSpPr>
+              <p:cNvPr id="7" name="Content Placeholder 3"/>
+              <p:cNvSpPr txBox="1">
+                <a:spLocks noRot="1" noChangeAspect="1" noMove="1" noResize="1" noEditPoints="1" noAdjustHandles="1" noChangeArrowheads="1" noChangeShapeType="1" noTextEdit="1"/>
+              </p:cNvSpPr>
+              <p:nvPr/>
+            </p:nvSpPr>
+            <p:spPr bwMode="auto">
+              <a:xfrm>
+                <a:off x="179512" y="1484784"/>
+                <a:ext cx="8712968" cy="4824536"/>
+              </a:xfrm>
+              <a:prstGeom prst="rect">
+                <a:avLst/>
+              </a:prstGeom>
+              <a:blipFill rotWithShape="1">
+                <a:blip r:embed="rId3"/>
+                <a:stretch>
+                  <a:fillRect t="-506"/>
+                </a:stretch>
+              </a:blipFill>
+              <a:ln w="9525">
+                <a:noFill/>
+                <a:miter lim="800000"/>
+                <a:headEnd/>
+                <a:tailEnd/>
+              </a:ln>
+            </p:spPr>
+            <p:txBody>
+              <a:bodyPr/>
+              <a:lstStyle/>
+              <a:p>
+                <a:r>
+                  <a:rPr lang="en-US">
+                    <a:noFill/>
+                  </a:rPr>
+                  <a:t> </a:t>
+                </a:r>
+              </a:p>
+            </p:txBody>
+          </p:sp>
+        </mc:Fallback>
+      </mc:AlternateContent>
+    </p:spTree>
+    <p:extLst>
+      <p:ext uri="{BB962C8B-B14F-4D97-AF65-F5344CB8AC3E}">
+        <p14:creationId xmlns:p14="http://schemas.microsoft.com/office/powerpoint/2010/main" val="1825403552"/>
+      </p:ext>
+    </p:extLst>
+  </p:cSld>
+  <p:clrMapOvr>
+    <a:masterClrMapping/>
+  </p:clrMapOvr>
+  <p:timing>
+    <p:tnLst>
+      <p:par>
+        <p:cTn id="1" dur="indefinite" restart="never" nodeType="tmRoot"/>
+      </p:par>
+    </p:tnLst>
+  </p:timing>
+</p:sld>
+</file>
+
+<file path=ppt/slides/slide14.xml><?xml version="1.0" encoding="utf-8"?>
+<p:sld xmlns:a="http://schemas.openxmlformats.org/drawingml/2006/main" xmlns:r="http://schemas.openxmlformats.org/officeDocument/2006/relationships" xmlns:p="http://schemas.openxmlformats.org/presentationml/2006/main">
+  <p:cSld>
+    <p:spTree>
+      <p:nvGrpSpPr>
+        <p:cNvPr id="1" name=""/>
+        <p:cNvGrpSpPr/>
+        <p:nvPr/>
+      </p:nvGrpSpPr>
+      <p:grpSpPr>
+        <a:xfrm>
+          <a:off x="0" y="0"/>
+          <a:ext cx="0" cy="0"/>
+          <a:chOff x="0" y="0"/>
+          <a:chExt cx="0" cy="0"/>
+        </a:xfrm>
+      </p:grpSpPr>
+      <p:sp>
+        <p:nvSpPr>
+          <p:cNvPr id="7171" name="Content Placeholder 3"/>
+          <p:cNvSpPr>
+            <a:spLocks noGrp="1"/>
+          </p:cNvSpPr>
+          <p:nvPr>
+            <p:ph sz="quarter" idx="1"/>
+          </p:nvPr>
+        </p:nvSpPr>
+        <p:spPr>
+          <a:xfrm>
+            <a:off x="0" y="1500174"/>
+            <a:ext cx="9144000" cy="4595826"/>
+          </a:xfrm>
+        </p:spPr>
+        <p:txBody>
+          <a:bodyPr/>
+          <a:lstStyle/>
+          <a:p>
+            <a:pPr marL="366713" lvl="1" indent="0" eaLnBrk="1" hangingPunct="1">
+              <a:buNone/>
+            </a:pPr>
+            <a:endParaRPr lang="en-US" sz="2100" b="1" dirty="0" smtClean="0">
+              <a:latin typeface="Arial" pitchFamily="34" charset="0"/>
+              <a:cs typeface="Arial" pitchFamily="34" charset="0"/>
+            </a:endParaRPr>
+          </a:p>
+          <a:p>
+            <a:pPr lvl="1" eaLnBrk="1" hangingPunct="1"/>
+            <a:endParaRPr lang="en-US" sz="2100" b="1" dirty="0"/>
+          </a:p>
+          <a:p>
+            <a:pPr lvl="1" eaLnBrk="1" hangingPunct="1"/>
+            <a:endParaRPr lang="en-US" sz="2100" b="1" dirty="0" smtClean="0">
+              <a:latin typeface="Arial" pitchFamily="34" charset="0"/>
+              <a:cs typeface="Arial" pitchFamily="34" charset="0"/>
+            </a:endParaRPr>
+          </a:p>
+        </p:txBody>
+      </p:sp>
+      <p:sp>
+        <p:nvSpPr>
+          <p:cNvPr id="7172" name="Slide Number Placeholder 2"/>
+          <p:cNvSpPr>
+            <a:spLocks noGrp="1"/>
+          </p:cNvSpPr>
+          <p:nvPr>
+            <p:ph type="sldNum" sz="quarter" idx="10"/>
+          </p:nvPr>
+        </p:nvSpPr>
+        <p:spPr bwMode="auto">
+          <a:noFill/>
+          <a:ln>
+            <a:miter lim="800000"/>
+            <a:headEnd/>
+            <a:tailEnd/>
+          </a:ln>
+        </p:spPr>
+        <p:txBody>
+          <a:bodyPr vert="horz" wrap="square" lIns="91440" tIns="45720" rIns="91440" bIns="45720" numCol="1" anchor="t" anchorCtr="0" compatLnSpc="1">
+            <a:prstTxWarp prst="textNoShape">
+              <a:avLst/>
+            </a:prstTxWarp>
+          </a:bodyPr>
+          <a:lstStyle/>
+          <a:p>
+            <a:pPr fontAlgn="base">
+              <a:spcBef>
+                <a:spcPct val="0"/>
+              </a:spcBef>
+              <a:spcAft>
+                <a:spcPct val="0"/>
+              </a:spcAft>
+            </a:pPr>
+            <a:fld id="{FEB3FF15-7694-4C79-A17C-C5F32E1F8115}" type="slidenum">
+              <a:rPr lang="en-US" smtClean="0"/>
+              <a:pPr fontAlgn="base">
+                <a:spcBef>
+                  <a:spcPct val="0"/>
+                </a:spcBef>
+                <a:spcAft>
+                  <a:spcPct val="0"/>
+                </a:spcAft>
+              </a:pPr>
+              <a:t>14</a:t>
+            </a:fld>
+            <a:endParaRPr lang="en-US" smtClean="0"/>
+          </a:p>
+        </p:txBody>
+      </p:sp>
+      <p:sp>
+        <p:nvSpPr>
+          <p:cNvPr id="8" name="Title 1"/>
+          <p:cNvSpPr>
+            <a:spLocks noGrp="1"/>
+          </p:cNvSpPr>
+          <p:nvPr>
+            <p:ph type="title"/>
+          </p:nvPr>
+        </p:nvSpPr>
+        <p:spPr>
+          <a:xfrm>
+            <a:off x="0" y="0"/>
+            <a:ext cx="9144000" cy="1295400"/>
+          </a:xfrm>
+        </p:spPr>
+        <p:txBody>
+          <a:bodyPr/>
+          <a:lstStyle/>
+          <a:p>
+            <a:pPr lvl="1" algn="ctr" eaLnBrk="1" hangingPunct="1"/>
+            <a:r>
+              <a:rPr lang="ro-RO" dirty="0" smtClean="0">
+                <a:latin typeface="Arial" pitchFamily="34" charset="0"/>
+                <a:cs typeface="Arial" pitchFamily="34" charset="0"/>
+              </a:rPr>
+              <a:t/>
+            </a:r>
+            <a:br>
+              <a:rPr lang="ro-RO" dirty="0" smtClean="0">
+                <a:latin typeface="Arial" pitchFamily="34" charset="0"/>
+                <a:cs typeface="Arial" pitchFamily="34" charset="0"/>
+              </a:rPr>
+            </a:br>
+            <a:r>
+              <a:rPr lang="en-US" sz="3000" dirty="0" smtClean="0">
+                <a:latin typeface="Arial" pitchFamily="34" charset="0"/>
+                <a:cs typeface="Arial" pitchFamily="34" charset="0"/>
+              </a:rPr>
+              <a:t>Problem Definition</a:t>
+            </a:r>
+            <a:br>
+              <a:rPr lang="en-US" sz="3000" dirty="0" smtClean="0">
+                <a:latin typeface="Arial" pitchFamily="34" charset="0"/>
+                <a:cs typeface="Arial" pitchFamily="34" charset="0"/>
+              </a:rPr>
+            </a:br>
             <a:r>
               <a:rPr lang="en-US" sz="2000" dirty="0" smtClean="0">
                 <a:latin typeface="Arial" pitchFamily="34" charset="0"/>
                 <a:cs typeface="Arial" pitchFamily="34" charset="0"/>
               </a:rPr>
-              <a:t>Evaluation (I)</a:t>
+              <a:t>Solution Evaluation (II)</a:t>
             </a:r>
             <a:r>
               <a:rPr lang="ro-RO" sz="1900" dirty="0">
@@ -12829,592 +13209,12 @@
             </a:lvl9pPr>
           </a:lstStyle>
           <a:p>
-            <a:r>
-              <a:rPr lang="en-US" sz="2000" dirty="0" smtClean="0"/>
-              <a:t>Solution Evaluation Criteria</a:t>
-            </a:r>
-          </a:p>
-          <a:p>
-            <a:pPr lvl="1"/>
-            <a:r>
-              <a:rPr lang="en-US" sz="1400" dirty="0" smtClean="0"/>
-              <a:t>Nutrients </a:t>
-            </a:r>
-            <a:endParaRPr lang="en-US" sz="1400" dirty="0"/>
-          </a:p>
-          <a:p>
-            <a:pPr lvl="2"/>
-            <a:r>
-              <a:rPr lang="en-US" sz="1400" dirty="0"/>
-              <a:t>Kilocalories</a:t>
-            </a:r>
-          </a:p>
-          <a:p>
-            <a:pPr lvl="2"/>
-            <a:r>
-              <a:rPr lang="en-US" sz="1400" dirty="0"/>
-              <a:t>Macro-nutrients: carbohydrates, proteins, fats,</a:t>
-            </a:r>
-          </a:p>
-          <a:p>
-            <a:pPr lvl="2"/>
-            <a:r>
-              <a:rPr lang="en-US" sz="1400" dirty="0"/>
-              <a:t>Micro-nutrients: vitamin A, B, C, D, calcium, iron, sodium </a:t>
-            </a:r>
-          </a:p>
-          <a:p>
-            <a:pPr lvl="1"/>
-            <a:r>
-              <a:rPr lang="en-US" sz="1400" dirty="0"/>
-              <a:t>Deviation of the quantities of the previously mentioned items from the desired ones;</a:t>
-            </a:r>
-          </a:p>
-          <a:p>
-            <a:pPr lvl="1"/>
-            <a:r>
-              <a:rPr lang="en-US" sz="1400" dirty="0"/>
-              <a:t>Doctor's prescription;</a:t>
-            </a:r>
-          </a:p>
-          <a:p>
-            <a:pPr lvl="1"/>
-            <a:r>
-              <a:rPr lang="en-US" sz="1400" dirty="0"/>
-              <a:t>Patient's preferences;</a:t>
-            </a:r>
-          </a:p>
-          <a:p>
-            <a:pPr lvl="1"/>
-            <a:r>
-              <a:rPr lang="en-US" sz="1400" dirty="0"/>
-              <a:t>Cost </a:t>
-            </a:r>
-            <a:r>
-              <a:rPr lang="en-US" sz="1400" dirty="0" smtClean="0"/>
-              <a:t>and delivery time of food packages</a:t>
-            </a:r>
-            <a:endParaRPr lang="en-US" sz="800" dirty="0" smtClean="0"/>
-          </a:p>
-          <a:p>
-            <a:pPr marL="0" indent="0">
-              <a:buFont typeface="Courier New" pitchFamily="49" charset="0"/>
-              <a:buNone/>
-            </a:pPr>
-            <a:endParaRPr lang="en-US" sz="1900" b="1" dirty="0" smtClean="0"/>
-          </a:p>
-          <a:p>
-            <a:pPr lvl="1" eaLnBrk="1" hangingPunct="1"/>
-            <a:endParaRPr lang="en-US" sz="2100" b="1" dirty="0" smtClean="0"/>
-          </a:p>
-          <a:p>
-            <a:pPr lvl="1" eaLnBrk="1" hangingPunct="1"/>
-            <a:endParaRPr lang="en-US" sz="2100" b="1" dirty="0" smtClean="0"/>
-          </a:p>
-        </p:txBody>
-      </p:sp>
-    </p:spTree>
-    <p:extLst>
-      <p:ext uri="{BB962C8B-B14F-4D97-AF65-F5344CB8AC3E}">
-        <p14:creationId xmlns:p14="http://schemas.microsoft.com/office/powerpoint/2010/main" val="1825403552"/>
-      </p:ext>
-    </p:extLst>
-  </p:cSld>
-  <p:clrMapOvr>
-    <a:masterClrMapping/>
-  </p:clrMapOvr>
-  <p:timing>
-    <p:tnLst>
-      <p:par>
-        <p:cTn id="1" dur="indefinite" restart="never" nodeType="tmRoot"/>
-      </p:par>
-    </p:tnLst>
-  </p:timing>
-</p:sld>
-</file>
-
-<file path=ppt/slides/slide14.xml><?xml version="1.0" encoding="utf-8"?>
-<p:sld xmlns:a="http://schemas.openxmlformats.org/drawingml/2006/main" xmlns:r="http://schemas.openxmlformats.org/officeDocument/2006/relationships" xmlns:p="http://schemas.openxmlformats.org/presentationml/2006/main">
-  <p:cSld>
-    <p:spTree>
-      <p:nvGrpSpPr>
-        <p:cNvPr id="1" name=""/>
-        <p:cNvGrpSpPr/>
-        <p:nvPr/>
-      </p:nvGrpSpPr>
-      <p:grpSpPr>
-        <a:xfrm>
-          <a:off x="0" y="0"/>
-          <a:ext cx="0" cy="0"/>
-          <a:chOff x="0" y="0"/>
-          <a:chExt cx="0" cy="0"/>
-        </a:xfrm>
-      </p:grpSpPr>
-      <p:sp>
-        <p:nvSpPr>
-          <p:cNvPr id="7171" name="Content Placeholder 3"/>
-          <p:cNvSpPr>
-            <a:spLocks noGrp="1"/>
-          </p:cNvSpPr>
-          <p:nvPr>
-            <p:ph sz="quarter" idx="1"/>
-          </p:nvPr>
-        </p:nvSpPr>
-        <p:spPr>
-          <a:xfrm>
-            <a:off x="0" y="1500174"/>
-            <a:ext cx="9144000" cy="4595826"/>
-          </a:xfrm>
-        </p:spPr>
-        <p:txBody>
-          <a:bodyPr/>
-          <a:lstStyle/>
-          <a:p>
-            <a:pPr marL="366713" lvl="1" indent="0" eaLnBrk="1" hangingPunct="1">
-              <a:buNone/>
-            </a:pPr>
-            <a:endParaRPr lang="en-US" sz="2100" b="1" dirty="0" smtClean="0">
-              <a:latin typeface="Arial" pitchFamily="34" charset="0"/>
-              <a:cs typeface="Arial" pitchFamily="34" charset="0"/>
-            </a:endParaRPr>
-          </a:p>
-          <a:p>
-            <a:pPr lvl="1" eaLnBrk="1" hangingPunct="1"/>
-            <a:endParaRPr lang="en-US" sz="2100" b="1" dirty="0"/>
-          </a:p>
-          <a:p>
-            <a:pPr lvl="1" eaLnBrk="1" hangingPunct="1"/>
-            <a:endParaRPr lang="en-US" sz="2100" b="1" dirty="0" smtClean="0">
-              <a:latin typeface="Arial" pitchFamily="34" charset="0"/>
-              <a:cs typeface="Arial" pitchFamily="34" charset="0"/>
-            </a:endParaRPr>
-          </a:p>
-        </p:txBody>
-      </p:sp>
-      <p:sp>
-        <p:nvSpPr>
-          <p:cNvPr id="7172" name="Slide Number Placeholder 2"/>
-          <p:cNvSpPr>
-            <a:spLocks noGrp="1"/>
-          </p:cNvSpPr>
-          <p:nvPr>
-            <p:ph type="sldNum" sz="quarter" idx="10"/>
-          </p:nvPr>
-        </p:nvSpPr>
-        <p:spPr bwMode="auto">
-          <a:noFill/>
-          <a:ln>
-            <a:miter lim="800000"/>
-            <a:headEnd/>
-            <a:tailEnd/>
-          </a:ln>
-        </p:spPr>
-        <p:txBody>
-          <a:bodyPr vert="horz" wrap="square" lIns="91440" tIns="45720" rIns="91440" bIns="45720" numCol="1" anchor="t" anchorCtr="0" compatLnSpc="1">
-            <a:prstTxWarp prst="textNoShape">
-              <a:avLst/>
-            </a:prstTxWarp>
-          </a:bodyPr>
-          <a:lstStyle/>
-          <a:p>
-            <a:pPr fontAlgn="base">
-              <a:spcBef>
-                <a:spcPct val="0"/>
-              </a:spcBef>
-              <a:spcAft>
-                <a:spcPct val="0"/>
-              </a:spcAft>
-            </a:pPr>
-            <a:fld id="{FEB3FF15-7694-4C79-A17C-C5F32E1F8115}" type="slidenum">
-              <a:rPr lang="en-US" smtClean="0"/>
-              <a:pPr fontAlgn="base">
-                <a:spcBef>
-                  <a:spcPct val="0"/>
-                </a:spcBef>
-                <a:spcAft>
-                  <a:spcPct val="0"/>
-                </a:spcAft>
-              </a:pPr>
-              <a:t>14</a:t>
-            </a:fld>
-            <a:endParaRPr lang="en-US" smtClean="0"/>
-          </a:p>
-        </p:txBody>
-      </p:sp>
-      <p:sp>
-        <p:nvSpPr>
-          <p:cNvPr id="8" name="Title 1"/>
-          <p:cNvSpPr>
-            <a:spLocks noGrp="1"/>
-          </p:cNvSpPr>
-          <p:nvPr>
-            <p:ph type="title"/>
-          </p:nvPr>
-        </p:nvSpPr>
-        <p:spPr>
-          <a:xfrm>
-            <a:off x="0" y="0"/>
-            <a:ext cx="9144000" cy="1295400"/>
-          </a:xfrm>
-        </p:spPr>
-        <p:txBody>
-          <a:bodyPr/>
-          <a:lstStyle/>
-          <a:p>
-            <a:pPr lvl="1" algn="ctr" eaLnBrk="1" hangingPunct="1"/>
-            <a:r>
-              <a:rPr lang="ro-RO" dirty="0" smtClean="0">
-                <a:latin typeface="Arial" pitchFamily="34" charset="0"/>
-                <a:cs typeface="Arial" pitchFamily="34" charset="0"/>
-              </a:rPr>
-              <a:t/>
-            </a:r>
-            <a:br>
-              <a:rPr lang="ro-RO" dirty="0" smtClean="0">
-                <a:latin typeface="Arial" pitchFamily="34" charset="0"/>
-                <a:cs typeface="Arial" pitchFamily="34" charset="0"/>
-              </a:rPr>
-            </a:br>
-            <a:r>
-              <a:rPr lang="en-US" sz="3000" dirty="0" smtClean="0">
-                <a:latin typeface="Arial" pitchFamily="34" charset="0"/>
-                <a:cs typeface="Arial" pitchFamily="34" charset="0"/>
-              </a:rPr>
-              <a:t>Problem Definition</a:t>
-            </a:r>
-            <a:br>
-              <a:rPr lang="en-US" sz="3000" dirty="0" smtClean="0">
-                <a:latin typeface="Arial" pitchFamily="34" charset="0"/>
-                <a:cs typeface="Arial" pitchFamily="34" charset="0"/>
-              </a:rPr>
-            </a:br>
-            <a:r>
-              <a:rPr lang="en-US" sz="2000" dirty="0" smtClean="0">
-                <a:latin typeface="Arial" pitchFamily="34" charset="0"/>
-                <a:cs typeface="Arial" pitchFamily="34" charset="0"/>
-              </a:rPr>
-              <a:t>Solution </a:t>
-            </a:r>
-            <a:r>
-              <a:rPr lang="en-US" sz="2000" dirty="0" smtClean="0">
-                <a:latin typeface="Arial" pitchFamily="34" charset="0"/>
-                <a:cs typeface="Arial" pitchFamily="34" charset="0"/>
-              </a:rPr>
-              <a:t>Evaluation (II)</a:t>
-            </a:r>
-            <a:r>
-              <a:rPr lang="ro-RO" sz="1900" dirty="0">
-                <a:latin typeface="Arial" pitchFamily="34" charset="0"/>
-                <a:cs typeface="Arial" pitchFamily="34" charset="0"/>
-              </a:rPr>
-              <a:t/>
-            </a:r>
-            <a:br>
-              <a:rPr lang="ro-RO" sz="1900" dirty="0">
-                <a:latin typeface="Arial" pitchFamily="34" charset="0"/>
-                <a:cs typeface="Arial" pitchFamily="34" charset="0"/>
-              </a:rPr>
-            </a:br>
-            <a:endParaRPr lang="en-US" dirty="0" smtClean="0">
-              <a:latin typeface="Arial" pitchFamily="34" charset="0"/>
-              <a:cs typeface="Arial" pitchFamily="34" charset="0"/>
-            </a:endParaRPr>
-          </a:p>
-        </p:txBody>
-      </p:sp>
-      <p:sp>
-        <p:nvSpPr>
-          <p:cNvPr id="7" name="Content Placeholder 3"/>
-          <p:cNvSpPr txBox="1">
-            <a:spLocks/>
-          </p:cNvSpPr>
-          <p:nvPr/>
-        </p:nvSpPr>
-        <p:spPr bwMode="auto">
-          <a:xfrm>
-            <a:off x="179512" y="1484784"/>
-            <a:ext cx="8712968" cy="4824536"/>
-          </a:xfrm>
-          <a:prstGeom prst="rect">
-            <a:avLst/>
-          </a:prstGeom>
-          <a:noFill/>
-          <a:ln w="9525">
-            <a:noFill/>
-            <a:miter lim="800000"/>
-            <a:headEnd/>
-            <a:tailEnd/>
-          </a:ln>
-        </p:spPr>
-        <p:txBody>
-          <a:bodyPr vert="horz" wrap="square" lIns="91440" tIns="45720" rIns="91440" bIns="45720" numCol="1" anchor="t" anchorCtr="0" compatLnSpc="1">
-            <a:prstTxWarp prst="textNoShape">
-              <a:avLst/>
-            </a:prstTxWarp>
-          </a:bodyPr>
-          <a:lstStyle>
-            <a:lvl1pPr marL="319088" indent="-319088" algn="l" rtl="0" eaLnBrk="0" fontAlgn="base" hangingPunct="0">
-              <a:spcBef>
-                <a:spcPts val="700"/>
-              </a:spcBef>
-              <a:spcAft>
-                <a:spcPct val="0"/>
-              </a:spcAft>
-              <a:buClr>
-                <a:schemeClr val="accent2"/>
-              </a:buClr>
-              <a:buSzPct val="60000"/>
-              <a:buFont typeface="Courier New" pitchFamily="49" charset="0"/>
-              <a:buChar char="o"/>
-              <a:defRPr sz="2900" kern="1200">
-                <a:solidFill>
-                  <a:schemeClr val="tx1"/>
-                </a:solidFill>
-                <a:latin typeface="Arial" pitchFamily="34" charset="0"/>
-                <a:ea typeface="+mn-ea"/>
-                <a:cs typeface="Arial" pitchFamily="34" charset="0"/>
-              </a:defRPr>
-            </a:lvl1pPr>
-            <a:lvl2pPr marL="639763" indent="-273050" algn="l" rtl="0" eaLnBrk="0" fontAlgn="base" hangingPunct="0">
-              <a:spcBef>
-                <a:spcPts val="550"/>
-              </a:spcBef>
-              <a:spcAft>
-                <a:spcPct val="0"/>
-              </a:spcAft>
-              <a:buClr>
-                <a:schemeClr val="accent1"/>
-              </a:buClr>
-              <a:buSzPct val="70000"/>
-              <a:buFont typeface="Wingdings" pitchFamily="2" charset="2"/>
-              <a:buChar char="§"/>
-              <a:defRPr sz="2300" kern="1200">
-                <a:solidFill>
-                  <a:schemeClr val="tx1"/>
-                </a:solidFill>
-                <a:latin typeface="Arial" pitchFamily="34" charset="0"/>
-                <a:ea typeface="+mn-ea"/>
-                <a:cs typeface="Arial" pitchFamily="34" charset="0"/>
-              </a:defRPr>
-            </a:lvl2pPr>
-            <a:lvl3pPr marL="914400" indent="-228600" algn="l" rtl="0" eaLnBrk="0" fontAlgn="base" hangingPunct="0">
-              <a:spcBef>
-                <a:spcPts val="500"/>
-              </a:spcBef>
-              <a:spcAft>
-                <a:spcPct val="0"/>
-              </a:spcAft>
-              <a:buClr>
-                <a:schemeClr val="accent2"/>
-              </a:buClr>
-              <a:buSzPct val="75000"/>
-              <a:buFont typeface="Courier New" pitchFamily="49" charset="0"/>
-              <a:buChar char="o"/>
-              <a:defRPr sz="2200" kern="1200">
-                <a:solidFill>
-                  <a:schemeClr val="tx1"/>
-                </a:solidFill>
-                <a:latin typeface="Arial" pitchFamily="34" charset="0"/>
-                <a:ea typeface="+mn-ea"/>
-                <a:cs typeface="Arial" pitchFamily="34" charset="0"/>
-              </a:defRPr>
-            </a:lvl3pPr>
-            <a:lvl4pPr marL="1371600" indent="-228600" algn="l" rtl="0" eaLnBrk="0" fontAlgn="base" hangingPunct="0">
-              <a:spcBef>
-                <a:spcPts val="400"/>
-              </a:spcBef>
-              <a:spcAft>
-                <a:spcPct val="0"/>
-              </a:spcAft>
-              <a:buClr>
-                <a:srgbClr val="A5AB81"/>
-              </a:buClr>
-              <a:buSzPct val="75000"/>
-              <a:buFont typeface="Helvetica" pitchFamily="34" charset="0"/>
-              <a:buChar char="–"/>
-              <a:defRPr sz="2000" kern="1200">
-                <a:solidFill>
-                  <a:schemeClr val="tx1"/>
-                </a:solidFill>
-                <a:latin typeface="Helvetica" pitchFamily="34" charset="0"/>
-                <a:ea typeface="+mn-ea"/>
-                <a:cs typeface="+mn-cs"/>
-              </a:defRPr>
-            </a:lvl4pPr>
-            <a:lvl5pPr marL="1828800" indent="-228600" algn="l" rtl="0" eaLnBrk="0" fontAlgn="base" hangingPunct="0">
-              <a:spcBef>
-                <a:spcPts val="400"/>
-              </a:spcBef>
-              <a:spcAft>
-                <a:spcPct val="0"/>
-              </a:spcAft>
-              <a:buClr>
-                <a:srgbClr val="D8B25C"/>
-              </a:buClr>
-              <a:buSzPct val="65000"/>
-              <a:buFont typeface="Courier New" pitchFamily="49" charset="0"/>
-              <a:buChar char="o"/>
-              <a:defRPr sz="2000" kern="1200">
-                <a:solidFill>
-                  <a:schemeClr val="tx1"/>
-                </a:solidFill>
-                <a:latin typeface="Helvetica" pitchFamily="34" charset="0"/>
-                <a:ea typeface="+mn-ea"/>
-                <a:cs typeface="+mn-cs"/>
-              </a:defRPr>
-            </a:lvl5pPr>
-            <a:lvl6pPr marL="2103120" indent="-228600" algn="l" rtl="0" eaLnBrk="1" latinLnBrk="0" hangingPunct="1">
-              <a:spcBef>
-                <a:spcPct val="20000"/>
-              </a:spcBef>
-              <a:buClr>
-                <a:schemeClr val="accent1"/>
-              </a:buClr>
-              <a:buFont typeface="Wingdings"/>
-              <a:buChar char="§"/>
-              <a:defRPr kumimoji="0" sz="1800" kern="1200" baseline="0">
-                <a:solidFill>
-                  <a:schemeClr val="tx1"/>
-                </a:solidFill>
-                <a:latin typeface="+mn-lt"/>
-                <a:ea typeface="+mn-ea"/>
-                <a:cs typeface="+mn-cs"/>
-              </a:defRPr>
-            </a:lvl6pPr>
-            <a:lvl7pPr marL="2377440" indent="-228600" algn="l" rtl="0" eaLnBrk="1" latinLnBrk="0" hangingPunct="1">
-              <a:spcBef>
-                <a:spcPct val="20000"/>
-              </a:spcBef>
-              <a:buClr>
-                <a:schemeClr val="accent2"/>
-              </a:buClr>
-              <a:buFont typeface="Wingdings"/>
-              <a:buChar char="§"/>
-              <a:defRPr kumimoji="0" sz="1800" kern="1200" baseline="0">
-                <a:solidFill>
-                  <a:schemeClr val="tx1"/>
-                </a:solidFill>
-                <a:latin typeface="+mn-lt"/>
-                <a:ea typeface="+mn-ea"/>
-                <a:cs typeface="+mn-cs"/>
-              </a:defRPr>
-            </a:lvl7pPr>
-            <a:lvl8pPr marL="2651760" indent="-228600" algn="l" rtl="0" eaLnBrk="1" latinLnBrk="0" hangingPunct="1">
-              <a:spcBef>
-                <a:spcPct val="20000"/>
-              </a:spcBef>
-              <a:buClr>
-                <a:schemeClr val="accent3"/>
-              </a:buClr>
-              <a:buFont typeface="Wingdings"/>
-              <a:buChar char="§"/>
-              <a:defRPr kumimoji="0" sz="1800" kern="1200" baseline="0">
-                <a:solidFill>
-                  <a:schemeClr val="tx1"/>
-                </a:solidFill>
-                <a:latin typeface="+mn-lt"/>
-                <a:ea typeface="+mn-ea"/>
-                <a:cs typeface="+mn-cs"/>
-              </a:defRPr>
-            </a:lvl8pPr>
-            <a:lvl9pPr marL="2926080" indent="-228600" algn="l" rtl="0" eaLnBrk="1" latinLnBrk="0" hangingPunct="1">
-              <a:spcBef>
-                <a:spcPct val="20000"/>
-              </a:spcBef>
-              <a:buClr>
-                <a:schemeClr val="accent4"/>
-              </a:buClr>
-              <a:buFont typeface="Wingdings"/>
-              <a:buChar char="§"/>
-              <a:defRPr kumimoji="0" sz="1800" kern="1200" baseline="0">
-                <a:solidFill>
-                  <a:schemeClr val="tx1"/>
-                </a:solidFill>
-                <a:latin typeface="+mn-lt"/>
-                <a:ea typeface="+mn-ea"/>
-                <a:cs typeface="+mn-cs"/>
-              </a:defRPr>
-            </a:lvl9pPr>
-          </a:lstStyle>
-          <a:p>
             <a:pPr marL="0" indent="0">
               <a:buNone/>
             </a:pPr>
             <a:r>
-              <a:rPr lang="en-US" sz="1600" dirty="0" smtClean="0"/>
-              <a:t>The fitness function returns a value from 0 to 1 and is </a:t>
-            </a:r>
-            <a:r>
-              <a:rPr lang="en-US" sz="1600" b="1" dirty="0" smtClean="0"/>
-              <a:t>maximized, </a:t>
-            </a:r>
-            <a:r>
-              <a:rPr lang="en-US" sz="1600" dirty="0" smtClean="0"/>
-              <a:t>i.e. the ideal or optimal value is </a:t>
-            </a:r>
-            <a:r>
-              <a:rPr lang="en-US" sz="1600" b="1" dirty="0" smtClean="0"/>
-              <a:t>1</a:t>
-            </a:r>
-            <a:r>
-              <a:rPr lang="en-US" sz="1600" dirty="0" smtClean="0"/>
-              <a:t>, and </a:t>
-            </a:r>
-            <a:r>
-              <a:rPr lang="en-US" sz="1600" b="1" dirty="0" smtClean="0"/>
-              <a:t>0</a:t>
-            </a:r>
-            <a:r>
-              <a:rPr lang="en-US" sz="1600" dirty="0" smtClean="0"/>
-              <a:t> is the worst. </a:t>
-            </a:r>
-            <a:r>
-              <a:rPr lang="en-US" sz="1600" dirty="0" smtClean="0">
-                <a:solidFill>
-                  <a:srgbClr val="FF0000"/>
-                </a:solidFill>
-              </a:rPr>
-              <a:t>// </a:t>
-            </a:r>
-            <a:r>
-              <a:rPr lang="en-US" sz="1600" dirty="0" err="1" smtClean="0">
-                <a:solidFill>
-                  <a:srgbClr val="FF0000"/>
-                </a:solidFill>
-              </a:rPr>
-              <a:t>mai</a:t>
-            </a:r>
-            <a:r>
-              <a:rPr lang="en-US" sz="1600" dirty="0" smtClean="0">
-                <a:solidFill>
-                  <a:srgbClr val="FF0000"/>
-                </a:solidFill>
-              </a:rPr>
-              <a:t> </a:t>
-            </a:r>
-            <a:r>
-              <a:rPr lang="en-US" sz="1600" dirty="0" err="1" smtClean="0">
-                <a:solidFill>
-                  <a:srgbClr val="FF0000"/>
-                </a:solidFill>
-              </a:rPr>
-              <a:t>pe</a:t>
-            </a:r>
-            <a:r>
-              <a:rPr lang="en-US" sz="1600" dirty="0" smtClean="0">
-                <a:solidFill>
-                  <a:srgbClr val="FF0000"/>
-                </a:solidFill>
-              </a:rPr>
-              <a:t> </a:t>
-            </a:r>
-            <a:r>
-              <a:rPr lang="en-US" sz="1600" dirty="0" err="1" smtClean="0">
-                <a:solidFill>
-                  <a:srgbClr val="FF0000"/>
-                </a:solidFill>
-              </a:rPr>
-              <a:t>scurt</a:t>
+              <a:rPr lang="en-US" sz="2000" dirty="0" smtClean="0"/>
+              <a:t>Fitness Function</a:t>
             </a:r>
             <a:endParaRPr lang="en-US" sz="1600" dirty="0" smtClean="0">
               <a:solidFill>
@@ -13506,14 +13306,14 @@
           <p:nvPr>
             <p:extLst>
               <p:ext uri="{D42A27DB-BD31-4B8C-83A1-F6EECF244321}">
-                <p14:modId xmlns:p14="http://schemas.microsoft.com/office/powerpoint/2010/main" val="2593585610"/>
+                <p14:modId xmlns:p14="http://schemas.microsoft.com/office/powerpoint/2010/main" val="245512580"/>
               </p:ext>
             </p:extLst>
           </p:nvPr>
         </p:nvGraphicFramePr>
         <p:xfrm>
-          <a:off x="395686" y="4286620"/>
-          <a:ext cx="8214913" cy="942580"/>
+          <a:off x="323528" y="4005064"/>
+          <a:ext cx="8712968" cy="2030212"/>
         </p:xfrm>
         <a:graphic>
           <a:graphicData uri="http://schemas.openxmlformats.org/drawingml/2006/table">
@@ -13522,10 +13322,10 @@
                 <a:tableStyleId>{5940675A-B579-460E-94D1-54222C63F5DA}</a:tableStyleId>
               </a:tblPr>
               <a:tblGrid>
-                <a:gridCol w="2092478"/>
-                <a:gridCol w="6122435"/>
+                <a:gridCol w="1728192"/>
+                <a:gridCol w="6984776"/>
               </a:tblGrid>
-              <a:tr h="253658">
+              <a:tr h="396044">
                 <a:tc>
                   <a:txBody>
                     <a:bodyPr/>
@@ -13583,7 +13383,7 @@
                   <a:tcPr marL="68580" marR="68580" marT="0" marB="0"/>
                 </a:tc>
               </a:tr>
-              <a:tr h="187530">
+              <a:tr h="729516">
                 <a:tc>
                   <a:txBody>
                     <a:bodyPr/>
@@ -13598,12 +13398,12 @@
                         </a:spcAft>
                       </a:pPr>
                       <a:r>
-                        <a:rPr lang="en-US" sz="1400" dirty="0" smtClean="0">
+                        <a:rPr lang="en-US" sz="1600" dirty="0" smtClean="0">
                           <a:effectLst/>
                         </a:rPr>
                         <a:t>fitness1</a:t>
                       </a:r>
-                      <a:endParaRPr lang="en-US" sz="1600" dirty="0">
+                      <a:endParaRPr lang="en-US" sz="1800" dirty="0">
                         <a:effectLst/>
                         <a:latin typeface="Times New Roman"/>
                         <a:ea typeface="Batang"/>
@@ -13626,12 +13426,12 @@
                         </a:spcAft>
                       </a:pPr>
                       <a:r>
-                        <a:rPr lang="en-US" sz="1400" dirty="0">
+                        <a:rPr lang="en-US" sz="1600" dirty="0">
                           <a:effectLst/>
                         </a:rPr>
                         <a:t>Deviation of kilocalories, macro and micro-nutrients from the desired values</a:t>
                       </a:r>
-                      <a:endParaRPr lang="en-US" sz="1600" dirty="0">
+                      <a:endParaRPr lang="en-US" sz="1800" dirty="0">
                         <a:effectLst/>
                         <a:latin typeface="Times New Roman"/>
                         <a:ea typeface="Batang"/>
@@ -13641,7 +13441,7 @@
                   <a:tcPr marL="68580" marR="68580" marT="0" marB="0"/>
                 </a:tc>
               </a:tr>
-              <a:tr h="262202">
+              <a:tr h="448258">
                 <a:tc>
                   <a:txBody>
                     <a:bodyPr/>
@@ -13656,12 +13456,12 @@
                         </a:spcAft>
                       </a:pPr>
                       <a:r>
-                        <a:rPr lang="en-US" sz="1400" dirty="0" smtClean="0">
+                        <a:rPr lang="en-US" sz="1600" dirty="0" smtClean="0">
                           <a:effectLst/>
                         </a:rPr>
                         <a:t>fitness2</a:t>
                       </a:r>
-                      <a:endParaRPr lang="en-US" sz="1600" dirty="0">
+                      <a:endParaRPr lang="en-US" sz="1800" dirty="0">
                         <a:effectLst/>
                         <a:latin typeface="Times New Roman"/>
                         <a:ea typeface="Batang"/>
@@ -13684,12 +13484,12 @@
                         </a:spcAft>
                       </a:pPr>
                       <a:r>
-                        <a:rPr lang="en-US" sz="1400" dirty="0">
+                        <a:rPr lang="en-US" sz="1600" dirty="0">
                           <a:effectLst/>
                         </a:rPr>
                         <a:t>Existence/absence of required/restricted or (un)desired food items</a:t>
                       </a:r>
-                      <a:endParaRPr lang="en-US" sz="1600" dirty="0">
+                      <a:endParaRPr lang="en-US" sz="1800" dirty="0">
                         <a:effectLst/>
                         <a:latin typeface="Times New Roman"/>
                         <a:ea typeface="Batang"/>
@@ -13699,7 +13499,7 @@
                   <a:tcPr marL="68580" marR="68580" marT="0" marB="0"/>
                 </a:tc>
               </a:tr>
-              <a:tr h="0">
+              <a:tr h="364758">
                 <a:tc>
                   <a:txBody>
                     <a:bodyPr/>
@@ -13714,12 +13514,12 @@
                         </a:spcAft>
                       </a:pPr>
                       <a:r>
-                        <a:rPr lang="en-US" sz="1400" dirty="0" smtClean="0">
+                        <a:rPr lang="en-US" sz="1600" dirty="0" smtClean="0">
                           <a:effectLst/>
                         </a:rPr>
                         <a:t>fitness3</a:t>
                       </a:r>
-                      <a:endParaRPr lang="en-US" sz="1600" dirty="0">
+                      <a:endParaRPr lang="en-US" sz="1800" dirty="0">
                         <a:effectLst/>
                         <a:latin typeface="Times New Roman"/>
                         <a:ea typeface="Batang"/>
@@ -13742,12 +13542,12 @@
                         </a:spcAft>
                       </a:pPr>
                       <a:r>
-                        <a:rPr lang="en-US" sz="1400" dirty="0">
+                        <a:rPr lang="en-US" sz="1600" dirty="0">
                           <a:effectLst/>
                         </a:rPr>
                         <a:t>Cost and delivery time</a:t>
                       </a:r>
-                      <a:endParaRPr lang="en-US" sz="1600" dirty="0">
+                      <a:endParaRPr lang="en-US" sz="1800" dirty="0">
                         <a:effectLst/>
                         <a:latin typeface="Times New Roman"/>
                         <a:ea typeface="Batang"/>
@@ -13784,7 +13584,7 @@
         </p:blipFill>
         <p:spPr bwMode="auto">
           <a:xfrm>
-            <a:off x="1763688" y="2060848"/>
+            <a:off x="1619672" y="1772816"/>
             <a:ext cx="5119023" cy="792089"/>
           </a:xfrm>
           <a:prstGeom prst="rect">
@@ -14211,10 +14011,10 @@
               <a:t>Generate food menu </a:t>
             </a:r>
             <a:r>
-              <a:rPr lang="en-US" sz="1600" dirty="0" err="1" smtClean="0">
+              <a:rPr lang="en-US" sz="1600" dirty="0" smtClean="0">
                 <a:ea typeface="Batang" panose="02030600000101010101" pitchFamily="18" charset="-127"/>
               </a:rPr>
-              <a:t>recomendations</a:t>
+              <a:t>recommendations</a:t>
             </a:r>
             <a:endParaRPr lang="en-US" sz="1400" dirty="0" smtClean="0">
               <a:ea typeface="Batang" panose="02030600000101010101" pitchFamily="18" charset="-127"/>
@@ -14233,25 +14033,7 @@
               <a:rPr lang="en-US" sz="1400" dirty="0" smtClean="0">
                 <a:ea typeface="Batang" panose="02030600000101010101" pitchFamily="18" charset="-127"/>
               </a:rPr>
-              <a:t>Adapt </a:t>
-            </a:r>
-            <a:r>
-              <a:rPr lang="en-US" sz="1400" dirty="0" smtClean="0">
-                <a:ea typeface="Batang" panose="02030600000101010101" pitchFamily="18" charset="-127"/>
-              </a:rPr>
-              <a:t>and </a:t>
-            </a:r>
-            <a:r>
-              <a:rPr lang="en-US" sz="1400" dirty="0" smtClean="0">
-                <a:ea typeface="Batang" panose="02030600000101010101" pitchFamily="18" charset="-127"/>
-              </a:rPr>
-              <a:t>hybridize </a:t>
-            </a:r>
-            <a:r>
-              <a:rPr lang="en-US" sz="1400" dirty="0" smtClean="0">
-                <a:ea typeface="Batang" panose="02030600000101010101" pitchFamily="18" charset="-127"/>
-              </a:rPr>
-              <a:t>the Cuckoo Search meta-heuristic</a:t>
+              <a:t>Adapt and hybridize the Cuckoo Search meta-heuristic</a:t>
             </a:r>
             <a:r>
               <a:rPr lang="en-US" sz="1400" dirty="0" smtClean="0">
@@ -14315,11 +14097,7 @@
             </a:r>
             <a:r>
               <a:rPr lang="en-US" sz="1500" dirty="0" smtClean="0"/>
-              <a:t> Search, Hill Climbing and Uniform Crossover </a:t>
-            </a:r>
-            <a:r>
-              <a:rPr lang="en-US" sz="1500" dirty="0" smtClean="0"/>
-              <a:t>heuristics</a:t>
+              <a:t> Search, Hill Climbing and Uniform Crossover heuristics</a:t>
             </a:r>
           </a:p>
           <a:p>
@@ -14503,7 +14281,7 @@
       </p:sp>
       <p:sp>
         <p:nvSpPr>
-          <p:cNvPr id="11" name="Title 1"/>
+          <p:cNvPr id="6" name="Title 1"/>
           <p:cNvSpPr>
             <a:spLocks noGrp="1"/>
           </p:cNvSpPr>
@@ -14513,28 +14291,15 @@
         </p:nvSpPr>
         <p:spPr>
           <a:xfrm>
-            <a:off x="0" y="0"/>
-            <a:ext cx="9144000" cy="1295400"/>
+            <a:off x="0" y="66660"/>
+            <a:ext cx="9144000" cy="1219200"/>
           </a:xfrm>
         </p:spPr>
         <p:txBody>
           <a:bodyPr/>
           <a:lstStyle/>
           <a:p>
-            <a:pPr lvl="1" algn="ctr" eaLnBrk="1" hangingPunct="1"/>
-            <a:r>
-              <a:rPr lang="ro-RO" dirty="0" smtClean="0">
-                <a:latin typeface="Arial" pitchFamily="34" charset="0"/>
-                <a:cs typeface="Arial" pitchFamily="34" charset="0"/>
-              </a:rPr>
-              <a:t/>
-            </a:r>
-            <a:br>
-              <a:rPr lang="ro-RO" dirty="0" smtClean="0">
-                <a:latin typeface="Arial" pitchFamily="34" charset="0"/>
-                <a:cs typeface="Arial" pitchFamily="34" charset="0"/>
-              </a:rPr>
-            </a:br>
+            <a:pPr algn="ctr"/>
             <a:r>
               <a:rPr lang="en-US" sz="3000" dirty="0" smtClean="0">
                 <a:latin typeface="Arial" pitchFamily="34" charset="0"/>
@@ -14542,8 +14307,15 @@
               </a:rPr>
               <a:t>Cuckoo Search Technique</a:t>
             </a:r>
+            <a:r>
+              <a:rPr lang="en-US" sz="3000" dirty="0">
+                <a:latin typeface="Arial" pitchFamily="34" charset="0"/>
+                <a:cs typeface="Arial" pitchFamily="34" charset="0"/>
+              </a:rPr>
+              <a:t/>
+            </a:r>
             <a:br>
-              <a:rPr lang="en-US" sz="3000" dirty="0" smtClean="0">
+              <a:rPr lang="en-US" sz="3000" dirty="0">
                 <a:latin typeface="Arial" pitchFamily="34" charset="0"/>
                 <a:cs typeface="Arial" pitchFamily="34" charset="0"/>
               </a:rPr>
@@ -14555,23 +14327,7 @@
               </a:rPr>
               <a:t>Overview</a:t>
             </a:r>
-            <a:r>
-              <a:rPr lang="ro-RO" sz="1900" dirty="0">
-                <a:latin typeface="Arial" pitchFamily="34" charset="0"/>
-                <a:cs typeface="Arial" pitchFamily="34" charset="0"/>
-              </a:rPr>
-              <a:t/>
-            </a:r>
-            <a:br>
-              <a:rPr lang="ro-RO" sz="1900" dirty="0">
-                <a:latin typeface="Arial" pitchFamily="34" charset="0"/>
-                <a:cs typeface="Arial" pitchFamily="34" charset="0"/>
-              </a:rPr>
-            </a:br>
-            <a:endParaRPr lang="en-US" dirty="0" smtClean="0">
-              <a:latin typeface="Arial" pitchFamily="34" charset="0"/>
-              <a:cs typeface="Arial" pitchFamily="34" charset="0"/>
-            </a:endParaRPr>
+            <a:endParaRPr lang="ro-RO" sz="1900" dirty="0" smtClean="0"/>
           </a:p>
         </p:txBody>
       </p:sp>
@@ -14624,7 +14380,7 @@
         </p:nvSpPr>
         <p:spPr>
           <a:xfrm>
-            <a:off x="612775" y="1600200"/>
+            <a:off x="179512" y="1556792"/>
             <a:ext cx="8153400" cy="4495800"/>
           </a:xfrm>
         </p:spPr>
@@ -14632,6 +14388,13 @@
           <a:bodyPr/>
           <a:lstStyle/>
           <a:p>
+            <a:pPr marL="0" indent="0">
+              <a:buNone/>
+            </a:pPr>
+            <a:r>
+              <a:rPr lang="en-US" sz="2100" dirty="0" smtClean="0"/>
+              <a:t>Core Component - Mapping</a:t>
+            </a:r>
             <a:endParaRPr lang="ro-RO" sz="2100" dirty="0" smtClean="0"/>
           </a:p>
           <a:p>
@@ -14711,294 +14474,6 @@
           </a:p>
         </p:txBody>
       </p:sp>
-      <p:sp>
-        <p:nvSpPr>
-          <p:cNvPr id="11" name="Title 1"/>
-          <p:cNvSpPr>
-            <a:spLocks noGrp="1"/>
-          </p:cNvSpPr>
-          <p:nvPr>
-            <p:ph type="title"/>
-          </p:nvPr>
-        </p:nvSpPr>
-        <p:spPr>
-          <a:xfrm>
-            <a:off x="0" y="0"/>
-            <a:ext cx="9144000" cy="1295400"/>
-          </a:xfrm>
-        </p:spPr>
-        <p:txBody>
-          <a:bodyPr/>
-          <a:lstStyle/>
-          <a:p>
-            <a:pPr lvl="1" algn="ctr" eaLnBrk="1" hangingPunct="1"/>
-            <a:r>
-              <a:rPr lang="ro-RO" dirty="0" smtClean="0">
-                <a:latin typeface="Arial" pitchFamily="34" charset="0"/>
-                <a:cs typeface="Arial" pitchFamily="34" charset="0"/>
-              </a:rPr>
-              <a:t/>
-            </a:r>
-            <a:br>
-              <a:rPr lang="ro-RO" dirty="0" smtClean="0">
-                <a:latin typeface="Arial" pitchFamily="34" charset="0"/>
-                <a:cs typeface="Arial" pitchFamily="34" charset="0"/>
-              </a:rPr>
-            </a:br>
-            <a:r>
-              <a:rPr lang="en-US" sz="3000" dirty="0" smtClean="0">
-                <a:latin typeface="Arial" pitchFamily="34" charset="0"/>
-                <a:cs typeface="Arial" pitchFamily="34" charset="0"/>
-              </a:rPr>
-              <a:t>Cuckoo Search Technique</a:t>
-            </a:r>
-            <a:br>
-              <a:rPr lang="en-US" sz="3000" dirty="0" smtClean="0">
-                <a:latin typeface="Arial" pitchFamily="34" charset="0"/>
-                <a:cs typeface="Arial" pitchFamily="34" charset="0"/>
-              </a:rPr>
-            </a:br>
-            <a:r>
-              <a:rPr lang="en-US" sz="2000" dirty="0" smtClean="0">
-                <a:latin typeface="Arial" pitchFamily="34" charset="0"/>
-                <a:cs typeface="Arial" pitchFamily="34" charset="0"/>
-              </a:rPr>
-              <a:t>Cuckoo Search Model</a:t>
-            </a:r>
-            <a:r>
-              <a:rPr lang="ro-RO" sz="1900" dirty="0">
-                <a:latin typeface="Arial" pitchFamily="34" charset="0"/>
-                <a:cs typeface="Arial" pitchFamily="34" charset="0"/>
-              </a:rPr>
-              <a:t/>
-            </a:r>
-            <a:br>
-              <a:rPr lang="ro-RO" sz="1900" dirty="0">
-                <a:latin typeface="Arial" pitchFamily="34" charset="0"/>
-                <a:cs typeface="Arial" pitchFamily="34" charset="0"/>
-              </a:rPr>
-            </a:br>
-            <a:endParaRPr lang="en-US" dirty="0" smtClean="0">
-              <a:latin typeface="Arial" pitchFamily="34" charset="0"/>
-              <a:cs typeface="Arial" pitchFamily="34" charset="0"/>
-            </a:endParaRPr>
-          </a:p>
-        </p:txBody>
-      </p:sp>
-      <p:sp>
-        <p:nvSpPr>
-          <p:cNvPr id="14" name="Rectangle 13"/>
-          <p:cNvSpPr/>
-          <p:nvPr/>
-        </p:nvSpPr>
-        <p:spPr>
-          <a:xfrm>
-            <a:off x="-11563" y="1700808"/>
-            <a:ext cx="8777737" cy="2139047"/>
-          </a:xfrm>
-          <a:prstGeom prst="rect">
-            <a:avLst/>
-          </a:prstGeom>
-        </p:spPr>
-        <p:txBody>
-          <a:bodyPr wrap="square">
-            <a:spAutoFit/>
-          </a:bodyPr>
-          <a:lstStyle/>
-          <a:p>
-            <a:pPr marL="366713" lvl="1" indent="0">
-              <a:buNone/>
-            </a:pPr>
-            <a:r>
-              <a:rPr lang="en-US" sz="1900" b="1" dirty="0" smtClean="0"/>
-              <a:t>Core Component</a:t>
-            </a:r>
-          </a:p>
-          <a:p>
-            <a:pPr marL="366713" lvl="1" indent="0">
-              <a:buNone/>
-            </a:pPr>
-            <a:endParaRPr lang="en-US" sz="1900" dirty="0" smtClean="0">
-              <a:solidFill>
-                <a:srgbClr val="FF0000"/>
-              </a:solidFill>
-            </a:endParaRPr>
-          </a:p>
-          <a:p>
-            <a:pPr marL="366713" lvl="1" indent="0">
-              <a:buNone/>
-            </a:pPr>
-            <a:r>
-              <a:rPr lang="en-US" sz="1900" dirty="0" smtClean="0">
-                <a:solidFill>
-                  <a:srgbClr val="FF0000"/>
-                </a:solidFill>
-              </a:rPr>
-              <a:t>The </a:t>
-            </a:r>
-            <a:r>
-              <a:rPr lang="en-US" sz="1900" dirty="0">
-                <a:solidFill>
-                  <a:srgbClr val="FF0000"/>
-                </a:solidFill>
-              </a:rPr>
-              <a:t>core component</a:t>
-            </a:r>
-            <a:r>
-              <a:rPr lang="en-US" sz="1900" b="1" dirty="0">
-                <a:solidFill>
-                  <a:srgbClr val="FF0000"/>
-                </a:solidFill>
-              </a:rPr>
-              <a:t> </a:t>
-            </a:r>
-            <a:r>
-              <a:rPr lang="en-US" sz="1900" dirty="0">
-                <a:solidFill>
-                  <a:srgbClr val="FF0000"/>
-                </a:solidFill>
-              </a:rPr>
-              <a:t>of the model is the Cuckoo Search Optimization-based component which is defined by mapping the concepts from the state of the art Cuckoo Search Optimization algorithm to the concepts associated to the problem of generating the optimal combination of food packages for the meals of the day as follows.</a:t>
-            </a:r>
-          </a:p>
-        </p:txBody>
-      </p:sp>
-    </p:spTree>
-    <p:extLst>
-      <p:ext uri="{BB962C8B-B14F-4D97-AF65-F5344CB8AC3E}">
-        <p14:creationId xmlns:p14="http://schemas.microsoft.com/office/powerpoint/2010/main" val="1577601598"/>
-      </p:ext>
-    </p:extLst>
-  </p:cSld>
-  <p:clrMapOvr>
-    <a:masterClrMapping/>
-  </p:clrMapOvr>
-  <p:timing>
-    <p:tnLst>
-      <p:par>
-        <p:cTn id="1" dur="indefinite" restart="never" nodeType="tmRoot"/>
-      </p:par>
-    </p:tnLst>
-  </p:timing>
-</p:sld>
-</file>
-
-<file path=ppt/slides/slide18.xml><?xml version="1.0" encoding="utf-8"?>
-<p:sld xmlns:a="http://schemas.openxmlformats.org/drawingml/2006/main" xmlns:r="http://schemas.openxmlformats.org/officeDocument/2006/relationships" xmlns:p="http://schemas.openxmlformats.org/presentationml/2006/main">
-  <p:cSld>
-    <p:spTree>
-      <p:nvGrpSpPr>
-        <p:cNvPr id="1" name=""/>
-        <p:cNvGrpSpPr/>
-        <p:nvPr/>
-      </p:nvGrpSpPr>
-      <p:grpSpPr>
-        <a:xfrm>
-          <a:off x="0" y="0"/>
-          <a:ext cx="0" cy="0"/>
-          <a:chOff x="0" y="0"/>
-          <a:chExt cx="0" cy="0"/>
-        </a:xfrm>
-      </p:grpSpPr>
-      <p:sp>
-        <p:nvSpPr>
-          <p:cNvPr id="7171" name="Content Placeholder 3"/>
-          <p:cNvSpPr>
-            <a:spLocks noGrp="1"/>
-          </p:cNvSpPr>
-          <p:nvPr>
-            <p:ph sz="quarter" idx="1"/>
-          </p:nvPr>
-        </p:nvSpPr>
-        <p:spPr>
-          <a:xfrm>
-            <a:off x="612775" y="1600200"/>
-            <a:ext cx="8153400" cy="4495800"/>
-          </a:xfrm>
-        </p:spPr>
-        <p:txBody>
-          <a:bodyPr/>
-          <a:lstStyle/>
-          <a:p>
-            <a:endParaRPr lang="ro-RO" sz="2100" dirty="0" smtClean="0"/>
-          </a:p>
-          <a:p>
-            <a:endParaRPr lang="ro-RO" sz="2100" dirty="0" smtClean="0"/>
-          </a:p>
-          <a:p>
-            <a:endParaRPr lang="ro-RO" sz="2100" dirty="0" smtClean="0"/>
-          </a:p>
-          <a:p>
-            <a:pPr>
-              <a:buNone/>
-            </a:pPr>
-            <a:endParaRPr lang="ro-RO" sz="1800" dirty="0" smtClean="0"/>
-          </a:p>
-          <a:p>
-            <a:pPr lvl="1">
-              <a:buNone/>
-            </a:pPr>
-            <a:endParaRPr lang="vi-VN" sz="2100" dirty="0" smtClean="0"/>
-          </a:p>
-          <a:p>
-            <a:pPr lvl="1" eaLnBrk="1" hangingPunct="1"/>
-            <a:endParaRPr lang="en-US" sz="2100" b="1" dirty="0" smtClean="0">
-              <a:latin typeface="Arial" pitchFamily="34" charset="0"/>
-              <a:cs typeface="Arial" pitchFamily="34" charset="0"/>
-            </a:endParaRPr>
-          </a:p>
-        </p:txBody>
-      </p:sp>
-      <p:sp>
-        <p:nvSpPr>
-          <p:cNvPr id="7172" name="Slide Number Placeholder 2"/>
-          <p:cNvSpPr>
-            <a:spLocks noGrp="1"/>
-          </p:cNvSpPr>
-          <p:nvPr>
-            <p:ph type="sldNum" sz="quarter" idx="10"/>
-          </p:nvPr>
-        </p:nvSpPr>
-        <p:spPr bwMode="auto">
-          <a:noFill/>
-          <a:ln>
-            <a:miter lim="800000"/>
-            <a:headEnd/>
-            <a:tailEnd/>
-          </a:ln>
-        </p:spPr>
-        <p:txBody>
-          <a:bodyPr vert="horz" wrap="square" lIns="91440" tIns="45720" rIns="91440" bIns="45720" numCol="1" anchor="t" anchorCtr="0" compatLnSpc="1">
-            <a:prstTxWarp prst="textNoShape">
-              <a:avLst/>
-            </a:prstTxWarp>
-          </a:bodyPr>
-          <a:lstStyle/>
-          <a:p>
-            <a:pPr fontAlgn="base">
-              <a:spcBef>
-                <a:spcPct val="0"/>
-              </a:spcBef>
-              <a:spcAft>
-                <a:spcPct val="0"/>
-              </a:spcAft>
-            </a:pPr>
-            <a:fld id="{FEB3FF15-7694-4C79-A17C-C5F32E1F8115}" type="slidenum">
-              <a:rPr lang="en-US" smtClean="0"/>
-              <a:pPr fontAlgn="base">
-                <a:spcBef>
-                  <a:spcPct val="0"/>
-                </a:spcBef>
-                <a:spcAft>
-                  <a:spcPct val="0"/>
-                </a:spcAft>
-              </a:pPr>
-              <a:t>18</a:t>
-            </a:fld>
-            <a:endParaRPr lang="en-US" smtClean="0"/>
-          </a:p>
-        </p:txBody>
-      </p:sp>
       <p:graphicFrame>
         <p:nvGraphicFramePr>
           <p:cNvPr id="5" name="Table 4"/>
@@ -15008,14 +14483,14 @@
           <p:nvPr>
             <p:extLst>
               <p:ext uri="{D42A27DB-BD31-4B8C-83A1-F6EECF244321}">
-                <p14:modId xmlns:p14="http://schemas.microsoft.com/office/powerpoint/2010/main" val="53448042"/>
+                <p14:modId xmlns:p14="http://schemas.microsoft.com/office/powerpoint/2010/main" val="543954526"/>
               </p:ext>
             </p:extLst>
           </p:nvPr>
         </p:nvGraphicFramePr>
         <p:xfrm>
-          <a:off x="179512" y="1628799"/>
-          <a:ext cx="8744272" cy="4716537"/>
+          <a:off x="179512" y="2132856"/>
+          <a:ext cx="8712968" cy="4214232"/>
         </p:xfrm>
         <a:graphic>
           <a:graphicData uri="http://schemas.openxmlformats.org/drawingml/2006/table">
@@ -15024,10 +14499,10 @@
                 <a:tableStyleId>{5940675A-B579-460E-94D1-54222C63F5DA}</a:tableStyleId>
               </a:tblPr>
               <a:tblGrid>
-                <a:gridCol w="1872208"/>
-                <a:gridCol w="6872064"/>
+                <a:gridCol w="1865506"/>
+                <a:gridCol w="6847462"/>
               </a:tblGrid>
-              <a:tr h="390190">
+              <a:tr h="432049">
                 <a:tc>
                   <a:txBody>
                     <a:bodyPr/>
@@ -15087,7 +14562,7 @@
                   <a:tcPr marL="68580" marR="68580" marT="0" marB="0" anchor="ctr"/>
                 </a:tc>
               </a:tr>
-              <a:tr h="0">
+              <a:tr h="432048">
                 <a:tc>
                   <a:txBody>
                     <a:bodyPr/>
@@ -15210,7 +14685,7 @@
                   <a:tcPr marL="68580" marR="68580" marT="0" marB="0"/>
                 </a:tc>
               </a:tr>
-              <a:tr h="220509">
+              <a:tr h="216024">
                 <a:tc>
                   <a:txBody>
                     <a:bodyPr/>
@@ -15289,7 +14764,7 @@
                   <a:tcPr marL="68580" marR="68580" marT="0" marB="0"/>
                 </a:tc>
               </a:tr>
-              <a:tr h="912428">
+              <a:tr h="648072">
                 <a:tc>
                   <a:txBody>
                     <a:bodyPr/>
@@ -15377,14 +14852,28 @@
                           <a:latin typeface="Arial" pitchFamily="34" charset="0"/>
                           <a:cs typeface="Arial" pitchFamily="34" charset="0"/>
                         </a:rPr>
-                        <a:t> containing all the 5 meals of a day. Each nest contains exactly 5 eggs which correspond to the meals of a day: breakfast, lunch, dinner, snack1 and </a:t>
+                        <a:t> containing all the 5 meals of a day. Each nest contains </a:t>
                       </a:r>
                       <a:r>
                         <a:rPr lang="en-US" sz="1800" baseline="0" dirty="0" smtClean="0">
                           <a:latin typeface="Arial" pitchFamily="34" charset="0"/>
                           <a:cs typeface="Arial" pitchFamily="34" charset="0"/>
                         </a:rPr>
-                        <a:t>snack2</a:t>
+                        <a:t>5 </a:t>
+                      </a:r>
+                      <a:r>
+                        <a:rPr lang="en-US" sz="1800" baseline="0" dirty="0" smtClean="0">
+                          <a:latin typeface="Arial" pitchFamily="34" charset="0"/>
+                          <a:cs typeface="Arial" pitchFamily="34" charset="0"/>
+                        </a:rPr>
+                        <a:t>eggs which correspond to the meals of a day: breakfast, lunch, </a:t>
+                      </a:r>
+                      <a:r>
+                        <a:rPr lang="en-US" sz="1800" baseline="0" dirty="0" err="1" smtClean="0">
+                          <a:latin typeface="Arial" pitchFamily="34" charset="0"/>
+                          <a:cs typeface="Arial" pitchFamily="34" charset="0"/>
+                        </a:rPr>
+                        <a:t>etc</a:t>
                       </a:r>
                       <a:endParaRPr lang="en-US" sz="1800" dirty="0" smtClean="0">
                         <a:latin typeface="Arial" pitchFamily="34" charset="0"/>
@@ -15395,7 +14884,7 @@
                   <a:tcPr marL="68580" marR="68580" marT="0" marB="0"/>
                 </a:tc>
               </a:tr>
-              <a:tr h="373280">
+              <a:tr h="432048">
                 <a:tc>
                   <a:txBody>
                     <a:bodyPr/>
@@ -15507,7 +14996,7 @@
                   <a:tcPr marL="68580" marR="68580" marT="0" marB="0"/>
                 </a:tc>
               </a:tr>
-              <a:tr h="524393">
+              <a:tr h="384017">
                 <a:tc>
                   <a:txBody>
                     <a:bodyPr/>
@@ -15607,7 +15096,7 @@
                   <a:tcPr marL="68580" marR="68580" marT="0" marB="0"/>
                 </a:tc>
               </a:tr>
-              <a:tr h="786589">
+              <a:tr h="432048">
                 <a:tc>
                   <a:txBody>
                     <a:bodyPr/>
@@ -15670,7 +15159,7 @@
                   <a:tcPr marL="68580" marR="68580" marT="0" marB="0"/>
                 </a:tc>
               </a:tr>
-              <a:tr h="361578">
+              <a:tr h="0">
                 <a:tc>
                   <a:txBody>
                     <a:bodyPr/>
@@ -15754,7 +15243,7 @@
       </p:graphicFrame>
       <p:sp>
         <p:nvSpPr>
-          <p:cNvPr id="10" name="Title 1"/>
+          <p:cNvPr id="7" name="Title 1"/>
           <p:cNvSpPr>
             <a:spLocks noGrp="1"/>
           </p:cNvSpPr>
@@ -15764,28 +15253,15 @@
         </p:nvSpPr>
         <p:spPr>
           <a:xfrm>
-            <a:off x="0" y="0"/>
-            <a:ext cx="9144000" cy="1295400"/>
+            <a:off x="0" y="66660"/>
+            <a:ext cx="9144000" cy="1219200"/>
           </a:xfrm>
         </p:spPr>
         <p:txBody>
           <a:bodyPr/>
           <a:lstStyle/>
           <a:p>
-            <a:pPr lvl="1" algn="ctr" eaLnBrk="1" hangingPunct="1"/>
-            <a:r>
-              <a:rPr lang="ro-RO" dirty="0" smtClean="0">
-                <a:latin typeface="Arial" pitchFamily="34" charset="0"/>
-                <a:cs typeface="Arial" pitchFamily="34" charset="0"/>
-              </a:rPr>
-              <a:t/>
-            </a:r>
-            <a:br>
-              <a:rPr lang="ro-RO" dirty="0" smtClean="0">
-                <a:latin typeface="Arial" pitchFamily="34" charset="0"/>
-                <a:cs typeface="Arial" pitchFamily="34" charset="0"/>
-              </a:rPr>
-            </a:br>
+            <a:pPr algn="ctr"/>
             <a:r>
               <a:rPr lang="en-US" sz="3000" dirty="0" smtClean="0">
                 <a:latin typeface="Arial" pitchFamily="34" charset="0"/>
@@ -15793,36 +15269,292 @@
               </a:rPr>
               <a:t>Cuckoo Search Technique</a:t>
             </a:r>
+            <a:r>
+              <a:rPr lang="en-US" sz="3000" dirty="0">
+                <a:latin typeface="Arial" pitchFamily="34" charset="0"/>
+                <a:cs typeface="Arial" pitchFamily="34" charset="0"/>
+              </a:rPr>
+              <a:t/>
+            </a:r>
             <a:br>
+              <a:rPr lang="en-US" sz="3000" dirty="0">
+                <a:latin typeface="Arial" pitchFamily="34" charset="0"/>
+                <a:cs typeface="Arial" pitchFamily="34" charset="0"/>
+              </a:rPr>
+            </a:br>
+            <a:r>
+              <a:rPr lang="en-US" sz="2000" dirty="0" smtClean="0"/>
+              <a:t>Cuckoo Search Model</a:t>
+            </a:r>
+            <a:endParaRPr lang="ro-RO" sz="2000" dirty="0" smtClean="0"/>
+          </a:p>
+        </p:txBody>
+      </p:sp>
+    </p:spTree>
+  </p:cSld>
+  <p:clrMapOvr>
+    <a:masterClrMapping/>
+  </p:clrMapOvr>
+  <p:timing>
+    <p:tnLst>
+      <p:par>
+        <p:cTn id="1" dur="indefinite" restart="never" nodeType="tmRoot"/>
+      </p:par>
+    </p:tnLst>
+  </p:timing>
+</p:sld>
+</file>
+
+<file path=ppt/slides/slide18.xml><?xml version="1.0" encoding="utf-8"?>
+<p:sld xmlns:a="http://schemas.openxmlformats.org/drawingml/2006/main" xmlns:r="http://schemas.openxmlformats.org/officeDocument/2006/relationships" xmlns:p="http://schemas.openxmlformats.org/presentationml/2006/main">
+  <p:cSld>
+    <p:spTree>
+      <p:nvGrpSpPr>
+        <p:cNvPr id="1" name=""/>
+        <p:cNvGrpSpPr/>
+        <p:nvPr/>
+      </p:nvGrpSpPr>
+      <p:grpSpPr>
+        <a:xfrm>
+          <a:off x="0" y="0"/>
+          <a:ext cx="0" cy="0"/>
+          <a:chOff x="0" y="0"/>
+          <a:chExt cx="0" cy="0"/>
+        </a:xfrm>
+      </p:grpSpPr>
+      <p:sp>
+        <p:nvSpPr>
+          <p:cNvPr id="11266" name="Title 1"/>
+          <p:cNvSpPr>
+            <a:spLocks noGrp="1"/>
+          </p:cNvSpPr>
+          <p:nvPr>
+            <p:ph type="title"/>
+          </p:nvPr>
+        </p:nvSpPr>
+        <p:spPr>
+          <a:xfrm>
+            <a:off x="0" y="66660"/>
+            <a:ext cx="9144000" cy="1219200"/>
+          </a:xfrm>
+        </p:spPr>
+        <p:txBody>
+          <a:bodyPr/>
+          <a:lstStyle/>
+          <a:p>
+            <a:pPr algn="ctr"/>
+            <a:r>
               <a:rPr lang="en-US" sz="3000" dirty="0" smtClean="0">
                 <a:latin typeface="Arial" pitchFamily="34" charset="0"/>
                 <a:cs typeface="Arial" pitchFamily="34" charset="0"/>
               </a:rPr>
-            </a:br>
-            <a:r>
-              <a:rPr lang="en-US" sz="2000" dirty="0" smtClean="0">
+              <a:t>Cuckoo Search Technique</a:t>
+            </a:r>
+            <a:r>
+              <a:rPr lang="en-US" sz="3000" dirty="0">
                 <a:latin typeface="Arial" pitchFamily="34" charset="0"/>
                 <a:cs typeface="Arial" pitchFamily="34" charset="0"/>
               </a:rPr>
-              <a:t>Cuckoo Search Model</a:t>
-            </a:r>
-            <a:r>
-              <a:rPr lang="ro-RO" sz="1900" dirty="0">
+              <a:t/>
+            </a:r>
+            <a:br>
+              <a:rPr lang="en-US" sz="3000" dirty="0">
                 <a:latin typeface="Arial" pitchFamily="34" charset="0"/>
                 <a:cs typeface="Arial" pitchFamily="34" charset="0"/>
               </a:rPr>
-              <a:t/>
-            </a:r>
-            <a:br>
-              <a:rPr lang="ro-RO" sz="1900" dirty="0">
-                <a:latin typeface="Arial" pitchFamily="34" charset="0"/>
-                <a:cs typeface="Arial" pitchFamily="34" charset="0"/>
-              </a:rPr>
             </a:br>
-            <a:endParaRPr lang="en-US" dirty="0" smtClean="0">
-              <a:latin typeface="Arial" pitchFamily="34" charset="0"/>
-              <a:cs typeface="Arial" pitchFamily="34" charset="0"/>
-            </a:endParaRPr>
+            <a:r>
+              <a:rPr lang="en-US" sz="2000" dirty="0" smtClean="0"/>
+              <a:t>Cuckoo Search Model</a:t>
+            </a:r>
+            <a:endParaRPr lang="ro-RO" sz="1900" dirty="0" smtClean="0"/>
+          </a:p>
+        </p:txBody>
+      </p:sp>
+      <p:sp>
+        <p:nvSpPr>
+          <p:cNvPr id="11267" name="Slide Number Placeholder 3"/>
+          <p:cNvSpPr>
+            <a:spLocks noGrp="1"/>
+          </p:cNvSpPr>
+          <p:nvPr>
+            <p:ph type="sldNum" sz="quarter" idx="10"/>
+          </p:nvPr>
+        </p:nvSpPr>
+        <p:spPr bwMode="auto">
+          <a:noFill/>
+          <a:ln>
+            <a:miter lim="800000"/>
+            <a:headEnd/>
+            <a:tailEnd/>
+          </a:ln>
+        </p:spPr>
+        <p:txBody>
+          <a:bodyPr vert="horz" wrap="square" lIns="91440" tIns="45720" rIns="91440" bIns="45720" numCol="1" anchor="t" anchorCtr="0" compatLnSpc="1">
+            <a:prstTxWarp prst="textNoShape">
+              <a:avLst/>
+            </a:prstTxWarp>
+          </a:bodyPr>
+          <a:lstStyle/>
+          <a:p>
+            <a:pPr fontAlgn="base">
+              <a:spcBef>
+                <a:spcPct val="0"/>
+              </a:spcBef>
+              <a:spcAft>
+                <a:spcPct val="0"/>
+              </a:spcAft>
+            </a:pPr>
+            <a:fld id="{6245D18A-00F3-448E-B279-505B59EC394C}" type="slidenum">
+              <a:rPr lang="en-US" smtClean="0"/>
+              <a:pPr fontAlgn="base">
+                <a:spcBef>
+                  <a:spcPct val="0"/>
+                </a:spcBef>
+                <a:spcAft>
+                  <a:spcPct val="0"/>
+                </a:spcAft>
+              </a:pPr>
+              <a:t>18</a:t>
+            </a:fld>
+            <a:endParaRPr lang="en-US" smtClean="0"/>
+          </a:p>
+        </p:txBody>
+      </p:sp>
+      <p:sp>
+        <p:nvSpPr>
+          <p:cNvPr id="2" name="Content Placeholder 1"/>
+          <p:cNvSpPr>
+            <a:spLocks noGrp="1"/>
+          </p:cNvSpPr>
+          <p:nvPr>
+            <p:ph sz="quarter" idx="1"/>
+          </p:nvPr>
+        </p:nvSpPr>
+        <p:spPr>
+          <a:xfrm>
+            <a:off x="251520" y="1524000"/>
+            <a:ext cx="8816280" cy="4857328"/>
+          </a:xfrm>
+        </p:spPr>
+        <p:txBody>
+          <a:bodyPr/>
+          <a:lstStyle/>
+          <a:p>
+            <a:pPr marL="0" lvl="1" indent="0">
+              <a:spcBef>
+                <a:spcPts val="700"/>
+              </a:spcBef>
+              <a:buClr>
+                <a:schemeClr val="accent2"/>
+              </a:buClr>
+              <a:buSzPct val="60000"/>
+              <a:buNone/>
+            </a:pPr>
+            <a:r>
+              <a:rPr lang="en-US" sz="1900" b="1" dirty="0" smtClean="0"/>
+              <a:t>Hybridization Components</a:t>
+            </a:r>
+          </a:p>
+          <a:p>
+            <a:pPr lvl="1"/>
+            <a:r>
+              <a:rPr lang="en-US" sz="1900" dirty="0" smtClean="0"/>
+              <a:t>For the Cuckoo Generation Strategy</a:t>
+            </a:r>
+          </a:p>
+          <a:p>
+            <a:pPr lvl="2"/>
+            <a:r>
+              <a:rPr lang="en-US" sz="1900" dirty="0" smtClean="0"/>
+              <a:t>Random </a:t>
+            </a:r>
+            <a:r>
+              <a:rPr lang="en-US" sz="1900" b="1" dirty="0" smtClean="0"/>
+              <a:t>Levy Flights</a:t>
+            </a:r>
+            <a:r>
+              <a:rPr lang="en-US" sz="1900" dirty="0" smtClean="0"/>
+              <a:t> Solution Generation</a:t>
+            </a:r>
+          </a:p>
+          <a:p>
+            <a:pPr lvl="2"/>
+            <a:r>
+              <a:rPr lang="en-US" sz="1900" b="1" dirty="0" smtClean="0"/>
+              <a:t>Crossover</a:t>
+            </a:r>
+            <a:r>
+              <a:rPr lang="en-US" sz="1900" dirty="0" smtClean="0"/>
+              <a:t> between selected nest and best nest</a:t>
+            </a:r>
+          </a:p>
+          <a:p>
+            <a:pPr lvl="2"/>
+            <a:r>
+              <a:rPr lang="en-US" sz="1900" b="1" dirty="0" err="1" smtClean="0"/>
+              <a:t>Tabu</a:t>
+            </a:r>
+            <a:r>
+              <a:rPr lang="en-US" sz="1900" b="1" dirty="0" smtClean="0"/>
+              <a:t> Search</a:t>
+            </a:r>
+            <a:r>
+              <a:rPr lang="en-US" sz="1900" dirty="0" smtClean="0"/>
+              <a:t> heuristic applied on current nest</a:t>
+            </a:r>
+          </a:p>
+          <a:p>
+            <a:pPr lvl="1"/>
+            <a:r>
+              <a:rPr lang="en-US" sz="1900" dirty="0" smtClean="0"/>
+              <a:t>For the New Nest Generation Strategy</a:t>
+            </a:r>
+          </a:p>
+          <a:p>
+            <a:pPr lvl="2"/>
+            <a:r>
+              <a:rPr lang="en-US" sz="1900" dirty="0"/>
+              <a:t>Random </a:t>
+            </a:r>
+            <a:r>
+              <a:rPr lang="en-US" sz="1900" b="1" dirty="0"/>
+              <a:t>Levy Flights</a:t>
+            </a:r>
+            <a:r>
+              <a:rPr lang="en-US" sz="1900" dirty="0"/>
+              <a:t> Solution Generation</a:t>
+            </a:r>
+          </a:p>
+          <a:p>
+            <a:pPr lvl="2"/>
+            <a:r>
+              <a:rPr lang="en-US" sz="1900" b="1" dirty="0"/>
+              <a:t>Crossover</a:t>
+            </a:r>
+            <a:r>
+              <a:rPr lang="en-US" sz="1900" dirty="0"/>
+              <a:t> between selected nest and best nest</a:t>
+            </a:r>
+          </a:p>
+          <a:p>
+            <a:pPr lvl="2"/>
+            <a:r>
+              <a:rPr lang="en-US" sz="1900" b="1" dirty="0" smtClean="0"/>
+              <a:t>Hill Climbing </a:t>
+            </a:r>
+            <a:r>
+              <a:rPr lang="en-US" sz="1900" dirty="0" smtClean="0"/>
+              <a:t>heuristic </a:t>
+            </a:r>
+            <a:r>
+              <a:rPr lang="en-US" sz="1900" dirty="0"/>
+              <a:t>applied on current nest</a:t>
+            </a:r>
+          </a:p>
+          <a:p>
+            <a:pPr lvl="2"/>
+            <a:endParaRPr lang="en-US" dirty="0"/>
           </a:p>
         </p:txBody>
       </p:sp>
@@ -15860,55 +15592,6 @@
       </p:grpSpPr>
       <p:sp>
         <p:nvSpPr>
-          <p:cNvPr id="11266" name="Title 1"/>
-          <p:cNvSpPr>
-            <a:spLocks noGrp="1"/>
-          </p:cNvSpPr>
-          <p:nvPr>
-            <p:ph type="title"/>
-          </p:nvPr>
-        </p:nvSpPr>
-        <p:spPr>
-          <a:xfrm>
-            <a:off x="0" y="66660"/>
-            <a:ext cx="9144000" cy="1219200"/>
-          </a:xfrm>
-        </p:spPr>
-        <p:txBody>
-          <a:bodyPr/>
-          <a:lstStyle/>
-          <a:p>
-            <a:pPr algn="ctr"/>
-            <a:r>
-              <a:rPr lang="en-US" sz="3000" dirty="0" smtClean="0">
-                <a:latin typeface="Arial" pitchFamily="34" charset="0"/>
-                <a:cs typeface="Arial" pitchFamily="34" charset="0"/>
-              </a:rPr>
-              <a:t>Cuckoo Search Technique</a:t>
-            </a:r>
-            <a:r>
-              <a:rPr lang="en-US" sz="3000" dirty="0">
-                <a:latin typeface="Arial" pitchFamily="34" charset="0"/>
-                <a:cs typeface="Arial" pitchFamily="34" charset="0"/>
-              </a:rPr>
-              <a:t/>
-            </a:r>
-            <a:br>
-              <a:rPr lang="en-US" sz="3000" dirty="0">
-                <a:latin typeface="Arial" pitchFamily="34" charset="0"/>
-                <a:cs typeface="Arial" pitchFamily="34" charset="0"/>
-              </a:rPr>
-            </a:br>
-            <a:r>
-              <a:rPr lang="en-US" sz="1900" dirty="0" smtClean="0"/>
-              <a:t>Cuckoo Search Model</a:t>
-            </a:r>
-            <a:endParaRPr lang="ro-RO" sz="1900" dirty="0" smtClean="0"/>
-          </a:p>
-        </p:txBody>
-      </p:sp>
-      <p:sp>
-        <p:nvSpPr>
           <p:cNvPr id="11267" name="Slide Number Placeholder 3"/>
           <p:cNvSpPr>
             <a:spLocks noGrp="1"/>
@@ -15969,15 +15652,15 @@
         </p:nvSpPr>
         <p:spPr>
           <a:xfrm>
-            <a:off x="251520" y="1524000"/>
-            <a:ext cx="8816280" cy="4857328"/>
+            <a:off x="0" y="1524000"/>
+            <a:ext cx="9067800" cy="4857328"/>
           </a:xfrm>
         </p:spPr>
         <p:txBody>
           <a:bodyPr/>
           <a:lstStyle/>
           <a:p>
-            <a:pPr marL="0" lvl="1" indent="0">
+            <a:pPr marL="319088" lvl="1" indent="-319088">
               <a:spcBef>
                 <a:spcPts val="700"/>
               </a:spcBef>
@@ -15985,108 +15668,207 @@
                 <a:schemeClr val="accent2"/>
               </a:buClr>
               <a:buSzPct val="60000"/>
-              <a:buNone/>
+              <a:buFont typeface="Courier New" pitchFamily="49" charset="0"/>
+              <a:buChar char="o"/>
             </a:pPr>
             <a:r>
               <a:rPr lang="en-US" sz="1900" b="1" dirty="0" smtClean="0"/>
-              <a:t>Hybridization Components</a:t>
-            </a:r>
-          </a:p>
-          <a:p>
-            <a:pPr lvl="1"/>
+              <a:t>Input</a:t>
+            </a:r>
             <a:r>
               <a:rPr lang="en-US" sz="1900" dirty="0" smtClean="0"/>
-              <a:t>For the Cuckoo Generation Strategy</a:t>
-            </a:r>
-          </a:p>
-          <a:p>
-            <a:pPr lvl="2"/>
+              <a:t>:</a:t>
+            </a:r>
+          </a:p>
+          <a:p>
+            <a:pPr marL="593725" lvl="2" indent="-319088">
+              <a:spcBef>
+                <a:spcPts val="700"/>
+              </a:spcBef>
+              <a:buSzPct val="60000"/>
+            </a:pPr>
             <a:r>
               <a:rPr lang="en-US" sz="1900" dirty="0" smtClean="0"/>
-              <a:t>Random </a:t>
-            </a:r>
+              <a:t>Cuckoo Search Optimization</a:t>
+            </a:r>
+          </a:p>
+          <a:p>
+            <a:pPr marL="1050925" lvl="3" indent="-319088">
+              <a:spcBef>
+                <a:spcPts val="700"/>
+              </a:spcBef>
+              <a:buSzPct val="60000"/>
+            </a:pPr>
+            <a:r>
+              <a:rPr lang="en-US" sz="1600" dirty="0" err="1" smtClean="0"/>
+              <a:t>nestNumber</a:t>
+            </a:r>
+            <a:r>
+              <a:rPr lang="en-US" sz="1600" dirty="0" smtClean="0"/>
+              <a:t> – represents the number of nests</a:t>
+            </a:r>
+          </a:p>
+          <a:p>
+            <a:pPr marL="1050925" lvl="3" indent="-319088">
+              <a:spcBef>
+                <a:spcPts val="700"/>
+              </a:spcBef>
+              <a:buSzPct val="60000"/>
+            </a:pPr>
+            <a:r>
+              <a:rPr lang="en-US" sz="1600" dirty="0" err="1" smtClean="0"/>
+              <a:t>maxIterations</a:t>
+            </a:r>
+            <a:r>
+              <a:rPr lang="en-US" sz="1600" dirty="0" smtClean="0"/>
+              <a:t> – represents the maximum number of iterations</a:t>
+            </a:r>
+          </a:p>
+          <a:p>
+            <a:pPr marL="1050925" lvl="3" indent="-319088">
+              <a:spcBef>
+                <a:spcPts val="700"/>
+              </a:spcBef>
+              <a:buSzPct val="60000"/>
+            </a:pPr>
+            <a:r>
+              <a:rPr lang="en-US" sz="1600" dirty="0" smtClean="0"/>
+              <a:t>PA – is the coefficient by which a host bird discovers the intrusion</a:t>
+            </a:r>
+          </a:p>
+          <a:p>
+            <a:pPr marL="593725" lvl="2" indent="-319088">
+              <a:spcBef>
+                <a:spcPts val="700"/>
+              </a:spcBef>
+              <a:buSzPct val="60000"/>
+            </a:pPr>
+            <a:r>
+              <a:rPr lang="en-US" sz="1900" dirty="0" smtClean="0"/>
+              <a:t>Hill Climbing Heuristic</a:t>
+            </a:r>
+          </a:p>
+          <a:p>
+            <a:pPr marL="1050925" lvl="3" indent="-319088">
+              <a:spcBef>
+                <a:spcPts val="700"/>
+              </a:spcBef>
+              <a:buSzPct val="60000"/>
+            </a:pPr>
+            <a:r>
+              <a:rPr lang="en-US" sz="1600" dirty="0" err="1" smtClean="0"/>
+              <a:t>hillNeighSize</a:t>
+            </a:r>
+            <a:r>
+              <a:rPr lang="en-US" sz="1600" dirty="0" smtClean="0"/>
+              <a:t> – size of Hill Climbing neighborhood</a:t>
+            </a:r>
+          </a:p>
+          <a:p>
+            <a:pPr marL="593725" lvl="2" indent="-319088">
+              <a:spcBef>
+                <a:spcPts val="700"/>
+              </a:spcBef>
+              <a:buSzPct val="60000"/>
+            </a:pPr>
+            <a:r>
+              <a:rPr lang="en-US" sz="1900" dirty="0" err="1" smtClean="0"/>
+              <a:t>Tabu</a:t>
+            </a:r>
+            <a:r>
+              <a:rPr lang="en-US" sz="1900" dirty="0" smtClean="0"/>
+              <a:t> Search Heuristic</a:t>
+            </a:r>
+          </a:p>
+          <a:p>
+            <a:pPr marL="1050925" lvl="3" indent="-319088">
+              <a:spcBef>
+                <a:spcPts val="700"/>
+              </a:spcBef>
+              <a:buSzPct val="60000"/>
+            </a:pPr>
+            <a:r>
+              <a:rPr lang="en-US" sz="1600" dirty="0" err="1" smtClean="0"/>
+              <a:t>maxIterations</a:t>
+            </a:r>
+            <a:r>
+              <a:rPr lang="en-US" sz="1600" dirty="0" smtClean="0"/>
+              <a:t> – max number of iterations</a:t>
+            </a:r>
+          </a:p>
+          <a:p>
+            <a:pPr marL="1050925" lvl="3" indent="-319088">
+              <a:spcBef>
+                <a:spcPts val="700"/>
+              </a:spcBef>
+              <a:buSzPct val="60000"/>
+            </a:pPr>
+            <a:r>
+              <a:rPr lang="en-US" sz="1600" dirty="0" err="1" smtClean="0"/>
+              <a:t>tabuSize</a:t>
+            </a:r>
+            <a:r>
+              <a:rPr lang="en-US" sz="1600" dirty="0" smtClean="0"/>
+              <a:t> – size of </a:t>
+            </a:r>
+            <a:r>
+              <a:rPr lang="en-US" sz="1600" dirty="0" err="1" smtClean="0"/>
+              <a:t>tabu</a:t>
+            </a:r>
+            <a:r>
+              <a:rPr lang="en-US" sz="1600" dirty="0" smtClean="0"/>
+              <a:t> search</a:t>
+            </a:r>
+          </a:p>
+          <a:p>
+            <a:pPr marL="1050925" lvl="3" indent="-319088">
+              <a:spcBef>
+                <a:spcPts val="700"/>
+              </a:spcBef>
+              <a:buSzPct val="60000"/>
+            </a:pPr>
+            <a:r>
+              <a:rPr lang="en-US" sz="1600" dirty="0" err="1" smtClean="0"/>
+              <a:t>tabuNeighSize</a:t>
+            </a:r>
+            <a:r>
+              <a:rPr lang="en-US" sz="1600" dirty="0"/>
+              <a:t> – size </a:t>
+            </a:r>
+            <a:r>
+              <a:rPr lang="en-US" sz="1600" dirty="0" err="1" smtClean="0"/>
+              <a:t>Tabu</a:t>
+            </a:r>
+            <a:r>
+              <a:rPr lang="en-US" sz="1600" dirty="0" smtClean="0"/>
+              <a:t> Search neighborhood</a:t>
+            </a:r>
+            <a:endParaRPr lang="en-US" sz="1600" dirty="0"/>
+          </a:p>
+          <a:p>
+            <a:pPr marL="319088" lvl="1" indent="-319088">
+              <a:spcBef>
+                <a:spcPts val="700"/>
+              </a:spcBef>
+              <a:buSzPct val="60000"/>
+            </a:pPr>
             <a:r>
               <a:rPr lang="en-US" sz="1900" b="1" dirty="0" smtClean="0"/>
-              <a:t>Levy Flights</a:t>
-            </a:r>
+              <a:t>Output</a:t>
+            </a:r>
+          </a:p>
+          <a:p>
+            <a:pPr marL="593725" lvl="2" indent="-319088">
+              <a:spcBef>
+                <a:spcPts val="700"/>
+              </a:spcBef>
+              <a:buSzPct val="60000"/>
+            </a:pPr>
             <a:r>
               <a:rPr lang="en-US" sz="1900" dirty="0" smtClean="0"/>
-              <a:t> Solution Generation</a:t>
-            </a:r>
-          </a:p>
-          <a:p>
-            <a:pPr lvl="2"/>
-            <a:r>
-              <a:rPr lang="en-US" sz="1900" b="1" dirty="0" smtClean="0"/>
-              <a:t>Crossover</a:t>
-            </a:r>
-            <a:r>
-              <a:rPr lang="en-US" sz="1900" dirty="0" smtClean="0"/>
-              <a:t> between selected nest and best nest</a:t>
-            </a:r>
-          </a:p>
-          <a:p>
-            <a:pPr lvl="2"/>
-            <a:r>
-              <a:rPr lang="en-US" sz="1900" b="1" dirty="0" err="1" smtClean="0"/>
-              <a:t>Tabu</a:t>
-            </a:r>
-            <a:r>
-              <a:rPr lang="en-US" sz="1900" b="1" dirty="0" smtClean="0"/>
-              <a:t> Search</a:t>
-            </a:r>
-            <a:r>
-              <a:rPr lang="en-US" sz="1900" dirty="0" smtClean="0"/>
-              <a:t> heuristic applied on current nest</a:t>
-            </a:r>
-          </a:p>
-          <a:p>
-            <a:pPr lvl="1"/>
-            <a:r>
-              <a:rPr lang="en-US" sz="1900" dirty="0" smtClean="0"/>
-              <a:t>For the New Nest Generation Strategy</a:t>
-            </a:r>
-          </a:p>
-          <a:p>
-            <a:pPr lvl="2"/>
-            <a:r>
-              <a:rPr lang="en-US" sz="1900" dirty="0"/>
-              <a:t>Random </a:t>
-            </a:r>
-            <a:r>
-              <a:rPr lang="en-US" sz="1900" b="1" dirty="0"/>
-              <a:t>Levy Flights</a:t>
-            </a:r>
-            <a:r>
-              <a:rPr lang="en-US" sz="1900" dirty="0"/>
-              <a:t> Solution Generation</a:t>
-            </a:r>
-          </a:p>
-          <a:p>
-            <a:pPr lvl="2"/>
-            <a:r>
-              <a:rPr lang="en-US" sz="1900" b="1" dirty="0"/>
-              <a:t>Crossover</a:t>
-            </a:r>
-            <a:r>
-              <a:rPr lang="en-US" sz="1900" dirty="0"/>
-              <a:t> between selected nest and best nest</a:t>
-            </a:r>
-          </a:p>
-          <a:p>
-            <a:pPr lvl="2"/>
-            <a:r>
-              <a:rPr lang="en-US" sz="1900" b="1" dirty="0" smtClean="0"/>
-              <a:t>Hill Climbing </a:t>
-            </a:r>
-            <a:r>
-              <a:rPr lang="en-US" sz="1900" dirty="0" smtClean="0"/>
-              <a:t>heuristic </a:t>
-            </a:r>
-            <a:r>
-              <a:rPr lang="en-US" sz="1900" dirty="0"/>
-              <a:t>applied on current nest</a:t>
-            </a:r>
+              <a:t>Solution – the output will be the best solution that has been reached </a:t>
+            </a:r>
+            <a:endParaRPr lang="en-US" sz="1900" dirty="0"/>
           </a:p>
           <a:p>
             <a:pPr lvl="2"/>
@@ -16094,7 +15876,61 @@
           </a:p>
         </p:txBody>
       </p:sp>
+      <p:sp>
+        <p:nvSpPr>
+          <p:cNvPr id="7" name="Title 1"/>
+          <p:cNvSpPr>
+            <a:spLocks noGrp="1"/>
+          </p:cNvSpPr>
+          <p:nvPr>
+            <p:ph type="title"/>
+          </p:nvPr>
+        </p:nvSpPr>
+        <p:spPr>
+          <a:xfrm>
+            <a:off x="0" y="66660"/>
+            <a:ext cx="9144000" cy="1219200"/>
+          </a:xfrm>
+        </p:spPr>
+        <p:txBody>
+          <a:bodyPr/>
+          <a:lstStyle/>
+          <a:p>
+            <a:pPr algn="ctr"/>
+            <a:r>
+              <a:rPr lang="en-US" sz="3000" dirty="0" smtClean="0">
+                <a:latin typeface="Arial" pitchFamily="34" charset="0"/>
+                <a:cs typeface="Arial" pitchFamily="34" charset="0"/>
+              </a:rPr>
+              <a:t>Cuckoo Search Technique</a:t>
+            </a:r>
+            <a:r>
+              <a:rPr lang="en-US" sz="3000" dirty="0">
+                <a:latin typeface="Arial" pitchFamily="34" charset="0"/>
+                <a:cs typeface="Arial" pitchFamily="34" charset="0"/>
+              </a:rPr>
+              <a:t/>
+            </a:r>
+            <a:br>
+              <a:rPr lang="en-US" sz="3000" dirty="0">
+                <a:latin typeface="Arial" pitchFamily="34" charset="0"/>
+                <a:cs typeface="Arial" pitchFamily="34" charset="0"/>
+              </a:rPr>
+            </a:br>
+            <a:r>
+              <a:rPr lang="en-US" sz="2000" dirty="0" smtClean="0"/>
+              <a:t>Cuckoo Search Algorithm</a:t>
+            </a:r>
+            <a:endParaRPr lang="ro-RO" sz="2000" dirty="0" smtClean="0"/>
+          </a:p>
+        </p:txBody>
+      </p:sp>
     </p:spTree>
+    <p:extLst>
+      <p:ext uri="{BB962C8B-B14F-4D97-AF65-F5344CB8AC3E}">
+        <p14:creationId xmlns:p14="http://schemas.microsoft.com/office/powerpoint/2010/main" val="3863618216"/>
+      </p:ext>
+    </p:extLst>
   </p:cSld>
   <p:clrMapOvr>
     <a:masterClrMapping/>
@@ -16154,10 +15990,6 @@
               </a:rPr>
               <a:t>Agenda</a:t>
             </a:r>
-            <a:endParaRPr lang="en-US" sz="3000" dirty="0" smtClean="0">
-              <a:latin typeface="Arial" pitchFamily="34" charset="0"/>
-              <a:cs typeface="Arial" pitchFamily="34" charset="0"/>
-            </a:endParaRPr>
           </a:p>
         </p:txBody>
       </p:sp>
@@ -16206,13 +16038,6 @@
               </a:rPr>
               <a:t>Objectives and Contributions</a:t>
             </a:r>
-            <a:endParaRPr lang="en-US" sz="2300" dirty="0" smtClean="0">
-              <a:solidFill>
-                <a:schemeClr val="bg1">
-                  <a:lumMod val="65000"/>
-                </a:schemeClr>
-              </a:solidFill>
-            </a:endParaRPr>
           </a:p>
           <a:p>
             <a:pPr eaLnBrk="1" hangingPunct="1"/>
@@ -16429,7 +16254,7 @@
       </p:grpSpPr>
       <p:sp>
         <p:nvSpPr>
-          <p:cNvPr id="11267" name="Slide Number Placeholder 3"/>
+          <p:cNvPr id="7172" name="Slide Number Placeholder 2"/>
           <p:cNvSpPr>
             <a:spLocks noGrp="1"/>
           </p:cNvSpPr>
@@ -16461,7 +16286,7 @@
                 <a:spcPct val="0"/>
               </a:spcAft>
             </a:pPr>
-            <a:fld id="{6245D18A-00F3-448E-B279-505B59EC394C}" type="slidenum">
+            <a:fld id="{FEB3FF15-7694-4C79-A17C-C5F32E1F8115}" type="slidenum">
               <a:rPr lang="en-US" smtClean="0"/>
               <a:pPr fontAlgn="base">
                 <a:spcBef>
@@ -16479,243 +16304,83 @@
       </p:sp>
       <p:sp>
         <p:nvSpPr>
-          <p:cNvPr id="2" name="Content Placeholder 1"/>
+          <p:cNvPr id="104450" name="Rectangle 2"/>
           <p:cNvSpPr>
-            <a:spLocks noGrp="1"/>
-          </p:cNvSpPr>
-          <p:nvPr>
-            <p:ph sz="quarter" idx="1"/>
-          </p:nvPr>
-        </p:nvSpPr>
-        <p:spPr>
+            <a:spLocks noChangeArrowheads="1"/>
+          </p:cNvSpPr>
+          <p:nvPr/>
+        </p:nvSpPr>
+        <p:spPr bwMode="auto">
           <a:xfrm>
-            <a:off x="0" y="1524000"/>
-            <a:ext cx="9067800" cy="4857328"/>
+            <a:off x="0" y="0"/>
+            <a:ext cx="9144000" cy="0"/>
           </a:xfrm>
+          <a:prstGeom prst="rect">
+            <a:avLst/>
+          </a:prstGeom>
+          <a:noFill/>
+          <a:ln w="9525">
+            <a:noFill/>
+            <a:miter lim="800000"/>
+            <a:headEnd/>
+            <a:tailEnd/>
+          </a:ln>
+          <a:effectLst/>
         </p:spPr>
         <p:txBody>
-          <a:bodyPr/>
+          <a:bodyPr vert="horz" wrap="none" lIns="91440" tIns="45720" rIns="91440" bIns="45720" numCol="1" anchor="ctr" anchorCtr="0" compatLnSpc="1">
+            <a:prstTxWarp prst="textNoShape">
+              <a:avLst/>
+            </a:prstTxWarp>
+            <a:spAutoFit/>
+          </a:bodyPr>
           <a:lstStyle/>
           <a:p>
-            <a:pPr marL="319088" lvl="1" indent="-319088">
-              <a:spcBef>
-                <a:spcPts val="700"/>
-              </a:spcBef>
-              <a:buClr>
-                <a:schemeClr val="accent2"/>
-              </a:buClr>
-              <a:buSzPct val="60000"/>
-              <a:buFont typeface="Courier New" pitchFamily="49" charset="0"/>
-              <a:buChar char="o"/>
-            </a:pPr>
-            <a:r>
-              <a:rPr lang="en-US" sz="1900" b="1" dirty="0" smtClean="0"/>
-              <a:t>Input</a:t>
-            </a:r>
-            <a:r>
-              <a:rPr lang="en-US" sz="1900" dirty="0" smtClean="0"/>
-              <a:t>:</a:t>
-            </a:r>
-          </a:p>
-          <a:p>
-            <a:pPr marL="593725" lvl="2" indent="-319088">
-              <a:spcBef>
-                <a:spcPts val="700"/>
-              </a:spcBef>
-              <a:buSzPct val="60000"/>
-            </a:pPr>
-            <a:r>
-              <a:rPr lang="en-US" sz="1800" dirty="0" smtClean="0"/>
-              <a:t>Cuckoo Search Optimization</a:t>
-            </a:r>
-          </a:p>
-          <a:p>
-            <a:pPr marL="1050925" lvl="3" indent="-319088">
-              <a:spcBef>
-                <a:spcPts val="700"/>
-              </a:spcBef>
-              <a:buSzPct val="60000"/>
-            </a:pPr>
-            <a:r>
-              <a:rPr lang="en-US" sz="1600" dirty="0" err="1" smtClean="0"/>
-              <a:t>nestNumber</a:t>
-            </a:r>
-            <a:r>
-              <a:rPr lang="en-US" sz="1600" dirty="0" smtClean="0"/>
-              <a:t> – represents the number of nests</a:t>
-            </a:r>
-          </a:p>
-          <a:p>
-            <a:pPr marL="1050925" lvl="3" indent="-319088">
-              <a:spcBef>
-                <a:spcPts val="700"/>
-              </a:spcBef>
-              <a:buSzPct val="60000"/>
-            </a:pPr>
-            <a:r>
-              <a:rPr lang="en-US" sz="1600" dirty="0" err="1" smtClean="0"/>
-              <a:t>maxIterations</a:t>
-            </a:r>
-            <a:r>
-              <a:rPr lang="en-US" sz="1600" dirty="0" smtClean="0"/>
-              <a:t> – represents the maximum number of iterations</a:t>
-            </a:r>
-          </a:p>
-          <a:p>
-            <a:pPr marL="1050925" lvl="3" indent="-319088">
-              <a:spcBef>
-                <a:spcPts val="700"/>
-              </a:spcBef>
-              <a:buSzPct val="60000"/>
-            </a:pPr>
-            <a:r>
-              <a:rPr lang="en-US" sz="1600" dirty="0" smtClean="0"/>
-              <a:t>PA – is the coefficient by which a host bird discovers the intrusion</a:t>
-            </a:r>
-          </a:p>
-          <a:p>
-            <a:pPr marL="593725" lvl="2" indent="-319088">
-              <a:spcBef>
-                <a:spcPts val="700"/>
-              </a:spcBef>
-              <a:buSzPct val="60000"/>
-            </a:pPr>
-            <a:r>
-              <a:rPr lang="en-US" sz="1800" dirty="0" smtClean="0"/>
-              <a:t>Hill Climbing Heuristic</a:t>
-            </a:r>
-          </a:p>
-          <a:p>
-            <a:pPr marL="1050925" lvl="3" indent="-319088">
-              <a:spcBef>
-                <a:spcPts val="700"/>
-              </a:spcBef>
-              <a:buSzPct val="60000"/>
-            </a:pPr>
-            <a:r>
-              <a:rPr lang="en-US" sz="1600" dirty="0" err="1" smtClean="0"/>
-              <a:t>hillNeighSize</a:t>
-            </a:r>
-            <a:r>
-              <a:rPr lang="en-US" sz="1600" dirty="0" smtClean="0"/>
-              <a:t> – size of Hill Climbing neighborhood</a:t>
-            </a:r>
-          </a:p>
-          <a:p>
-            <a:pPr marL="593725" lvl="2" indent="-319088">
-              <a:spcBef>
-                <a:spcPts val="700"/>
-              </a:spcBef>
-              <a:buSzPct val="60000"/>
-            </a:pPr>
-            <a:r>
-              <a:rPr lang="en-US" sz="1800" dirty="0" err="1" smtClean="0"/>
-              <a:t>Tabu</a:t>
-            </a:r>
-            <a:r>
-              <a:rPr lang="en-US" sz="1800" dirty="0" smtClean="0"/>
-              <a:t> Search Heuristic</a:t>
-            </a:r>
-          </a:p>
-          <a:p>
-            <a:pPr marL="1050925" lvl="3" indent="-319088">
-              <a:spcBef>
-                <a:spcPts val="700"/>
-              </a:spcBef>
-              <a:buSzPct val="60000"/>
-            </a:pPr>
-            <a:r>
-              <a:rPr lang="en-US" sz="1600" dirty="0" err="1" smtClean="0"/>
-              <a:t>maxIterations</a:t>
-            </a:r>
-            <a:r>
-              <a:rPr lang="en-US" sz="1600" dirty="0" smtClean="0"/>
-              <a:t> – max number of iterations</a:t>
-            </a:r>
-          </a:p>
-          <a:p>
-            <a:pPr marL="1050925" lvl="3" indent="-319088">
-              <a:spcBef>
-                <a:spcPts val="700"/>
-              </a:spcBef>
-              <a:buSzPct val="60000"/>
-            </a:pPr>
-            <a:r>
-              <a:rPr lang="en-US" sz="1600" dirty="0" err="1" smtClean="0"/>
-              <a:t>tabuSize</a:t>
-            </a:r>
-            <a:r>
-              <a:rPr lang="en-US" sz="1600" dirty="0" smtClean="0"/>
-              <a:t> – size of </a:t>
-            </a:r>
-            <a:r>
-              <a:rPr lang="en-US" sz="1600" dirty="0" err="1" smtClean="0"/>
-              <a:t>tabu</a:t>
-            </a:r>
-            <a:r>
-              <a:rPr lang="en-US" sz="1600" dirty="0" smtClean="0"/>
-              <a:t> search</a:t>
-            </a:r>
-          </a:p>
-          <a:p>
-            <a:pPr marL="1050925" lvl="3" indent="-319088">
-              <a:spcBef>
-                <a:spcPts val="700"/>
-              </a:spcBef>
-              <a:buSzPct val="60000"/>
-            </a:pPr>
-            <a:r>
-              <a:rPr lang="en-US" sz="1600" dirty="0" err="1" smtClean="0"/>
-              <a:t>tabuNeighSize</a:t>
-            </a:r>
-            <a:r>
-              <a:rPr lang="en-US" sz="1600" dirty="0"/>
-              <a:t> – size </a:t>
-            </a:r>
-            <a:r>
-              <a:rPr lang="en-US" sz="1600" dirty="0" err="1" smtClean="0"/>
-              <a:t>Tabu</a:t>
-            </a:r>
-            <a:r>
-              <a:rPr lang="en-US" sz="1600" dirty="0" smtClean="0"/>
-              <a:t> Search neighborhood</a:t>
-            </a:r>
-            <a:endParaRPr lang="en-US" sz="1600" dirty="0"/>
-          </a:p>
-          <a:p>
-            <a:pPr marL="319088" lvl="1" indent="-319088">
-              <a:spcBef>
-                <a:spcPts val="700"/>
-              </a:spcBef>
-              <a:buSzPct val="60000"/>
-            </a:pPr>
-            <a:r>
-              <a:rPr lang="en-US" sz="1900" b="1" dirty="0" smtClean="0"/>
-              <a:t>Output</a:t>
-            </a:r>
-          </a:p>
-          <a:p>
-            <a:pPr marL="593725" lvl="2" indent="-319088">
-              <a:spcBef>
-                <a:spcPts val="700"/>
-              </a:spcBef>
-              <a:buSzPct val="60000"/>
-            </a:pPr>
-            <a:r>
-              <a:rPr lang="en-US" sz="1800" dirty="0" smtClean="0"/>
-              <a:t>Solution – the output will be the best solution that has been reached </a:t>
-            </a:r>
-            <a:endParaRPr lang="en-US" sz="1800" dirty="0"/>
-          </a:p>
-          <a:p>
-            <a:pPr lvl="2"/>
-            <a:endParaRPr lang="en-US" dirty="0"/>
+            <a:endParaRPr lang="en-US"/>
           </a:p>
         </p:txBody>
       </p:sp>
       <p:sp>
         <p:nvSpPr>
-          <p:cNvPr id="7" name="Title 1"/>
+          <p:cNvPr id="104452" name="Rectangle 4"/>
+          <p:cNvSpPr>
+            <a:spLocks noChangeArrowheads="1"/>
+          </p:cNvSpPr>
+          <p:nvPr/>
+        </p:nvSpPr>
+        <p:spPr bwMode="auto">
+          <a:xfrm>
+            <a:off x="0" y="0"/>
+            <a:ext cx="9144000" cy="0"/>
+          </a:xfrm>
+          <a:prstGeom prst="rect">
+            <a:avLst/>
+          </a:prstGeom>
+          <a:noFill/>
+          <a:ln w="9525">
+            <a:noFill/>
+            <a:miter lim="800000"/>
+            <a:headEnd/>
+            <a:tailEnd/>
+          </a:ln>
+          <a:effectLst/>
+        </p:spPr>
+        <p:txBody>
+          <a:bodyPr vert="horz" wrap="none" lIns="91440" tIns="45720" rIns="91440" bIns="45720" numCol="1" anchor="ctr" anchorCtr="0" compatLnSpc="1">
+            <a:prstTxWarp prst="textNoShape">
+              <a:avLst/>
+            </a:prstTxWarp>
+            <a:spAutoFit/>
+          </a:bodyPr>
+          <a:lstStyle/>
+          <a:p>
+            <a:endParaRPr lang="en-US"/>
+          </a:p>
+        </p:txBody>
+      </p:sp>
+      <p:sp>
+        <p:nvSpPr>
+          <p:cNvPr id="8" name="Title 1"/>
           <p:cNvSpPr>
             <a:spLocks noGrp="1"/>
           </p:cNvSpPr>
@@ -16755,19 +16420,43 @@
               </a:rPr>
             </a:br>
             <a:r>
-              <a:rPr lang="en-US" sz="1900" dirty="0" smtClean="0"/>
+              <a:rPr lang="en-US" sz="2000" dirty="0" smtClean="0"/>
               <a:t>Cuckoo Search Algorithm</a:t>
             </a:r>
             <a:endParaRPr lang="ro-RO" sz="1900" dirty="0" smtClean="0"/>
           </a:p>
         </p:txBody>
       </p:sp>
+      <p:pic>
+        <p:nvPicPr>
+          <p:cNvPr id="4" name="Content Placeholder 3"/>
+          <p:cNvPicPr>
+            <a:picLocks noGrp="1" noChangeAspect="1"/>
+          </p:cNvPicPr>
+          <p:nvPr>
+            <p:ph sz="quarter" idx="1"/>
+          </p:nvPr>
+        </p:nvPicPr>
+        <p:blipFill>
+          <a:blip r:embed="rId3">
+            <a:extLst>
+              <a:ext uri="{28A0092B-C50C-407E-A947-70E740481C1C}">
+                <a14:useLocalDpi xmlns:a14="http://schemas.microsoft.com/office/drawing/2010/main" val="0"/>
+              </a:ext>
+            </a:extLst>
+          </a:blip>
+          <a:stretch>
+            <a:fillRect/>
+          </a:stretch>
+        </p:blipFill>
+        <p:spPr>
+          <a:xfrm>
+            <a:off x="1890943" y="1556792"/>
+            <a:ext cx="5362114" cy="4944021"/>
+          </a:xfrm>
+        </p:spPr>
+      </p:pic>
     </p:spTree>
-    <p:extLst>
-      <p:ext uri="{BB962C8B-B14F-4D97-AF65-F5344CB8AC3E}">
-        <p14:creationId xmlns:p14="http://schemas.microsoft.com/office/powerpoint/2010/main" val="3863618216"/>
-      </p:ext>
-    </p:extLst>
   </p:cSld>
   <p:clrMapOvr>
     <a:masterClrMapping/>
@@ -16967,243 +16656,7 @@
               </a:rPr>
             </a:br>
             <a:r>
-              <a:rPr lang="en-US" sz="1900" dirty="0" smtClean="0"/>
-              <a:t>Cuckoo Search Algorithm</a:t>
-            </a:r>
-            <a:endParaRPr lang="ro-RO" sz="1900" dirty="0" smtClean="0"/>
-          </a:p>
-        </p:txBody>
-      </p:sp>
-      <p:pic>
-        <p:nvPicPr>
-          <p:cNvPr id="4" name="Content Placeholder 3"/>
-          <p:cNvPicPr>
-            <a:picLocks noGrp="1" noChangeAspect="1"/>
-          </p:cNvPicPr>
-          <p:nvPr>
-            <p:ph sz="quarter" idx="1"/>
-          </p:nvPr>
-        </p:nvPicPr>
-        <p:blipFill>
-          <a:blip r:embed="rId3">
-            <a:extLst>
-              <a:ext uri="{28A0092B-C50C-407E-A947-70E740481C1C}">
-                <a14:useLocalDpi xmlns:a14="http://schemas.microsoft.com/office/drawing/2010/main" val="0"/>
-              </a:ext>
-            </a:extLst>
-          </a:blip>
-          <a:stretch>
-            <a:fillRect/>
-          </a:stretch>
-        </p:blipFill>
-        <p:spPr>
-          <a:xfrm>
-            <a:off x="1890943" y="1524000"/>
-            <a:ext cx="5362114" cy="4976813"/>
-          </a:xfrm>
-        </p:spPr>
-      </p:pic>
-    </p:spTree>
-  </p:cSld>
-  <p:clrMapOvr>
-    <a:masterClrMapping/>
-  </p:clrMapOvr>
-  <p:timing>
-    <p:tnLst>
-      <p:par>
-        <p:cTn id="1" dur="indefinite" restart="never" nodeType="tmRoot"/>
-      </p:par>
-    </p:tnLst>
-  </p:timing>
-</p:sld>
-</file>
-
-<file path=ppt/slides/slide22.xml><?xml version="1.0" encoding="utf-8"?>
-<p:sld xmlns:a="http://schemas.openxmlformats.org/drawingml/2006/main" xmlns:r="http://schemas.openxmlformats.org/officeDocument/2006/relationships" xmlns:p="http://schemas.openxmlformats.org/presentationml/2006/main">
-  <p:cSld>
-    <p:spTree>
-      <p:nvGrpSpPr>
-        <p:cNvPr id="1" name=""/>
-        <p:cNvGrpSpPr/>
-        <p:nvPr/>
-      </p:nvGrpSpPr>
-      <p:grpSpPr>
-        <a:xfrm>
-          <a:off x="0" y="0"/>
-          <a:ext cx="0" cy="0"/>
-          <a:chOff x="0" y="0"/>
-          <a:chExt cx="0" cy="0"/>
-        </a:xfrm>
-      </p:grpSpPr>
-      <p:sp>
-        <p:nvSpPr>
-          <p:cNvPr id="7172" name="Slide Number Placeholder 2"/>
-          <p:cNvSpPr>
-            <a:spLocks noGrp="1"/>
-          </p:cNvSpPr>
-          <p:nvPr>
-            <p:ph type="sldNum" sz="quarter" idx="10"/>
-          </p:nvPr>
-        </p:nvSpPr>
-        <p:spPr bwMode="auto">
-          <a:noFill/>
-          <a:ln>
-            <a:miter lim="800000"/>
-            <a:headEnd/>
-            <a:tailEnd/>
-          </a:ln>
-        </p:spPr>
-        <p:txBody>
-          <a:bodyPr vert="horz" wrap="square" lIns="91440" tIns="45720" rIns="91440" bIns="45720" numCol="1" anchor="t" anchorCtr="0" compatLnSpc="1">
-            <a:prstTxWarp prst="textNoShape">
-              <a:avLst/>
-            </a:prstTxWarp>
-          </a:bodyPr>
-          <a:lstStyle/>
-          <a:p>
-            <a:pPr fontAlgn="base">
-              <a:spcBef>
-                <a:spcPct val="0"/>
-              </a:spcBef>
-              <a:spcAft>
-                <a:spcPct val="0"/>
-              </a:spcAft>
-            </a:pPr>
-            <a:fld id="{FEB3FF15-7694-4C79-A17C-C5F32E1F8115}" type="slidenum">
-              <a:rPr lang="en-US" smtClean="0"/>
-              <a:pPr fontAlgn="base">
-                <a:spcBef>
-                  <a:spcPct val="0"/>
-                </a:spcBef>
-                <a:spcAft>
-                  <a:spcPct val="0"/>
-                </a:spcAft>
-              </a:pPr>
-              <a:t>22</a:t>
-            </a:fld>
-            <a:endParaRPr lang="en-US" smtClean="0"/>
-          </a:p>
-        </p:txBody>
-      </p:sp>
-      <p:sp>
-        <p:nvSpPr>
-          <p:cNvPr id="104450" name="Rectangle 2"/>
-          <p:cNvSpPr>
-            <a:spLocks noChangeArrowheads="1"/>
-          </p:cNvSpPr>
-          <p:nvPr/>
-        </p:nvSpPr>
-        <p:spPr bwMode="auto">
-          <a:xfrm>
-            <a:off x="0" y="0"/>
-            <a:ext cx="9144000" cy="0"/>
-          </a:xfrm>
-          <a:prstGeom prst="rect">
-            <a:avLst/>
-          </a:prstGeom>
-          <a:noFill/>
-          <a:ln w="9525">
-            <a:noFill/>
-            <a:miter lim="800000"/>
-            <a:headEnd/>
-            <a:tailEnd/>
-          </a:ln>
-          <a:effectLst/>
-        </p:spPr>
-        <p:txBody>
-          <a:bodyPr vert="horz" wrap="none" lIns="91440" tIns="45720" rIns="91440" bIns="45720" numCol="1" anchor="ctr" anchorCtr="0" compatLnSpc="1">
-            <a:prstTxWarp prst="textNoShape">
-              <a:avLst/>
-            </a:prstTxWarp>
-            <a:spAutoFit/>
-          </a:bodyPr>
-          <a:lstStyle/>
-          <a:p>
-            <a:endParaRPr lang="en-US"/>
-          </a:p>
-        </p:txBody>
-      </p:sp>
-      <p:sp>
-        <p:nvSpPr>
-          <p:cNvPr id="104452" name="Rectangle 4"/>
-          <p:cNvSpPr>
-            <a:spLocks noChangeArrowheads="1"/>
-          </p:cNvSpPr>
-          <p:nvPr/>
-        </p:nvSpPr>
-        <p:spPr bwMode="auto">
-          <a:xfrm>
-            <a:off x="0" y="0"/>
-            <a:ext cx="9144000" cy="0"/>
-          </a:xfrm>
-          <a:prstGeom prst="rect">
-            <a:avLst/>
-          </a:prstGeom>
-          <a:noFill/>
-          <a:ln w="9525">
-            <a:noFill/>
-            <a:miter lim="800000"/>
-            <a:headEnd/>
-            <a:tailEnd/>
-          </a:ln>
-          <a:effectLst/>
-        </p:spPr>
-        <p:txBody>
-          <a:bodyPr vert="horz" wrap="none" lIns="91440" tIns="45720" rIns="91440" bIns="45720" numCol="1" anchor="ctr" anchorCtr="0" compatLnSpc="1">
-            <a:prstTxWarp prst="textNoShape">
-              <a:avLst/>
-            </a:prstTxWarp>
-            <a:spAutoFit/>
-          </a:bodyPr>
-          <a:lstStyle/>
-          <a:p>
-            <a:endParaRPr lang="en-US"/>
-          </a:p>
-        </p:txBody>
-      </p:sp>
-      <p:sp>
-        <p:nvSpPr>
-          <p:cNvPr id="8" name="Title 1"/>
-          <p:cNvSpPr>
-            <a:spLocks noGrp="1"/>
-          </p:cNvSpPr>
-          <p:nvPr>
-            <p:ph type="title"/>
-          </p:nvPr>
-        </p:nvSpPr>
-        <p:spPr>
-          <a:xfrm>
-            <a:off x="0" y="66660"/>
-            <a:ext cx="9144000" cy="1219200"/>
-          </a:xfrm>
-        </p:spPr>
-        <p:txBody>
-          <a:bodyPr/>
-          <a:lstStyle/>
-          <a:p>
-            <a:pPr algn="ctr"/>
-            <a:r>
-              <a:rPr lang="en-US" sz="3000" dirty="0" smtClean="0">
-                <a:latin typeface="Arial" pitchFamily="34" charset="0"/>
-                <a:cs typeface="Arial" pitchFamily="34" charset="0"/>
-              </a:rPr>
-              <a:t>Cuckoo Search Technique</a:t>
-            </a:r>
-            <a:r>
-              <a:rPr lang="en-US" sz="3000" dirty="0">
-                <a:latin typeface="Arial" pitchFamily="34" charset="0"/>
-                <a:cs typeface="Arial" pitchFamily="34" charset="0"/>
-              </a:rPr>
-              <a:t/>
-            </a:r>
-            <a:br>
-              <a:rPr lang="en-US" sz="3000" dirty="0">
-                <a:latin typeface="Arial" pitchFamily="34" charset="0"/>
-                <a:cs typeface="Arial" pitchFamily="34" charset="0"/>
-              </a:rPr>
-            </a:br>
-            <a:r>
-              <a:rPr lang="en-US" sz="1900" dirty="0" smtClean="0"/>
+              <a:rPr lang="en-US" sz="2000" dirty="0" smtClean="0"/>
               <a:t>Cuckoo Search Algorithm</a:t>
             </a:r>
             <a:endParaRPr lang="ro-RO" sz="1900" dirty="0" smtClean="0"/>
@@ -17289,7 +16742,7 @@
 </p:sld>
 </file>
 
-<file path=ppt/slides/slide23.xml><?xml version="1.0" encoding="utf-8"?>
+<file path=ppt/slides/slide22.xml><?xml version="1.0" encoding="utf-8"?>
 <p:sld xmlns:a="http://schemas.openxmlformats.org/drawingml/2006/main" xmlns:r="http://schemas.openxmlformats.org/officeDocument/2006/relationships" xmlns:p="http://schemas.openxmlformats.org/presentationml/2006/main">
   <p:cSld>
     <p:spTree>
@@ -17350,7 +16803,7 @@
                   <a:spcPct val="0"/>
                 </a:spcAft>
               </a:pPr>
-              <a:t>23</a:t>
+              <a:t>22</a:t>
             </a:fld>
             <a:endParaRPr lang="en-US" smtClean="0"/>
           </a:p>
@@ -17474,7 +16927,7 @@
               </a:rPr>
             </a:br>
             <a:r>
-              <a:rPr lang="en-US" sz="1900" dirty="0" smtClean="0"/>
+              <a:rPr lang="en-US" sz="2000" dirty="0" smtClean="0"/>
               <a:t>Cuckoo Search Hybrid Versions</a:t>
             </a:r>
             <a:endParaRPr lang="ro-RO" sz="1900" dirty="0" smtClean="0"/>
@@ -17498,7 +16951,7 @@
         </p:nvGraphicFramePr>
         <p:xfrm>
           <a:off x="395536" y="2191338"/>
-          <a:ext cx="8136904" cy="3864837"/>
+          <a:ext cx="8136904" cy="4139157"/>
         </p:xfrm>
         <a:graphic>
           <a:graphicData uri="http://schemas.openxmlformats.org/drawingml/2006/table">
@@ -17671,13 +17124,7 @@
                         <a:rPr lang="en-US" sz="1800" dirty="0" smtClean="0">
                           <a:effectLst/>
                         </a:rPr>
-                        <a:t>RLRL</a:t>
-                      </a:r>
-                      <a:r>
-                        <a:rPr lang="en-US" sz="1800" dirty="0" smtClean="0">
-                          <a:effectLst/>
-                        </a:rPr>
-                        <a:t>,</a:t>
+                        <a:t>RLRL,</a:t>
                       </a:r>
                       <a:r>
                         <a:rPr lang="en-US" sz="1800" baseline="0" dirty="0" smtClean="0">
@@ -17981,6 +17428,313 @@
 </p:sld>
 </file>
 
+<file path=ppt/slides/slide23.xml><?xml version="1.0" encoding="utf-8"?>
+<p:sld xmlns:a="http://schemas.openxmlformats.org/drawingml/2006/main" xmlns:r="http://schemas.openxmlformats.org/officeDocument/2006/relationships" xmlns:p="http://schemas.openxmlformats.org/presentationml/2006/main">
+  <p:cSld>
+    <p:spTree>
+      <p:nvGrpSpPr>
+        <p:cNvPr id="1" name=""/>
+        <p:cNvGrpSpPr/>
+        <p:nvPr/>
+      </p:nvGrpSpPr>
+      <p:grpSpPr>
+        <a:xfrm>
+          <a:off x="0" y="0"/>
+          <a:ext cx="0" cy="0"/>
+          <a:chOff x="0" y="0"/>
+          <a:chExt cx="0" cy="0"/>
+        </a:xfrm>
+      </p:grpSpPr>
+      <p:sp>
+        <p:nvSpPr>
+          <p:cNvPr id="7170" name="Title 1"/>
+          <p:cNvSpPr>
+            <a:spLocks noGrp="1"/>
+          </p:cNvSpPr>
+          <p:nvPr>
+            <p:ph type="title"/>
+          </p:nvPr>
+        </p:nvSpPr>
+        <p:spPr>
+          <a:xfrm>
+            <a:off x="0" y="0"/>
+            <a:ext cx="9144000" cy="1295400"/>
+          </a:xfrm>
+        </p:spPr>
+        <p:txBody>
+          <a:bodyPr/>
+          <a:lstStyle/>
+          <a:p>
+            <a:pPr algn="ctr" eaLnBrk="1" hangingPunct="1"/>
+            <a:r>
+              <a:rPr lang="en-US" sz="3000" dirty="0" smtClean="0">
+                <a:latin typeface="Arial" pitchFamily="34" charset="0"/>
+                <a:cs typeface="Arial" pitchFamily="34" charset="0"/>
+              </a:rPr>
+              <a:t>Agenda</a:t>
+            </a:r>
+          </a:p>
+        </p:txBody>
+      </p:sp>
+      <p:sp>
+        <p:nvSpPr>
+          <p:cNvPr id="7171" name="Content Placeholder 3"/>
+          <p:cNvSpPr>
+            <a:spLocks noGrp="1"/>
+          </p:cNvSpPr>
+          <p:nvPr>
+            <p:ph sz="quarter" idx="1"/>
+          </p:nvPr>
+        </p:nvSpPr>
+        <p:spPr>
+          <a:xfrm>
+            <a:off x="0" y="1600200"/>
+            <a:ext cx="9144000" cy="4495800"/>
+          </a:xfrm>
+        </p:spPr>
+        <p:txBody>
+          <a:bodyPr/>
+          <a:lstStyle/>
+          <a:p>
+            <a:pPr eaLnBrk="1" hangingPunct="1"/>
+            <a:r>
+              <a:rPr lang="ro-RO" sz="2300" dirty="0" smtClean="0">
+                <a:solidFill>
+                  <a:schemeClr val="bg1">
+                    <a:lumMod val="65000"/>
+                  </a:schemeClr>
+                </a:solidFill>
+                <a:latin typeface="Arial" pitchFamily="34" charset="0"/>
+                <a:cs typeface="Arial" pitchFamily="34" charset="0"/>
+              </a:rPr>
+              <a:t>Introduc</a:t>
+            </a:r>
+            <a:r>
+              <a:rPr lang="en-US" sz="2300" dirty="0" err="1" smtClean="0">
+                <a:solidFill>
+                  <a:schemeClr val="bg1">
+                    <a:lumMod val="65000"/>
+                  </a:schemeClr>
+                </a:solidFill>
+                <a:latin typeface="Arial" pitchFamily="34" charset="0"/>
+                <a:cs typeface="Arial" pitchFamily="34" charset="0"/>
+              </a:rPr>
+              <a:t>tion</a:t>
+            </a:r>
+            <a:endParaRPr lang="ro-RO" sz="2300" dirty="0" smtClean="0">
+              <a:solidFill>
+                <a:schemeClr val="bg1">
+                  <a:lumMod val="65000"/>
+                </a:schemeClr>
+              </a:solidFill>
+              <a:latin typeface="Arial" pitchFamily="34" charset="0"/>
+              <a:cs typeface="Arial" pitchFamily="34" charset="0"/>
+            </a:endParaRPr>
+          </a:p>
+          <a:p>
+            <a:pPr eaLnBrk="1" hangingPunct="1"/>
+            <a:r>
+              <a:rPr lang="en-US" sz="2300" dirty="0" smtClean="0">
+                <a:solidFill>
+                  <a:schemeClr val="bg1">
+                    <a:lumMod val="65000"/>
+                  </a:schemeClr>
+                </a:solidFill>
+              </a:rPr>
+              <a:t>Objectives and Contributions</a:t>
+            </a:r>
+          </a:p>
+          <a:p>
+            <a:pPr eaLnBrk="1" hangingPunct="1"/>
+            <a:r>
+              <a:rPr lang="en-US" sz="2300" dirty="0" smtClean="0">
+                <a:solidFill>
+                  <a:schemeClr val="bg1">
+                    <a:lumMod val="65000"/>
+                  </a:schemeClr>
+                </a:solidFill>
+                <a:latin typeface="Arial" pitchFamily="34" charset="0"/>
+                <a:cs typeface="Arial" pitchFamily="34" charset="0"/>
+              </a:rPr>
+              <a:t>Related Work</a:t>
+            </a:r>
+            <a:endParaRPr lang="ro-RO" sz="2300" dirty="0" smtClean="0">
+              <a:solidFill>
+                <a:schemeClr val="bg1">
+                  <a:lumMod val="65000"/>
+                </a:schemeClr>
+              </a:solidFill>
+              <a:latin typeface="Arial" pitchFamily="34" charset="0"/>
+              <a:cs typeface="Arial" pitchFamily="34" charset="0"/>
+            </a:endParaRPr>
+          </a:p>
+          <a:p>
+            <a:pPr eaLnBrk="1" hangingPunct="1"/>
+            <a:r>
+              <a:rPr lang="en-US" sz="2300" dirty="0" smtClean="0">
+                <a:solidFill>
+                  <a:schemeClr val="bg1">
+                    <a:lumMod val="65000"/>
+                  </a:schemeClr>
+                </a:solidFill>
+                <a:latin typeface="Arial" pitchFamily="34" charset="0"/>
+                <a:cs typeface="Arial" pitchFamily="34" charset="0"/>
+              </a:rPr>
+              <a:t>Problem Definition</a:t>
+            </a:r>
+          </a:p>
+          <a:p>
+            <a:pPr eaLnBrk="1" hangingPunct="1"/>
+            <a:r>
+              <a:rPr lang="en-US" sz="2300" dirty="0" smtClean="0">
+                <a:solidFill>
+                  <a:schemeClr val="bg1">
+                    <a:lumMod val="65000"/>
+                  </a:schemeClr>
+                </a:solidFill>
+              </a:rPr>
+              <a:t>Cuckoo Search Technique</a:t>
+            </a:r>
+            <a:endParaRPr lang="ro-RO" sz="2300" dirty="0" smtClean="0">
+              <a:solidFill>
+                <a:schemeClr val="bg1">
+                  <a:lumMod val="65000"/>
+                </a:schemeClr>
+              </a:solidFill>
+            </a:endParaRPr>
+          </a:p>
+          <a:p>
+            <a:pPr eaLnBrk="1" hangingPunct="1"/>
+            <a:r>
+              <a:rPr lang="en-US" sz="2300" dirty="0" smtClean="0">
+                <a:latin typeface="Arial" pitchFamily="34" charset="0"/>
+                <a:cs typeface="Arial" pitchFamily="34" charset="0"/>
+              </a:rPr>
+              <a:t>Experimental Prototype</a:t>
+            </a:r>
+            <a:endParaRPr lang="ro-RO" sz="2300" dirty="0" smtClean="0">
+              <a:latin typeface="Arial" pitchFamily="34" charset="0"/>
+              <a:cs typeface="Arial" pitchFamily="34" charset="0"/>
+            </a:endParaRPr>
+          </a:p>
+          <a:p>
+            <a:pPr eaLnBrk="1" hangingPunct="1"/>
+            <a:r>
+              <a:rPr lang="en-US" sz="2300" dirty="0" smtClean="0">
+                <a:solidFill>
+                  <a:schemeClr val="bg1">
+                    <a:lumMod val="65000"/>
+                  </a:schemeClr>
+                </a:solidFill>
+                <a:latin typeface="Arial" pitchFamily="34" charset="0"/>
+                <a:cs typeface="Arial" pitchFamily="34" charset="0"/>
+              </a:rPr>
+              <a:t>Experimental Results</a:t>
+            </a:r>
+            <a:endParaRPr lang="ro-RO" sz="2300" dirty="0" smtClean="0">
+              <a:solidFill>
+                <a:schemeClr val="bg1">
+                  <a:lumMod val="65000"/>
+                </a:schemeClr>
+              </a:solidFill>
+              <a:latin typeface="Arial" pitchFamily="34" charset="0"/>
+              <a:cs typeface="Arial" pitchFamily="34" charset="0"/>
+            </a:endParaRPr>
+          </a:p>
+          <a:p>
+            <a:pPr eaLnBrk="1" hangingPunct="1"/>
+            <a:r>
+              <a:rPr lang="en-US" sz="2300" dirty="0" smtClean="0">
+                <a:solidFill>
+                  <a:schemeClr val="bg1">
+                    <a:lumMod val="65000"/>
+                  </a:schemeClr>
+                </a:solidFill>
+                <a:latin typeface="Arial" pitchFamily="34" charset="0"/>
+                <a:cs typeface="Arial" pitchFamily="34" charset="0"/>
+              </a:rPr>
+              <a:t>Conclusions</a:t>
+            </a:r>
+          </a:p>
+          <a:p>
+            <a:pPr lvl="1" eaLnBrk="1" hangingPunct="1"/>
+            <a:endParaRPr lang="en-US" sz="2100" b="1" dirty="0" smtClean="0">
+              <a:latin typeface="Arial" pitchFamily="34" charset="0"/>
+              <a:cs typeface="Arial" pitchFamily="34" charset="0"/>
+            </a:endParaRPr>
+          </a:p>
+        </p:txBody>
+      </p:sp>
+      <p:sp>
+        <p:nvSpPr>
+          <p:cNvPr id="7172" name="Slide Number Placeholder 2"/>
+          <p:cNvSpPr>
+            <a:spLocks noGrp="1"/>
+          </p:cNvSpPr>
+          <p:nvPr>
+            <p:ph type="sldNum" sz="quarter" idx="10"/>
+          </p:nvPr>
+        </p:nvSpPr>
+        <p:spPr bwMode="auto">
+          <a:noFill/>
+          <a:ln>
+            <a:miter lim="800000"/>
+            <a:headEnd/>
+            <a:tailEnd/>
+          </a:ln>
+        </p:spPr>
+        <p:txBody>
+          <a:bodyPr vert="horz" wrap="square" lIns="91440" tIns="45720" rIns="91440" bIns="45720" numCol="1" anchor="t" anchorCtr="0" compatLnSpc="1">
+            <a:prstTxWarp prst="textNoShape">
+              <a:avLst/>
+            </a:prstTxWarp>
+          </a:bodyPr>
+          <a:lstStyle/>
+          <a:p>
+            <a:pPr fontAlgn="base">
+              <a:spcBef>
+                <a:spcPct val="0"/>
+              </a:spcBef>
+              <a:spcAft>
+                <a:spcPct val="0"/>
+              </a:spcAft>
+            </a:pPr>
+            <a:fld id="{FEB3FF15-7694-4C79-A17C-C5F32E1F8115}" type="slidenum">
+              <a:rPr lang="en-US" smtClean="0"/>
+              <a:pPr fontAlgn="base">
+                <a:spcBef>
+                  <a:spcPct val="0"/>
+                </a:spcBef>
+                <a:spcAft>
+                  <a:spcPct val="0"/>
+                </a:spcAft>
+              </a:pPr>
+              <a:t>23</a:t>
+            </a:fld>
+            <a:endParaRPr lang="en-US" smtClean="0"/>
+          </a:p>
+        </p:txBody>
+      </p:sp>
+    </p:spTree>
+    <p:extLst>
+      <p:ext uri="{BB962C8B-B14F-4D97-AF65-F5344CB8AC3E}">
+        <p14:creationId xmlns:p14="http://schemas.microsoft.com/office/powerpoint/2010/main" val="1892431564"/>
+      </p:ext>
+    </p:extLst>
+  </p:cSld>
+  <p:clrMapOvr>
+    <a:masterClrMapping/>
+  </p:clrMapOvr>
+  <p:timing>
+    <p:tnLst>
+      <p:par>
+        <p:cTn id="1" dur="indefinite" restart="never" nodeType="tmRoot"/>
+      </p:par>
+    </p:tnLst>
+  </p:timing>
+</p:sld>
+</file>
+
 <file path=ppt/slides/slide24.xml><?xml version="1.0" encoding="utf-8"?>
 <p:sld xmlns:a="http://schemas.openxmlformats.org/drawingml/2006/main" xmlns:r="http://schemas.openxmlformats.org/officeDocument/2006/relationships" xmlns:p="http://schemas.openxmlformats.org/presentationml/2006/main">
   <p:cSld>
@@ -18020,204 +17774,68 @@
           <a:p>
             <a:pPr algn="ctr" eaLnBrk="1" hangingPunct="1"/>
             <a:r>
-              <a:rPr lang="en-US" sz="3000" dirty="0" smtClean="0">
+              <a:rPr lang="en-US" sz="3100" dirty="0" smtClean="0">
                 <a:latin typeface="Arial" pitchFamily="34" charset="0"/>
                 <a:cs typeface="Arial" pitchFamily="34" charset="0"/>
               </a:rPr>
-              <a:t>Agenda</a:t>
-            </a:r>
+              <a:t>Experimental Prototype</a:t>
+            </a:r>
+            <a:r>
+              <a:rPr lang="ro-RO" sz="3100" dirty="0" smtClean="0">
+                <a:latin typeface="Arial" pitchFamily="34" charset="0"/>
+                <a:cs typeface="Arial" pitchFamily="34" charset="0"/>
+              </a:rPr>
+              <a:t/>
+            </a:r>
+            <a:br>
+              <a:rPr lang="ro-RO" sz="3100" dirty="0" smtClean="0">
+                <a:latin typeface="Arial" pitchFamily="34" charset="0"/>
+                <a:cs typeface="Arial" pitchFamily="34" charset="0"/>
+              </a:rPr>
+            </a:br>
+            <a:r>
+              <a:rPr lang="en-US" sz="2000" dirty="0" smtClean="0">
+                <a:latin typeface="Arial" pitchFamily="34" charset="0"/>
+                <a:cs typeface="Arial" pitchFamily="34" charset="0"/>
+              </a:rPr>
+              <a:t>System Architecture</a:t>
+            </a:r>
+            <a:endParaRPr lang="en-US" sz="3100" dirty="0" smtClean="0">
+              <a:latin typeface="Arial" pitchFamily="34" charset="0"/>
+              <a:cs typeface="Arial" pitchFamily="34" charset="0"/>
+            </a:endParaRPr>
           </a:p>
         </p:txBody>
       </p:sp>
-      <p:sp>
-        <p:nvSpPr>
-          <p:cNvPr id="7171" name="Content Placeholder 3"/>
-          <p:cNvSpPr>
-            <a:spLocks noGrp="1"/>
-          </p:cNvSpPr>
+      <p:pic>
+        <p:nvPicPr>
+          <p:cNvPr id="3" name="Content Placeholder 2"/>
+          <p:cNvPicPr>
+            <a:picLocks noGrp="1" noChangeAspect="1"/>
+          </p:cNvPicPr>
           <p:nvPr>
             <p:ph sz="quarter" idx="1"/>
           </p:nvPr>
-        </p:nvSpPr>
+        </p:nvPicPr>
+        <p:blipFill>
+          <a:blip r:embed="rId3">
+            <a:extLst>
+              <a:ext uri="{28A0092B-C50C-407E-A947-70E740481C1C}">
+                <a14:useLocalDpi xmlns:a14="http://schemas.microsoft.com/office/drawing/2010/main" val="0"/>
+              </a:ext>
+            </a:extLst>
+          </a:blip>
+          <a:stretch>
+            <a:fillRect/>
+          </a:stretch>
+        </p:blipFill>
         <p:spPr>
           <a:xfrm>
-            <a:off x="0" y="1600200"/>
-            <a:ext cx="9144000" cy="4495800"/>
+            <a:off x="827584" y="1700808"/>
+            <a:ext cx="6991159" cy="4704928"/>
           </a:xfrm>
         </p:spPr>
-        <p:txBody>
-          <a:bodyPr/>
-          <a:lstStyle/>
-          <a:p>
-            <a:pPr eaLnBrk="1" hangingPunct="1"/>
-            <a:r>
-              <a:rPr lang="ro-RO" sz="2300" dirty="0" smtClean="0">
-                <a:solidFill>
-                  <a:schemeClr val="bg1">
-                    <a:lumMod val="65000"/>
-                  </a:schemeClr>
-                </a:solidFill>
-                <a:latin typeface="Arial" pitchFamily="34" charset="0"/>
-                <a:cs typeface="Arial" pitchFamily="34" charset="0"/>
-              </a:rPr>
-              <a:t>Introduc</a:t>
-            </a:r>
-            <a:r>
-              <a:rPr lang="en-US" sz="2300" dirty="0" err="1" smtClean="0">
-                <a:solidFill>
-                  <a:schemeClr val="bg1">
-                    <a:lumMod val="65000"/>
-                  </a:schemeClr>
-                </a:solidFill>
-                <a:latin typeface="Arial" pitchFamily="34" charset="0"/>
-                <a:cs typeface="Arial" pitchFamily="34" charset="0"/>
-              </a:rPr>
-              <a:t>tion</a:t>
-            </a:r>
-            <a:endParaRPr lang="ro-RO" sz="2300" dirty="0" smtClean="0">
-              <a:solidFill>
-                <a:schemeClr val="bg1">
-                  <a:lumMod val="65000"/>
-                </a:schemeClr>
-              </a:solidFill>
-              <a:latin typeface="Arial" pitchFamily="34" charset="0"/>
-              <a:cs typeface="Arial" pitchFamily="34" charset="0"/>
-            </a:endParaRPr>
-          </a:p>
-          <a:p>
-            <a:pPr eaLnBrk="1" hangingPunct="1"/>
-            <a:r>
-              <a:rPr lang="en-US" sz="2300" dirty="0" smtClean="0">
-                <a:solidFill>
-                  <a:schemeClr val="bg1">
-                    <a:lumMod val="65000"/>
-                  </a:schemeClr>
-                </a:solidFill>
-              </a:rPr>
-              <a:t>Objectives and Contributions</a:t>
-            </a:r>
-          </a:p>
-          <a:p>
-            <a:pPr eaLnBrk="1" hangingPunct="1"/>
-            <a:r>
-              <a:rPr lang="en-US" sz="2300" dirty="0" smtClean="0">
-                <a:solidFill>
-                  <a:schemeClr val="bg1">
-                    <a:lumMod val="65000"/>
-                  </a:schemeClr>
-                </a:solidFill>
-                <a:latin typeface="Arial" pitchFamily="34" charset="0"/>
-                <a:cs typeface="Arial" pitchFamily="34" charset="0"/>
-              </a:rPr>
-              <a:t>Related Work</a:t>
-            </a:r>
-            <a:endParaRPr lang="ro-RO" sz="2300" dirty="0" smtClean="0">
-              <a:solidFill>
-                <a:schemeClr val="bg1">
-                  <a:lumMod val="65000"/>
-                </a:schemeClr>
-              </a:solidFill>
-              <a:latin typeface="Arial" pitchFamily="34" charset="0"/>
-              <a:cs typeface="Arial" pitchFamily="34" charset="0"/>
-            </a:endParaRPr>
-          </a:p>
-          <a:p>
-            <a:pPr eaLnBrk="1" hangingPunct="1"/>
-            <a:r>
-              <a:rPr lang="en-US" sz="2300" dirty="0" smtClean="0">
-                <a:solidFill>
-                  <a:schemeClr val="bg1">
-                    <a:lumMod val="65000"/>
-                  </a:schemeClr>
-                </a:solidFill>
-                <a:latin typeface="Arial" pitchFamily="34" charset="0"/>
-                <a:cs typeface="Arial" pitchFamily="34" charset="0"/>
-              </a:rPr>
-              <a:t>Problem Definition</a:t>
-            </a:r>
-          </a:p>
-          <a:p>
-            <a:pPr eaLnBrk="1" hangingPunct="1"/>
-            <a:r>
-              <a:rPr lang="en-US" sz="2300" dirty="0" smtClean="0">
-                <a:solidFill>
-                  <a:schemeClr val="bg1">
-                    <a:lumMod val="65000"/>
-                  </a:schemeClr>
-                </a:solidFill>
-              </a:rPr>
-              <a:t>Cuckoo Search Technique</a:t>
-            </a:r>
-            <a:endParaRPr lang="ro-RO" sz="2300" dirty="0" smtClean="0">
-              <a:solidFill>
-                <a:schemeClr val="bg1">
-                  <a:lumMod val="65000"/>
-                </a:schemeClr>
-              </a:solidFill>
-            </a:endParaRPr>
-          </a:p>
-          <a:p>
-            <a:pPr eaLnBrk="1" hangingPunct="1"/>
-            <a:r>
-              <a:rPr lang="en-US" sz="2300" dirty="0" smtClean="0">
-                <a:latin typeface="Arial" pitchFamily="34" charset="0"/>
-                <a:cs typeface="Arial" pitchFamily="34" charset="0"/>
-              </a:rPr>
-              <a:t>Experimental Prototype</a:t>
-            </a:r>
-            <a:endParaRPr lang="ro-RO" sz="2300" dirty="0" smtClean="0">
-              <a:latin typeface="Arial" pitchFamily="34" charset="0"/>
-              <a:cs typeface="Arial" pitchFamily="34" charset="0"/>
-            </a:endParaRPr>
-          </a:p>
-          <a:p>
-            <a:pPr eaLnBrk="1" hangingPunct="1"/>
-            <a:r>
-              <a:rPr lang="en-US" sz="2300" dirty="0" smtClean="0">
-                <a:solidFill>
-                  <a:schemeClr val="bg1">
-                    <a:lumMod val="65000"/>
-                  </a:schemeClr>
-                </a:solidFill>
-                <a:latin typeface="Arial" pitchFamily="34" charset="0"/>
-                <a:cs typeface="Arial" pitchFamily="34" charset="0"/>
-              </a:rPr>
-              <a:t>Experimental Results</a:t>
-            </a:r>
-            <a:endParaRPr lang="ro-RO" sz="2300" dirty="0" smtClean="0">
-              <a:solidFill>
-                <a:schemeClr val="bg1">
-                  <a:lumMod val="65000"/>
-                </a:schemeClr>
-              </a:solidFill>
-              <a:latin typeface="Arial" pitchFamily="34" charset="0"/>
-              <a:cs typeface="Arial" pitchFamily="34" charset="0"/>
-            </a:endParaRPr>
-          </a:p>
-          <a:p>
-            <a:pPr eaLnBrk="1" hangingPunct="1"/>
-            <a:r>
-              <a:rPr lang="en-US" sz="2300" dirty="0" smtClean="0">
-                <a:solidFill>
-                  <a:schemeClr val="bg1">
-                    <a:lumMod val="65000"/>
-                  </a:schemeClr>
-                </a:solidFill>
-                <a:latin typeface="Arial" pitchFamily="34" charset="0"/>
-                <a:cs typeface="Arial" pitchFamily="34" charset="0"/>
-              </a:rPr>
-              <a:t>Conclusions</a:t>
-            </a:r>
-          </a:p>
-          <a:p>
-            <a:pPr lvl="1" eaLnBrk="1" hangingPunct="1"/>
-            <a:endParaRPr lang="en-US" sz="2100" b="1" dirty="0" smtClean="0">
-              <a:latin typeface="Arial" pitchFamily="34" charset="0"/>
-              <a:cs typeface="Arial" pitchFamily="34" charset="0"/>
-            </a:endParaRPr>
-          </a:p>
-        </p:txBody>
-      </p:sp>
+      </p:pic>
       <p:sp>
         <p:nvSpPr>
           <p:cNvPr id="7172" name="Slide Number Placeholder 2"/>
@@ -18268,12 +17886,83 @@
           </a:p>
         </p:txBody>
       </p:sp>
+      <p:sp>
+        <p:nvSpPr>
+          <p:cNvPr id="104450" name="Rectangle 2"/>
+          <p:cNvSpPr>
+            <a:spLocks noChangeArrowheads="1"/>
+          </p:cNvSpPr>
+          <p:nvPr/>
+        </p:nvSpPr>
+        <p:spPr bwMode="auto">
+          <a:xfrm>
+            <a:off x="0" y="0"/>
+            <a:ext cx="9144000" cy="0"/>
+          </a:xfrm>
+          <a:prstGeom prst="rect">
+            <a:avLst/>
+          </a:prstGeom>
+          <a:noFill/>
+          <a:ln w="9525">
+            <a:noFill/>
+            <a:miter lim="800000"/>
+            <a:headEnd/>
+            <a:tailEnd/>
+          </a:ln>
+          <a:effectLst/>
+        </p:spPr>
+        <p:txBody>
+          <a:bodyPr vert="horz" wrap="none" lIns="91440" tIns="45720" rIns="91440" bIns="45720" numCol="1" anchor="ctr" anchorCtr="0" compatLnSpc="1">
+            <a:prstTxWarp prst="textNoShape">
+              <a:avLst/>
+            </a:prstTxWarp>
+            <a:spAutoFit/>
+          </a:bodyPr>
+          <a:lstStyle/>
+          <a:p>
+            <a:endParaRPr lang="en-US"/>
+          </a:p>
+        </p:txBody>
+      </p:sp>
+      <p:sp>
+        <p:nvSpPr>
+          <p:cNvPr id="104452" name="Rectangle 4"/>
+          <p:cNvSpPr>
+            <a:spLocks noChangeArrowheads="1"/>
+          </p:cNvSpPr>
+          <p:nvPr/>
+        </p:nvSpPr>
+        <p:spPr bwMode="auto">
+          <a:xfrm>
+            <a:off x="0" y="0"/>
+            <a:ext cx="9144000" cy="0"/>
+          </a:xfrm>
+          <a:prstGeom prst="rect">
+            <a:avLst/>
+          </a:prstGeom>
+          <a:noFill/>
+          <a:ln w="9525">
+            <a:noFill/>
+            <a:miter lim="800000"/>
+            <a:headEnd/>
+            <a:tailEnd/>
+          </a:ln>
+          <a:effectLst/>
+        </p:spPr>
+        <p:txBody>
+          <a:bodyPr vert="horz" wrap="none" lIns="91440" tIns="45720" rIns="91440" bIns="45720" numCol="1" anchor="ctr" anchorCtr="0" compatLnSpc="1">
+            <a:prstTxWarp prst="textNoShape">
+              <a:avLst/>
+            </a:prstTxWarp>
+            <a:spAutoFit/>
+          </a:bodyPr>
+          <a:lstStyle/>
+          <a:p>
+            <a:endParaRPr lang="en-US"/>
+          </a:p>
+        </p:txBody>
+      </p:sp>
     </p:spTree>
-    <p:extLst>
-      <p:ext uri="{BB962C8B-B14F-4D97-AF65-F5344CB8AC3E}">
-        <p14:creationId xmlns:p14="http://schemas.microsoft.com/office/powerpoint/2010/main" val="1892431564"/>
-      </p:ext>
-    </p:extLst>
   </p:cSld>
   <p:clrMapOvr>
     <a:masterClrMapping/>
@@ -18331,14 +18020,7 @@
                 <a:latin typeface="Arial" pitchFamily="34" charset="0"/>
                 <a:cs typeface="Arial" pitchFamily="34" charset="0"/>
               </a:rPr>
-              <a:t>Experimental </a:t>
-            </a:r>
-            <a:r>
-              <a:rPr lang="en-US" sz="3100" dirty="0" smtClean="0">
-                <a:latin typeface="Arial" pitchFamily="34" charset="0"/>
-                <a:cs typeface="Arial" pitchFamily="34" charset="0"/>
-              </a:rPr>
-              <a:t>Prototype</a:t>
+              <a:t>Experimental Prototype</a:t>
             </a:r>
             <a:r>
               <a:rPr lang="ro-RO" sz="3100" dirty="0" smtClean="0">
@@ -18358,7 +18040,7 @@
                 <a:latin typeface="Arial" pitchFamily="34" charset="0"/>
                 <a:cs typeface="Arial" pitchFamily="34" charset="0"/>
               </a:rPr>
-              <a:t>System Architecture</a:t>
+              <a:t>Detailed System Architecture</a:t>
             </a:r>
             <a:endParaRPr lang="en-US" sz="3100" dirty="0" smtClean="0">
               <a:latin typeface="Arial" pitchFamily="34" charset="0"/>
@@ -18367,35 +18049,6 @@
           </a:p>
         </p:txBody>
       </p:sp>
-      <p:pic>
-        <p:nvPicPr>
-          <p:cNvPr id="3" name="Content Placeholder 2"/>
-          <p:cNvPicPr>
-            <a:picLocks noGrp="1" noChangeAspect="1"/>
-          </p:cNvPicPr>
-          <p:nvPr>
-            <p:ph sz="quarter" idx="1"/>
-          </p:nvPr>
-        </p:nvPicPr>
-        <p:blipFill>
-          <a:blip r:embed="rId3">
-            <a:extLst>
-              <a:ext uri="{28A0092B-C50C-407E-A947-70E740481C1C}">
-                <a14:useLocalDpi xmlns:a14="http://schemas.microsoft.com/office/drawing/2010/main" val="0"/>
-              </a:ext>
-            </a:extLst>
-          </a:blip>
-          <a:stretch>
-            <a:fillRect/>
-          </a:stretch>
-        </p:blipFill>
-        <p:spPr>
-          <a:xfrm>
-            <a:off x="827584" y="1700808"/>
-            <a:ext cx="6991159" cy="4704928"/>
-          </a:xfrm>
-        </p:spPr>
-      </p:pic>
       <p:sp>
         <p:nvSpPr>
           <p:cNvPr id="7172" name="Slide Number Placeholder 2"/>
@@ -18441,226 +18094,6 @@
                 </a:spcAft>
               </a:pPr>
               <a:t>25</a:t>
-            </a:fld>
-            <a:endParaRPr lang="en-US" smtClean="0"/>
-          </a:p>
-        </p:txBody>
-      </p:sp>
-      <p:sp>
-        <p:nvSpPr>
-          <p:cNvPr id="104450" name="Rectangle 2"/>
-          <p:cNvSpPr>
-            <a:spLocks noChangeArrowheads="1"/>
-          </p:cNvSpPr>
-          <p:nvPr/>
-        </p:nvSpPr>
-        <p:spPr bwMode="auto">
-          <a:xfrm>
-            <a:off x="0" y="0"/>
-            <a:ext cx="9144000" cy="0"/>
-          </a:xfrm>
-          <a:prstGeom prst="rect">
-            <a:avLst/>
-          </a:prstGeom>
-          <a:noFill/>
-          <a:ln w="9525">
-            <a:noFill/>
-            <a:miter lim="800000"/>
-            <a:headEnd/>
-            <a:tailEnd/>
-          </a:ln>
-          <a:effectLst/>
-        </p:spPr>
-        <p:txBody>
-          <a:bodyPr vert="horz" wrap="none" lIns="91440" tIns="45720" rIns="91440" bIns="45720" numCol="1" anchor="ctr" anchorCtr="0" compatLnSpc="1">
-            <a:prstTxWarp prst="textNoShape">
-              <a:avLst/>
-            </a:prstTxWarp>
-            <a:spAutoFit/>
-          </a:bodyPr>
-          <a:lstStyle/>
-          <a:p>
-            <a:endParaRPr lang="en-US"/>
-          </a:p>
-        </p:txBody>
-      </p:sp>
-      <p:sp>
-        <p:nvSpPr>
-          <p:cNvPr id="104452" name="Rectangle 4"/>
-          <p:cNvSpPr>
-            <a:spLocks noChangeArrowheads="1"/>
-          </p:cNvSpPr>
-          <p:nvPr/>
-        </p:nvSpPr>
-        <p:spPr bwMode="auto">
-          <a:xfrm>
-            <a:off x="0" y="0"/>
-            <a:ext cx="9144000" cy="0"/>
-          </a:xfrm>
-          <a:prstGeom prst="rect">
-            <a:avLst/>
-          </a:prstGeom>
-          <a:noFill/>
-          <a:ln w="9525">
-            <a:noFill/>
-            <a:miter lim="800000"/>
-            <a:headEnd/>
-            <a:tailEnd/>
-          </a:ln>
-          <a:effectLst/>
-        </p:spPr>
-        <p:txBody>
-          <a:bodyPr vert="horz" wrap="none" lIns="91440" tIns="45720" rIns="91440" bIns="45720" numCol="1" anchor="ctr" anchorCtr="0" compatLnSpc="1">
-            <a:prstTxWarp prst="textNoShape">
-              <a:avLst/>
-            </a:prstTxWarp>
-            <a:spAutoFit/>
-          </a:bodyPr>
-          <a:lstStyle/>
-          <a:p>
-            <a:endParaRPr lang="en-US"/>
-          </a:p>
-        </p:txBody>
-      </p:sp>
-    </p:spTree>
-  </p:cSld>
-  <p:clrMapOvr>
-    <a:masterClrMapping/>
-  </p:clrMapOvr>
-  <p:timing>
-    <p:tnLst>
-      <p:par>
-        <p:cTn id="1" dur="indefinite" restart="never" nodeType="tmRoot"/>
-      </p:par>
-    </p:tnLst>
-  </p:timing>
-</p:sld>
-</file>
-
-<file path=ppt/slides/slide26.xml><?xml version="1.0" encoding="utf-8"?>
-<p:sld xmlns:a="http://schemas.openxmlformats.org/drawingml/2006/main" xmlns:r="http://schemas.openxmlformats.org/officeDocument/2006/relationships" xmlns:p="http://schemas.openxmlformats.org/presentationml/2006/main">
-  <p:cSld>
-    <p:spTree>
-      <p:nvGrpSpPr>
-        <p:cNvPr id="1" name=""/>
-        <p:cNvGrpSpPr/>
-        <p:nvPr/>
-      </p:nvGrpSpPr>
-      <p:grpSpPr>
-        <a:xfrm>
-          <a:off x="0" y="0"/>
-          <a:ext cx="0" cy="0"/>
-          <a:chOff x="0" y="0"/>
-          <a:chExt cx="0" cy="0"/>
-        </a:xfrm>
-      </p:grpSpPr>
-      <p:sp>
-        <p:nvSpPr>
-          <p:cNvPr id="7170" name="Title 1"/>
-          <p:cNvSpPr>
-            <a:spLocks noGrp="1"/>
-          </p:cNvSpPr>
-          <p:nvPr>
-            <p:ph type="title"/>
-          </p:nvPr>
-        </p:nvSpPr>
-        <p:spPr>
-          <a:xfrm>
-            <a:off x="0" y="0"/>
-            <a:ext cx="9144000" cy="1295400"/>
-          </a:xfrm>
-        </p:spPr>
-        <p:txBody>
-          <a:bodyPr/>
-          <a:lstStyle/>
-          <a:p>
-            <a:pPr algn="ctr" eaLnBrk="1" hangingPunct="1"/>
-            <a:r>
-              <a:rPr lang="en-US" sz="3100" dirty="0" smtClean="0">
-                <a:latin typeface="Arial" pitchFamily="34" charset="0"/>
-                <a:cs typeface="Arial" pitchFamily="34" charset="0"/>
-              </a:rPr>
-              <a:t>Experimental </a:t>
-            </a:r>
-            <a:r>
-              <a:rPr lang="en-US" sz="3100" dirty="0" smtClean="0">
-                <a:latin typeface="Arial" pitchFamily="34" charset="0"/>
-                <a:cs typeface="Arial" pitchFamily="34" charset="0"/>
-              </a:rPr>
-              <a:t>Prototype</a:t>
-            </a:r>
-            <a:r>
-              <a:rPr lang="ro-RO" sz="3100" dirty="0" smtClean="0">
-                <a:latin typeface="Arial" pitchFamily="34" charset="0"/>
-                <a:cs typeface="Arial" pitchFamily="34" charset="0"/>
-              </a:rPr>
-              <a:t/>
-            </a:r>
-            <a:br>
-              <a:rPr lang="ro-RO" sz="3100" dirty="0" smtClean="0">
-                <a:latin typeface="Arial" pitchFamily="34" charset="0"/>
-                <a:cs typeface="Arial" pitchFamily="34" charset="0"/>
-              </a:rPr>
-            </a:br>
-            <a:r>
-              <a:rPr lang="en-US" sz="2000" dirty="0" smtClean="0">
-                <a:latin typeface="Arial" pitchFamily="34" charset="0"/>
-                <a:cs typeface="Arial" pitchFamily="34" charset="0"/>
-              </a:rPr>
-              <a:t>Detailed System Architecture</a:t>
-            </a:r>
-            <a:endParaRPr lang="en-US" sz="3100" dirty="0" smtClean="0">
-              <a:latin typeface="Arial" pitchFamily="34" charset="0"/>
-              <a:cs typeface="Arial" pitchFamily="34" charset="0"/>
-            </a:endParaRPr>
-          </a:p>
-        </p:txBody>
-      </p:sp>
-      <p:sp>
-        <p:nvSpPr>
-          <p:cNvPr id="7172" name="Slide Number Placeholder 2"/>
-          <p:cNvSpPr>
-            <a:spLocks noGrp="1"/>
-          </p:cNvSpPr>
-          <p:nvPr>
-            <p:ph type="sldNum" sz="quarter" idx="10"/>
-          </p:nvPr>
-        </p:nvSpPr>
-        <p:spPr bwMode="auto">
-          <a:noFill/>
-          <a:ln>
-            <a:miter lim="800000"/>
-            <a:headEnd/>
-            <a:tailEnd/>
-          </a:ln>
-        </p:spPr>
-        <p:txBody>
-          <a:bodyPr vert="horz" wrap="square" lIns="91440" tIns="45720" rIns="91440" bIns="45720" numCol="1" anchor="t" anchorCtr="0" compatLnSpc="1">
-            <a:prstTxWarp prst="textNoShape">
-              <a:avLst/>
-            </a:prstTxWarp>
-          </a:bodyPr>
-          <a:lstStyle/>
-          <a:p>
-            <a:pPr fontAlgn="base">
-              <a:spcBef>
-                <a:spcPct val="0"/>
-              </a:spcBef>
-              <a:spcAft>
-                <a:spcPct val="0"/>
-              </a:spcAft>
-            </a:pPr>
-            <a:fld id="{FEB3FF15-7694-4C79-A17C-C5F32E1F8115}" type="slidenum">
-              <a:rPr lang="en-US" smtClean="0"/>
-              <a:pPr fontAlgn="base">
-                <a:spcBef>
-                  <a:spcPct val="0"/>
-                </a:spcBef>
-                <a:spcAft>
-                  <a:spcPct val="0"/>
-                </a:spcAft>
-              </a:pPr>
-              <a:t>26</a:t>
             </a:fld>
             <a:endParaRPr lang="en-US" smtClean="0"/>
           </a:p>
@@ -18803,7 +18236,7 @@
 </p:sld>
 </file>
 
-<file path=ppt/slides/slide27.xml><?xml version="1.0" encoding="utf-8"?>
+<file path=ppt/slides/slide26.xml><?xml version="1.0" encoding="utf-8"?>
 <p:sld xmlns:a="http://schemas.openxmlformats.org/drawingml/2006/main" xmlns:r="http://schemas.openxmlformats.org/officeDocument/2006/relationships" xmlns:p="http://schemas.openxmlformats.org/presentationml/2006/main">
   <p:cSld>
     <p:spTree>
@@ -19045,7 +18478,7 @@
                   <a:spcPct val="0"/>
                 </a:spcAft>
               </a:pPr>
-              <a:t>27</a:t>
+              <a:t>26</a:t>
             </a:fld>
             <a:endParaRPr lang="en-US" smtClean="0"/>
           </a:p>
@@ -19197,7 +18630,7 @@
 </p:sld>
 </file>
 
-<file path=ppt/slides/slide28.xml><?xml version="1.0" encoding="utf-8"?>
+<file path=ppt/slides/slide27.xml><?xml version="1.0" encoding="utf-8"?>
 <p:sld xmlns:a="http://schemas.openxmlformats.org/drawingml/2006/main" xmlns:r="http://schemas.openxmlformats.org/officeDocument/2006/relationships" xmlns:p="http://schemas.openxmlformats.org/presentationml/2006/main">
   <p:cSld>
     <p:spTree>
@@ -19258,7 +18691,7 @@
                   <a:spcPct val="0"/>
                 </a:spcAft>
               </a:pPr>
-              <a:t>28</a:t>
+              <a:t>27</a:t>
             </a:fld>
             <a:endParaRPr lang="en-US" smtClean="0"/>
           </a:p>
@@ -19392,25 +18825,6 @@
               <a:latin typeface="Arial" pitchFamily="34" charset="0"/>
               <a:cs typeface="Arial" pitchFamily="34" charset="0"/>
             </a:endParaRPr>
-          </a:p>
-        </p:txBody>
-      </p:sp>
-      <p:sp>
-        <p:nvSpPr>
-          <p:cNvPr id="2" name="Content Placeholder 1"/>
-          <p:cNvSpPr>
-            <a:spLocks noGrp="1"/>
-          </p:cNvSpPr>
-          <p:nvPr>
-            <p:ph sz="quarter" idx="1"/>
-          </p:nvPr>
-        </p:nvSpPr>
-        <p:spPr/>
-        <p:txBody>
-          <a:bodyPr/>
-          <a:lstStyle/>
-          <a:p>
-            <a:endParaRPr lang="en-US"/>
           </a:p>
         </p:txBody>
       </p:sp>
@@ -19456,7 +18870,7 @@
 </p:sld>
 </file>
 
-<file path=ppt/slides/slide29.xml><?xml version="1.0" encoding="utf-8"?>
+<file path=ppt/slides/slide28.xml><?xml version="1.0" encoding="utf-8"?>
 <p:sld xmlns:a="http://schemas.openxmlformats.org/drawingml/2006/main" xmlns:r="http://schemas.openxmlformats.org/officeDocument/2006/relationships" xmlns:p="http://schemas.openxmlformats.org/presentationml/2006/main">
   <p:cSld>
     <p:spTree>
@@ -19517,7 +18931,7 @@
                   <a:spcPct val="0"/>
                 </a:spcAft>
               </a:pPr>
-              <a:t>29</a:t>
+              <a:t>28</a:t>
             </a:fld>
             <a:endParaRPr lang="en-US" smtClean="0"/>
           </a:p>
@@ -19700,7 +19114,7 @@
 </p:sld>
 </file>
 
-<file path=ppt/slides/slide3.xml><?xml version="1.0" encoding="utf-8"?>
+<file path=ppt/slides/slide29.xml><?xml version="1.0" encoding="utf-8"?>
 <p:sld xmlns:a="http://schemas.openxmlformats.org/drawingml/2006/main" xmlns:r="http://schemas.openxmlformats.org/officeDocument/2006/relationships" xmlns:p="http://schemas.openxmlformats.org/presentationml/2006/main">
   <p:cSld>
     <p:spTree>
@@ -19717,169 +19131,6 @@
           <a:chExt cx="0" cy="0"/>
         </a:xfrm>
       </p:grpSpPr>
-      <p:sp>
-        <p:nvSpPr>
-          <p:cNvPr id="7170" name="Title 1"/>
-          <p:cNvSpPr>
-            <a:spLocks noGrp="1"/>
-          </p:cNvSpPr>
-          <p:nvPr>
-            <p:ph type="title"/>
-          </p:nvPr>
-        </p:nvSpPr>
-        <p:spPr>
-          <a:xfrm>
-            <a:off x="0" y="0"/>
-            <a:ext cx="9144000" cy="1295400"/>
-          </a:xfrm>
-        </p:spPr>
-        <p:txBody>
-          <a:bodyPr/>
-          <a:lstStyle/>
-          <a:p>
-            <a:pPr algn="ctr" eaLnBrk="1" hangingPunct="1"/>
-            <a:r>
-              <a:rPr lang="en-US" sz="3000" dirty="0" smtClean="0">
-                <a:latin typeface="Arial" pitchFamily="34" charset="0"/>
-                <a:cs typeface="Arial" pitchFamily="34" charset="0"/>
-              </a:rPr>
-              <a:t>Introduction (I)</a:t>
-            </a:r>
-            <a:endParaRPr lang="en-US" sz="3000" dirty="0" smtClean="0">
-              <a:solidFill>
-                <a:schemeClr val="tx1"/>
-              </a:solidFill>
-              <a:latin typeface="Arial" pitchFamily="34" charset="0"/>
-              <a:cs typeface="Arial" pitchFamily="34" charset="0"/>
-            </a:endParaRPr>
-          </a:p>
-        </p:txBody>
-      </p:sp>
-      <p:sp>
-        <p:nvSpPr>
-          <p:cNvPr id="7171" name="Content Placeholder 3"/>
-          <p:cNvSpPr>
-            <a:spLocks noGrp="1"/>
-          </p:cNvSpPr>
-          <p:nvPr>
-            <p:ph sz="quarter" idx="1"/>
-          </p:nvPr>
-        </p:nvSpPr>
-        <p:spPr>
-          <a:xfrm>
-            <a:off x="0" y="1500174"/>
-            <a:ext cx="9144000" cy="4929222"/>
-          </a:xfrm>
-        </p:spPr>
-        <p:txBody>
-          <a:bodyPr/>
-          <a:lstStyle/>
-          <a:p>
-            <a:pPr eaLnBrk="1" hangingPunct="1"/>
-            <a:r>
-              <a:rPr lang="en-US" sz="2400" dirty="0" smtClean="0">
-                <a:latin typeface="Arial" pitchFamily="34" charset="0"/>
-                <a:cs typeface="Arial" pitchFamily="34" charset="0"/>
-              </a:rPr>
-              <a:t>Context</a:t>
-            </a:r>
-            <a:endParaRPr lang="en-US" sz="2800" dirty="0" smtClean="0">
-              <a:latin typeface="Arial" pitchFamily="34" charset="0"/>
-              <a:cs typeface="Arial" pitchFamily="34" charset="0"/>
-            </a:endParaRPr>
-          </a:p>
-          <a:p>
-            <a:pPr lvl="1"/>
-            <a:r>
-              <a:rPr lang="en-US" sz="1800" dirty="0"/>
-              <a:t>In Europe </a:t>
-            </a:r>
-            <a:r>
-              <a:rPr lang="en-US" sz="1800" u="sng" dirty="0"/>
-              <a:t>over 15%</a:t>
-            </a:r>
-            <a:r>
-              <a:rPr lang="en-US" sz="1800" dirty="0"/>
-              <a:t> of the elderly population is affected by </a:t>
-            </a:r>
-            <a:r>
-              <a:rPr lang="en-US" sz="1800" dirty="0" smtClean="0"/>
-              <a:t>malnutrition</a:t>
-            </a:r>
-          </a:p>
-          <a:p>
-            <a:pPr lvl="1"/>
-            <a:endParaRPr lang="en-US" sz="1800" dirty="0"/>
-          </a:p>
-          <a:p>
-            <a:pPr lvl="1"/>
-            <a:r>
-              <a:rPr lang="en-US" sz="1800" dirty="0"/>
-              <a:t>Recent studies have shown that the ratio of retirees to workers in Europe will double to </a:t>
-            </a:r>
-            <a:r>
-              <a:rPr lang="en-US" sz="1800" u="sng" dirty="0"/>
-              <a:t>0.54 by </a:t>
-            </a:r>
-            <a:r>
-              <a:rPr lang="en-US" sz="1800" u="sng" dirty="0" smtClean="0"/>
-              <a:t>2050</a:t>
-            </a:r>
-          </a:p>
-          <a:p>
-            <a:pPr lvl="1"/>
-            <a:endParaRPr lang="en-US" sz="1800" b="1" u="sng" dirty="0"/>
-          </a:p>
-          <a:p>
-            <a:pPr lvl="1"/>
-            <a:r>
-              <a:rPr lang="en-US" sz="1800" dirty="0"/>
-              <a:t>The growth of senior population will result a need of medical care services that the</a:t>
-            </a:r>
-            <a:r>
-              <a:rPr lang="en-US" sz="1800" b="1" dirty="0"/>
-              <a:t> </a:t>
-            </a:r>
-            <a:r>
-              <a:rPr lang="en-US" sz="1800" u="sng" dirty="0"/>
-              <a:t>current medical care systems cannot </a:t>
-            </a:r>
-            <a:r>
-              <a:rPr lang="en-US" sz="1800" u="sng" dirty="0" smtClean="0"/>
-              <a:t>withstand</a:t>
-            </a:r>
-            <a:endParaRPr lang="en-US" sz="1800" u="sng" dirty="0"/>
-          </a:p>
-          <a:p>
-            <a:pPr lvl="1"/>
-            <a:endParaRPr lang="en-US" sz="1800" dirty="0" smtClean="0"/>
-          </a:p>
-          <a:p>
-            <a:pPr lvl="1"/>
-            <a:endParaRPr lang="en-US" sz="1800" dirty="0"/>
-          </a:p>
-          <a:p>
-            <a:pPr lvl="1"/>
-            <a:endParaRPr lang="en-US" sz="2000" dirty="0"/>
-          </a:p>
-          <a:p>
-            <a:pPr lvl="1" eaLnBrk="1" hangingPunct="1">
-              <a:buNone/>
-            </a:pPr>
-            <a:endParaRPr lang="en-US" sz="1900" dirty="0" smtClean="0">
-              <a:latin typeface="Arial" pitchFamily="34" charset="0"/>
-              <a:cs typeface="Arial" pitchFamily="34" charset="0"/>
-            </a:endParaRPr>
-          </a:p>
-          <a:p>
-            <a:pPr lvl="1" eaLnBrk="1" hangingPunct="1"/>
-            <a:endParaRPr lang="en-US" sz="2100" b="1" dirty="0" smtClean="0">
-              <a:latin typeface="Arial" pitchFamily="34" charset="0"/>
-              <a:cs typeface="Arial" pitchFamily="34" charset="0"/>
-            </a:endParaRPr>
-          </a:p>
-        </p:txBody>
-      </p:sp>
       <p:sp>
         <p:nvSpPr>
           <p:cNvPr id="7172" name="Slide Number Placeholder 2"/>
@@ -19924,89 +19175,7 @@
                   <a:spcPct val="0"/>
                 </a:spcAft>
               </a:pPr>
-              <a:t>3</a:t>
-            </a:fld>
-            <a:endParaRPr lang="en-US" smtClean="0"/>
-          </a:p>
-        </p:txBody>
-      </p:sp>
-    </p:spTree>
-  </p:cSld>
-  <p:clrMapOvr>
-    <a:masterClrMapping/>
-  </p:clrMapOvr>
-  <p:timing>
-    <p:tnLst>
-      <p:par>
-        <p:cTn id="1" dur="indefinite" restart="never" nodeType="tmRoot"/>
-      </p:par>
-    </p:tnLst>
-  </p:timing>
-</p:sld>
-</file>
-
-<file path=ppt/slides/slide30.xml><?xml version="1.0" encoding="utf-8"?>
-<p:sld xmlns:a="http://schemas.openxmlformats.org/drawingml/2006/main" xmlns:r="http://schemas.openxmlformats.org/officeDocument/2006/relationships" xmlns:p="http://schemas.openxmlformats.org/presentationml/2006/main">
-  <p:cSld>
-    <p:spTree>
-      <p:nvGrpSpPr>
-        <p:cNvPr id="1" name=""/>
-        <p:cNvGrpSpPr/>
-        <p:nvPr/>
-      </p:nvGrpSpPr>
-      <p:grpSpPr>
-        <a:xfrm>
-          <a:off x="0" y="0"/>
-          <a:ext cx="0" cy="0"/>
-          <a:chOff x="0" y="0"/>
-          <a:chExt cx="0" cy="0"/>
-        </a:xfrm>
-      </p:grpSpPr>
-      <p:sp>
-        <p:nvSpPr>
-          <p:cNvPr id="7172" name="Slide Number Placeholder 2"/>
-          <p:cNvSpPr>
-            <a:spLocks noGrp="1"/>
-          </p:cNvSpPr>
-          <p:nvPr>
-            <p:ph type="sldNum" sz="quarter" idx="10"/>
-          </p:nvPr>
-        </p:nvSpPr>
-        <p:spPr bwMode="auto">
-          <a:noFill/>
-          <a:ln>
-            <a:miter lim="800000"/>
-            <a:headEnd/>
-            <a:tailEnd/>
-          </a:ln>
-        </p:spPr>
-        <p:txBody>
-          <a:bodyPr vert="horz" wrap="square" lIns="91440" tIns="45720" rIns="91440" bIns="45720" numCol="1" anchor="t" anchorCtr="0" compatLnSpc="1">
-            <a:prstTxWarp prst="textNoShape">
-              <a:avLst/>
-            </a:prstTxWarp>
-          </a:bodyPr>
-          <a:lstStyle/>
-          <a:p>
-            <a:pPr fontAlgn="base">
-              <a:spcBef>
-                <a:spcPct val="0"/>
-              </a:spcBef>
-              <a:spcAft>
-                <a:spcPct val="0"/>
-              </a:spcAft>
-            </a:pPr>
-            <a:fld id="{FEB3FF15-7694-4C79-A17C-C5F32E1F8115}" type="slidenum">
-              <a:rPr lang="en-US" smtClean="0"/>
-              <a:pPr fontAlgn="base">
-                <a:spcBef>
-                  <a:spcPct val="0"/>
-                </a:spcBef>
-                <a:spcAft>
-                  <a:spcPct val="0"/>
-                </a:spcAft>
-              </a:pPr>
-              <a:t>30</a:t>
+              <a:t>29</a:t>
             </a:fld>
             <a:endParaRPr lang="en-US" smtClean="0"/>
           </a:p>
@@ -20134,14 +19303,7 @@
                 <a:latin typeface="Arial" pitchFamily="34" charset="0"/>
                 <a:cs typeface="Arial" pitchFamily="34" charset="0"/>
               </a:rPr>
-              <a:t>Database </a:t>
-            </a:r>
-            <a:r>
-              <a:rPr lang="en-US" sz="2000" dirty="0" smtClean="0">
-                <a:latin typeface="Arial" pitchFamily="34" charset="0"/>
-                <a:cs typeface="Arial" pitchFamily="34" charset="0"/>
-              </a:rPr>
-              <a:t>Design (I)</a:t>
+              <a:t>Database Design (I)</a:t>
             </a:r>
             <a:endParaRPr lang="en-US" sz="3100" dirty="0" smtClean="0">
               <a:latin typeface="Arial" pitchFamily="34" charset="0"/>
@@ -20194,7 +19356,7 @@
 </p:sld>
 </file>
 
-<file path=ppt/slides/slide31.xml><?xml version="1.0" encoding="utf-8"?>
+<file path=ppt/slides/slide3.xml><?xml version="1.0" encoding="utf-8"?>
 <p:sld xmlns:a="http://schemas.openxmlformats.org/drawingml/2006/main" xmlns:r="http://schemas.openxmlformats.org/officeDocument/2006/relationships" xmlns:p="http://schemas.openxmlformats.org/presentationml/2006/main">
   <p:cSld>
     <p:spTree>
@@ -20211,6 +19373,169 @@
           <a:chExt cx="0" cy="0"/>
         </a:xfrm>
       </p:grpSpPr>
+      <p:sp>
+        <p:nvSpPr>
+          <p:cNvPr id="7170" name="Title 1"/>
+          <p:cNvSpPr>
+            <a:spLocks noGrp="1"/>
+          </p:cNvSpPr>
+          <p:nvPr>
+            <p:ph type="title"/>
+          </p:nvPr>
+        </p:nvSpPr>
+        <p:spPr>
+          <a:xfrm>
+            <a:off x="0" y="0"/>
+            <a:ext cx="9144000" cy="1295400"/>
+          </a:xfrm>
+        </p:spPr>
+        <p:txBody>
+          <a:bodyPr/>
+          <a:lstStyle/>
+          <a:p>
+            <a:pPr algn="ctr" eaLnBrk="1" hangingPunct="1"/>
+            <a:r>
+              <a:rPr lang="en-US" sz="3000" dirty="0" smtClean="0">
+                <a:latin typeface="Arial" pitchFamily="34" charset="0"/>
+                <a:cs typeface="Arial" pitchFamily="34" charset="0"/>
+              </a:rPr>
+              <a:t>Introduction (I)</a:t>
+            </a:r>
+            <a:endParaRPr lang="en-US" sz="3000" dirty="0" smtClean="0">
+              <a:solidFill>
+                <a:schemeClr val="tx1"/>
+              </a:solidFill>
+              <a:latin typeface="Arial" pitchFamily="34" charset="0"/>
+              <a:cs typeface="Arial" pitchFamily="34" charset="0"/>
+            </a:endParaRPr>
+          </a:p>
+        </p:txBody>
+      </p:sp>
+      <p:sp>
+        <p:nvSpPr>
+          <p:cNvPr id="7171" name="Content Placeholder 3"/>
+          <p:cNvSpPr>
+            <a:spLocks noGrp="1"/>
+          </p:cNvSpPr>
+          <p:nvPr>
+            <p:ph sz="quarter" idx="1"/>
+          </p:nvPr>
+        </p:nvSpPr>
+        <p:spPr>
+          <a:xfrm>
+            <a:off x="0" y="1500174"/>
+            <a:ext cx="9144000" cy="4929222"/>
+          </a:xfrm>
+        </p:spPr>
+        <p:txBody>
+          <a:bodyPr/>
+          <a:lstStyle/>
+          <a:p>
+            <a:pPr eaLnBrk="1" hangingPunct="1"/>
+            <a:r>
+              <a:rPr lang="en-US" sz="2400" dirty="0" smtClean="0">
+                <a:latin typeface="Arial" pitchFamily="34" charset="0"/>
+                <a:cs typeface="Arial" pitchFamily="34" charset="0"/>
+              </a:rPr>
+              <a:t>Context</a:t>
+            </a:r>
+            <a:endParaRPr lang="en-US" sz="2800" dirty="0" smtClean="0">
+              <a:latin typeface="Arial" pitchFamily="34" charset="0"/>
+              <a:cs typeface="Arial" pitchFamily="34" charset="0"/>
+            </a:endParaRPr>
+          </a:p>
+          <a:p>
+            <a:pPr lvl="1"/>
+            <a:r>
+              <a:rPr lang="en-US" sz="1800" dirty="0"/>
+              <a:t>In Europe </a:t>
+            </a:r>
+            <a:r>
+              <a:rPr lang="en-US" sz="1800" u="sng" dirty="0"/>
+              <a:t>over 15%</a:t>
+            </a:r>
+            <a:r>
+              <a:rPr lang="en-US" sz="1800" dirty="0"/>
+              <a:t> of the elderly population is affected by </a:t>
+            </a:r>
+            <a:r>
+              <a:rPr lang="en-US" sz="1800" dirty="0" smtClean="0"/>
+              <a:t>malnutrition</a:t>
+            </a:r>
+          </a:p>
+          <a:p>
+            <a:pPr lvl="1"/>
+            <a:endParaRPr lang="en-US" sz="1800" dirty="0"/>
+          </a:p>
+          <a:p>
+            <a:pPr lvl="1"/>
+            <a:r>
+              <a:rPr lang="en-US" sz="1800" dirty="0"/>
+              <a:t>Recent studies have shown that the ratio of retirees to workers in Europe will double to </a:t>
+            </a:r>
+            <a:r>
+              <a:rPr lang="en-US" sz="1800" u="sng" dirty="0"/>
+              <a:t>0.54 by </a:t>
+            </a:r>
+            <a:r>
+              <a:rPr lang="en-US" sz="1800" u="sng" dirty="0" smtClean="0"/>
+              <a:t>2050</a:t>
+            </a:r>
+          </a:p>
+          <a:p>
+            <a:pPr lvl="1"/>
+            <a:endParaRPr lang="en-US" sz="1800" b="1" u="sng" dirty="0"/>
+          </a:p>
+          <a:p>
+            <a:pPr lvl="1"/>
+            <a:r>
+              <a:rPr lang="en-US" sz="1800" dirty="0"/>
+              <a:t>The growth of senior population will result a need of medical care services that the</a:t>
+            </a:r>
+            <a:r>
+              <a:rPr lang="en-US" sz="1800" b="1" dirty="0"/>
+              <a:t> </a:t>
+            </a:r>
+            <a:r>
+              <a:rPr lang="en-US" sz="1800" u="sng" dirty="0"/>
+              <a:t>current medical care systems cannot </a:t>
+            </a:r>
+            <a:r>
+              <a:rPr lang="en-US" sz="1800" u="sng" dirty="0" smtClean="0"/>
+              <a:t>withstand</a:t>
+            </a:r>
+            <a:endParaRPr lang="en-US" sz="1800" u="sng" dirty="0"/>
+          </a:p>
+          <a:p>
+            <a:pPr lvl="1"/>
+            <a:endParaRPr lang="en-US" sz="1800" dirty="0" smtClean="0"/>
+          </a:p>
+          <a:p>
+            <a:pPr lvl="1"/>
+            <a:endParaRPr lang="en-US" sz="1800" dirty="0"/>
+          </a:p>
+          <a:p>
+            <a:pPr lvl="1"/>
+            <a:endParaRPr lang="en-US" sz="2000" dirty="0"/>
+          </a:p>
+          <a:p>
+            <a:pPr lvl="1" eaLnBrk="1" hangingPunct="1">
+              <a:buNone/>
+            </a:pPr>
+            <a:endParaRPr lang="en-US" sz="1900" dirty="0" smtClean="0">
+              <a:latin typeface="Arial" pitchFamily="34" charset="0"/>
+              <a:cs typeface="Arial" pitchFamily="34" charset="0"/>
+            </a:endParaRPr>
+          </a:p>
+          <a:p>
+            <a:pPr lvl="1" eaLnBrk="1" hangingPunct="1"/>
+            <a:endParaRPr lang="en-US" sz="2100" b="1" dirty="0" smtClean="0">
+              <a:latin typeface="Arial" pitchFamily="34" charset="0"/>
+              <a:cs typeface="Arial" pitchFamily="34" charset="0"/>
+            </a:endParaRPr>
+          </a:p>
+        </p:txBody>
+      </p:sp>
       <p:sp>
         <p:nvSpPr>
           <p:cNvPr id="7172" name="Slide Number Placeholder 2"/>
@@ -20255,7 +19580,89 @@
                   <a:spcPct val="0"/>
                 </a:spcAft>
               </a:pPr>
-              <a:t>31</a:t>
+              <a:t>3</a:t>
+            </a:fld>
+            <a:endParaRPr lang="en-US" smtClean="0"/>
+          </a:p>
+        </p:txBody>
+      </p:sp>
+    </p:spTree>
+  </p:cSld>
+  <p:clrMapOvr>
+    <a:masterClrMapping/>
+  </p:clrMapOvr>
+  <p:timing>
+    <p:tnLst>
+      <p:par>
+        <p:cTn id="1" dur="indefinite" restart="never" nodeType="tmRoot"/>
+      </p:par>
+    </p:tnLst>
+  </p:timing>
+</p:sld>
+</file>
+
+<file path=ppt/slides/slide30.xml><?xml version="1.0" encoding="utf-8"?>
+<p:sld xmlns:a="http://schemas.openxmlformats.org/drawingml/2006/main" xmlns:r="http://schemas.openxmlformats.org/officeDocument/2006/relationships" xmlns:p="http://schemas.openxmlformats.org/presentationml/2006/main">
+  <p:cSld>
+    <p:spTree>
+      <p:nvGrpSpPr>
+        <p:cNvPr id="1" name=""/>
+        <p:cNvGrpSpPr/>
+        <p:nvPr/>
+      </p:nvGrpSpPr>
+      <p:grpSpPr>
+        <a:xfrm>
+          <a:off x="0" y="0"/>
+          <a:ext cx="0" cy="0"/>
+          <a:chOff x="0" y="0"/>
+          <a:chExt cx="0" cy="0"/>
+        </a:xfrm>
+      </p:grpSpPr>
+      <p:sp>
+        <p:nvSpPr>
+          <p:cNvPr id="7172" name="Slide Number Placeholder 2"/>
+          <p:cNvSpPr>
+            <a:spLocks noGrp="1"/>
+          </p:cNvSpPr>
+          <p:nvPr>
+            <p:ph type="sldNum" sz="quarter" idx="10"/>
+          </p:nvPr>
+        </p:nvSpPr>
+        <p:spPr bwMode="auto">
+          <a:noFill/>
+          <a:ln>
+            <a:miter lim="800000"/>
+            <a:headEnd/>
+            <a:tailEnd/>
+          </a:ln>
+        </p:spPr>
+        <p:txBody>
+          <a:bodyPr vert="horz" wrap="square" lIns="91440" tIns="45720" rIns="91440" bIns="45720" numCol="1" anchor="t" anchorCtr="0" compatLnSpc="1">
+            <a:prstTxWarp prst="textNoShape">
+              <a:avLst/>
+            </a:prstTxWarp>
+          </a:bodyPr>
+          <a:lstStyle/>
+          <a:p>
+            <a:pPr fontAlgn="base">
+              <a:spcBef>
+                <a:spcPct val="0"/>
+              </a:spcBef>
+              <a:spcAft>
+                <a:spcPct val="0"/>
+              </a:spcAft>
+            </a:pPr>
+            <a:fld id="{FEB3FF15-7694-4C79-A17C-C5F32E1F8115}" type="slidenum">
+              <a:rPr lang="en-US" smtClean="0"/>
+              <a:pPr fontAlgn="base">
+                <a:spcBef>
+                  <a:spcPct val="0"/>
+                </a:spcBef>
+                <a:spcAft>
+                  <a:spcPct val="0"/>
+                </a:spcAft>
+              </a:pPr>
+              <a:t>30</a:t>
             </a:fld>
             <a:endParaRPr lang="en-US" smtClean="0"/>
           </a:p>
@@ -20383,14 +19790,7 @@
                 <a:latin typeface="Arial" pitchFamily="34" charset="0"/>
                 <a:cs typeface="Arial" pitchFamily="34" charset="0"/>
               </a:rPr>
-              <a:t>Database </a:t>
-            </a:r>
-            <a:r>
-              <a:rPr lang="en-US" sz="2000" dirty="0" smtClean="0">
-                <a:latin typeface="Arial" pitchFamily="34" charset="0"/>
-                <a:cs typeface="Arial" pitchFamily="34" charset="0"/>
-              </a:rPr>
-              <a:t>Design (II)</a:t>
+              <a:t>Database Design (II)</a:t>
             </a:r>
             <a:endParaRPr lang="en-US" sz="3100" dirty="0" smtClean="0">
               <a:latin typeface="Arial" pitchFamily="34" charset="0"/>
@@ -20443,7 +19843,7 @@
 </p:sld>
 </file>
 
-<file path=ppt/slides/slide32.xml><?xml version="1.0" encoding="utf-8"?>
+<file path=ppt/slides/slide31.xml><?xml version="1.0" encoding="utf-8"?>
 <p:sld xmlns:a="http://schemas.openxmlformats.org/drawingml/2006/main" xmlns:r="http://schemas.openxmlformats.org/officeDocument/2006/relationships" xmlns:p="http://schemas.openxmlformats.org/presentationml/2006/main">
   <p:cSld>
     <p:spTree>
@@ -20504,7 +19904,7 @@
                   <a:spcPct val="0"/>
                 </a:spcAft>
               </a:pPr>
-              <a:t>32</a:t>
+              <a:t>31</a:t>
             </a:fld>
             <a:endParaRPr lang="en-US" smtClean="0"/>
           </a:p>
@@ -20702,11 +20102,7 @@
           <a:p>
             <a:r>
               <a:rPr lang="en-US" dirty="0" smtClean="0"/>
-              <a:t>Nutritional Information of Feta Cheese from </a:t>
-            </a:r>
-            <a:r>
-              <a:rPr lang="en-US" dirty="0" smtClean="0"/>
-              <a:t>USDA </a:t>
+              <a:t>Nutritional Information of Feta Cheese from USDA </a:t>
             </a:r>
           </a:p>
           <a:p>
@@ -20726,6 +20122,313 @@
     <p:extLst>
       <p:ext uri="{BB962C8B-B14F-4D97-AF65-F5344CB8AC3E}">
         <p14:creationId xmlns:p14="http://schemas.microsoft.com/office/powerpoint/2010/main" val="41452505"/>
+      </p:ext>
+    </p:extLst>
+  </p:cSld>
+  <p:clrMapOvr>
+    <a:masterClrMapping/>
+  </p:clrMapOvr>
+  <p:timing>
+    <p:tnLst>
+      <p:par>
+        <p:cTn id="1" dur="indefinite" restart="never" nodeType="tmRoot"/>
+      </p:par>
+    </p:tnLst>
+  </p:timing>
+</p:sld>
+</file>
+
+<file path=ppt/slides/slide32.xml><?xml version="1.0" encoding="utf-8"?>
+<p:sld xmlns:a="http://schemas.openxmlformats.org/drawingml/2006/main" xmlns:r="http://schemas.openxmlformats.org/officeDocument/2006/relationships" xmlns:p="http://schemas.openxmlformats.org/presentationml/2006/main">
+  <p:cSld>
+    <p:spTree>
+      <p:nvGrpSpPr>
+        <p:cNvPr id="1" name=""/>
+        <p:cNvGrpSpPr/>
+        <p:nvPr/>
+      </p:nvGrpSpPr>
+      <p:grpSpPr>
+        <a:xfrm>
+          <a:off x="0" y="0"/>
+          <a:ext cx="0" cy="0"/>
+          <a:chOff x="0" y="0"/>
+          <a:chExt cx="0" cy="0"/>
+        </a:xfrm>
+      </p:grpSpPr>
+      <p:sp>
+        <p:nvSpPr>
+          <p:cNvPr id="7170" name="Title 1"/>
+          <p:cNvSpPr>
+            <a:spLocks noGrp="1"/>
+          </p:cNvSpPr>
+          <p:nvPr>
+            <p:ph type="title"/>
+          </p:nvPr>
+        </p:nvSpPr>
+        <p:spPr>
+          <a:xfrm>
+            <a:off x="0" y="0"/>
+            <a:ext cx="9144000" cy="1295400"/>
+          </a:xfrm>
+        </p:spPr>
+        <p:txBody>
+          <a:bodyPr/>
+          <a:lstStyle/>
+          <a:p>
+            <a:pPr algn="ctr" eaLnBrk="1" hangingPunct="1"/>
+            <a:r>
+              <a:rPr lang="en-US" sz="3000" dirty="0" smtClean="0">
+                <a:latin typeface="Arial" pitchFamily="34" charset="0"/>
+                <a:cs typeface="Arial" pitchFamily="34" charset="0"/>
+              </a:rPr>
+              <a:t>Agenda</a:t>
+            </a:r>
+          </a:p>
+        </p:txBody>
+      </p:sp>
+      <p:sp>
+        <p:nvSpPr>
+          <p:cNvPr id="7171" name="Content Placeholder 3"/>
+          <p:cNvSpPr>
+            <a:spLocks noGrp="1"/>
+          </p:cNvSpPr>
+          <p:nvPr>
+            <p:ph sz="quarter" idx="1"/>
+          </p:nvPr>
+        </p:nvSpPr>
+        <p:spPr>
+          <a:xfrm>
+            <a:off x="0" y="1600200"/>
+            <a:ext cx="9144000" cy="4495800"/>
+          </a:xfrm>
+        </p:spPr>
+        <p:txBody>
+          <a:bodyPr/>
+          <a:lstStyle/>
+          <a:p>
+            <a:pPr eaLnBrk="1" hangingPunct="1"/>
+            <a:r>
+              <a:rPr lang="ro-RO" sz="2300" dirty="0" smtClean="0">
+                <a:solidFill>
+                  <a:schemeClr val="bg1">
+                    <a:lumMod val="65000"/>
+                  </a:schemeClr>
+                </a:solidFill>
+                <a:latin typeface="Arial" pitchFamily="34" charset="0"/>
+                <a:cs typeface="Arial" pitchFamily="34" charset="0"/>
+              </a:rPr>
+              <a:t>Introduc</a:t>
+            </a:r>
+            <a:r>
+              <a:rPr lang="en-US" sz="2300" dirty="0" err="1" smtClean="0">
+                <a:solidFill>
+                  <a:schemeClr val="bg1">
+                    <a:lumMod val="65000"/>
+                  </a:schemeClr>
+                </a:solidFill>
+                <a:latin typeface="Arial" pitchFamily="34" charset="0"/>
+                <a:cs typeface="Arial" pitchFamily="34" charset="0"/>
+              </a:rPr>
+              <a:t>tion</a:t>
+            </a:r>
+            <a:endParaRPr lang="ro-RO" sz="2300" dirty="0" smtClean="0">
+              <a:solidFill>
+                <a:schemeClr val="bg1">
+                  <a:lumMod val="65000"/>
+                </a:schemeClr>
+              </a:solidFill>
+              <a:latin typeface="Arial" pitchFamily="34" charset="0"/>
+              <a:cs typeface="Arial" pitchFamily="34" charset="0"/>
+            </a:endParaRPr>
+          </a:p>
+          <a:p>
+            <a:pPr eaLnBrk="1" hangingPunct="1"/>
+            <a:r>
+              <a:rPr lang="en-US" sz="2300" dirty="0" smtClean="0">
+                <a:solidFill>
+                  <a:schemeClr val="bg1">
+                    <a:lumMod val="65000"/>
+                  </a:schemeClr>
+                </a:solidFill>
+              </a:rPr>
+              <a:t>Objectives and Contributions</a:t>
+            </a:r>
+          </a:p>
+          <a:p>
+            <a:pPr eaLnBrk="1" hangingPunct="1"/>
+            <a:r>
+              <a:rPr lang="en-US" sz="2300" dirty="0" smtClean="0">
+                <a:solidFill>
+                  <a:schemeClr val="bg1">
+                    <a:lumMod val="65000"/>
+                  </a:schemeClr>
+                </a:solidFill>
+                <a:latin typeface="Arial" pitchFamily="34" charset="0"/>
+                <a:cs typeface="Arial" pitchFamily="34" charset="0"/>
+              </a:rPr>
+              <a:t>Related Work</a:t>
+            </a:r>
+            <a:endParaRPr lang="ro-RO" sz="2300" dirty="0" smtClean="0">
+              <a:solidFill>
+                <a:schemeClr val="bg1">
+                  <a:lumMod val="65000"/>
+                </a:schemeClr>
+              </a:solidFill>
+              <a:latin typeface="Arial" pitchFamily="34" charset="0"/>
+              <a:cs typeface="Arial" pitchFamily="34" charset="0"/>
+            </a:endParaRPr>
+          </a:p>
+          <a:p>
+            <a:pPr eaLnBrk="1" hangingPunct="1"/>
+            <a:r>
+              <a:rPr lang="en-US" sz="2300" dirty="0" smtClean="0">
+                <a:solidFill>
+                  <a:schemeClr val="bg1">
+                    <a:lumMod val="65000"/>
+                  </a:schemeClr>
+                </a:solidFill>
+                <a:latin typeface="Arial" pitchFamily="34" charset="0"/>
+                <a:cs typeface="Arial" pitchFamily="34" charset="0"/>
+              </a:rPr>
+              <a:t>Problem Definition</a:t>
+            </a:r>
+          </a:p>
+          <a:p>
+            <a:pPr eaLnBrk="1" hangingPunct="1"/>
+            <a:r>
+              <a:rPr lang="en-US" sz="2300" dirty="0" smtClean="0">
+                <a:solidFill>
+                  <a:schemeClr val="bg1">
+                    <a:lumMod val="65000"/>
+                  </a:schemeClr>
+                </a:solidFill>
+              </a:rPr>
+              <a:t>Cuckoo Search Technique</a:t>
+            </a:r>
+            <a:endParaRPr lang="ro-RO" sz="2300" dirty="0" smtClean="0">
+              <a:solidFill>
+                <a:schemeClr val="bg1">
+                  <a:lumMod val="65000"/>
+                </a:schemeClr>
+              </a:solidFill>
+            </a:endParaRPr>
+          </a:p>
+          <a:p>
+            <a:pPr eaLnBrk="1" hangingPunct="1"/>
+            <a:r>
+              <a:rPr lang="en-US" sz="2300" dirty="0" smtClean="0">
+                <a:solidFill>
+                  <a:schemeClr val="bg1">
+                    <a:lumMod val="65000"/>
+                  </a:schemeClr>
+                </a:solidFill>
+                <a:latin typeface="Arial" pitchFamily="34" charset="0"/>
+                <a:cs typeface="Arial" pitchFamily="34" charset="0"/>
+              </a:rPr>
+              <a:t>Experimental Prototype</a:t>
+            </a:r>
+            <a:endParaRPr lang="ro-RO" sz="2300" dirty="0" smtClean="0">
+              <a:solidFill>
+                <a:schemeClr val="bg1">
+                  <a:lumMod val="65000"/>
+                </a:schemeClr>
+              </a:solidFill>
+              <a:latin typeface="Arial" pitchFamily="34" charset="0"/>
+              <a:cs typeface="Arial" pitchFamily="34" charset="0"/>
+            </a:endParaRPr>
+          </a:p>
+          <a:p>
+            <a:pPr eaLnBrk="1" hangingPunct="1"/>
+            <a:r>
+              <a:rPr lang="en-US" sz="2300" dirty="0" smtClean="0">
+                <a:latin typeface="Arial" pitchFamily="34" charset="0"/>
+                <a:cs typeface="Arial" pitchFamily="34" charset="0"/>
+              </a:rPr>
+              <a:t>Experimental Results</a:t>
+            </a:r>
+            <a:endParaRPr lang="ro-RO" sz="2300" dirty="0" smtClean="0">
+              <a:latin typeface="Arial" pitchFamily="34" charset="0"/>
+              <a:cs typeface="Arial" pitchFamily="34" charset="0"/>
+            </a:endParaRPr>
+          </a:p>
+          <a:p>
+            <a:pPr eaLnBrk="1" hangingPunct="1"/>
+            <a:r>
+              <a:rPr lang="en-US" sz="2300" dirty="0" smtClean="0">
+                <a:solidFill>
+                  <a:schemeClr val="bg1">
+                    <a:lumMod val="65000"/>
+                  </a:schemeClr>
+                </a:solidFill>
+                <a:latin typeface="Arial" pitchFamily="34" charset="0"/>
+                <a:cs typeface="Arial" pitchFamily="34" charset="0"/>
+              </a:rPr>
+              <a:t>Conclusions</a:t>
+            </a:r>
+          </a:p>
+          <a:p>
+            <a:pPr lvl="1" eaLnBrk="1" hangingPunct="1"/>
+            <a:endParaRPr lang="en-US" sz="2100" b="1" dirty="0" smtClean="0">
+              <a:latin typeface="Arial" pitchFamily="34" charset="0"/>
+              <a:cs typeface="Arial" pitchFamily="34" charset="0"/>
+            </a:endParaRPr>
+          </a:p>
+        </p:txBody>
+      </p:sp>
+      <p:sp>
+        <p:nvSpPr>
+          <p:cNvPr id="7172" name="Slide Number Placeholder 2"/>
+          <p:cNvSpPr>
+            <a:spLocks noGrp="1"/>
+          </p:cNvSpPr>
+          <p:nvPr>
+            <p:ph type="sldNum" sz="quarter" idx="10"/>
+          </p:nvPr>
+        </p:nvSpPr>
+        <p:spPr bwMode="auto">
+          <a:noFill/>
+          <a:ln>
+            <a:miter lim="800000"/>
+            <a:headEnd/>
+            <a:tailEnd/>
+          </a:ln>
+        </p:spPr>
+        <p:txBody>
+          <a:bodyPr vert="horz" wrap="square" lIns="91440" tIns="45720" rIns="91440" bIns="45720" numCol="1" anchor="t" anchorCtr="0" compatLnSpc="1">
+            <a:prstTxWarp prst="textNoShape">
+              <a:avLst/>
+            </a:prstTxWarp>
+          </a:bodyPr>
+          <a:lstStyle/>
+          <a:p>
+            <a:pPr fontAlgn="base">
+              <a:spcBef>
+                <a:spcPct val="0"/>
+              </a:spcBef>
+              <a:spcAft>
+                <a:spcPct val="0"/>
+              </a:spcAft>
+            </a:pPr>
+            <a:fld id="{FEB3FF15-7694-4C79-A17C-C5F32E1F8115}" type="slidenum">
+              <a:rPr lang="en-US" smtClean="0"/>
+              <a:pPr fontAlgn="base">
+                <a:spcBef>
+                  <a:spcPct val="0"/>
+                </a:spcBef>
+                <a:spcAft>
+                  <a:spcPct val="0"/>
+                </a:spcAft>
+              </a:pPr>
+              <a:t>32</a:t>
+            </a:fld>
+            <a:endParaRPr lang="en-US" smtClean="0"/>
+          </a:p>
+        </p:txBody>
+      </p:sp>
+    </p:spTree>
+    <p:extLst>
+      <p:ext uri="{BB962C8B-B14F-4D97-AF65-F5344CB8AC3E}">
+        <p14:creationId xmlns:p14="http://schemas.microsoft.com/office/powerpoint/2010/main" val="1892431564"/>
       </p:ext>
     </p:extLst>
   </p:cSld>
@@ -20781,12 +20484,42 @@
           <a:p>
             <a:pPr algn="ctr" eaLnBrk="1" hangingPunct="1"/>
             <a:r>
-              <a:rPr lang="en-US" sz="3000" dirty="0" smtClean="0">
+              <a:rPr lang="en-US" sz="3100" dirty="0">
                 <a:latin typeface="Arial" pitchFamily="34" charset="0"/>
                 <a:cs typeface="Arial" pitchFamily="34" charset="0"/>
               </a:rPr>
-              <a:t>Agenda</a:t>
-            </a:r>
+              <a:t/>
+            </a:r>
+            <a:br>
+              <a:rPr lang="en-US" sz="3100" dirty="0">
+                <a:latin typeface="Arial" pitchFamily="34" charset="0"/>
+                <a:cs typeface="Arial" pitchFamily="34" charset="0"/>
+              </a:rPr>
+            </a:br>
+            <a:r>
+              <a:rPr lang="en-US" sz="3100" dirty="0" smtClean="0">
+                <a:latin typeface="Arial" pitchFamily="34" charset="0"/>
+                <a:cs typeface="Arial" pitchFamily="34" charset="0"/>
+              </a:rPr>
+              <a:t>Experimental Results</a:t>
+            </a:r>
+            <a:r>
+              <a:rPr lang="ro-RO" sz="3100" dirty="0" smtClean="0">
+                <a:latin typeface="Arial" pitchFamily="34" charset="0"/>
+                <a:cs typeface="Arial" pitchFamily="34" charset="0"/>
+              </a:rPr>
+              <a:t/>
+            </a:r>
+            <a:br>
+              <a:rPr lang="ro-RO" sz="3100" dirty="0" smtClean="0">
+                <a:latin typeface="Arial" pitchFamily="34" charset="0"/>
+                <a:cs typeface="Arial" pitchFamily="34" charset="0"/>
+              </a:rPr>
+            </a:br>
+            <a:endParaRPr lang="en-US" sz="3100" dirty="0" smtClean="0">
+              <a:latin typeface="Arial" pitchFamily="34" charset="0"/>
+              <a:cs typeface="Arial" pitchFamily="34" charset="0"/>
+            </a:endParaRPr>
           </a:p>
         </p:txBody>
       </p:sp>
@@ -20803,178 +20536,126 @@
         <p:spPr>
           <a:xfrm>
             <a:off x="0" y="1600200"/>
-            <a:ext cx="9144000" cy="4495800"/>
+            <a:ext cx="9067800" cy="4495800"/>
           </a:xfrm>
         </p:spPr>
         <p:txBody>
           <a:bodyPr/>
           <a:lstStyle/>
           <a:p>
-            <a:pPr eaLnBrk="1" hangingPunct="1"/>
-            <a:r>
-              <a:rPr lang="ro-RO" sz="2300" dirty="0" smtClean="0">
-                <a:solidFill>
-                  <a:schemeClr val="bg1">
-                    <a:lumMod val="65000"/>
-                  </a:schemeClr>
-                </a:solidFill>
-                <a:latin typeface="Arial" pitchFamily="34" charset="0"/>
-                <a:cs typeface="Arial" pitchFamily="34" charset="0"/>
-              </a:rPr>
-              <a:t>Introduc</a:t>
-            </a:r>
-            <a:r>
-              <a:rPr lang="en-US" sz="2300" dirty="0" err="1" smtClean="0">
-                <a:solidFill>
-                  <a:schemeClr val="bg1">
-                    <a:lumMod val="65000"/>
-                  </a:schemeClr>
-                </a:solidFill>
-                <a:latin typeface="Arial" pitchFamily="34" charset="0"/>
-                <a:cs typeface="Arial" pitchFamily="34" charset="0"/>
-              </a:rPr>
-              <a:t>tion</a:t>
-            </a:r>
-            <a:endParaRPr lang="ro-RO" sz="2300" dirty="0" smtClean="0">
+            <a:r>
+              <a:rPr lang="en-US" sz="2400" dirty="0" smtClean="0"/>
+              <a:t>The purpose of the experiments are to:</a:t>
+            </a:r>
+            <a:endParaRPr lang="en-US" sz="2400" dirty="0"/>
+          </a:p>
+          <a:p>
+            <a:pPr lvl="1"/>
+            <a:r>
+              <a:rPr lang="en-US" sz="1800" dirty="0" smtClean="0"/>
+              <a:t>Validate results</a:t>
+            </a:r>
+            <a:endParaRPr lang="en-US" sz="1800" dirty="0"/>
+          </a:p>
+          <a:p>
+            <a:pPr lvl="1"/>
+            <a:r>
+              <a:rPr lang="en-US" sz="1800" dirty="0" smtClean="0"/>
+              <a:t>Obtain Best </a:t>
+            </a:r>
+            <a:r>
+              <a:rPr lang="en-US" sz="1800" dirty="0"/>
+              <a:t>setup of adjustable parameters – tuning the </a:t>
+            </a:r>
+            <a:r>
+              <a:rPr lang="en-US" sz="1800" dirty="0" smtClean="0"/>
+              <a:t>algorithm</a:t>
+            </a:r>
+            <a:endParaRPr lang="en-US" sz="2400" dirty="0" smtClean="0"/>
+          </a:p>
+          <a:p>
+            <a:r>
+              <a:rPr lang="en-US" sz="2400" dirty="0" smtClean="0"/>
+              <a:t>Tests have used combinations of 3 adjustable parameters</a:t>
+            </a:r>
+          </a:p>
+          <a:p>
+            <a:pPr lvl="1"/>
+            <a:r>
+              <a:rPr lang="en-US" sz="1800" dirty="0" smtClean="0"/>
+              <a:t>For each combination of adjustable parameter 10 runs have been made</a:t>
+            </a:r>
+            <a:endParaRPr lang="en-US" sz="2400" dirty="0"/>
+          </a:p>
+          <a:p>
+            <a:r>
+              <a:rPr lang="en-US" sz="2400" dirty="0" smtClean="0"/>
+              <a:t>Search space:</a:t>
+            </a:r>
+          </a:p>
+          <a:p>
+            <a:pPr lvl="1"/>
+            <a:r>
+              <a:rPr lang="en-US" sz="1800" dirty="0"/>
+              <a:t>394 </a:t>
+            </a:r>
+            <a:r>
+              <a:rPr lang="en-US" sz="1800" dirty="0" smtClean="0"/>
+              <a:t>breakfast meals</a:t>
+            </a:r>
+            <a:endParaRPr lang="en-US" sz="1800" dirty="0"/>
+          </a:p>
+          <a:p>
+            <a:pPr lvl="1"/>
+            <a:r>
+              <a:rPr lang="en-US" sz="1800" dirty="0" smtClean="0"/>
+              <a:t>144.242 lunch meals</a:t>
+            </a:r>
+            <a:endParaRPr lang="en-US" sz="1800" dirty="0"/>
+          </a:p>
+          <a:p>
+            <a:pPr lvl="1"/>
+            <a:r>
+              <a:rPr lang="en-US" sz="1800" dirty="0" smtClean="0"/>
+              <a:t>5041 dinner meals</a:t>
+            </a:r>
+            <a:endParaRPr lang="en-US" sz="1800" dirty="0"/>
+          </a:p>
+          <a:p>
+            <a:pPr lvl="1"/>
+            <a:r>
+              <a:rPr lang="en-US" sz="1800" dirty="0" smtClean="0"/>
+              <a:t>137 snack meals</a:t>
+            </a:r>
+            <a:endParaRPr lang="en-US" sz="1800" dirty="0"/>
+          </a:p>
+          <a:p>
+            <a:pPr lvl="1"/>
+            <a:r>
+              <a:rPr lang="en-US" sz="1800" dirty="0" smtClean="0"/>
+              <a:t>Thus all possible combinations are  </a:t>
+            </a:r>
+          </a:p>
+          <a:p>
+            <a:pPr marL="1143000" lvl="3" indent="0">
+              <a:buNone/>
+            </a:pPr>
+            <a:r>
+              <a:rPr lang="en-US" sz="1500" b="1" dirty="0" smtClean="0"/>
+              <a:t>394 </a:t>
+            </a:r>
+            <a:r>
+              <a:rPr lang="en-US" sz="1500" b="1" dirty="0"/>
+              <a:t>* 144.242 * 5041 * 137 = </a:t>
+            </a:r>
+            <a:r>
+              <a:rPr lang="en-US" sz="1500" b="1" dirty="0" smtClean="0"/>
+              <a:t>39.248.695.061.716</a:t>
+            </a:r>
+            <a:endParaRPr lang="en-US" sz="1500" b="1" dirty="0" smtClean="0">
               <a:solidFill>
-                <a:schemeClr val="bg1">
-                  <a:lumMod val="65000"/>
-                </a:schemeClr>
+                <a:srgbClr val="FF0000"/>
               </a:solidFill>
-              <a:latin typeface="Arial" pitchFamily="34" charset="0"/>
-              <a:cs typeface="Arial" pitchFamily="34" charset="0"/>
-            </a:endParaRPr>
-          </a:p>
-          <a:p>
-            <a:pPr eaLnBrk="1" hangingPunct="1"/>
-            <a:r>
-              <a:rPr lang="en-US" sz="2300" dirty="0" smtClean="0">
-                <a:solidFill>
-                  <a:schemeClr val="bg1">
-                    <a:lumMod val="65000"/>
-                  </a:schemeClr>
-                </a:solidFill>
-              </a:rPr>
-              <a:t>Objectives and Contributions</a:t>
-            </a:r>
-          </a:p>
-          <a:p>
-            <a:pPr eaLnBrk="1" hangingPunct="1"/>
-            <a:r>
-              <a:rPr lang="en-US" sz="2300" dirty="0" smtClean="0">
-                <a:solidFill>
-                  <a:schemeClr val="bg1">
-                    <a:lumMod val="65000"/>
-                  </a:schemeClr>
-                </a:solidFill>
-                <a:latin typeface="Arial" pitchFamily="34" charset="0"/>
-                <a:cs typeface="Arial" pitchFamily="34" charset="0"/>
-              </a:rPr>
-              <a:t>Related Work</a:t>
-            </a:r>
-            <a:endParaRPr lang="ro-RO" sz="2300" dirty="0" smtClean="0">
-              <a:solidFill>
-                <a:schemeClr val="bg1">
-                  <a:lumMod val="65000"/>
-                </a:schemeClr>
-              </a:solidFill>
-              <a:latin typeface="Arial" pitchFamily="34" charset="0"/>
-              <a:cs typeface="Arial" pitchFamily="34" charset="0"/>
-            </a:endParaRPr>
-          </a:p>
-          <a:p>
-            <a:pPr eaLnBrk="1" hangingPunct="1"/>
-            <a:r>
-              <a:rPr lang="en-US" sz="2300" dirty="0" smtClean="0">
-                <a:solidFill>
-                  <a:schemeClr val="bg1">
-                    <a:lumMod val="65000"/>
-                  </a:schemeClr>
-                </a:solidFill>
-                <a:latin typeface="Arial" pitchFamily="34" charset="0"/>
-                <a:cs typeface="Arial" pitchFamily="34" charset="0"/>
-              </a:rPr>
-              <a:t>Problem Definition</a:t>
-            </a:r>
-          </a:p>
-          <a:p>
-            <a:pPr eaLnBrk="1" hangingPunct="1"/>
-            <a:r>
-              <a:rPr lang="en-US" sz="2300" dirty="0" smtClean="0">
-                <a:solidFill>
-                  <a:schemeClr val="bg1">
-                    <a:lumMod val="65000"/>
-                  </a:schemeClr>
-                </a:solidFill>
-              </a:rPr>
-              <a:t>Cuckoo Search Technique</a:t>
-            </a:r>
-            <a:endParaRPr lang="ro-RO" sz="2300" dirty="0" smtClean="0">
-              <a:solidFill>
-                <a:schemeClr val="bg1">
-                  <a:lumMod val="65000"/>
-                </a:schemeClr>
-              </a:solidFill>
-            </a:endParaRPr>
-          </a:p>
-          <a:p>
-            <a:pPr eaLnBrk="1" hangingPunct="1"/>
-            <a:r>
-              <a:rPr lang="en-US" sz="2300" dirty="0" smtClean="0">
-                <a:solidFill>
-                  <a:schemeClr val="bg1">
-                    <a:lumMod val="65000"/>
-                  </a:schemeClr>
-                </a:solidFill>
-                <a:latin typeface="Arial" pitchFamily="34" charset="0"/>
-                <a:cs typeface="Arial" pitchFamily="34" charset="0"/>
-              </a:rPr>
-              <a:t>Experimental Prototype</a:t>
-            </a:r>
-            <a:endParaRPr lang="ro-RO" sz="2300" dirty="0" smtClean="0">
-              <a:solidFill>
-                <a:schemeClr val="bg1">
-                  <a:lumMod val="65000"/>
-                </a:schemeClr>
-              </a:solidFill>
-              <a:latin typeface="Arial" pitchFamily="34" charset="0"/>
-              <a:cs typeface="Arial" pitchFamily="34" charset="0"/>
-            </a:endParaRPr>
-          </a:p>
-          <a:p>
-            <a:pPr eaLnBrk="1" hangingPunct="1"/>
-            <a:r>
-              <a:rPr lang="en-US" sz="2300" dirty="0" smtClean="0">
-                <a:latin typeface="Arial" pitchFamily="34" charset="0"/>
-                <a:cs typeface="Arial" pitchFamily="34" charset="0"/>
-              </a:rPr>
-              <a:t>Experimental Results</a:t>
-            </a:r>
-            <a:endParaRPr lang="ro-RO" sz="2300" dirty="0" smtClean="0">
-              <a:latin typeface="Arial" pitchFamily="34" charset="0"/>
-              <a:cs typeface="Arial" pitchFamily="34" charset="0"/>
-            </a:endParaRPr>
-          </a:p>
-          <a:p>
-            <a:pPr eaLnBrk="1" hangingPunct="1"/>
-            <a:r>
-              <a:rPr lang="en-US" sz="2300" dirty="0" smtClean="0">
-                <a:solidFill>
-                  <a:schemeClr val="bg1">
-                    <a:lumMod val="65000"/>
-                  </a:schemeClr>
-                </a:solidFill>
-                <a:latin typeface="Arial" pitchFamily="34" charset="0"/>
-                <a:cs typeface="Arial" pitchFamily="34" charset="0"/>
-              </a:rPr>
-              <a:t>Conclusions</a:t>
-            </a:r>
-          </a:p>
-          <a:p>
-            <a:pPr lvl="1" eaLnBrk="1" hangingPunct="1"/>
-            <a:endParaRPr lang="en-US" sz="2100" b="1" dirty="0" smtClean="0">
-              <a:latin typeface="Arial" pitchFamily="34" charset="0"/>
-              <a:cs typeface="Arial" pitchFamily="34" charset="0"/>
             </a:endParaRPr>
           </a:p>
         </p:txBody>
@@ -21029,12 +20710,83 @@
           </a:p>
         </p:txBody>
       </p:sp>
+      <p:sp>
+        <p:nvSpPr>
+          <p:cNvPr id="104450" name="Rectangle 2"/>
+          <p:cNvSpPr>
+            <a:spLocks noChangeArrowheads="1"/>
+          </p:cNvSpPr>
+          <p:nvPr/>
+        </p:nvSpPr>
+        <p:spPr bwMode="auto">
+          <a:xfrm>
+            <a:off x="0" y="0"/>
+            <a:ext cx="9144000" cy="0"/>
+          </a:xfrm>
+          <a:prstGeom prst="rect">
+            <a:avLst/>
+          </a:prstGeom>
+          <a:noFill/>
+          <a:ln w="9525">
+            <a:noFill/>
+            <a:miter lim="800000"/>
+            <a:headEnd/>
+            <a:tailEnd/>
+          </a:ln>
+          <a:effectLst/>
+        </p:spPr>
+        <p:txBody>
+          <a:bodyPr vert="horz" wrap="none" lIns="91440" tIns="45720" rIns="91440" bIns="45720" numCol="1" anchor="ctr" anchorCtr="0" compatLnSpc="1">
+            <a:prstTxWarp prst="textNoShape">
+              <a:avLst/>
+            </a:prstTxWarp>
+            <a:spAutoFit/>
+          </a:bodyPr>
+          <a:lstStyle/>
+          <a:p>
+            <a:endParaRPr lang="en-US"/>
+          </a:p>
+        </p:txBody>
+      </p:sp>
+      <p:sp>
+        <p:nvSpPr>
+          <p:cNvPr id="104452" name="Rectangle 4"/>
+          <p:cNvSpPr>
+            <a:spLocks noChangeArrowheads="1"/>
+          </p:cNvSpPr>
+          <p:nvPr/>
+        </p:nvSpPr>
+        <p:spPr bwMode="auto">
+          <a:xfrm>
+            <a:off x="0" y="0"/>
+            <a:ext cx="9144000" cy="0"/>
+          </a:xfrm>
+          <a:prstGeom prst="rect">
+            <a:avLst/>
+          </a:prstGeom>
+          <a:noFill/>
+          <a:ln w="9525">
+            <a:noFill/>
+            <a:miter lim="800000"/>
+            <a:headEnd/>
+            <a:tailEnd/>
+          </a:ln>
+          <a:effectLst/>
+        </p:spPr>
+        <p:txBody>
+          <a:bodyPr vert="horz" wrap="none" lIns="91440" tIns="45720" rIns="91440" bIns="45720" numCol="1" anchor="ctr" anchorCtr="0" compatLnSpc="1">
+            <a:prstTxWarp prst="textNoShape">
+              <a:avLst/>
+            </a:prstTxWarp>
+            <a:spAutoFit/>
+          </a:bodyPr>
+          <a:lstStyle/>
+          <a:p>
+            <a:endParaRPr lang="en-US"/>
+          </a:p>
+        </p:txBody>
+      </p:sp>
     </p:spTree>
-    <p:extLst>
-      <p:ext uri="{BB962C8B-B14F-4D97-AF65-F5344CB8AC3E}">
-        <p14:creationId xmlns:p14="http://schemas.microsoft.com/office/powerpoint/2010/main" val="1892431564"/>
-      </p:ext>
-    </p:extLst>
   </p:cSld>
   <p:clrMapOvr>
     <a:masterClrMapping/>
@@ -21088,14 +20840,14 @@
           <a:p>
             <a:pPr algn="ctr" eaLnBrk="1" hangingPunct="1"/>
             <a:r>
-              <a:rPr lang="en-US" sz="3100" dirty="0">
+              <a:rPr lang="ro-RO" sz="3100" dirty="0" smtClean="0">
                 <a:latin typeface="Arial" pitchFamily="34" charset="0"/>
                 <a:cs typeface="Arial" pitchFamily="34" charset="0"/>
               </a:rPr>
               <a:t/>
             </a:r>
             <a:br>
-              <a:rPr lang="en-US" sz="3100" dirty="0">
+              <a:rPr lang="ro-RO" sz="3100" dirty="0" smtClean="0">
                 <a:latin typeface="Arial" pitchFamily="34" charset="0"/>
                 <a:cs typeface="Arial" pitchFamily="34" charset="0"/>
               </a:rPr>
@@ -21106,6 +20858,19 @@
                 <a:cs typeface="Arial" pitchFamily="34" charset="0"/>
               </a:rPr>
               <a:t>Experimental Results</a:t>
+            </a:r>
+            <a:br>
+              <a:rPr lang="en-US" sz="3100" dirty="0" smtClean="0">
+                <a:latin typeface="Arial" pitchFamily="34" charset="0"/>
+                <a:cs typeface="Arial" pitchFamily="34" charset="0"/>
+              </a:rPr>
+            </a:br>
+            <a:r>
+              <a:rPr lang="en-US" sz="2000" dirty="0" smtClean="0">
+                <a:latin typeface="Arial" pitchFamily="34" charset="0"/>
+                <a:cs typeface="Arial" pitchFamily="34" charset="0"/>
+              </a:rPr>
+              <a:t>System Configuration</a:t>
             </a:r>
             <a:r>
               <a:rPr lang="ro-RO" sz="3100" dirty="0" smtClean="0">
@@ -21149,123 +20914,33 @@
           <a:p>
             <a:r>
               <a:rPr lang="en-US" sz="2400" dirty="0" smtClean="0"/>
-              <a:t>The purpose of the experiments are to:</a:t>
-            </a:r>
-            <a:endParaRPr lang="en-US" sz="2400" dirty="0"/>
+              <a:t>System Configuration</a:t>
+            </a:r>
+            <a:endParaRPr lang="en-US" sz="1800" dirty="0"/>
           </a:p>
           <a:p>
             <a:pPr lvl="1"/>
             <a:r>
-              <a:rPr lang="en-US" sz="1800" dirty="0" smtClean="0"/>
-              <a:t>Validate results</a:t>
-            </a:r>
-            <a:endParaRPr lang="en-US" sz="1800" dirty="0"/>
+              <a:rPr lang="en-US" sz="1800" dirty="0"/>
+              <a:t>Processor: Intel® Core™ i7 2670QM/2630QM Processor</a:t>
+            </a:r>
           </a:p>
           <a:p>
             <a:pPr lvl="1"/>
             <a:r>
-              <a:rPr lang="en-US" sz="1800" dirty="0" smtClean="0"/>
-              <a:t>Obtain Best </a:t>
-            </a:r>
-            <a:r>
               <a:rPr lang="en-US" sz="1800" dirty="0"/>
-              <a:t>setup of adjustable parameters – tuning the </a:t>
-            </a:r>
-            <a:r>
-              <a:rPr lang="en-US" sz="1800" dirty="0" smtClean="0"/>
-              <a:t>algorithm</a:t>
-            </a:r>
+              <a:t>Memory: 8096MB DDR3</a:t>
+            </a:r>
+          </a:p>
+          <a:p>
+            <a:pPr lvl="1"/>
+            <a:r>
+              <a:rPr lang="en-US" sz="1800" dirty="0"/>
+              <a:t>OS: Microsoft Windows 8 64bit</a:t>
+            </a:r>
+          </a:p>
+          <a:p>
             <a:endParaRPr lang="en-US" sz="2400" dirty="0" smtClean="0"/>
-          </a:p>
-          <a:p>
-            <a:r>
-              <a:rPr lang="en-US" sz="2400" dirty="0" smtClean="0"/>
-              <a:t>Tests have used combinations of 3 adjustable parameters</a:t>
-            </a:r>
-          </a:p>
-          <a:p>
-            <a:pPr lvl="1"/>
-            <a:r>
-              <a:rPr lang="en-US" sz="1800" dirty="0" smtClean="0"/>
-              <a:t>For each combination of adjustable parameter 10 runs have been made</a:t>
-            </a:r>
-            <a:endParaRPr lang="en-US" sz="2400" dirty="0"/>
-          </a:p>
-          <a:p>
-            <a:r>
-              <a:rPr lang="en-US" sz="2400" dirty="0" smtClean="0"/>
-              <a:t>Search space:</a:t>
-            </a:r>
-          </a:p>
-          <a:p>
-            <a:pPr lvl="1"/>
-            <a:r>
-              <a:rPr lang="en-US" sz="1800" dirty="0"/>
-              <a:t>394 </a:t>
-            </a:r>
-            <a:r>
-              <a:rPr lang="en-US" sz="1800" dirty="0" smtClean="0"/>
-              <a:t>breakfast meals</a:t>
-            </a:r>
-            <a:endParaRPr lang="en-US" sz="1800" dirty="0"/>
-          </a:p>
-          <a:p>
-            <a:pPr lvl="1"/>
-            <a:r>
-              <a:rPr lang="en-US" sz="1800" dirty="0" smtClean="0"/>
-              <a:t>144.242 lunch meals</a:t>
-            </a:r>
-            <a:endParaRPr lang="en-US" sz="1800" dirty="0"/>
-          </a:p>
-          <a:p>
-            <a:pPr lvl="1"/>
-            <a:r>
-              <a:rPr lang="en-US" sz="1800" dirty="0" smtClean="0"/>
-              <a:t>5041 dinner meals</a:t>
-            </a:r>
-            <a:endParaRPr lang="en-US" sz="1800" dirty="0"/>
-          </a:p>
-          <a:p>
-            <a:pPr lvl="1"/>
-            <a:r>
-              <a:rPr lang="en-US" sz="1800" dirty="0" smtClean="0"/>
-              <a:t>137 snack meals</a:t>
-            </a:r>
-            <a:endParaRPr lang="en-US" sz="1800" dirty="0"/>
-          </a:p>
-          <a:p>
-            <a:pPr lvl="1"/>
-            <a:r>
-              <a:rPr lang="en-US" sz="1800" dirty="0" smtClean="0"/>
-              <a:t>Thus all possible combinations are  </a:t>
-            </a:r>
-            <a:endParaRPr lang="en-US" sz="1800" dirty="0" smtClean="0"/>
-          </a:p>
-          <a:p>
-            <a:pPr marL="1143000" lvl="3" indent="0">
-              <a:buNone/>
-            </a:pPr>
-            <a:r>
-              <a:rPr lang="en-US" sz="1500" b="1" dirty="0" smtClean="0"/>
-              <a:t>394 </a:t>
-            </a:r>
-            <a:r>
-              <a:rPr lang="en-US" sz="1500" b="1" dirty="0"/>
-              <a:t>* 144.242 * 5041 * </a:t>
-            </a:r>
-            <a:r>
-              <a:rPr lang="en-US" sz="1500" b="1" dirty="0"/>
-              <a:t>137 = </a:t>
-            </a:r>
-            <a:r>
-              <a:rPr lang="en-US" sz="1500" b="1" dirty="0" smtClean="0"/>
-              <a:t>39.248.695.061.716</a:t>
-            </a:r>
-            <a:endParaRPr lang="en-US" sz="1500" b="1" dirty="0" smtClean="0">
-              <a:solidFill>
-                <a:srgbClr val="FF0000"/>
-              </a:solidFill>
-            </a:endParaRPr>
           </a:p>
         </p:txBody>
       </p:sp>
@@ -21396,6 +21071,11 @@
         </p:txBody>
       </p:sp>
     </p:spTree>
+    <p:extLst>
+      <p:ext uri="{BB962C8B-B14F-4D97-AF65-F5344CB8AC3E}">
+        <p14:creationId xmlns:p14="http://schemas.microsoft.com/office/powerpoint/2010/main" val="2769722829"/>
+      </p:ext>
+    </p:extLst>
   </p:cSld>
   <p:clrMapOvr>
     <a:masterClrMapping/>
@@ -21449,6 +21129,13 @@
           <a:p>
             <a:pPr algn="ctr" eaLnBrk="1" hangingPunct="1"/>
             <a:r>
+              <a:rPr lang="en-US" sz="3000" dirty="0" smtClean="0">
+                <a:latin typeface="Arial" pitchFamily="34" charset="0"/>
+                <a:cs typeface="Arial" pitchFamily="34" charset="0"/>
+              </a:rPr>
+              <a:t>Experimental Results</a:t>
+            </a:r>
+            <a:r>
               <a:rPr lang="ro-RO" sz="3100" dirty="0" smtClean="0">
                 <a:latin typeface="Arial" pitchFamily="34" charset="0"/>
                 <a:cs typeface="Arial" pitchFamily="34" charset="0"/>
@@ -21462,38 +21149,12 @@
               </a:rPr>
             </a:br>
             <a:r>
-              <a:rPr lang="en-US" sz="3100" dirty="0" smtClean="0">
-                <a:latin typeface="Arial" pitchFamily="34" charset="0"/>
-                <a:cs typeface="Arial" pitchFamily="34" charset="0"/>
-              </a:rPr>
-              <a:t>Experimental Results</a:t>
-            </a:r>
-            <a:br>
-              <a:rPr lang="en-US" sz="3100" dirty="0" smtClean="0">
-                <a:latin typeface="Arial" pitchFamily="34" charset="0"/>
-                <a:cs typeface="Arial" pitchFamily="34" charset="0"/>
-              </a:rPr>
-            </a:br>
-            <a:r>
               <a:rPr lang="en-US" sz="2000" dirty="0" smtClean="0">
                 <a:latin typeface="Arial" pitchFamily="34" charset="0"/>
                 <a:cs typeface="Arial" pitchFamily="34" charset="0"/>
               </a:rPr>
-              <a:t>System Configuration</a:t>
-            </a:r>
-            <a:r>
-              <a:rPr lang="ro-RO" sz="3100" dirty="0" smtClean="0">
-                <a:latin typeface="Arial" pitchFamily="34" charset="0"/>
-                <a:cs typeface="Arial" pitchFamily="34" charset="0"/>
-              </a:rPr>
-              <a:t/>
-            </a:r>
-            <a:br>
-              <a:rPr lang="ro-RO" sz="3100" dirty="0" smtClean="0">
-                <a:latin typeface="Arial" pitchFamily="34" charset="0"/>
-                <a:cs typeface="Arial" pitchFamily="34" charset="0"/>
-              </a:rPr>
-            </a:br>
+              <a:t>Test Scenario</a:t>
+            </a:r>
             <a:endParaRPr lang="en-US" sz="3100" dirty="0" smtClean="0">
               <a:latin typeface="Arial" pitchFamily="34" charset="0"/>
               <a:cs typeface="Arial" pitchFamily="34" charset="0"/>
@@ -21523,30 +21184,9 @@
           <a:p>
             <a:r>
               <a:rPr lang="en-US" sz="2400" dirty="0" smtClean="0"/>
-              <a:t>System Configuration</a:t>
+              <a:t>Test Scenario</a:t>
             </a:r>
             <a:endParaRPr lang="en-US" sz="1800" dirty="0"/>
-          </a:p>
-          <a:p>
-            <a:pPr lvl="1"/>
-            <a:r>
-              <a:rPr lang="en-US" sz="1800" dirty="0"/>
-              <a:t>Processor: Intel® Core™ i7 2670QM/2630QM Processor</a:t>
-            </a:r>
-          </a:p>
-          <a:p>
-            <a:pPr lvl="1"/>
-            <a:r>
-              <a:rPr lang="en-US" sz="1800" dirty="0"/>
-              <a:t>Memory: 8096MB DDR3</a:t>
-            </a:r>
-          </a:p>
-          <a:p>
-            <a:pPr lvl="1"/>
-            <a:r>
-              <a:rPr lang="en-US" sz="1800" dirty="0"/>
-              <a:t>OS: Microsoft Windows 8 64bit</a:t>
-            </a:r>
           </a:p>
           <a:p>
             <a:endParaRPr lang="en-US" sz="2400" dirty="0" smtClean="0"/>
@@ -21598,255 +21238,6 @@
                 </a:spcAft>
               </a:pPr>
               <a:t>35</a:t>
-            </a:fld>
-            <a:endParaRPr lang="en-US" smtClean="0"/>
-          </a:p>
-        </p:txBody>
-      </p:sp>
-      <p:sp>
-        <p:nvSpPr>
-          <p:cNvPr id="104450" name="Rectangle 2"/>
-          <p:cNvSpPr>
-            <a:spLocks noChangeArrowheads="1"/>
-          </p:cNvSpPr>
-          <p:nvPr/>
-        </p:nvSpPr>
-        <p:spPr bwMode="auto">
-          <a:xfrm>
-            <a:off x="0" y="0"/>
-            <a:ext cx="9144000" cy="0"/>
-          </a:xfrm>
-          <a:prstGeom prst="rect">
-            <a:avLst/>
-          </a:prstGeom>
-          <a:noFill/>
-          <a:ln w="9525">
-            <a:noFill/>
-            <a:miter lim="800000"/>
-            <a:headEnd/>
-            <a:tailEnd/>
-          </a:ln>
-          <a:effectLst/>
-        </p:spPr>
-        <p:txBody>
-          <a:bodyPr vert="horz" wrap="none" lIns="91440" tIns="45720" rIns="91440" bIns="45720" numCol="1" anchor="ctr" anchorCtr="0" compatLnSpc="1">
-            <a:prstTxWarp prst="textNoShape">
-              <a:avLst/>
-            </a:prstTxWarp>
-            <a:spAutoFit/>
-          </a:bodyPr>
-          <a:lstStyle/>
-          <a:p>
-            <a:endParaRPr lang="en-US"/>
-          </a:p>
-        </p:txBody>
-      </p:sp>
-      <p:sp>
-        <p:nvSpPr>
-          <p:cNvPr id="104452" name="Rectangle 4"/>
-          <p:cNvSpPr>
-            <a:spLocks noChangeArrowheads="1"/>
-          </p:cNvSpPr>
-          <p:nvPr/>
-        </p:nvSpPr>
-        <p:spPr bwMode="auto">
-          <a:xfrm>
-            <a:off x="0" y="0"/>
-            <a:ext cx="9144000" cy="0"/>
-          </a:xfrm>
-          <a:prstGeom prst="rect">
-            <a:avLst/>
-          </a:prstGeom>
-          <a:noFill/>
-          <a:ln w="9525">
-            <a:noFill/>
-            <a:miter lim="800000"/>
-            <a:headEnd/>
-            <a:tailEnd/>
-          </a:ln>
-          <a:effectLst/>
-        </p:spPr>
-        <p:txBody>
-          <a:bodyPr vert="horz" wrap="none" lIns="91440" tIns="45720" rIns="91440" bIns="45720" numCol="1" anchor="ctr" anchorCtr="0" compatLnSpc="1">
-            <a:prstTxWarp prst="textNoShape">
-              <a:avLst/>
-            </a:prstTxWarp>
-            <a:spAutoFit/>
-          </a:bodyPr>
-          <a:lstStyle/>
-          <a:p>
-            <a:endParaRPr lang="en-US"/>
-          </a:p>
-        </p:txBody>
-      </p:sp>
-    </p:spTree>
-    <p:extLst>
-      <p:ext uri="{BB962C8B-B14F-4D97-AF65-F5344CB8AC3E}">
-        <p14:creationId xmlns:p14="http://schemas.microsoft.com/office/powerpoint/2010/main" val="2769722829"/>
-      </p:ext>
-    </p:extLst>
-  </p:cSld>
-  <p:clrMapOvr>
-    <a:masterClrMapping/>
-  </p:clrMapOvr>
-  <p:timing>
-    <p:tnLst>
-      <p:par>
-        <p:cTn id="1" dur="indefinite" restart="never" nodeType="tmRoot"/>
-      </p:par>
-    </p:tnLst>
-  </p:timing>
-</p:sld>
-</file>
-
-<file path=ppt/slides/slide36.xml><?xml version="1.0" encoding="utf-8"?>
-<p:sld xmlns:a="http://schemas.openxmlformats.org/drawingml/2006/main" xmlns:r="http://schemas.openxmlformats.org/officeDocument/2006/relationships" xmlns:p="http://schemas.openxmlformats.org/presentationml/2006/main">
-  <p:cSld>
-    <p:spTree>
-      <p:nvGrpSpPr>
-        <p:cNvPr id="1" name=""/>
-        <p:cNvGrpSpPr/>
-        <p:nvPr/>
-      </p:nvGrpSpPr>
-      <p:grpSpPr>
-        <a:xfrm>
-          <a:off x="0" y="0"/>
-          <a:ext cx="0" cy="0"/>
-          <a:chOff x="0" y="0"/>
-          <a:chExt cx="0" cy="0"/>
-        </a:xfrm>
-      </p:grpSpPr>
-      <p:sp>
-        <p:nvSpPr>
-          <p:cNvPr id="7170" name="Title 1"/>
-          <p:cNvSpPr>
-            <a:spLocks noGrp="1"/>
-          </p:cNvSpPr>
-          <p:nvPr>
-            <p:ph type="title"/>
-          </p:nvPr>
-        </p:nvSpPr>
-        <p:spPr>
-          <a:xfrm>
-            <a:off x="0" y="0"/>
-            <a:ext cx="9144000" cy="1295400"/>
-          </a:xfrm>
-        </p:spPr>
-        <p:txBody>
-          <a:bodyPr/>
-          <a:lstStyle/>
-          <a:p>
-            <a:pPr algn="ctr" eaLnBrk="1" hangingPunct="1"/>
-            <a:r>
-              <a:rPr lang="en-US" sz="3000" dirty="0" smtClean="0">
-                <a:latin typeface="Arial" pitchFamily="34" charset="0"/>
-                <a:cs typeface="Arial" pitchFamily="34" charset="0"/>
-              </a:rPr>
-              <a:t>Experimental Results</a:t>
-            </a:r>
-            <a:r>
-              <a:rPr lang="ro-RO" sz="3100" dirty="0" smtClean="0">
-                <a:latin typeface="Arial" pitchFamily="34" charset="0"/>
-                <a:cs typeface="Arial" pitchFamily="34" charset="0"/>
-              </a:rPr>
-              <a:t/>
-            </a:r>
-            <a:br>
-              <a:rPr lang="ro-RO" sz="3100" dirty="0" smtClean="0">
-                <a:latin typeface="Arial" pitchFamily="34" charset="0"/>
-                <a:cs typeface="Arial" pitchFamily="34" charset="0"/>
-              </a:rPr>
-            </a:br>
-            <a:r>
-              <a:rPr lang="en-US" sz="2000" dirty="0" smtClean="0">
-                <a:latin typeface="Arial" pitchFamily="34" charset="0"/>
-                <a:cs typeface="Arial" pitchFamily="34" charset="0"/>
-              </a:rPr>
-              <a:t>Test Scenario</a:t>
-            </a:r>
-            <a:endParaRPr lang="en-US" sz="3100" dirty="0" smtClean="0">
-              <a:latin typeface="Arial" pitchFamily="34" charset="0"/>
-              <a:cs typeface="Arial" pitchFamily="34" charset="0"/>
-            </a:endParaRPr>
-          </a:p>
-        </p:txBody>
-      </p:sp>
-      <p:sp>
-        <p:nvSpPr>
-          <p:cNvPr id="7171" name="Content Placeholder 3"/>
-          <p:cNvSpPr>
-            <a:spLocks noGrp="1"/>
-          </p:cNvSpPr>
-          <p:nvPr>
-            <p:ph sz="quarter" idx="1"/>
-          </p:nvPr>
-        </p:nvSpPr>
-        <p:spPr>
-          <a:xfrm>
-            <a:off x="0" y="1600200"/>
-            <a:ext cx="9067800" cy="4495800"/>
-          </a:xfrm>
-        </p:spPr>
-        <p:txBody>
-          <a:bodyPr/>
-          <a:lstStyle/>
-          <a:p>
-            <a:r>
-              <a:rPr lang="en-US" sz="2400" dirty="0" smtClean="0"/>
-              <a:t>Test Scenario</a:t>
-            </a:r>
-            <a:endParaRPr lang="en-US" sz="1800" dirty="0"/>
-          </a:p>
-          <a:p>
-            <a:endParaRPr lang="en-US" sz="2400" dirty="0" smtClean="0"/>
-          </a:p>
-        </p:txBody>
-      </p:sp>
-      <p:sp>
-        <p:nvSpPr>
-          <p:cNvPr id="7172" name="Slide Number Placeholder 2"/>
-          <p:cNvSpPr>
-            <a:spLocks noGrp="1"/>
-          </p:cNvSpPr>
-          <p:nvPr>
-            <p:ph type="sldNum" sz="quarter" idx="10"/>
-          </p:nvPr>
-        </p:nvSpPr>
-        <p:spPr bwMode="auto">
-          <a:noFill/>
-          <a:ln>
-            <a:miter lim="800000"/>
-            <a:headEnd/>
-            <a:tailEnd/>
-          </a:ln>
-        </p:spPr>
-        <p:txBody>
-          <a:bodyPr vert="horz" wrap="square" lIns="91440" tIns="45720" rIns="91440" bIns="45720" numCol="1" anchor="t" anchorCtr="0" compatLnSpc="1">
-            <a:prstTxWarp prst="textNoShape">
-              <a:avLst/>
-            </a:prstTxWarp>
-          </a:bodyPr>
-          <a:lstStyle/>
-          <a:p>
-            <a:pPr fontAlgn="base">
-              <a:spcBef>
-                <a:spcPct val="0"/>
-              </a:spcBef>
-              <a:spcAft>
-                <a:spcPct val="0"/>
-              </a:spcAft>
-            </a:pPr>
-            <a:fld id="{FEB3FF15-7694-4C79-A17C-C5F32E1F8115}" type="slidenum">
-              <a:rPr lang="en-US" smtClean="0"/>
-              <a:pPr fontAlgn="base">
-                <a:spcBef>
-                  <a:spcPct val="0"/>
-                </a:spcBef>
-                <a:spcAft>
-                  <a:spcPct val="0"/>
-                </a:spcAft>
-              </a:pPr>
-              <a:t>36</a:t>
             </a:fld>
             <a:endParaRPr lang="en-US" smtClean="0"/>
           </a:p>
@@ -23685,7 +23076,7 @@
 </p:sld>
 </file>
 
-<file path=ppt/slides/slide37.xml><?xml version="1.0" encoding="utf-8"?>
+<file path=ppt/slides/slide36.xml><?xml version="1.0" encoding="utf-8"?>
 <p:sld xmlns:a="http://schemas.openxmlformats.org/drawingml/2006/main" xmlns:r="http://schemas.openxmlformats.org/officeDocument/2006/relationships" xmlns:p="http://schemas.openxmlformats.org/presentationml/2006/main">
   <p:cSld>
     <p:spTree>
@@ -23828,7 +23219,7 @@
                   <a:spcPct val="0"/>
                 </a:spcAft>
               </a:pPr>
-              <a:t>37</a:t>
+              <a:t>36</a:t>
             </a:fld>
             <a:endParaRPr lang="en-US" smtClean="0"/>
           </a:p>
@@ -26453,7 +25844,7 @@
 </p:sld>
 </file>
 
-<file path=ppt/slides/slide38.xml><?xml version="1.0" encoding="utf-8"?>
+<file path=ppt/slides/slide37.xml><?xml version="1.0" encoding="utf-8"?>
 <p:sld xmlns:a="http://schemas.openxmlformats.org/drawingml/2006/main" xmlns:r="http://schemas.openxmlformats.org/officeDocument/2006/relationships" xmlns:p="http://schemas.openxmlformats.org/presentationml/2006/main">
   <p:cSld>
     <p:spTree>
@@ -26569,7 +25960,7 @@
                   <a:spcPct val="0"/>
                 </a:spcAft>
               </a:pPr>
-              <a:t>38</a:t>
+              <a:t>37</a:t>
             </a:fld>
             <a:endParaRPr lang="en-US" smtClean="0"/>
           </a:p>
@@ -26693,7 +26084,7 @@
 </p:sld>
 </file>
 
-<file path=ppt/slides/slide39.xml><?xml version="1.0" encoding="utf-8"?>
+<file path=ppt/slides/slide38.xml><?xml version="1.0" encoding="utf-8"?>
 <p:sld xmlns:a="http://schemas.openxmlformats.org/drawingml/2006/main" xmlns:r="http://schemas.openxmlformats.org/officeDocument/2006/relationships" xmlns:p="http://schemas.openxmlformats.org/presentationml/2006/main">
   <p:cSld>
     <p:spTree>
@@ -26809,7 +26200,7 @@
                   <a:spcPct val="0"/>
                 </a:spcAft>
               </a:pPr>
-              <a:t>39</a:t>
+              <a:t>38</a:t>
             </a:fld>
             <a:endParaRPr lang="en-US" smtClean="0"/>
           </a:p>
@@ -26933,6 +26324,318 @@
 </p:sld>
 </file>
 
+<file path=ppt/slides/slide39.xml><?xml version="1.0" encoding="utf-8"?>
+<p:sld xmlns:a="http://schemas.openxmlformats.org/drawingml/2006/main" xmlns:r="http://schemas.openxmlformats.org/officeDocument/2006/relationships" xmlns:p="http://schemas.openxmlformats.org/presentationml/2006/main">
+  <p:cSld>
+    <p:spTree>
+      <p:nvGrpSpPr>
+        <p:cNvPr id="1" name=""/>
+        <p:cNvGrpSpPr/>
+        <p:nvPr/>
+      </p:nvGrpSpPr>
+      <p:grpSpPr>
+        <a:xfrm>
+          <a:off x="0" y="0"/>
+          <a:ext cx="0" cy="0"/>
+          <a:chOff x="0" y="0"/>
+          <a:chExt cx="0" cy="0"/>
+        </a:xfrm>
+      </p:grpSpPr>
+      <p:sp>
+        <p:nvSpPr>
+          <p:cNvPr id="7170" name="Title 1"/>
+          <p:cNvSpPr>
+            <a:spLocks noGrp="1"/>
+          </p:cNvSpPr>
+          <p:nvPr>
+            <p:ph type="title"/>
+          </p:nvPr>
+        </p:nvSpPr>
+        <p:spPr>
+          <a:xfrm>
+            <a:off x="0" y="0"/>
+            <a:ext cx="9144000" cy="1295400"/>
+          </a:xfrm>
+        </p:spPr>
+        <p:txBody>
+          <a:bodyPr/>
+          <a:lstStyle/>
+          <a:p>
+            <a:pPr algn="ctr" eaLnBrk="1" hangingPunct="1"/>
+            <a:r>
+              <a:rPr lang="en-US" sz="3000" dirty="0" smtClean="0">
+                <a:latin typeface="Arial" pitchFamily="34" charset="0"/>
+                <a:cs typeface="Arial" pitchFamily="34" charset="0"/>
+              </a:rPr>
+              <a:t>Agenda</a:t>
+            </a:r>
+          </a:p>
+        </p:txBody>
+      </p:sp>
+      <p:sp>
+        <p:nvSpPr>
+          <p:cNvPr id="7171" name="Content Placeholder 3"/>
+          <p:cNvSpPr>
+            <a:spLocks noGrp="1"/>
+          </p:cNvSpPr>
+          <p:nvPr>
+            <p:ph sz="quarter" idx="1"/>
+          </p:nvPr>
+        </p:nvSpPr>
+        <p:spPr>
+          <a:xfrm>
+            <a:off x="0" y="1600200"/>
+            <a:ext cx="9144000" cy="4495800"/>
+          </a:xfrm>
+        </p:spPr>
+        <p:txBody>
+          <a:bodyPr/>
+          <a:lstStyle/>
+          <a:p>
+            <a:pPr eaLnBrk="1" hangingPunct="1"/>
+            <a:r>
+              <a:rPr lang="ro-RO" sz="2300" dirty="0" smtClean="0">
+                <a:solidFill>
+                  <a:schemeClr val="bg1">
+                    <a:lumMod val="65000"/>
+                  </a:schemeClr>
+                </a:solidFill>
+                <a:latin typeface="Arial" pitchFamily="34" charset="0"/>
+                <a:cs typeface="Arial" pitchFamily="34" charset="0"/>
+              </a:rPr>
+              <a:t>Introduc</a:t>
+            </a:r>
+            <a:r>
+              <a:rPr lang="en-US" sz="2300" dirty="0" err="1" smtClean="0">
+                <a:solidFill>
+                  <a:schemeClr val="bg1">
+                    <a:lumMod val="65000"/>
+                  </a:schemeClr>
+                </a:solidFill>
+                <a:latin typeface="Arial" pitchFamily="34" charset="0"/>
+                <a:cs typeface="Arial" pitchFamily="34" charset="0"/>
+              </a:rPr>
+              <a:t>tion</a:t>
+            </a:r>
+            <a:endParaRPr lang="ro-RO" sz="2300" dirty="0" smtClean="0">
+              <a:solidFill>
+                <a:schemeClr val="bg1">
+                  <a:lumMod val="65000"/>
+                </a:schemeClr>
+              </a:solidFill>
+              <a:latin typeface="Arial" pitchFamily="34" charset="0"/>
+              <a:cs typeface="Arial" pitchFamily="34" charset="0"/>
+            </a:endParaRPr>
+          </a:p>
+          <a:p>
+            <a:pPr eaLnBrk="1" hangingPunct="1"/>
+            <a:r>
+              <a:rPr lang="en-US" sz="2300" dirty="0" smtClean="0">
+                <a:solidFill>
+                  <a:schemeClr val="bg1">
+                    <a:lumMod val="65000"/>
+                  </a:schemeClr>
+                </a:solidFill>
+              </a:rPr>
+              <a:t>Objectives and Contributions</a:t>
+            </a:r>
+          </a:p>
+          <a:p>
+            <a:pPr eaLnBrk="1" hangingPunct="1"/>
+            <a:r>
+              <a:rPr lang="en-US" sz="2300" dirty="0" smtClean="0">
+                <a:solidFill>
+                  <a:schemeClr val="bg1">
+                    <a:lumMod val="65000"/>
+                  </a:schemeClr>
+                </a:solidFill>
+                <a:latin typeface="Arial" pitchFamily="34" charset="0"/>
+                <a:cs typeface="Arial" pitchFamily="34" charset="0"/>
+              </a:rPr>
+              <a:t>Related Work</a:t>
+            </a:r>
+            <a:endParaRPr lang="ro-RO" sz="2300" dirty="0" smtClean="0">
+              <a:solidFill>
+                <a:schemeClr val="bg1">
+                  <a:lumMod val="65000"/>
+                </a:schemeClr>
+              </a:solidFill>
+              <a:latin typeface="Arial" pitchFamily="34" charset="0"/>
+              <a:cs typeface="Arial" pitchFamily="34" charset="0"/>
+            </a:endParaRPr>
+          </a:p>
+          <a:p>
+            <a:pPr eaLnBrk="1" hangingPunct="1"/>
+            <a:r>
+              <a:rPr lang="en-US" sz="2300" dirty="0" smtClean="0">
+                <a:solidFill>
+                  <a:schemeClr val="bg1">
+                    <a:lumMod val="65000"/>
+                  </a:schemeClr>
+                </a:solidFill>
+                <a:latin typeface="Arial" pitchFamily="34" charset="0"/>
+                <a:cs typeface="Arial" pitchFamily="34" charset="0"/>
+              </a:rPr>
+              <a:t>Problem Definition</a:t>
+            </a:r>
+          </a:p>
+          <a:p>
+            <a:pPr eaLnBrk="1" hangingPunct="1"/>
+            <a:r>
+              <a:rPr lang="en-US" sz="2300" dirty="0" smtClean="0">
+                <a:solidFill>
+                  <a:schemeClr val="bg1">
+                    <a:lumMod val="65000"/>
+                  </a:schemeClr>
+                </a:solidFill>
+              </a:rPr>
+              <a:t>Cuckoo Search Technique</a:t>
+            </a:r>
+            <a:endParaRPr lang="ro-RO" sz="2300" dirty="0" smtClean="0">
+              <a:solidFill>
+                <a:schemeClr val="bg1">
+                  <a:lumMod val="65000"/>
+                </a:schemeClr>
+              </a:solidFill>
+            </a:endParaRPr>
+          </a:p>
+          <a:p>
+            <a:pPr eaLnBrk="1" hangingPunct="1"/>
+            <a:r>
+              <a:rPr lang="en-US" sz="2300" dirty="0" smtClean="0">
+                <a:solidFill>
+                  <a:schemeClr val="bg1">
+                    <a:lumMod val="65000"/>
+                  </a:schemeClr>
+                </a:solidFill>
+                <a:latin typeface="Arial" pitchFamily="34" charset="0"/>
+                <a:cs typeface="Arial" pitchFamily="34" charset="0"/>
+              </a:rPr>
+              <a:t>Experimental Prototype</a:t>
+            </a:r>
+            <a:endParaRPr lang="ro-RO" sz="2300" dirty="0" smtClean="0">
+              <a:solidFill>
+                <a:schemeClr val="bg1">
+                  <a:lumMod val="65000"/>
+                </a:schemeClr>
+              </a:solidFill>
+              <a:latin typeface="Arial" pitchFamily="34" charset="0"/>
+              <a:cs typeface="Arial" pitchFamily="34" charset="0"/>
+            </a:endParaRPr>
+          </a:p>
+          <a:p>
+            <a:pPr eaLnBrk="1" hangingPunct="1"/>
+            <a:r>
+              <a:rPr lang="en-US" sz="2300" dirty="0" smtClean="0">
+                <a:solidFill>
+                  <a:schemeClr val="bg1">
+                    <a:lumMod val="65000"/>
+                  </a:schemeClr>
+                </a:solidFill>
+                <a:latin typeface="Arial" pitchFamily="34" charset="0"/>
+                <a:cs typeface="Arial" pitchFamily="34" charset="0"/>
+              </a:rPr>
+              <a:t>Experimental Results</a:t>
+            </a:r>
+            <a:endParaRPr lang="ro-RO" sz="2300" dirty="0" smtClean="0">
+              <a:solidFill>
+                <a:schemeClr val="bg1">
+                  <a:lumMod val="65000"/>
+                </a:schemeClr>
+              </a:solidFill>
+              <a:latin typeface="Arial" pitchFamily="34" charset="0"/>
+              <a:cs typeface="Arial" pitchFamily="34" charset="0"/>
+            </a:endParaRPr>
+          </a:p>
+          <a:p>
+            <a:pPr eaLnBrk="1" hangingPunct="1"/>
+            <a:r>
+              <a:rPr lang="en-US" sz="2300" dirty="0" smtClean="0">
+                <a:latin typeface="Arial" pitchFamily="34" charset="0"/>
+                <a:cs typeface="Arial" pitchFamily="34" charset="0"/>
+              </a:rPr>
+              <a:t>Conclusions</a:t>
+            </a:r>
+          </a:p>
+          <a:p>
+            <a:pPr lvl="1" eaLnBrk="1" hangingPunct="1"/>
+            <a:endParaRPr lang="en-US" sz="2100" b="1" dirty="0" smtClean="0">
+              <a:latin typeface="Arial" pitchFamily="34" charset="0"/>
+              <a:cs typeface="Arial" pitchFamily="34" charset="0"/>
+            </a:endParaRPr>
+          </a:p>
+        </p:txBody>
+      </p:sp>
+      <p:sp>
+        <p:nvSpPr>
+          <p:cNvPr id="7172" name="Slide Number Placeholder 2"/>
+          <p:cNvSpPr>
+            <a:spLocks noGrp="1"/>
+          </p:cNvSpPr>
+          <p:nvPr>
+            <p:ph type="sldNum" sz="quarter" idx="10"/>
+          </p:nvPr>
+        </p:nvSpPr>
+        <p:spPr bwMode="auto">
+          <a:noFill/>
+          <a:ln>
+            <a:miter lim="800000"/>
+            <a:headEnd/>
+            <a:tailEnd/>
+          </a:ln>
+        </p:spPr>
+        <p:txBody>
+          <a:bodyPr vert="horz" wrap="square" lIns="91440" tIns="45720" rIns="91440" bIns="45720" numCol="1" anchor="t" anchorCtr="0" compatLnSpc="1">
+            <a:prstTxWarp prst="textNoShape">
+              <a:avLst/>
+            </a:prstTxWarp>
+          </a:bodyPr>
+          <a:lstStyle/>
+          <a:p>
+            <a:pPr fontAlgn="base">
+              <a:spcBef>
+                <a:spcPct val="0"/>
+              </a:spcBef>
+              <a:spcAft>
+                <a:spcPct val="0"/>
+              </a:spcAft>
+            </a:pPr>
+            <a:fld id="{FEB3FF15-7694-4C79-A17C-C5F32E1F8115}" type="slidenum">
+              <a:rPr lang="en-US" smtClean="0"/>
+              <a:pPr fontAlgn="base">
+                <a:spcBef>
+                  <a:spcPct val="0"/>
+                </a:spcBef>
+                <a:spcAft>
+                  <a:spcPct val="0"/>
+                </a:spcAft>
+              </a:pPr>
+              <a:t>39</a:t>
+            </a:fld>
+            <a:endParaRPr lang="en-US" smtClean="0"/>
+          </a:p>
+        </p:txBody>
+      </p:sp>
+    </p:spTree>
+    <p:extLst>
+      <p:ext uri="{BB962C8B-B14F-4D97-AF65-F5344CB8AC3E}">
+        <p14:creationId xmlns:p14="http://schemas.microsoft.com/office/powerpoint/2010/main" val="1892431564"/>
+      </p:ext>
+    </p:extLst>
+  </p:cSld>
+  <p:clrMapOvr>
+    <a:masterClrMapping/>
+  </p:clrMapOvr>
+  <p:timing>
+    <p:tnLst>
+      <p:par>
+        <p:cTn id="1" dur="indefinite" restart="never" nodeType="tmRoot"/>
+      </p:par>
+    </p:tnLst>
+  </p:timing>
+</p:sld>
+</file>
+
 <file path=ppt/slides/slide4.xml><?xml version="1.0" encoding="utf-8"?>
 <p:sld xmlns:a="http://schemas.openxmlformats.org/drawingml/2006/main" xmlns:r="http://schemas.openxmlformats.org/officeDocument/2006/relationships" xmlns:p="http://schemas.openxmlformats.org/presentationml/2006/main">
   <p:cSld>
@@ -27001,63 +26704,63 @@
           <a:p>
             <a:pPr lvl="1"/>
             <a:r>
-              <a:rPr lang="en-US" sz="2000" u="sng" dirty="0" smtClean="0"/>
+              <a:rPr lang="en-US" sz="1800" u="sng" dirty="0" smtClean="0"/>
               <a:t>Prevent malnutrition</a:t>
             </a:r>
             <a:r>
-              <a:rPr lang="en-US" sz="2000" dirty="0" smtClean="0"/>
+              <a:rPr lang="en-US" sz="1800" dirty="0" smtClean="0"/>
               <a:t> amongst the senior population</a:t>
             </a:r>
-            <a:endParaRPr lang="en-US" sz="2000" dirty="0"/>
+            <a:endParaRPr lang="en-US" sz="1800" dirty="0"/>
           </a:p>
           <a:p>
             <a:pPr lvl="1"/>
-            <a:endParaRPr lang="en-US" dirty="0" smtClean="0"/>
+            <a:endParaRPr lang="en-US" sz="1800" dirty="0" smtClean="0"/>
           </a:p>
           <a:p>
             <a:pPr lvl="1"/>
             <a:r>
-              <a:rPr lang="en-US" sz="2000" u="sng" dirty="0" smtClean="0"/>
+              <a:rPr lang="en-US" sz="1800" u="sng" dirty="0" smtClean="0"/>
               <a:t>Reduce heath care costs</a:t>
             </a:r>
             <a:r>
-              <a:rPr lang="en-US" sz="2000" dirty="0" smtClean="0"/>
+              <a:rPr lang="en-US" sz="1800" dirty="0" smtClean="0"/>
               <a:t> </a:t>
             </a:r>
             <a:r>
-              <a:rPr lang="en-US" sz="2000" dirty="0"/>
+              <a:rPr lang="en-US" sz="1800" dirty="0"/>
               <a:t>by using the proposed automated </a:t>
             </a:r>
             <a:r>
-              <a:rPr lang="en-US" sz="2000" dirty="0" err="1"/>
+              <a:rPr lang="en-US" sz="1800" dirty="0" err="1"/>
               <a:t>carer</a:t>
             </a:r>
             <a:r>
-              <a:rPr lang="en-US" sz="2000" dirty="0"/>
+              <a:rPr lang="en-US" sz="1800" dirty="0"/>
               <a:t> for nutrition </a:t>
             </a:r>
-            <a:endParaRPr lang="en-US" sz="2000" dirty="0" smtClean="0"/>
+            <a:endParaRPr lang="en-US" sz="1800" dirty="0" smtClean="0"/>
           </a:p>
           <a:p>
             <a:pPr lvl="1"/>
-            <a:endParaRPr lang="en-US" sz="2000" dirty="0"/>
+            <a:endParaRPr lang="en-US" sz="1800" dirty="0"/>
           </a:p>
           <a:p>
             <a:pPr lvl="1"/>
             <a:r>
-              <a:rPr lang="en-US" sz="2000" u="sng" dirty="0"/>
+              <a:rPr lang="en-US" sz="1800" u="sng" dirty="0"/>
               <a:t>Improve</a:t>
             </a:r>
             <a:r>
-              <a:rPr lang="en-US" sz="2000" dirty="0"/>
+              <a:rPr lang="en-US" sz="1800" dirty="0"/>
               <a:t> the overall medical </a:t>
             </a:r>
             <a:r>
-              <a:rPr lang="en-US" sz="2000" dirty="0" smtClean="0"/>
+              <a:rPr lang="en-US" sz="1800" dirty="0" smtClean="0"/>
               <a:t>care </a:t>
             </a:r>
             <a:r>
-              <a:rPr lang="en-US" sz="2000" dirty="0"/>
+              <a:rPr lang="en-US" sz="1800" dirty="0"/>
               <a:t>experience</a:t>
             </a:r>
           </a:p>
@@ -27154,12 +26857,56 @@
           <a:p>
             <a:pPr algn="ctr" eaLnBrk="1" hangingPunct="1"/>
             <a:r>
-              <a:rPr lang="en-US" sz="3000" dirty="0" smtClean="0">
+              <a:rPr lang="en-US" sz="3100" dirty="0" smtClean="0">
                 <a:latin typeface="Arial" pitchFamily="34" charset="0"/>
                 <a:cs typeface="Arial" pitchFamily="34" charset="0"/>
               </a:rPr>
-              <a:t>Agenda</a:t>
-            </a:r>
+              <a:t/>
+            </a:r>
+            <a:br>
+              <a:rPr lang="en-US" sz="3100" dirty="0" smtClean="0">
+                <a:latin typeface="Arial" pitchFamily="34" charset="0"/>
+                <a:cs typeface="Arial" pitchFamily="34" charset="0"/>
+              </a:rPr>
+            </a:br>
+            <a:r>
+              <a:rPr lang="ro-RO" sz="3100" dirty="0" smtClean="0">
+                <a:latin typeface="Arial" pitchFamily="34" charset="0"/>
+                <a:cs typeface="Arial" pitchFamily="34" charset="0"/>
+              </a:rPr>
+              <a:t>Concl</a:t>
+            </a:r>
+            <a:r>
+              <a:rPr lang="en-US" sz="3100" dirty="0" err="1" smtClean="0">
+                <a:latin typeface="Arial" pitchFamily="34" charset="0"/>
+                <a:cs typeface="Arial" pitchFamily="34" charset="0"/>
+              </a:rPr>
+              <a:t>usions</a:t>
+            </a:r>
+            <a:r>
+              <a:rPr lang="en-US" sz="3100" dirty="0" smtClean="0">
+                <a:latin typeface="Arial" pitchFamily="34" charset="0"/>
+                <a:cs typeface="Arial" pitchFamily="34" charset="0"/>
+              </a:rPr>
+              <a:t> and Future Development</a:t>
+            </a:r>
+            <a:r>
+              <a:rPr lang="ro-RO" sz="3100" dirty="0" smtClean="0">
+                <a:latin typeface="Arial" pitchFamily="34" charset="0"/>
+                <a:cs typeface="Arial" pitchFamily="34" charset="0"/>
+              </a:rPr>
+              <a:t/>
+            </a:r>
+            <a:br>
+              <a:rPr lang="ro-RO" sz="3100" dirty="0" smtClean="0">
+                <a:latin typeface="Arial" pitchFamily="34" charset="0"/>
+                <a:cs typeface="Arial" pitchFamily="34" charset="0"/>
+              </a:rPr>
+            </a:br>
+            <a:endParaRPr lang="en-US" sz="3100" dirty="0" smtClean="0">
+              <a:latin typeface="Arial" pitchFamily="34" charset="0"/>
+              <a:cs typeface="Arial" pitchFamily="34" charset="0"/>
+            </a:endParaRPr>
           </a:p>
         </p:txBody>
       </p:sp>
@@ -27175,185 +26922,265 @@
         </p:nvSpPr>
         <p:spPr>
           <a:xfrm>
-            <a:off x="0" y="1600200"/>
-            <a:ext cx="9144000" cy="4495800"/>
+            <a:off x="0" y="1500174"/>
+            <a:ext cx="9143999" cy="5000660"/>
           </a:xfrm>
         </p:spPr>
         <p:txBody>
           <a:bodyPr/>
           <a:lstStyle/>
           <a:p>
-            <a:pPr eaLnBrk="1" hangingPunct="1"/>
-            <a:r>
-              <a:rPr lang="ro-RO" sz="2300" dirty="0" smtClean="0">
+            <a:r>
+              <a:rPr lang="en-US" sz="2400" dirty="0" smtClean="0"/>
+              <a:t>A technique which adapts and hybridizes the Cuckoo Search meta-heuristic </a:t>
+            </a:r>
+            <a:r>
+              <a:rPr lang="en-US" sz="2400" dirty="0" smtClean="0">
                 <a:solidFill>
-                  <a:schemeClr val="bg1">
-                    <a:lumMod val="65000"/>
-                  </a:schemeClr>
+                  <a:srgbClr val="FF0000"/>
                 </a:solidFill>
-                <a:latin typeface="Arial" pitchFamily="34" charset="0"/>
-                <a:cs typeface="Arial" pitchFamily="34" charset="0"/>
-              </a:rPr>
-              <a:t>Introduc</a:t>
-            </a:r>
-            <a:r>
-              <a:rPr lang="en-US" sz="2300" dirty="0" err="1" smtClean="0">
+              </a:rPr>
+              <a:t>[ref] </a:t>
+            </a:r>
+            <a:r>
+              <a:rPr lang="en-US" sz="2400" dirty="0" smtClean="0"/>
+              <a:t>for generating food menu recommendations has been developed</a:t>
+            </a:r>
+          </a:p>
+          <a:p>
+            <a:pPr lvl="1"/>
+            <a:r>
+              <a:rPr lang="en-US" sz="1800" dirty="0" smtClean="0"/>
+              <a:t>An experimental prototype has been developed</a:t>
+            </a:r>
+          </a:p>
+          <a:p>
+            <a:pPr lvl="1"/>
+            <a:r>
+              <a:rPr lang="en-US" sz="1800" dirty="0" smtClean="0"/>
+              <a:t>Experimental results have been made on different user profiles</a:t>
+            </a:r>
+          </a:p>
+          <a:p>
+            <a:pPr lvl="1"/>
+            <a:r>
+              <a:rPr lang="en-US" sz="1800" dirty="0" smtClean="0">
                 <a:solidFill>
-                  <a:schemeClr val="bg1">
-                    <a:lumMod val="65000"/>
-                  </a:schemeClr>
+                  <a:srgbClr val="FF0000"/>
                 </a:solidFill>
-                <a:latin typeface="Arial" pitchFamily="34" charset="0"/>
-                <a:cs typeface="Arial" pitchFamily="34" charset="0"/>
-              </a:rPr>
-              <a:t>tion</a:t>
-            </a:r>
-            <a:endParaRPr lang="ro-RO" sz="2300" dirty="0" smtClean="0">
-              <a:solidFill>
-                <a:schemeClr val="bg1">
-                  <a:lumMod val="65000"/>
-                </a:schemeClr>
-              </a:solidFill>
-              <a:latin typeface="Arial" pitchFamily="34" charset="0"/>
-              <a:cs typeface="Arial" pitchFamily="34" charset="0"/>
-            </a:endParaRPr>
-          </a:p>
-          <a:p>
-            <a:pPr eaLnBrk="1" hangingPunct="1"/>
-            <a:r>
-              <a:rPr lang="en-US" sz="2300" dirty="0" smtClean="0">
+              </a:rPr>
+              <a:t>Care </a:t>
+            </a:r>
+            <a:r>
+              <a:rPr lang="en-US" sz="1800" dirty="0" err="1" smtClean="0">
                 <a:solidFill>
-                  <a:schemeClr val="bg1">
-                    <a:lumMod val="65000"/>
-                  </a:schemeClr>
+                  <a:srgbClr val="FF0000"/>
                 </a:solidFill>
               </a:rPr>
-              <a:t>Objectives and Contributions</a:t>
-            </a:r>
-          </a:p>
-          <a:p>
-            <a:pPr eaLnBrk="1" hangingPunct="1"/>
-            <a:r>
-              <a:rPr lang="en-US" sz="2300" dirty="0" smtClean="0">
+              <a:t>varianta</a:t>
+            </a:r>
+            <a:r>
+              <a:rPr lang="en-US" sz="1800" dirty="0" smtClean="0">
                 <a:solidFill>
-                  <a:schemeClr val="bg1">
-                    <a:lumMod val="65000"/>
-                  </a:schemeClr>
+                  <a:srgbClr val="FF0000"/>
                 </a:solidFill>
-                <a:latin typeface="Arial" pitchFamily="34" charset="0"/>
-                <a:cs typeface="Arial" pitchFamily="34" charset="0"/>
-              </a:rPr>
-              <a:t>Related Work</a:t>
-            </a:r>
-            <a:endParaRPr lang="ro-RO" sz="2300" dirty="0" smtClean="0">
-              <a:solidFill>
-                <a:schemeClr val="bg1">
-                  <a:lumMod val="65000"/>
-                </a:schemeClr>
-              </a:solidFill>
-              <a:latin typeface="Arial" pitchFamily="34" charset="0"/>
-              <a:cs typeface="Arial" pitchFamily="34" charset="0"/>
-            </a:endParaRPr>
-          </a:p>
-          <a:p>
-            <a:pPr eaLnBrk="1" hangingPunct="1"/>
-            <a:r>
-              <a:rPr lang="en-US" sz="2300" dirty="0" smtClean="0">
+              </a:rPr>
+              <a:t> </a:t>
+            </a:r>
+            <a:r>
+              <a:rPr lang="en-US" sz="1800" dirty="0" err="1" smtClean="0">
                 <a:solidFill>
-                  <a:schemeClr val="bg1">
-                    <a:lumMod val="65000"/>
-                  </a:schemeClr>
+                  <a:srgbClr val="FF0000"/>
                 </a:solidFill>
-                <a:latin typeface="Arial" pitchFamily="34" charset="0"/>
-                <a:cs typeface="Arial" pitchFamily="34" charset="0"/>
-              </a:rPr>
-              <a:t>Problem Definition</a:t>
-            </a:r>
-          </a:p>
-          <a:p>
-            <a:pPr eaLnBrk="1" hangingPunct="1"/>
-            <a:r>
-              <a:rPr lang="en-US" sz="2300" dirty="0" smtClean="0">
+              </a:rPr>
+              <a:t>hibrida</a:t>
+            </a:r>
+            <a:r>
+              <a:rPr lang="en-US" sz="1800" dirty="0" smtClean="0">
                 <a:solidFill>
-                  <a:schemeClr val="bg1">
-                    <a:lumMod val="65000"/>
-                  </a:schemeClr>
+                  <a:srgbClr val="FF0000"/>
                 </a:solidFill>
               </a:rPr>
-              <a:t>Cuckoo Search Technique</a:t>
-            </a:r>
-            <a:endParaRPr lang="ro-RO" sz="2300" dirty="0" smtClean="0">
-              <a:solidFill>
-                <a:schemeClr val="bg1">
-                  <a:lumMod val="65000"/>
-                </a:schemeClr>
-              </a:solidFill>
-            </a:endParaRPr>
-          </a:p>
-          <a:p>
-            <a:pPr eaLnBrk="1" hangingPunct="1"/>
-            <a:r>
-              <a:rPr lang="en-US" sz="2300" dirty="0" smtClean="0">
+              <a:t> </a:t>
+            </a:r>
+            <a:r>
+              <a:rPr lang="en-US" sz="1800" dirty="0" err="1" smtClean="0">
                 <a:solidFill>
-                  <a:schemeClr val="bg1">
-                    <a:lumMod val="65000"/>
-                  </a:schemeClr>
+                  <a:srgbClr val="FF0000"/>
                 </a:solidFill>
-                <a:latin typeface="Arial" pitchFamily="34" charset="0"/>
-                <a:cs typeface="Arial" pitchFamily="34" charset="0"/>
-              </a:rPr>
-              <a:t>Experimental Prototype</a:t>
-            </a:r>
-            <a:endParaRPr lang="ro-RO" sz="2300" dirty="0" smtClean="0">
-              <a:solidFill>
-                <a:schemeClr val="bg1">
-                  <a:lumMod val="65000"/>
-                </a:schemeClr>
-              </a:solidFill>
-              <a:latin typeface="Arial" pitchFamily="34" charset="0"/>
-              <a:cs typeface="Arial" pitchFamily="34" charset="0"/>
-            </a:endParaRPr>
-          </a:p>
-          <a:p>
-            <a:pPr eaLnBrk="1" hangingPunct="1"/>
-            <a:r>
-              <a:rPr lang="en-US" sz="2300" dirty="0" smtClean="0">
+              </a:rPr>
+              <a:t>este</a:t>
+            </a:r>
+            <a:r>
+              <a:rPr lang="en-US" sz="1800" dirty="0" smtClean="0">
                 <a:solidFill>
-                  <a:schemeClr val="bg1">
-                    <a:lumMod val="65000"/>
-                  </a:schemeClr>
+                  <a:srgbClr val="FF0000"/>
                 </a:solidFill>
-                <a:latin typeface="Arial" pitchFamily="34" charset="0"/>
-                <a:cs typeface="Arial" pitchFamily="34" charset="0"/>
-              </a:rPr>
-              <a:t>Experimental Results</a:t>
-            </a:r>
-            <a:endParaRPr lang="ro-RO" sz="2300" dirty="0" smtClean="0">
-              <a:solidFill>
-                <a:schemeClr val="bg1">
-                  <a:lumMod val="65000"/>
-                </a:schemeClr>
-              </a:solidFill>
-              <a:latin typeface="Arial" pitchFamily="34" charset="0"/>
-              <a:cs typeface="Arial" pitchFamily="34" charset="0"/>
-            </a:endParaRPr>
-          </a:p>
-          <a:p>
-            <a:pPr eaLnBrk="1" hangingPunct="1"/>
-            <a:r>
-              <a:rPr lang="en-US" sz="2300" dirty="0" smtClean="0">
-                <a:latin typeface="Arial" pitchFamily="34" charset="0"/>
-                <a:cs typeface="Arial" pitchFamily="34" charset="0"/>
-              </a:rPr>
-              <a:t>Conclusions</a:t>
-            </a:r>
-          </a:p>
-          <a:p>
-            <a:pPr lvl="1" eaLnBrk="1" hangingPunct="1"/>
-            <a:endParaRPr lang="en-US" sz="2100" b="1" dirty="0" smtClean="0">
-              <a:latin typeface="Arial" pitchFamily="34" charset="0"/>
-              <a:cs typeface="Arial" pitchFamily="34" charset="0"/>
-            </a:endParaRPr>
+              </a:rPr>
+              <a:t> </a:t>
+            </a:r>
+            <a:r>
+              <a:rPr lang="en-US" sz="1800" dirty="0" err="1" smtClean="0">
+                <a:solidFill>
+                  <a:srgbClr val="FF0000"/>
+                </a:solidFill>
+              </a:rPr>
+              <a:t>mai</a:t>
+            </a:r>
+            <a:r>
+              <a:rPr lang="en-US" sz="1800" dirty="0" smtClean="0">
+                <a:solidFill>
+                  <a:srgbClr val="FF0000"/>
+                </a:solidFill>
+              </a:rPr>
+              <a:t> </a:t>
+            </a:r>
+            <a:r>
+              <a:rPr lang="en-US" sz="1800" dirty="0" err="1" smtClean="0">
+                <a:solidFill>
+                  <a:srgbClr val="FF0000"/>
+                </a:solidFill>
+              </a:rPr>
+              <a:t>buna</a:t>
+            </a:r>
+            <a:r>
+              <a:rPr lang="en-US" sz="1800" dirty="0" smtClean="0">
+                <a:solidFill>
+                  <a:srgbClr val="FF0000"/>
+                </a:solidFill>
+              </a:rPr>
+              <a:t> (</a:t>
+            </a:r>
+            <a:r>
+              <a:rPr lang="en-US" sz="1800" dirty="0" err="1" smtClean="0">
+                <a:solidFill>
+                  <a:srgbClr val="FF0000"/>
+                </a:solidFill>
+              </a:rPr>
+              <a:t>concluzii</a:t>
+            </a:r>
+            <a:r>
+              <a:rPr lang="en-US" sz="1800" dirty="0" smtClean="0">
+                <a:solidFill>
+                  <a:srgbClr val="FF0000"/>
+                </a:solidFill>
+              </a:rPr>
+              <a:t> din </a:t>
+            </a:r>
+            <a:r>
+              <a:rPr lang="en-US" sz="1800" dirty="0" err="1" smtClean="0">
+                <a:solidFill>
+                  <a:srgbClr val="FF0000"/>
+                </a:solidFill>
+              </a:rPr>
+              <a:t>prisma</a:t>
+            </a:r>
+            <a:r>
+              <a:rPr lang="en-US" sz="1800" dirty="0" smtClean="0">
+                <a:solidFill>
+                  <a:srgbClr val="FF0000"/>
+                </a:solidFill>
+              </a:rPr>
+              <a:t> </a:t>
+            </a:r>
+            <a:r>
+              <a:rPr lang="en-US" sz="1800" dirty="0" err="1" smtClean="0">
+                <a:solidFill>
+                  <a:srgbClr val="FF0000"/>
+                </a:solidFill>
+              </a:rPr>
+              <a:t>rezultatelor</a:t>
+            </a:r>
+            <a:r>
+              <a:rPr lang="en-US" sz="1800" dirty="0" smtClean="0">
+                <a:solidFill>
+                  <a:srgbClr val="FF0000"/>
+                </a:solidFill>
+              </a:rPr>
+              <a:t> </a:t>
+            </a:r>
+            <a:r>
+              <a:rPr lang="en-US" sz="1800" dirty="0" err="1" smtClean="0">
+                <a:solidFill>
+                  <a:srgbClr val="FF0000"/>
+                </a:solidFill>
+              </a:rPr>
+              <a:t>obtinute</a:t>
+            </a:r>
+            <a:r>
+              <a:rPr lang="en-US" sz="1800" dirty="0" smtClean="0">
+                <a:solidFill>
+                  <a:srgbClr val="FF0000"/>
+                </a:solidFill>
+              </a:rPr>
+              <a:t>)</a:t>
+            </a:r>
+          </a:p>
+          <a:p>
+            <a:pPr lvl="1"/>
+            <a:endParaRPr lang="en-US" sz="1800" dirty="0" smtClean="0"/>
+          </a:p>
+          <a:p>
+            <a:r>
+              <a:rPr lang="en-US" sz="2400" dirty="0" smtClean="0"/>
+              <a:t>Contributions</a:t>
+            </a:r>
+          </a:p>
+          <a:p>
+            <a:pPr lvl="1"/>
+            <a:r>
+              <a:rPr lang="en-US" sz="1800" dirty="0" smtClean="0"/>
+              <a:t>In collaboration with the Distributed Systems Research Laboratory collective, together with my </a:t>
+            </a:r>
+            <a:r>
+              <a:rPr lang="en-US" sz="1800" dirty="0" err="1" smtClean="0"/>
+              <a:t>collegue</a:t>
+            </a:r>
+            <a:r>
+              <a:rPr lang="en-US" sz="1800" dirty="0" smtClean="0"/>
+              <a:t> Cristian </a:t>
+            </a:r>
+            <a:r>
+              <a:rPr lang="en-US" sz="1800" dirty="0" err="1" smtClean="0"/>
+              <a:t>Prigoana</a:t>
+            </a:r>
+            <a:r>
+              <a:rPr lang="en-US" sz="1800" dirty="0" smtClean="0"/>
+              <a:t> have contributed to the elaboration of the article entitled “</a:t>
+            </a:r>
+            <a:r>
+              <a:rPr lang="en-US" sz="1800" b="1" i="1" dirty="0"/>
+              <a:t>Hybrid Honey Bees Mating Optimization Method for Generating Healthy Menus for Older </a:t>
+            </a:r>
+            <a:r>
+              <a:rPr lang="en-US" sz="1800" b="1" i="1" dirty="0" smtClean="0"/>
+              <a:t>Adults</a:t>
+            </a:r>
+            <a:r>
+              <a:rPr lang="en-US" sz="1800" dirty="0" smtClean="0"/>
+              <a:t>” that has been submitted to the </a:t>
+            </a:r>
+            <a:r>
+              <a:rPr lang="en-US" sz="1800" b="1" dirty="0" smtClean="0"/>
+              <a:t>11</a:t>
+            </a:r>
+            <a:r>
+              <a:rPr lang="en-US" sz="1800" b="1" baseline="30000" dirty="0" smtClean="0"/>
+              <a:t>th</a:t>
+            </a:r>
+            <a:r>
+              <a:rPr lang="en-US" sz="1800" b="1" dirty="0" smtClean="0"/>
+              <a:t> </a:t>
+            </a:r>
+            <a:r>
+              <a:rPr lang="en-US" sz="1800" b="1" dirty="0"/>
+              <a:t>(</a:t>
+            </a:r>
+            <a:r>
+              <a:rPr lang="en-US" sz="1800" b="1" dirty="0" smtClean="0"/>
+              <a:t>ICCP) International Conference on Intelligent Computer Communication and Processing </a:t>
+            </a:r>
+            <a:endParaRPr lang="en-US" sz="1900" b="1" dirty="0" smtClean="0"/>
           </a:p>
         </p:txBody>
       </p:sp>
@@ -27407,12 +27234,83 @@
           </a:p>
         </p:txBody>
       </p:sp>
+      <p:sp>
+        <p:nvSpPr>
+          <p:cNvPr id="104450" name="Rectangle 2"/>
+          <p:cNvSpPr>
+            <a:spLocks noChangeArrowheads="1"/>
+          </p:cNvSpPr>
+          <p:nvPr/>
+        </p:nvSpPr>
+        <p:spPr bwMode="auto">
+          <a:xfrm>
+            <a:off x="0" y="0"/>
+            <a:ext cx="9144000" cy="0"/>
+          </a:xfrm>
+          <a:prstGeom prst="rect">
+            <a:avLst/>
+          </a:prstGeom>
+          <a:noFill/>
+          <a:ln w="9525">
+            <a:noFill/>
+            <a:miter lim="800000"/>
+            <a:headEnd/>
+            <a:tailEnd/>
+          </a:ln>
+          <a:effectLst/>
+        </p:spPr>
+        <p:txBody>
+          <a:bodyPr vert="horz" wrap="none" lIns="91440" tIns="45720" rIns="91440" bIns="45720" numCol="1" anchor="ctr" anchorCtr="0" compatLnSpc="1">
+            <a:prstTxWarp prst="textNoShape">
+              <a:avLst/>
+            </a:prstTxWarp>
+            <a:spAutoFit/>
+          </a:bodyPr>
+          <a:lstStyle/>
+          <a:p>
+            <a:endParaRPr lang="en-US"/>
+          </a:p>
+        </p:txBody>
+      </p:sp>
+      <p:sp>
+        <p:nvSpPr>
+          <p:cNvPr id="104452" name="Rectangle 4"/>
+          <p:cNvSpPr>
+            <a:spLocks noChangeArrowheads="1"/>
+          </p:cNvSpPr>
+          <p:nvPr/>
+        </p:nvSpPr>
+        <p:spPr bwMode="auto">
+          <a:xfrm>
+            <a:off x="0" y="0"/>
+            <a:ext cx="9144000" cy="0"/>
+          </a:xfrm>
+          <a:prstGeom prst="rect">
+            <a:avLst/>
+          </a:prstGeom>
+          <a:noFill/>
+          <a:ln w="9525">
+            <a:noFill/>
+            <a:miter lim="800000"/>
+            <a:headEnd/>
+            <a:tailEnd/>
+          </a:ln>
+          <a:effectLst/>
+        </p:spPr>
+        <p:txBody>
+          <a:bodyPr vert="horz" wrap="none" lIns="91440" tIns="45720" rIns="91440" bIns="45720" numCol="1" anchor="ctr" anchorCtr="0" compatLnSpc="1">
+            <a:prstTxWarp prst="textNoShape">
+              <a:avLst/>
+            </a:prstTxWarp>
+            <a:spAutoFit/>
+          </a:bodyPr>
+          <a:lstStyle/>
+          <a:p>
+            <a:endParaRPr lang="en-US"/>
+          </a:p>
+        </p:txBody>
+      </p:sp>
     </p:spTree>
-    <p:extLst>
-      <p:ext uri="{BB962C8B-B14F-4D97-AF65-F5344CB8AC3E}">
-        <p14:creationId xmlns:p14="http://schemas.microsoft.com/office/powerpoint/2010/main" val="1892431564"/>
-      </p:ext>
-    </p:extLst>
   </p:cSld>
   <p:clrMapOvr>
     <a:masterClrMapping/>
@@ -27446,355 +27344,6 @@
       </p:grpSpPr>
       <p:sp>
         <p:nvSpPr>
-          <p:cNvPr id="7170" name="Title 1"/>
-          <p:cNvSpPr>
-            <a:spLocks noGrp="1"/>
-          </p:cNvSpPr>
-          <p:nvPr>
-            <p:ph type="title"/>
-          </p:nvPr>
-        </p:nvSpPr>
-        <p:spPr>
-          <a:xfrm>
-            <a:off x="0" y="0"/>
-            <a:ext cx="9144000" cy="1295400"/>
-          </a:xfrm>
-        </p:spPr>
-        <p:txBody>
-          <a:bodyPr/>
-          <a:lstStyle/>
-          <a:p>
-            <a:pPr algn="ctr" eaLnBrk="1" hangingPunct="1"/>
-            <a:r>
-              <a:rPr lang="en-US" sz="3100" dirty="0" smtClean="0">
-                <a:latin typeface="Arial" pitchFamily="34" charset="0"/>
-                <a:cs typeface="Arial" pitchFamily="34" charset="0"/>
-              </a:rPr>
-              <a:t/>
-            </a:r>
-            <a:br>
-              <a:rPr lang="en-US" sz="3100" dirty="0" smtClean="0">
-                <a:latin typeface="Arial" pitchFamily="34" charset="0"/>
-                <a:cs typeface="Arial" pitchFamily="34" charset="0"/>
-              </a:rPr>
-            </a:br>
-            <a:r>
-              <a:rPr lang="ro-RO" sz="3100" dirty="0" smtClean="0">
-                <a:latin typeface="Arial" pitchFamily="34" charset="0"/>
-                <a:cs typeface="Arial" pitchFamily="34" charset="0"/>
-              </a:rPr>
-              <a:t>Concl</a:t>
-            </a:r>
-            <a:r>
-              <a:rPr lang="en-US" sz="3100" dirty="0" err="1" smtClean="0">
-                <a:latin typeface="Arial" pitchFamily="34" charset="0"/>
-                <a:cs typeface="Arial" pitchFamily="34" charset="0"/>
-              </a:rPr>
-              <a:t>usions</a:t>
-            </a:r>
-            <a:r>
-              <a:rPr lang="en-US" sz="3100" dirty="0" smtClean="0">
-                <a:latin typeface="Arial" pitchFamily="34" charset="0"/>
-                <a:cs typeface="Arial" pitchFamily="34" charset="0"/>
-              </a:rPr>
-              <a:t> and Future Development</a:t>
-            </a:r>
-            <a:r>
-              <a:rPr lang="ro-RO" sz="3100" dirty="0" smtClean="0">
-                <a:latin typeface="Arial" pitchFamily="34" charset="0"/>
-                <a:cs typeface="Arial" pitchFamily="34" charset="0"/>
-              </a:rPr>
-              <a:t/>
-            </a:r>
-            <a:br>
-              <a:rPr lang="ro-RO" sz="3100" dirty="0" smtClean="0">
-                <a:latin typeface="Arial" pitchFamily="34" charset="0"/>
-                <a:cs typeface="Arial" pitchFamily="34" charset="0"/>
-              </a:rPr>
-            </a:br>
-            <a:endParaRPr lang="en-US" sz="3100" dirty="0" smtClean="0">
-              <a:latin typeface="Arial" pitchFamily="34" charset="0"/>
-              <a:cs typeface="Arial" pitchFamily="34" charset="0"/>
-            </a:endParaRPr>
-          </a:p>
-        </p:txBody>
-      </p:sp>
-      <p:sp>
-        <p:nvSpPr>
-          <p:cNvPr id="7171" name="Content Placeholder 3"/>
-          <p:cNvSpPr>
-            <a:spLocks noGrp="1"/>
-          </p:cNvSpPr>
-          <p:nvPr>
-            <p:ph sz="quarter" idx="1"/>
-          </p:nvPr>
-        </p:nvSpPr>
-        <p:spPr>
-          <a:xfrm>
-            <a:off x="0" y="1500174"/>
-            <a:ext cx="9143999" cy="5000660"/>
-          </a:xfrm>
-        </p:spPr>
-        <p:txBody>
-          <a:bodyPr/>
-          <a:lstStyle/>
-          <a:p>
-            <a:r>
-              <a:rPr lang="en-US" sz="2400" dirty="0" smtClean="0"/>
-              <a:t>A technique which adapts and hybridizes the Cuckoo Search meta-heuristic </a:t>
-            </a:r>
-            <a:r>
-              <a:rPr lang="en-US" sz="2400" dirty="0" smtClean="0">
-                <a:solidFill>
-                  <a:srgbClr val="FF0000"/>
-                </a:solidFill>
-              </a:rPr>
-              <a:t>[ref] </a:t>
-            </a:r>
-            <a:r>
-              <a:rPr lang="en-US" sz="2400" dirty="0" smtClean="0"/>
-              <a:t>for generating food menu recommendations has been developed</a:t>
-            </a:r>
-          </a:p>
-          <a:p>
-            <a:pPr lvl="1"/>
-            <a:r>
-              <a:rPr lang="en-US" sz="1800" dirty="0" smtClean="0"/>
-              <a:t>An experimental prototype has been developed</a:t>
-            </a:r>
-          </a:p>
-          <a:p>
-            <a:pPr lvl="1"/>
-            <a:r>
-              <a:rPr lang="en-US" sz="1800" dirty="0" smtClean="0"/>
-              <a:t>Experimental results have been made on different user profiles</a:t>
-            </a:r>
-          </a:p>
-          <a:p>
-            <a:pPr lvl="1"/>
-            <a:r>
-              <a:rPr lang="en-US" sz="1800" dirty="0" smtClean="0">
-                <a:solidFill>
-                  <a:srgbClr val="FF0000"/>
-                </a:solidFill>
-              </a:rPr>
-              <a:t>Care </a:t>
-            </a:r>
-            <a:r>
-              <a:rPr lang="en-US" sz="1800" dirty="0" err="1" smtClean="0">
-                <a:solidFill>
-                  <a:srgbClr val="FF0000"/>
-                </a:solidFill>
-              </a:rPr>
-              <a:t>varianta</a:t>
-            </a:r>
-            <a:r>
-              <a:rPr lang="en-US" sz="1800" dirty="0" smtClean="0">
-                <a:solidFill>
-                  <a:srgbClr val="FF0000"/>
-                </a:solidFill>
-              </a:rPr>
-              <a:t> </a:t>
-            </a:r>
-            <a:r>
-              <a:rPr lang="en-US" sz="1800" dirty="0" err="1" smtClean="0">
-                <a:solidFill>
-                  <a:srgbClr val="FF0000"/>
-                </a:solidFill>
-              </a:rPr>
-              <a:t>hibrida</a:t>
-            </a:r>
-            <a:r>
-              <a:rPr lang="en-US" sz="1800" dirty="0" smtClean="0">
-                <a:solidFill>
-                  <a:srgbClr val="FF0000"/>
-                </a:solidFill>
-              </a:rPr>
-              <a:t> </a:t>
-            </a:r>
-            <a:r>
-              <a:rPr lang="en-US" sz="1800" dirty="0" err="1" smtClean="0">
-                <a:solidFill>
-                  <a:srgbClr val="FF0000"/>
-                </a:solidFill>
-              </a:rPr>
-              <a:t>este</a:t>
-            </a:r>
-            <a:r>
-              <a:rPr lang="en-US" sz="1800" dirty="0" smtClean="0">
-                <a:solidFill>
-                  <a:srgbClr val="FF0000"/>
-                </a:solidFill>
-              </a:rPr>
-              <a:t> </a:t>
-            </a:r>
-            <a:r>
-              <a:rPr lang="en-US" sz="1800" dirty="0" err="1" smtClean="0">
-                <a:solidFill>
-                  <a:srgbClr val="FF0000"/>
-                </a:solidFill>
-              </a:rPr>
-              <a:t>mai</a:t>
-            </a:r>
-            <a:r>
-              <a:rPr lang="en-US" sz="1800" dirty="0" smtClean="0">
-                <a:solidFill>
-                  <a:srgbClr val="FF0000"/>
-                </a:solidFill>
-              </a:rPr>
-              <a:t> </a:t>
-            </a:r>
-            <a:r>
-              <a:rPr lang="en-US" sz="1800" dirty="0" err="1" smtClean="0">
-                <a:solidFill>
-                  <a:srgbClr val="FF0000"/>
-                </a:solidFill>
-              </a:rPr>
-              <a:t>buna</a:t>
-            </a:r>
-            <a:r>
-              <a:rPr lang="en-US" sz="1800" dirty="0" smtClean="0">
-                <a:solidFill>
-                  <a:srgbClr val="FF0000"/>
-                </a:solidFill>
-              </a:rPr>
-              <a:t> (</a:t>
-            </a:r>
-            <a:r>
-              <a:rPr lang="en-US" sz="1800" dirty="0" err="1" smtClean="0">
-                <a:solidFill>
-                  <a:srgbClr val="FF0000"/>
-                </a:solidFill>
-              </a:rPr>
-              <a:t>concluzii</a:t>
-            </a:r>
-            <a:r>
-              <a:rPr lang="en-US" sz="1800" dirty="0" smtClean="0">
-                <a:solidFill>
-                  <a:srgbClr val="FF0000"/>
-                </a:solidFill>
-              </a:rPr>
-              <a:t> din </a:t>
-            </a:r>
-            <a:r>
-              <a:rPr lang="en-US" sz="1800" dirty="0" err="1" smtClean="0">
-                <a:solidFill>
-                  <a:srgbClr val="FF0000"/>
-                </a:solidFill>
-              </a:rPr>
-              <a:t>prisma</a:t>
-            </a:r>
-            <a:r>
-              <a:rPr lang="en-US" sz="1800" dirty="0" smtClean="0">
-                <a:solidFill>
-                  <a:srgbClr val="FF0000"/>
-                </a:solidFill>
-              </a:rPr>
-              <a:t> </a:t>
-            </a:r>
-            <a:r>
-              <a:rPr lang="en-US" sz="1800" dirty="0" err="1" smtClean="0">
-                <a:solidFill>
-                  <a:srgbClr val="FF0000"/>
-                </a:solidFill>
-              </a:rPr>
-              <a:t>rezultatelor</a:t>
-            </a:r>
-            <a:r>
-              <a:rPr lang="en-US" sz="1800" dirty="0" smtClean="0">
-                <a:solidFill>
-                  <a:srgbClr val="FF0000"/>
-                </a:solidFill>
-              </a:rPr>
-              <a:t> </a:t>
-            </a:r>
-            <a:r>
-              <a:rPr lang="en-US" sz="1800" dirty="0" err="1" smtClean="0">
-                <a:solidFill>
-                  <a:srgbClr val="FF0000"/>
-                </a:solidFill>
-              </a:rPr>
-              <a:t>obtinute</a:t>
-            </a:r>
-            <a:r>
-              <a:rPr lang="en-US" sz="1800" dirty="0" smtClean="0">
-                <a:solidFill>
-                  <a:srgbClr val="FF0000"/>
-                </a:solidFill>
-              </a:rPr>
-              <a:t>)</a:t>
-            </a:r>
-          </a:p>
-          <a:p>
-            <a:pPr lvl="1"/>
-            <a:endParaRPr lang="en-US" sz="1800" dirty="0" smtClean="0"/>
-          </a:p>
-          <a:p>
-            <a:r>
-              <a:rPr lang="en-US" sz="2400" dirty="0" smtClean="0"/>
-              <a:t>Contributions</a:t>
-            </a:r>
-          </a:p>
-          <a:p>
-            <a:pPr lvl="1"/>
-            <a:r>
-              <a:rPr lang="en-US" sz="1800" dirty="0" smtClean="0"/>
-              <a:t>In collaboration with the Distributed Systems Research Laboratory collective, together with my </a:t>
-            </a:r>
-            <a:r>
-              <a:rPr lang="en-US" sz="1800" dirty="0" err="1" smtClean="0"/>
-              <a:t>collegue</a:t>
-            </a:r>
-            <a:r>
-              <a:rPr lang="en-US" sz="1800" dirty="0" smtClean="0"/>
-              <a:t> Cristian </a:t>
-            </a:r>
-            <a:r>
-              <a:rPr lang="en-US" sz="1800" dirty="0" err="1" smtClean="0"/>
-              <a:t>Prigoana</a:t>
-            </a:r>
-            <a:r>
-              <a:rPr lang="en-US" sz="1800" dirty="0" smtClean="0"/>
-              <a:t> have contributed to the elaboration of the article entitled “</a:t>
-            </a:r>
-            <a:r>
-              <a:rPr lang="en-US" sz="1800" b="1" i="1" dirty="0"/>
-              <a:t>Hybrid Honey Bees Mating Optimization Method for Generating Healthy Menus for Older </a:t>
-            </a:r>
-            <a:r>
-              <a:rPr lang="en-US" sz="1800" b="1" i="1" dirty="0" smtClean="0"/>
-              <a:t>Adults</a:t>
-            </a:r>
-            <a:r>
-              <a:rPr lang="en-US" sz="1800" dirty="0" smtClean="0"/>
-              <a:t>” that has been submitted to the </a:t>
-            </a:r>
-            <a:r>
-              <a:rPr lang="en-US" sz="1800" b="1" dirty="0" smtClean="0"/>
-              <a:t>11</a:t>
-            </a:r>
-            <a:r>
-              <a:rPr lang="en-US" sz="1800" b="1" baseline="30000" dirty="0" smtClean="0"/>
-              <a:t>th</a:t>
-            </a:r>
-            <a:r>
-              <a:rPr lang="en-US" sz="1800" b="1" dirty="0" smtClean="0"/>
-              <a:t> </a:t>
-            </a:r>
-            <a:r>
-              <a:rPr lang="en-US" sz="1800" b="1" dirty="0"/>
-              <a:t>(</a:t>
-            </a:r>
-            <a:r>
-              <a:rPr lang="en-US" sz="1800" b="1" dirty="0" smtClean="0"/>
-              <a:t>ICCP) International Conference on Intelligent Computer Communication and Processing </a:t>
-            </a:r>
-            <a:endParaRPr lang="en-US" sz="1900" b="1" dirty="0" smtClean="0"/>
-          </a:p>
-        </p:txBody>
-      </p:sp>
-      <p:sp>
-        <p:nvSpPr>
           <p:cNvPr id="7172" name="Slide Number Placeholder 2"/>
           <p:cNvSpPr>
             <a:spLocks noGrp="1"/>
@@ -27838,164 +27387,6 @@
                 </a:spcAft>
               </a:pPr>
               <a:t>41</a:t>
-            </a:fld>
-            <a:endParaRPr lang="en-US" smtClean="0"/>
-          </a:p>
-        </p:txBody>
-      </p:sp>
-      <p:sp>
-        <p:nvSpPr>
-          <p:cNvPr id="104450" name="Rectangle 2"/>
-          <p:cNvSpPr>
-            <a:spLocks noChangeArrowheads="1"/>
-          </p:cNvSpPr>
-          <p:nvPr/>
-        </p:nvSpPr>
-        <p:spPr bwMode="auto">
-          <a:xfrm>
-            <a:off x="0" y="0"/>
-            <a:ext cx="9144000" cy="0"/>
-          </a:xfrm>
-          <a:prstGeom prst="rect">
-            <a:avLst/>
-          </a:prstGeom>
-          <a:noFill/>
-          <a:ln w="9525">
-            <a:noFill/>
-            <a:miter lim="800000"/>
-            <a:headEnd/>
-            <a:tailEnd/>
-          </a:ln>
-          <a:effectLst/>
-        </p:spPr>
-        <p:txBody>
-          <a:bodyPr vert="horz" wrap="none" lIns="91440" tIns="45720" rIns="91440" bIns="45720" numCol="1" anchor="ctr" anchorCtr="0" compatLnSpc="1">
-            <a:prstTxWarp prst="textNoShape">
-              <a:avLst/>
-            </a:prstTxWarp>
-            <a:spAutoFit/>
-          </a:bodyPr>
-          <a:lstStyle/>
-          <a:p>
-            <a:endParaRPr lang="en-US"/>
-          </a:p>
-        </p:txBody>
-      </p:sp>
-      <p:sp>
-        <p:nvSpPr>
-          <p:cNvPr id="104452" name="Rectangle 4"/>
-          <p:cNvSpPr>
-            <a:spLocks noChangeArrowheads="1"/>
-          </p:cNvSpPr>
-          <p:nvPr/>
-        </p:nvSpPr>
-        <p:spPr bwMode="auto">
-          <a:xfrm>
-            <a:off x="0" y="0"/>
-            <a:ext cx="9144000" cy="0"/>
-          </a:xfrm>
-          <a:prstGeom prst="rect">
-            <a:avLst/>
-          </a:prstGeom>
-          <a:noFill/>
-          <a:ln w="9525">
-            <a:noFill/>
-            <a:miter lim="800000"/>
-            <a:headEnd/>
-            <a:tailEnd/>
-          </a:ln>
-          <a:effectLst/>
-        </p:spPr>
-        <p:txBody>
-          <a:bodyPr vert="horz" wrap="none" lIns="91440" tIns="45720" rIns="91440" bIns="45720" numCol="1" anchor="ctr" anchorCtr="0" compatLnSpc="1">
-            <a:prstTxWarp prst="textNoShape">
-              <a:avLst/>
-            </a:prstTxWarp>
-            <a:spAutoFit/>
-          </a:bodyPr>
-          <a:lstStyle/>
-          <a:p>
-            <a:endParaRPr lang="en-US"/>
-          </a:p>
-        </p:txBody>
-      </p:sp>
-    </p:spTree>
-  </p:cSld>
-  <p:clrMapOvr>
-    <a:masterClrMapping/>
-  </p:clrMapOvr>
-  <p:timing>
-    <p:tnLst>
-      <p:par>
-        <p:cTn id="1" dur="indefinite" restart="never" nodeType="tmRoot"/>
-      </p:par>
-    </p:tnLst>
-  </p:timing>
-</p:sld>
-</file>
-
-<file path=ppt/slides/slide42.xml><?xml version="1.0" encoding="utf-8"?>
-<p:sld xmlns:a="http://schemas.openxmlformats.org/drawingml/2006/main" xmlns:r="http://schemas.openxmlformats.org/officeDocument/2006/relationships" xmlns:p="http://schemas.openxmlformats.org/presentationml/2006/main">
-  <p:cSld>
-    <p:spTree>
-      <p:nvGrpSpPr>
-        <p:cNvPr id="1" name=""/>
-        <p:cNvGrpSpPr/>
-        <p:nvPr/>
-      </p:nvGrpSpPr>
-      <p:grpSpPr>
-        <a:xfrm>
-          <a:off x="0" y="0"/>
-          <a:ext cx="0" cy="0"/>
-          <a:chOff x="0" y="0"/>
-          <a:chExt cx="0" cy="0"/>
-        </a:xfrm>
-      </p:grpSpPr>
-      <p:sp>
-        <p:nvSpPr>
-          <p:cNvPr id="7172" name="Slide Number Placeholder 2"/>
-          <p:cNvSpPr>
-            <a:spLocks noGrp="1"/>
-          </p:cNvSpPr>
-          <p:nvPr>
-            <p:ph type="sldNum" sz="quarter" idx="10"/>
-          </p:nvPr>
-        </p:nvSpPr>
-        <p:spPr bwMode="auto">
-          <a:noFill/>
-          <a:ln>
-            <a:miter lim="800000"/>
-            <a:headEnd/>
-            <a:tailEnd/>
-          </a:ln>
-        </p:spPr>
-        <p:txBody>
-          <a:bodyPr vert="horz" wrap="square" lIns="91440" tIns="45720" rIns="91440" bIns="45720" numCol="1" anchor="t" anchorCtr="0" compatLnSpc="1">
-            <a:prstTxWarp prst="textNoShape">
-              <a:avLst/>
-            </a:prstTxWarp>
-          </a:bodyPr>
-          <a:lstStyle/>
-          <a:p>
-            <a:pPr fontAlgn="base">
-              <a:spcBef>
-                <a:spcPct val="0"/>
-              </a:spcBef>
-              <a:spcAft>
-                <a:spcPct val="0"/>
-              </a:spcAft>
-            </a:pPr>
-            <a:fld id="{FEB3FF15-7694-4C79-A17C-C5F32E1F8115}" type="slidenum">
-              <a:rPr lang="en-US" smtClean="0"/>
-              <a:pPr fontAlgn="base">
-                <a:spcBef>
-                  <a:spcPct val="0"/>
-                </a:spcBef>
-                <a:spcAft>
-                  <a:spcPct val="0"/>
-                </a:spcAft>
-              </a:pPr>
-              <a:t>42</a:t>
             </a:fld>
             <a:endParaRPr lang="en-US" smtClean="0"/>
           </a:p>
@@ -28172,7 +27563,7 @@
 </p:sld>
 </file>
 
-<file path=ppt/slides/slide43.xml><?xml version="1.0" encoding="utf-8"?>
+<file path=ppt/slides/slide42.xml><?xml version="1.0" encoding="utf-8"?>
 <p:sld xmlns:a="http://schemas.openxmlformats.org/drawingml/2006/main" xmlns:r="http://schemas.openxmlformats.org/officeDocument/2006/relationships" xmlns:p="http://schemas.openxmlformats.org/presentationml/2006/main">
   <p:cSld>
     <p:spTree>
@@ -28233,7 +27624,7 @@
                   <a:spcPct val="0"/>
                 </a:spcAft>
               </a:pPr>
-              <a:t>43</a:t>
+              <a:t>42</a:t>
             </a:fld>
             <a:endParaRPr lang="en-US" smtClean="0"/>
           </a:p>
@@ -28427,7 +27818,7 @@
 </p:sld>
 </file>
 
-<file path=ppt/slides/slide44.xml><?xml version="1.0" encoding="utf-8"?>
+<file path=ppt/slides/slide43.xml><?xml version="1.0" encoding="utf-8"?>
 <p:sld xmlns:a="http://schemas.openxmlformats.org/drawingml/2006/main" xmlns:r="http://schemas.openxmlformats.org/officeDocument/2006/relationships" xmlns:p="http://schemas.openxmlformats.org/presentationml/2006/main">
   <p:cSld>
     <p:spTree>
@@ -28488,7 +27879,7 @@
                   <a:spcPct val="0"/>
                 </a:spcAft>
               </a:pPr>
-              <a:t>44</a:t>
+              <a:t>43</a:t>
             </a:fld>
             <a:endParaRPr lang="en-US" smtClean="0"/>
           </a:p>
@@ -28663,7 +28054,7 @@
 </p:sld>
 </file>
 
-<file path=ppt/slides/slide45.xml><?xml version="1.0" encoding="utf-8"?>
+<file path=ppt/slides/slide44.xml><?xml version="1.0" encoding="utf-8"?>
 <p:sld xmlns:a="http://schemas.openxmlformats.org/drawingml/2006/main" xmlns:r="http://schemas.openxmlformats.org/officeDocument/2006/relationships" xmlns:p="http://schemas.openxmlformats.org/presentationml/2006/main">
   <p:cSld>
     <p:spTree>
@@ -28724,7 +28115,7 @@
                   <a:spcPct val="0"/>
                 </a:spcAft>
               </a:pPr>
-              <a:t>45</a:t>
+              <a:t>44</a:t>
             </a:fld>
             <a:endParaRPr lang="en-US" smtClean="0"/>
           </a:p>
@@ -29268,10 +28659,6 @@
               </a:rPr>
               <a:t>Objectives and Contributions</a:t>
             </a:r>
-            <a:endParaRPr lang="en-US" sz="3100" dirty="0" smtClean="0">
-              <a:latin typeface="Arial" pitchFamily="34" charset="0"/>
-              <a:cs typeface="Arial" pitchFamily="34" charset="0"/>
-            </a:endParaRPr>
           </a:p>
         </p:txBody>
       </p:sp>
@@ -29336,13 +28723,8 @@
             <a:pPr lvl="1"/>
             <a:r>
               <a:rPr lang="en-US" sz="1900" dirty="0" smtClean="0"/>
-              <a:t>Development of hybrid cuckoo search based </a:t>
-            </a:r>
-            <a:r>
-              <a:rPr lang="en-US" sz="1900" dirty="0" smtClean="0"/>
-              <a:t>technique</a:t>
-            </a:r>
-            <a:endParaRPr lang="en-US" sz="1900" dirty="0" smtClean="0"/>
+              <a:t>Development of hybrid cuckoo search based technique</a:t>
+            </a:r>
           </a:p>
           <a:p>
             <a:pPr lvl="1"/>
@@ -29355,11 +28737,7 @@
             <a:pPr lvl="1"/>
             <a:r>
               <a:rPr lang="en-US" sz="1900" dirty="0" smtClean="0"/>
-              <a:t>Testing and evaluating the classic version of the algorithm and the hybrid </a:t>
-            </a:r>
-            <a:r>
-              <a:rPr lang="en-US" sz="1900" dirty="0" smtClean="0"/>
-              <a:t>versions using the developed experimental prototype</a:t>
+              <a:t>Testing and evaluating the classic version of the algorithm and the hybrid versions using the developed experimental prototype</a:t>
             </a:r>
             <a:endParaRPr lang="ro-RO" sz="1900" dirty="0" smtClean="0"/>
           </a:p>
